--- a/Submutatiescenario_s.pptx
+++ b/Submutatiescenario_s.pptx
@@ -307,7 +307,7 @@
           <a:p>
             <a:fld id="{02A6C647-4F39-4E22-BFA0-7A057A8C404A}" type="datetimeFigureOut">
               <a:rPr lang="nl-NL" smtClean="0"/>
-              <a:t>11-6-2020</a:t>
+              <a:t>22-6-2020</a:t>
             </a:fld>
             <a:endParaRPr lang="nl-NL"/>
           </a:p>
@@ -505,7 +505,7 @@
           <a:p>
             <a:fld id="{02A6C647-4F39-4E22-BFA0-7A057A8C404A}" type="datetimeFigureOut">
               <a:rPr lang="nl-NL" smtClean="0"/>
-              <a:t>11-6-2020</a:t>
+              <a:t>22-6-2020</a:t>
             </a:fld>
             <a:endParaRPr lang="nl-NL"/>
           </a:p>
@@ -713,7 +713,7 @@
           <a:p>
             <a:fld id="{02A6C647-4F39-4E22-BFA0-7A057A8C404A}" type="datetimeFigureOut">
               <a:rPr lang="nl-NL" smtClean="0"/>
-              <a:t>11-6-2020</a:t>
+              <a:t>22-6-2020</a:t>
             </a:fld>
             <a:endParaRPr lang="nl-NL"/>
           </a:p>
@@ -911,7 +911,7 @@
           <a:p>
             <a:fld id="{02A6C647-4F39-4E22-BFA0-7A057A8C404A}" type="datetimeFigureOut">
               <a:rPr lang="nl-NL" smtClean="0"/>
-              <a:t>11-6-2020</a:t>
+              <a:t>22-6-2020</a:t>
             </a:fld>
             <a:endParaRPr lang="nl-NL"/>
           </a:p>
@@ -1186,7 +1186,7 @@
           <a:p>
             <a:fld id="{02A6C647-4F39-4E22-BFA0-7A057A8C404A}" type="datetimeFigureOut">
               <a:rPr lang="nl-NL" smtClean="0"/>
-              <a:t>11-6-2020</a:t>
+              <a:t>22-6-2020</a:t>
             </a:fld>
             <a:endParaRPr lang="nl-NL"/>
           </a:p>
@@ -1451,7 +1451,7 @@
           <a:p>
             <a:fld id="{02A6C647-4F39-4E22-BFA0-7A057A8C404A}" type="datetimeFigureOut">
               <a:rPr lang="nl-NL" smtClean="0"/>
-              <a:t>11-6-2020</a:t>
+              <a:t>22-6-2020</a:t>
             </a:fld>
             <a:endParaRPr lang="nl-NL"/>
           </a:p>
@@ -1863,7 +1863,7 @@
           <a:p>
             <a:fld id="{02A6C647-4F39-4E22-BFA0-7A057A8C404A}" type="datetimeFigureOut">
               <a:rPr lang="nl-NL" smtClean="0"/>
-              <a:t>11-6-2020</a:t>
+              <a:t>22-6-2020</a:t>
             </a:fld>
             <a:endParaRPr lang="nl-NL"/>
           </a:p>
@@ -2004,7 +2004,7 @@
           <a:p>
             <a:fld id="{02A6C647-4F39-4E22-BFA0-7A057A8C404A}" type="datetimeFigureOut">
               <a:rPr lang="nl-NL" smtClean="0"/>
-              <a:t>11-6-2020</a:t>
+              <a:t>22-6-2020</a:t>
             </a:fld>
             <a:endParaRPr lang="nl-NL"/>
           </a:p>
@@ -2117,7 +2117,7 @@
           <a:p>
             <a:fld id="{02A6C647-4F39-4E22-BFA0-7A057A8C404A}" type="datetimeFigureOut">
               <a:rPr lang="nl-NL" smtClean="0"/>
-              <a:t>11-6-2020</a:t>
+              <a:t>22-6-2020</a:t>
             </a:fld>
             <a:endParaRPr lang="nl-NL"/>
           </a:p>
@@ -2428,7 +2428,7 @@
           <a:p>
             <a:fld id="{02A6C647-4F39-4E22-BFA0-7A057A8C404A}" type="datetimeFigureOut">
               <a:rPr lang="nl-NL" smtClean="0"/>
-              <a:t>11-6-2020</a:t>
+              <a:t>22-6-2020</a:t>
             </a:fld>
             <a:endParaRPr lang="nl-NL"/>
           </a:p>
@@ -2716,7 +2716,7 @@
           <a:p>
             <a:fld id="{02A6C647-4F39-4E22-BFA0-7A057A8C404A}" type="datetimeFigureOut">
               <a:rPr lang="nl-NL" smtClean="0"/>
-              <a:t>11-6-2020</a:t>
+              <a:t>22-6-2020</a:t>
             </a:fld>
             <a:endParaRPr lang="nl-NL"/>
           </a:p>
@@ -2957,7 +2957,7 @@
           <a:p>
             <a:fld id="{02A6C647-4F39-4E22-BFA0-7A057A8C404A}" type="datetimeFigureOut">
               <a:rPr lang="nl-NL" smtClean="0"/>
-              <a:t>11-6-2020</a:t>
+              <a:t>22-6-2020</a:t>
             </a:fld>
             <a:endParaRPr lang="nl-NL"/>
           </a:p>
@@ -4429,11 +4429,7 @@
                   <a:srgbClr val="C00000"/>
                 </a:solidFill>
               </a:rPr>
-              <a:t>&gt; v1 einddatum</a:t>
-            </a:r>
-            <a:r>
-              <a:rPr lang="nl-NL" dirty="0"/>
-              <a:t> </a:t>
+              <a:t>&gt; </a:t>
             </a:r>
             <a:r>
               <a:rPr lang="nl-NL" dirty="0">
@@ -4473,7 +4469,7 @@
                   <a:schemeClr val="accent1"/>
                 </a:solidFill>
               </a:rPr>
-              <a:t>&gt; v2 begindatum</a:t>
+              <a:t>&gt;</a:t>
             </a:r>
           </a:p>
           <a:p>
@@ -4631,7 +4627,7 @@
         <p:spPr/>
         <p:txBody>
           <a:bodyPr>
-            <a:normAutofit fontScale="85000" lnSpcReduction="20000"/>
+            <a:normAutofit fontScale="92500" lnSpcReduction="20000"/>
           </a:bodyPr>
           <a:lstStyle/>
           <a:p>
@@ -4663,97 +4659,32 @@
             <a:r>
               <a:rPr lang="nl-NL" dirty="0">
                 <a:solidFill>
-                  <a:srgbClr val="C00000"/>
-                </a:solidFill>
-              </a:rPr>
-              <a:t>&lt;</a:t>
-            </a:r>
-            <a:r>
-              <a:rPr lang="nl-NL" dirty="0" err="1">
-                <a:solidFill>
-                  <a:srgbClr val="C00000"/>
-                </a:solidFill>
-              </a:rPr>
-              <a:t>verwijderdeTekst</a:t>
-            </a:r>
+                  <a:schemeClr val="accent1"/>
+                </a:solidFill>
+              </a:rPr>
+              <a:t>kantoorruimte, zoals geduid in de GIO ‘kantoorruimte’. (Besluit) </a:t>
+            </a:r>
+          </a:p>
+          <a:p>
+            <a:pPr lvl="3"/>
             <a:r>
               <a:rPr lang="nl-NL" dirty="0">
                 <a:solidFill>
-                  <a:srgbClr val="C00000"/>
-                </a:solidFill>
-              </a:rPr>
-              <a:t>&gt;kantoor&lt;/</a:t>
-            </a:r>
-            <a:r>
-              <a:rPr lang="nl-NL" dirty="0" err="1">
-                <a:solidFill>
-                  <a:srgbClr val="C00000"/>
-                </a:solidFill>
-              </a:rPr>
-              <a:t>verwijderdeTekst</a:t>
-            </a:r>
+                  <a:schemeClr val="accent1"/>
+                </a:solidFill>
+              </a:rPr>
+              <a:t>Toevoegen van een nieuwe GIO </a:t>
+            </a:r>
+          </a:p>
+          <a:p>
+            <a:pPr lvl="3"/>
             <a:r>
               <a:rPr lang="nl-NL" dirty="0">
                 <a:solidFill>
-                  <a:srgbClr val="C00000"/>
-                </a:solidFill>
-              </a:rPr>
-              <a:t>&gt; v1 einddatum</a:t>
-            </a:r>
-            <a:r>
-              <a:rPr lang="nl-NL" dirty="0"/>
-              <a:t> </a:t>
-            </a:r>
-            <a:r>
-              <a:rPr lang="nl-NL" dirty="0">
-                <a:solidFill>
                   <a:schemeClr val="accent1"/>
                 </a:solidFill>
               </a:rPr>
-              <a:t>&lt;</a:t>
-            </a:r>
-            <a:r>
-              <a:rPr lang="nl-NL" dirty="0" err="1">
-                <a:solidFill>
-                  <a:schemeClr val="accent1"/>
-                </a:solidFill>
-              </a:rPr>
-              <a:t>nieuweTekst</a:t>
-            </a:r>
-            <a:r>
-              <a:rPr lang="nl-NL" dirty="0">
-                <a:solidFill>
-                  <a:schemeClr val="accent1"/>
-                </a:solidFill>
-              </a:rPr>
-              <a:t>&gt;kantoorruimte, zoals geduid in de GIO ‘kantoorruimte’&lt;/</a:t>
-            </a:r>
-            <a:r>
-              <a:rPr lang="nl-NL" dirty="0" err="1">
-                <a:solidFill>
-                  <a:schemeClr val="accent1"/>
-                </a:solidFill>
-              </a:rPr>
-              <a:t>nieuweTekst</a:t>
-            </a:r>
-            <a:r>
-              <a:rPr lang="nl-NL" dirty="0">
-                <a:solidFill>
-                  <a:schemeClr val="accent1"/>
-                </a:solidFill>
-              </a:rPr>
-              <a:t>&gt;. </a:t>
-            </a:r>
-          </a:p>
-          <a:p>
-            <a:pPr lvl="3"/>
-            <a:r>
-              <a:rPr lang="nl-NL" dirty="0">
-                <a:solidFill>
-                  <a:schemeClr val="accent1"/>
-                </a:solidFill>
-              </a:rPr>
-              <a:t>Inclusief een nieuwe GIO </a:t>
+              <a:t>Regeltekst aanpassen</a:t>
             </a:r>
           </a:p>
           <a:p>
@@ -4829,45 +4760,11 @@
           </a:p>
           <a:p>
             <a:pPr lvl="1"/>
-            <a:r>
-              <a:rPr lang="nl-NL" i="1" dirty="0">
-                <a:solidFill>
-                  <a:schemeClr val="accent6"/>
-                </a:solidFill>
-              </a:rPr>
-              <a:t>Nl.imow-gm0037.gebied.2019000420 krijgt status ‘Beëindigd + </a:t>
-            </a:r>
-            <a:r>
-              <a:rPr lang="nl-NL" i="1" dirty="0" err="1">
-                <a:solidFill>
-                  <a:schemeClr val="accent6"/>
-                </a:solidFill>
-              </a:rPr>
-              <a:t>geldigTot</a:t>
-            </a:r>
-            <a:r>
-              <a:rPr lang="nl-NL" i="1" dirty="0">
-                <a:solidFill>
-                  <a:schemeClr val="accent6"/>
-                </a:solidFill>
-              </a:rPr>
-              <a:t>’ </a:t>
-            </a:r>
-            <a:br>
-              <a:rPr lang="nl-NL" i="1" dirty="0">
-                <a:solidFill>
-                  <a:schemeClr val="accent6"/>
-                </a:solidFill>
-              </a:rPr>
-            </a:br>
-            <a:r>
-              <a:rPr lang="nl-NL" i="1" dirty="0">
-                <a:solidFill>
-                  <a:schemeClr val="accent6"/>
-                </a:solidFill>
-              </a:rPr>
-              <a:t>mits dit het enige voorkomen is (wie dit uitzoekt, en wie dit doet laten we in het midden).</a:t>
-            </a:r>
+            <a:endParaRPr lang="nl-NL" i="1" dirty="0">
+              <a:solidFill>
+                <a:schemeClr val="accent6"/>
+              </a:solidFill>
+            </a:endParaRPr>
           </a:p>
           <a:p>
             <a:pPr lvl="1"/>
@@ -9939,6 +9836,15 @@
 </file>
 
 <file path=customXml/item1.xml><?xml version="1.0" encoding="utf-8"?>
+<?mso-contentType ?>
+<FormTemplates xmlns="http://schemas.microsoft.com/sharepoint/v3/contenttype/forms">
+  <Display>DocumentLibraryForm</Display>
+  <Edit>DocumentLibraryForm</Edit>
+  <New>DocumentLibraryForm</New>
+</FormTemplates>
+</file>
+
+<file path=customXml/item2.xml><?xml version="1.0" encoding="utf-8"?>
 <ct:contentTypeSchema xmlns:ct="http://schemas.microsoft.com/office/2006/metadata/contentType" xmlns:ma="http://schemas.microsoft.com/office/2006/metadata/properties/metaAttributes" ct:_="" ma:_="" ma:contentTypeName="Document" ma:contentTypeID="0x0101003ADD3040E3157B4E913BCA65F34844D7" ma:contentTypeVersion="10" ma:contentTypeDescription="Een nieuw document maken." ma:contentTypeScope="" ma:versionID="c1765059aa1475931adc12138fdcfd8c">
   <xsd:schema xmlns:xsd="http://www.w3.org/2001/XMLSchema" xmlns:xs="http://www.w3.org/2001/XMLSchema" xmlns:p="http://schemas.microsoft.com/office/2006/metadata/properties" xmlns:ns2="aafb19fa-82be-411d-a6df-c75e9235a4ea" xmlns:ns3="3dfebdfe-2b22-40ba-8672-9fbc9b4066c4" targetNamespace="http://schemas.microsoft.com/office/2006/metadata/properties" ma:root="true" ma:fieldsID="42d79c55539af1f9f274032ce6041302" ns2:_="" ns3:_="">
     <xsd:import namespace="aafb19fa-82be-411d-a6df-c75e9235a4ea"/>
@@ -10141,15 +10047,6 @@
 </ct:contentTypeSchema>
 </file>
 
-<file path=customXml/item2.xml><?xml version="1.0" encoding="utf-8"?>
-<?mso-contentType ?>
-<FormTemplates xmlns="http://schemas.microsoft.com/sharepoint/v3/contenttype/forms">
-  <Display>DocumentLibraryForm</Display>
-  <Edit>DocumentLibraryForm</Edit>
-  <New>DocumentLibraryForm</New>
-</FormTemplates>
-</file>
-
 <file path=customXml/item3.xml><?xml version="1.0" encoding="utf-8"?>
 <p:properties xmlns:p="http://schemas.microsoft.com/office/2006/metadata/properties" xmlns:xsi="http://www.w3.org/2001/XMLSchema-instance" xmlns:pc="http://schemas.microsoft.com/office/infopath/2007/PartnerControls">
   <documentManagement/>
@@ -10157,6 +10054,14 @@
 </file>
 
 <file path=customXml/itemProps1.xml><?xml version="1.0" encoding="utf-8"?>
+<ds:datastoreItem xmlns:ds="http://schemas.openxmlformats.org/officeDocument/2006/customXml" ds:itemID="{F8CFDD08-2AF3-45C0-9BFB-55C0CB45D846}">
+  <ds:schemaRefs>
+    <ds:schemaRef ds:uri="http://schemas.microsoft.com/sharepoint/v3/contenttype/forms"/>
+  </ds:schemaRefs>
+</ds:datastoreItem>
+</file>
+
+<file path=customXml/itemProps2.xml><?xml version="1.0" encoding="utf-8"?>
 <ds:datastoreItem xmlns:ds="http://schemas.openxmlformats.org/officeDocument/2006/customXml" ds:itemID="{86B9146A-7E8D-43BD-BCDA-EAF916D7BF88}">
   <ds:schemaRefs>
     <ds:schemaRef ds:uri="http://schemas.microsoft.com/office/2006/metadata/contentType"/>
@@ -10175,14 +10080,6 @@
 </ds:datastoreItem>
 </file>
 
-<file path=customXml/itemProps2.xml><?xml version="1.0" encoding="utf-8"?>
-<ds:datastoreItem xmlns:ds="http://schemas.openxmlformats.org/officeDocument/2006/customXml" ds:itemID="{F8CFDD08-2AF3-45C0-9BFB-55C0CB45D846}">
-  <ds:schemaRefs>
-    <ds:schemaRef ds:uri="http://schemas.microsoft.com/sharepoint/v3/contenttype/forms"/>
-  </ds:schemaRefs>
-</ds:datastoreItem>
-</file>
-
 <file path=customXml/itemProps3.xml><?xml version="1.0" encoding="utf-8"?>
 <ds:datastoreItem xmlns:ds="http://schemas.openxmlformats.org/officeDocument/2006/customXml" ds:itemID="{44F744C1-7216-4F24-AF2B-C028C1AC510B}">
   <ds:schemaRefs>

--- a/Submutatiescenario_s.pptx
+++ b/Submutatiescenario_s.pptx
@@ -12,28 +12,25 @@
     <p:sldId id="278" r:id="rId9"/>
     <p:sldId id="290" r:id="rId10"/>
     <p:sldId id="289" r:id="rId11"/>
-    <p:sldId id="265" r:id="rId12"/>
+    <p:sldId id="293" r:id="rId12"/>
     <p:sldId id="266" r:id="rId13"/>
-    <p:sldId id="267" r:id="rId14"/>
-    <p:sldId id="276" r:id="rId15"/>
-    <p:sldId id="277" r:id="rId16"/>
-    <p:sldId id="282" r:id="rId17"/>
-    <p:sldId id="268" r:id="rId18"/>
-    <p:sldId id="269" r:id="rId19"/>
-    <p:sldId id="270" r:id="rId20"/>
-    <p:sldId id="271" r:id="rId21"/>
+    <p:sldId id="265" r:id="rId14"/>
+    <p:sldId id="282" r:id="rId15"/>
+    <p:sldId id="268" r:id="rId16"/>
+    <p:sldId id="269" r:id="rId17"/>
+    <p:sldId id="270" r:id="rId18"/>
+    <p:sldId id="271" r:id="rId19"/>
+    <p:sldId id="273" r:id="rId20"/>
+    <p:sldId id="274" r:id="rId21"/>
     <p:sldId id="272" r:id="rId22"/>
-    <p:sldId id="273" r:id="rId23"/>
-    <p:sldId id="274" r:id="rId24"/>
-    <p:sldId id="283" r:id="rId25"/>
-    <p:sldId id="291" r:id="rId26"/>
-    <p:sldId id="285" r:id="rId27"/>
-    <p:sldId id="286" r:id="rId28"/>
-    <p:sldId id="287" r:id="rId29"/>
-    <p:sldId id="288" r:id="rId30"/>
-    <p:sldId id="284" r:id="rId31"/>
-    <p:sldId id="292" r:id="rId32"/>
-    <p:sldId id="280" r:id="rId33"/>
+    <p:sldId id="291" r:id="rId23"/>
+    <p:sldId id="285" r:id="rId24"/>
+    <p:sldId id="286" r:id="rId25"/>
+    <p:sldId id="287" r:id="rId26"/>
+    <p:sldId id="288" r:id="rId27"/>
+    <p:sldId id="284" r:id="rId28"/>
+    <p:sldId id="292" r:id="rId29"/>
+    <p:sldId id="280" r:id="rId30"/>
   </p:sldIdLst>
   <p:sldSz cx="12192000" cy="6858000"/>
   <p:notesSz cx="6858000" cy="9144000"/>
@@ -307,7 +304,7 @@
           <a:p>
             <a:fld id="{02A6C647-4F39-4E22-BFA0-7A057A8C404A}" type="datetimeFigureOut">
               <a:rPr lang="nl-NL" smtClean="0"/>
-              <a:t>22-6-2020</a:t>
+              <a:t>1-7-2020</a:t>
             </a:fld>
             <a:endParaRPr lang="nl-NL"/>
           </a:p>
@@ -505,7 +502,7 @@
           <a:p>
             <a:fld id="{02A6C647-4F39-4E22-BFA0-7A057A8C404A}" type="datetimeFigureOut">
               <a:rPr lang="nl-NL" smtClean="0"/>
-              <a:t>22-6-2020</a:t>
+              <a:t>1-7-2020</a:t>
             </a:fld>
             <a:endParaRPr lang="nl-NL"/>
           </a:p>
@@ -713,7 +710,7 @@
           <a:p>
             <a:fld id="{02A6C647-4F39-4E22-BFA0-7A057A8C404A}" type="datetimeFigureOut">
               <a:rPr lang="nl-NL" smtClean="0"/>
-              <a:t>22-6-2020</a:t>
+              <a:t>1-7-2020</a:t>
             </a:fld>
             <a:endParaRPr lang="nl-NL"/>
           </a:p>
@@ -911,7 +908,7 @@
           <a:p>
             <a:fld id="{02A6C647-4F39-4E22-BFA0-7A057A8C404A}" type="datetimeFigureOut">
               <a:rPr lang="nl-NL" smtClean="0"/>
-              <a:t>22-6-2020</a:t>
+              <a:t>1-7-2020</a:t>
             </a:fld>
             <a:endParaRPr lang="nl-NL"/>
           </a:p>
@@ -1186,7 +1183,7 @@
           <a:p>
             <a:fld id="{02A6C647-4F39-4E22-BFA0-7A057A8C404A}" type="datetimeFigureOut">
               <a:rPr lang="nl-NL" smtClean="0"/>
-              <a:t>22-6-2020</a:t>
+              <a:t>1-7-2020</a:t>
             </a:fld>
             <a:endParaRPr lang="nl-NL"/>
           </a:p>
@@ -1451,7 +1448,7 @@
           <a:p>
             <a:fld id="{02A6C647-4F39-4E22-BFA0-7A057A8C404A}" type="datetimeFigureOut">
               <a:rPr lang="nl-NL" smtClean="0"/>
-              <a:t>22-6-2020</a:t>
+              <a:t>1-7-2020</a:t>
             </a:fld>
             <a:endParaRPr lang="nl-NL"/>
           </a:p>
@@ -1863,7 +1860,7 @@
           <a:p>
             <a:fld id="{02A6C647-4F39-4E22-BFA0-7A057A8C404A}" type="datetimeFigureOut">
               <a:rPr lang="nl-NL" smtClean="0"/>
-              <a:t>22-6-2020</a:t>
+              <a:t>1-7-2020</a:t>
             </a:fld>
             <a:endParaRPr lang="nl-NL"/>
           </a:p>
@@ -2004,7 +2001,7 @@
           <a:p>
             <a:fld id="{02A6C647-4F39-4E22-BFA0-7A057A8C404A}" type="datetimeFigureOut">
               <a:rPr lang="nl-NL" smtClean="0"/>
-              <a:t>22-6-2020</a:t>
+              <a:t>1-7-2020</a:t>
             </a:fld>
             <a:endParaRPr lang="nl-NL"/>
           </a:p>
@@ -2117,7 +2114,7 @@
           <a:p>
             <a:fld id="{02A6C647-4F39-4E22-BFA0-7A057A8C404A}" type="datetimeFigureOut">
               <a:rPr lang="nl-NL" smtClean="0"/>
-              <a:t>22-6-2020</a:t>
+              <a:t>1-7-2020</a:t>
             </a:fld>
             <a:endParaRPr lang="nl-NL"/>
           </a:p>
@@ -2428,7 +2425,7 @@
           <a:p>
             <a:fld id="{02A6C647-4F39-4E22-BFA0-7A057A8C404A}" type="datetimeFigureOut">
               <a:rPr lang="nl-NL" smtClean="0"/>
-              <a:t>22-6-2020</a:t>
+              <a:t>1-7-2020</a:t>
             </a:fld>
             <a:endParaRPr lang="nl-NL"/>
           </a:p>
@@ -2716,7 +2713,7 @@
           <a:p>
             <a:fld id="{02A6C647-4F39-4E22-BFA0-7A057A8C404A}" type="datetimeFigureOut">
               <a:rPr lang="nl-NL" smtClean="0"/>
-              <a:t>22-6-2020</a:t>
+              <a:t>1-7-2020</a:t>
             </a:fld>
             <a:endParaRPr lang="nl-NL"/>
           </a:p>
@@ -2957,7 +2954,7 @@
           <a:p>
             <a:fld id="{02A6C647-4F39-4E22-BFA0-7A057A8C404A}" type="datetimeFigureOut">
               <a:rPr lang="nl-NL" smtClean="0"/>
-              <a:t>22-6-2020</a:t>
+              <a:t>1-7-2020</a:t>
             </a:fld>
             <a:endParaRPr lang="nl-NL"/>
           </a:p>
@@ -3437,7 +3434,7 @@
           <p:cNvPr id="2" name="Titel 1">
             <a:extLst>
               <a:ext uri="{FF2B5EF4-FFF2-40B4-BE49-F238E27FC236}">
-                <a16:creationId xmlns:a16="http://schemas.microsoft.com/office/drawing/2014/main" id="{4831C7C9-EE19-4E08-91D3-86B528EBEC20}"/>
+                <a16:creationId xmlns:a16="http://schemas.microsoft.com/office/drawing/2014/main" id="{9BB5B7C5-1DED-47EB-86FA-074E4340B130}"/>
               </a:ext>
             </a:extLst>
           </p:cNvPr>
@@ -3446,52 +3443,6 @@
           </p:cNvSpPr>
           <p:nvPr>
             <p:ph type="title"/>
-          </p:nvPr>
-        </p:nvSpPr>
-        <p:spPr/>
-        <p:txBody>
-          <a:bodyPr>
-            <a:normAutofit fontScale="90000"/>
-          </a:bodyPr>
-          <a:lstStyle/>
-          <a:p>
-            <a:r>
-              <a:rPr lang="nl-NL" b="1" dirty="0"/>
-              <a:t>2c</a:t>
-            </a:r>
-            <a:r>
-              <a:rPr lang="nl-NL" dirty="0"/>
-              <a:t>)</a:t>
-            </a:r>
-            <a:r>
-              <a:rPr lang="nl-NL" b="1" dirty="0"/>
-              <a:t> </a:t>
-            </a:r>
-            <a:r>
-              <a:rPr lang="nl-NL" dirty="0"/>
-              <a:t>wijzigen van artikel (van plek 3 naar plek 2)</a:t>
-            </a:r>
-            <a:br>
-              <a:rPr lang="nl-NL" dirty="0"/>
-            </a:br>
-            <a:endParaRPr lang="nl-NL" dirty="0"/>
-          </a:p>
-        </p:txBody>
-      </p:sp>
-      <p:sp>
-        <p:nvSpPr>
-          <p:cNvPr id="3" name="Tijdelijke aanduiding voor inhoud 2">
-            <a:extLst>
-              <a:ext uri="{FF2B5EF4-FFF2-40B4-BE49-F238E27FC236}">
-                <a16:creationId xmlns:a16="http://schemas.microsoft.com/office/drawing/2014/main" id="{2A0926F6-80E3-4FA1-9E9A-AF4D5EA92191}"/>
-              </a:ext>
-            </a:extLst>
-          </p:cNvPr>
-          <p:cNvSpPr>
-            <a:spLocks noGrp="1"/>
-          </p:cNvSpPr>
-          <p:nvPr>
-            <p:ph idx="1"/>
           </p:nvPr>
         </p:nvSpPr>
         <p:spPr/>
@@ -3501,70 +3452,51 @@
           <a:p>
             <a:r>
               <a:rPr lang="nl-NL" dirty="0"/>
-              <a:t>In dit mutatiescenario:</a:t>
-            </a:r>
-          </a:p>
-          <a:p>
-            <a:pPr lvl="1"/>
-            <a:r>
-              <a:rPr lang="nl-NL" dirty="0"/>
-              <a:t>Hoofdstuk 2</a:t>
-            </a:r>
-          </a:p>
-          <a:p>
-            <a:pPr lvl="2"/>
-            <a:r>
-              <a:rPr lang="nl-NL" dirty="0"/>
-              <a:t>Paragraaf 2</a:t>
-            </a:r>
-          </a:p>
-          <a:p>
-            <a:pPr lvl="3"/>
-            <a:r>
-              <a:rPr lang="nl-NL" dirty="0"/>
-              <a:t>Artikel 2.10 Gebruiksactiviteiten toegestaan na melding</a:t>
-            </a:r>
-          </a:p>
-          <a:p>
-            <a:pPr lvl="3"/>
-            <a:r>
-              <a:rPr lang="nl-NL" dirty="0"/>
-              <a:t>Artikel 2.11 Gebruiksactiviteiten toegestaan na vergunning </a:t>
-            </a:r>
-            <a:r>
-              <a:rPr lang="nl-NL" u="sng" dirty="0">
-                <a:solidFill>
-                  <a:schemeClr val="accent1"/>
-                </a:solidFill>
-              </a:rPr>
-              <a:t>(naar 2.12)</a:t>
-            </a:r>
-            <a:endParaRPr lang="nl-NL" dirty="0"/>
-          </a:p>
-          <a:p>
-            <a:pPr lvl="3"/>
-            <a:r>
-              <a:rPr lang="nl-NL" dirty="0"/>
-              <a:t>Artikel 2.12 Omgevingswaarde stikstofdioxide </a:t>
-            </a:r>
-            <a:r>
-              <a:rPr lang="nl-NL" u="sng" dirty="0">
-                <a:solidFill>
-                  <a:schemeClr val="accent1"/>
-                </a:solidFill>
-              </a:rPr>
-              <a:t>(naar 2.11)</a:t>
-            </a:r>
-          </a:p>
-          <a:p>
-            <a:endParaRPr lang="nl-NL" dirty="0"/>
-          </a:p>
-        </p:txBody>
-      </p:sp>
+              <a:t>2d en 2e) verwijderen en toevoegen Artikel</a:t>
+            </a:r>
+          </a:p>
+        </p:txBody>
+      </p:sp>
+      <p:pic>
+        <p:nvPicPr>
+          <p:cNvPr id="6" name="Content Placeholder 8" descr="A screenshot of a cell phone&#10;&#10;Description automatically generated">
+            <a:extLst>
+              <a:ext uri="{FF2B5EF4-FFF2-40B4-BE49-F238E27FC236}">
+                <a16:creationId xmlns:a16="http://schemas.microsoft.com/office/drawing/2014/main" id="{938CFC9A-8846-424D-8814-4318AB4C29EB}"/>
+              </a:ext>
+            </a:extLst>
+          </p:cNvPr>
+          <p:cNvPicPr>
+            <a:picLocks noGrp="1" noChangeAspect="1"/>
+          </p:cNvPicPr>
+          <p:nvPr/>
+        </p:nvPicPr>
+        <p:blipFill>
+          <a:blip r:embed="rId2">
+            <a:extLst>
+              <a:ext uri="{28A0092B-C50C-407E-A947-70E740481C1C}">
+                <a14:useLocalDpi xmlns:a14="http://schemas.microsoft.com/office/drawing/2010/main" val="0"/>
+              </a:ext>
+            </a:extLst>
+          </a:blip>
+          <a:stretch>
+            <a:fillRect/>
+          </a:stretch>
+        </p:blipFill>
+        <p:spPr>
+          <a:xfrm>
+            <a:off x="838200" y="1383076"/>
+            <a:ext cx="9368822" cy="5271719"/>
+          </a:xfrm>
+          <a:prstGeom prst="rect">
+            <a:avLst/>
+          </a:prstGeom>
+        </p:spPr>
+      </p:pic>
     </p:spTree>
     <p:extLst>
       <p:ext uri="{BB962C8B-B14F-4D97-AF65-F5344CB8AC3E}">
-        <p14:creationId xmlns:p14="http://schemas.microsoft.com/office/powerpoint/2010/main" val="961547591"/>
+        <p14:creationId xmlns:p14="http://schemas.microsoft.com/office/powerpoint/2010/main" val="2905295421"/>
       </p:ext>
     </p:extLst>
   </p:cSld>
@@ -3596,7 +3528,7 @@
           <p:cNvPr id="2" name="Titel 1">
             <a:extLst>
               <a:ext uri="{FF2B5EF4-FFF2-40B4-BE49-F238E27FC236}">
-                <a16:creationId xmlns:a16="http://schemas.microsoft.com/office/drawing/2014/main" id="{4FE85472-1FAC-4CE8-9D7D-F1FFA19DB22A}"/>
+                <a16:creationId xmlns:a16="http://schemas.microsoft.com/office/drawing/2014/main" id="{4807AA1E-3C8C-4DDC-8507-0343C03B691C}"/>
               </a:ext>
             </a:extLst>
           </p:cNvPr>
@@ -3614,7 +3546,7 @@
           <a:p>
             <a:r>
               <a:rPr lang="nl-NL" dirty="0"/>
-              <a:t>2d) verfijnen van structuur</a:t>
+              <a:t>Uitgangspunten OW-wijzigen</a:t>
             </a:r>
           </a:p>
         </p:txBody>
@@ -3624,7 +3556,7 @@
           <p:cNvPr id="3" name="Tijdelijke aanduiding voor inhoud 2">
             <a:extLst>
               <a:ext uri="{FF2B5EF4-FFF2-40B4-BE49-F238E27FC236}">
-                <a16:creationId xmlns:a16="http://schemas.microsoft.com/office/drawing/2014/main" id="{D534079F-E7AD-4FC1-B4F4-D07E1AC868B3}"/>
+                <a16:creationId xmlns:a16="http://schemas.microsoft.com/office/drawing/2014/main" id="{48C74831-36BE-42E0-BA96-C3AD5032EECD}"/>
               </a:ext>
             </a:extLst>
           </p:cNvPr>
@@ -3640,121 +3572,62 @@
           <a:bodyPr/>
           <a:lstStyle/>
           <a:p>
-            <a:r>
-              <a:rPr lang="nl-NL" dirty="0"/>
-              <a:t>Opnieuw rangschikken van bestaande objecten</a:t>
-            </a:r>
-          </a:p>
-          <a:p>
-            <a:pPr lvl="1"/>
+            <a:pPr marL="514350" indent="-514350">
+              <a:buFont typeface="+mj-lt"/>
+              <a:buAutoNum type="arabicPeriod"/>
+            </a:pPr>
+            <a:r>
+              <a:rPr lang="nl-NL" dirty="0"/>
+              <a:t>Bij een nieuw object krijgt dit gewoon een nieuwe identificatie (zoals bij een ‘gewone’ aanlevering)</a:t>
+            </a:r>
+          </a:p>
+          <a:p>
+            <a:pPr marL="514350" indent="-514350">
+              <a:buFont typeface="+mj-lt"/>
+              <a:buAutoNum type="arabicPeriod"/>
+            </a:pPr>
+            <a:r>
+              <a:rPr lang="nl-NL" dirty="0"/>
+              <a:t>Bij het muteren van een object wordt dezelfde identificatie meegegeven, maar andere inhoud van attributen.</a:t>
+            </a:r>
+          </a:p>
+          <a:p>
+            <a:pPr marL="514350" indent="-514350">
+              <a:buFont typeface="+mj-lt"/>
+              <a:buAutoNum type="arabicPeriod"/>
+            </a:pPr>
+            <a:r>
+              <a:rPr lang="nl-NL" dirty="0"/>
+              <a:t>Bij het verwijderen van een object wordt een status ‘Beëindigen’ meegegeven. </a:t>
+            </a:r>
+          </a:p>
+          <a:p>
+            <a:pPr marL="514350" indent="-514350">
+              <a:buFont typeface="+mj-lt"/>
+              <a:buAutoNum type="arabicPeriod"/>
+            </a:pPr>
+            <a:r>
+              <a:rPr lang="nl-NL" dirty="0"/>
+              <a:t>Er worden altijd alleen wijzigingen aangeleverd. </a:t>
+            </a:r>
+            <a:br>
+              <a:rPr lang="nl-NL" dirty="0"/>
+            </a:br>
+            <a:r>
+              <a:rPr lang="nl-NL" sz="2000" i="1" dirty="0"/>
+              <a:t>(Er valt over te praten indien softwareleveranciers liever alles aanleveren, maar dat heeft niet de voorkeur vanuit OZON.)</a:t>
+            </a:r>
+            <a:br>
+              <a:rPr lang="nl-NL" dirty="0"/>
+            </a:br>
             <a:endParaRPr lang="nl-NL" dirty="0"/>
-          </a:p>
-        </p:txBody>
-      </p:sp>
-      <p:sp>
-        <p:nvSpPr>
-          <p:cNvPr id="4" name="Rechthoek 3">
-            <a:extLst>
-              <a:ext uri="{FF2B5EF4-FFF2-40B4-BE49-F238E27FC236}">
-                <a16:creationId xmlns:a16="http://schemas.microsoft.com/office/drawing/2014/main" id="{9753CF8D-5706-4B5A-A39F-6E410C782FE1}"/>
-              </a:ext>
-            </a:extLst>
-          </p:cNvPr>
-          <p:cNvSpPr/>
-          <p:nvPr/>
-        </p:nvSpPr>
-        <p:spPr>
-          <a:xfrm>
-            <a:off x="229298" y="2405109"/>
-            <a:ext cx="11607567" cy="2862322"/>
-          </a:xfrm>
-          <a:prstGeom prst="rect">
-            <a:avLst/>
-          </a:prstGeom>
-        </p:spPr>
-        <p:txBody>
-          <a:bodyPr wrap="square">
-            <a:spAutoFit/>
-          </a:bodyPr>
-          <a:lstStyle/>
-          <a:p>
-            <a:pPr lvl="2"/>
-            <a:r>
-              <a:rPr lang="nl-NL" dirty="0"/>
-              <a:t>Paragraaf 5 (oud)</a:t>
-            </a:r>
-          </a:p>
-          <a:p>
-            <a:pPr lvl="3"/>
-            <a:r>
-              <a:rPr lang="nl-NL" dirty="0"/>
-              <a:t>Artikel 2.13: Omgevingsplanactiviteiten bouwen</a:t>
-            </a:r>
-          </a:p>
-          <a:p>
-            <a:pPr lvl="3"/>
-            <a:r>
-              <a:rPr lang="nl-NL" dirty="0"/>
-              <a:t>Artikel 2.14: Bouwregels geluidsgevoelige gebouwen </a:t>
-            </a:r>
-          </a:p>
-          <a:p>
-            <a:pPr lvl="3"/>
-            <a:r>
-              <a:rPr lang="nl-NL" dirty="0"/>
-              <a:t>Artikel 2.15: Bouwregels bedrijfsgebouwen</a:t>
-            </a:r>
-          </a:p>
-          <a:p>
-            <a:pPr lvl="3"/>
-            <a:endParaRPr lang="nl-NL" dirty="0">
-              <a:solidFill>
-                <a:schemeClr val="accent1"/>
-              </a:solidFill>
-            </a:endParaRPr>
-          </a:p>
-          <a:p>
-            <a:pPr lvl="2"/>
-            <a:r>
-              <a:rPr lang="nl-NL" dirty="0"/>
-              <a:t>Paragraaf 5 (nieuw)</a:t>
-            </a:r>
-          </a:p>
-          <a:p>
-            <a:pPr lvl="3"/>
-            <a:r>
-              <a:rPr lang="nl-NL" dirty="0"/>
-              <a:t>Artikel 2.13: Omgevingsplanactiviteiten bouwen</a:t>
-            </a:r>
-          </a:p>
-          <a:p>
-            <a:pPr lvl="3"/>
-            <a:r>
-              <a:rPr lang="nl-NL" dirty="0"/>
-              <a:t>Artikel 2.13 lid a: Bouwregels geluidsgevoelige gebouwen </a:t>
-            </a:r>
-          </a:p>
-          <a:p>
-            <a:pPr lvl="3"/>
-            <a:r>
-              <a:rPr lang="nl-NL" dirty="0"/>
-              <a:t>Artikel 2.13 lid b: Bouwregels bedrijfsgebouwen</a:t>
-            </a:r>
-          </a:p>
-          <a:p>
-            <a:pPr lvl="3"/>
-            <a:endParaRPr lang="nl-NL" dirty="0">
-              <a:solidFill>
-                <a:schemeClr val="accent1"/>
-              </a:solidFill>
-            </a:endParaRPr>
           </a:p>
         </p:txBody>
       </p:sp>
     </p:spTree>
     <p:extLst>
       <p:ext uri="{BB962C8B-B14F-4D97-AF65-F5344CB8AC3E}">
-        <p14:creationId xmlns:p14="http://schemas.microsoft.com/office/powerpoint/2010/main" val="765390350"/>
+        <p14:creationId xmlns:p14="http://schemas.microsoft.com/office/powerpoint/2010/main" val="2780136624"/>
       </p:ext>
     </p:extLst>
   </p:cSld>
@@ -3786,7 +3659,7 @@
           <p:cNvPr id="2" name="Titel 1">
             <a:extLst>
               <a:ext uri="{FF2B5EF4-FFF2-40B4-BE49-F238E27FC236}">
-                <a16:creationId xmlns:a16="http://schemas.microsoft.com/office/drawing/2014/main" id="{F58921E3-55D0-47CB-BBA5-AA4D819055EA}"/>
+                <a16:creationId xmlns:a16="http://schemas.microsoft.com/office/drawing/2014/main" id="{DB834981-2FD6-41E0-AB3D-450680960569}"/>
               </a:ext>
             </a:extLst>
           </p:cNvPr>
@@ -3797,106 +3670,67 @@
             <p:ph type="title"/>
           </p:nvPr>
         </p:nvSpPr>
-        <p:spPr/>
+        <p:spPr>
+          <a:xfrm>
+            <a:off x="838200" y="-106824"/>
+            <a:ext cx="10515600" cy="1325563"/>
+          </a:xfrm>
+        </p:spPr>
         <p:txBody>
           <a:bodyPr/>
           <a:lstStyle/>
           <a:p>
             <a:r>
-              <a:rPr lang="nl-NL" dirty="0"/>
-              <a:t>2e) verwijderen van artikel</a:t>
-            </a:r>
-          </a:p>
-        </p:txBody>
-      </p:sp>
-      <p:sp>
-        <p:nvSpPr>
-          <p:cNvPr id="3" name="Tijdelijke aanduiding voor inhoud 2">
-            <a:extLst>
-              <a:ext uri="{FF2B5EF4-FFF2-40B4-BE49-F238E27FC236}">
-                <a16:creationId xmlns:a16="http://schemas.microsoft.com/office/drawing/2014/main" id="{73129A35-CEE7-48F7-9BC3-83C9869AB7FD}"/>
-              </a:ext>
-            </a:extLst>
-          </p:cNvPr>
-          <p:cNvSpPr>
-            <a:spLocks noGrp="1"/>
-          </p:cNvSpPr>
-          <p:nvPr>
-            <p:ph idx="1"/>
-          </p:nvPr>
-        </p:nvSpPr>
-        <p:spPr/>
-        <p:txBody>
-          <a:bodyPr/>
-          <a:lstStyle/>
-          <a:p>
-            <a:r>
-              <a:rPr lang="nl-NL" dirty="0"/>
-              <a:t>In dit mutatiescenario:</a:t>
-            </a:r>
-          </a:p>
-          <a:p>
-            <a:pPr lvl="1"/>
-            <a:r>
-              <a:rPr lang="nl-NL" dirty="0"/>
-              <a:t>Hoofdstuk 2</a:t>
-            </a:r>
-          </a:p>
-          <a:p>
-            <a:pPr lvl="2"/>
-            <a:r>
-              <a:rPr lang="nl-NL" dirty="0"/>
-              <a:t>Paragraaf 2</a:t>
-            </a:r>
-          </a:p>
-          <a:p>
-            <a:pPr lvl="3"/>
-            <a:r>
-              <a:rPr lang="nl-NL" dirty="0"/>
-              <a:t>Artikel 2.10 Gebruiksactiviteiten toegestaan na melding</a:t>
-            </a:r>
-          </a:p>
-          <a:p>
-            <a:pPr lvl="3"/>
-            <a:r>
-              <a:rPr lang="nl-NL" dirty="0"/>
-              <a:t>Artikel 2.11 Gebruiksactiviteiten toegestaan na vergunning </a:t>
-            </a:r>
-            <a:r>
-              <a:rPr lang="nl-NL" u="sng" dirty="0">
-                <a:solidFill>
-                  <a:schemeClr val="accent1"/>
-                </a:solidFill>
-              </a:rPr>
-              <a:t>(</a:t>
-            </a:r>
-            <a:r>
-              <a:rPr lang="nl-NL" u="sng" dirty="0" err="1">
-                <a:solidFill>
-                  <a:schemeClr val="accent1"/>
-                </a:solidFill>
-              </a:rPr>
-              <a:t>wijzigArtikel</a:t>
-            </a:r>
-            <a:r>
-              <a:rPr lang="nl-NL" u="sng" dirty="0">
-                <a:solidFill>
-                  <a:schemeClr val="accent1"/>
-                </a:solidFill>
-              </a:rPr>
-              <a:t>)</a:t>
-            </a:r>
-            <a:endParaRPr lang="nl-NL" dirty="0"/>
-          </a:p>
-          <a:p>
-            <a:endParaRPr lang="nl-NL" dirty="0"/>
-          </a:p>
-        </p:txBody>
-      </p:sp>
+              <a:rPr lang="nl-NL" b="1" dirty="0"/>
+              <a:t>3a</a:t>
+            </a:r>
+            <a:r>
+              <a:rPr lang="nl-NL" dirty="0"/>
+              <a:t>) wijziging van de tekst van het artikel, zonder overige implicaties</a:t>
+            </a:r>
+          </a:p>
+        </p:txBody>
+      </p:sp>
+      <p:pic>
+        <p:nvPicPr>
+          <p:cNvPr id="7" name="Afbeelding 6" descr="Afbeelding met schermafbeelding&#10;&#10;Automatisch gegenereerde beschrijving">
+            <a:extLst>
+              <a:ext uri="{FF2B5EF4-FFF2-40B4-BE49-F238E27FC236}">
+                <a16:creationId xmlns:a16="http://schemas.microsoft.com/office/drawing/2014/main" id="{9FC540F7-D459-4403-B29D-34301C9A0E30}"/>
+              </a:ext>
+            </a:extLst>
+          </p:cNvPr>
+          <p:cNvPicPr>
+            <a:picLocks noChangeAspect="1"/>
+          </p:cNvPicPr>
+          <p:nvPr/>
+        </p:nvPicPr>
+        <p:blipFill>
+          <a:blip r:embed="rId2">
+            <a:extLst>
+              <a:ext uri="{28A0092B-C50C-407E-A947-70E740481C1C}">
+                <a14:useLocalDpi xmlns:a14="http://schemas.microsoft.com/office/drawing/2010/main" val="0"/>
+              </a:ext>
+            </a:extLst>
+          </a:blip>
+          <a:stretch>
+            <a:fillRect/>
+          </a:stretch>
+        </p:blipFill>
+        <p:spPr>
+          <a:xfrm>
+            <a:off x="641347" y="1027906"/>
+            <a:ext cx="10162053" cy="5718060"/>
+          </a:xfrm>
+          <a:prstGeom prst="rect">
+            <a:avLst/>
+          </a:prstGeom>
+        </p:spPr>
+      </p:pic>
     </p:spTree>
     <p:extLst>
       <p:ext uri="{BB962C8B-B14F-4D97-AF65-F5344CB8AC3E}">
-        <p14:creationId xmlns:p14="http://schemas.microsoft.com/office/powerpoint/2010/main" val="3185767313"/>
+        <p14:creationId xmlns:p14="http://schemas.microsoft.com/office/powerpoint/2010/main" val="2215200265"/>
       </p:ext>
     </p:extLst>
   </p:cSld>
@@ -3928,7 +3762,7 @@
           <p:cNvPr id="2" name="Titel 1">
             <a:extLst>
               <a:ext uri="{FF2B5EF4-FFF2-40B4-BE49-F238E27FC236}">
-                <a16:creationId xmlns:a16="http://schemas.microsoft.com/office/drawing/2014/main" id="{4807AA1E-3C8C-4DDC-8507-0343C03B691C}"/>
+                <a16:creationId xmlns:a16="http://schemas.microsoft.com/office/drawing/2014/main" id="{CBCDAE21-FCD9-4B51-B867-EB5C2E23CC4B}"/>
               </a:ext>
             </a:extLst>
           </p:cNvPr>
@@ -3939,83 +3773,33 @@
             <p:ph type="title"/>
           </p:nvPr>
         </p:nvSpPr>
-        <p:spPr/>
-        <p:txBody>
-          <a:bodyPr/>
+        <p:spPr>
+          <a:xfrm>
+            <a:off x="769166" y="207808"/>
+            <a:ext cx="10515600" cy="1325563"/>
+          </a:xfrm>
+        </p:spPr>
+        <p:txBody>
+          <a:bodyPr>
+            <a:normAutofit fontScale="90000"/>
+          </a:bodyPr>
           <a:lstStyle/>
           <a:p>
             <a:r>
-              <a:rPr lang="nl-NL" dirty="0"/>
-              <a:t>Uitgangspunten OW-wijzigen</a:t>
-            </a:r>
-          </a:p>
-        </p:txBody>
-      </p:sp>
-      <p:sp>
-        <p:nvSpPr>
-          <p:cNvPr id="3" name="Tijdelijke aanduiding voor inhoud 2">
-            <a:extLst>
-              <a:ext uri="{FF2B5EF4-FFF2-40B4-BE49-F238E27FC236}">
-                <a16:creationId xmlns:a16="http://schemas.microsoft.com/office/drawing/2014/main" id="{48C74831-36BE-42E0-BA96-C3AD5032EECD}"/>
-              </a:ext>
-            </a:extLst>
-          </p:cNvPr>
-          <p:cNvSpPr>
-            <a:spLocks noGrp="1"/>
-          </p:cNvSpPr>
-          <p:nvPr>
-            <p:ph idx="1"/>
-          </p:nvPr>
-        </p:nvSpPr>
-        <p:spPr/>
-        <p:txBody>
-          <a:bodyPr/>
-          <a:lstStyle/>
-          <a:p>
-            <a:pPr marL="514350" indent="-514350">
-              <a:buFont typeface="+mj-lt"/>
-              <a:buAutoNum type="arabicPeriod"/>
-            </a:pPr>
-            <a:r>
-              <a:rPr lang="nl-NL" dirty="0"/>
-              <a:t>Bij een nieuw object krijgt dit gewoon een nieuwe identificatie (zoals bij een ‘gewone’ aanlevering)</a:t>
-            </a:r>
-          </a:p>
-          <a:p>
-            <a:pPr marL="514350" indent="-514350">
-              <a:buFont typeface="+mj-lt"/>
-              <a:buAutoNum type="arabicPeriod"/>
-            </a:pPr>
-            <a:r>
-              <a:rPr lang="nl-NL" dirty="0"/>
-              <a:t>Bij het muteren van een object wordt dezelfde identificatie meegegeven, maar andere attributen.</a:t>
-            </a:r>
-          </a:p>
-          <a:p>
-            <a:pPr marL="514350" indent="-514350">
-              <a:buFont typeface="+mj-lt"/>
-              <a:buAutoNum type="arabicPeriod"/>
-            </a:pPr>
-            <a:r>
-              <a:rPr lang="nl-NL" dirty="0"/>
-              <a:t>Bij het verwijderen van een object wordt een status ‘Beëindigen’ meegegeven. </a:t>
-            </a:r>
-          </a:p>
-          <a:p>
-            <a:pPr marL="514350" indent="-514350">
-              <a:buFont typeface="+mj-lt"/>
-              <a:buAutoNum type="arabicPeriod"/>
-            </a:pPr>
-            <a:r>
-              <a:rPr lang="nl-NL" dirty="0"/>
-              <a:t>Er worden altijd alleen wijzigingen aangeleverd. </a:t>
-            </a:r>
-            <a:br>
-              <a:rPr lang="nl-NL" dirty="0"/>
-            </a:br>
-            <a:r>
-              <a:rPr lang="nl-NL" sz="2000" i="1" dirty="0"/>
-              <a:t>(Er valt over te praten indien softwareleveranciers liever alles aanleveren, maar dat heeft niet de voorkeur vanuit OZON.)</a:t>
+              <a:rPr lang="nl-NL" b="1" dirty="0"/>
+              <a:t>3b</a:t>
+            </a:r>
+            <a:r>
+              <a:rPr lang="nl-NL" dirty="0"/>
+              <a:t>)</a:t>
+            </a:r>
+            <a:r>
+              <a:rPr lang="nl-NL" b="1" dirty="0"/>
+              <a:t> </a:t>
+            </a:r>
+            <a:r>
+              <a:rPr lang="nl-NL" dirty="0"/>
+              <a:t>wijziging van de tekst van het artikel, waarbij de activiteit wordt aangepast</a:t>
             </a:r>
             <a:br>
               <a:rPr lang="nl-NL" dirty="0"/>
@@ -4024,10 +3808,46 @@
           </a:p>
         </p:txBody>
       </p:sp>
+      <p:pic>
+        <p:nvPicPr>
+          <p:cNvPr id="7" name="Afbeelding 6" descr="Afbeelding met schermafbeelding&#10;&#10;Automatisch gegenereerde beschrijving">
+            <a:extLst>
+              <a:ext uri="{FF2B5EF4-FFF2-40B4-BE49-F238E27FC236}">
+                <a16:creationId xmlns:a16="http://schemas.microsoft.com/office/drawing/2014/main" id="{9303848A-036A-4A2B-B005-A0BCA2795114}"/>
+              </a:ext>
+            </a:extLst>
+          </p:cNvPr>
+          <p:cNvPicPr>
+            <a:picLocks noChangeAspect="1"/>
+          </p:cNvPicPr>
+          <p:nvPr/>
+        </p:nvPicPr>
+        <p:blipFill>
+          <a:blip r:embed="rId2">
+            <a:extLst>
+              <a:ext uri="{28A0092B-C50C-407E-A947-70E740481C1C}">
+                <a14:useLocalDpi xmlns:a14="http://schemas.microsoft.com/office/drawing/2010/main" val="0"/>
+              </a:ext>
+            </a:extLst>
+          </a:blip>
+          <a:stretch>
+            <a:fillRect/>
+          </a:stretch>
+        </p:blipFill>
+        <p:spPr>
+          <a:xfrm>
+            <a:off x="769166" y="1139940"/>
+            <a:ext cx="10162053" cy="5718060"/>
+          </a:xfrm>
+          <a:prstGeom prst="rect">
+            <a:avLst/>
+          </a:prstGeom>
+        </p:spPr>
+      </p:pic>
     </p:spTree>
     <p:extLst>
       <p:ext uri="{BB962C8B-B14F-4D97-AF65-F5344CB8AC3E}">
-        <p14:creationId xmlns:p14="http://schemas.microsoft.com/office/powerpoint/2010/main" val="2780136624"/>
+        <p14:creationId xmlns:p14="http://schemas.microsoft.com/office/powerpoint/2010/main" val="251184934"/>
       </p:ext>
     </p:extLst>
   </p:cSld>
@@ -4059,7 +3879,7 @@
           <p:cNvPr id="2" name="Titel 1">
             <a:extLst>
               <a:ext uri="{FF2B5EF4-FFF2-40B4-BE49-F238E27FC236}">
-                <a16:creationId xmlns:a16="http://schemas.microsoft.com/office/drawing/2014/main" id="{DB834981-2FD6-41E0-AB3D-450680960569}"/>
+                <a16:creationId xmlns:a16="http://schemas.microsoft.com/office/drawing/2014/main" id="{09EE4764-1D94-47EF-825A-30DBBAB2F6FE}"/>
               </a:ext>
             </a:extLst>
           </p:cNvPr>
@@ -4072,17 +3892,31 @@
         </p:nvSpPr>
         <p:spPr/>
         <p:txBody>
-          <a:bodyPr/>
+          <a:bodyPr>
+            <a:normAutofit fontScale="90000"/>
+          </a:bodyPr>
           <a:lstStyle/>
           <a:p>
             <a:r>
               <a:rPr lang="nl-NL" b="1" dirty="0"/>
-              <a:t>3a</a:t>
-            </a:r>
-            <a:r>
-              <a:rPr lang="nl-NL" dirty="0"/>
-              <a:t>) wijziging van de tekst van het artikel, zonder overige implicaties</a:t>
-            </a:r>
+              <a:t>3c</a:t>
+            </a:r>
+            <a:r>
+              <a:rPr lang="nl-NL" dirty="0"/>
+              <a:t>)</a:t>
+            </a:r>
+            <a:r>
+              <a:rPr lang="nl-NL" b="1" dirty="0"/>
+              <a:t> </a:t>
+            </a:r>
+            <a:r>
+              <a:rPr lang="nl-NL" dirty="0"/>
+              <a:t>wijziging van de tekst van het artikel, inclusief het toevoegen van een GIO</a:t>
+            </a:r>
+            <a:br>
+              <a:rPr lang="nl-NL" dirty="0"/>
+            </a:br>
+            <a:endParaRPr lang="nl-NL" dirty="0"/>
           </a:p>
         </p:txBody>
       </p:sp>
@@ -4091,7 +3925,7 @@
           <p:cNvPr id="3" name="Tijdelijke aanduiding voor inhoud 2">
             <a:extLst>
               <a:ext uri="{FF2B5EF4-FFF2-40B4-BE49-F238E27FC236}">
-                <a16:creationId xmlns:a16="http://schemas.microsoft.com/office/drawing/2014/main" id="{96796FFC-11A5-4C12-AC8A-83D390A9FF3C}"/>
+                <a16:creationId xmlns:a16="http://schemas.microsoft.com/office/drawing/2014/main" id="{EEC8CDA3-BE46-4037-968E-FC59E6B41B70}"/>
               </a:ext>
             </a:extLst>
           </p:cNvPr>
@@ -4104,7 +3938,9 @@
         </p:nvSpPr>
         <p:spPr/>
         <p:txBody>
-          <a:bodyPr/>
+          <a:bodyPr>
+            <a:normAutofit fontScale="92500" lnSpcReduction="20000"/>
+          </a:bodyPr>
           <a:lstStyle/>
           <a:p>
             <a:r>
@@ -4130,147 +3966,135 @@
             <a:pPr lvl="3"/>
             <a:r>
               <a:rPr lang="nl-NL" dirty="0"/>
-              <a:t>Het </a:t>
+              <a:t>het exploiteren van een </a:t>
             </a:r>
             <a:r>
               <a:rPr lang="nl-NL" dirty="0">
                 <a:solidFill>
-                  <a:srgbClr val="C00000"/>
+                  <a:schemeClr val="accent1"/>
                 </a:solidFill>
               </a:rPr>
-              <a:t>&lt;</a:t>
-            </a:r>
-            <a:r>
-              <a:rPr lang="nl-NL" dirty="0" err="1">
-                <a:solidFill>
-                  <a:srgbClr val="C00000"/>
+              <a:t>kantoorruimte, zoals geduid in de GIO ‘kantoorruimte’. (Besluit) </a:t>
+            </a:r>
+          </a:p>
+          <a:p>
+            <a:pPr lvl="3"/>
+            <a:r>
+              <a:rPr lang="nl-NL" dirty="0">
+                <a:solidFill>
+                  <a:schemeClr val="accent1"/>
                 </a:solidFill>
               </a:rPr>
-              <a:t>verwijderdeTekst</a:t>
-            </a:r>
+              <a:t>Toevoegen van een nieuwe GIO </a:t>
+            </a:r>
+          </a:p>
+          <a:p>
+            <a:pPr lvl="3"/>
             <a:r>
               <a:rPr lang="nl-NL" dirty="0">
                 <a:solidFill>
-                  <a:srgbClr val="C00000"/>
+                  <a:schemeClr val="accent1"/>
                 </a:solidFill>
               </a:rPr>
-              <a:t>&gt;</a:t>
-            </a:r>
-            <a:r>
-              <a:rPr lang="nl-NL" dirty="0"/>
-              <a:t>uitoefenen van dienstverlening</a:t>
-            </a:r>
+              <a:t>Regeltekst aanpassen</a:t>
+            </a:r>
+          </a:p>
+          <a:p>
+            <a:pPr lvl="1"/>
             <a:r>
               <a:rPr lang="nl-NL" dirty="0">
                 <a:solidFill>
-                  <a:srgbClr val="C00000"/>
+                  <a:schemeClr val="accent6"/>
                 </a:solidFill>
               </a:rPr>
-              <a:t>&lt;/</a:t>
-            </a:r>
-            <a:r>
-              <a:rPr lang="nl-NL" dirty="0" err="1">
-                <a:solidFill>
-                  <a:srgbClr val="C00000"/>
+              <a:t>Aanpassingen voor: gebiedsaanwijzing (functie) en locatie</a:t>
+            </a:r>
+            <a:endParaRPr lang="nl-NL" i="1" dirty="0">
+              <a:solidFill>
+                <a:schemeClr val="accent6"/>
+              </a:solidFill>
+            </a:endParaRPr>
+          </a:p>
+          <a:p>
+            <a:pPr lvl="2"/>
+            <a:r>
+              <a:rPr lang="nl-NL" dirty="0">
+                <a:solidFill>
+                  <a:schemeClr val="accent6"/>
                 </a:solidFill>
               </a:rPr>
-              <a:t>verwijderdeTekst</a:t>
-            </a:r>
+              <a:t>Locatie (nieuw): Nl.imow-gm0037.locatie.2019000416</a:t>
+            </a:r>
+          </a:p>
+          <a:p>
+            <a:pPr lvl="2"/>
             <a:r>
               <a:rPr lang="nl-NL" dirty="0">
                 <a:solidFill>
-                  <a:srgbClr val="C00000"/>
+                  <a:schemeClr val="accent6"/>
                 </a:solidFill>
               </a:rPr>
-              <a:t>&gt; v1 einddatum </a:t>
-            </a:r>
+              <a:t>Gebied (nieuw): Nl.imow-gm0037.gebied.2019000421. </a:t>
+            </a:r>
+          </a:p>
+          <a:p>
+            <a:pPr lvl="2"/>
             <a:r>
               <a:rPr lang="nl-NL" dirty="0">
                 <a:solidFill>
-                  <a:schemeClr val="accent1"/>
+                  <a:schemeClr val="accent6"/>
                 </a:solidFill>
               </a:rPr>
-              <a:t>&lt;</a:t>
-            </a:r>
-            <a:r>
-              <a:rPr lang="nl-NL" dirty="0" err="1">
-                <a:solidFill>
-                  <a:schemeClr val="accent1"/>
+              <a:t>Gebiedsaanwijzing (nieuw): Nl.imow-gm0037.gebiedsaanwijzing.2019000438 (Type = ‘Functie’, Groep = ‘Kantoor’, noemer = ‘kantoorruimte’)</a:t>
+            </a:r>
+          </a:p>
+          <a:p>
+            <a:pPr lvl="2"/>
+            <a:r>
+              <a:rPr lang="nl-NL" dirty="0">
+                <a:solidFill>
+                  <a:schemeClr val="accent6"/>
                 </a:solidFill>
               </a:rPr>
-              <a:t>nieuweTekst</a:t>
-            </a:r>
+              <a:t>In dit gebied verwijs je naar de GIO ‘kantoorruimte’.</a:t>
+            </a:r>
+          </a:p>
+          <a:p>
+            <a:pPr lvl="2"/>
             <a:r>
               <a:rPr lang="nl-NL" dirty="0">
                 <a:solidFill>
-                  <a:schemeClr val="accent1"/>
+                  <a:schemeClr val="accent6"/>
                 </a:solidFill>
               </a:rPr>
-              <a:t>&gt;</a:t>
-            </a:r>
-            <a:r>
-              <a:rPr lang="nl-NL" dirty="0"/>
-              <a:t>verlenen van diensten</a:t>
-            </a:r>
-            <a:r>
-              <a:rPr lang="nl-NL" dirty="0">
-                <a:solidFill>
-                  <a:schemeClr val="accent1"/>
-                </a:solidFill>
-              </a:rPr>
-              <a:t>&lt;/</a:t>
-            </a:r>
-            <a:r>
-              <a:rPr lang="nl-NL" dirty="0" err="1">
-                <a:solidFill>
-                  <a:schemeClr val="accent1"/>
-                </a:solidFill>
-              </a:rPr>
-              <a:t>nieuweTekst</a:t>
-            </a:r>
-            <a:r>
-              <a:rPr lang="nl-NL" dirty="0">
-                <a:solidFill>
-                  <a:schemeClr val="accent1"/>
-                </a:solidFill>
-              </a:rPr>
-              <a:t>&gt; </a:t>
-            </a:r>
-            <a:r>
-              <a:rPr lang="nl-NL" u="sng" dirty="0">
-                <a:solidFill>
-                  <a:schemeClr val="accent1"/>
-                </a:solidFill>
-              </a:rPr>
-              <a:t>v2 begindatum</a:t>
-            </a:r>
+              <a:t>Activiteit (aanpassing): Nl.imow-gm0037.activiteit.2019000210 had naam ‘exploiteren van een kantoor’ en locatieaanduiding richting ‘Centrumgebied’ heeft nu locatieaanduiding ‘Kantoorruimte’</a:t>
+            </a:r>
+          </a:p>
+          <a:p>
+            <a:pPr lvl="1"/>
+            <a:endParaRPr lang="nl-NL" i="1" dirty="0">
+              <a:solidFill>
+                <a:schemeClr val="accent6"/>
+              </a:solidFill>
+            </a:endParaRPr>
+          </a:p>
+          <a:p>
+            <a:pPr lvl="1"/>
             <a:endParaRPr lang="nl-NL" dirty="0">
               <a:solidFill>
-                <a:schemeClr val="accent1"/>
+                <a:schemeClr val="accent6"/>
               </a:solidFill>
             </a:endParaRPr>
           </a:p>
           <a:p>
-            <a:pPr lvl="1"/>
-            <a:r>
-              <a:rPr lang="nl-NL" dirty="0">
-                <a:solidFill>
-                  <a:schemeClr val="accent6"/>
-                </a:solidFill>
-              </a:rPr>
-              <a:t>Voor OW heeft dit alleen implicaties indien je besluit de activiteit anders te noemen, dat is in dit voorbeeld niet het geval</a:t>
-            </a:r>
-            <a:r>
-              <a:rPr lang="nl-NL" dirty="0"/>
-              <a:t>.</a:t>
-            </a:r>
+            <a:endParaRPr lang="nl-NL" dirty="0"/>
           </a:p>
         </p:txBody>
       </p:sp>
     </p:spTree>
     <p:extLst>
       <p:ext uri="{BB962C8B-B14F-4D97-AF65-F5344CB8AC3E}">
-        <p14:creationId xmlns:p14="http://schemas.microsoft.com/office/powerpoint/2010/main" val="2215200265"/>
+        <p14:creationId xmlns:p14="http://schemas.microsoft.com/office/powerpoint/2010/main" val="1142416558"/>
       </p:ext>
     </p:extLst>
   </p:cSld>
@@ -4302,7 +4126,7 @@
           <p:cNvPr id="2" name="Titel 1">
             <a:extLst>
               <a:ext uri="{FF2B5EF4-FFF2-40B4-BE49-F238E27FC236}">
-                <a16:creationId xmlns:a16="http://schemas.microsoft.com/office/drawing/2014/main" id="{CBCDAE21-FCD9-4B51-B867-EB5C2E23CC4B}"/>
+                <a16:creationId xmlns:a16="http://schemas.microsoft.com/office/drawing/2014/main" id="{31829385-1F91-4EEE-9659-6CA14A8584CD}"/>
               </a:ext>
             </a:extLst>
           </p:cNvPr>
@@ -4315,227 +4139,287 @@
         </p:nvSpPr>
         <p:spPr/>
         <p:txBody>
+          <a:bodyPr/>
+          <a:lstStyle/>
+          <a:p>
+            <a:r>
+              <a:rPr lang="nl-NL" b="1" dirty="0"/>
+              <a:t>3d</a:t>
+            </a:r>
+            <a:r>
+              <a:rPr lang="nl-NL" dirty="0"/>
+              <a:t>) verwijderen van het artikel, inclusief het verwijderen van een GIO</a:t>
+            </a:r>
+          </a:p>
+        </p:txBody>
+      </p:sp>
+      <p:sp>
+        <p:nvSpPr>
+          <p:cNvPr id="3" name="Tijdelijke aanduiding voor inhoud 2">
+            <a:extLst>
+              <a:ext uri="{FF2B5EF4-FFF2-40B4-BE49-F238E27FC236}">
+                <a16:creationId xmlns:a16="http://schemas.microsoft.com/office/drawing/2014/main" id="{D61C3116-85D5-4FED-B9E6-8BC2BEED0216}"/>
+              </a:ext>
+            </a:extLst>
+          </p:cNvPr>
+          <p:cNvSpPr>
+            <a:spLocks noGrp="1"/>
+          </p:cNvSpPr>
+          <p:nvPr>
+            <p:ph idx="1"/>
+          </p:nvPr>
+        </p:nvSpPr>
+        <p:spPr/>
+        <p:txBody>
           <a:bodyPr>
-            <a:normAutofit fontScale="90000"/>
+            <a:normAutofit fontScale="70000" lnSpcReduction="20000"/>
           </a:bodyPr>
           <a:lstStyle/>
           <a:p>
             <a:r>
-              <a:rPr lang="nl-NL" b="1" dirty="0"/>
-              <a:t>3b</a:t>
-            </a:r>
-            <a:r>
-              <a:rPr lang="nl-NL" dirty="0"/>
+              <a:rPr lang="nl-NL" dirty="0"/>
+              <a:t>In dit mutatiescenario </a:t>
+            </a:r>
+            <a:r>
+              <a:rPr lang="nl-NL" sz="1200" dirty="0"/>
+              <a:t>(#</a:t>
+            </a:r>
+            <a:r>
+              <a:rPr lang="nl-NL" sz="1200" dirty="0" err="1"/>
+              <a:t>doeiStikstofCrisis</a:t>
+            </a:r>
+            <a:r>
+              <a:rPr lang="nl-NL" sz="1200" dirty="0"/>
               <a:t>)</a:t>
             </a:r>
-            <a:r>
-              <a:rPr lang="nl-NL" b="1" dirty="0"/>
-              <a:t> </a:t>
-            </a:r>
-            <a:r>
-              <a:rPr lang="nl-NL" dirty="0"/>
-              <a:t>wijziging van de tekst van het artikel, waarbij de activiteit wordt aangepast</a:t>
-            </a:r>
-            <a:br>
-              <a:rPr lang="nl-NL" dirty="0"/>
-            </a:br>
-            <a:endParaRPr lang="nl-NL" dirty="0"/>
-          </a:p>
-        </p:txBody>
-      </p:sp>
-      <p:sp>
-        <p:nvSpPr>
-          <p:cNvPr id="3" name="Tijdelijke aanduiding voor inhoud 2">
-            <a:extLst>
-              <a:ext uri="{FF2B5EF4-FFF2-40B4-BE49-F238E27FC236}">
-                <a16:creationId xmlns:a16="http://schemas.microsoft.com/office/drawing/2014/main" id="{79C23D84-16E0-4ACC-A76A-6BEF0906AC1E}"/>
-              </a:ext>
-            </a:extLst>
-          </p:cNvPr>
-          <p:cNvSpPr>
-            <a:spLocks noGrp="1"/>
-          </p:cNvSpPr>
-          <p:nvPr>
-            <p:ph idx="1"/>
-          </p:nvPr>
-        </p:nvSpPr>
-        <p:spPr/>
-        <p:txBody>
-          <a:bodyPr>
-            <a:normAutofit/>
-          </a:bodyPr>
-          <a:lstStyle/>
-          <a:p>
-            <a:r>
-              <a:rPr lang="nl-NL" dirty="0"/>
-              <a:t>In dit mutatiescenario:</a:t>
-            </a:r>
           </a:p>
           <a:p>
             <a:pPr lvl="1"/>
             <a:r>
               <a:rPr lang="nl-NL" dirty="0"/>
-              <a:t>Artikel: 2.10</a:t>
+              <a:t>Hoofdstuk 2</a:t>
             </a:r>
           </a:p>
           <a:p>
             <a:pPr lvl="2"/>
             <a:r>
               <a:rPr lang="nl-NL" dirty="0"/>
-              <a:t>Ter plaatse van het werkingsgebied van de functie 'Centrumgebied' mag de locatie in ieder geval worden gebruikt voor het verrichten van de volgende gebruiksactiviteiten:</a:t>
+              <a:t>Paragraaf 4</a:t>
             </a:r>
           </a:p>
           <a:p>
             <a:pPr lvl="3"/>
             <a:r>
               <a:rPr lang="nl-NL" dirty="0"/>
-              <a:t>het exploiteren van een </a:t>
+              <a:t>(</a:t>
+            </a:r>
+            <a:r>
+              <a:rPr lang="nl-NL" b="1" dirty="0">
+                <a:solidFill>
+                  <a:srgbClr val="FF0000"/>
+                </a:solidFill>
+              </a:rPr>
+              <a:t>VERWIJDEREN</a:t>
+            </a:r>
+            <a:r>
+              <a:rPr lang="nl-NL" dirty="0"/>
+              <a:t>) Artikel 2.12 Omgevingswaarde stikstofdioxide </a:t>
             </a:r>
             <a:r>
               <a:rPr lang="nl-NL" dirty="0">
                 <a:solidFill>
-                  <a:srgbClr val="C00000"/>
+                  <a:srgbClr val="FF0000"/>
                 </a:solidFill>
               </a:rPr>
-              <a:t>&lt;</a:t>
+              <a:t>Einddatum </a:t>
+            </a:r>
+          </a:p>
+          <a:p>
+            <a:pPr lvl="2"/>
+            <a:r>
+              <a:rPr lang="nl-NL" dirty="0"/>
+              <a:t>Paragraaf 5 </a:t>
+            </a:r>
+          </a:p>
+          <a:p>
+            <a:pPr lvl="3"/>
+            <a:r>
+              <a:rPr lang="nl-NL" dirty="0"/>
+              <a:t>Artikel 2.13: Omgevingsplanactiviteiten bouwen </a:t>
+            </a:r>
+          </a:p>
+          <a:p>
+            <a:pPr lvl="3"/>
+            <a:r>
+              <a:rPr lang="nl-NL" dirty="0"/>
+              <a:t>Artikel 2.14: Bouwregels geluidsgevoelige gebouwen</a:t>
+            </a:r>
+          </a:p>
+          <a:p>
+            <a:pPr lvl="3"/>
+            <a:r>
+              <a:rPr lang="nl-NL" dirty="0"/>
+              <a:t>Artikel 2.15: Bouwregels bedrijfsgebouwen</a:t>
+            </a:r>
+          </a:p>
+          <a:p>
+            <a:r>
+              <a:rPr lang="nl-NL" dirty="0">
+                <a:solidFill>
+                  <a:schemeClr val="accent1"/>
+                </a:solidFill>
+              </a:rPr>
+              <a:t>Beëindigen (</a:t>
+            </a:r>
+            <a:r>
+              <a:rPr lang="nl-NL" i="1" dirty="0">
+                <a:solidFill>
+                  <a:schemeClr val="accent1"/>
+                </a:solidFill>
+              </a:rPr>
+              <a:t>uitzetten/deactiveren) </a:t>
+            </a:r>
+            <a:r>
+              <a:rPr lang="nl-NL" dirty="0">
+                <a:solidFill>
+                  <a:schemeClr val="accent1"/>
+                </a:solidFill>
+              </a:rPr>
+              <a:t>van GIO (proces onbekend) </a:t>
+            </a:r>
+          </a:p>
+          <a:p>
+            <a:r>
+              <a:rPr lang="nl-NL" dirty="0">
+                <a:solidFill>
+                  <a:schemeClr val="accent6"/>
+                </a:solidFill>
+              </a:rPr>
+              <a:t>Beëindigen van regeltekst (nl.imow-gm0037.regeltekst.2019001) </a:t>
+            </a:r>
+            <a:r>
+              <a:rPr lang="nl-NL" i="1" dirty="0">
+                <a:solidFill>
+                  <a:schemeClr val="accent6"/>
+                </a:solidFill>
+              </a:rPr>
+              <a:t>(status ‘Beëindigd’)</a:t>
+            </a:r>
+          </a:p>
+          <a:p>
+            <a:r>
+              <a:rPr lang="nl-NL" dirty="0">
+                <a:solidFill>
+                  <a:schemeClr val="accent6"/>
+                </a:solidFill>
+              </a:rPr>
+              <a:t>Beëindigen van Juridische regel (</a:t>
             </a:r>
             <a:r>
               <a:rPr lang="nl-NL" dirty="0" err="1">
                 <a:solidFill>
-                  <a:srgbClr val="C00000"/>
+                  <a:schemeClr val="accent6"/>
                 </a:solidFill>
               </a:rPr>
-              <a:t>verwijderdeTekst</a:t>
+              <a:t>RegelVoorIedereen</a:t>
             </a:r>
             <a:r>
               <a:rPr lang="nl-NL" dirty="0">
                 <a:solidFill>
-                  <a:srgbClr val="C00000"/>
+                  <a:schemeClr val="accent6"/>
                 </a:solidFill>
               </a:rPr>
-              <a:t>&gt;kantoor&lt;/</a:t>
-            </a:r>
-            <a:r>
-              <a:rPr lang="nl-NL" dirty="0" err="1">
-                <a:solidFill>
-                  <a:srgbClr val="C00000"/>
+              <a:t>) </a:t>
+            </a:r>
+            <a:r>
+              <a:rPr lang="nl-NL" i="1" dirty="0">
+                <a:solidFill>
+                  <a:schemeClr val="accent6"/>
                 </a:solidFill>
               </a:rPr>
-              <a:t>verwijderdeTekst</a:t>
-            </a:r>
-            <a:r>
-              <a:rPr lang="nl-NL" dirty="0">
-                <a:solidFill>
-                  <a:srgbClr val="C00000"/>
-                </a:solidFill>
-              </a:rPr>
-              <a:t>&gt; </a:t>
-            </a:r>
-            <a:r>
-              <a:rPr lang="nl-NL" dirty="0">
-                <a:solidFill>
-                  <a:schemeClr val="accent1"/>
-                </a:solidFill>
-              </a:rPr>
-              <a:t>&lt;</a:t>
-            </a:r>
-            <a:r>
-              <a:rPr lang="nl-NL" dirty="0" err="1">
-                <a:solidFill>
-                  <a:schemeClr val="accent1"/>
-                </a:solidFill>
-              </a:rPr>
-              <a:t>nieuweTekst</a:t>
-            </a:r>
-            <a:r>
-              <a:rPr lang="nl-NL" dirty="0">
-                <a:solidFill>
-                  <a:schemeClr val="accent1"/>
-                </a:solidFill>
-              </a:rPr>
-              <a:t>&gt;kantoorruimte&lt;/</a:t>
-            </a:r>
-            <a:r>
-              <a:rPr lang="nl-NL" dirty="0" err="1">
-                <a:solidFill>
-                  <a:schemeClr val="accent1"/>
-                </a:solidFill>
-              </a:rPr>
-              <a:t>nieuweTekst</a:t>
-            </a:r>
-            <a:r>
-              <a:rPr lang="nl-NL" dirty="0">
-                <a:solidFill>
-                  <a:schemeClr val="accent1"/>
-                </a:solidFill>
-              </a:rPr>
-              <a:t>&gt;</a:t>
-            </a:r>
-          </a:p>
-          <a:p>
-            <a:pPr lvl="1"/>
-            <a:r>
-              <a:rPr lang="nl-NL" i="1" dirty="0">
-                <a:solidFill>
-                  <a:schemeClr val="accent6"/>
-                </a:solidFill>
-              </a:rPr>
-              <a:t>Nl.imow-gm0037.activiteit.2019000680</a:t>
-            </a:r>
-            <a:r>
-              <a:rPr lang="nl-NL" dirty="0">
-                <a:solidFill>
-                  <a:schemeClr val="accent6"/>
-                </a:solidFill>
-              </a:rPr>
-              <a:t> (met naam: exploiteren van een kantoor) </a:t>
-            </a:r>
-            <a:br>
-              <a:rPr lang="nl-NL" dirty="0">
-                <a:solidFill>
-                  <a:schemeClr val="accent6"/>
-                </a:solidFill>
-              </a:rPr>
-            </a:br>
-            <a:r>
-              <a:rPr lang="nl-NL" i="1" dirty="0">
-                <a:solidFill>
-                  <a:schemeClr val="accent6"/>
-                </a:solidFill>
-              </a:rPr>
-              <a:t>In plaats hiervan: komt een nieuwe activiteit:</a:t>
-            </a:r>
-          </a:p>
-          <a:p>
-            <a:pPr lvl="1"/>
-            <a:r>
-              <a:rPr lang="nl-NL" i="1" dirty="0">
-                <a:solidFill>
-                  <a:schemeClr val="accent6"/>
-                </a:solidFill>
-              </a:rPr>
-              <a:t>Nl.imow-gm0037.activiteit.2019000680</a:t>
-            </a:r>
-            <a:r>
-              <a:rPr lang="nl-NL" dirty="0">
-                <a:solidFill>
-                  <a:schemeClr val="accent6"/>
-                </a:solidFill>
-              </a:rPr>
-              <a:t> (met naam: exploiteren van een kantoorruimte)</a:t>
-            </a:r>
-            <a:endParaRPr lang="nl-NL" i="1" dirty="0">
+              <a:t>(status ‘Beëindigd’)</a:t>
+            </a:r>
+            <a:endParaRPr lang="nl-NL" dirty="0">
               <a:solidFill>
                 <a:schemeClr val="accent6"/>
               </a:solidFill>
             </a:endParaRPr>
           </a:p>
+          <a:p>
+            <a:r>
+              <a:rPr lang="nl-NL" dirty="0">
+                <a:solidFill>
+                  <a:schemeClr val="accent6"/>
+                </a:solidFill>
+              </a:rPr>
+              <a:t>Beëindigen van normwaarde (nl.imow-gm0037.normwaarde.20190001). </a:t>
+            </a:r>
+            <a:r>
+              <a:rPr lang="nl-NL" i="1" dirty="0">
+                <a:solidFill>
+                  <a:schemeClr val="accent6"/>
+                </a:solidFill>
+              </a:rPr>
+              <a:t>(status ‘Beëindigd’)</a:t>
+            </a:r>
+            <a:endParaRPr lang="nl-NL" dirty="0">
+              <a:solidFill>
+                <a:schemeClr val="accent6"/>
+              </a:solidFill>
+            </a:endParaRPr>
+          </a:p>
+          <a:p>
+            <a:r>
+              <a:rPr lang="nl-NL" dirty="0">
+                <a:solidFill>
+                  <a:schemeClr val="accent6"/>
+                </a:solidFill>
+              </a:rPr>
+              <a:t>Beëindigen van omgevingswaarde (nl.imow-gm0037.omgevingswaarde.20190001) </a:t>
+            </a:r>
+            <a:r>
+              <a:rPr lang="nl-NL" i="1" dirty="0">
+                <a:solidFill>
+                  <a:schemeClr val="accent6"/>
+                </a:solidFill>
+              </a:rPr>
+              <a:t>(status ‘Beëindigd’)</a:t>
+            </a:r>
+            <a:endParaRPr lang="nl-NL" dirty="0">
+              <a:solidFill>
+                <a:schemeClr val="accent6"/>
+              </a:solidFill>
+            </a:endParaRPr>
+          </a:p>
+          <a:p>
+            <a:r>
+              <a:rPr lang="nl-NL" dirty="0">
+                <a:solidFill>
+                  <a:schemeClr val="accent6"/>
+                </a:solidFill>
+              </a:rPr>
+              <a:t>Beëindigen van locatie (nl.imow-gm0037.Locatie.20190006) </a:t>
+            </a:r>
+            <a:r>
+              <a:rPr lang="nl-NL" i="1" dirty="0">
+                <a:solidFill>
+                  <a:schemeClr val="accent6"/>
+                </a:solidFill>
+              </a:rPr>
+              <a:t>(status ‘Beëindigd’ )</a:t>
+            </a:r>
+            <a:endParaRPr lang="nl-NL" dirty="0">
+              <a:solidFill>
+                <a:schemeClr val="accent6"/>
+              </a:solidFill>
+            </a:endParaRPr>
+          </a:p>
         </p:txBody>
       </p:sp>
     </p:spTree>
     <p:extLst>
       <p:ext uri="{BB962C8B-B14F-4D97-AF65-F5344CB8AC3E}">
-        <p14:creationId xmlns:p14="http://schemas.microsoft.com/office/powerpoint/2010/main" val="251184934"/>
+        <p14:creationId xmlns:p14="http://schemas.microsoft.com/office/powerpoint/2010/main" val="4201062499"/>
       </p:ext>
     </p:extLst>
   </p:cSld>
@@ -4567,7 +4451,7 @@
           <p:cNvPr id="2" name="Titel 1">
             <a:extLst>
               <a:ext uri="{FF2B5EF4-FFF2-40B4-BE49-F238E27FC236}">
-                <a16:creationId xmlns:a16="http://schemas.microsoft.com/office/drawing/2014/main" id="{09EE4764-1D94-47EF-825A-30DBBAB2F6FE}"/>
+                <a16:creationId xmlns:a16="http://schemas.microsoft.com/office/drawing/2014/main" id="{4E1D0F46-FFF8-4853-91B8-8EDD77A1FB5E}"/>
               </a:ext>
             </a:extLst>
           </p:cNvPr>
@@ -4580,209 +4464,114 @@
         </p:nvSpPr>
         <p:spPr/>
         <p:txBody>
-          <a:bodyPr>
-            <a:normAutofit fontScale="90000"/>
+          <a:bodyPr/>
+          <a:lstStyle/>
+          <a:p>
+            <a:r>
+              <a:rPr lang="nl-NL" dirty="0"/>
+              <a:t>4a) alleen GIO wijzigen (locatie) TODO</a:t>
+            </a:r>
+          </a:p>
+        </p:txBody>
+      </p:sp>
+      <p:sp>
+        <p:nvSpPr>
+          <p:cNvPr id="3" name="Tijdelijke aanduiding voor inhoud 2">
+            <a:extLst>
+              <a:ext uri="{FF2B5EF4-FFF2-40B4-BE49-F238E27FC236}">
+                <a16:creationId xmlns:a16="http://schemas.microsoft.com/office/drawing/2014/main" id="{AE972C5A-A910-4AF5-871D-EF483B0B6EEC}"/>
+              </a:ext>
+            </a:extLst>
+          </p:cNvPr>
+          <p:cNvSpPr>
+            <a:spLocks noGrp="1"/>
+          </p:cNvSpPr>
+          <p:nvPr>
+            <p:ph idx="1"/>
+          </p:nvPr>
+        </p:nvSpPr>
+        <p:spPr/>
+        <p:txBody>
+          <a:bodyPr/>
+          <a:lstStyle/>
+          <a:p>
+            <a:r>
+              <a:rPr lang="nl-NL" dirty="0"/>
+              <a:t>Van de onderstaande plek naar een andere willekeurige plek in Zuilichem.</a:t>
+            </a:r>
+          </a:p>
+        </p:txBody>
+      </p:sp>
+      <p:pic>
+        <p:nvPicPr>
+          <p:cNvPr id="4" name="Afbeelding 3">
+            <a:extLst>
+              <a:ext uri="{FF2B5EF4-FFF2-40B4-BE49-F238E27FC236}">
+                <a16:creationId xmlns:a16="http://schemas.microsoft.com/office/drawing/2014/main" id="{59958D37-5579-4A8B-9F52-A344C737A2A2}"/>
+              </a:ext>
+            </a:extLst>
+          </p:cNvPr>
+          <p:cNvPicPr>
+            <a:picLocks noChangeAspect="1"/>
+          </p:cNvPicPr>
+          <p:nvPr/>
+        </p:nvPicPr>
+        <p:blipFill>
+          <a:blip r:embed="rId2"/>
+          <a:stretch>
+            <a:fillRect/>
+          </a:stretch>
+        </p:blipFill>
+        <p:spPr>
+          <a:xfrm>
+            <a:off x="2980935" y="2415318"/>
+            <a:ext cx="4755292" cy="3513124"/>
+          </a:xfrm>
+          <a:prstGeom prst="rect">
+            <a:avLst/>
+          </a:prstGeom>
+        </p:spPr>
+      </p:pic>
+      <p:sp>
+        <p:nvSpPr>
+          <p:cNvPr id="6" name="Tekstvak 5">
+            <a:extLst>
+              <a:ext uri="{FF2B5EF4-FFF2-40B4-BE49-F238E27FC236}">
+                <a16:creationId xmlns:a16="http://schemas.microsoft.com/office/drawing/2014/main" id="{3E199FF9-9457-47EE-8992-D56354F6E548}"/>
+              </a:ext>
+            </a:extLst>
+          </p:cNvPr>
+          <p:cNvSpPr txBox="1"/>
+          <p:nvPr/>
+        </p:nvSpPr>
+        <p:spPr>
+          <a:xfrm>
+            <a:off x="562062" y="6090407"/>
+            <a:ext cx="11325138" cy="369332"/>
+          </a:xfrm>
+          <a:prstGeom prst="rect">
+            <a:avLst/>
+          </a:prstGeom>
+          <a:noFill/>
+        </p:spPr>
+        <p:txBody>
+          <a:bodyPr wrap="square" rtlCol="0">
+            <a:spAutoFit/>
           </a:bodyPr>
           <a:lstStyle/>
           <a:p>
             <a:r>
-              <a:rPr lang="nl-NL" b="1" dirty="0"/>
-              <a:t>3c</a:t>
-            </a:r>
-            <a:r>
-              <a:rPr lang="nl-NL" dirty="0"/>
-              <a:t>)</a:t>
-            </a:r>
-            <a:r>
-              <a:rPr lang="nl-NL" b="1" dirty="0"/>
-              <a:t> </a:t>
-            </a:r>
-            <a:r>
-              <a:rPr lang="nl-NL" dirty="0"/>
-              <a:t>wijziging van de tekst van het artikel, inclusief het toevoegen van een GIO</a:t>
-            </a:r>
-            <a:br>
-              <a:rPr lang="nl-NL" dirty="0"/>
-            </a:br>
-            <a:endParaRPr lang="nl-NL" dirty="0"/>
-          </a:p>
-        </p:txBody>
-      </p:sp>
-      <p:sp>
-        <p:nvSpPr>
-          <p:cNvPr id="3" name="Tijdelijke aanduiding voor inhoud 2">
-            <a:extLst>
-              <a:ext uri="{FF2B5EF4-FFF2-40B4-BE49-F238E27FC236}">
-                <a16:creationId xmlns:a16="http://schemas.microsoft.com/office/drawing/2014/main" id="{EEC8CDA3-BE46-4037-968E-FC59E6B41B70}"/>
-              </a:ext>
-            </a:extLst>
-          </p:cNvPr>
-          <p:cNvSpPr>
-            <a:spLocks noGrp="1"/>
-          </p:cNvSpPr>
-          <p:nvPr>
-            <p:ph idx="1"/>
-          </p:nvPr>
-        </p:nvSpPr>
-        <p:spPr/>
-        <p:txBody>
-          <a:bodyPr>
-            <a:normAutofit fontScale="92500" lnSpcReduction="20000"/>
-          </a:bodyPr>
-          <a:lstStyle/>
-          <a:p>
-            <a:r>
-              <a:rPr lang="nl-NL" dirty="0"/>
-              <a:t>In dit mutatiescenario:</a:t>
-            </a:r>
-          </a:p>
-          <a:p>
-            <a:pPr lvl="1"/>
-            <a:r>
-              <a:rPr lang="nl-NL" dirty="0"/>
-              <a:t>Artikel: 2.10</a:t>
-            </a:r>
-          </a:p>
-          <a:p>
-            <a:pPr lvl="2"/>
-            <a:r>
-              <a:rPr lang="nl-NL" dirty="0"/>
-              <a:t>Ter plaatse van het werkingsgebied van de functie 'Centrumgebied' mag de locatie in ieder geval worden gebruikt voor het verrichten van de volgende gebruiksactiviteiten:</a:t>
-            </a:r>
-          </a:p>
-          <a:p>
-            <a:pPr lvl="3"/>
-            <a:r>
-              <a:rPr lang="nl-NL" dirty="0"/>
-              <a:t>het exploiteren van een </a:t>
-            </a:r>
-            <a:r>
-              <a:rPr lang="nl-NL" dirty="0">
-                <a:solidFill>
-                  <a:schemeClr val="accent1"/>
-                </a:solidFill>
-              </a:rPr>
-              <a:t>kantoorruimte, zoals geduid in de GIO ‘kantoorruimte’. (Besluit) </a:t>
-            </a:r>
-          </a:p>
-          <a:p>
-            <a:pPr lvl="3"/>
-            <a:r>
-              <a:rPr lang="nl-NL" dirty="0">
-                <a:solidFill>
-                  <a:schemeClr val="accent1"/>
-                </a:solidFill>
-              </a:rPr>
-              <a:t>Toevoegen van een nieuwe GIO </a:t>
-            </a:r>
-          </a:p>
-          <a:p>
-            <a:pPr lvl="3"/>
-            <a:r>
-              <a:rPr lang="nl-NL" dirty="0">
-                <a:solidFill>
-                  <a:schemeClr val="accent1"/>
-                </a:solidFill>
-              </a:rPr>
-              <a:t>Regeltekst aanpassen</a:t>
-            </a:r>
-          </a:p>
-          <a:p>
-            <a:pPr lvl="1"/>
-            <a:r>
-              <a:rPr lang="nl-NL" dirty="0">
-                <a:solidFill>
-                  <a:schemeClr val="accent6"/>
-                </a:solidFill>
-              </a:rPr>
-              <a:t>Aanpassingen voor: gebiedsaanwijzing (functie) en locatie</a:t>
-            </a:r>
-            <a:endParaRPr lang="nl-NL" i="1" dirty="0">
-              <a:solidFill>
-                <a:schemeClr val="accent6"/>
-              </a:solidFill>
-            </a:endParaRPr>
-          </a:p>
-          <a:p>
-            <a:pPr lvl="2"/>
-            <a:r>
-              <a:rPr lang="nl-NL" dirty="0">
-                <a:solidFill>
-                  <a:schemeClr val="accent6"/>
-                </a:solidFill>
-              </a:rPr>
-              <a:t>Locatie (nieuw): Nl.imow-gm0037.locatie.2019000416</a:t>
-            </a:r>
-          </a:p>
-          <a:p>
-            <a:pPr lvl="2"/>
-            <a:r>
-              <a:rPr lang="nl-NL" dirty="0">
-                <a:solidFill>
-                  <a:schemeClr val="accent6"/>
-                </a:solidFill>
-              </a:rPr>
-              <a:t>Gebied (nieuw): Nl.imow-gm0037.gebied.2019000421. </a:t>
-            </a:r>
-          </a:p>
-          <a:p>
-            <a:pPr lvl="2"/>
-            <a:r>
-              <a:rPr lang="nl-NL" dirty="0">
-                <a:solidFill>
-                  <a:schemeClr val="accent6"/>
-                </a:solidFill>
-              </a:rPr>
-              <a:t>Gebiedsaanwijzing (nieuw): Nl.imow-gm0037.gebiedsaanwijzing.2019000438 (Type = ‘Functie’, Groep = ‘Kantoor’, noemer = ‘kantoorruimte’)</a:t>
-            </a:r>
-          </a:p>
-          <a:p>
-            <a:pPr lvl="2"/>
-            <a:r>
-              <a:rPr lang="nl-NL" dirty="0">
-                <a:solidFill>
-                  <a:schemeClr val="accent6"/>
-                </a:solidFill>
-              </a:rPr>
-              <a:t>In dit gebied verwijs je naar de GIO ‘kantoorruimte’.</a:t>
-            </a:r>
-          </a:p>
-          <a:p>
-            <a:pPr lvl="2"/>
-            <a:r>
-              <a:rPr lang="nl-NL" dirty="0">
-                <a:solidFill>
-                  <a:schemeClr val="accent6"/>
-                </a:solidFill>
-              </a:rPr>
-              <a:t>Activiteit (aanpassing): Nl.imow-gm0037.activiteit.2019000210 had naam ‘exploiteren van een kantoor’ en locatieaanduiding richting ‘Centrumgebied’ heeft nu locatieaanduiding ‘Kantoorruimte’</a:t>
-            </a:r>
-          </a:p>
-          <a:p>
-            <a:pPr lvl="1"/>
-            <a:endParaRPr lang="nl-NL" i="1" dirty="0">
-              <a:solidFill>
-                <a:schemeClr val="accent6"/>
-              </a:solidFill>
-            </a:endParaRPr>
-          </a:p>
-          <a:p>
-            <a:pPr lvl="1"/>
-            <a:endParaRPr lang="nl-NL" dirty="0">
-              <a:solidFill>
-                <a:schemeClr val="accent6"/>
-              </a:solidFill>
-            </a:endParaRPr>
-          </a:p>
-          <a:p>
-            <a:endParaRPr lang="nl-NL" dirty="0"/>
+              <a:rPr lang="nl-NL" dirty="0"/>
+              <a:t>Let op dat het splitsen van GIO ook beschreven wordt. </a:t>
+            </a:r>
+            <a:endParaRPr lang="en-NL" dirty="0"/>
           </a:p>
         </p:txBody>
       </p:sp>
     </p:spTree>
     <p:extLst>
       <p:ext uri="{BB962C8B-B14F-4D97-AF65-F5344CB8AC3E}">
-        <p14:creationId xmlns:p14="http://schemas.microsoft.com/office/powerpoint/2010/main" val="1142416558"/>
+        <p14:creationId xmlns:p14="http://schemas.microsoft.com/office/powerpoint/2010/main" val="2119514897"/>
       </p:ext>
     </p:extLst>
   </p:cSld>
@@ -4814,7 +4603,7 @@
           <p:cNvPr id="2" name="Titel 1">
             <a:extLst>
               <a:ext uri="{FF2B5EF4-FFF2-40B4-BE49-F238E27FC236}">
-                <a16:creationId xmlns:a16="http://schemas.microsoft.com/office/drawing/2014/main" id="{31829385-1F91-4EEE-9659-6CA14A8584CD}"/>
+                <a16:creationId xmlns:a16="http://schemas.microsoft.com/office/drawing/2014/main" id="{364F0A66-22F9-4534-ABAF-49C7B8055210}"/>
               </a:ext>
             </a:extLst>
           </p:cNvPr>
@@ -4831,12 +4620,8 @@
           <a:lstStyle/>
           <a:p>
             <a:r>
-              <a:rPr lang="nl-NL" b="1" dirty="0"/>
-              <a:t>3d</a:t>
-            </a:r>
-            <a:r>
-              <a:rPr lang="nl-NL" dirty="0"/>
-              <a:t>) verwijderen van het artikel, inclusief het verwijderen van een GIO</a:t>
+              <a:rPr lang="nl-NL" dirty="0"/>
+              <a:t>4b) alleen GIO wijzigen (normwaarde) TODO</a:t>
             </a:r>
           </a:p>
         </p:txBody>
@@ -4846,7 +4631,7 @@
           <p:cNvPr id="3" name="Tijdelijke aanduiding voor inhoud 2">
             <a:extLst>
               <a:ext uri="{FF2B5EF4-FFF2-40B4-BE49-F238E27FC236}">
-                <a16:creationId xmlns:a16="http://schemas.microsoft.com/office/drawing/2014/main" id="{D61C3116-85D5-4FED-B9E6-8BC2BEED0216}"/>
+                <a16:creationId xmlns:a16="http://schemas.microsoft.com/office/drawing/2014/main" id="{5DA6BA0F-543E-44F7-9115-68E47E1907FA}"/>
               </a:ext>
             </a:extLst>
           </p:cNvPr>
@@ -4860,254 +4645,85 @@
         <p:spPr/>
         <p:txBody>
           <a:bodyPr>
-            <a:normAutofit fontScale="70000" lnSpcReduction="20000"/>
+            <a:normAutofit/>
           </a:bodyPr>
           <a:lstStyle/>
           <a:p>
             <a:r>
               <a:rPr lang="nl-NL" dirty="0"/>
-              <a:t>In dit mutatiescenario </a:t>
-            </a:r>
-            <a:r>
-              <a:rPr lang="nl-NL" sz="1200" dirty="0"/>
-              <a:t>(#</a:t>
-            </a:r>
-            <a:r>
-              <a:rPr lang="nl-NL" sz="1200" dirty="0" err="1"/>
-              <a:t>doeiStikstofCrisis</a:t>
-            </a:r>
-            <a:r>
-              <a:rPr lang="nl-NL" sz="1200" dirty="0"/>
-              <a:t>)</a:t>
+              <a:t>Bouwhoogte van 13 meter wordt 11 meter</a:t>
+            </a:r>
+          </a:p>
+          <a:p>
+            <a:endParaRPr lang="nl-NL" dirty="0"/>
+          </a:p>
+          <a:p>
+            <a:r>
+              <a:rPr lang="nl-NL" dirty="0"/>
+              <a:t>Geen wijziging in artikeltekst nodig i.v.m. verwijzing naar GIO.</a:t>
             </a:r>
           </a:p>
           <a:p>
             <a:pPr lvl="1"/>
             <a:r>
-              <a:rPr lang="nl-NL" dirty="0"/>
-              <a:t>Hoofdstuk 2</a:t>
-            </a:r>
-          </a:p>
-          <a:p>
-            <a:pPr lvl="2"/>
-            <a:r>
-              <a:rPr lang="nl-NL" dirty="0"/>
-              <a:t>Paragraaf 4</a:t>
-            </a:r>
-          </a:p>
-          <a:p>
-            <a:pPr lvl="3"/>
-            <a:r>
-              <a:rPr lang="nl-NL" dirty="0"/>
-              <a:t>(</a:t>
-            </a:r>
-            <a:r>
-              <a:rPr lang="nl-NL" b="1" dirty="0">
-                <a:solidFill>
-                  <a:srgbClr val="FF0000"/>
+              <a:rPr lang="nl-NL" i="1" dirty="0"/>
+              <a:t>De maximum bouwhoogte van een bedrijfsgebouw is de ter plaatse van het werkingsgebied 'maximum bouwhoogte bedrijfsgebouw' bepaalde waarde.</a:t>
+            </a:r>
+          </a:p>
+          <a:p>
+            <a:pPr lvl="1"/>
+            <a:r>
+              <a:rPr lang="nl-NL" i="1" dirty="0">
+                <a:solidFill>
+                  <a:schemeClr val="accent1"/>
                 </a:solidFill>
               </a:rPr>
-              <a:t>VERWIJDEREN</a:t>
-            </a:r>
-            <a:r>
-              <a:rPr lang="nl-NL" dirty="0"/>
-              <a:t>) Artikel 2.12 Omgevingswaarde stikstofdioxide </a:t>
-            </a:r>
+              <a:t>Locatie aan de OP-kant krijgt een andere waarde. </a:t>
+            </a:r>
+            <a:br>
+              <a:rPr lang="nl-NL" i="1" dirty="0">
+                <a:solidFill>
+                  <a:schemeClr val="accent1"/>
+                </a:solidFill>
+              </a:rPr>
+            </a:br>
+            <a:r>
+              <a:rPr lang="nl-NL" i="1" dirty="0">
+                <a:solidFill>
+                  <a:schemeClr val="accent1"/>
+                </a:solidFill>
+              </a:rPr>
+              <a:t>(Hoe dit werkt met GIO-mutaties weet ik nog niet.)</a:t>
+            </a:r>
+          </a:p>
+          <a:p>
+            <a:endParaRPr lang="nl-NL" i="1" dirty="0"/>
+          </a:p>
+          <a:p>
             <a:r>
               <a:rPr lang="nl-NL" dirty="0">
                 <a:solidFill>
-                  <a:srgbClr val="FF0000"/>
+                  <a:schemeClr val="accent6">
+                    <a:lumMod val="60000"/>
+                    <a:lumOff val="40000"/>
+                  </a:schemeClr>
                 </a:solidFill>
               </a:rPr>
-              <a:t>Einddatum </a:t>
-            </a:r>
-          </a:p>
-          <a:p>
-            <a:pPr lvl="2"/>
-            <a:r>
-              <a:rPr lang="nl-NL" dirty="0"/>
-              <a:t>Paragraaf 5 </a:t>
-            </a:r>
-          </a:p>
-          <a:p>
-            <a:pPr lvl="3"/>
-            <a:r>
-              <a:rPr lang="nl-NL" dirty="0"/>
-              <a:t>Artikel 2.13: Omgevingsplanactiviteiten bouwen </a:t>
-            </a:r>
-          </a:p>
-          <a:p>
-            <a:pPr lvl="3"/>
-            <a:r>
-              <a:rPr lang="nl-NL" dirty="0"/>
-              <a:t>Artikel 2.14: Bouwregels geluidsgevoelige gebouwen</a:t>
-            </a:r>
-          </a:p>
-          <a:p>
-            <a:pPr lvl="3"/>
-            <a:r>
-              <a:rPr lang="nl-NL" dirty="0"/>
-              <a:t>Artikel 2.15: Bouwregels bedrijfsgebouwen</a:t>
-            </a:r>
-          </a:p>
-          <a:p>
-            <a:r>
-              <a:rPr lang="nl-NL" dirty="0">
-                <a:solidFill>
-                  <a:schemeClr val="accent1"/>
-                </a:solidFill>
-              </a:rPr>
-              <a:t>Beëindigen (</a:t>
-            </a:r>
-            <a:r>
-              <a:rPr lang="nl-NL" i="1" dirty="0">
-                <a:solidFill>
-                  <a:schemeClr val="accent1"/>
-                </a:solidFill>
-              </a:rPr>
-              <a:t>uitzetten/deactiveren) </a:t>
-            </a:r>
-            <a:r>
-              <a:rPr lang="nl-NL" dirty="0">
-                <a:solidFill>
-                  <a:schemeClr val="accent1"/>
-                </a:solidFill>
-              </a:rPr>
-              <a:t>van GIO (proces onbekend) </a:t>
-            </a:r>
-          </a:p>
-          <a:p>
-            <a:r>
-              <a:rPr lang="nl-NL" dirty="0">
-                <a:solidFill>
-                  <a:schemeClr val="accent6"/>
-                </a:solidFill>
-              </a:rPr>
-              <a:t>Beëindigen van regeltekst (nl.imow-gm0037.regeltekst.2019001) </a:t>
-            </a:r>
-            <a:r>
-              <a:rPr lang="nl-NL" i="1" dirty="0">
-                <a:solidFill>
-                  <a:schemeClr val="accent6"/>
-                </a:solidFill>
-              </a:rPr>
-              <a:t>(status ‘Beëindigd’)</a:t>
-            </a:r>
-          </a:p>
-          <a:p>
-            <a:r>
-              <a:rPr lang="nl-NL" dirty="0">
-                <a:solidFill>
-                  <a:schemeClr val="accent6"/>
-                </a:solidFill>
-              </a:rPr>
-              <a:t>Beëindigen van Juridische regel (</a:t>
-            </a:r>
-            <a:r>
-              <a:rPr lang="nl-NL" dirty="0" err="1">
-                <a:solidFill>
-                  <a:schemeClr val="accent6"/>
-                </a:solidFill>
-              </a:rPr>
-              <a:t>RegelVoorIedereen</a:t>
-            </a:r>
-            <a:r>
-              <a:rPr lang="nl-NL" dirty="0">
-                <a:solidFill>
-                  <a:schemeClr val="accent6"/>
-                </a:solidFill>
-              </a:rPr>
-              <a:t>) </a:t>
-            </a:r>
-            <a:r>
-              <a:rPr lang="nl-NL" i="1" dirty="0">
-                <a:solidFill>
-                  <a:schemeClr val="accent6"/>
-                </a:solidFill>
-              </a:rPr>
-              <a:t>(status ‘Beëindigd’)</a:t>
-            </a:r>
-            <a:endParaRPr lang="nl-NL" dirty="0">
-              <a:solidFill>
-                <a:schemeClr val="accent6"/>
-              </a:solidFill>
-            </a:endParaRPr>
-          </a:p>
-          <a:p>
-            <a:r>
-              <a:rPr lang="nl-NL" dirty="0">
-                <a:solidFill>
-                  <a:schemeClr val="accent6"/>
-                </a:solidFill>
-              </a:rPr>
-              <a:t>Beëindigen van normwaarde (nl.imow-gm0037.normwaarde.20190001). </a:t>
-            </a:r>
-            <a:r>
-              <a:rPr lang="nl-NL" i="1" dirty="0">
-                <a:solidFill>
-                  <a:schemeClr val="accent6"/>
-                </a:solidFill>
-              </a:rPr>
-              <a:t>(status ‘Beëindigd’)</a:t>
-            </a:r>
-            <a:endParaRPr lang="nl-NL" dirty="0">
-              <a:solidFill>
-                <a:schemeClr val="accent6"/>
-              </a:solidFill>
-            </a:endParaRPr>
-          </a:p>
-          <a:p>
-            <a:r>
-              <a:rPr lang="nl-NL" dirty="0">
-                <a:solidFill>
-                  <a:schemeClr val="accent6"/>
-                </a:solidFill>
-              </a:rPr>
-              <a:t>Beëindigen van omgevingswaarde (nl.imow-gm0037.omgevingswaarde.20190001) </a:t>
-            </a:r>
-            <a:r>
-              <a:rPr lang="nl-NL" i="1" dirty="0">
-                <a:solidFill>
-                  <a:schemeClr val="accent6"/>
-                </a:solidFill>
-              </a:rPr>
-              <a:t>(status ‘Beëindigd’)</a:t>
-            </a:r>
-            <a:endParaRPr lang="nl-NL" dirty="0">
-              <a:solidFill>
-                <a:schemeClr val="accent6"/>
-              </a:solidFill>
-            </a:endParaRPr>
-          </a:p>
-          <a:p>
-            <a:r>
-              <a:rPr lang="nl-NL" dirty="0">
-                <a:solidFill>
-                  <a:schemeClr val="accent6"/>
-                </a:solidFill>
-              </a:rPr>
-              <a:t>Beëindigen van locatie (nl.imow-gm0037.Locatie.20190006) </a:t>
-            </a:r>
-            <a:r>
-              <a:rPr lang="nl-NL" i="1" dirty="0">
-                <a:solidFill>
-                  <a:schemeClr val="accent6"/>
-                </a:solidFill>
-              </a:rPr>
-              <a:t>(status ‘Beëindigd’ )</a:t>
-            </a:r>
-            <a:endParaRPr lang="nl-NL" dirty="0">
-              <a:solidFill>
-                <a:schemeClr val="accent6"/>
-              </a:solidFill>
-            </a:endParaRPr>
+              <a:t>Nl.imow-gm0037.Normwaarde.201900001 wordt aangepast, krijgt nieuwe waarde (11)</a:t>
+            </a:r>
+          </a:p>
+          <a:p>
+            <a:endParaRPr lang="nl-NL" dirty="0"/>
+          </a:p>
+          <a:p>
+            <a:endParaRPr lang="nl-NL" i="1" dirty="0"/>
           </a:p>
         </p:txBody>
       </p:sp>
     </p:spTree>
     <p:extLst>
       <p:ext uri="{BB962C8B-B14F-4D97-AF65-F5344CB8AC3E}">
-        <p14:creationId xmlns:p14="http://schemas.microsoft.com/office/powerpoint/2010/main" val="4201062499"/>
+        <p14:creationId xmlns:p14="http://schemas.microsoft.com/office/powerpoint/2010/main" val="3650974616"/>
       </p:ext>
     </p:extLst>
   </p:cSld>
@@ -5157,7 +4773,7 @@
           <a:p>
             <a:r>
               <a:rPr lang="nl-NL" b="1" dirty="0"/>
-              <a:t>3e</a:t>
+              <a:t>4c</a:t>
             </a:r>
             <a:r>
               <a:rPr lang="nl-NL" dirty="0"/>
@@ -5262,7 +4878,7 @@
                   <a:srgbClr val="C00000"/>
                 </a:solidFill>
               </a:rPr>
-              <a:t>&gt; v1 einddatum </a:t>
+              <a:t>&gt; </a:t>
             </a:r>
             <a:r>
               <a:rPr lang="nl-NL" dirty="0">
@@ -5480,7 +5096,7 @@
           <p:cNvPr id="2" name="Titel 1">
             <a:extLst>
               <a:ext uri="{FF2B5EF4-FFF2-40B4-BE49-F238E27FC236}">
-                <a16:creationId xmlns:a16="http://schemas.microsoft.com/office/drawing/2014/main" id="{4E1D0F46-FFF8-4853-91B8-8EDD77A1FB5E}"/>
+                <a16:creationId xmlns:a16="http://schemas.microsoft.com/office/drawing/2014/main" id="{681E3673-5B84-4EB0-933D-263FBAEBA15F}"/>
               </a:ext>
             </a:extLst>
           </p:cNvPr>
@@ -5498,13 +5114,8 @@
           <a:p>
             <a:r>
               <a:rPr lang="nl-NL" dirty="0"/>
-              <a:t>3f) alleen GIO wijzigen (</a:t>
-            </a:r>
-            <a:r>
-              <a:rPr lang="nl-NL"/>
-              <a:t>locatie) TODO</a:t>
-            </a:r>
-            <a:endParaRPr lang="nl-NL" dirty="0"/>
+              <a:t>10) Directe mutaties (zonder besluit)</a:t>
+            </a:r>
           </a:p>
         </p:txBody>
       </p:sp>
@@ -5513,7 +5124,7 @@
           <p:cNvPr id="3" name="Tijdelijke aanduiding voor inhoud 2">
             <a:extLst>
               <a:ext uri="{FF2B5EF4-FFF2-40B4-BE49-F238E27FC236}">
-                <a16:creationId xmlns:a16="http://schemas.microsoft.com/office/drawing/2014/main" id="{AE972C5A-A910-4AF5-871D-EF483B0B6EEC}"/>
+                <a16:creationId xmlns:a16="http://schemas.microsoft.com/office/drawing/2014/main" id="{CCCB688C-B556-493F-A434-B2351662B033}"/>
               </a:ext>
             </a:extLst>
           </p:cNvPr>
@@ -5526,86 +5137,246 @@
         </p:nvSpPr>
         <p:spPr/>
         <p:txBody>
-          <a:bodyPr/>
-          <a:lstStyle/>
-          <a:p>
-            <a:r>
-              <a:rPr lang="nl-NL" dirty="0"/>
-              <a:t>Van de onderstaande plek naar een andere willekeurige plek in Zuilichem.</a:t>
-            </a:r>
-          </a:p>
-        </p:txBody>
-      </p:sp>
-      <p:pic>
-        <p:nvPicPr>
-          <p:cNvPr id="4" name="Afbeelding 3">
-            <a:extLst>
-              <a:ext uri="{FF2B5EF4-FFF2-40B4-BE49-F238E27FC236}">
-                <a16:creationId xmlns:a16="http://schemas.microsoft.com/office/drawing/2014/main" id="{59958D37-5579-4A8B-9F52-A344C737A2A2}"/>
-              </a:ext>
-            </a:extLst>
-          </p:cNvPr>
-          <p:cNvPicPr>
-            <a:picLocks noChangeAspect="1"/>
-          </p:cNvPicPr>
-          <p:nvPr/>
-        </p:nvPicPr>
-        <p:blipFill>
-          <a:blip r:embed="rId2"/>
-          <a:stretch>
-            <a:fillRect/>
-          </a:stretch>
-        </p:blipFill>
-        <p:spPr>
-          <a:xfrm>
-            <a:off x="2980935" y="2415318"/>
-            <a:ext cx="4755292" cy="3513124"/>
-          </a:xfrm>
-          <a:prstGeom prst="rect">
-            <a:avLst/>
-          </a:prstGeom>
-        </p:spPr>
-      </p:pic>
-      <p:sp>
-        <p:nvSpPr>
-          <p:cNvPr id="6" name="Tekstvak 5">
-            <a:extLst>
-              <a:ext uri="{FF2B5EF4-FFF2-40B4-BE49-F238E27FC236}">
-                <a16:creationId xmlns:a16="http://schemas.microsoft.com/office/drawing/2014/main" id="{3E199FF9-9457-47EE-8992-D56354F6E548}"/>
-              </a:ext>
-            </a:extLst>
-          </p:cNvPr>
-          <p:cNvSpPr txBox="1"/>
-          <p:nvPr/>
-        </p:nvSpPr>
-        <p:spPr>
-          <a:xfrm>
-            <a:off x="562062" y="6090407"/>
-            <a:ext cx="11325138" cy="369332"/>
-          </a:xfrm>
-          <a:prstGeom prst="rect">
-            <a:avLst/>
-          </a:prstGeom>
-          <a:noFill/>
-        </p:spPr>
-        <p:txBody>
-          <a:bodyPr wrap="square" rtlCol="0">
-            <a:spAutoFit/>
+          <a:bodyPr>
+            <a:normAutofit fontScale="70000" lnSpcReduction="20000"/>
           </a:bodyPr>
           <a:lstStyle/>
           <a:p>
             <a:r>
               <a:rPr lang="nl-NL" dirty="0"/>
-              <a:t>Let op dat het splitsen van GIO ook beschreven wordt. </a:t>
-            </a:r>
-            <a:endParaRPr lang="en-NL" dirty="0"/>
+              <a:t>A) Wijzigen van de naam van een activiteit</a:t>
+            </a:r>
+          </a:p>
+          <a:p>
+            <a:pPr lvl="1"/>
+            <a:r>
+              <a:rPr lang="nl-NL" dirty="0">
+                <a:solidFill>
+                  <a:schemeClr val="accent6">
+                    <a:lumMod val="75000"/>
+                  </a:schemeClr>
+                </a:solidFill>
+              </a:rPr>
+              <a:t>Activiteit</a:t>
+            </a:r>
+            <a:r>
+              <a:rPr lang="nl-NL" dirty="0"/>
+              <a:t>: uitoefenen van bedrijfstypen van categorie </a:t>
+            </a:r>
+            <a:r>
+              <a:rPr lang="nl-NL" strike="sngStrike" dirty="0">
+                <a:solidFill>
+                  <a:srgbClr val="FF0000"/>
+                </a:solidFill>
+              </a:rPr>
+              <a:t>2</a:t>
+            </a:r>
+            <a:r>
+              <a:rPr lang="nl-NL" dirty="0"/>
+              <a:t>3</a:t>
+            </a:r>
+          </a:p>
+          <a:p>
+            <a:r>
+              <a:rPr lang="nl-NL" dirty="0"/>
+              <a:t>B) vervangen van activiteit-locaties (al bestaande </a:t>
+            </a:r>
+            <a:r>
+              <a:rPr lang="nl-NL" dirty="0" err="1"/>
+              <a:t>GIO’s</a:t>
+            </a:r>
+            <a:r>
+              <a:rPr lang="nl-NL" dirty="0"/>
+              <a:t>)</a:t>
+            </a:r>
+          </a:p>
+          <a:p>
+            <a:pPr lvl="1"/>
+            <a:r>
+              <a:rPr lang="nl-NL" dirty="0"/>
+              <a:t>[TO-DO]</a:t>
+            </a:r>
+          </a:p>
+          <a:p>
+            <a:r>
+              <a:rPr lang="nl-NL" dirty="0"/>
+              <a:t>C) Wijzigen van bovenliggende activiteit</a:t>
+            </a:r>
+          </a:p>
+          <a:p>
+            <a:pPr lvl="1"/>
+            <a:r>
+              <a:rPr lang="nl-NL" dirty="0" err="1">
+                <a:solidFill>
+                  <a:schemeClr val="accent6">
+                    <a:lumMod val="75000"/>
+                  </a:schemeClr>
+                </a:solidFill>
+              </a:rPr>
+              <a:t>BovenliggendeActiviteit</a:t>
+            </a:r>
+            <a:r>
+              <a:rPr lang="nl-NL" dirty="0"/>
+              <a:t> (bij Activiteit: exploiteren verkooppunt motorbrandstoffen): </a:t>
+            </a:r>
+            <a:r>
+              <a:rPr lang="nl-NL" strike="sngStrike" dirty="0" err="1">
+                <a:solidFill>
+                  <a:srgbClr val="FF0000"/>
+                </a:solidFill>
+                <a:highlight>
+                  <a:srgbClr val="FFFFFF"/>
+                </a:highlight>
+              </a:rPr>
+              <a:t>ActiviteitGevolgenFysiekeLeefomg</a:t>
+            </a:r>
+            <a:r>
+              <a:rPr lang="nl-NL" dirty="0"/>
+              <a:t> uitoefenen van bedrijfstypen van categorie 3</a:t>
+            </a:r>
+          </a:p>
+          <a:p>
+            <a:r>
+              <a:rPr lang="nl-NL" dirty="0"/>
+              <a:t>D) Wijzigen van gerelateerde activiteit</a:t>
+            </a:r>
+          </a:p>
+          <a:p>
+            <a:pPr lvl="1"/>
+            <a:r>
+              <a:rPr lang="nl-NL" dirty="0"/>
+              <a:t>[TO-DO]</a:t>
+            </a:r>
+          </a:p>
+          <a:p>
+            <a:r>
+              <a:rPr lang="nl-NL" dirty="0"/>
+              <a:t>E) Toevoegen van een activiteit</a:t>
+            </a:r>
+          </a:p>
+          <a:p>
+            <a:pPr lvl="1"/>
+            <a:r>
+              <a:rPr lang="nl-NL" dirty="0">
+                <a:solidFill>
+                  <a:schemeClr val="accent6">
+                    <a:lumMod val="75000"/>
+                  </a:schemeClr>
+                </a:solidFill>
+              </a:rPr>
+              <a:t>Activiteit</a:t>
+            </a:r>
+            <a:r>
+              <a:rPr lang="nl-NL" dirty="0"/>
+              <a:t>: </a:t>
+            </a:r>
+            <a:r>
+              <a:rPr lang="nl-NL" dirty="0">
+                <a:solidFill>
+                  <a:srgbClr val="000000"/>
+                </a:solidFill>
+                <a:highlight>
+                  <a:srgbClr val="FFFFFF"/>
+                </a:highlight>
+              </a:rPr>
+              <a:t>exploiteren van een aan de woonfunctie ondergeschikt bedrijf aan huis</a:t>
+            </a:r>
+          </a:p>
+          <a:p>
+            <a:pPr lvl="1"/>
+            <a:r>
+              <a:rPr lang="nl-NL" dirty="0">
+                <a:solidFill>
+                  <a:schemeClr val="accent6">
+                    <a:lumMod val="75000"/>
+                  </a:schemeClr>
+                </a:solidFill>
+                <a:highlight>
+                  <a:srgbClr val="FFFFFF"/>
+                </a:highlight>
+              </a:rPr>
+              <a:t>Regeltekst</a:t>
+            </a:r>
+            <a:r>
+              <a:rPr lang="nl-NL" dirty="0">
+                <a:solidFill>
+                  <a:srgbClr val="000000"/>
+                </a:solidFill>
+                <a:highlight>
+                  <a:srgbClr val="FFFFFF"/>
+                </a:highlight>
+              </a:rPr>
+              <a:t>: meer verwijzingen naar activiteiten (sporten, wonen, etc.) geannoteerd vanuit </a:t>
+            </a:r>
+            <a:r>
+              <a:rPr lang="nl-NL" dirty="0">
+                <a:solidFill>
+                  <a:schemeClr val="accent1">
+                    <a:lumMod val="75000"/>
+                  </a:schemeClr>
+                </a:solidFill>
+                <a:highlight>
+                  <a:srgbClr val="FFFFFF"/>
+                </a:highlight>
+              </a:rPr>
+              <a:t>Artikel 2.10</a:t>
+            </a:r>
+          </a:p>
+          <a:p>
+            <a:r>
+              <a:rPr lang="nl-NL" dirty="0"/>
+              <a:t>F) Aanpassen van een activiteitgroep</a:t>
+            </a:r>
+          </a:p>
+          <a:p>
+            <a:pPr lvl="1"/>
+            <a:r>
+              <a:rPr lang="nl-NL" dirty="0">
+                <a:solidFill>
+                  <a:schemeClr val="accent6">
+                    <a:lumMod val="75000"/>
+                  </a:schemeClr>
+                </a:solidFill>
+              </a:rPr>
+              <a:t>Activiteitgroep</a:t>
+            </a:r>
+            <a:r>
+              <a:rPr lang="nl-NL" dirty="0"/>
+              <a:t>: </a:t>
+            </a:r>
+            <a:r>
+              <a:rPr lang="nl-NL" strike="sngStrike" dirty="0" err="1">
+                <a:solidFill>
+                  <a:srgbClr val="FF0000"/>
+                </a:solidFill>
+              </a:rPr>
+              <a:t>ExploitatieActiviteitDetailhandel</a:t>
+            </a:r>
+            <a:r>
+              <a:rPr lang="nl-NL" strike="sngStrike" dirty="0">
+                <a:solidFill>
+                  <a:srgbClr val="FF0000"/>
+                </a:solidFill>
+              </a:rPr>
+              <a:t> </a:t>
+            </a:r>
+            <a:r>
+              <a:rPr lang="nl-NL" dirty="0"/>
+              <a:t>Standplaatsactiviteit</a:t>
+            </a:r>
+          </a:p>
+          <a:p>
+            <a:endParaRPr lang="nl-NL" dirty="0"/>
+          </a:p>
+          <a:p>
+            <a:endParaRPr lang="nl-NL" dirty="0"/>
           </a:p>
         </p:txBody>
       </p:sp>
     </p:spTree>
     <p:extLst>
       <p:ext uri="{BB962C8B-B14F-4D97-AF65-F5344CB8AC3E}">
-        <p14:creationId xmlns:p14="http://schemas.microsoft.com/office/powerpoint/2010/main" val="2119514897"/>
+        <p14:creationId xmlns:p14="http://schemas.microsoft.com/office/powerpoint/2010/main" val="3610387231"/>
       </p:ext>
     </p:extLst>
   </p:cSld>
@@ -5700,18 +5471,67 @@
             <a:endParaRPr lang="nl-NL" dirty="0"/>
           </a:p>
           <a:p>
-            <a:pPr lvl="1"/>
-            <a:r>
-              <a:rPr lang="nl-NL" dirty="0"/>
-              <a:t>OP-gerelateerd wijzigingen</a:t>
-            </a:r>
-          </a:p>
-          <a:p>
-            <a:pPr lvl="1"/>
-            <a:r>
-              <a:rPr lang="nl-NL" dirty="0"/>
-              <a:t>OW-gerelateerde wijzigingen</a:t>
-            </a:r>
+            <a:pPr marL="457200" lvl="1" indent="0">
+              <a:buNone/>
+            </a:pPr>
+            <a:r>
+              <a:rPr lang="nl-NL" dirty="0"/>
+              <a:t>0. 	Intrekken en vervangen</a:t>
+            </a:r>
+          </a:p>
+          <a:p>
+            <a:pPr marL="914400" lvl="1" indent="-457200">
+              <a:buAutoNum type="arabicPeriod"/>
+            </a:pPr>
+            <a:r>
+              <a:rPr lang="nl-NL" dirty="0"/>
+              <a:t>Directe inwerkingtreding (geen idee hoe)</a:t>
+            </a:r>
+          </a:p>
+          <a:p>
+            <a:pPr marL="914400" lvl="1" indent="-457200">
+              <a:buAutoNum type="arabicPeriod"/>
+            </a:pPr>
+            <a:r>
+              <a:rPr lang="nl-NL" dirty="0"/>
+              <a:t>Wijzigen artikelstructuur</a:t>
+            </a:r>
+          </a:p>
+          <a:p>
+            <a:pPr marL="914400" lvl="1" indent="-457200">
+              <a:buAutoNum type="arabicPeriod"/>
+            </a:pPr>
+            <a:r>
+              <a:rPr lang="nl-NL" dirty="0"/>
+              <a:t>Wijzigen inhoud van regels (incl. annotaties)</a:t>
+            </a:r>
+          </a:p>
+          <a:p>
+            <a:pPr marL="914400" lvl="1" indent="-457200">
+              <a:buAutoNum type="arabicPeriod"/>
+            </a:pPr>
+            <a:r>
+              <a:rPr lang="nl-NL" dirty="0"/>
+              <a:t>Wijzigen </a:t>
+            </a:r>
+            <a:r>
+              <a:rPr lang="nl-NL" dirty="0" err="1"/>
+              <a:t>GIO’s</a:t>
+            </a:r>
+            <a:endParaRPr lang="nl-NL" dirty="0"/>
+          </a:p>
+          <a:p>
+            <a:pPr marL="914400" lvl="1" indent="-457200">
+              <a:buAutoNum type="arabicPeriod"/>
+            </a:pPr>
+            <a:endParaRPr lang="nl-NL" dirty="0"/>
+          </a:p>
+          <a:p>
+            <a:pPr marL="914400" lvl="1" indent="-457200">
+              <a:buFont typeface="+mj-lt"/>
+              <a:buAutoNum type="arabicPeriod"/>
+            </a:pPr>
+            <a:endParaRPr lang="nl-NL" dirty="0"/>
           </a:p>
           <a:p>
             <a:pPr marL="0" indent="0">
@@ -5756,7 +5576,7 @@
           <p:cNvPr id="2" name="Titel 1">
             <a:extLst>
               <a:ext uri="{FF2B5EF4-FFF2-40B4-BE49-F238E27FC236}">
-                <a16:creationId xmlns:a16="http://schemas.microsoft.com/office/drawing/2014/main" id="{364F0A66-22F9-4534-ABAF-49C7B8055210}"/>
+                <a16:creationId xmlns:a16="http://schemas.microsoft.com/office/drawing/2014/main" id="{484EEAA5-9865-41D6-846A-6C1B736FBC2A}"/>
               </a:ext>
             </a:extLst>
           </p:cNvPr>
@@ -5774,7 +5594,7 @@
           <a:p>
             <a:r>
               <a:rPr lang="nl-NL" dirty="0"/>
-              <a:t>3g) alleen GIO wijzigen (normwaarde) TODO</a:t>
+              <a:t>10a) wijziging van de naam van een activiteit</a:t>
             </a:r>
           </a:p>
         </p:txBody>
@@ -5784,7 +5604,7 @@
           <p:cNvPr id="3" name="Tijdelijke aanduiding voor inhoud 2">
             <a:extLst>
               <a:ext uri="{FF2B5EF4-FFF2-40B4-BE49-F238E27FC236}">
-                <a16:creationId xmlns:a16="http://schemas.microsoft.com/office/drawing/2014/main" id="{5DA6BA0F-543E-44F7-9115-68E47E1907FA}"/>
+                <a16:creationId xmlns:a16="http://schemas.microsoft.com/office/drawing/2014/main" id="{3C3CBADF-C965-484C-8633-1D14D6BA29F2}"/>
               </a:ext>
             </a:extLst>
           </p:cNvPr>
@@ -5797,86 +5617,32 @@
         </p:nvSpPr>
         <p:spPr/>
         <p:txBody>
-          <a:bodyPr>
-            <a:normAutofit/>
-          </a:bodyPr>
+          <a:bodyPr/>
           <a:lstStyle/>
           <a:p>
             <a:r>
               <a:rPr lang="nl-NL" dirty="0"/>
-              <a:t>Bouwhoogte van 13 meter wordt 11 meter</a:t>
-            </a:r>
-          </a:p>
-          <a:p>
-            <a:endParaRPr lang="nl-NL" dirty="0"/>
-          </a:p>
-          <a:p>
-            <a:r>
-              <a:rPr lang="nl-NL" dirty="0"/>
-              <a:t>Geen wijziging in artikeltekst nodig i.v.m. verwijzing naar GIO.</a:t>
-            </a:r>
-          </a:p>
-          <a:p>
-            <a:pPr lvl="1"/>
-            <a:r>
-              <a:rPr lang="nl-NL" i="1" dirty="0"/>
-              <a:t>De maximum bouwhoogte van een bedrijfsgebouw is de ter plaatse van het werkingsgebied 'maximum bouwhoogte bedrijfsgebouw' bepaalde waarde.</a:t>
-            </a:r>
-          </a:p>
-          <a:p>
-            <a:pPr lvl="1"/>
-            <a:r>
-              <a:rPr lang="nl-NL" i="1" dirty="0">
-                <a:solidFill>
-                  <a:schemeClr val="accent1"/>
-                </a:solidFill>
-              </a:rPr>
-              <a:t>Locatie aan de OP-kant krijgt een andere waarde. </a:t>
-            </a:r>
-            <a:br>
-              <a:rPr lang="nl-NL" i="1" dirty="0">
-                <a:solidFill>
-                  <a:schemeClr val="accent1"/>
-                </a:solidFill>
-              </a:rPr>
-            </a:br>
-            <a:r>
-              <a:rPr lang="nl-NL" i="1" dirty="0">
-                <a:solidFill>
-                  <a:schemeClr val="accent1"/>
-                </a:solidFill>
-              </a:rPr>
-              <a:t>(Hoe dit werkt met GIO-mutaties weet ik nog niet.)</a:t>
-            </a:r>
-          </a:p>
-          <a:p>
-            <a:endParaRPr lang="nl-NL" i="1" dirty="0"/>
-          </a:p>
-          <a:p>
-            <a:r>
-              <a:rPr lang="nl-NL" dirty="0">
-                <a:solidFill>
-                  <a:schemeClr val="accent6">
-                    <a:lumMod val="60000"/>
-                    <a:lumOff val="40000"/>
-                  </a:schemeClr>
-                </a:solidFill>
-              </a:rPr>
-              <a:t>Nl.imow-gm0037.Normwaarde.201900001 wordt aangepast, krijgt nieuwe waarde (11)</a:t>
-            </a:r>
-          </a:p>
-          <a:p>
-            <a:endParaRPr lang="nl-NL" dirty="0"/>
-          </a:p>
-          <a:p>
-            <a:endParaRPr lang="nl-NL" i="1" dirty="0"/>
+              <a:t>Wijzigen van uitoefenen van bedrijfstypen van categorie 2</a:t>
+            </a:r>
+          </a:p>
+          <a:p>
+            <a:r>
+              <a:rPr lang="nl-NL" dirty="0"/>
+              <a:t>Naar:</a:t>
+            </a:r>
+          </a:p>
+          <a:p>
+            <a:r>
+              <a:rPr lang="nl-NL" dirty="0"/>
+              <a:t>uitoefenen van bedrijfstypen van categorie 3</a:t>
+            </a:r>
           </a:p>
         </p:txBody>
       </p:sp>
     </p:spTree>
     <p:extLst>
       <p:ext uri="{BB962C8B-B14F-4D97-AF65-F5344CB8AC3E}">
-        <p14:creationId xmlns:p14="http://schemas.microsoft.com/office/powerpoint/2010/main" val="3650974616"/>
+        <p14:creationId xmlns:p14="http://schemas.microsoft.com/office/powerpoint/2010/main" val="967091447"/>
       </p:ext>
     </p:extLst>
   </p:cSld>
@@ -5908,7 +5674,7 @@
           <p:cNvPr id="2" name="Titel 1">
             <a:extLst>
               <a:ext uri="{FF2B5EF4-FFF2-40B4-BE49-F238E27FC236}">
-                <a16:creationId xmlns:a16="http://schemas.microsoft.com/office/drawing/2014/main" id="{C5124E75-DE4D-4D25-B4BE-D715C5C5415C}"/>
+                <a16:creationId xmlns:a16="http://schemas.microsoft.com/office/drawing/2014/main" id="{B0BBD7E6-78FD-4326-81E2-D16D064F8606}"/>
               </a:ext>
             </a:extLst>
           </p:cNvPr>
@@ -5926,7 +5692,7 @@
           <a:p>
             <a:r>
               <a:rPr lang="nl-NL" dirty="0"/>
-              <a:t>3h) [TO-DO] wijzigen van de verwijzing naar een GIO</a:t>
+              <a:t>10b) vervangen van activiteit-locaties (alleen IMOW) </a:t>
             </a:r>
           </a:p>
         </p:txBody>
@@ -5936,7 +5702,7 @@
           <p:cNvPr id="3" name="Tijdelijke aanduiding voor inhoud 2">
             <a:extLst>
               <a:ext uri="{FF2B5EF4-FFF2-40B4-BE49-F238E27FC236}">
-                <a16:creationId xmlns:a16="http://schemas.microsoft.com/office/drawing/2014/main" id="{115033E2-F1C2-4778-A2DF-F79CA51BB6CA}"/>
+                <a16:creationId xmlns:a16="http://schemas.microsoft.com/office/drawing/2014/main" id="{78D5A364-B398-46DF-816A-C04BA7FB6584}"/>
               </a:ext>
             </a:extLst>
           </p:cNvPr>
@@ -5953,8 +5719,14 @@
           <a:lstStyle/>
           <a:p>
             <a:r>
-              <a:rPr lang="nl-NL" dirty="0"/>
-              <a:t>Vraag: hoe werkt dit?</a:t>
+              <a:rPr lang="nl-NL" i="1" dirty="0"/>
+              <a:t>Ben heel sceptisch t.o.v. deze, heel hypothetisch dat dit voorkomt</a:t>
+            </a:r>
+          </a:p>
+          <a:p>
+            <a:r>
+              <a:rPr lang="nl-NL" dirty="0"/>
+              <a:t>Vraag: is er een scenario te bedenken waarbij je dit doet zonder een GIO te wijzigen?</a:t>
             </a:r>
           </a:p>
         </p:txBody>
@@ -5962,7 +5734,7 @@
     </p:spTree>
     <p:extLst>
       <p:ext uri="{BB962C8B-B14F-4D97-AF65-F5344CB8AC3E}">
-        <p14:creationId xmlns:p14="http://schemas.microsoft.com/office/powerpoint/2010/main" val="2025134469"/>
+        <p14:creationId xmlns:p14="http://schemas.microsoft.com/office/powerpoint/2010/main" val="61979609"/>
       </p:ext>
     </p:extLst>
   </p:cSld>
@@ -5994,7 +5766,7 @@
           <p:cNvPr id="2" name="Titel 1">
             <a:extLst>
               <a:ext uri="{FF2B5EF4-FFF2-40B4-BE49-F238E27FC236}">
-                <a16:creationId xmlns:a16="http://schemas.microsoft.com/office/drawing/2014/main" id="{681E3673-5B84-4EB0-933D-263FBAEBA15F}"/>
+                <a16:creationId xmlns:a16="http://schemas.microsoft.com/office/drawing/2014/main" id="{295AC485-AA89-40B3-AD32-3CA61389566E}"/>
               </a:ext>
             </a:extLst>
           </p:cNvPr>
@@ -6012,7 +5784,7 @@
           <a:p>
             <a:r>
               <a:rPr lang="nl-NL" dirty="0"/>
-              <a:t>10) Directe mutaties</a:t>
+              <a:t>10c) wijziging van bovenliggende activiteit</a:t>
             </a:r>
           </a:p>
         </p:txBody>
@@ -6022,7 +5794,7 @@
           <p:cNvPr id="3" name="Tijdelijke aanduiding voor inhoud 2">
             <a:extLst>
               <a:ext uri="{FF2B5EF4-FFF2-40B4-BE49-F238E27FC236}">
-                <a16:creationId xmlns:a16="http://schemas.microsoft.com/office/drawing/2014/main" id="{CCCB688C-B556-493F-A434-B2351662B033}"/>
+                <a16:creationId xmlns:a16="http://schemas.microsoft.com/office/drawing/2014/main" id="{A62287F5-ECCB-4C37-BE35-747B003BA1F2}"/>
               </a:ext>
             </a:extLst>
           </p:cNvPr>
@@ -6040,59 +5812,40 @@
           <a:p>
             <a:r>
               <a:rPr lang="nl-NL" dirty="0"/>
-              <a:t>A) Wijzigen van de naam van een activiteit</a:t>
-            </a:r>
-          </a:p>
-          <a:p>
-            <a:r>
-              <a:rPr lang="nl-NL" dirty="0"/>
-              <a:t>B) vervangen van activiteit-locaties (al bestaande </a:t>
-            </a:r>
-            <a:r>
-              <a:rPr lang="nl-NL" dirty="0" err="1"/>
-              <a:t>GIO’s</a:t>
-            </a:r>
-            <a:r>
-              <a:rPr lang="nl-NL" dirty="0"/>
-              <a:t>)</a:t>
-            </a:r>
-          </a:p>
-          <a:p>
-            <a:r>
-              <a:rPr lang="nl-NL" dirty="0"/>
-              <a:t>C) Wijzigen van bovenliggende activiteit</a:t>
-            </a:r>
-          </a:p>
-          <a:p>
-            <a:r>
-              <a:rPr lang="nl-NL" dirty="0"/>
-              <a:t>D) Wijzigen van gerelateerde activiteit</a:t>
-            </a:r>
-          </a:p>
-          <a:p>
-            <a:r>
-              <a:rPr lang="nl-NL" dirty="0"/>
-              <a:t>E) Toevoegen van een activiteit</a:t>
-            </a:r>
-          </a:p>
-          <a:p>
-            <a:r>
-              <a:rPr lang="nl-NL" dirty="0"/>
-              <a:t>F) Aanpassen van een activiteitgroep</a:t>
-            </a:r>
-          </a:p>
-          <a:p>
+              <a:t>uitoefenen van bedrijfstypen van </a:t>
+            </a:r>
+            <a:r>
+              <a:rPr lang="nl-NL"/>
+              <a:t>categorie 3</a:t>
+            </a:r>
             <a:endParaRPr lang="nl-NL" dirty="0"/>
           </a:p>
           <a:p>
-            <a:endParaRPr lang="nl-NL" dirty="0"/>
+            <a:r>
+              <a:rPr lang="nl-NL" dirty="0"/>
+              <a:t>De bovenliggende activiteit maken van: </a:t>
+            </a:r>
+          </a:p>
+          <a:p>
+            <a:pPr lvl="1"/>
+            <a:r>
+              <a:rPr lang="nl-NL" dirty="0"/>
+              <a:t>exploiteren van een verkooppunt voor motorbrandstoffen niet zijnde lpg</a:t>
+            </a:r>
+          </a:p>
+          <a:p>
+            <a:pPr lvl="1"/>
+            <a:r>
+              <a:rPr lang="nl-NL" dirty="0"/>
+              <a:t>opslaan van motorbrandstoffen niet zijnde lpg</a:t>
+            </a:r>
           </a:p>
         </p:txBody>
       </p:sp>
     </p:spTree>
     <p:extLst>
       <p:ext uri="{BB962C8B-B14F-4D97-AF65-F5344CB8AC3E}">
-        <p14:creationId xmlns:p14="http://schemas.microsoft.com/office/powerpoint/2010/main" val="3610387231"/>
+        <p14:creationId xmlns:p14="http://schemas.microsoft.com/office/powerpoint/2010/main" val="3042136525"/>
       </p:ext>
     </p:extLst>
   </p:cSld>
@@ -6124,7 +5877,7 @@
           <p:cNvPr id="2" name="Titel 1">
             <a:extLst>
               <a:ext uri="{FF2B5EF4-FFF2-40B4-BE49-F238E27FC236}">
-                <a16:creationId xmlns:a16="http://schemas.microsoft.com/office/drawing/2014/main" id="{484EEAA5-9865-41D6-846A-6C1B736FBC2A}"/>
+                <a16:creationId xmlns:a16="http://schemas.microsoft.com/office/drawing/2014/main" id="{C4A49873-16A7-4D86-A068-E5F3ED402856}"/>
               </a:ext>
             </a:extLst>
           </p:cNvPr>
@@ -6142,7 +5895,7 @@
           <a:p>
             <a:r>
               <a:rPr lang="nl-NL" dirty="0"/>
-              <a:t>10a) wijziging van de naam van een activiteit</a:t>
+              <a:t>10d) wijziging van gerelateerde activiteit</a:t>
             </a:r>
           </a:p>
         </p:txBody>
@@ -6152,7 +5905,7 @@
           <p:cNvPr id="3" name="Tijdelijke aanduiding voor inhoud 2">
             <a:extLst>
               <a:ext uri="{FF2B5EF4-FFF2-40B4-BE49-F238E27FC236}">
-                <a16:creationId xmlns:a16="http://schemas.microsoft.com/office/drawing/2014/main" id="{3C3CBADF-C965-484C-8633-1D14D6BA29F2}"/>
+                <a16:creationId xmlns:a16="http://schemas.microsoft.com/office/drawing/2014/main" id="{2B4E1E10-B5D8-49CC-A3FE-C83CBE10C50A}"/>
               </a:ext>
             </a:extLst>
           </p:cNvPr>
@@ -6170,27 +5923,30 @@
           <a:p>
             <a:r>
               <a:rPr lang="nl-NL" dirty="0"/>
-              <a:t>Wijzigen van uitoefenen van bedrijfstypen van categorie 2</a:t>
-            </a:r>
-          </a:p>
-          <a:p>
-            <a:r>
-              <a:rPr lang="nl-NL" dirty="0"/>
-              <a:t>Naar:</a:t>
-            </a:r>
-          </a:p>
-          <a:p>
-            <a:r>
-              <a:rPr lang="nl-NL" dirty="0"/>
-              <a:t>uitoefenen van bedrijfstypen van categorie 3</a:t>
-            </a:r>
+              <a:t>exploiteren van een verkooppunt voor motorbrandstoffen niet zijnde lpg</a:t>
+            </a:r>
+          </a:p>
+          <a:p>
+            <a:r>
+              <a:rPr lang="nl-NL" dirty="0"/>
+              <a:t>Relateren aan</a:t>
+            </a:r>
+          </a:p>
+          <a:p>
+            <a:r>
+              <a:rPr lang="nl-NL" dirty="0"/>
+              <a:t>opslaan van motorbrandstoffen niet zijnde lpg</a:t>
+            </a:r>
+          </a:p>
+          <a:p>
+            <a:endParaRPr lang="nl-NL" dirty="0"/>
           </a:p>
         </p:txBody>
       </p:sp>
     </p:spTree>
     <p:extLst>
       <p:ext uri="{BB962C8B-B14F-4D97-AF65-F5344CB8AC3E}">
-        <p14:creationId xmlns:p14="http://schemas.microsoft.com/office/powerpoint/2010/main" val="967091447"/>
+        <p14:creationId xmlns:p14="http://schemas.microsoft.com/office/powerpoint/2010/main" val="170492483"/>
       </p:ext>
     </p:extLst>
   </p:cSld>
@@ -6222,7 +5978,7 @@
           <p:cNvPr id="2" name="Titel 1">
             <a:extLst>
               <a:ext uri="{FF2B5EF4-FFF2-40B4-BE49-F238E27FC236}">
-                <a16:creationId xmlns:a16="http://schemas.microsoft.com/office/drawing/2014/main" id="{B0BBD7E6-78FD-4326-81E2-D16D064F8606}"/>
+                <a16:creationId xmlns:a16="http://schemas.microsoft.com/office/drawing/2014/main" id="{C2A956C4-5E44-4751-B273-9E73A48D4496}"/>
               </a:ext>
             </a:extLst>
           </p:cNvPr>
@@ -6240,49 +5996,400 @@
           <a:p>
             <a:r>
               <a:rPr lang="nl-NL" dirty="0"/>
-              <a:t>10b) vervangen van activiteit-locaties (alleen IMOW) </a:t>
-            </a:r>
-          </a:p>
-        </p:txBody>
-      </p:sp>
-      <p:sp>
-        <p:nvSpPr>
-          <p:cNvPr id="3" name="Tijdelijke aanduiding voor inhoud 2">
-            <a:extLst>
-              <a:ext uri="{FF2B5EF4-FFF2-40B4-BE49-F238E27FC236}">
-                <a16:creationId xmlns:a16="http://schemas.microsoft.com/office/drawing/2014/main" id="{78D5A364-B398-46DF-816A-C04BA7FB6584}"/>
-              </a:ext>
-            </a:extLst>
-          </p:cNvPr>
-          <p:cNvSpPr>
-            <a:spLocks noGrp="1"/>
-          </p:cNvSpPr>
-          <p:nvPr>
-            <p:ph idx="1"/>
-          </p:nvPr>
-        </p:nvSpPr>
-        <p:spPr/>
-        <p:txBody>
-          <a:bodyPr/>
+              <a:t>10e) toevoegen van activiteiten</a:t>
+            </a:r>
+          </a:p>
+        </p:txBody>
+      </p:sp>
+      <p:sp>
+        <p:nvSpPr>
+          <p:cNvPr id="6" name="Tijdelijke aanduiding voor inhoud 2">
+            <a:extLst>
+              <a:ext uri="{FF2B5EF4-FFF2-40B4-BE49-F238E27FC236}">
+                <a16:creationId xmlns:a16="http://schemas.microsoft.com/office/drawing/2014/main" id="{B22DD6BB-B5E9-46E5-B458-1F56FA4F59FD}"/>
+              </a:ext>
+            </a:extLst>
+          </p:cNvPr>
+          <p:cNvSpPr txBox="1">
+            <a:spLocks/>
+          </p:cNvSpPr>
+          <p:nvPr/>
+        </p:nvSpPr>
+        <p:spPr>
+          <a:xfrm>
+            <a:off x="838200" y="1690688"/>
+            <a:ext cx="10515600" cy="4351338"/>
+          </a:xfrm>
+          <a:prstGeom prst="rect">
+            <a:avLst/>
+          </a:prstGeom>
+        </p:spPr>
+        <p:txBody>
+          <a:bodyPr vert="horz" lIns="91440" tIns="45720" rIns="91440" bIns="45720" rtlCol="0">
+            <a:normAutofit/>
+          </a:bodyPr>
+          <a:lstStyle>
+            <a:lvl1pPr marL="228600" indent="-228600" algn="l" defTabSz="914400" rtl="0" eaLnBrk="1" latinLnBrk="0" hangingPunct="1">
+              <a:lnSpc>
+                <a:spcPct val="90000"/>
+              </a:lnSpc>
+              <a:spcBef>
+                <a:spcPts val="1000"/>
+              </a:spcBef>
+              <a:buFont typeface="Arial" panose="020B0604020202020204" pitchFamily="34" charset="0"/>
+              <a:buChar char="•"/>
+              <a:defRPr sz="2800" kern="1200">
+                <a:solidFill>
+                  <a:schemeClr val="tx1"/>
+                </a:solidFill>
+                <a:latin typeface="+mn-lt"/>
+                <a:ea typeface="+mn-ea"/>
+                <a:cs typeface="+mn-cs"/>
+              </a:defRPr>
+            </a:lvl1pPr>
+            <a:lvl2pPr marL="685800" indent="-228600" algn="l" defTabSz="914400" rtl="0" eaLnBrk="1" latinLnBrk="0" hangingPunct="1">
+              <a:lnSpc>
+                <a:spcPct val="90000"/>
+              </a:lnSpc>
+              <a:spcBef>
+                <a:spcPts val="500"/>
+              </a:spcBef>
+              <a:buFont typeface="Arial" panose="020B0604020202020204" pitchFamily="34" charset="0"/>
+              <a:buChar char="•"/>
+              <a:defRPr sz="2400" kern="1200">
+                <a:solidFill>
+                  <a:schemeClr val="tx1"/>
+                </a:solidFill>
+                <a:latin typeface="+mn-lt"/>
+                <a:ea typeface="+mn-ea"/>
+                <a:cs typeface="+mn-cs"/>
+              </a:defRPr>
+            </a:lvl2pPr>
+            <a:lvl3pPr marL="1143000" indent="-228600" algn="l" defTabSz="914400" rtl="0" eaLnBrk="1" latinLnBrk="0" hangingPunct="1">
+              <a:lnSpc>
+                <a:spcPct val="90000"/>
+              </a:lnSpc>
+              <a:spcBef>
+                <a:spcPts val="500"/>
+              </a:spcBef>
+              <a:buFont typeface="Arial" panose="020B0604020202020204" pitchFamily="34" charset="0"/>
+              <a:buChar char="•"/>
+              <a:defRPr sz="2000" kern="1200">
+                <a:solidFill>
+                  <a:schemeClr val="tx1"/>
+                </a:solidFill>
+                <a:latin typeface="+mn-lt"/>
+                <a:ea typeface="+mn-ea"/>
+                <a:cs typeface="+mn-cs"/>
+              </a:defRPr>
+            </a:lvl3pPr>
+            <a:lvl4pPr marL="1600200" indent="-228600" algn="l" defTabSz="914400" rtl="0" eaLnBrk="1" latinLnBrk="0" hangingPunct="1">
+              <a:lnSpc>
+                <a:spcPct val="90000"/>
+              </a:lnSpc>
+              <a:spcBef>
+                <a:spcPts val="500"/>
+              </a:spcBef>
+              <a:buFont typeface="Arial" panose="020B0604020202020204" pitchFamily="34" charset="0"/>
+              <a:buChar char="•"/>
+              <a:defRPr sz="1800" kern="1200">
+                <a:solidFill>
+                  <a:schemeClr val="tx1"/>
+                </a:solidFill>
+                <a:latin typeface="+mn-lt"/>
+                <a:ea typeface="+mn-ea"/>
+                <a:cs typeface="+mn-cs"/>
+              </a:defRPr>
+            </a:lvl4pPr>
+            <a:lvl5pPr marL="2057400" indent="-228600" algn="l" defTabSz="914400" rtl="0" eaLnBrk="1" latinLnBrk="0" hangingPunct="1">
+              <a:lnSpc>
+                <a:spcPct val="90000"/>
+              </a:lnSpc>
+              <a:spcBef>
+                <a:spcPts val="500"/>
+              </a:spcBef>
+              <a:buFont typeface="Arial" panose="020B0604020202020204" pitchFamily="34" charset="0"/>
+              <a:buChar char="•"/>
+              <a:defRPr sz="1800" kern="1200">
+                <a:solidFill>
+                  <a:schemeClr val="tx1"/>
+                </a:solidFill>
+                <a:latin typeface="+mn-lt"/>
+                <a:ea typeface="+mn-ea"/>
+                <a:cs typeface="+mn-cs"/>
+              </a:defRPr>
+            </a:lvl5pPr>
+            <a:lvl6pPr marL="2514600" indent="-228600" algn="l" defTabSz="914400" rtl="0" eaLnBrk="1" latinLnBrk="0" hangingPunct="1">
+              <a:lnSpc>
+                <a:spcPct val="90000"/>
+              </a:lnSpc>
+              <a:spcBef>
+                <a:spcPts val="500"/>
+              </a:spcBef>
+              <a:buFont typeface="Arial" panose="020B0604020202020204" pitchFamily="34" charset="0"/>
+              <a:buChar char="•"/>
+              <a:defRPr sz="1800" kern="1200">
+                <a:solidFill>
+                  <a:schemeClr val="tx1"/>
+                </a:solidFill>
+                <a:latin typeface="+mn-lt"/>
+                <a:ea typeface="+mn-ea"/>
+                <a:cs typeface="+mn-cs"/>
+              </a:defRPr>
+            </a:lvl6pPr>
+            <a:lvl7pPr marL="2971800" indent="-228600" algn="l" defTabSz="914400" rtl="0" eaLnBrk="1" latinLnBrk="0" hangingPunct="1">
+              <a:lnSpc>
+                <a:spcPct val="90000"/>
+              </a:lnSpc>
+              <a:spcBef>
+                <a:spcPts val="500"/>
+              </a:spcBef>
+              <a:buFont typeface="Arial" panose="020B0604020202020204" pitchFamily="34" charset="0"/>
+              <a:buChar char="•"/>
+              <a:defRPr sz="1800" kern="1200">
+                <a:solidFill>
+                  <a:schemeClr val="tx1"/>
+                </a:solidFill>
+                <a:latin typeface="+mn-lt"/>
+                <a:ea typeface="+mn-ea"/>
+                <a:cs typeface="+mn-cs"/>
+              </a:defRPr>
+            </a:lvl7pPr>
+            <a:lvl8pPr marL="3429000" indent="-228600" algn="l" defTabSz="914400" rtl="0" eaLnBrk="1" latinLnBrk="0" hangingPunct="1">
+              <a:lnSpc>
+                <a:spcPct val="90000"/>
+              </a:lnSpc>
+              <a:spcBef>
+                <a:spcPts val="500"/>
+              </a:spcBef>
+              <a:buFont typeface="Arial" panose="020B0604020202020204" pitchFamily="34" charset="0"/>
+              <a:buChar char="•"/>
+              <a:defRPr sz="1800" kern="1200">
+                <a:solidFill>
+                  <a:schemeClr val="tx1"/>
+                </a:solidFill>
+                <a:latin typeface="+mn-lt"/>
+                <a:ea typeface="+mn-ea"/>
+                <a:cs typeface="+mn-cs"/>
+              </a:defRPr>
+            </a:lvl8pPr>
+            <a:lvl9pPr marL="3886200" indent="-228600" algn="l" defTabSz="914400" rtl="0" eaLnBrk="1" latinLnBrk="0" hangingPunct="1">
+              <a:lnSpc>
+                <a:spcPct val="90000"/>
+              </a:lnSpc>
+              <a:spcBef>
+                <a:spcPts val="500"/>
+              </a:spcBef>
+              <a:buFont typeface="Arial" panose="020B0604020202020204" pitchFamily="34" charset="0"/>
+              <a:buChar char="•"/>
+              <a:defRPr sz="1800" kern="1200">
+                <a:solidFill>
+                  <a:schemeClr val="tx1"/>
+                </a:solidFill>
+                <a:latin typeface="+mn-lt"/>
+                <a:ea typeface="+mn-ea"/>
+                <a:cs typeface="+mn-cs"/>
+              </a:defRPr>
+            </a:lvl9pPr>
+          </a:lstStyle>
+          <a:p>
+            <a:endParaRPr lang="nl-NL" dirty="0"/>
+          </a:p>
+          <a:p>
+            <a:endParaRPr lang="nl-NL" i="1" dirty="0"/>
+          </a:p>
+        </p:txBody>
+      </p:sp>
+      <p:sp>
+        <p:nvSpPr>
+          <p:cNvPr id="7" name="Rechthoek 6">
+            <a:extLst>
+              <a:ext uri="{FF2B5EF4-FFF2-40B4-BE49-F238E27FC236}">
+                <a16:creationId xmlns:a16="http://schemas.microsoft.com/office/drawing/2014/main" id="{565ECE05-7E51-45EC-A3BA-409DC2F62804}"/>
+              </a:ext>
+            </a:extLst>
+          </p:cNvPr>
+          <p:cNvSpPr/>
+          <p:nvPr/>
+        </p:nvSpPr>
+        <p:spPr>
+          <a:xfrm>
+            <a:off x="838200" y="1690688"/>
+            <a:ext cx="6096000" cy="3863558"/>
+          </a:xfrm>
+          <a:prstGeom prst="rect">
+            <a:avLst/>
+          </a:prstGeom>
+        </p:spPr>
+        <p:txBody>
+          <a:bodyPr>
+            <a:spAutoFit/>
+          </a:bodyPr>
           <a:lstStyle/>
           <a:p>
-            <a:r>
-              <a:rPr lang="nl-NL" i="1" dirty="0"/>
-              <a:t>Ben heel sceptisch t.o.v. deze, heel hypothetisch dat dit voorkomt</a:t>
-            </a:r>
-          </a:p>
-          <a:p>
-            <a:r>
-              <a:rPr lang="nl-NL" dirty="0"/>
-              <a:t>Vraag: is er een scenario te bedenken waarbij je dit doet zonder een GIO te wijzigen?</a:t>
-            </a:r>
+            <a:pPr>
+              <a:lnSpc>
+                <a:spcPct val="107000"/>
+              </a:lnSpc>
+              <a:spcAft>
+                <a:spcPts val="800"/>
+              </a:spcAft>
+            </a:pPr>
+            <a:r>
+              <a:rPr lang="nl-NL" dirty="0">
+                <a:latin typeface="Calibri" panose="020F0502020204030204" pitchFamily="34" charset="0"/>
+                <a:ea typeface="Calibri" panose="020F0502020204030204" pitchFamily="34" charset="0"/>
+                <a:cs typeface="Times New Roman" panose="02020603050405020304" pitchFamily="18" charset="0"/>
+              </a:rPr>
+              <a:t>In de artikeltekst staat onder artikel 2.10:</a:t>
+            </a:r>
+          </a:p>
+          <a:p>
+            <a:pPr>
+              <a:lnSpc>
+                <a:spcPct val="107000"/>
+              </a:lnSpc>
+              <a:spcAft>
+                <a:spcPts val="800"/>
+              </a:spcAft>
+            </a:pPr>
+            <a:r>
+              <a:rPr lang="nl-NL" dirty="0">
+                <a:latin typeface="Calibri" panose="020F0502020204030204" pitchFamily="34" charset="0"/>
+                <a:ea typeface="Calibri" panose="020F0502020204030204" pitchFamily="34" charset="0"/>
+                <a:cs typeface="Times New Roman" panose="02020603050405020304" pitchFamily="18" charset="0"/>
+              </a:rPr>
+              <a:t>l. het sporten;</a:t>
+            </a:r>
+          </a:p>
+          <a:p>
+            <a:pPr>
+              <a:lnSpc>
+                <a:spcPct val="107000"/>
+              </a:lnSpc>
+              <a:spcAft>
+                <a:spcPts val="800"/>
+              </a:spcAft>
+            </a:pPr>
+            <a:r>
+              <a:rPr lang="nl-NL" dirty="0">
+                <a:latin typeface="Calibri" panose="020F0502020204030204" pitchFamily="34" charset="0"/>
+                <a:ea typeface="Calibri" panose="020F0502020204030204" pitchFamily="34" charset="0"/>
+                <a:cs typeface="Times New Roman" panose="02020603050405020304" pitchFamily="18" charset="0"/>
+              </a:rPr>
+              <a:t>m. het wonen;</a:t>
+            </a:r>
+          </a:p>
+          <a:p>
+            <a:pPr>
+              <a:lnSpc>
+                <a:spcPct val="107000"/>
+              </a:lnSpc>
+              <a:spcAft>
+                <a:spcPts val="800"/>
+              </a:spcAft>
+            </a:pPr>
+            <a:r>
+              <a:rPr lang="nl-NL" dirty="0">
+                <a:latin typeface="Calibri" panose="020F0502020204030204" pitchFamily="34" charset="0"/>
+                <a:ea typeface="Calibri" panose="020F0502020204030204" pitchFamily="34" charset="0"/>
+                <a:cs typeface="Times New Roman" panose="02020603050405020304" pitchFamily="18" charset="0"/>
+              </a:rPr>
+              <a:t>n. het uitoefenen van een beroep aan huis;</a:t>
+            </a:r>
+          </a:p>
+          <a:p>
+            <a:pPr>
+              <a:lnSpc>
+                <a:spcPct val="107000"/>
+              </a:lnSpc>
+              <a:spcAft>
+                <a:spcPts val="800"/>
+              </a:spcAft>
+            </a:pPr>
+            <a:r>
+              <a:rPr lang="nl-NL" dirty="0">
+                <a:latin typeface="Calibri" panose="020F0502020204030204" pitchFamily="34" charset="0"/>
+                <a:ea typeface="Calibri" panose="020F0502020204030204" pitchFamily="34" charset="0"/>
+                <a:cs typeface="Times New Roman" panose="02020603050405020304" pitchFamily="18" charset="0"/>
+              </a:rPr>
+              <a:t>o. het exploiteren van een aan de woonfunctie ondergeschikt bedrijf aan huis;</a:t>
+            </a:r>
+          </a:p>
+          <a:p>
+            <a:pPr>
+              <a:lnSpc>
+                <a:spcPct val="107000"/>
+              </a:lnSpc>
+              <a:spcAft>
+                <a:spcPts val="800"/>
+              </a:spcAft>
+            </a:pPr>
+            <a:endParaRPr lang="nl-NL" dirty="0">
+              <a:latin typeface="Calibri" panose="020F0502020204030204" pitchFamily="34" charset="0"/>
+              <a:ea typeface="Calibri" panose="020F0502020204030204" pitchFamily="34" charset="0"/>
+              <a:cs typeface="Times New Roman" panose="02020603050405020304" pitchFamily="18" charset="0"/>
+            </a:endParaRPr>
+          </a:p>
+          <a:p>
+            <a:pPr>
+              <a:lnSpc>
+                <a:spcPct val="107000"/>
+              </a:lnSpc>
+              <a:spcAft>
+                <a:spcPts val="800"/>
+              </a:spcAft>
+            </a:pPr>
+            <a:r>
+              <a:rPr lang="nl-NL" dirty="0">
+                <a:latin typeface="Calibri" panose="020F0502020204030204" pitchFamily="34" charset="0"/>
+                <a:ea typeface="Calibri" panose="020F0502020204030204" pitchFamily="34" charset="0"/>
+                <a:cs typeface="Times New Roman" panose="02020603050405020304" pitchFamily="18" charset="0"/>
+              </a:rPr>
+              <a:t>Dit moet vertaald worden naar: </a:t>
+            </a:r>
+          </a:p>
+          <a:p>
+            <a:pPr marL="285750" indent="-285750">
+              <a:lnSpc>
+                <a:spcPct val="107000"/>
+              </a:lnSpc>
+              <a:spcAft>
+                <a:spcPts val="800"/>
+              </a:spcAft>
+              <a:buFont typeface="Arial" panose="020B0604020202020204" pitchFamily="34" charset="0"/>
+              <a:buChar char="•"/>
+            </a:pPr>
+            <a:r>
+              <a:rPr lang="nl-NL" dirty="0">
+                <a:latin typeface="Calibri" panose="020F0502020204030204" pitchFamily="34" charset="0"/>
+                <a:ea typeface="Calibri" panose="020F0502020204030204" pitchFamily="34" charset="0"/>
+                <a:cs typeface="Times New Roman" panose="02020603050405020304" pitchFamily="18" charset="0"/>
+              </a:rPr>
+              <a:t>vier activiteiten </a:t>
+            </a:r>
+          </a:p>
+          <a:p>
+            <a:pPr>
+              <a:lnSpc>
+                <a:spcPct val="107000"/>
+              </a:lnSpc>
+              <a:spcAft>
+                <a:spcPts val="800"/>
+              </a:spcAft>
+            </a:pPr>
+            <a:endParaRPr lang="nl-NL" dirty="0">
+              <a:latin typeface="Calibri" panose="020F0502020204030204" pitchFamily="34" charset="0"/>
+              <a:ea typeface="Calibri" panose="020F0502020204030204" pitchFamily="34" charset="0"/>
+              <a:cs typeface="Times New Roman" panose="02020603050405020304" pitchFamily="18" charset="0"/>
+            </a:endParaRPr>
           </a:p>
         </p:txBody>
       </p:sp>
     </p:spTree>
     <p:extLst>
       <p:ext uri="{BB962C8B-B14F-4D97-AF65-F5344CB8AC3E}">
-        <p14:creationId xmlns:p14="http://schemas.microsoft.com/office/powerpoint/2010/main" val="61979609"/>
+        <p14:creationId xmlns:p14="http://schemas.microsoft.com/office/powerpoint/2010/main" val="1663178534"/>
       </p:ext>
     </p:extLst>
   </p:cSld>
@@ -6314,7 +6421,7 @@
           <p:cNvPr id="2" name="Titel 1">
             <a:extLst>
               <a:ext uri="{FF2B5EF4-FFF2-40B4-BE49-F238E27FC236}">
-                <a16:creationId xmlns:a16="http://schemas.microsoft.com/office/drawing/2014/main" id="{295AC485-AA89-40B3-AD32-3CA61389566E}"/>
+                <a16:creationId xmlns:a16="http://schemas.microsoft.com/office/drawing/2014/main" id="{C2A956C4-5E44-4751-B273-9E73A48D4496}"/>
               </a:ext>
             </a:extLst>
           </p:cNvPr>
@@ -6332,219 +6439,7 @@
           <a:p>
             <a:r>
               <a:rPr lang="nl-NL" dirty="0"/>
-              <a:t>10c) wijziging van bovenliggende activiteit</a:t>
-            </a:r>
-          </a:p>
-        </p:txBody>
-      </p:sp>
-      <p:sp>
-        <p:nvSpPr>
-          <p:cNvPr id="3" name="Tijdelijke aanduiding voor inhoud 2">
-            <a:extLst>
-              <a:ext uri="{FF2B5EF4-FFF2-40B4-BE49-F238E27FC236}">
-                <a16:creationId xmlns:a16="http://schemas.microsoft.com/office/drawing/2014/main" id="{A62287F5-ECCB-4C37-BE35-747B003BA1F2}"/>
-              </a:ext>
-            </a:extLst>
-          </p:cNvPr>
-          <p:cNvSpPr>
-            <a:spLocks noGrp="1"/>
-          </p:cNvSpPr>
-          <p:nvPr>
-            <p:ph idx="1"/>
-          </p:nvPr>
-        </p:nvSpPr>
-        <p:spPr/>
-        <p:txBody>
-          <a:bodyPr/>
-          <a:lstStyle/>
-          <a:p>
-            <a:r>
-              <a:rPr lang="nl-NL" dirty="0"/>
-              <a:t>uitoefenen van bedrijfstypen van </a:t>
-            </a:r>
-            <a:r>
-              <a:rPr lang="nl-NL"/>
-              <a:t>categorie 3</a:t>
-            </a:r>
-            <a:endParaRPr lang="nl-NL" dirty="0"/>
-          </a:p>
-          <a:p>
-            <a:r>
-              <a:rPr lang="nl-NL" dirty="0"/>
-              <a:t>De bovenliggende activiteit maken van: </a:t>
-            </a:r>
-          </a:p>
-          <a:p>
-            <a:pPr lvl="1"/>
-            <a:r>
-              <a:rPr lang="nl-NL" dirty="0"/>
-              <a:t>exploiteren van een verkooppunt voor motorbrandstoffen niet zijnde lpg</a:t>
-            </a:r>
-          </a:p>
-          <a:p>
-            <a:pPr lvl="1"/>
-            <a:r>
-              <a:rPr lang="nl-NL" dirty="0"/>
-              <a:t>opslaan van motorbrandstoffen niet zijnde lpg</a:t>
-            </a:r>
-          </a:p>
-        </p:txBody>
-      </p:sp>
-    </p:spTree>
-    <p:extLst>
-      <p:ext uri="{BB962C8B-B14F-4D97-AF65-F5344CB8AC3E}">
-        <p14:creationId xmlns:p14="http://schemas.microsoft.com/office/powerpoint/2010/main" val="3042136525"/>
-      </p:ext>
-    </p:extLst>
-  </p:cSld>
-  <p:clrMapOvr>
-    <a:masterClrMapping/>
-  </p:clrMapOvr>
-</p:sld>
-</file>
-
-<file path=ppt/slides/slide26.xml><?xml version="1.0" encoding="utf-8"?>
-<p:sld xmlns:a="http://schemas.openxmlformats.org/drawingml/2006/main" xmlns:r="http://schemas.openxmlformats.org/officeDocument/2006/relationships" xmlns:p="http://schemas.openxmlformats.org/presentationml/2006/main">
-  <p:cSld>
-    <p:spTree>
-      <p:nvGrpSpPr>
-        <p:cNvPr id="1" name=""/>
-        <p:cNvGrpSpPr/>
-        <p:nvPr/>
-      </p:nvGrpSpPr>
-      <p:grpSpPr>
-        <a:xfrm>
-          <a:off x="0" y="0"/>
-          <a:ext cx="0" cy="0"/>
-          <a:chOff x="0" y="0"/>
-          <a:chExt cx="0" cy="0"/>
-        </a:xfrm>
-      </p:grpSpPr>
-      <p:sp>
-        <p:nvSpPr>
-          <p:cNvPr id="2" name="Titel 1">
-            <a:extLst>
-              <a:ext uri="{FF2B5EF4-FFF2-40B4-BE49-F238E27FC236}">
-                <a16:creationId xmlns:a16="http://schemas.microsoft.com/office/drawing/2014/main" id="{C4A49873-16A7-4D86-A068-E5F3ED402856}"/>
-              </a:ext>
-            </a:extLst>
-          </p:cNvPr>
-          <p:cNvSpPr>
-            <a:spLocks noGrp="1"/>
-          </p:cNvSpPr>
-          <p:nvPr>
-            <p:ph type="title"/>
-          </p:nvPr>
-        </p:nvSpPr>
-        <p:spPr/>
-        <p:txBody>
-          <a:bodyPr/>
-          <a:lstStyle/>
-          <a:p>
-            <a:r>
-              <a:rPr lang="nl-NL" dirty="0"/>
-              <a:t>10d) wijziging van gerelateerde activiteit</a:t>
-            </a:r>
-          </a:p>
-        </p:txBody>
-      </p:sp>
-      <p:sp>
-        <p:nvSpPr>
-          <p:cNvPr id="3" name="Tijdelijke aanduiding voor inhoud 2">
-            <a:extLst>
-              <a:ext uri="{FF2B5EF4-FFF2-40B4-BE49-F238E27FC236}">
-                <a16:creationId xmlns:a16="http://schemas.microsoft.com/office/drawing/2014/main" id="{2B4E1E10-B5D8-49CC-A3FE-C83CBE10C50A}"/>
-              </a:ext>
-            </a:extLst>
-          </p:cNvPr>
-          <p:cNvSpPr>
-            <a:spLocks noGrp="1"/>
-          </p:cNvSpPr>
-          <p:nvPr>
-            <p:ph idx="1"/>
-          </p:nvPr>
-        </p:nvSpPr>
-        <p:spPr/>
-        <p:txBody>
-          <a:bodyPr/>
-          <a:lstStyle/>
-          <a:p>
-            <a:r>
-              <a:rPr lang="nl-NL" dirty="0"/>
-              <a:t>exploiteren van een verkooppunt voor motorbrandstoffen niet zijnde lpg</a:t>
-            </a:r>
-          </a:p>
-          <a:p>
-            <a:r>
-              <a:rPr lang="nl-NL" dirty="0"/>
-              <a:t>Relateren aan</a:t>
-            </a:r>
-          </a:p>
-          <a:p>
-            <a:r>
-              <a:rPr lang="nl-NL" dirty="0"/>
-              <a:t>opslaan van motorbrandstoffen niet zijnde lpg</a:t>
-            </a:r>
-          </a:p>
-          <a:p>
-            <a:endParaRPr lang="nl-NL" dirty="0"/>
-          </a:p>
-        </p:txBody>
-      </p:sp>
-    </p:spTree>
-    <p:extLst>
-      <p:ext uri="{BB962C8B-B14F-4D97-AF65-F5344CB8AC3E}">
-        <p14:creationId xmlns:p14="http://schemas.microsoft.com/office/powerpoint/2010/main" val="170492483"/>
-      </p:ext>
-    </p:extLst>
-  </p:cSld>
-  <p:clrMapOvr>
-    <a:masterClrMapping/>
-  </p:clrMapOvr>
-</p:sld>
-</file>
-
-<file path=ppt/slides/slide27.xml><?xml version="1.0" encoding="utf-8"?>
-<p:sld xmlns:a="http://schemas.openxmlformats.org/drawingml/2006/main" xmlns:r="http://schemas.openxmlformats.org/officeDocument/2006/relationships" xmlns:p="http://schemas.openxmlformats.org/presentationml/2006/main">
-  <p:cSld>
-    <p:spTree>
-      <p:nvGrpSpPr>
-        <p:cNvPr id="1" name=""/>
-        <p:cNvGrpSpPr/>
-        <p:nvPr/>
-      </p:nvGrpSpPr>
-      <p:grpSpPr>
-        <a:xfrm>
-          <a:off x="0" y="0"/>
-          <a:ext cx="0" cy="0"/>
-          <a:chOff x="0" y="0"/>
-          <a:chExt cx="0" cy="0"/>
-        </a:xfrm>
-      </p:grpSpPr>
-      <p:sp>
-        <p:nvSpPr>
-          <p:cNvPr id="2" name="Titel 1">
-            <a:extLst>
-              <a:ext uri="{FF2B5EF4-FFF2-40B4-BE49-F238E27FC236}">
-                <a16:creationId xmlns:a16="http://schemas.microsoft.com/office/drawing/2014/main" id="{C2A956C4-5E44-4751-B273-9E73A48D4496}"/>
-              </a:ext>
-            </a:extLst>
-          </p:cNvPr>
-          <p:cNvSpPr>
-            <a:spLocks noGrp="1"/>
-          </p:cNvSpPr>
-          <p:nvPr>
-            <p:ph type="title"/>
-          </p:nvPr>
-        </p:nvSpPr>
-        <p:spPr/>
-        <p:txBody>
-          <a:bodyPr/>
-          <a:lstStyle/>
-          <a:p>
-            <a:r>
-              <a:rPr lang="nl-NL" dirty="0"/>
-              <a:t>10e) toevoegen van activiteiten</a:t>
+              <a:t>10f) aanpassen van activiteitengroep</a:t>
             </a:r>
           </a:p>
         </p:txBody>
@@ -6763,7 +6658,7 @@
         <p:spPr>
           <a:xfrm>
             <a:off x="838200" y="1690688"/>
-            <a:ext cx="6096000" cy="3863558"/>
+            <a:ext cx="6096000" cy="5049011"/>
           </a:xfrm>
           <a:prstGeom prst="rect">
             <a:avLst/>
@@ -6784,12 +6679,8 @@
               </a:spcAft>
             </a:pPr>
             <a:r>
-              <a:rPr lang="nl-NL" dirty="0">
-                <a:latin typeface="Calibri" panose="020F0502020204030204" pitchFamily="34" charset="0"/>
-                <a:ea typeface="Calibri" panose="020F0502020204030204" pitchFamily="34" charset="0"/>
-                <a:cs typeface="Times New Roman" panose="02020603050405020304" pitchFamily="18" charset="0"/>
-              </a:rPr>
-              <a:t>In de artikeltekst staat onder artikel 2.10:</a:t>
+              <a:rPr lang="nl-NL" dirty="0"/>
+              <a:t>Bij activiteit: nl.imow-gm0037.activiteit.2019000246</a:t>
             </a:r>
           </a:p>
           <a:p>
@@ -6802,12 +6693,8 @@
               </a:spcAft>
             </a:pPr>
             <a:r>
-              <a:rPr lang="nl-NL" dirty="0">
-                <a:latin typeface="Calibri" panose="020F0502020204030204" pitchFamily="34" charset="0"/>
-                <a:ea typeface="Calibri" panose="020F0502020204030204" pitchFamily="34" charset="0"/>
-                <a:cs typeface="Times New Roman" panose="02020603050405020304" pitchFamily="18" charset="0"/>
-              </a:rPr>
-              <a:t>l. het sporten;</a:t>
+              <a:rPr lang="nl-NL" dirty="0"/>
+              <a:t>Met de naam: uitoefenen van detailhandel in ter plaatse vervaardigde goederen</a:t>
             </a:r>
           </a:p>
           <a:p>
@@ -6819,14 +6706,7 @@
                 <a:spcPts val="800"/>
               </a:spcAft>
             </a:pPr>
-            <a:r>
-              <a:rPr lang="nl-NL" dirty="0">
-                <a:latin typeface="Calibri" panose="020F0502020204030204" pitchFamily="34" charset="0"/>
-                <a:ea typeface="Calibri" panose="020F0502020204030204" pitchFamily="34" charset="0"/>
-                <a:cs typeface="Times New Roman" panose="02020603050405020304" pitchFamily="18" charset="0"/>
-              </a:rPr>
-              <a:t>m. het wonen;</a:t>
-            </a:r>
+            <a:endParaRPr lang="nl-NL" dirty="0"/>
           </a:p>
           <a:p>
             <a:pPr>
@@ -6838,12 +6718,8 @@
               </a:spcAft>
             </a:pPr>
             <a:r>
-              <a:rPr lang="nl-NL" dirty="0">
-                <a:latin typeface="Calibri" panose="020F0502020204030204" pitchFamily="34" charset="0"/>
-                <a:ea typeface="Calibri" panose="020F0502020204030204" pitchFamily="34" charset="0"/>
-                <a:cs typeface="Times New Roman" panose="02020603050405020304" pitchFamily="18" charset="0"/>
-              </a:rPr>
-              <a:t>n. het uitoefenen van een beroep aan huis;</a:t>
+              <a:rPr lang="nl-NL" dirty="0"/>
+              <a:t>De activiteitengroep: standplaatsactiviteit</a:t>
             </a:r>
           </a:p>
           <a:p>
@@ -6856,12 +6732,8 @@
               </a:spcAft>
             </a:pPr>
             <a:r>
-              <a:rPr lang="nl-NL" dirty="0">
-                <a:latin typeface="Calibri" panose="020F0502020204030204" pitchFamily="34" charset="0"/>
-                <a:ea typeface="Calibri" panose="020F0502020204030204" pitchFamily="34" charset="0"/>
-                <a:cs typeface="Times New Roman" panose="02020603050405020304" pitchFamily="18" charset="0"/>
-              </a:rPr>
-              <a:t>o. het exploiteren van een aan de woonfunctie ondergeschikt bedrijf aan huis;</a:t>
+              <a:rPr lang="nl-NL" dirty="0"/>
+              <a:t>Aanpassen naar: exploitatieactiviteit detailhandel </a:t>
             </a:r>
           </a:p>
           <a:p>
@@ -6894,426 +6766,6 @@
                 <a:ea typeface="Calibri" panose="020F0502020204030204" pitchFamily="34" charset="0"/>
                 <a:cs typeface="Times New Roman" panose="02020603050405020304" pitchFamily="18" charset="0"/>
               </a:rPr>
-              <a:t>Dit moet vertaald worden naar: </a:t>
-            </a:r>
-          </a:p>
-          <a:p>
-            <a:pPr marL="285750" indent="-285750">
-              <a:lnSpc>
-                <a:spcPct val="107000"/>
-              </a:lnSpc>
-              <a:spcAft>
-                <a:spcPts val="800"/>
-              </a:spcAft>
-              <a:buFont typeface="Arial" panose="020B0604020202020204" pitchFamily="34" charset="0"/>
-              <a:buChar char="•"/>
-            </a:pPr>
-            <a:r>
-              <a:rPr lang="nl-NL" dirty="0">
-                <a:latin typeface="Calibri" panose="020F0502020204030204" pitchFamily="34" charset="0"/>
-                <a:ea typeface="Calibri" panose="020F0502020204030204" pitchFamily="34" charset="0"/>
-                <a:cs typeface="Times New Roman" panose="02020603050405020304" pitchFamily="18" charset="0"/>
-              </a:rPr>
-              <a:t>vier activiteiten </a:t>
-            </a:r>
-          </a:p>
-          <a:p>
-            <a:pPr>
-              <a:lnSpc>
-                <a:spcPct val="107000"/>
-              </a:lnSpc>
-              <a:spcAft>
-                <a:spcPts val="800"/>
-              </a:spcAft>
-            </a:pPr>
-            <a:endParaRPr lang="nl-NL" dirty="0">
-              <a:latin typeface="Calibri" panose="020F0502020204030204" pitchFamily="34" charset="0"/>
-              <a:ea typeface="Calibri" panose="020F0502020204030204" pitchFamily="34" charset="0"/>
-              <a:cs typeface="Times New Roman" panose="02020603050405020304" pitchFamily="18" charset="0"/>
-            </a:endParaRPr>
-          </a:p>
-        </p:txBody>
-      </p:sp>
-    </p:spTree>
-    <p:extLst>
-      <p:ext uri="{BB962C8B-B14F-4D97-AF65-F5344CB8AC3E}">
-        <p14:creationId xmlns:p14="http://schemas.microsoft.com/office/powerpoint/2010/main" val="1663178534"/>
-      </p:ext>
-    </p:extLst>
-  </p:cSld>
-  <p:clrMapOvr>
-    <a:masterClrMapping/>
-  </p:clrMapOvr>
-</p:sld>
-</file>
-
-<file path=ppt/slides/slide28.xml><?xml version="1.0" encoding="utf-8"?>
-<p:sld xmlns:a="http://schemas.openxmlformats.org/drawingml/2006/main" xmlns:r="http://schemas.openxmlformats.org/officeDocument/2006/relationships" xmlns:p="http://schemas.openxmlformats.org/presentationml/2006/main">
-  <p:cSld>
-    <p:spTree>
-      <p:nvGrpSpPr>
-        <p:cNvPr id="1" name=""/>
-        <p:cNvGrpSpPr/>
-        <p:nvPr/>
-      </p:nvGrpSpPr>
-      <p:grpSpPr>
-        <a:xfrm>
-          <a:off x="0" y="0"/>
-          <a:ext cx="0" cy="0"/>
-          <a:chOff x="0" y="0"/>
-          <a:chExt cx="0" cy="0"/>
-        </a:xfrm>
-      </p:grpSpPr>
-      <p:sp>
-        <p:nvSpPr>
-          <p:cNvPr id="2" name="Titel 1">
-            <a:extLst>
-              <a:ext uri="{FF2B5EF4-FFF2-40B4-BE49-F238E27FC236}">
-                <a16:creationId xmlns:a16="http://schemas.microsoft.com/office/drawing/2014/main" id="{C2A956C4-5E44-4751-B273-9E73A48D4496}"/>
-              </a:ext>
-            </a:extLst>
-          </p:cNvPr>
-          <p:cNvSpPr>
-            <a:spLocks noGrp="1"/>
-          </p:cNvSpPr>
-          <p:nvPr>
-            <p:ph type="title"/>
-          </p:nvPr>
-        </p:nvSpPr>
-        <p:spPr/>
-        <p:txBody>
-          <a:bodyPr/>
-          <a:lstStyle/>
-          <a:p>
-            <a:r>
-              <a:rPr lang="nl-NL" dirty="0"/>
-              <a:t>10f) aanpassen van activiteitengroep</a:t>
-            </a:r>
-          </a:p>
-        </p:txBody>
-      </p:sp>
-      <p:sp>
-        <p:nvSpPr>
-          <p:cNvPr id="6" name="Tijdelijke aanduiding voor inhoud 2">
-            <a:extLst>
-              <a:ext uri="{FF2B5EF4-FFF2-40B4-BE49-F238E27FC236}">
-                <a16:creationId xmlns:a16="http://schemas.microsoft.com/office/drawing/2014/main" id="{B22DD6BB-B5E9-46E5-B458-1F56FA4F59FD}"/>
-              </a:ext>
-            </a:extLst>
-          </p:cNvPr>
-          <p:cNvSpPr txBox="1">
-            <a:spLocks/>
-          </p:cNvSpPr>
-          <p:nvPr/>
-        </p:nvSpPr>
-        <p:spPr>
-          <a:xfrm>
-            <a:off x="838200" y="1690688"/>
-            <a:ext cx="10515600" cy="4351338"/>
-          </a:xfrm>
-          <a:prstGeom prst="rect">
-            <a:avLst/>
-          </a:prstGeom>
-        </p:spPr>
-        <p:txBody>
-          <a:bodyPr vert="horz" lIns="91440" tIns="45720" rIns="91440" bIns="45720" rtlCol="0">
-            <a:normAutofit/>
-          </a:bodyPr>
-          <a:lstStyle>
-            <a:lvl1pPr marL="228600" indent="-228600" algn="l" defTabSz="914400" rtl="0" eaLnBrk="1" latinLnBrk="0" hangingPunct="1">
-              <a:lnSpc>
-                <a:spcPct val="90000"/>
-              </a:lnSpc>
-              <a:spcBef>
-                <a:spcPts val="1000"/>
-              </a:spcBef>
-              <a:buFont typeface="Arial" panose="020B0604020202020204" pitchFamily="34" charset="0"/>
-              <a:buChar char="•"/>
-              <a:defRPr sz="2800" kern="1200">
-                <a:solidFill>
-                  <a:schemeClr val="tx1"/>
-                </a:solidFill>
-                <a:latin typeface="+mn-lt"/>
-                <a:ea typeface="+mn-ea"/>
-                <a:cs typeface="+mn-cs"/>
-              </a:defRPr>
-            </a:lvl1pPr>
-            <a:lvl2pPr marL="685800" indent="-228600" algn="l" defTabSz="914400" rtl="0" eaLnBrk="1" latinLnBrk="0" hangingPunct="1">
-              <a:lnSpc>
-                <a:spcPct val="90000"/>
-              </a:lnSpc>
-              <a:spcBef>
-                <a:spcPts val="500"/>
-              </a:spcBef>
-              <a:buFont typeface="Arial" panose="020B0604020202020204" pitchFamily="34" charset="0"/>
-              <a:buChar char="•"/>
-              <a:defRPr sz="2400" kern="1200">
-                <a:solidFill>
-                  <a:schemeClr val="tx1"/>
-                </a:solidFill>
-                <a:latin typeface="+mn-lt"/>
-                <a:ea typeface="+mn-ea"/>
-                <a:cs typeface="+mn-cs"/>
-              </a:defRPr>
-            </a:lvl2pPr>
-            <a:lvl3pPr marL="1143000" indent="-228600" algn="l" defTabSz="914400" rtl="0" eaLnBrk="1" latinLnBrk="0" hangingPunct="1">
-              <a:lnSpc>
-                <a:spcPct val="90000"/>
-              </a:lnSpc>
-              <a:spcBef>
-                <a:spcPts val="500"/>
-              </a:spcBef>
-              <a:buFont typeface="Arial" panose="020B0604020202020204" pitchFamily="34" charset="0"/>
-              <a:buChar char="•"/>
-              <a:defRPr sz="2000" kern="1200">
-                <a:solidFill>
-                  <a:schemeClr val="tx1"/>
-                </a:solidFill>
-                <a:latin typeface="+mn-lt"/>
-                <a:ea typeface="+mn-ea"/>
-                <a:cs typeface="+mn-cs"/>
-              </a:defRPr>
-            </a:lvl3pPr>
-            <a:lvl4pPr marL="1600200" indent="-228600" algn="l" defTabSz="914400" rtl="0" eaLnBrk="1" latinLnBrk="0" hangingPunct="1">
-              <a:lnSpc>
-                <a:spcPct val="90000"/>
-              </a:lnSpc>
-              <a:spcBef>
-                <a:spcPts val="500"/>
-              </a:spcBef>
-              <a:buFont typeface="Arial" panose="020B0604020202020204" pitchFamily="34" charset="0"/>
-              <a:buChar char="•"/>
-              <a:defRPr sz="1800" kern="1200">
-                <a:solidFill>
-                  <a:schemeClr val="tx1"/>
-                </a:solidFill>
-                <a:latin typeface="+mn-lt"/>
-                <a:ea typeface="+mn-ea"/>
-                <a:cs typeface="+mn-cs"/>
-              </a:defRPr>
-            </a:lvl4pPr>
-            <a:lvl5pPr marL="2057400" indent="-228600" algn="l" defTabSz="914400" rtl="0" eaLnBrk="1" latinLnBrk="0" hangingPunct="1">
-              <a:lnSpc>
-                <a:spcPct val="90000"/>
-              </a:lnSpc>
-              <a:spcBef>
-                <a:spcPts val="500"/>
-              </a:spcBef>
-              <a:buFont typeface="Arial" panose="020B0604020202020204" pitchFamily="34" charset="0"/>
-              <a:buChar char="•"/>
-              <a:defRPr sz="1800" kern="1200">
-                <a:solidFill>
-                  <a:schemeClr val="tx1"/>
-                </a:solidFill>
-                <a:latin typeface="+mn-lt"/>
-                <a:ea typeface="+mn-ea"/>
-                <a:cs typeface="+mn-cs"/>
-              </a:defRPr>
-            </a:lvl5pPr>
-            <a:lvl6pPr marL="2514600" indent="-228600" algn="l" defTabSz="914400" rtl="0" eaLnBrk="1" latinLnBrk="0" hangingPunct="1">
-              <a:lnSpc>
-                <a:spcPct val="90000"/>
-              </a:lnSpc>
-              <a:spcBef>
-                <a:spcPts val="500"/>
-              </a:spcBef>
-              <a:buFont typeface="Arial" panose="020B0604020202020204" pitchFamily="34" charset="0"/>
-              <a:buChar char="•"/>
-              <a:defRPr sz="1800" kern="1200">
-                <a:solidFill>
-                  <a:schemeClr val="tx1"/>
-                </a:solidFill>
-                <a:latin typeface="+mn-lt"/>
-                <a:ea typeface="+mn-ea"/>
-                <a:cs typeface="+mn-cs"/>
-              </a:defRPr>
-            </a:lvl6pPr>
-            <a:lvl7pPr marL="2971800" indent="-228600" algn="l" defTabSz="914400" rtl="0" eaLnBrk="1" latinLnBrk="0" hangingPunct="1">
-              <a:lnSpc>
-                <a:spcPct val="90000"/>
-              </a:lnSpc>
-              <a:spcBef>
-                <a:spcPts val="500"/>
-              </a:spcBef>
-              <a:buFont typeface="Arial" panose="020B0604020202020204" pitchFamily="34" charset="0"/>
-              <a:buChar char="•"/>
-              <a:defRPr sz="1800" kern="1200">
-                <a:solidFill>
-                  <a:schemeClr val="tx1"/>
-                </a:solidFill>
-                <a:latin typeface="+mn-lt"/>
-                <a:ea typeface="+mn-ea"/>
-                <a:cs typeface="+mn-cs"/>
-              </a:defRPr>
-            </a:lvl7pPr>
-            <a:lvl8pPr marL="3429000" indent="-228600" algn="l" defTabSz="914400" rtl="0" eaLnBrk="1" latinLnBrk="0" hangingPunct="1">
-              <a:lnSpc>
-                <a:spcPct val="90000"/>
-              </a:lnSpc>
-              <a:spcBef>
-                <a:spcPts val="500"/>
-              </a:spcBef>
-              <a:buFont typeface="Arial" panose="020B0604020202020204" pitchFamily="34" charset="0"/>
-              <a:buChar char="•"/>
-              <a:defRPr sz="1800" kern="1200">
-                <a:solidFill>
-                  <a:schemeClr val="tx1"/>
-                </a:solidFill>
-                <a:latin typeface="+mn-lt"/>
-                <a:ea typeface="+mn-ea"/>
-                <a:cs typeface="+mn-cs"/>
-              </a:defRPr>
-            </a:lvl8pPr>
-            <a:lvl9pPr marL="3886200" indent="-228600" algn="l" defTabSz="914400" rtl="0" eaLnBrk="1" latinLnBrk="0" hangingPunct="1">
-              <a:lnSpc>
-                <a:spcPct val="90000"/>
-              </a:lnSpc>
-              <a:spcBef>
-                <a:spcPts val="500"/>
-              </a:spcBef>
-              <a:buFont typeface="Arial" panose="020B0604020202020204" pitchFamily="34" charset="0"/>
-              <a:buChar char="•"/>
-              <a:defRPr sz="1800" kern="1200">
-                <a:solidFill>
-                  <a:schemeClr val="tx1"/>
-                </a:solidFill>
-                <a:latin typeface="+mn-lt"/>
-                <a:ea typeface="+mn-ea"/>
-                <a:cs typeface="+mn-cs"/>
-              </a:defRPr>
-            </a:lvl9pPr>
-          </a:lstStyle>
-          <a:p>
-            <a:endParaRPr lang="nl-NL" dirty="0"/>
-          </a:p>
-          <a:p>
-            <a:endParaRPr lang="nl-NL" i="1" dirty="0"/>
-          </a:p>
-        </p:txBody>
-      </p:sp>
-      <p:sp>
-        <p:nvSpPr>
-          <p:cNvPr id="7" name="Rechthoek 6">
-            <a:extLst>
-              <a:ext uri="{FF2B5EF4-FFF2-40B4-BE49-F238E27FC236}">
-                <a16:creationId xmlns:a16="http://schemas.microsoft.com/office/drawing/2014/main" id="{565ECE05-7E51-45EC-A3BA-409DC2F62804}"/>
-              </a:ext>
-            </a:extLst>
-          </p:cNvPr>
-          <p:cNvSpPr/>
-          <p:nvPr/>
-        </p:nvSpPr>
-        <p:spPr>
-          <a:xfrm>
-            <a:off x="838200" y="1690688"/>
-            <a:ext cx="6096000" cy="5049011"/>
-          </a:xfrm>
-          <a:prstGeom prst="rect">
-            <a:avLst/>
-          </a:prstGeom>
-        </p:spPr>
-        <p:txBody>
-          <a:bodyPr>
-            <a:spAutoFit/>
-          </a:bodyPr>
-          <a:lstStyle/>
-          <a:p>
-            <a:pPr>
-              <a:lnSpc>
-                <a:spcPct val="107000"/>
-              </a:lnSpc>
-              <a:spcAft>
-                <a:spcPts val="800"/>
-              </a:spcAft>
-            </a:pPr>
-            <a:r>
-              <a:rPr lang="nl-NL" dirty="0"/>
-              <a:t>Bij activiteit: nl.imow-gm0037.activiteit.2019000246</a:t>
-            </a:r>
-          </a:p>
-          <a:p>
-            <a:pPr>
-              <a:lnSpc>
-                <a:spcPct val="107000"/>
-              </a:lnSpc>
-              <a:spcAft>
-                <a:spcPts val="800"/>
-              </a:spcAft>
-            </a:pPr>
-            <a:r>
-              <a:rPr lang="nl-NL" dirty="0"/>
-              <a:t>Met de naam: uitoefenen van detailhandel in ter plaatse vervaardigde goederen</a:t>
-            </a:r>
-          </a:p>
-          <a:p>
-            <a:pPr>
-              <a:lnSpc>
-                <a:spcPct val="107000"/>
-              </a:lnSpc>
-              <a:spcAft>
-                <a:spcPts val="800"/>
-              </a:spcAft>
-            </a:pPr>
-            <a:endParaRPr lang="nl-NL" dirty="0"/>
-          </a:p>
-          <a:p>
-            <a:pPr>
-              <a:lnSpc>
-                <a:spcPct val="107000"/>
-              </a:lnSpc>
-              <a:spcAft>
-                <a:spcPts val="800"/>
-              </a:spcAft>
-            </a:pPr>
-            <a:r>
-              <a:rPr lang="nl-NL" dirty="0"/>
-              <a:t>De activiteitengroep: standplaatsactiviteit</a:t>
-            </a:r>
-          </a:p>
-          <a:p>
-            <a:pPr>
-              <a:lnSpc>
-                <a:spcPct val="107000"/>
-              </a:lnSpc>
-              <a:spcAft>
-                <a:spcPts val="800"/>
-              </a:spcAft>
-            </a:pPr>
-            <a:r>
-              <a:rPr lang="nl-NL" dirty="0"/>
-              <a:t>Aanpassen naar: exploitatieactiviteit detailhandel </a:t>
-            </a:r>
-          </a:p>
-          <a:p>
-            <a:pPr>
-              <a:lnSpc>
-                <a:spcPct val="107000"/>
-              </a:lnSpc>
-              <a:spcAft>
-                <a:spcPts val="800"/>
-              </a:spcAft>
-            </a:pPr>
-            <a:endParaRPr lang="nl-NL" dirty="0">
-              <a:latin typeface="Calibri" panose="020F0502020204030204" pitchFamily="34" charset="0"/>
-              <a:ea typeface="Calibri" panose="020F0502020204030204" pitchFamily="34" charset="0"/>
-              <a:cs typeface="Times New Roman" panose="02020603050405020304" pitchFamily="18" charset="0"/>
-            </a:endParaRPr>
-          </a:p>
-          <a:p>
-            <a:pPr>
-              <a:lnSpc>
-                <a:spcPct val="107000"/>
-              </a:lnSpc>
-              <a:spcAft>
-                <a:spcPts val="800"/>
-              </a:spcAft>
-            </a:pPr>
-            <a:r>
-              <a:rPr lang="nl-NL" dirty="0">
-                <a:latin typeface="Calibri" panose="020F0502020204030204" pitchFamily="34" charset="0"/>
-                <a:ea typeface="Calibri" panose="020F0502020204030204" pitchFamily="34" charset="0"/>
-                <a:cs typeface="Times New Roman" panose="02020603050405020304" pitchFamily="18" charset="0"/>
-              </a:rPr>
               <a:t>20200611 – initieel is gewijzigd bij het invoegen van de </a:t>
             </a:r>
             <a:r>
@@ -7393,7 +6845,7 @@
 </p:sld>
 </file>
 
-<file path=ppt/slides/slide29.xml><?xml version="1.0" encoding="utf-8"?>
+<file path=ppt/slides/slide26.xml><?xml version="1.0" encoding="utf-8"?>
 <p:sld xmlns:a="http://schemas.openxmlformats.org/drawingml/2006/main" xmlns:r="http://schemas.openxmlformats.org/officeDocument/2006/relationships" xmlns:p="http://schemas.openxmlformats.org/presentationml/2006/main">
   <p:cSld>
     <p:spTree>
@@ -7550,7 +7002,7 @@
           <a:p>
             <a:r>
               <a:rPr lang="nl-NL" dirty="0"/>
-              <a:t>Mutatiescenario’s</a:t>
+              <a:t>Mutatiescenario’s aanvankelijk</a:t>
             </a:r>
           </a:p>
         </p:txBody>
@@ -8585,20 +8037,29 @@
             <p:ph idx="1"/>
           </p:nvPr>
         </p:nvSpPr>
-        <p:spPr/>
+        <p:spPr>
+          <a:xfrm>
+            <a:off x="838200" y="1386348"/>
+            <a:ext cx="10515600" cy="5368413"/>
+          </a:xfrm>
+        </p:spPr>
         <p:txBody>
           <a:bodyPr>
-            <a:normAutofit fontScale="55000" lnSpcReduction="20000"/>
+            <a:normAutofit fontScale="70000" lnSpcReduction="20000"/>
           </a:bodyPr>
           <a:lstStyle/>
           <a:p>
             <a:r>
+              <a:rPr lang="nl-NL" dirty="0"/>
+              <a:t>0 	</a:t>
+            </a:r>
+            <a:r>
               <a:rPr lang="nl-NL" dirty="0" err="1"/>
               <a:t>Fallback</a:t>
             </a:r>
             <a:r>
               <a:rPr lang="nl-NL" dirty="0"/>
-              <a:t>-scenario: regeling volledig intrekken en opnieuw publiceren                                                                                                                                                                                                                                                                                                                                                                                                                                                                                                                                                                                                                                                                                                                                                                                                                                                                                                                                                                                                                                                                                                                                                                                                                                                                                                                                                                                                                                                                                                                                                                                                                                                                                                                                                                                                                                                                                                                                                                                                                                                                                                                                                                                                                                                                                                                                                                                                                                                                                                                                                                                                                                                                                                                                                                                                                                                                                                                                                                                                                                                                                                                                                                                                                                                                                                                                                                                                                                                                                                                                                                                                                                                                                                                                                                                                                                                                                                                                                                                                                                                                                                                                                                                                                                                                                                                                                                                                                                                                                                                                                                                                                                                                                                                                                                                                                                                                                                                                                                                                                                                                                                                                                                                                                                                                                                                          </a:t>
+              <a:t>-scenario: regeling volledig intrekken en opnieuw publiceren  </a:t>
             </a:r>
           </a:p>
           <a:p>
@@ -8611,18 +8072,79 @@
             <a:pPr lvl="1"/>
             <a:r>
               <a:rPr lang="nl-NL" sz="2000" b="1" dirty="0"/>
-              <a:t>2a</a:t>
+              <a:t>2a) </a:t>
             </a:r>
             <a:r>
               <a:rPr lang="nl-NL" sz="2000" dirty="0"/>
-              <a:t>) toevoegen van een artikel tussen twee andere artikelen</a:t>
+              <a:t>vervanging van Artikel 2.5 naar 2.6</a:t>
             </a:r>
           </a:p>
           <a:p>
             <a:pPr lvl="1"/>
             <a:r>
               <a:rPr lang="nl-NL" sz="2000" b="1" dirty="0"/>
-              <a:t>2b</a:t>
+              <a:t>2b) </a:t>
+            </a:r>
+            <a:r>
+              <a:rPr lang="nl-NL" sz="2000" dirty="0"/>
+              <a:t>vervanging van Artikel 2.6 naar 2.5. </a:t>
+            </a:r>
+          </a:p>
+          <a:p>
+            <a:pPr lvl="1"/>
+            <a:r>
+              <a:rPr lang="nl-NL" sz="2000" b="1" dirty="0"/>
+              <a:t>2c) </a:t>
+            </a:r>
+            <a:r>
+              <a:rPr lang="nl-NL" sz="2000" dirty="0"/>
+              <a:t>verwijderen van Artikel 2.7 Lid 2</a:t>
+            </a:r>
+          </a:p>
+          <a:p>
+            <a:pPr lvl="1"/>
+            <a:r>
+              <a:rPr lang="nl-NL" sz="2000" b="1" dirty="0"/>
+              <a:t>2d) </a:t>
+            </a:r>
+            <a:r>
+              <a:rPr lang="nl-NL" sz="2000" dirty="0"/>
+              <a:t>verwijderen  van Artikel 2.14</a:t>
+            </a:r>
+          </a:p>
+          <a:p>
+            <a:pPr lvl="1"/>
+            <a:r>
+              <a:rPr lang="nl-NL" sz="2000" b="1" dirty="0"/>
+              <a:t>2e) </a:t>
+            </a:r>
+            <a:r>
+              <a:rPr lang="nl-NL" sz="2000" dirty="0"/>
+              <a:t>nieuw Artikel (2.14) toevoegen</a:t>
+            </a:r>
+          </a:p>
+          <a:p>
+            <a:r>
+              <a:rPr lang="nl-NL" dirty="0"/>
+              <a:t>3 	Wijziging regeltekst</a:t>
+            </a:r>
+          </a:p>
+          <a:p>
+            <a:pPr lvl="1"/>
+            <a:r>
+              <a:rPr lang="nl-NL" sz="2000" b="1" dirty="0"/>
+              <a:t>3a</a:t>
+            </a:r>
+            <a:r>
+              <a:rPr lang="nl-NL" sz="2000" dirty="0"/>
+              <a:t>) wijziging van de tekst van het artikel, zonder overige implicaties	</a:t>
+            </a:r>
+          </a:p>
+          <a:p>
+            <a:pPr lvl="1"/>
+            <a:r>
+              <a:rPr lang="nl-NL" sz="2000" b="1" dirty="0"/>
+              <a:t>3b</a:t>
             </a:r>
             <a:r>
               <a:rPr lang="nl-NL" sz="2000" dirty="0"/>
@@ -8634,14 +8156,14 @@
             </a:r>
             <a:r>
               <a:rPr lang="nl-NL" sz="2000" dirty="0"/>
-              <a:t>verwijderen van een lid</a:t>
+              <a:t>wijziging van de tekst van het artikel, waarbij de activiteit wordt aangepast</a:t>
             </a:r>
           </a:p>
           <a:p>
             <a:pPr lvl="1"/>
             <a:r>
               <a:rPr lang="nl-NL" sz="2000" b="1" dirty="0"/>
-              <a:t>2c</a:t>
+              <a:t>3c</a:t>
             </a:r>
             <a:r>
               <a:rPr lang="nl-NL" sz="2000" dirty="0"/>
@@ -8653,99 +8175,6 @@
             </a:r>
             <a:r>
               <a:rPr lang="nl-NL" sz="2000" dirty="0"/>
-              <a:t>wijzigen van artikel (van plek 3 naar plek 2)</a:t>
-            </a:r>
-          </a:p>
-          <a:p>
-            <a:pPr lvl="1"/>
-            <a:r>
-              <a:rPr lang="nl-NL" sz="2000" b="1" dirty="0"/>
-              <a:t>2d</a:t>
-            </a:r>
-            <a:r>
-              <a:rPr lang="nl-NL" sz="2000" dirty="0"/>
-              <a:t>) verfijnen van structuur (</a:t>
-            </a:r>
-            <a:r>
-              <a:rPr lang="nl-NL" sz="2000" dirty="0" err="1"/>
-              <a:t>subparagrafen</a:t>
-            </a:r>
-            <a:r>
-              <a:rPr lang="nl-NL" sz="2000" dirty="0"/>
-              <a:t> invoegen t.b.v. structurering)</a:t>
-            </a:r>
-          </a:p>
-          <a:p>
-            <a:pPr lvl="1"/>
-            <a:r>
-              <a:rPr lang="nl-NL" sz="2000" b="1" dirty="0"/>
-              <a:t>2e</a:t>
-            </a:r>
-            <a:r>
-              <a:rPr lang="nl-NL" sz="2000" dirty="0"/>
-              <a:t>) verwijderen van artikel</a:t>
-            </a:r>
-          </a:p>
-          <a:p>
-            <a:r>
-              <a:rPr lang="nl-NL" dirty="0"/>
-              <a:t>3 en 4 Wijziging regeltekst en werkingsgebieden (</a:t>
-            </a:r>
-            <a:r>
-              <a:rPr lang="nl-NL" dirty="0" err="1"/>
-              <a:t>GIO’s</a:t>
-            </a:r>
-            <a:r>
-              <a:rPr lang="nl-NL" dirty="0"/>
-              <a:t>)</a:t>
-            </a:r>
-          </a:p>
-          <a:p>
-            <a:pPr lvl="1"/>
-            <a:r>
-              <a:rPr lang="nl-NL" sz="2000" b="1" dirty="0"/>
-              <a:t>3a</a:t>
-            </a:r>
-            <a:r>
-              <a:rPr lang="nl-NL" sz="2000" dirty="0"/>
-              <a:t>) wijziging van de tekst van het artikel, zonder overige implicaties	</a:t>
-            </a:r>
-          </a:p>
-          <a:p>
-            <a:pPr lvl="1"/>
-            <a:r>
-              <a:rPr lang="nl-NL" sz="2000" b="1" dirty="0"/>
-              <a:t>3b</a:t>
-            </a:r>
-            <a:r>
-              <a:rPr lang="nl-NL" sz="2000" dirty="0"/>
-              <a:t>)</a:t>
-            </a:r>
-            <a:r>
-              <a:rPr lang="nl-NL" sz="2000" b="1" dirty="0"/>
-              <a:t> </a:t>
-            </a:r>
-            <a:r>
-              <a:rPr lang="nl-NL" sz="2000" dirty="0"/>
-              <a:t>wijziging van de tekst van het artikel, waarbij de activiteit wordt aangepast</a:t>
-            </a:r>
-          </a:p>
-          <a:p>
-            <a:pPr lvl="1"/>
-            <a:r>
-              <a:rPr lang="nl-NL" sz="2000" b="1" dirty="0"/>
-              <a:t>3c</a:t>
-            </a:r>
-            <a:r>
-              <a:rPr lang="nl-NL" sz="2000" dirty="0"/>
-              <a:t>)</a:t>
-            </a:r>
-            <a:r>
-              <a:rPr lang="nl-NL" sz="2000" b="1" dirty="0"/>
-              <a:t> </a:t>
-            </a:r>
-            <a:r>
-              <a:rPr lang="nl-NL" sz="2000" dirty="0"/>
               <a:t>wijziging van de tekst van het artikel, inclusief het toevoegen van een GIO</a:t>
             </a:r>
           </a:p>
@@ -8761,21 +8190,28 @@
             </a:r>
           </a:p>
           <a:p>
+            <a:r>
+              <a:rPr lang="nl-NL" sz="3200" b="1" dirty="0"/>
+              <a:t>4	</a:t>
+            </a:r>
+            <a:r>
+              <a:rPr lang="nl-NL" sz="3200" dirty="0"/>
+              <a:t>Wijziging van werkingsgebieden (</a:t>
+            </a:r>
+            <a:r>
+              <a:rPr lang="nl-NL" sz="3200" dirty="0" err="1"/>
+              <a:t>GIO’s</a:t>
+            </a:r>
+            <a:r>
+              <a:rPr lang="nl-NL" sz="3200" dirty="0"/>
+              <a:t>)</a:t>
+            </a:r>
+          </a:p>
+          <a:p>
             <a:pPr lvl="1"/>
             <a:r>
               <a:rPr lang="nl-NL" sz="2000" b="1" dirty="0"/>
-              <a:t>3e</a:t>
-            </a:r>
-            <a:r>
-              <a:rPr lang="nl-NL" sz="2000" dirty="0"/>
-              <a:t>) wijzigen van de tekst van het artikel, inclusief het wijzigen van een GIO </a:t>
-            </a:r>
-          </a:p>
-          <a:p>
-            <a:pPr lvl="1"/>
-            <a:r>
-              <a:rPr lang="nl-NL" sz="2000" b="1" dirty="0"/>
-              <a:t>3f</a:t>
+              <a:t>4a</a:t>
             </a:r>
             <a:r>
               <a:rPr lang="nl-NL" sz="2000" dirty="0"/>
@@ -8786,7 +8222,7 @@
             <a:pPr lvl="1"/>
             <a:r>
               <a:rPr lang="nl-NL" sz="2000" b="1" dirty="0"/>
-              <a:t>3g</a:t>
+              <a:t>4b</a:t>
             </a:r>
             <a:r>
               <a:rPr lang="nl-NL" sz="2000" dirty="0"/>
@@ -8794,16 +8230,27 @@
             </a:r>
           </a:p>
           <a:p>
-            <a:r>
-              <a:rPr lang="nl-NL" sz="2400" dirty="0"/>
-              <a:t>Directe mutaties (</a:t>
-            </a:r>
-            <a:r>
-              <a:rPr lang="nl-NL" sz="2400" dirty="0" err="1"/>
+            <a:pPr lvl="1"/>
+            <a:r>
+              <a:rPr lang="nl-NL" sz="2000" b="1" dirty="0"/>
+              <a:t>4c</a:t>
+            </a:r>
+            <a:r>
+              <a:rPr lang="nl-NL" sz="2000" dirty="0"/>
+              <a:t>) wijzigen van de tekst van het artikel, inclusief het wijzigen van een GIO</a:t>
+            </a:r>
+          </a:p>
+          <a:p>
+            <a:r>
+              <a:rPr lang="nl-NL" sz="2900" dirty="0"/>
+              <a:t>10	Directe mutaties (</a:t>
+            </a:r>
+            <a:r>
+              <a:rPr lang="nl-NL" sz="2900" dirty="0" err="1"/>
               <a:t>directeMutatieOpdracht</a:t>
             </a:r>
             <a:r>
-              <a:rPr lang="nl-NL" sz="2400" dirty="0"/>
+              <a:rPr lang="nl-NL" sz="2900" dirty="0"/>
               <a:t>)</a:t>
             </a:r>
           </a:p>
@@ -8936,10 +8383,10 @@
       </p:sp>
       <p:pic>
         <p:nvPicPr>
-          <p:cNvPr id="5" name="Afbeelding 4">
-            <a:extLst>
-              <a:ext uri="{FF2B5EF4-FFF2-40B4-BE49-F238E27FC236}">
-                <a16:creationId xmlns:a16="http://schemas.microsoft.com/office/drawing/2014/main" id="{3B4D563D-EA25-477C-B838-7BA58B783A5E}"/>
+          <p:cNvPr id="4" name="Afbeelding 3">
+            <a:extLst>
+              <a:ext uri="{FF2B5EF4-FFF2-40B4-BE49-F238E27FC236}">
+                <a16:creationId xmlns:a16="http://schemas.microsoft.com/office/drawing/2014/main" id="{C66F3EE2-6481-4FFE-AEC3-F8B603DC8483}"/>
               </a:ext>
             </a:extLst>
           </p:cNvPr>
@@ -8956,8 +8403,8 @@
         </p:blipFill>
         <p:spPr>
           <a:xfrm>
-            <a:off x="524291" y="701643"/>
-            <a:ext cx="10515600" cy="5838690"/>
+            <a:off x="838199" y="862329"/>
+            <a:ext cx="9693893" cy="5577800"/>
           </a:xfrm>
           <a:prstGeom prst="rect">
             <a:avLst/>
@@ -9040,18 +8487,205 @@
         </p:nvSpPr>
         <p:spPr/>
         <p:txBody>
-          <a:bodyPr/>
+          <a:bodyPr>
+            <a:normAutofit lnSpcReduction="10000"/>
+          </a:bodyPr>
           <a:lstStyle/>
           <a:p>
             <a:r>
               <a:rPr lang="nl-NL" dirty="0"/>
-              <a:t>Intrekken en vervangen van een regeling conform OP</a:t>
-            </a:r>
-          </a:p>
-          <a:p>
-            <a:r>
-              <a:rPr lang="nl-NL" dirty="0"/>
-              <a:t>OW bevat mutatiescenario 3b, alleen dan binnen de OP-opdracht van vervangen en intrekken</a:t>
+              <a:t>OP - Intrekken en vervangen van een regeling</a:t>
+            </a:r>
+          </a:p>
+          <a:p>
+            <a:pPr lvl="1"/>
+            <a:r>
+              <a:rPr lang="nl-NL" dirty="0"/>
+              <a:t>Toevoeging van tekst in </a:t>
+            </a:r>
+            <a:r>
+              <a:rPr lang="nl-NL" dirty="0">
+                <a:solidFill>
+                  <a:schemeClr val="accent1">
+                    <a:lumMod val="75000"/>
+                  </a:schemeClr>
+                </a:solidFill>
+              </a:rPr>
+              <a:t>Artikel 2.15</a:t>
+            </a:r>
+          </a:p>
+          <a:p>
+            <a:pPr lvl="2"/>
+            <a:r>
+              <a:rPr lang="nl-NL" dirty="0">
+                <a:solidFill>
+                  <a:srgbClr val="000000"/>
+                </a:solidFill>
+                <a:highlight>
+                  <a:srgbClr val="FFFFFF"/>
+                </a:highlight>
+              </a:rPr>
+              <a:t>Deze zin is om een afwijking te constateren met de initieel aangeleverde regeling.</a:t>
+            </a:r>
+          </a:p>
+          <a:p>
+            <a:pPr lvl="2"/>
+            <a:endParaRPr lang="nl-NL" dirty="0"/>
+          </a:p>
+          <a:p>
+            <a:r>
+              <a:rPr lang="nl-NL" dirty="0"/>
+              <a:t>OW – toevoegen van een annotatie</a:t>
+            </a:r>
+          </a:p>
+          <a:p>
+            <a:pPr lvl="1"/>
+            <a:r>
+              <a:rPr lang="nl-NL" dirty="0"/>
+              <a:t>Toevoeging van een annotatie bij </a:t>
+            </a:r>
+            <a:r>
+              <a:rPr lang="nl-NL" dirty="0">
+                <a:solidFill>
+                  <a:schemeClr val="accent1">
+                    <a:lumMod val="75000"/>
+                  </a:schemeClr>
+                </a:solidFill>
+              </a:rPr>
+              <a:t>Artikel 2.10</a:t>
+            </a:r>
+          </a:p>
+          <a:p>
+            <a:pPr lvl="2"/>
+            <a:r>
+              <a:rPr lang="nl-NL" dirty="0">
+                <a:solidFill>
+                  <a:schemeClr val="accent6">
+                    <a:lumMod val="75000"/>
+                  </a:schemeClr>
+                </a:solidFill>
+              </a:rPr>
+              <a:t>Activiteit</a:t>
+            </a:r>
+            <a:r>
+              <a:rPr lang="nl-NL" dirty="0"/>
+              <a:t> toegevoegd</a:t>
+            </a:r>
+          </a:p>
+          <a:p>
+            <a:pPr lvl="3"/>
+            <a:r>
+              <a:rPr lang="nl-NL" dirty="0">
+                <a:solidFill>
+                  <a:schemeClr val="accent6">
+                    <a:lumMod val="75000"/>
+                  </a:schemeClr>
+                </a:solidFill>
+              </a:rPr>
+              <a:t>Identificatie</a:t>
+            </a:r>
+            <a:r>
+              <a:rPr lang="nl-NL" dirty="0"/>
+              <a:t>: </a:t>
+            </a:r>
+            <a:r>
+              <a:rPr lang="nl-NL" dirty="0">
+                <a:solidFill>
+                  <a:srgbClr val="000000"/>
+                </a:solidFill>
+                <a:highlight>
+                  <a:srgbClr val="FFFFFF"/>
+                </a:highlight>
+              </a:rPr>
+              <a:t>nl.imow-gm0297.activiteit.2020000685</a:t>
+            </a:r>
+          </a:p>
+          <a:p>
+            <a:pPr lvl="3"/>
+            <a:r>
+              <a:rPr lang="nl-NL" dirty="0">
+                <a:solidFill>
+                  <a:schemeClr val="accent6">
+                    <a:lumMod val="75000"/>
+                  </a:schemeClr>
+                </a:solidFill>
+              </a:rPr>
+              <a:t>Naam</a:t>
+            </a:r>
+            <a:r>
+              <a:rPr lang="nl-NL" dirty="0"/>
+              <a:t>: </a:t>
+            </a:r>
+            <a:r>
+              <a:rPr lang="nl-NL" dirty="0">
+                <a:solidFill>
+                  <a:srgbClr val="000000"/>
+                </a:solidFill>
+                <a:highlight>
+                  <a:srgbClr val="FFFFFF"/>
+                </a:highlight>
+              </a:rPr>
+              <a:t>het exploiteren van een instelling voor cultuur en ontspanning</a:t>
+            </a:r>
+            <a:endParaRPr lang="nl-NL" dirty="0"/>
+          </a:p>
+          <a:p>
+            <a:pPr lvl="2"/>
+            <a:r>
+              <a:rPr lang="nl-NL" dirty="0" err="1"/>
+              <a:t>RegelVoorIedereen</a:t>
+            </a:r>
+            <a:endParaRPr lang="nl-NL" dirty="0"/>
+          </a:p>
+          <a:p>
+            <a:pPr lvl="3"/>
+            <a:r>
+              <a:rPr lang="nl-NL" dirty="0">
+                <a:solidFill>
+                  <a:schemeClr val="accent6">
+                    <a:lumMod val="75000"/>
+                  </a:schemeClr>
+                </a:solidFill>
+              </a:rPr>
+              <a:t>ActiviteitLocatieaanduiding </a:t>
+            </a:r>
+            <a:r>
+              <a:rPr lang="nl-NL" dirty="0"/>
+              <a:t>toegevoegd bij artikel 2.10</a:t>
+            </a:r>
+          </a:p>
+          <a:p>
+            <a:pPr lvl="4"/>
+            <a:r>
+              <a:rPr lang="nl-NL" dirty="0">
+                <a:solidFill>
+                  <a:schemeClr val="accent6">
+                    <a:lumMod val="75000"/>
+                  </a:schemeClr>
+                </a:solidFill>
+              </a:rPr>
+              <a:t>Locatie</a:t>
+            </a:r>
+            <a:r>
+              <a:rPr lang="nl-NL" dirty="0"/>
+              <a:t>: Centrumgebied</a:t>
+            </a:r>
+          </a:p>
+          <a:p>
+            <a:pPr lvl="4"/>
+            <a:r>
+              <a:rPr lang="nl-NL" dirty="0">
+                <a:solidFill>
+                  <a:schemeClr val="accent6">
+                    <a:lumMod val="75000"/>
+                  </a:schemeClr>
+                </a:solidFill>
+              </a:rPr>
+              <a:t>Kwalificatie</a:t>
+            </a:r>
+            <a:r>
+              <a:rPr lang="nl-NL" dirty="0"/>
+              <a:t>: Toegestaan</a:t>
             </a:r>
           </a:p>
         </p:txBody>
@@ -9137,13 +8771,40 @@
           <a:p>
             <a:r>
               <a:rPr lang="nl-NL" dirty="0"/>
-              <a:t>A) vervanging van artikel 2.5 naar 2.6, en 2.6 naar 2.5.</a:t>
-            </a:r>
-          </a:p>
-          <a:p>
-            <a:r>
-              <a:rPr lang="nl-NL" dirty="0"/>
-              <a:t>B) </a:t>
+              <a:t>A) vervanging van Artikel 2.5 naar 2.6 </a:t>
+            </a:r>
+          </a:p>
+          <a:p>
+            <a:r>
+              <a:rPr lang="nl-NL" dirty="0"/>
+              <a:t>B) vervanging van Artikel 2.6 naar 2.5. </a:t>
+            </a:r>
+          </a:p>
+          <a:p>
+            <a:r>
+              <a:rPr lang="nl-NL" dirty="0"/>
+              <a:t>C) verwijderen van Artikel 2.7 Lid 2</a:t>
+            </a:r>
+          </a:p>
+          <a:p>
+            <a:r>
+              <a:rPr lang="nl-NL" dirty="0"/>
+              <a:t>D) verwijderen  van Artikel 2.14</a:t>
+            </a:r>
+          </a:p>
+          <a:p>
+            <a:r>
+              <a:rPr lang="nl-NL" dirty="0"/>
+              <a:t>E) nieuw Artikel (2.14) toevoegen</a:t>
+            </a:r>
+          </a:p>
+          <a:p>
+            <a:endParaRPr lang="nl-NL" dirty="0"/>
+          </a:p>
+          <a:p>
+            <a:r>
+              <a:rPr lang="nl-NL" dirty="0"/>
+              <a:t>Voorbeeldbestanden-LINK</a:t>
             </a:r>
           </a:p>
         </p:txBody>
@@ -9183,7 +8844,7 @@
           <p:cNvPr id="2" name="Titel 1">
             <a:extLst>
               <a:ext uri="{FF2B5EF4-FFF2-40B4-BE49-F238E27FC236}">
-                <a16:creationId xmlns:a16="http://schemas.microsoft.com/office/drawing/2014/main" id="{9BB5B7C5-1DED-47EB-86FA-074E4340B130}"/>
+                <a16:creationId xmlns:a16="http://schemas.microsoft.com/office/drawing/2014/main" id="{8E986EFE-9764-4EF4-9F9F-823B9859B7D0}"/>
               </a:ext>
             </a:extLst>
           </p:cNvPr>
@@ -9194,147 +8855,63 @@
             <p:ph type="title"/>
           </p:nvPr>
         </p:nvSpPr>
-        <p:spPr/>
+        <p:spPr>
+          <a:xfrm>
+            <a:off x="592186" y="0"/>
+            <a:ext cx="10515600" cy="1325563"/>
+          </a:xfrm>
+        </p:spPr>
         <p:txBody>
           <a:bodyPr/>
           <a:lstStyle/>
           <a:p>
             <a:r>
               <a:rPr lang="nl-NL" dirty="0"/>
-              <a:t>2a) Toevoegen van artikel</a:t>
-            </a:r>
-          </a:p>
-        </p:txBody>
-      </p:sp>
-      <p:sp>
-        <p:nvSpPr>
-          <p:cNvPr id="3" name="Tijdelijke aanduiding voor inhoud 2">
-            <a:extLst>
-              <a:ext uri="{FF2B5EF4-FFF2-40B4-BE49-F238E27FC236}">
-                <a16:creationId xmlns:a16="http://schemas.microsoft.com/office/drawing/2014/main" id="{951BC1A8-C811-4D4D-BD38-DD221D57AA28}"/>
-              </a:ext>
-            </a:extLst>
-          </p:cNvPr>
-          <p:cNvSpPr>
-            <a:spLocks noGrp="1"/>
-          </p:cNvSpPr>
-          <p:nvPr>
-            <p:ph idx="1"/>
-          </p:nvPr>
-        </p:nvSpPr>
-        <p:spPr/>
-        <p:txBody>
-          <a:bodyPr/>
-          <a:lstStyle/>
-          <a:p>
-            <a:r>
-              <a:rPr lang="nl-NL" dirty="0"/>
-              <a:t>Legenda: </a:t>
-            </a:r>
-          </a:p>
-          <a:p>
-            <a:pPr lvl="1"/>
-            <a:r>
-              <a:rPr lang="nl-NL" dirty="0"/>
-              <a:t>ZWART – functionele wijziging</a:t>
-            </a:r>
-          </a:p>
-          <a:p>
-            <a:pPr lvl="1"/>
-            <a:r>
-              <a:rPr lang="nl-NL" dirty="0">
-                <a:solidFill>
-                  <a:schemeClr val="accent1"/>
-                </a:solidFill>
-              </a:rPr>
-              <a:t>BLAUW </a:t>
-            </a:r>
-            <a:r>
-              <a:rPr lang="nl-NL" dirty="0"/>
-              <a:t>– OP-aanlevering</a:t>
-            </a:r>
-          </a:p>
-          <a:p>
-            <a:pPr lvl="1"/>
-            <a:r>
-              <a:rPr lang="nl-NL" dirty="0">
-                <a:solidFill>
-                  <a:schemeClr val="accent6">
-                    <a:lumMod val="75000"/>
-                  </a:schemeClr>
-                </a:solidFill>
-              </a:rPr>
-              <a:t>GROEN</a:t>
-            </a:r>
-            <a:r>
-              <a:rPr lang="nl-NL" dirty="0"/>
-              <a:t> – OW-aanlevering</a:t>
-            </a:r>
-          </a:p>
-          <a:p>
-            <a:r>
-              <a:rPr lang="nl-NL" dirty="0"/>
-              <a:t>In dit mutatiescenario:</a:t>
-            </a:r>
-          </a:p>
-          <a:p>
-            <a:pPr lvl="1"/>
-            <a:r>
-              <a:rPr lang="nl-NL" dirty="0"/>
-              <a:t>Hoofdstuk 2</a:t>
-            </a:r>
-          </a:p>
-          <a:p>
-            <a:pPr lvl="2"/>
-            <a:r>
-              <a:rPr lang="nl-NL" dirty="0"/>
-              <a:t>Paragraaf 5:</a:t>
-            </a:r>
-          </a:p>
-          <a:p>
-            <a:pPr lvl="3"/>
-            <a:r>
-              <a:rPr lang="nl-NL" dirty="0"/>
-              <a:t>Artikel 2.13: Omgevingsplanactiviteiten bouwen</a:t>
-            </a:r>
-          </a:p>
-          <a:p>
-            <a:pPr lvl="3"/>
-            <a:r>
-              <a:rPr lang="nl-NL" dirty="0"/>
-              <a:t>(</a:t>
-            </a:r>
-            <a:r>
-              <a:rPr lang="nl-NL" b="1" dirty="0"/>
-              <a:t>NIEUW</a:t>
-            </a:r>
-            <a:r>
-              <a:rPr lang="nl-NL" dirty="0"/>
-              <a:t>) Artikel 2.14: Bouwregels geluidsgevoelige gebouwen</a:t>
-            </a:r>
-            <a:endParaRPr lang="nl-NL" u="sng" dirty="0">
-              <a:solidFill>
-                <a:schemeClr val="accent1"/>
-              </a:solidFill>
-            </a:endParaRPr>
-          </a:p>
-          <a:p>
-            <a:pPr lvl="3"/>
-            <a:r>
-              <a:rPr lang="nl-NL" dirty="0"/>
-              <a:t>Artikel 2.15: Bouwregels bedrijfsgebouwen </a:t>
-            </a:r>
-            <a:r>
-              <a:rPr lang="nl-NL" i="1" dirty="0"/>
-              <a:t>(dit was voorheen artikel 2.14)</a:t>
-            </a:r>
-          </a:p>
-        </p:txBody>
-      </p:sp>
+              <a:t>2a en 2b) omwisselen van 2.5 en 2.6</a:t>
+            </a:r>
+          </a:p>
+        </p:txBody>
+      </p:sp>
+      <p:pic>
+        <p:nvPicPr>
+          <p:cNvPr id="5" name="Afbeelding 4" descr="Afbeelding met schermafbeelding&#10;&#10;Automatisch gegenereerde beschrijving">
+            <a:extLst>
+              <a:ext uri="{FF2B5EF4-FFF2-40B4-BE49-F238E27FC236}">
+                <a16:creationId xmlns:a16="http://schemas.microsoft.com/office/drawing/2014/main" id="{5034A0F2-311E-4E8F-88D7-54847C81842B}"/>
+              </a:ext>
+            </a:extLst>
+          </p:cNvPr>
+          <p:cNvPicPr>
+            <a:picLocks noChangeAspect="1"/>
+          </p:cNvPicPr>
+          <p:nvPr/>
+        </p:nvPicPr>
+        <p:blipFill>
+          <a:blip r:embed="rId2">
+            <a:extLst>
+              <a:ext uri="{28A0092B-C50C-407E-A947-70E740481C1C}">
+                <a14:useLocalDpi xmlns:a14="http://schemas.microsoft.com/office/drawing/2010/main" val="0"/>
+              </a:ext>
+            </a:extLst>
+          </a:blip>
+          <a:stretch>
+            <a:fillRect/>
+          </a:stretch>
+        </p:blipFill>
+        <p:spPr>
+          <a:xfrm>
+            <a:off x="592186" y="982924"/>
+            <a:ext cx="10162053" cy="5718060"/>
+          </a:xfrm>
+          <a:prstGeom prst="rect">
+            <a:avLst/>
+          </a:prstGeom>
+        </p:spPr>
+      </p:pic>
     </p:spTree>
     <p:extLst>
       <p:ext uri="{BB962C8B-B14F-4D97-AF65-F5344CB8AC3E}">
-        <p14:creationId xmlns:p14="http://schemas.microsoft.com/office/powerpoint/2010/main" val="2905295421"/>
+        <p14:creationId xmlns:p14="http://schemas.microsoft.com/office/powerpoint/2010/main" val="2650006355"/>
       </p:ext>
     </p:extLst>
   </p:cSld>
@@ -9377,156 +8954,59 @@
             <p:ph type="title"/>
           </p:nvPr>
         </p:nvSpPr>
-        <p:spPr/>
+        <p:spPr>
+          <a:xfrm>
+            <a:off x="838200" y="0"/>
+            <a:ext cx="10515600" cy="1325563"/>
+          </a:xfrm>
+        </p:spPr>
         <p:txBody>
           <a:bodyPr/>
           <a:lstStyle/>
           <a:p>
             <a:r>
               <a:rPr lang="nl-NL" dirty="0"/>
-              <a:t>2b) Verwijderen van lid</a:t>
-            </a:r>
-          </a:p>
-        </p:txBody>
-      </p:sp>
-      <p:sp>
-        <p:nvSpPr>
-          <p:cNvPr id="3" name="Tijdelijke aanduiding voor inhoud 2">
-            <a:extLst>
-              <a:ext uri="{FF2B5EF4-FFF2-40B4-BE49-F238E27FC236}">
-                <a16:creationId xmlns:a16="http://schemas.microsoft.com/office/drawing/2014/main" id="{DDDF0A60-3957-494A-A5BA-0A4646797993}"/>
-              </a:ext>
-            </a:extLst>
-          </p:cNvPr>
-          <p:cNvSpPr>
-            <a:spLocks noGrp="1"/>
-          </p:cNvSpPr>
-          <p:nvPr>
-            <p:ph idx="1"/>
-          </p:nvPr>
-        </p:nvSpPr>
-        <p:spPr/>
-        <p:txBody>
-          <a:bodyPr/>
-          <a:lstStyle/>
-          <a:p>
-            <a:r>
-              <a:rPr lang="nl-NL" dirty="0"/>
-              <a:t>In dit mutatiescenario:</a:t>
-            </a:r>
-          </a:p>
-          <a:p>
-            <a:pPr lvl="1"/>
-            <a:r>
-              <a:rPr lang="nl-NL" dirty="0"/>
-              <a:t>Hoofdstuk 2</a:t>
-            </a:r>
-          </a:p>
-          <a:p>
-            <a:pPr lvl="2"/>
-            <a:r>
-              <a:rPr lang="nl-NL" dirty="0"/>
-              <a:t>Paragraaf 2</a:t>
-            </a:r>
-          </a:p>
-          <a:p>
-            <a:pPr lvl="3"/>
-            <a:r>
-              <a:rPr lang="nl-NL" dirty="0"/>
-              <a:t>(</a:t>
-            </a:r>
-            <a:r>
-              <a:rPr lang="nl-NL" b="1" dirty="0"/>
-              <a:t>VERWIJDEREN</a:t>
-            </a:r>
-            <a:r>
-              <a:rPr lang="nl-NL" dirty="0"/>
-              <a:t>) Artikel 2.7 Lid 2c) </a:t>
-            </a:r>
-            <a:r>
-              <a:rPr lang="nl-NL" dirty="0" err="1"/>
-              <a:t>RisicoEffectRapportage</a:t>
-            </a:r>
-            <a:r>
-              <a:rPr lang="nl-NL" dirty="0"/>
-              <a:t>. </a:t>
-            </a:r>
-            <a:endParaRPr lang="nl-NL" i="1" dirty="0">
-              <a:solidFill>
-                <a:schemeClr val="accent1"/>
-              </a:solidFill>
-            </a:endParaRPr>
-          </a:p>
-          <a:p>
-            <a:pPr lvl="3"/>
-            <a:r>
-              <a:rPr lang="nl-NL" dirty="0"/>
-              <a:t>Artikel 2.9 Functietoedeling</a:t>
-            </a:r>
-          </a:p>
-          <a:p>
-            <a:pPr lvl="3"/>
-            <a:r>
-              <a:rPr lang="nl-NL" dirty="0"/>
-              <a:t>Artikel 2.10 Gebruiksactiviteiten toegestaan na melding</a:t>
-            </a:r>
-          </a:p>
-          <a:p>
-            <a:pPr lvl="3"/>
-            <a:r>
-              <a:rPr lang="nl-NL" dirty="0"/>
-              <a:t>Artikel 2.11 Gebruiksactiviteiten toegestaan na vergunning</a:t>
-            </a:r>
-          </a:p>
-          <a:p>
-            <a:pPr lvl="3"/>
-            <a:r>
-              <a:rPr lang="nl-NL" dirty="0"/>
-              <a:t>Artikel 2.12 Omgevingswaarde stikstofdioxide</a:t>
-            </a:r>
-          </a:p>
-          <a:p>
-            <a:pPr lvl="2"/>
-            <a:r>
-              <a:rPr lang="nl-NL" dirty="0"/>
-              <a:t>Paragraaf 5 </a:t>
-            </a:r>
-          </a:p>
-          <a:p>
-            <a:pPr lvl="3"/>
-            <a:r>
-              <a:rPr lang="nl-NL" dirty="0"/>
-              <a:t>Artikel 2.13: Omgevingsplanactiviteiten bouwen</a:t>
-            </a:r>
-          </a:p>
-          <a:p>
-            <a:pPr lvl="3"/>
-            <a:r>
-              <a:rPr lang="nl-NL" dirty="0"/>
-              <a:t>Artikel 2.14: Bouwregels geluidsgevoelige gebouwen</a:t>
-            </a:r>
-          </a:p>
-          <a:p>
-            <a:pPr lvl="3"/>
-            <a:r>
-              <a:rPr lang="nl-NL" dirty="0"/>
-              <a:t>Artikel 2.15: Bouwregels bedrijfsgebouwen</a:t>
-            </a:r>
-          </a:p>
-          <a:p>
-            <a:pPr lvl="2"/>
-            <a:endParaRPr lang="nl-NL" dirty="0"/>
-          </a:p>
-          <a:p>
-            <a:pPr lvl="2"/>
-            <a:endParaRPr lang="nl-NL" dirty="0"/>
-          </a:p>
-          <a:p>
-            <a:pPr lvl="2"/>
-            <a:endParaRPr lang="nl-NL" dirty="0"/>
-          </a:p>
-        </p:txBody>
-      </p:sp>
+              <a:t>2c) Verwijderen van lid</a:t>
+            </a:r>
+          </a:p>
+        </p:txBody>
+      </p:sp>
+      <p:pic>
+        <p:nvPicPr>
+          <p:cNvPr id="7" name="Afbeelding 6" descr="Afbeelding met schermafbeelding&#10;&#10;Automatisch gegenereerde beschrijving">
+            <a:extLst>
+              <a:ext uri="{FF2B5EF4-FFF2-40B4-BE49-F238E27FC236}">
+                <a16:creationId xmlns:a16="http://schemas.microsoft.com/office/drawing/2014/main" id="{800CA2A7-D1BB-4078-9C7F-0052D6F31BFB}"/>
+              </a:ext>
+            </a:extLst>
+          </p:cNvPr>
+          <p:cNvPicPr>
+            <a:picLocks noChangeAspect="1"/>
+          </p:cNvPicPr>
+          <p:nvPr/>
+        </p:nvPicPr>
+        <p:blipFill>
+          <a:blip r:embed="rId2">
+            <a:extLst>
+              <a:ext uri="{28A0092B-C50C-407E-A947-70E740481C1C}">
+                <a14:useLocalDpi xmlns:a14="http://schemas.microsoft.com/office/drawing/2010/main" val="0"/>
+              </a:ext>
+            </a:extLst>
+          </a:blip>
+          <a:stretch>
+            <a:fillRect/>
+          </a:stretch>
+        </p:blipFill>
+        <p:spPr>
+          <a:xfrm>
+            <a:off x="838200" y="988577"/>
+            <a:ext cx="10162053" cy="5718060"/>
+          </a:xfrm>
+          <a:prstGeom prst="rect">
+            <a:avLst/>
+          </a:prstGeom>
+        </p:spPr>
+      </p:pic>
     </p:spTree>
     <p:extLst>
       <p:ext uri="{BB962C8B-B14F-4D97-AF65-F5344CB8AC3E}">
@@ -9836,15 +9316,6 @@
 </file>
 
 <file path=customXml/item1.xml><?xml version="1.0" encoding="utf-8"?>
-<?mso-contentType ?>
-<FormTemplates xmlns="http://schemas.microsoft.com/sharepoint/v3/contenttype/forms">
-  <Display>DocumentLibraryForm</Display>
-  <Edit>DocumentLibraryForm</Edit>
-  <New>DocumentLibraryForm</New>
-</FormTemplates>
-</file>
-
-<file path=customXml/item2.xml><?xml version="1.0" encoding="utf-8"?>
 <ct:contentTypeSchema xmlns:ct="http://schemas.microsoft.com/office/2006/metadata/contentType" xmlns:ma="http://schemas.microsoft.com/office/2006/metadata/properties/metaAttributes" ct:_="" ma:_="" ma:contentTypeName="Document" ma:contentTypeID="0x0101003ADD3040E3157B4E913BCA65F34844D7" ma:contentTypeVersion="10" ma:contentTypeDescription="Een nieuw document maken." ma:contentTypeScope="" ma:versionID="c1765059aa1475931adc12138fdcfd8c">
   <xsd:schema xmlns:xsd="http://www.w3.org/2001/XMLSchema" xmlns:xs="http://www.w3.org/2001/XMLSchema" xmlns:p="http://schemas.microsoft.com/office/2006/metadata/properties" xmlns:ns2="aafb19fa-82be-411d-a6df-c75e9235a4ea" xmlns:ns3="3dfebdfe-2b22-40ba-8672-9fbc9b4066c4" targetNamespace="http://schemas.microsoft.com/office/2006/metadata/properties" ma:root="true" ma:fieldsID="42d79c55539af1f9f274032ce6041302" ns2:_="" ns3:_="">
     <xsd:import namespace="aafb19fa-82be-411d-a6df-c75e9235a4ea"/>
@@ -10047,6 +9518,15 @@
 </ct:contentTypeSchema>
 </file>
 
+<file path=customXml/item2.xml><?xml version="1.0" encoding="utf-8"?>
+<?mso-contentType ?>
+<FormTemplates xmlns="http://schemas.microsoft.com/sharepoint/v3/contenttype/forms">
+  <Display>DocumentLibraryForm</Display>
+  <Edit>DocumentLibraryForm</Edit>
+  <New>DocumentLibraryForm</New>
+</FormTemplates>
+</file>
+
 <file path=customXml/item3.xml><?xml version="1.0" encoding="utf-8"?>
 <p:properties xmlns:p="http://schemas.microsoft.com/office/2006/metadata/properties" xmlns:xsi="http://www.w3.org/2001/XMLSchema-instance" xmlns:pc="http://schemas.microsoft.com/office/infopath/2007/PartnerControls">
   <documentManagement/>
@@ -10054,14 +9534,6 @@
 </file>
 
 <file path=customXml/itemProps1.xml><?xml version="1.0" encoding="utf-8"?>
-<ds:datastoreItem xmlns:ds="http://schemas.openxmlformats.org/officeDocument/2006/customXml" ds:itemID="{F8CFDD08-2AF3-45C0-9BFB-55C0CB45D846}">
-  <ds:schemaRefs>
-    <ds:schemaRef ds:uri="http://schemas.microsoft.com/sharepoint/v3/contenttype/forms"/>
-  </ds:schemaRefs>
-</ds:datastoreItem>
-</file>
-
-<file path=customXml/itemProps2.xml><?xml version="1.0" encoding="utf-8"?>
 <ds:datastoreItem xmlns:ds="http://schemas.openxmlformats.org/officeDocument/2006/customXml" ds:itemID="{86B9146A-7E8D-43BD-BCDA-EAF916D7BF88}">
   <ds:schemaRefs>
     <ds:schemaRef ds:uri="http://schemas.microsoft.com/office/2006/metadata/contentType"/>
@@ -10080,6 +9552,14 @@
 </ds:datastoreItem>
 </file>
 
+<file path=customXml/itemProps2.xml><?xml version="1.0" encoding="utf-8"?>
+<ds:datastoreItem xmlns:ds="http://schemas.openxmlformats.org/officeDocument/2006/customXml" ds:itemID="{F8CFDD08-2AF3-45C0-9BFB-55C0CB45D846}">
+  <ds:schemaRefs>
+    <ds:schemaRef ds:uri="http://schemas.microsoft.com/sharepoint/v3/contenttype/forms"/>
+  </ds:schemaRefs>
+</ds:datastoreItem>
+</file>
+
 <file path=customXml/itemProps3.xml><?xml version="1.0" encoding="utf-8"?>
 <ds:datastoreItem xmlns:ds="http://schemas.openxmlformats.org/officeDocument/2006/customXml" ds:itemID="{44F744C1-7216-4F24-AF2B-C028C1AC510B}">
   <ds:schemaRefs>

--- a/Submutatiescenario_s.pptx
+++ b/Submutatiescenario_s.pptx
@@ -304,7 +304,7 @@
           <a:p>
             <a:fld id="{02A6C647-4F39-4E22-BFA0-7A057A8C404A}" type="datetimeFigureOut">
               <a:rPr lang="nl-NL" smtClean="0"/>
-              <a:t>1-7-2020</a:t>
+              <a:t>2-7-2020</a:t>
             </a:fld>
             <a:endParaRPr lang="nl-NL"/>
           </a:p>
@@ -502,7 +502,7 @@
           <a:p>
             <a:fld id="{02A6C647-4F39-4E22-BFA0-7A057A8C404A}" type="datetimeFigureOut">
               <a:rPr lang="nl-NL" smtClean="0"/>
-              <a:t>1-7-2020</a:t>
+              <a:t>2-7-2020</a:t>
             </a:fld>
             <a:endParaRPr lang="nl-NL"/>
           </a:p>
@@ -710,7 +710,7 @@
           <a:p>
             <a:fld id="{02A6C647-4F39-4E22-BFA0-7A057A8C404A}" type="datetimeFigureOut">
               <a:rPr lang="nl-NL" smtClean="0"/>
-              <a:t>1-7-2020</a:t>
+              <a:t>2-7-2020</a:t>
             </a:fld>
             <a:endParaRPr lang="nl-NL"/>
           </a:p>
@@ -908,7 +908,7 @@
           <a:p>
             <a:fld id="{02A6C647-4F39-4E22-BFA0-7A057A8C404A}" type="datetimeFigureOut">
               <a:rPr lang="nl-NL" smtClean="0"/>
-              <a:t>1-7-2020</a:t>
+              <a:t>2-7-2020</a:t>
             </a:fld>
             <a:endParaRPr lang="nl-NL"/>
           </a:p>
@@ -1183,7 +1183,7 @@
           <a:p>
             <a:fld id="{02A6C647-4F39-4E22-BFA0-7A057A8C404A}" type="datetimeFigureOut">
               <a:rPr lang="nl-NL" smtClean="0"/>
-              <a:t>1-7-2020</a:t>
+              <a:t>2-7-2020</a:t>
             </a:fld>
             <a:endParaRPr lang="nl-NL"/>
           </a:p>
@@ -1448,7 +1448,7 @@
           <a:p>
             <a:fld id="{02A6C647-4F39-4E22-BFA0-7A057A8C404A}" type="datetimeFigureOut">
               <a:rPr lang="nl-NL" smtClean="0"/>
-              <a:t>1-7-2020</a:t>
+              <a:t>2-7-2020</a:t>
             </a:fld>
             <a:endParaRPr lang="nl-NL"/>
           </a:p>
@@ -1860,7 +1860,7 @@
           <a:p>
             <a:fld id="{02A6C647-4F39-4E22-BFA0-7A057A8C404A}" type="datetimeFigureOut">
               <a:rPr lang="nl-NL" smtClean="0"/>
-              <a:t>1-7-2020</a:t>
+              <a:t>2-7-2020</a:t>
             </a:fld>
             <a:endParaRPr lang="nl-NL"/>
           </a:p>
@@ -2001,7 +2001,7 @@
           <a:p>
             <a:fld id="{02A6C647-4F39-4E22-BFA0-7A057A8C404A}" type="datetimeFigureOut">
               <a:rPr lang="nl-NL" smtClean="0"/>
-              <a:t>1-7-2020</a:t>
+              <a:t>2-7-2020</a:t>
             </a:fld>
             <a:endParaRPr lang="nl-NL"/>
           </a:p>
@@ -2114,7 +2114,7 @@
           <a:p>
             <a:fld id="{02A6C647-4F39-4E22-BFA0-7A057A8C404A}" type="datetimeFigureOut">
               <a:rPr lang="nl-NL" smtClean="0"/>
-              <a:t>1-7-2020</a:t>
+              <a:t>2-7-2020</a:t>
             </a:fld>
             <a:endParaRPr lang="nl-NL"/>
           </a:p>
@@ -2425,7 +2425,7 @@
           <a:p>
             <a:fld id="{02A6C647-4F39-4E22-BFA0-7A057A8C404A}" type="datetimeFigureOut">
               <a:rPr lang="nl-NL" smtClean="0"/>
-              <a:t>1-7-2020</a:t>
+              <a:t>2-7-2020</a:t>
             </a:fld>
             <a:endParaRPr lang="nl-NL"/>
           </a:p>
@@ -2713,7 +2713,7 @@
           <a:p>
             <a:fld id="{02A6C647-4F39-4E22-BFA0-7A057A8C404A}" type="datetimeFigureOut">
               <a:rPr lang="nl-NL" smtClean="0"/>
-              <a:t>1-7-2020</a:t>
+              <a:t>2-7-2020</a:t>
             </a:fld>
             <a:endParaRPr lang="nl-NL"/>
           </a:p>
@@ -2954,7 +2954,7 @@
           <a:p>
             <a:fld id="{02A6C647-4F39-4E22-BFA0-7A057A8C404A}" type="datetimeFigureOut">
               <a:rPr lang="nl-NL" smtClean="0"/>
-              <a:t>1-7-2020</a:t>
+              <a:t>2-7-2020</a:t>
             </a:fld>
             <a:endParaRPr lang="nl-NL"/>
           </a:p>
@@ -3613,10 +3613,6 @@
             <a:br>
               <a:rPr lang="nl-NL" dirty="0"/>
             </a:br>
-            <a:r>
-              <a:rPr lang="nl-NL" sz="2000" i="1" dirty="0"/>
-              <a:t>(Er valt over te praten indien softwareleveranciers liever alles aanleveren, maar dat heeft niet de voorkeur vanuit OZON.)</a:t>
-            </a:r>
             <a:br>
               <a:rPr lang="nl-NL" dirty="0"/>
             </a:br>
@@ -9316,6 +9312,15 @@
 </file>
 
 <file path=customXml/item1.xml><?xml version="1.0" encoding="utf-8"?>
+<?mso-contentType ?>
+<FormTemplates xmlns="http://schemas.microsoft.com/sharepoint/v3/contenttype/forms">
+  <Display>DocumentLibraryForm</Display>
+  <Edit>DocumentLibraryForm</Edit>
+  <New>DocumentLibraryForm</New>
+</FormTemplates>
+</file>
+
+<file path=customXml/item2.xml><?xml version="1.0" encoding="utf-8"?>
 <ct:contentTypeSchema xmlns:ct="http://schemas.microsoft.com/office/2006/metadata/contentType" xmlns:ma="http://schemas.microsoft.com/office/2006/metadata/properties/metaAttributes" ct:_="" ma:_="" ma:contentTypeName="Document" ma:contentTypeID="0x0101003ADD3040E3157B4E913BCA65F34844D7" ma:contentTypeVersion="10" ma:contentTypeDescription="Een nieuw document maken." ma:contentTypeScope="" ma:versionID="c1765059aa1475931adc12138fdcfd8c">
   <xsd:schema xmlns:xsd="http://www.w3.org/2001/XMLSchema" xmlns:xs="http://www.w3.org/2001/XMLSchema" xmlns:p="http://schemas.microsoft.com/office/2006/metadata/properties" xmlns:ns2="aafb19fa-82be-411d-a6df-c75e9235a4ea" xmlns:ns3="3dfebdfe-2b22-40ba-8672-9fbc9b4066c4" targetNamespace="http://schemas.microsoft.com/office/2006/metadata/properties" ma:root="true" ma:fieldsID="42d79c55539af1f9f274032ce6041302" ns2:_="" ns3:_="">
     <xsd:import namespace="aafb19fa-82be-411d-a6df-c75e9235a4ea"/>
@@ -9518,15 +9523,6 @@
 </ct:contentTypeSchema>
 </file>
 
-<file path=customXml/item2.xml><?xml version="1.0" encoding="utf-8"?>
-<?mso-contentType ?>
-<FormTemplates xmlns="http://schemas.microsoft.com/sharepoint/v3/contenttype/forms">
-  <Display>DocumentLibraryForm</Display>
-  <Edit>DocumentLibraryForm</Edit>
-  <New>DocumentLibraryForm</New>
-</FormTemplates>
-</file>
-
 <file path=customXml/item3.xml><?xml version="1.0" encoding="utf-8"?>
 <p:properties xmlns:p="http://schemas.microsoft.com/office/2006/metadata/properties" xmlns:xsi="http://www.w3.org/2001/XMLSchema-instance" xmlns:pc="http://schemas.microsoft.com/office/infopath/2007/PartnerControls">
   <documentManagement/>
@@ -9534,6 +9530,14 @@
 </file>
 
 <file path=customXml/itemProps1.xml><?xml version="1.0" encoding="utf-8"?>
+<ds:datastoreItem xmlns:ds="http://schemas.openxmlformats.org/officeDocument/2006/customXml" ds:itemID="{F8CFDD08-2AF3-45C0-9BFB-55C0CB45D846}">
+  <ds:schemaRefs>
+    <ds:schemaRef ds:uri="http://schemas.microsoft.com/sharepoint/v3/contenttype/forms"/>
+  </ds:schemaRefs>
+</ds:datastoreItem>
+</file>
+
+<file path=customXml/itemProps2.xml><?xml version="1.0" encoding="utf-8"?>
 <ds:datastoreItem xmlns:ds="http://schemas.openxmlformats.org/officeDocument/2006/customXml" ds:itemID="{86B9146A-7E8D-43BD-BCDA-EAF916D7BF88}">
   <ds:schemaRefs>
     <ds:schemaRef ds:uri="http://schemas.microsoft.com/office/2006/metadata/contentType"/>
@@ -9552,14 +9556,6 @@
 </ds:datastoreItem>
 </file>
 
-<file path=customXml/itemProps2.xml><?xml version="1.0" encoding="utf-8"?>
-<ds:datastoreItem xmlns:ds="http://schemas.openxmlformats.org/officeDocument/2006/customXml" ds:itemID="{F8CFDD08-2AF3-45C0-9BFB-55C0CB45D846}">
-  <ds:schemaRefs>
-    <ds:schemaRef ds:uri="http://schemas.microsoft.com/sharepoint/v3/contenttype/forms"/>
-  </ds:schemaRefs>
-</ds:datastoreItem>
-</file>
-
 <file path=customXml/itemProps3.xml><?xml version="1.0" encoding="utf-8"?>
 <ds:datastoreItem xmlns:ds="http://schemas.openxmlformats.org/officeDocument/2006/customXml" ds:itemID="{44F744C1-7216-4F24-AF2B-C028C1AC510B}">
   <ds:schemaRefs>

--- a/Submutatiescenario_s.pptx
+++ b/Submutatiescenario_s.pptx
@@ -304,7 +304,7 @@
           <a:p>
             <a:fld id="{02A6C647-4F39-4E22-BFA0-7A057A8C404A}" type="datetimeFigureOut">
               <a:rPr lang="nl-NL" smtClean="0"/>
-              <a:t>2-7-2020</a:t>
+              <a:t>11-8-2020</a:t>
             </a:fld>
             <a:endParaRPr lang="nl-NL"/>
           </a:p>
@@ -502,7 +502,7 @@
           <a:p>
             <a:fld id="{02A6C647-4F39-4E22-BFA0-7A057A8C404A}" type="datetimeFigureOut">
               <a:rPr lang="nl-NL" smtClean="0"/>
-              <a:t>2-7-2020</a:t>
+              <a:t>11-8-2020</a:t>
             </a:fld>
             <a:endParaRPr lang="nl-NL"/>
           </a:p>
@@ -710,7 +710,7 @@
           <a:p>
             <a:fld id="{02A6C647-4F39-4E22-BFA0-7A057A8C404A}" type="datetimeFigureOut">
               <a:rPr lang="nl-NL" smtClean="0"/>
-              <a:t>2-7-2020</a:t>
+              <a:t>11-8-2020</a:t>
             </a:fld>
             <a:endParaRPr lang="nl-NL"/>
           </a:p>
@@ -908,7 +908,7 @@
           <a:p>
             <a:fld id="{02A6C647-4F39-4E22-BFA0-7A057A8C404A}" type="datetimeFigureOut">
               <a:rPr lang="nl-NL" smtClean="0"/>
-              <a:t>2-7-2020</a:t>
+              <a:t>11-8-2020</a:t>
             </a:fld>
             <a:endParaRPr lang="nl-NL"/>
           </a:p>
@@ -1183,7 +1183,7 @@
           <a:p>
             <a:fld id="{02A6C647-4F39-4E22-BFA0-7A057A8C404A}" type="datetimeFigureOut">
               <a:rPr lang="nl-NL" smtClean="0"/>
-              <a:t>2-7-2020</a:t>
+              <a:t>11-8-2020</a:t>
             </a:fld>
             <a:endParaRPr lang="nl-NL"/>
           </a:p>
@@ -1448,7 +1448,7 @@
           <a:p>
             <a:fld id="{02A6C647-4F39-4E22-BFA0-7A057A8C404A}" type="datetimeFigureOut">
               <a:rPr lang="nl-NL" smtClean="0"/>
-              <a:t>2-7-2020</a:t>
+              <a:t>11-8-2020</a:t>
             </a:fld>
             <a:endParaRPr lang="nl-NL"/>
           </a:p>
@@ -1860,7 +1860,7 @@
           <a:p>
             <a:fld id="{02A6C647-4F39-4E22-BFA0-7A057A8C404A}" type="datetimeFigureOut">
               <a:rPr lang="nl-NL" smtClean="0"/>
-              <a:t>2-7-2020</a:t>
+              <a:t>11-8-2020</a:t>
             </a:fld>
             <a:endParaRPr lang="nl-NL"/>
           </a:p>
@@ -2001,7 +2001,7 @@
           <a:p>
             <a:fld id="{02A6C647-4F39-4E22-BFA0-7A057A8C404A}" type="datetimeFigureOut">
               <a:rPr lang="nl-NL" smtClean="0"/>
-              <a:t>2-7-2020</a:t>
+              <a:t>11-8-2020</a:t>
             </a:fld>
             <a:endParaRPr lang="nl-NL"/>
           </a:p>
@@ -2114,7 +2114,7 @@
           <a:p>
             <a:fld id="{02A6C647-4F39-4E22-BFA0-7A057A8C404A}" type="datetimeFigureOut">
               <a:rPr lang="nl-NL" smtClean="0"/>
-              <a:t>2-7-2020</a:t>
+              <a:t>11-8-2020</a:t>
             </a:fld>
             <a:endParaRPr lang="nl-NL"/>
           </a:p>
@@ -2425,7 +2425,7 @@
           <a:p>
             <a:fld id="{02A6C647-4F39-4E22-BFA0-7A057A8C404A}" type="datetimeFigureOut">
               <a:rPr lang="nl-NL" smtClean="0"/>
-              <a:t>2-7-2020</a:t>
+              <a:t>11-8-2020</a:t>
             </a:fld>
             <a:endParaRPr lang="nl-NL"/>
           </a:p>
@@ -2713,7 +2713,7 @@
           <a:p>
             <a:fld id="{02A6C647-4F39-4E22-BFA0-7A057A8C404A}" type="datetimeFigureOut">
               <a:rPr lang="nl-NL" smtClean="0"/>
-              <a:t>2-7-2020</a:t>
+              <a:t>11-8-2020</a:t>
             </a:fld>
             <a:endParaRPr lang="nl-NL"/>
           </a:p>
@@ -2954,7 +2954,7 @@
           <a:p>
             <a:fld id="{02A6C647-4F39-4E22-BFA0-7A057A8C404A}" type="datetimeFigureOut">
               <a:rPr lang="nl-NL" smtClean="0"/>
-              <a:t>2-7-2020</a:t>
+              <a:t>11-8-2020</a:t>
             </a:fld>
             <a:endParaRPr lang="nl-NL"/>
           </a:p>
@@ -8797,12 +8797,6 @@
           <a:p>
             <a:endParaRPr lang="nl-NL" dirty="0"/>
           </a:p>
-          <a:p>
-            <a:r>
-              <a:rPr lang="nl-NL" dirty="0"/>
-              <a:t>Voorbeeldbestanden-LINK</a:t>
-            </a:r>
-          </a:p>
         </p:txBody>
       </p:sp>
     </p:spTree>
@@ -9312,15 +9306,6 @@
 </file>
 
 <file path=customXml/item1.xml><?xml version="1.0" encoding="utf-8"?>
-<?mso-contentType ?>
-<FormTemplates xmlns="http://schemas.microsoft.com/sharepoint/v3/contenttype/forms">
-  <Display>DocumentLibraryForm</Display>
-  <Edit>DocumentLibraryForm</Edit>
-  <New>DocumentLibraryForm</New>
-</FormTemplates>
-</file>
-
-<file path=customXml/item2.xml><?xml version="1.0" encoding="utf-8"?>
 <ct:contentTypeSchema xmlns:ct="http://schemas.microsoft.com/office/2006/metadata/contentType" xmlns:ma="http://schemas.microsoft.com/office/2006/metadata/properties/metaAttributes" ct:_="" ma:_="" ma:contentTypeName="Document" ma:contentTypeID="0x0101003ADD3040E3157B4E913BCA65F34844D7" ma:contentTypeVersion="10" ma:contentTypeDescription="Een nieuw document maken." ma:contentTypeScope="" ma:versionID="c1765059aa1475931adc12138fdcfd8c">
   <xsd:schema xmlns:xsd="http://www.w3.org/2001/XMLSchema" xmlns:xs="http://www.w3.org/2001/XMLSchema" xmlns:p="http://schemas.microsoft.com/office/2006/metadata/properties" xmlns:ns2="aafb19fa-82be-411d-a6df-c75e9235a4ea" xmlns:ns3="3dfebdfe-2b22-40ba-8672-9fbc9b4066c4" targetNamespace="http://schemas.microsoft.com/office/2006/metadata/properties" ma:root="true" ma:fieldsID="42d79c55539af1f9f274032ce6041302" ns2:_="" ns3:_="">
     <xsd:import namespace="aafb19fa-82be-411d-a6df-c75e9235a4ea"/>
@@ -9523,6 +9508,15 @@
 </ct:contentTypeSchema>
 </file>
 
+<file path=customXml/item2.xml><?xml version="1.0" encoding="utf-8"?>
+<?mso-contentType ?>
+<FormTemplates xmlns="http://schemas.microsoft.com/sharepoint/v3/contenttype/forms">
+  <Display>DocumentLibraryForm</Display>
+  <Edit>DocumentLibraryForm</Edit>
+  <New>DocumentLibraryForm</New>
+</FormTemplates>
+</file>
+
 <file path=customXml/item3.xml><?xml version="1.0" encoding="utf-8"?>
 <p:properties xmlns:p="http://schemas.microsoft.com/office/2006/metadata/properties" xmlns:xsi="http://www.w3.org/2001/XMLSchema-instance" xmlns:pc="http://schemas.microsoft.com/office/infopath/2007/PartnerControls">
   <documentManagement/>
@@ -9530,14 +9524,6 @@
 </file>
 
 <file path=customXml/itemProps1.xml><?xml version="1.0" encoding="utf-8"?>
-<ds:datastoreItem xmlns:ds="http://schemas.openxmlformats.org/officeDocument/2006/customXml" ds:itemID="{F8CFDD08-2AF3-45C0-9BFB-55C0CB45D846}">
-  <ds:schemaRefs>
-    <ds:schemaRef ds:uri="http://schemas.microsoft.com/sharepoint/v3/contenttype/forms"/>
-  </ds:schemaRefs>
-</ds:datastoreItem>
-</file>
-
-<file path=customXml/itemProps2.xml><?xml version="1.0" encoding="utf-8"?>
 <ds:datastoreItem xmlns:ds="http://schemas.openxmlformats.org/officeDocument/2006/customXml" ds:itemID="{86B9146A-7E8D-43BD-BCDA-EAF916D7BF88}">
   <ds:schemaRefs>
     <ds:schemaRef ds:uri="http://schemas.microsoft.com/office/2006/metadata/contentType"/>
@@ -9556,6 +9542,14 @@
 </ds:datastoreItem>
 </file>
 
+<file path=customXml/itemProps2.xml><?xml version="1.0" encoding="utf-8"?>
+<ds:datastoreItem xmlns:ds="http://schemas.openxmlformats.org/officeDocument/2006/customXml" ds:itemID="{F8CFDD08-2AF3-45C0-9BFB-55C0CB45D846}">
+  <ds:schemaRefs>
+    <ds:schemaRef ds:uri="http://schemas.microsoft.com/sharepoint/v3/contenttype/forms"/>
+  </ds:schemaRefs>
+</ds:datastoreItem>
+</file>
+
 <file path=customXml/itemProps3.xml><?xml version="1.0" encoding="utf-8"?>
 <ds:datastoreItem xmlns:ds="http://schemas.openxmlformats.org/officeDocument/2006/customXml" ds:itemID="{44F744C1-7216-4F24-AF2B-C028C1AC510B}">
   <ds:schemaRefs>

--- a/Submutatiescenario_s.pptx
+++ b/Submutatiescenario_s.pptx
@@ -304,7 +304,7 @@
           <a:p>
             <a:fld id="{02A6C647-4F39-4E22-BFA0-7A057A8C404A}" type="datetimeFigureOut">
               <a:rPr lang="nl-NL" smtClean="0"/>
-              <a:t>11-8-2020</a:t>
+              <a:t>21-8-2020</a:t>
             </a:fld>
             <a:endParaRPr lang="nl-NL"/>
           </a:p>
@@ -502,7 +502,7 @@
           <a:p>
             <a:fld id="{02A6C647-4F39-4E22-BFA0-7A057A8C404A}" type="datetimeFigureOut">
               <a:rPr lang="nl-NL" smtClean="0"/>
-              <a:t>11-8-2020</a:t>
+              <a:t>21-8-2020</a:t>
             </a:fld>
             <a:endParaRPr lang="nl-NL"/>
           </a:p>
@@ -710,7 +710,7 @@
           <a:p>
             <a:fld id="{02A6C647-4F39-4E22-BFA0-7A057A8C404A}" type="datetimeFigureOut">
               <a:rPr lang="nl-NL" smtClean="0"/>
-              <a:t>11-8-2020</a:t>
+              <a:t>21-8-2020</a:t>
             </a:fld>
             <a:endParaRPr lang="nl-NL"/>
           </a:p>
@@ -908,7 +908,7 @@
           <a:p>
             <a:fld id="{02A6C647-4F39-4E22-BFA0-7A057A8C404A}" type="datetimeFigureOut">
               <a:rPr lang="nl-NL" smtClean="0"/>
-              <a:t>11-8-2020</a:t>
+              <a:t>21-8-2020</a:t>
             </a:fld>
             <a:endParaRPr lang="nl-NL"/>
           </a:p>
@@ -1183,7 +1183,7 @@
           <a:p>
             <a:fld id="{02A6C647-4F39-4E22-BFA0-7A057A8C404A}" type="datetimeFigureOut">
               <a:rPr lang="nl-NL" smtClean="0"/>
-              <a:t>11-8-2020</a:t>
+              <a:t>21-8-2020</a:t>
             </a:fld>
             <a:endParaRPr lang="nl-NL"/>
           </a:p>
@@ -1448,7 +1448,7 @@
           <a:p>
             <a:fld id="{02A6C647-4F39-4E22-BFA0-7A057A8C404A}" type="datetimeFigureOut">
               <a:rPr lang="nl-NL" smtClean="0"/>
-              <a:t>11-8-2020</a:t>
+              <a:t>21-8-2020</a:t>
             </a:fld>
             <a:endParaRPr lang="nl-NL"/>
           </a:p>
@@ -1860,7 +1860,7 @@
           <a:p>
             <a:fld id="{02A6C647-4F39-4E22-BFA0-7A057A8C404A}" type="datetimeFigureOut">
               <a:rPr lang="nl-NL" smtClean="0"/>
-              <a:t>11-8-2020</a:t>
+              <a:t>21-8-2020</a:t>
             </a:fld>
             <a:endParaRPr lang="nl-NL"/>
           </a:p>
@@ -2001,7 +2001,7 @@
           <a:p>
             <a:fld id="{02A6C647-4F39-4E22-BFA0-7A057A8C404A}" type="datetimeFigureOut">
               <a:rPr lang="nl-NL" smtClean="0"/>
-              <a:t>11-8-2020</a:t>
+              <a:t>21-8-2020</a:t>
             </a:fld>
             <a:endParaRPr lang="nl-NL"/>
           </a:p>
@@ -2114,7 +2114,7 @@
           <a:p>
             <a:fld id="{02A6C647-4F39-4E22-BFA0-7A057A8C404A}" type="datetimeFigureOut">
               <a:rPr lang="nl-NL" smtClean="0"/>
-              <a:t>11-8-2020</a:t>
+              <a:t>21-8-2020</a:t>
             </a:fld>
             <a:endParaRPr lang="nl-NL"/>
           </a:p>
@@ -2425,7 +2425,7 @@
           <a:p>
             <a:fld id="{02A6C647-4F39-4E22-BFA0-7A057A8C404A}" type="datetimeFigureOut">
               <a:rPr lang="nl-NL" smtClean="0"/>
-              <a:t>11-8-2020</a:t>
+              <a:t>21-8-2020</a:t>
             </a:fld>
             <a:endParaRPr lang="nl-NL"/>
           </a:p>
@@ -2713,7 +2713,7 @@
           <a:p>
             <a:fld id="{02A6C647-4F39-4E22-BFA0-7A057A8C404A}" type="datetimeFigureOut">
               <a:rPr lang="nl-NL" smtClean="0"/>
-              <a:t>11-8-2020</a:t>
+              <a:t>21-8-2020</a:t>
             </a:fld>
             <a:endParaRPr lang="nl-NL"/>
           </a:p>
@@ -2954,7 +2954,7 @@
           <a:p>
             <a:fld id="{02A6C647-4F39-4E22-BFA0-7A057A8C404A}" type="datetimeFigureOut">
               <a:rPr lang="nl-NL" smtClean="0"/>
-              <a:t>11-8-2020</a:t>
+              <a:t>21-8-2020</a:t>
             </a:fld>
             <a:endParaRPr lang="nl-NL"/>
           </a:p>
@@ -3932,10 +3932,15 @@
             <p:ph idx="1"/>
           </p:nvPr>
         </p:nvSpPr>
-        <p:spPr/>
+        <p:spPr>
+          <a:xfrm>
+            <a:off x="838200" y="1566333"/>
+            <a:ext cx="10515600" cy="4610630"/>
+          </a:xfrm>
+        </p:spPr>
         <p:txBody>
           <a:bodyPr>
-            <a:normAutofit fontScale="92500" lnSpcReduction="20000"/>
+            <a:normAutofit fontScale="85000" lnSpcReduction="20000"/>
           </a:bodyPr>
           <a:lstStyle/>
           <a:p>
@@ -4003,7 +4008,15 @@
                   <a:schemeClr val="accent6"/>
                 </a:solidFill>
               </a:rPr>
-              <a:t>Aanpassingen voor: gebiedsaanwijzing (functie) en locatie</a:t>
+              <a:t>Aanpassingen voor: gebied, gebiedsaanwijzing (functie) </a:t>
+            </a:r>
+            <a:r>
+              <a:rPr lang="nl-NL">
+                <a:solidFill>
+                  <a:schemeClr val="accent6"/>
+                </a:solidFill>
+              </a:rPr>
+              <a:t>en juridische regel</a:t>
             </a:r>
             <a:endParaRPr lang="nl-NL" i="1" dirty="0">
               <a:solidFill>
@@ -4019,7 +4032,18 @@
                   <a:schemeClr val="accent6"/>
                 </a:solidFill>
               </a:rPr>
-              <a:t>Locatie (nieuw): Nl.imow-gm0037.locatie.2019000416</a:t>
+              <a:t>Gebied (nieuw): Nl.imow-gm0037.gebied.2020000001. </a:t>
+            </a:r>
+          </a:p>
+          <a:p>
+            <a:pPr lvl="3"/>
+            <a:r>
+              <a:rPr lang="nl-NL" dirty="0">
+                <a:solidFill>
+                  <a:schemeClr val="accent6"/>
+                </a:solidFill>
+              </a:rPr>
+              <a:t>In dit gebied verwijs je naar de GIO ‘kantoorruimte’.</a:t>
             </a:r>
           </a:p>
           <a:p>
@@ -4030,40 +4054,137 @@
                   <a:schemeClr val="accent6"/>
                 </a:solidFill>
               </a:rPr>
-              <a:t>Gebied (nieuw): Nl.imow-gm0037.gebied.2019000421. </a:t>
+              <a:t>Gebiedsaanwijzing (nieuw): Nl.imow-gm0037.gebiedsaanwijzing.2020000001</a:t>
+            </a:r>
+          </a:p>
+          <a:p>
+            <a:pPr lvl="3"/>
+            <a:r>
+              <a:rPr lang="nl-NL" dirty="0">
+                <a:solidFill>
+                  <a:schemeClr val="accent6"/>
+                </a:solidFill>
+              </a:rPr>
+              <a:t>Type = ‘http://standaarden.omgevingswet.overheid.nl/</a:t>
+            </a:r>
+            <a:r>
+              <a:rPr lang="nl-NL" dirty="0" err="1">
+                <a:solidFill>
+                  <a:schemeClr val="accent6"/>
+                </a:solidFill>
+              </a:rPr>
+              <a:t>typegebiedsaanwijzing</a:t>
+            </a:r>
+            <a:r>
+              <a:rPr lang="nl-NL" dirty="0">
+                <a:solidFill>
+                  <a:schemeClr val="accent6"/>
+                </a:solidFill>
+              </a:rPr>
+              <a:t>/</a:t>
+            </a:r>
+            <a:r>
+              <a:rPr lang="nl-NL" dirty="0" err="1">
+                <a:solidFill>
+                  <a:schemeClr val="accent6"/>
+                </a:solidFill>
+              </a:rPr>
+              <a:t>id</a:t>
+            </a:r>
+            <a:r>
+              <a:rPr lang="nl-NL" dirty="0">
+                <a:solidFill>
+                  <a:schemeClr val="accent6"/>
+                </a:solidFill>
+              </a:rPr>
+              <a:t>/concept/Functie’</a:t>
+            </a:r>
+          </a:p>
+          <a:p>
+            <a:pPr lvl="3"/>
+            <a:r>
+              <a:rPr lang="nl-NL" dirty="0">
+                <a:solidFill>
+                  <a:schemeClr val="accent6"/>
+                </a:solidFill>
+              </a:rPr>
+              <a:t>Groep = ‘http://standaarden.omgevingswet.overheid.nl/functie/</a:t>
+            </a:r>
+            <a:r>
+              <a:rPr lang="nl-NL" dirty="0" err="1">
+                <a:solidFill>
+                  <a:schemeClr val="accent6"/>
+                </a:solidFill>
+              </a:rPr>
+              <a:t>id</a:t>
+            </a:r>
+            <a:r>
+              <a:rPr lang="nl-NL" dirty="0">
+                <a:solidFill>
+                  <a:schemeClr val="accent6"/>
+                </a:solidFill>
+              </a:rPr>
+              <a:t>/concept/Kantoorlocatie’</a:t>
+            </a:r>
+          </a:p>
+          <a:p>
+            <a:pPr lvl="3"/>
+            <a:r>
+              <a:rPr lang="nl-NL" dirty="0">
+                <a:solidFill>
+                  <a:schemeClr val="accent6"/>
+                </a:solidFill>
+              </a:rPr>
+              <a:t>noemer = ‘kantoorruimte’</a:t>
             </a:r>
           </a:p>
           <a:p>
             <a:pPr lvl="2"/>
             <a:r>
+              <a:rPr lang="nl-NL" dirty="0" err="1">
+                <a:solidFill>
+                  <a:schemeClr val="accent6"/>
+                </a:solidFill>
+              </a:rPr>
+              <a:t>RegelVoorIedereen</a:t>
+            </a:r>
+            <a:r>
               <a:rPr lang="nl-NL" dirty="0">
                 <a:solidFill>
                   <a:schemeClr val="accent6"/>
                 </a:solidFill>
               </a:rPr>
-              <a:t>Gebiedsaanwijzing (nieuw): Nl.imow-gm0037.gebiedsaanwijzing.2019000438 (Type = ‘Functie’, Groep = ‘Kantoor’, noemer = ‘kantoorruimte’)</a:t>
-            </a:r>
-          </a:p>
-          <a:p>
-            <a:pPr lvl="2"/>
+              <a:t> (aanpassing): nl.imow-gm0297.juridischeregel.2019000014</a:t>
+            </a:r>
+          </a:p>
+          <a:p>
+            <a:pPr lvl="3"/>
+            <a:r>
+              <a:rPr lang="nl-NL" dirty="0" err="1">
+                <a:solidFill>
+                  <a:schemeClr val="accent6"/>
+                </a:solidFill>
+              </a:rPr>
+              <a:t>ActiviteitRef</a:t>
+            </a:r>
             <a:r>
               <a:rPr lang="nl-NL" dirty="0">
                 <a:solidFill>
                   <a:schemeClr val="accent6"/>
                 </a:solidFill>
               </a:rPr>
-              <a:t>In dit gebied verwijs je naar de GIO ‘kantoorruimte’.</a:t>
-            </a:r>
-          </a:p>
-          <a:p>
-            <a:pPr lvl="2"/>
+              <a:t>: nl.imow-gm0297.activiteit.2019000680 (‘exploiteren van een kantoor’)</a:t>
+            </a:r>
+          </a:p>
+          <a:p>
+            <a:pPr lvl="3"/>
             <a:r>
               <a:rPr lang="nl-NL" dirty="0">
                 <a:solidFill>
                   <a:schemeClr val="accent6"/>
                 </a:solidFill>
               </a:rPr>
-              <a:t>Activiteit (aanpassing): Nl.imow-gm0037.activiteit.2019000210 had naam ‘exploiteren van een kantoor’ en locatieaanduiding richting ‘Centrumgebied’ heeft nu locatieaanduiding ‘Kantoorruimte’</a:t>
+              <a:t>locatieaanduiding nl.imow-gm0297.gebied.2019000004 (‘Centrumgebied’ ) wordt nl.imow-gm0297.gebied.2020000001 (‘Kantoorruimte’)</a:t>
             </a:r>
           </a:p>
           <a:p>
@@ -9306,6 +9427,15 @@
 </file>
 
 <file path=customXml/item1.xml><?xml version="1.0" encoding="utf-8"?>
+<?mso-contentType ?>
+<FormTemplates xmlns="http://schemas.microsoft.com/sharepoint/v3/contenttype/forms">
+  <Display>DocumentLibraryForm</Display>
+  <Edit>DocumentLibraryForm</Edit>
+  <New>DocumentLibraryForm</New>
+</FormTemplates>
+</file>
+
+<file path=customXml/item2.xml><?xml version="1.0" encoding="utf-8"?>
 <ct:contentTypeSchema xmlns:ct="http://schemas.microsoft.com/office/2006/metadata/contentType" xmlns:ma="http://schemas.microsoft.com/office/2006/metadata/properties/metaAttributes" ct:_="" ma:_="" ma:contentTypeName="Document" ma:contentTypeID="0x0101003ADD3040E3157B4E913BCA65F34844D7" ma:contentTypeVersion="10" ma:contentTypeDescription="Een nieuw document maken." ma:contentTypeScope="" ma:versionID="c1765059aa1475931adc12138fdcfd8c">
   <xsd:schema xmlns:xsd="http://www.w3.org/2001/XMLSchema" xmlns:xs="http://www.w3.org/2001/XMLSchema" xmlns:p="http://schemas.microsoft.com/office/2006/metadata/properties" xmlns:ns2="aafb19fa-82be-411d-a6df-c75e9235a4ea" xmlns:ns3="3dfebdfe-2b22-40ba-8672-9fbc9b4066c4" targetNamespace="http://schemas.microsoft.com/office/2006/metadata/properties" ma:root="true" ma:fieldsID="42d79c55539af1f9f274032ce6041302" ns2:_="" ns3:_="">
     <xsd:import namespace="aafb19fa-82be-411d-a6df-c75e9235a4ea"/>
@@ -9508,15 +9638,6 @@
 </ct:contentTypeSchema>
 </file>
 
-<file path=customXml/item2.xml><?xml version="1.0" encoding="utf-8"?>
-<?mso-contentType ?>
-<FormTemplates xmlns="http://schemas.microsoft.com/sharepoint/v3/contenttype/forms">
-  <Display>DocumentLibraryForm</Display>
-  <Edit>DocumentLibraryForm</Edit>
-  <New>DocumentLibraryForm</New>
-</FormTemplates>
-</file>
-
 <file path=customXml/item3.xml><?xml version="1.0" encoding="utf-8"?>
 <p:properties xmlns:p="http://schemas.microsoft.com/office/2006/metadata/properties" xmlns:xsi="http://www.w3.org/2001/XMLSchema-instance" xmlns:pc="http://schemas.microsoft.com/office/infopath/2007/PartnerControls">
   <documentManagement/>
@@ -9524,6 +9645,14 @@
 </file>
 
 <file path=customXml/itemProps1.xml><?xml version="1.0" encoding="utf-8"?>
+<ds:datastoreItem xmlns:ds="http://schemas.openxmlformats.org/officeDocument/2006/customXml" ds:itemID="{F8CFDD08-2AF3-45C0-9BFB-55C0CB45D846}">
+  <ds:schemaRefs>
+    <ds:schemaRef ds:uri="http://schemas.microsoft.com/sharepoint/v3/contenttype/forms"/>
+  </ds:schemaRefs>
+</ds:datastoreItem>
+</file>
+
+<file path=customXml/itemProps2.xml><?xml version="1.0" encoding="utf-8"?>
 <ds:datastoreItem xmlns:ds="http://schemas.openxmlformats.org/officeDocument/2006/customXml" ds:itemID="{86B9146A-7E8D-43BD-BCDA-EAF916D7BF88}">
   <ds:schemaRefs>
     <ds:schemaRef ds:uri="http://schemas.microsoft.com/office/2006/metadata/contentType"/>
@@ -9542,19 +9671,19 @@
 </ds:datastoreItem>
 </file>
 
-<file path=customXml/itemProps2.xml><?xml version="1.0" encoding="utf-8"?>
-<ds:datastoreItem xmlns:ds="http://schemas.openxmlformats.org/officeDocument/2006/customXml" ds:itemID="{F8CFDD08-2AF3-45C0-9BFB-55C0CB45D846}">
-  <ds:schemaRefs>
-    <ds:schemaRef ds:uri="http://schemas.microsoft.com/sharepoint/v3/contenttype/forms"/>
-  </ds:schemaRefs>
-</ds:datastoreItem>
-</file>
-
 <file path=customXml/itemProps3.xml><?xml version="1.0" encoding="utf-8"?>
 <ds:datastoreItem xmlns:ds="http://schemas.openxmlformats.org/officeDocument/2006/customXml" ds:itemID="{44F744C1-7216-4F24-AF2B-C028C1AC510B}">
   <ds:schemaRefs>
+    <ds:schemaRef ds:uri="http://purl.org/dc/elements/1.1/"/>
+    <ds:schemaRef ds:uri="http://purl.org/dc/terms/"/>
+    <ds:schemaRef ds:uri="3dfebdfe-2b22-40ba-8672-9fbc9b4066c4"/>
+    <ds:schemaRef ds:uri="http://www.w3.org/XML/1998/namespace"/>
+    <ds:schemaRef ds:uri="http://schemas.microsoft.com/office/2006/documentManagement/types"/>
     <ds:schemaRef ds:uri="http://schemas.microsoft.com/office/2006/metadata/properties"/>
+    <ds:schemaRef ds:uri="http://purl.org/dc/dcmitype/"/>
     <ds:schemaRef ds:uri="http://schemas.microsoft.com/office/infopath/2007/PartnerControls"/>
+    <ds:schemaRef ds:uri="http://schemas.openxmlformats.org/package/2006/metadata/core-properties"/>
+    <ds:schemaRef ds:uri="aafb19fa-82be-411d-a6df-c75e9235a4ea"/>
   </ds:schemaRefs>
 </ds:datastoreItem>
 </file>
--- a/Submutatiescenario_s.pptx
+++ b/Submutatiescenario_s.pptx
@@ -146,6 +146,13 @@
       </p:ext>
     </p:extLst>
   </p:cmAuthor>
+  <p:cmAuthor id="2" name="Kasper Lingbeek" initials="KL" lastIdx="3" clrIdx="1">
+    <p:extLst>
+      <p:ext uri="{19B8F6BF-5375-455C-9EA6-DF929625EA0E}">
+        <p15:presenceInfo xmlns:p15="http://schemas.microsoft.com/office/powerpoint/2012/main" userId="S::k.lingbeek@geonovum.nl::f2390735-05ad-4371-bf81-fc311706dfcc" providerId="AD"/>
+      </p:ext>
+    </p:extLst>
+  </p:cmAuthor>
 </p:cmAuthorLst>
 </file>
 
@@ -155,6 +162,48 @@
     <p1510:client id="{DC44A040-4C88-432F-B725-85B17EB6140D}" v="6" dt="2020-02-13T15:42:18.335"/>
   </p1510:revLst>
 </p1510:revInfo>
+</file>
+
+<file path=ppt/comments/comment1.xml><?xml version="1.0" encoding="utf-8"?>
+<p:cmLst xmlns:a="http://schemas.openxmlformats.org/drawingml/2006/main" xmlns:r="http://schemas.openxmlformats.org/officeDocument/2006/relationships" xmlns:p="http://schemas.openxmlformats.org/presentationml/2006/main">
+  <p:cm authorId="2" dt="2020-09-23T10:25:01.716" idx="1">
+    <p:pos x="6430" y="871"/>
+    <p:text>Verkeerd plaatje?</p:text>
+    <p:extLst>
+      <p:ext uri="{C676402C-5697-4E1C-873F-D02D1690AC5C}">
+        <p15:threadingInfo xmlns:p15="http://schemas.microsoft.com/office/powerpoint/2012/main" timeZoneBias="-120"/>
+      </p:ext>
+    </p:extLst>
+  </p:cm>
+</p:cmLst>
+</file>
+
+<file path=ppt/comments/comment2.xml><?xml version="1.0" encoding="utf-8"?>
+<p:cmLst xmlns:a="http://schemas.openxmlformats.org/drawingml/2006/main" xmlns:r="http://schemas.openxmlformats.org/officeDocument/2006/relationships" xmlns:p="http://schemas.openxmlformats.org/presentationml/2006/main">
+  <p:cm authorId="2" dt="2020-09-23T11:35:13.048" idx="2">
+    <p:pos x="6805" y="647"/>
+    <p:text>Dit wordt gedaan bij artikel 2.10, item d</p:text>
+    <p:extLst>
+      <p:ext uri="{C676402C-5697-4E1C-873F-D02D1690AC5C}">
+        <p15:threadingInfo xmlns:p15="http://schemas.microsoft.com/office/powerpoint/2012/main" timeZoneBias="-120"/>
+      </p:ext>
+    </p:extLst>
+  </p:cm>
+</p:cmLst>
+</file>
+
+<file path=ppt/comments/comment3.xml><?xml version="1.0" encoding="utf-8"?>
+<p:cmLst xmlns:a="http://schemas.openxmlformats.org/drawingml/2006/main" xmlns:r="http://schemas.openxmlformats.org/officeDocument/2006/relationships" xmlns:p="http://schemas.openxmlformats.org/presentationml/2006/main">
+  <p:cm authorId="2" dt="2020-09-23T11:36:57.231" idx="3">
+    <p:pos x="6886" y="718"/>
+    <p:text>Dit wordt gedaan bij artikel 2.10, item f</p:text>
+    <p:extLst>
+      <p:ext uri="{C676402C-5697-4E1C-873F-D02D1690AC5C}">
+        <p15:threadingInfo xmlns:p15="http://schemas.microsoft.com/office/powerpoint/2012/main" timeZoneBias="-120"/>
+      </p:ext>
+    </p:extLst>
+  </p:cm>
+</p:cmLst>
 </file>
 
 <file path=ppt/slideLayouts/slideLayout1.xml><?xml version="1.0" encoding="utf-8"?>
@@ -304,7 +353,7 @@
           <a:p>
             <a:fld id="{02A6C647-4F39-4E22-BFA0-7A057A8C404A}" type="datetimeFigureOut">
               <a:rPr lang="nl-NL" smtClean="0"/>
-              <a:t>21-8-2020</a:t>
+              <a:t>29-9-2020</a:t>
             </a:fld>
             <a:endParaRPr lang="nl-NL"/>
           </a:p>
@@ -502,7 +551,7 @@
           <a:p>
             <a:fld id="{02A6C647-4F39-4E22-BFA0-7A057A8C404A}" type="datetimeFigureOut">
               <a:rPr lang="nl-NL" smtClean="0"/>
-              <a:t>21-8-2020</a:t>
+              <a:t>29-9-2020</a:t>
             </a:fld>
             <a:endParaRPr lang="nl-NL"/>
           </a:p>
@@ -710,7 +759,7 @@
           <a:p>
             <a:fld id="{02A6C647-4F39-4E22-BFA0-7A057A8C404A}" type="datetimeFigureOut">
               <a:rPr lang="nl-NL" smtClean="0"/>
-              <a:t>21-8-2020</a:t>
+              <a:t>29-9-2020</a:t>
             </a:fld>
             <a:endParaRPr lang="nl-NL"/>
           </a:p>
@@ -908,7 +957,7 @@
           <a:p>
             <a:fld id="{02A6C647-4F39-4E22-BFA0-7A057A8C404A}" type="datetimeFigureOut">
               <a:rPr lang="nl-NL" smtClean="0"/>
-              <a:t>21-8-2020</a:t>
+              <a:t>29-9-2020</a:t>
             </a:fld>
             <a:endParaRPr lang="nl-NL"/>
           </a:p>
@@ -1183,7 +1232,7 @@
           <a:p>
             <a:fld id="{02A6C647-4F39-4E22-BFA0-7A057A8C404A}" type="datetimeFigureOut">
               <a:rPr lang="nl-NL" smtClean="0"/>
-              <a:t>21-8-2020</a:t>
+              <a:t>29-9-2020</a:t>
             </a:fld>
             <a:endParaRPr lang="nl-NL"/>
           </a:p>
@@ -1448,7 +1497,7 @@
           <a:p>
             <a:fld id="{02A6C647-4F39-4E22-BFA0-7A057A8C404A}" type="datetimeFigureOut">
               <a:rPr lang="nl-NL" smtClean="0"/>
-              <a:t>21-8-2020</a:t>
+              <a:t>29-9-2020</a:t>
             </a:fld>
             <a:endParaRPr lang="nl-NL"/>
           </a:p>
@@ -1860,7 +1909,7 @@
           <a:p>
             <a:fld id="{02A6C647-4F39-4E22-BFA0-7A057A8C404A}" type="datetimeFigureOut">
               <a:rPr lang="nl-NL" smtClean="0"/>
-              <a:t>21-8-2020</a:t>
+              <a:t>29-9-2020</a:t>
             </a:fld>
             <a:endParaRPr lang="nl-NL"/>
           </a:p>
@@ -2001,7 +2050,7 @@
           <a:p>
             <a:fld id="{02A6C647-4F39-4E22-BFA0-7A057A8C404A}" type="datetimeFigureOut">
               <a:rPr lang="nl-NL" smtClean="0"/>
-              <a:t>21-8-2020</a:t>
+              <a:t>29-9-2020</a:t>
             </a:fld>
             <a:endParaRPr lang="nl-NL"/>
           </a:p>
@@ -2114,7 +2163,7 @@
           <a:p>
             <a:fld id="{02A6C647-4F39-4E22-BFA0-7A057A8C404A}" type="datetimeFigureOut">
               <a:rPr lang="nl-NL" smtClean="0"/>
-              <a:t>21-8-2020</a:t>
+              <a:t>29-9-2020</a:t>
             </a:fld>
             <a:endParaRPr lang="nl-NL"/>
           </a:p>
@@ -2425,7 +2474,7 @@
           <a:p>
             <a:fld id="{02A6C647-4F39-4E22-BFA0-7A057A8C404A}" type="datetimeFigureOut">
               <a:rPr lang="nl-NL" smtClean="0"/>
-              <a:t>21-8-2020</a:t>
+              <a:t>29-9-2020</a:t>
             </a:fld>
             <a:endParaRPr lang="nl-NL"/>
           </a:p>
@@ -2713,7 +2762,7 @@
           <a:p>
             <a:fld id="{02A6C647-4F39-4E22-BFA0-7A057A8C404A}" type="datetimeFigureOut">
               <a:rPr lang="nl-NL" smtClean="0"/>
-              <a:t>21-8-2020</a:t>
+              <a:t>29-9-2020</a:t>
             </a:fld>
             <a:endParaRPr lang="nl-NL"/>
           </a:p>
@@ -2954,7 +3003,7 @@
           <a:p>
             <a:fld id="{02A6C647-4F39-4E22-BFA0-7A057A8C404A}" type="datetimeFigureOut">
               <a:rPr lang="nl-NL" smtClean="0"/>
-              <a:t>21-8-2020</a:t>
+              <a:t>29-9-2020</a:t>
             </a:fld>
             <a:endParaRPr lang="nl-NL"/>
           </a:p>
@@ -8167,8 +8216,16 @@
           <a:lstStyle/>
           <a:p>
             <a:r>
-              <a:rPr lang="nl-NL" dirty="0"/>
-              <a:t>0 	</a:t>
+              <a:rPr lang="nl-NL" dirty="0">
+                <a:solidFill>
+                  <a:srgbClr val="00B050"/>
+                </a:solidFill>
+              </a:rPr>
+              <a:t>0</a:t>
+            </a:r>
+            <a:r>
+              <a:rPr lang="nl-NL" dirty="0"/>
+              <a:t> 	</a:t>
             </a:r>
             <a:r>
               <a:rPr lang="nl-NL" dirty="0" err="1"/>
@@ -8181,15 +8238,31 @@
           </a:p>
           <a:p>
             <a:r>
-              <a:rPr lang="nl-NL" dirty="0"/>
-              <a:t>2	Wijziging artikelstructuur (toevoegen, verwijderen, wijzigen)</a:t>
+              <a:rPr lang="nl-NL" dirty="0">
+                <a:solidFill>
+                  <a:srgbClr val="00B050"/>
+                </a:solidFill>
+              </a:rPr>
+              <a:t>2</a:t>
+            </a:r>
+            <a:r>
+              <a:rPr lang="nl-NL" dirty="0"/>
+              <a:t>	Wijziging artikelstructuur (toevoegen, verwijderen, wijzigen)</a:t>
             </a:r>
           </a:p>
           <a:p>
             <a:pPr lvl="1"/>
             <a:r>
+              <a:rPr lang="nl-NL" sz="2000" b="1" dirty="0">
+                <a:solidFill>
+                  <a:srgbClr val="00B050"/>
+                </a:solidFill>
+              </a:rPr>
+              <a:t>2a</a:t>
+            </a:r>
+            <a:r>
               <a:rPr lang="nl-NL" sz="2000" b="1" dirty="0"/>
-              <a:t>2a) </a:t>
+              <a:t>) </a:t>
             </a:r>
             <a:r>
               <a:rPr lang="nl-NL" sz="2000" dirty="0"/>
@@ -8199,8 +8272,16 @@
           <a:p>
             <a:pPr lvl="1"/>
             <a:r>
+              <a:rPr lang="nl-NL" sz="2000" b="1" dirty="0">
+                <a:solidFill>
+                  <a:srgbClr val="00B050"/>
+                </a:solidFill>
+              </a:rPr>
+              <a:t>2b</a:t>
+            </a:r>
+            <a:r>
               <a:rPr lang="nl-NL" sz="2000" b="1" dirty="0"/>
-              <a:t>2b) </a:t>
+              <a:t>) </a:t>
             </a:r>
             <a:r>
               <a:rPr lang="nl-NL" sz="2000" dirty="0"/>
@@ -8210,8 +8291,16 @@
           <a:p>
             <a:pPr lvl="1"/>
             <a:r>
+              <a:rPr lang="nl-NL" sz="2000" b="1" dirty="0">
+                <a:solidFill>
+                  <a:srgbClr val="00B050"/>
+                </a:solidFill>
+              </a:rPr>
+              <a:t>2c</a:t>
+            </a:r>
+            <a:r>
               <a:rPr lang="nl-NL" sz="2000" b="1" dirty="0"/>
-              <a:t>2c) </a:t>
+              <a:t>) </a:t>
             </a:r>
             <a:r>
               <a:rPr lang="nl-NL" sz="2000" dirty="0"/>
@@ -8221,8 +8310,16 @@
           <a:p>
             <a:pPr lvl="1"/>
             <a:r>
+              <a:rPr lang="nl-NL" sz="2000" b="1" dirty="0">
+                <a:solidFill>
+                  <a:srgbClr val="00B050"/>
+                </a:solidFill>
+              </a:rPr>
+              <a:t>2d</a:t>
+            </a:r>
+            <a:r>
               <a:rPr lang="nl-NL" sz="2000" b="1" dirty="0"/>
-              <a:t>2d) </a:t>
+              <a:t>) </a:t>
             </a:r>
             <a:r>
               <a:rPr lang="nl-NL" sz="2000" dirty="0"/>
@@ -8232,8 +8329,16 @@
           <a:p>
             <a:pPr lvl="1"/>
             <a:r>
+              <a:rPr lang="nl-NL" sz="2000" b="1" dirty="0">
+                <a:solidFill>
+                  <a:srgbClr val="00B050"/>
+                </a:solidFill>
+              </a:rPr>
+              <a:t>2e</a:t>
+            </a:r>
+            <a:r>
               <a:rPr lang="nl-NL" sz="2000" b="1" dirty="0"/>
-              <a:t>2e) </a:t>
+              <a:t>) </a:t>
             </a:r>
             <a:r>
               <a:rPr lang="nl-NL" sz="2000" dirty="0"/>
@@ -8249,7 +8354,11 @@
           <a:p>
             <a:pPr lvl="1"/>
             <a:r>
-              <a:rPr lang="nl-NL" sz="2000" b="1" dirty="0"/>
+              <a:rPr lang="nl-NL" sz="2000" b="1" dirty="0">
+                <a:solidFill>
+                  <a:srgbClr val="00B050"/>
+                </a:solidFill>
+              </a:rPr>
               <a:t>3a</a:t>
             </a:r>
             <a:r>
@@ -8260,7 +8369,11 @@
           <a:p>
             <a:pPr lvl="1"/>
             <a:r>
-              <a:rPr lang="nl-NL" sz="2000" b="1" dirty="0"/>
+              <a:rPr lang="nl-NL" sz="2000" b="1" dirty="0">
+                <a:solidFill>
+                  <a:srgbClr val="00B050"/>
+                </a:solidFill>
+              </a:rPr>
               <a:t>3b</a:t>
             </a:r>
             <a:r>
@@ -8279,7 +8392,11 @@
           <a:p>
             <a:pPr lvl="1"/>
             <a:r>
-              <a:rPr lang="nl-NL" sz="2000" b="1" dirty="0"/>
+              <a:rPr lang="nl-NL" sz="2000" b="1" dirty="0">
+                <a:solidFill>
+                  <a:srgbClr val="00B050"/>
+                </a:solidFill>
+              </a:rPr>
               <a:t>3c</a:t>
             </a:r>
             <a:r>
@@ -8374,7 +8491,11 @@
           <a:p>
             <a:pPr lvl="1"/>
             <a:r>
-              <a:rPr lang="nl-NL" sz="2000" b="1" dirty="0"/>
+              <a:rPr lang="nl-NL" sz="2000" b="1" dirty="0">
+                <a:solidFill>
+                  <a:schemeClr val="accent2"/>
+                </a:solidFill>
+              </a:rPr>
               <a:t>10a</a:t>
             </a:r>
             <a:r>
@@ -8385,7 +8506,11 @@
           <a:p>
             <a:pPr lvl="1"/>
             <a:r>
-              <a:rPr lang="nl-NL" sz="2000" b="1" dirty="0"/>
+              <a:rPr lang="nl-NL" sz="2000" b="1" dirty="0">
+                <a:solidFill>
+                  <a:schemeClr val="accent2"/>
+                </a:solidFill>
+              </a:rPr>
               <a:t>10b</a:t>
             </a:r>
             <a:r>
@@ -8396,7 +8521,11 @@
           <a:p>
             <a:pPr lvl="1"/>
             <a:r>
-              <a:rPr lang="nl-NL" sz="2000" b="1" dirty="0"/>
+              <a:rPr lang="nl-NL" sz="2000" b="1" dirty="0">
+                <a:solidFill>
+                  <a:schemeClr val="accent2"/>
+                </a:solidFill>
+              </a:rPr>
               <a:t>10c</a:t>
             </a:r>
             <a:r>
@@ -8407,7 +8536,11 @@
           <a:p>
             <a:pPr lvl="1"/>
             <a:r>
-              <a:rPr lang="nl-NL" sz="2000" b="1" dirty="0"/>
+              <a:rPr lang="nl-NL" sz="2000" b="1" dirty="0">
+                <a:solidFill>
+                  <a:schemeClr val="accent2"/>
+                </a:solidFill>
+              </a:rPr>
               <a:t>10d</a:t>
             </a:r>
             <a:r>
@@ -8418,7 +8551,11 @@
           <a:p>
             <a:pPr lvl="1"/>
             <a:r>
-              <a:rPr lang="nl-NL" sz="2000" b="1" dirty="0"/>
+              <a:rPr lang="nl-NL" sz="2000" b="1" dirty="0">
+                <a:solidFill>
+                  <a:schemeClr val="accent2"/>
+                </a:solidFill>
+              </a:rPr>
               <a:t>10e</a:t>
             </a:r>
             <a:r>

--- a/Submutatiescenario_s.pptx
+++ b/Submutatiescenario_s.pptx
@@ -166,20 +166,6 @@
 
 <file path=ppt/comments/comment1.xml><?xml version="1.0" encoding="utf-8"?>
 <p:cmLst xmlns:a="http://schemas.openxmlformats.org/drawingml/2006/main" xmlns:r="http://schemas.openxmlformats.org/officeDocument/2006/relationships" xmlns:p="http://schemas.openxmlformats.org/presentationml/2006/main">
-  <p:cm authorId="2" dt="2020-09-23T10:25:01.716" idx="1">
-    <p:pos x="6430" y="871"/>
-    <p:text>Verkeerd plaatje?</p:text>
-    <p:extLst>
-      <p:ext uri="{C676402C-5697-4E1C-873F-D02D1690AC5C}">
-        <p15:threadingInfo xmlns:p15="http://schemas.microsoft.com/office/powerpoint/2012/main" timeZoneBias="-120"/>
-      </p:ext>
-    </p:extLst>
-  </p:cm>
-</p:cmLst>
-</file>
-
-<file path=ppt/comments/comment2.xml><?xml version="1.0" encoding="utf-8"?>
-<p:cmLst xmlns:a="http://schemas.openxmlformats.org/drawingml/2006/main" xmlns:r="http://schemas.openxmlformats.org/officeDocument/2006/relationships" xmlns:p="http://schemas.openxmlformats.org/presentationml/2006/main">
   <p:cm authorId="2" dt="2020-09-23T11:35:13.048" idx="2">
     <p:pos x="6805" y="647"/>
     <p:text>Dit wordt gedaan bij artikel 2.10, item d</p:text>
@@ -192,7 +178,7 @@
 </p:cmLst>
 </file>
 
-<file path=ppt/comments/comment3.xml><?xml version="1.0" encoding="utf-8"?>
+<file path=ppt/comments/comment2.xml><?xml version="1.0" encoding="utf-8"?>
 <p:cmLst xmlns:a="http://schemas.openxmlformats.org/drawingml/2006/main" xmlns:r="http://schemas.openxmlformats.org/officeDocument/2006/relationships" xmlns:p="http://schemas.openxmlformats.org/presentationml/2006/main">
   <p:cm authorId="2" dt="2020-09-23T11:36:57.231" idx="3">
     <p:pos x="6886" y="718"/>
@@ -3508,15 +3494,15 @@
       </p:sp>
       <p:pic>
         <p:nvPicPr>
-          <p:cNvPr id="6" name="Content Placeholder 8" descr="A screenshot of a cell phone&#10;&#10;Description automatically generated">
-            <a:extLst>
-              <a:ext uri="{FF2B5EF4-FFF2-40B4-BE49-F238E27FC236}">
-                <a16:creationId xmlns:a16="http://schemas.microsoft.com/office/drawing/2014/main" id="{938CFC9A-8846-424D-8814-4318AB4C29EB}"/>
+          <p:cNvPr id="4" name="Afbeelding 3">
+            <a:extLst>
+              <a:ext uri="{FF2B5EF4-FFF2-40B4-BE49-F238E27FC236}">
+                <a16:creationId xmlns:a16="http://schemas.microsoft.com/office/drawing/2014/main" id="{DA7CD9DF-27AE-4230-97B7-17E04BC107A6}"/>
               </a:ext>
             </a:extLst>
           </p:cNvPr>
           <p:cNvPicPr>
-            <a:picLocks noGrp="1" noChangeAspect="1"/>
+            <a:picLocks noChangeAspect="1"/>
           </p:cNvPicPr>
           <p:nvPr/>
         </p:nvPicPr>
@@ -3534,8 +3520,8 @@
         </p:blipFill>
         <p:spPr>
           <a:xfrm>
-            <a:off x="838200" y="1383076"/>
-            <a:ext cx="9368822" cy="5271719"/>
+            <a:off x="664849" y="1367059"/>
+            <a:ext cx="10162053" cy="5718060"/>
           </a:xfrm>
           <a:prstGeom prst="rect">
             <a:avLst/>
@@ -9564,15 +9550,6 @@
 </file>
 
 <file path=customXml/item1.xml><?xml version="1.0" encoding="utf-8"?>
-<?mso-contentType ?>
-<FormTemplates xmlns="http://schemas.microsoft.com/sharepoint/v3/contenttype/forms">
-  <Display>DocumentLibraryForm</Display>
-  <Edit>DocumentLibraryForm</Edit>
-  <New>DocumentLibraryForm</New>
-</FormTemplates>
-</file>
-
-<file path=customXml/item2.xml><?xml version="1.0" encoding="utf-8"?>
 <ct:contentTypeSchema xmlns:ct="http://schemas.microsoft.com/office/2006/metadata/contentType" xmlns:ma="http://schemas.microsoft.com/office/2006/metadata/properties/metaAttributes" ct:_="" ma:_="" ma:contentTypeName="Document" ma:contentTypeID="0x0101003ADD3040E3157B4E913BCA65F34844D7" ma:contentTypeVersion="10" ma:contentTypeDescription="Een nieuw document maken." ma:contentTypeScope="" ma:versionID="c1765059aa1475931adc12138fdcfd8c">
   <xsd:schema xmlns:xsd="http://www.w3.org/2001/XMLSchema" xmlns:xs="http://www.w3.org/2001/XMLSchema" xmlns:p="http://schemas.microsoft.com/office/2006/metadata/properties" xmlns:ns2="aafb19fa-82be-411d-a6df-c75e9235a4ea" xmlns:ns3="3dfebdfe-2b22-40ba-8672-9fbc9b4066c4" targetNamespace="http://schemas.microsoft.com/office/2006/metadata/properties" ma:root="true" ma:fieldsID="42d79c55539af1f9f274032ce6041302" ns2:_="" ns3:_="">
     <xsd:import namespace="aafb19fa-82be-411d-a6df-c75e9235a4ea"/>
@@ -9775,6 +9752,15 @@
 </ct:contentTypeSchema>
 </file>
 
+<file path=customXml/item2.xml><?xml version="1.0" encoding="utf-8"?>
+<?mso-contentType ?>
+<FormTemplates xmlns="http://schemas.microsoft.com/sharepoint/v3/contenttype/forms">
+  <Display>DocumentLibraryForm</Display>
+  <Edit>DocumentLibraryForm</Edit>
+  <New>DocumentLibraryForm</New>
+</FormTemplates>
+</file>
+
 <file path=customXml/item3.xml><?xml version="1.0" encoding="utf-8"?>
 <p:properties xmlns:p="http://schemas.microsoft.com/office/2006/metadata/properties" xmlns:xsi="http://www.w3.org/2001/XMLSchema-instance" xmlns:pc="http://schemas.microsoft.com/office/infopath/2007/PartnerControls">
   <documentManagement/>
@@ -9782,14 +9768,6 @@
 </file>
 
 <file path=customXml/itemProps1.xml><?xml version="1.0" encoding="utf-8"?>
-<ds:datastoreItem xmlns:ds="http://schemas.openxmlformats.org/officeDocument/2006/customXml" ds:itemID="{F8CFDD08-2AF3-45C0-9BFB-55C0CB45D846}">
-  <ds:schemaRefs>
-    <ds:schemaRef ds:uri="http://schemas.microsoft.com/sharepoint/v3/contenttype/forms"/>
-  </ds:schemaRefs>
-</ds:datastoreItem>
-</file>
-
-<file path=customXml/itemProps2.xml><?xml version="1.0" encoding="utf-8"?>
 <ds:datastoreItem xmlns:ds="http://schemas.openxmlformats.org/officeDocument/2006/customXml" ds:itemID="{86B9146A-7E8D-43BD-BCDA-EAF916D7BF88}">
   <ds:schemaRefs>
     <ds:schemaRef ds:uri="http://schemas.microsoft.com/office/2006/metadata/contentType"/>
@@ -9804,6 +9782,14 @@
     <ds:schemaRef ds:uri="http://purl.org/dc/elements/1.1/"/>
     <ds:schemaRef ds:uri="http://purl.org/dc/terms/"/>
     <ds:schemaRef ds:uri="http://schemas.microsoft.com/internal/obd"/>
+  </ds:schemaRefs>
+</ds:datastoreItem>
+</file>
+
+<file path=customXml/itemProps2.xml><?xml version="1.0" encoding="utf-8"?>
+<ds:datastoreItem xmlns:ds="http://schemas.openxmlformats.org/officeDocument/2006/customXml" ds:itemID="{F8CFDD08-2AF3-45C0-9BFB-55C0CB45D846}">
+  <ds:schemaRefs>
+    <ds:schemaRef ds:uri="http://schemas.microsoft.com/sharepoint/v3/contenttype/forms"/>
   </ds:schemaRefs>
 </ds:datastoreItem>
 </file>

--- a/Submutatiescenario_s.pptx
+++ b/Submutatiescenario_s.pptx
@@ -5671,6 +5671,15 @@
               <a:t>GIO’s</a:t>
             </a:r>
             <a:endParaRPr lang="nl-NL" dirty="0"/>
+          </a:p>
+          <a:p>
+            <a:pPr marL="457200" lvl="1" indent="0">
+              <a:buNone/>
+            </a:pPr>
+            <a:r>
+              <a:rPr lang="nl-NL" dirty="0"/>
+              <a:t>10. Directe mutaties</a:t>
+            </a:r>
           </a:p>
           <a:p>
             <a:pPr marL="914400" lvl="1" indent="-457200">
@@ -8411,8 +8420,12 @@
           </a:p>
           <a:p>
             <a:r>
+              <a:rPr lang="nl-NL" sz="3200" dirty="0"/>
+              <a:t>4</a:t>
+            </a:r>
+            <a:r>
               <a:rPr lang="nl-NL" sz="3200" b="1" dirty="0"/>
-              <a:t>4	</a:t>
+              <a:t>	</a:t>
             </a:r>
             <a:r>
               <a:rPr lang="nl-NL" sz="3200" dirty="0"/>
@@ -9753,18 +9766,18 @@
 </file>
 
 <file path=customXml/item2.xml><?xml version="1.0" encoding="utf-8"?>
+<p:properties xmlns:p="http://schemas.microsoft.com/office/2006/metadata/properties" xmlns:xsi="http://www.w3.org/2001/XMLSchema-instance" xmlns:pc="http://schemas.microsoft.com/office/infopath/2007/PartnerControls">
+  <documentManagement/>
+</p:properties>
+</file>
+
+<file path=customXml/item3.xml><?xml version="1.0" encoding="utf-8"?>
 <?mso-contentType ?>
 <FormTemplates xmlns="http://schemas.microsoft.com/sharepoint/v3/contenttype/forms">
   <Display>DocumentLibraryForm</Display>
   <Edit>DocumentLibraryForm</Edit>
   <New>DocumentLibraryForm</New>
 </FormTemplates>
-</file>
-
-<file path=customXml/item3.xml><?xml version="1.0" encoding="utf-8"?>
-<p:properties xmlns:p="http://schemas.microsoft.com/office/2006/metadata/properties" xmlns:xsi="http://www.w3.org/2001/XMLSchema-instance" xmlns:pc="http://schemas.microsoft.com/office/infopath/2007/PartnerControls">
-  <documentManagement/>
-</p:properties>
 </file>
 
 <file path=customXml/itemProps1.xml><?xml version="1.0" encoding="utf-8"?>
@@ -9787,14 +9800,6 @@
 </file>
 
 <file path=customXml/itemProps2.xml><?xml version="1.0" encoding="utf-8"?>
-<ds:datastoreItem xmlns:ds="http://schemas.openxmlformats.org/officeDocument/2006/customXml" ds:itemID="{F8CFDD08-2AF3-45C0-9BFB-55C0CB45D846}">
-  <ds:schemaRefs>
-    <ds:schemaRef ds:uri="http://schemas.microsoft.com/sharepoint/v3/contenttype/forms"/>
-  </ds:schemaRefs>
-</ds:datastoreItem>
-</file>
-
-<file path=customXml/itemProps3.xml><?xml version="1.0" encoding="utf-8"?>
 <ds:datastoreItem xmlns:ds="http://schemas.openxmlformats.org/officeDocument/2006/customXml" ds:itemID="{44F744C1-7216-4F24-AF2B-C028C1AC510B}">
   <ds:schemaRefs>
     <ds:schemaRef ds:uri="http://purl.org/dc/elements/1.1/"/>
@@ -9809,4 +9814,12 @@
     <ds:schemaRef ds:uri="aafb19fa-82be-411d-a6df-c75e9235a4ea"/>
   </ds:schemaRefs>
 </ds:datastoreItem>
+</file>
+
+<file path=customXml/itemProps3.xml><?xml version="1.0" encoding="utf-8"?>
+<ds:datastoreItem xmlns:ds="http://schemas.openxmlformats.org/officeDocument/2006/customXml" ds:itemID="{F8CFDD08-2AF3-45C0-9BFB-55C0CB45D846}">
+  <ds:schemaRefs>
+    <ds:schemaRef ds:uri="http://schemas.microsoft.com/sharepoint/v3/contenttype/forms"/>
+  </ds:schemaRefs>
+</ds:datastoreItem>
 </file>
--- a/Submutatiescenario_s.pptx
+++ b/Submutatiescenario_s.pptx
@@ -146,7 +146,7 @@
       </p:ext>
     </p:extLst>
   </p:cmAuthor>
-  <p:cmAuthor id="2" name="Kasper Lingbeek" initials="KL" lastIdx="3" clrIdx="1">
+  <p:cmAuthor id="2" name="Kasper Lingbeek" initials="KL" lastIdx="5" clrIdx="1">
     <p:extLst>
       <p:ext uri="{19B8F6BF-5375-455C-9EA6-DF929625EA0E}">
         <p15:presenceInfo xmlns:p15="http://schemas.microsoft.com/office/powerpoint/2012/main" userId="S::k.lingbeek@geonovum.nl::f2390735-05ad-4371-bf81-fc311706dfcc" providerId="AD"/>
@@ -192,6 +192,29 @@
 </p:cmLst>
 </file>
 
+<file path=ppt/comments/comment3.xml><?xml version="1.0" encoding="utf-8"?>
+<p:cmLst xmlns:a="http://schemas.openxmlformats.org/drawingml/2006/main" xmlns:r="http://schemas.openxmlformats.org/officeDocument/2006/relationships" xmlns:p="http://schemas.openxmlformats.org/presentationml/2006/main">
+  <p:cm authorId="2" dt="2020-10-06T15:57:48.884" idx="4">
+    <p:pos x="6709" y="3024"/>
+    <p:text>Wordt met omgevingswaarde beeindigd</p:text>
+    <p:extLst>
+      <p:ext uri="{C676402C-5697-4E1C-873F-D02D1690AC5C}">
+        <p15:threadingInfo xmlns:p15="http://schemas.microsoft.com/office/powerpoint/2012/main" timeZoneBias="-120"/>
+      </p:ext>
+    </p:extLst>
+  </p:cm>
+  <p:cm authorId="2" dt="2020-10-06T16:02:10.984" idx="5">
+    <p:pos x="6072" y="3582"/>
+    <p:text>Locatie wordt elders nog gebruikt</p:text>
+    <p:extLst>
+      <p:ext uri="{C676402C-5697-4E1C-873F-D02D1690AC5C}">
+        <p15:threadingInfo xmlns:p15="http://schemas.microsoft.com/office/powerpoint/2012/main" timeZoneBias="-120"/>
+      </p:ext>
+    </p:extLst>
+  </p:cm>
+</p:cmLst>
+</file>
+
 <file path=ppt/slideLayouts/slideLayout1.xml><?xml version="1.0" encoding="utf-8"?>
 <p:sldLayout xmlns:a="http://schemas.openxmlformats.org/drawingml/2006/main" xmlns:r="http://schemas.openxmlformats.org/officeDocument/2006/relationships" xmlns:p="http://schemas.openxmlformats.org/presentationml/2006/main" type="title" preserve="1">
   <p:cSld name="Titeldia">
@@ -339,7 +362,7 @@
           <a:p>
             <a:fld id="{02A6C647-4F39-4E22-BFA0-7A057A8C404A}" type="datetimeFigureOut">
               <a:rPr lang="nl-NL" smtClean="0"/>
-              <a:t>29-9-2020</a:t>
+              <a:t>6-10-2020</a:t>
             </a:fld>
             <a:endParaRPr lang="nl-NL"/>
           </a:p>
@@ -537,7 +560,7 @@
           <a:p>
             <a:fld id="{02A6C647-4F39-4E22-BFA0-7A057A8C404A}" type="datetimeFigureOut">
               <a:rPr lang="nl-NL" smtClean="0"/>
-              <a:t>29-9-2020</a:t>
+              <a:t>6-10-2020</a:t>
             </a:fld>
             <a:endParaRPr lang="nl-NL"/>
           </a:p>
@@ -745,7 +768,7 @@
           <a:p>
             <a:fld id="{02A6C647-4F39-4E22-BFA0-7A057A8C404A}" type="datetimeFigureOut">
               <a:rPr lang="nl-NL" smtClean="0"/>
-              <a:t>29-9-2020</a:t>
+              <a:t>6-10-2020</a:t>
             </a:fld>
             <a:endParaRPr lang="nl-NL"/>
           </a:p>
@@ -943,7 +966,7 @@
           <a:p>
             <a:fld id="{02A6C647-4F39-4E22-BFA0-7A057A8C404A}" type="datetimeFigureOut">
               <a:rPr lang="nl-NL" smtClean="0"/>
-              <a:t>29-9-2020</a:t>
+              <a:t>6-10-2020</a:t>
             </a:fld>
             <a:endParaRPr lang="nl-NL"/>
           </a:p>
@@ -1218,7 +1241,7 @@
           <a:p>
             <a:fld id="{02A6C647-4F39-4E22-BFA0-7A057A8C404A}" type="datetimeFigureOut">
               <a:rPr lang="nl-NL" smtClean="0"/>
-              <a:t>29-9-2020</a:t>
+              <a:t>6-10-2020</a:t>
             </a:fld>
             <a:endParaRPr lang="nl-NL"/>
           </a:p>
@@ -1483,7 +1506,7 @@
           <a:p>
             <a:fld id="{02A6C647-4F39-4E22-BFA0-7A057A8C404A}" type="datetimeFigureOut">
               <a:rPr lang="nl-NL" smtClean="0"/>
-              <a:t>29-9-2020</a:t>
+              <a:t>6-10-2020</a:t>
             </a:fld>
             <a:endParaRPr lang="nl-NL"/>
           </a:p>
@@ -1895,7 +1918,7 @@
           <a:p>
             <a:fld id="{02A6C647-4F39-4E22-BFA0-7A057A8C404A}" type="datetimeFigureOut">
               <a:rPr lang="nl-NL" smtClean="0"/>
-              <a:t>29-9-2020</a:t>
+              <a:t>6-10-2020</a:t>
             </a:fld>
             <a:endParaRPr lang="nl-NL"/>
           </a:p>
@@ -2036,7 +2059,7 @@
           <a:p>
             <a:fld id="{02A6C647-4F39-4E22-BFA0-7A057A8C404A}" type="datetimeFigureOut">
               <a:rPr lang="nl-NL" smtClean="0"/>
-              <a:t>29-9-2020</a:t>
+              <a:t>6-10-2020</a:t>
             </a:fld>
             <a:endParaRPr lang="nl-NL"/>
           </a:p>
@@ -2149,7 +2172,7 @@
           <a:p>
             <a:fld id="{02A6C647-4F39-4E22-BFA0-7A057A8C404A}" type="datetimeFigureOut">
               <a:rPr lang="nl-NL" smtClean="0"/>
-              <a:t>29-9-2020</a:t>
+              <a:t>6-10-2020</a:t>
             </a:fld>
             <a:endParaRPr lang="nl-NL"/>
           </a:p>
@@ -2460,7 +2483,7 @@
           <a:p>
             <a:fld id="{02A6C647-4F39-4E22-BFA0-7A057A8C404A}" type="datetimeFigureOut">
               <a:rPr lang="nl-NL" smtClean="0"/>
-              <a:t>29-9-2020</a:t>
+              <a:t>6-10-2020</a:t>
             </a:fld>
             <a:endParaRPr lang="nl-NL"/>
           </a:p>
@@ -2748,7 +2771,7 @@
           <a:p>
             <a:fld id="{02A6C647-4F39-4E22-BFA0-7A057A8C404A}" type="datetimeFigureOut">
               <a:rPr lang="nl-NL" smtClean="0"/>
-              <a:t>29-9-2020</a:t>
+              <a:t>6-10-2020</a:t>
             </a:fld>
             <a:endParaRPr lang="nl-NL"/>
           </a:p>
@@ -2989,7 +3012,7 @@
           <a:p>
             <a:fld id="{02A6C647-4F39-4E22-BFA0-7A057A8C404A}" type="datetimeFigureOut">
               <a:rPr lang="nl-NL" smtClean="0"/>
-              <a:t>29-9-2020</a:t>
+              <a:t>6-10-2020</a:t>
             </a:fld>
             <a:endParaRPr lang="nl-NL"/>
           </a:p>
@@ -4356,7 +4379,7 @@
             <a:pPr lvl="2"/>
             <a:r>
               <a:rPr lang="nl-NL" dirty="0"/>
-              <a:t>Paragraaf 4</a:t>
+              <a:t>Afdeling 2.4</a:t>
             </a:r>
           </a:p>
           <a:p>
@@ -4371,7 +4394,7 @@
                   <a:srgbClr val="FF0000"/>
                 </a:solidFill>
               </a:rPr>
-              <a:t>VERWIJDEREN</a:t>
+              <a:t>VERVALLEN</a:t>
             </a:r>
             <a:r>
               <a:rPr lang="nl-NL" dirty="0"/>
@@ -4390,7 +4413,7 @@
             <a:pPr lvl="2"/>
             <a:r>
               <a:rPr lang="nl-NL" dirty="0"/>
-              <a:t>Paragraaf 5 </a:t>
+              <a:t>Afdeling 2.5 </a:t>
             </a:r>
           </a:p>
           <a:p>
@@ -4437,7 +4460,7 @@
                   <a:schemeClr val="accent1"/>
                 </a:solidFill>
               </a:rPr>
-              <a:t>van GIO (proces onbekend) </a:t>
+              <a:t>van GIO ‘Zuilichem’(begrippenlijst aanpassen) </a:t>
             </a:r>
           </a:p>
           <a:p>
@@ -4447,7 +4470,7 @@
                   <a:schemeClr val="accent6"/>
                 </a:solidFill>
               </a:rPr>
-              <a:t>Beëindigen van regeltekst (nl.imow-gm0037.regeltekst.2019001) </a:t>
+              <a:t>Beëindigen van regeltekst (nl.imow-gm0297.regeltekst.2019000009) </a:t>
             </a:r>
             <a:r>
               <a:rPr lang="nl-NL" i="1" dirty="0">
@@ -4455,7 +4478,7 @@
                   <a:schemeClr val="accent6"/>
                 </a:solidFill>
               </a:rPr>
-              <a:t>(status ‘Beëindigd’)</a:t>
+              <a:t>(OP-status ‘B’ = beëindigd)</a:t>
             </a:r>
           </a:p>
           <a:p>
@@ -4465,31 +4488,15 @@
                   <a:schemeClr val="accent6"/>
                 </a:solidFill>
               </a:rPr>
-              <a:t>Beëindigen van Juridische regel (</a:t>
-            </a:r>
-            <a:r>
-              <a:rPr lang="nl-NL" dirty="0" err="1">
+              <a:t>Beëindigen van Juridische regel (Omgevingswaarderegel nl.imow-gm0297.juridischeregel.2019000015) </a:t>
+            </a:r>
+            <a:r>
+              <a:rPr lang="nl-NL" i="1" dirty="0">
                 <a:solidFill>
                   <a:schemeClr val="accent6"/>
                 </a:solidFill>
               </a:rPr>
-              <a:t>RegelVoorIedereen</a:t>
-            </a:r>
-            <a:r>
-              <a:rPr lang="nl-NL" dirty="0">
-                <a:solidFill>
-                  <a:schemeClr val="accent6"/>
-                </a:solidFill>
-              </a:rPr>
-              <a:t>) </a:t>
-            </a:r>
-            <a:r>
-              <a:rPr lang="nl-NL" i="1" dirty="0">
-                <a:solidFill>
-                  <a:schemeClr val="accent6"/>
-                </a:solidFill>
-              </a:rPr>
-              <a:t>(status ‘Beëindigd’)</a:t>
+              <a:t>(OW-status ‘B’ = beëindigd)</a:t>
             </a:r>
             <a:endParaRPr lang="nl-NL" dirty="0">
               <a:solidFill>
@@ -4499,12 +4506,35 @@
           </a:p>
           <a:p>
             <a:r>
+              <a:rPr lang="nl-NL" strike="sngStrike" dirty="0">
+                <a:solidFill>
+                  <a:schemeClr val="accent6"/>
+                </a:solidFill>
+              </a:rPr>
+              <a:t>Beëindigen van normwaarde (nl.imow-gm0037.normwaarde.20190001). </a:t>
+            </a:r>
+            <a:r>
+              <a:rPr lang="nl-NL" i="1" strike="sngStrike" dirty="0">
+                <a:solidFill>
+                  <a:schemeClr val="accent6"/>
+                </a:solidFill>
+              </a:rPr>
+              <a:t>(status ‘Beëindigd’)</a:t>
+            </a:r>
+            <a:endParaRPr lang="nl-NL" strike="sngStrike" dirty="0">
+              <a:solidFill>
+                <a:schemeClr val="accent6"/>
+              </a:solidFill>
+            </a:endParaRPr>
+          </a:p>
+          <a:p>
+            <a:r>
               <a:rPr lang="nl-NL" dirty="0">
                 <a:solidFill>
                   <a:schemeClr val="accent6"/>
                 </a:solidFill>
               </a:rPr>
-              <a:t>Beëindigen van normwaarde (nl.imow-gm0037.normwaarde.20190001). </a:t>
+              <a:t>Beëindigen van omgevingswaarde (nl.imow-gm0297.omgevingswaarde.2019000001) </a:t>
             </a:r>
             <a:r>
               <a:rPr lang="nl-NL" i="1" dirty="0">
@@ -4512,7 +4542,7 @@
                   <a:schemeClr val="accent6"/>
                 </a:solidFill>
               </a:rPr>
-              <a:t>(status ‘Beëindigd’)</a:t>
+              <a:t>(status ‘B’ = beëindigd)</a:t>
             </a:r>
             <a:endParaRPr lang="nl-NL" dirty="0">
               <a:solidFill>
@@ -4522,45 +4552,22 @@
           </a:p>
           <a:p>
             <a:r>
-              <a:rPr lang="nl-NL" dirty="0">
+              <a:rPr lang="nl-NL" strike="sngStrike" dirty="0">
                 <a:solidFill>
                   <a:schemeClr val="accent6"/>
                 </a:solidFill>
               </a:rPr>
-              <a:t>Beëindigen van omgevingswaarde (nl.imow-gm0037.omgevingswaarde.20190001) </a:t>
-            </a:r>
-            <a:r>
-              <a:rPr lang="nl-NL" i="1" dirty="0">
+              <a:t>Beëindigen van locatie (nl.imow-gm0297.gebied.2019000011) </a:t>
+            </a:r>
+            <a:r>
+              <a:rPr lang="nl-NL" i="1" strike="sngStrike" dirty="0">
                 <a:solidFill>
                   <a:schemeClr val="accent6"/>
                 </a:solidFill>
               </a:rPr>
-              <a:t>(status ‘Beëindigd’)</a:t>
-            </a:r>
-            <a:endParaRPr lang="nl-NL" dirty="0">
-              <a:solidFill>
-                <a:schemeClr val="accent6"/>
-              </a:solidFill>
-            </a:endParaRPr>
-          </a:p>
-          <a:p>
-            <a:r>
-              <a:rPr lang="nl-NL" dirty="0">
-                <a:solidFill>
-                  <a:schemeClr val="accent6"/>
-                </a:solidFill>
-              </a:rPr>
-              <a:t>Beëindigen van locatie (nl.imow-gm0037.Locatie.20190006) </a:t>
-            </a:r>
-            <a:r>
-              <a:rPr lang="nl-NL" i="1" dirty="0">
-                <a:solidFill>
-                  <a:schemeClr val="accent6"/>
-                </a:solidFill>
-              </a:rPr>
               <a:t>(status ‘Beëindigd’ )</a:t>
             </a:r>
-            <a:endParaRPr lang="nl-NL" dirty="0">
+            <a:endParaRPr lang="nl-NL" strike="sngStrike" dirty="0">
               <a:solidFill>
                 <a:schemeClr val="accent6"/>
               </a:solidFill>

--- a/Submutatiescenario_s.pptx
+++ b/Submutatiescenario_s.pptx
@@ -362,7 +362,7 @@
           <a:p>
             <a:fld id="{02A6C647-4F39-4E22-BFA0-7A057A8C404A}" type="datetimeFigureOut">
               <a:rPr lang="nl-NL" smtClean="0"/>
-              <a:t>6-10-2020</a:t>
+              <a:t>29-10-2020</a:t>
             </a:fld>
             <a:endParaRPr lang="nl-NL"/>
           </a:p>
@@ -560,7 +560,7 @@
           <a:p>
             <a:fld id="{02A6C647-4F39-4E22-BFA0-7A057A8C404A}" type="datetimeFigureOut">
               <a:rPr lang="nl-NL" smtClean="0"/>
-              <a:t>6-10-2020</a:t>
+              <a:t>29-10-2020</a:t>
             </a:fld>
             <a:endParaRPr lang="nl-NL"/>
           </a:p>
@@ -768,7 +768,7 @@
           <a:p>
             <a:fld id="{02A6C647-4F39-4E22-BFA0-7A057A8C404A}" type="datetimeFigureOut">
               <a:rPr lang="nl-NL" smtClean="0"/>
-              <a:t>6-10-2020</a:t>
+              <a:t>29-10-2020</a:t>
             </a:fld>
             <a:endParaRPr lang="nl-NL"/>
           </a:p>
@@ -966,7 +966,7 @@
           <a:p>
             <a:fld id="{02A6C647-4F39-4E22-BFA0-7A057A8C404A}" type="datetimeFigureOut">
               <a:rPr lang="nl-NL" smtClean="0"/>
-              <a:t>6-10-2020</a:t>
+              <a:t>29-10-2020</a:t>
             </a:fld>
             <a:endParaRPr lang="nl-NL"/>
           </a:p>
@@ -1241,7 +1241,7 @@
           <a:p>
             <a:fld id="{02A6C647-4F39-4E22-BFA0-7A057A8C404A}" type="datetimeFigureOut">
               <a:rPr lang="nl-NL" smtClean="0"/>
-              <a:t>6-10-2020</a:t>
+              <a:t>29-10-2020</a:t>
             </a:fld>
             <a:endParaRPr lang="nl-NL"/>
           </a:p>
@@ -1506,7 +1506,7 @@
           <a:p>
             <a:fld id="{02A6C647-4F39-4E22-BFA0-7A057A8C404A}" type="datetimeFigureOut">
               <a:rPr lang="nl-NL" smtClean="0"/>
-              <a:t>6-10-2020</a:t>
+              <a:t>29-10-2020</a:t>
             </a:fld>
             <a:endParaRPr lang="nl-NL"/>
           </a:p>
@@ -1918,7 +1918,7 @@
           <a:p>
             <a:fld id="{02A6C647-4F39-4E22-BFA0-7A057A8C404A}" type="datetimeFigureOut">
               <a:rPr lang="nl-NL" smtClean="0"/>
-              <a:t>6-10-2020</a:t>
+              <a:t>29-10-2020</a:t>
             </a:fld>
             <a:endParaRPr lang="nl-NL"/>
           </a:p>
@@ -2059,7 +2059,7 @@
           <a:p>
             <a:fld id="{02A6C647-4F39-4E22-BFA0-7A057A8C404A}" type="datetimeFigureOut">
               <a:rPr lang="nl-NL" smtClean="0"/>
-              <a:t>6-10-2020</a:t>
+              <a:t>29-10-2020</a:t>
             </a:fld>
             <a:endParaRPr lang="nl-NL"/>
           </a:p>
@@ -2172,7 +2172,7 @@
           <a:p>
             <a:fld id="{02A6C647-4F39-4E22-BFA0-7A057A8C404A}" type="datetimeFigureOut">
               <a:rPr lang="nl-NL" smtClean="0"/>
-              <a:t>6-10-2020</a:t>
+              <a:t>29-10-2020</a:t>
             </a:fld>
             <a:endParaRPr lang="nl-NL"/>
           </a:p>
@@ -2483,7 +2483,7 @@
           <a:p>
             <a:fld id="{02A6C647-4F39-4E22-BFA0-7A057A8C404A}" type="datetimeFigureOut">
               <a:rPr lang="nl-NL" smtClean="0"/>
-              <a:t>6-10-2020</a:t>
+              <a:t>29-10-2020</a:t>
             </a:fld>
             <a:endParaRPr lang="nl-NL"/>
           </a:p>
@@ -2771,7 +2771,7 @@
           <a:p>
             <a:fld id="{02A6C647-4F39-4E22-BFA0-7A057A8C404A}" type="datetimeFigureOut">
               <a:rPr lang="nl-NL" smtClean="0"/>
-              <a:t>6-10-2020</a:t>
+              <a:t>29-10-2020</a:t>
             </a:fld>
             <a:endParaRPr lang="nl-NL"/>
           </a:p>
@@ -3012,7 +3012,7 @@
           <a:p>
             <a:fld id="{02A6C647-4F39-4E22-BFA0-7A057A8C404A}" type="datetimeFigureOut">
               <a:rPr lang="nl-NL" smtClean="0"/>
-              <a:t>6-10-2020</a:t>
+              <a:t>29-10-2020</a:t>
             </a:fld>
             <a:endParaRPr lang="nl-NL"/>
           </a:p>
@@ -4656,17 +4656,53 @@
           <a:p>
             <a:r>
               <a:rPr lang="nl-NL" dirty="0"/>
-              <a:t>Van de onderstaande plek naar een andere willekeurige plek in Zuilichem.</a:t>
-            </a:r>
+              <a:t>Speelhal valt deels buiten grens Zuilichem, moet alleen binnen de grens vallen.</a:t>
+            </a:r>
+          </a:p>
+        </p:txBody>
+      </p:sp>
+      <p:sp>
+        <p:nvSpPr>
+          <p:cNvPr id="6" name="Tekstvak 5">
+            <a:extLst>
+              <a:ext uri="{FF2B5EF4-FFF2-40B4-BE49-F238E27FC236}">
+                <a16:creationId xmlns:a16="http://schemas.microsoft.com/office/drawing/2014/main" id="{3E199FF9-9457-47EE-8992-D56354F6E548}"/>
+              </a:ext>
+            </a:extLst>
+          </p:cNvPr>
+          <p:cNvSpPr txBox="1"/>
+          <p:nvPr/>
+        </p:nvSpPr>
+        <p:spPr>
+          <a:xfrm>
+            <a:off x="562062" y="6090407"/>
+            <a:ext cx="11325138" cy="369332"/>
+          </a:xfrm>
+          <a:prstGeom prst="rect">
+            <a:avLst/>
+          </a:prstGeom>
+          <a:noFill/>
+        </p:spPr>
+        <p:txBody>
+          <a:bodyPr wrap="square" rtlCol="0">
+            <a:spAutoFit/>
+          </a:bodyPr>
+          <a:lstStyle/>
+          <a:p>
+            <a:r>
+              <a:rPr lang="nl-NL" dirty="0"/>
+              <a:t>Let op dat het splitsen van GIO ook beschreven wordt. </a:t>
+            </a:r>
+            <a:endParaRPr lang="en-NL" dirty="0"/>
           </a:p>
         </p:txBody>
       </p:sp>
       <p:pic>
         <p:nvPicPr>
-          <p:cNvPr id="4" name="Afbeelding 3">
-            <a:extLst>
-              <a:ext uri="{FF2B5EF4-FFF2-40B4-BE49-F238E27FC236}">
-                <a16:creationId xmlns:a16="http://schemas.microsoft.com/office/drawing/2014/main" id="{59958D37-5579-4A8B-9F52-A344C737A2A2}"/>
+          <p:cNvPr id="5" name="Afbeelding 4">
+            <a:extLst>
+              <a:ext uri="{FF2B5EF4-FFF2-40B4-BE49-F238E27FC236}">
+                <a16:creationId xmlns:a16="http://schemas.microsoft.com/office/drawing/2014/main" id="{A4539461-A403-4265-97C2-3DB919852580}"/>
               </a:ext>
             </a:extLst>
           </p:cNvPr>
@@ -4683,50 +4719,44 @@
         </p:blipFill>
         <p:spPr>
           <a:xfrm>
-            <a:off x="2980935" y="2415318"/>
-            <a:ext cx="4755292" cy="3513124"/>
+            <a:off x="838200" y="2831340"/>
+            <a:ext cx="3328274" cy="2253353"/>
           </a:xfrm>
           <a:prstGeom prst="rect">
             <a:avLst/>
           </a:prstGeom>
         </p:spPr>
       </p:pic>
-      <p:sp>
-        <p:nvSpPr>
-          <p:cNvPr id="6" name="Tekstvak 5">
-            <a:extLst>
-              <a:ext uri="{FF2B5EF4-FFF2-40B4-BE49-F238E27FC236}">
-                <a16:creationId xmlns:a16="http://schemas.microsoft.com/office/drawing/2014/main" id="{3E199FF9-9457-47EE-8992-D56354F6E548}"/>
-              </a:ext>
-            </a:extLst>
-          </p:cNvPr>
-          <p:cNvSpPr txBox="1"/>
+      <p:pic>
+        <p:nvPicPr>
+          <p:cNvPr id="7" name="Afbeelding 6">
+            <a:extLst>
+              <a:ext uri="{FF2B5EF4-FFF2-40B4-BE49-F238E27FC236}">
+                <a16:creationId xmlns:a16="http://schemas.microsoft.com/office/drawing/2014/main" id="{9F23D0D8-7A5C-4016-A1A2-4680B7CDE9C6}"/>
+              </a:ext>
+            </a:extLst>
+          </p:cNvPr>
+          <p:cNvPicPr>
+            <a:picLocks noChangeAspect="1"/>
+          </p:cNvPicPr>
           <p:nvPr/>
-        </p:nvSpPr>
+        </p:nvPicPr>
+        <p:blipFill>
+          <a:blip r:embed="rId3"/>
+          <a:stretch>
+            <a:fillRect/>
+          </a:stretch>
+        </p:blipFill>
         <p:spPr>
           <a:xfrm>
-            <a:off x="562062" y="6090407"/>
-            <a:ext cx="11325138" cy="369332"/>
+            <a:off x="5674236" y="2831341"/>
+            <a:ext cx="3328272" cy="2253352"/>
           </a:xfrm>
           <a:prstGeom prst="rect">
             <a:avLst/>
           </a:prstGeom>
-          <a:noFill/>
         </p:spPr>
-        <p:txBody>
-          <a:bodyPr wrap="square" rtlCol="0">
-            <a:spAutoFit/>
-          </a:bodyPr>
-          <a:lstStyle/>
-          <a:p>
-            <a:r>
-              <a:rPr lang="nl-NL" dirty="0"/>
-              <a:t>Let op dat het splitsen van GIO ook beschreven wordt. </a:t>
-            </a:r>
-            <a:endParaRPr lang="en-NL" dirty="0"/>
-          </a:p>
-        </p:txBody>
-      </p:sp>
+      </p:pic>
     </p:spTree>
     <p:extLst>
       <p:ext uri="{BB962C8B-B14F-4D97-AF65-F5344CB8AC3E}">
@@ -9570,6 +9600,12 @@
 </file>
 
 <file path=customXml/item1.xml><?xml version="1.0" encoding="utf-8"?>
+<p:properties xmlns:p="http://schemas.microsoft.com/office/2006/metadata/properties" xmlns:xsi="http://www.w3.org/2001/XMLSchema-instance" xmlns:pc="http://schemas.microsoft.com/office/infopath/2007/PartnerControls">
+  <documentManagement/>
+</p:properties>
+</file>
+
+<file path=customXml/item2.xml><?xml version="1.0" encoding="utf-8"?>
 <ct:contentTypeSchema xmlns:ct="http://schemas.microsoft.com/office/2006/metadata/contentType" xmlns:ma="http://schemas.microsoft.com/office/2006/metadata/properties/metaAttributes" ct:_="" ma:_="" ma:contentTypeName="Document" ma:contentTypeID="0x0101003ADD3040E3157B4E913BCA65F34844D7" ma:contentTypeVersion="10" ma:contentTypeDescription="Een nieuw document maken." ma:contentTypeScope="" ma:versionID="c1765059aa1475931adc12138fdcfd8c">
   <xsd:schema xmlns:xsd="http://www.w3.org/2001/XMLSchema" xmlns:xs="http://www.w3.org/2001/XMLSchema" xmlns:p="http://schemas.microsoft.com/office/2006/metadata/properties" xmlns:ns2="aafb19fa-82be-411d-a6df-c75e9235a4ea" xmlns:ns3="3dfebdfe-2b22-40ba-8672-9fbc9b4066c4" targetNamespace="http://schemas.microsoft.com/office/2006/metadata/properties" ma:root="true" ma:fieldsID="42d79c55539af1f9f274032ce6041302" ns2:_="" ns3:_="">
     <xsd:import namespace="aafb19fa-82be-411d-a6df-c75e9235a4ea"/>
@@ -9772,12 +9808,6 @@
 </ct:contentTypeSchema>
 </file>
 
-<file path=customXml/item2.xml><?xml version="1.0" encoding="utf-8"?>
-<p:properties xmlns:p="http://schemas.microsoft.com/office/2006/metadata/properties" xmlns:xsi="http://www.w3.org/2001/XMLSchema-instance" xmlns:pc="http://schemas.microsoft.com/office/infopath/2007/PartnerControls">
-  <documentManagement/>
-</p:properties>
-</file>
-
 <file path=customXml/item3.xml><?xml version="1.0" encoding="utf-8"?>
 <?mso-contentType ?>
 <FormTemplates xmlns="http://schemas.microsoft.com/sharepoint/v3/contenttype/forms">
@@ -9788,6 +9818,23 @@
 </file>
 
 <file path=customXml/itemProps1.xml><?xml version="1.0" encoding="utf-8"?>
+<ds:datastoreItem xmlns:ds="http://schemas.openxmlformats.org/officeDocument/2006/customXml" ds:itemID="{44F744C1-7216-4F24-AF2B-C028C1AC510B}">
+  <ds:schemaRefs>
+    <ds:schemaRef ds:uri="http://purl.org/dc/elements/1.1/"/>
+    <ds:schemaRef ds:uri="http://purl.org/dc/terms/"/>
+    <ds:schemaRef ds:uri="3dfebdfe-2b22-40ba-8672-9fbc9b4066c4"/>
+    <ds:schemaRef ds:uri="http://www.w3.org/XML/1998/namespace"/>
+    <ds:schemaRef ds:uri="http://schemas.microsoft.com/office/2006/documentManagement/types"/>
+    <ds:schemaRef ds:uri="http://schemas.microsoft.com/office/2006/metadata/properties"/>
+    <ds:schemaRef ds:uri="http://purl.org/dc/dcmitype/"/>
+    <ds:schemaRef ds:uri="http://schemas.microsoft.com/office/infopath/2007/PartnerControls"/>
+    <ds:schemaRef ds:uri="http://schemas.openxmlformats.org/package/2006/metadata/core-properties"/>
+    <ds:schemaRef ds:uri="aafb19fa-82be-411d-a6df-c75e9235a4ea"/>
+  </ds:schemaRefs>
+</ds:datastoreItem>
+</file>
+
+<file path=customXml/itemProps2.xml><?xml version="1.0" encoding="utf-8"?>
 <ds:datastoreItem xmlns:ds="http://schemas.openxmlformats.org/officeDocument/2006/customXml" ds:itemID="{86B9146A-7E8D-43BD-BCDA-EAF916D7BF88}">
   <ds:schemaRefs>
     <ds:schemaRef ds:uri="http://schemas.microsoft.com/office/2006/metadata/contentType"/>
@@ -9806,23 +9853,6 @@
 </ds:datastoreItem>
 </file>
 
-<file path=customXml/itemProps2.xml><?xml version="1.0" encoding="utf-8"?>
-<ds:datastoreItem xmlns:ds="http://schemas.openxmlformats.org/officeDocument/2006/customXml" ds:itemID="{44F744C1-7216-4F24-AF2B-C028C1AC510B}">
-  <ds:schemaRefs>
-    <ds:schemaRef ds:uri="http://purl.org/dc/elements/1.1/"/>
-    <ds:schemaRef ds:uri="http://purl.org/dc/terms/"/>
-    <ds:schemaRef ds:uri="3dfebdfe-2b22-40ba-8672-9fbc9b4066c4"/>
-    <ds:schemaRef ds:uri="http://www.w3.org/XML/1998/namespace"/>
-    <ds:schemaRef ds:uri="http://schemas.microsoft.com/office/2006/documentManagement/types"/>
-    <ds:schemaRef ds:uri="http://schemas.microsoft.com/office/2006/metadata/properties"/>
-    <ds:schemaRef ds:uri="http://purl.org/dc/dcmitype/"/>
-    <ds:schemaRef ds:uri="http://schemas.microsoft.com/office/infopath/2007/PartnerControls"/>
-    <ds:schemaRef ds:uri="http://schemas.openxmlformats.org/package/2006/metadata/core-properties"/>
-    <ds:schemaRef ds:uri="aafb19fa-82be-411d-a6df-c75e9235a4ea"/>
-  </ds:schemaRefs>
-</ds:datastoreItem>
-</file>
-
 <file path=customXml/itemProps3.xml><?xml version="1.0" encoding="utf-8"?>
 <ds:datastoreItem xmlns:ds="http://schemas.openxmlformats.org/officeDocument/2006/customXml" ds:itemID="{F8CFDD08-2AF3-45C0-9BFB-55C0CB45D846}">
   <ds:schemaRefs>

--- a/Submutatiescenario_s.pptx
+++ b/Submutatiescenario_s.pptx
@@ -362,7 +362,7 @@
           <a:p>
             <a:fld id="{02A6C647-4F39-4E22-BFA0-7A057A8C404A}" type="datetimeFigureOut">
               <a:rPr lang="nl-NL" smtClean="0"/>
-              <a:t>29-10-2020</a:t>
+              <a:t>9-11-2020</a:t>
             </a:fld>
             <a:endParaRPr lang="nl-NL"/>
           </a:p>
@@ -560,7 +560,7 @@
           <a:p>
             <a:fld id="{02A6C647-4F39-4E22-BFA0-7A057A8C404A}" type="datetimeFigureOut">
               <a:rPr lang="nl-NL" smtClean="0"/>
-              <a:t>29-10-2020</a:t>
+              <a:t>9-11-2020</a:t>
             </a:fld>
             <a:endParaRPr lang="nl-NL"/>
           </a:p>
@@ -768,7 +768,7 @@
           <a:p>
             <a:fld id="{02A6C647-4F39-4E22-BFA0-7A057A8C404A}" type="datetimeFigureOut">
               <a:rPr lang="nl-NL" smtClean="0"/>
-              <a:t>29-10-2020</a:t>
+              <a:t>9-11-2020</a:t>
             </a:fld>
             <a:endParaRPr lang="nl-NL"/>
           </a:p>
@@ -966,7 +966,7 @@
           <a:p>
             <a:fld id="{02A6C647-4F39-4E22-BFA0-7A057A8C404A}" type="datetimeFigureOut">
               <a:rPr lang="nl-NL" smtClean="0"/>
-              <a:t>29-10-2020</a:t>
+              <a:t>9-11-2020</a:t>
             </a:fld>
             <a:endParaRPr lang="nl-NL"/>
           </a:p>
@@ -1241,7 +1241,7 @@
           <a:p>
             <a:fld id="{02A6C647-4F39-4E22-BFA0-7A057A8C404A}" type="datetimeFigureOut">
               <a:rPr lang="nl-NL" smtClean="0"/>
-              <a:t>29-10-2020</a:t>
+              <a:t>9-11-2020</a:t>
             </a:fld>
             <a:endParaRPr lang="nl-NL"/>
           </a:p>
@@ -1506,7 +1506,7 @@
           <a:p>
             <a:fld id="{02A6C647-4F39-4E22-BFA0-7A057A8C404A}" type="datetimeFigureOut">
               <a:rPr lang="nl-NL" smtClean="0"/>
-              <a:t>29-10-2020</a:t>
+              <a:t>9-11-2020</a:t>
             </a:fld>
             <a:endParaRPr lang="nl-NL"/>
           </a:p>
@@ -1918,7 +1918,7 @@
           <a:p>
             <a:fld id="{02A6C647-4F39-4E22-BFA0-7A057A8C404A}" type="datetimeFigureOut">
               <a:rPr lang="nl-NL" smtClean="0"/>
-              <a:t>29-10-2020</a:t>
+              <a:t>9-11-2020</a:t>
             </a:fld>
             <a:endParaRPr lang="nl-NL"/>
           </a:p>
@@ -2059,7 +2059,7 @@
           <a:p>
             <a:fld id="{02A6C647-4F39-4E22-BFA0-7A057A8C404A}" type="datetimeFigureOut">
               <a:rPr lang="nl-NL" smtClean="0"/>
-              <a:t>29-10-2020</a:t>
+              <a:t>9-11-2020</a:t>
             </a:fld>
             <a:endParaRPr lang="nl-NL"/>
           </a:p>
@@ -2172,7 +2172,7 @@
           <a:p>
             <a:fld id="{02A6C647-4F39-4E22-BFA0-7A057A8C404A}" type="datetimeFigureOut">
               <a:rPr lang="nl-NL" smtClean="0"/>
-              <a:t>29-10-2020</a:t>
+              <a:t>9-11-2020</a:t>
             </a:fld>
             <a:endParaRPr lang="nl-NL"/>
           </a:p>
@@ -2483,7 +2483,7 @@
           <a:p>
             <a:fld id="{02A6C647-4F39-4E22-BFA0-7A057A8C404A}" type="datetimeFigureOut">
               <a:rPr lang="nl-NL" smtClean="0"/>
-              <a:t>29-10-2020</a:t>
+              <a:t>9-11-2020</a:t>
             </a:fld>
             <a:endParaRPr lang="nl-NL"/>
           </a:p>
@@ -2771,7 +2771,7 @@
           <a:p>
             <a:fld id="{02A6C647-4F39-4E22-BFA0-7A057A8C404A}" type="datetimeFigureOut">
               <a:rPr lang="nl-NL" smtClean="0"/>
-              <a:t>29-10-2020</a:t>
+              <a:t>9-11-2020</a:t>
             </a:fld>
             <a:endParaRPr lang="nl-NL"/>
           </a:p>
@@ -3012,7 +3012,7 @@
           <a:p>
             <a:fld id="{02A6C647-4F39-4E22-BFA0-7A057A8C404A}" type="datetimeFigureOut">
               <a:rPr lang="nl-NL" smtClean="0"/>
-              <a:t>29-10-2020</a:t>
+              <a:t>9-11-2020</a:t>
             </a:fld>
             <a:endParaRPr lang="nl-NL"/>
           </a:p>
@@ -4840,7 +4840,15 @@
           <a:p>
             <a:r>
               <a:rPr lang="nl-NL" dirty="0"/>
-              <a:t>Bouwhoogte van 13 meter wordt 11 meter</a:t>
+              <a:t>Bouwhoogte van 13 meter </a:t>
+            </a:r>
+            <a:r>
+              <a:rPr lang="nl-NL"/>
+              <a:t>wordt 15 </a:t>
+            </a:r>
+            <a:r>
+              <a:rPr lang="nl-NL" dirty="0"/>
+              <a:t>meter</a:t>
             </a:r>
           </a:p>
           <a:p>
@@ -9600,12 +9608,6 @@
 </file>
 
 <file path=customXml/item1.xml><?xml version="1.0" encoding="utf-8"?>
-<p:properties xmlns:p="http://schemas.microsoft.com/office/2006/metadata/properties" xmlns:xsi="http://www.w3.org/2001/XMLSchema-instance" xmlns:pc="http://schemas.microsoft.com/office/infopath/2007/PartnerControls">
-  <documentManagement/>
-</p:properties>
-</file>
-
-<file path=customXml/item2.xml><?xml version="1.0" encoding="utf-8"?>
 <ct:contentTypeSchema xmlns:ct="http://schemas.microsoft.com/office/2006/metadata/contentType" xmlns:ma="http://schemas.microsoft.com/office/2006/metadata/properties/metaAttributes" ct:_="" ma:_="" ma:contentTypeName="Document" ma:contentTypeID="0x0101003ADD3040E3157B4E913BCA65F34844D7" ma:contentTypeVersion="10" ma:contentTypeDescription="Een nieuw document maken." ma:contentTypeScope="" ma:versionID="c1765059aa1475931adc12138fdcfd8c">
   <xsd:schema xmlns:xsd="http://www.w3.org/2001/XMLSchema" xmlns:xs="http://www.w3.org/2001/XMLSchema" xmlns:p="http://schemas.microsoft.com/office/2006/metadata/properties" xmlns:ns2="aafb19fa-82be-411d-a6df-c75e9235a4ea" xmlns:ns3="3dfebdfe-2b22-40ba-8672-9fbc9b4066c4" targetNamespace="http://schemas.microsoft.com/office/2006/metadata/properties" ma:root="true" ma:fieldsID="42d79c55539af1f9f274032ce6041302" ns2:_="" ns3:_="">
     <xsd:import namespace="aafb19fa-82be-411d-a6df-c75e9235a4ea"/>
@@ -9808,6 +9810,12 @@
 </ct:contentTypeSchema>
 </file>
 
+<file path=customXml/item2.xml><?xml version="1.0" encoding="utf-8"?>
+<p:properties xmlns:p="http://schemas.microsoft.com/office/2006/metadata/properties" xmlns:xsi="http://www.w3.org/2001/XMLSchema-instance" xmlns:pc="http://schemas.microsoft.com/office/infopath/2007/PartnerControls">
+  <documentManagement/>
+</p:properties>
+</file>
+
 <file path=customXml/item3.xml><?xml version="1.0" encoding="utf-8"?>
 <?mso-contentType ?>
 <FormTemplates xmlns="http://schemas.microsoft.com/sharepoint/v3/contenttype/forms">
@@ -9818,23 +9826,6 @@
 </file>
 
 <file path=customXml/itemProps1.xml><?xml version="1.0" encoding="utf-8"?>
-<ds:datastoreItem xmlns:ds="http://schemas.openxmlformats.org/officeDocument/2006/customXml" ds:itemID="{44F744C1-7216-4F24-AF2B-C028C1AC510B}">
-  <ds:schemaRefs>
-    <ds:schemaRef ds:uri="http://purl.org/dc/elements/1.1/"/>
-    <ds:schemaRef ds:uri="http://purl.org/dc/terms/"/>
-    <ds:schemaRef ds:uri="3dfebdfe-2b22-40ba-8672-9fbc9b4066c4"/>
-    <ds:schemaRef ds:uri="http://www.w3.org/XML/1998/namespace"/>
-    <ds:schemaRef ds:uri="http://schemas.microsoft.com/office/2006/documentManagement/types"/>
-    <ds:schemaRef ds:uri="http://schemas.microsoft.com/office/2006/metadata/properties"/>
-    <ds:schemaRef ds:uri="http://purl.org/dc/dcmitype/"/>
-    <ds:schemaRef ds:uri="http://schemas.microsoft.com/office/infopath/2007/PartnerControls"/>
-    <ds:schemaRef ds:uri="http://schemas.openxmlformats.org/package/2006/metadata/core-properties"/>
-    <ds:schemaRef ds:uri="aafb19fa-82be-411d-a6df-c75e9235a4ea"/>
-  </ds:schemaRefs>
-</ds:datastoreItem>
-</file>
-
-<file path=customXml/itemProps2.xml><?xml version="1.0" encoding="utf-8"?>
 <ds:datastoreItem xmlns:ds="http://schemas.openxmlformats.org/officeDocument/2006/customXml" ds:itemID="{86B9146A-7E8D-43BD-BCDA-EAF916D7BF88}">
   <ds:schemaRefs>
     <ds:schemaRef ds:uri="http://schemas.microsoft.com/office/2006/metadata/contentType"/>
@@ -9853,6 +9844,23 @@
 </ds:datastoreItem>
 </file>
 
+<file path=customXml/itemProps2.xml><?xml version="1.0" encoding="utf-8"?>
+<ds:datastoreItem xmlns:ds="http://schemas.openxmlformats.org/officeDocument/2006/customXml" ds:itemID="{44F744C1-7216-4F24-AF2B-C028C1AC510B}">
+  <ds:schemaRefs>
+    <ds:schemaRef ds:uri="http://purl.org/dc/elements/1.1/"/>
+    <ds:schemaRef ds:uri="http://purl.org/dc/terms/"/>
+    <ds:schemaRef ds:uri="3dfebdfe-2b22-40ba-8672-9fbc9b4066c4"/>
+    <ds:schemaRef ds:uri="http://www.w3.org/XML/1998/namespace"/>
+    <ds:schemaRef ds:uri="http://schemas.microsoft.com/office/2006/documentManagement/types"/>
+    <ds:schemaRef ds:uri="http://schemas.microsoft.com/office/2006/metadata/properties"/>
+    <ds:schemaRef ds:uri="http://purl.org/dc/dcmitype/"/>
+    <ds:schemaRef ds:uri="http://schemas.microsoft.com/office/infopath/2007/PartnerControls"/>
+    <ds:schemaRef ds:uri="http://schemas.openxmlformats.org/package/2006/metadata/core-properties"/>
+    <ds:schemaRef ds:uri="aafb19fa-82be-411d-a6df-c75e9235a4ea"/>
+  </ds:schemaRefs>
+</ds:datastoreItem>
+</file>
+
 <file path=customXml/itemProps3.xml><?xml version="1.0" encoding="utf-8"?>
 <ds:datastoreItem xmlns:ds="http://schemas.openxmlformats.org/officeDocument/2006/customXml" ds:itemID="{F8CFDD08-2AF3-45C0-9BFB-55C0CB45D846}">
   <ds:schemaRefs>

--- a/Submutatiescenario_s.pptx
+++ b/Submutatiescenario_s.pptx
@@ -362,7 +362,7 @@
           <a:p>
             <a:fld id="{02A6C647-4F39-4E22-BFA0-7A057A8C404A}" type="datetimeFigureOut">
               <a:rPr lang="nl-NL" smtClean="0"/>
-              <a:t>9-11-2020</a:t>
+              <a:t>10-11-2020</a:t>
             </a:fld>
             <a:endParaRPr lang="nl-NL"/>
           </a:p>
@@ -560,7 +560,7 @@
           <a:p>
             <a:fld id="{02A6C647-4F39-4E22-BFA0-7A057A8C404A}" type="datetimeFigureOut">
               <a:rPr lang="nl-NL" smtClean="0"/>
-              <a:t>9-11-2020</a:t>
+              <a:t>10-11-2020</a:t>
             </a:fld>
             <a:endParaRPr lang="nl-NL"/>
           </a:p>
@@ -768,7 +768,7 @@
           <a:p>
             <a:fld id="{02A6C647-4F39-4E22-BFA0-7A057A8C404A}" type="datetimeFigureOut">
               <a:rPr lang="nl-NL" smtClean="0"/>
-              <a:t>9-11-2020</a:t>
+              <a:t>10-11-2020</a:t>
             </a:fld>
             <a:endParaRPr lang="nl-NL"/>
           </a:p>
@@ -966,7 +966,7 @@
           <a:p>
             <a:fld id="{02A6C647-4F39-4E22-BFA0-7A057A8C404A}" type="datetimeFigureOut">
               <a:rPr lang="nl-NL" smtClean="0"/>
-              <a:t>9-11-2020</a:t>
+              <a:t>10-11-2020</a:t>
             </a:fld>
             <a:endParaRPr lang="nl-NL"/>
           </a:p>
@@ -1241,7 +1241,7 @@
           <a:p>
             <a:fld id="{02A6C647-4F39-4E22-BFA0-7A057A8C404A}" type="datetimeFigureOut">
               <a:rPr lang="nl-NL" smtClean="0"/>
-              <a:t>9-11-2020</a:t>
+              <a:t>10-11-2020</a:t>
             </a:fld>
             <a:endParaRPr lang="nl-NL"/>
           </a:p>
@@ -1506,7 +1506,7 @@
           <a:p>
             <a:fld id="{02A6C647-4F39-4E22-BFA0-7A057A8C404A}" type="datetimeFigureOut">
               <a:rPr lang="nl-NL" smtClean="0"/>
-              <a:t>9-11-2020</a:t>
+              <a:t>10-11-2020</a:t>
             </a:fld>
             <a:endParaRPr lang="nl-NL"/>
           </a:p>
@@ -1918,7 +1918,7 @@
           <a:p>
             <a:fld id="{02A6C647-4F39-4E22-BFA0-7A057A8C404A}" type="datetimeFigureOut">
               <a:rPr lang="nl-NL" smtClean="0"/>
-              <a:t>9-11-2020</a:t>
+              <a:t>10-11-2020</a:t>
             </a:fld>
             <a:endParaRPr lang="nl-NL"/>
           </a:p>
@@ -2059,7 +2059,7 @@
           <a:p>
             <a:fld id="{02A6C647-4F39-4E22-BFA0-7A057A8C404A}" type="datetimeFigureOut">
               <a:rPr lang="nl-NL" smtClean="0"/>
-              <a:t>9-11-2020</a:t>
+              <a:t>10-11-2020</a:t>
             </a:fld>
             <a:endParaRPr lang="nl-NL"/>
           </a:p>
@@ -2172,7 +2172,7 @@
           <a:p>
             <a:fld id="{02A6C647-4F39-4E22-BFA0-7A057A8C404A}" type="datetimeFigureOut">
               <a:rPr lang="nl-NL" smtClean="0"/>
-              <a:t>9-11-2020</a:t>
+              <a:t>10-11-2020</a:t>
             </a:fld>
             <a:endParaRPr lang="nl-NL"/>
           </a:p>
@@ -2483,7 +2483,7 @@
           <a:p>
             <a:fld id="{02A6C647-4F39-4E22-BFA0-7A057A8C404A}" type="datetimeFigureOut">
               <a:rPr lang="nl-NL" smtClean="0"/>
-              <a:t>9-11-2020</a:t>
+              <a:t>10-11-2020</a:t>
             </a:fld>
             <a:endParaRPr lang="nl-NL"/>
           </a:p>
@@ -2771,7 +2771,7 @@
           <a:p>
             <a:fld id="{02A6C647-4F39-4E22-BFA0-7A057A8C404A}" type="datetimeFigureOut">
               <a:rPr lang="nl-NL" smtClean="0"/>
-              <a:t>9-11-2020</a:t>
+              <a:t>10-11-2020</a:t>
             </a:fld>
             <a:endParaRPr lang="nl-NL"/>
           </a:p>
@@ -3012,7 +3012,7 @@
           <a:p>
             <a:fld id="{02A6C647-4F39-4E22-BFA0-7A057A8C404A}" type="datetimeFigureOut">
               <a:rPr lang="nl-NL" smtClean="0"/>
-              <a:t>9-11-2020</a:t>
+              <a:t>10-11-2020</a:t>
             </a:fld>
             <a:endParaRPr lang="nl-NL"/>
           </a:p>
@@ -5159,7 +5159,7 @@
                   <a:schemeClr val="accent1"/>
                 </a:solidFill>
               </a:rPr>
-              <a:t>van huidige GIO (</a:t>
+              <a:t>van huidige GIO ‘Centrumgebied’ (</a:t>
             </a:r>
             <a:r>
               <a:rPr lang="nl-NL" i="1" dirty="0" err="1">
@@ -5186,7 +5186,23 @@
                   <a:schemeClr val="accent1"/>
                 </a:solidFill>
               </a:rPr>
-              <a:t>Toevoegen nieuwe GIO (</a:t>
+              <a:t>Toevoegen nieuwe GIO ‘</a:t>
+            </a:r>
+            <a:r>
+              <a:rPr lang="nl-NL">
+                <a:solidFill>
+                  <a:schemeClr val="accent1"/>
+                </a:solidFill>
+              </a:rPr>
+              <a:t>Nieuw centrumgebied’ </a:t>
+            </a:r>
+            <a:r>
+              <a:rPr lang="nl-NL" dirty="0">
+                <a:solidFill>
+                  <a:schemeClr val="accent1"/>
+                </a:solidFill>
+              </a:rPr>
+              <a:t>(</a:t>
             </a:r>
             <a:r>
               <a:rPr lang="nl-NL" i="1" dirty="0" err="1">
@@ -9608,6 +9624,12 @@
 </file>
 
 <file path=customXml/item1.xml><?xml version="1.0" encoding="utf-8"?>
+<p:properties xmlns:p="http://schemas.microsoft.com/office/2006/metadata/properties" xmlns:xsi="http://www.w3.org/2001/XMLSchema-instance" xmlns:pc="http://schemas.microsoft.com/office/infopath/2007/PartnerControls">
+  <documentManagement/>
+</p:properties>
+</file>
+
+<file path=customXml/item2.xml><?xml version="1.0" encoding="utf-8"?>
 <ct:contentTypeSchema xmlns:ct="http://schemas.microsoft.com/office/2006/metadata/contentType" xmlns:ma="http://schemas.microsoft.com/office/2006/metadata/properties/metaAttributes" ct:_="" ma:_="" ma:contentTypeName="Document" ma:contentTypeID="0x0101003ADD3040E3157B4E913BCA65F34844D7" ma:contentTypeVersion="10" ma:contentTypeDescription="Een nieuw document maken." ma:contentTypeScope="" ma:versionID="c1765059aa1475931adc12138fdcfd8c">
   <xsd:schema xmlns:xsd="http://www.w3.org/2001/XMLSchema" xmlns:xs="http://www.w3.org/2001/XMLSchema" xmlns:p="http://schemas.microsoft.com/office/2006/metadata/properties" xmlns:ns2="aafb19fa-82be-411d-a6df-c75e9235a4ea" xmlns:ns3="3dfebdfe-2b22-40ba-8672-9fbc9b4066c4" targetNamespace="http://schemas.microsoft.com/office/2006/metadata/properties" ma:root="true" ma:fieldsID="42d79c55539af1f9f274032ce6041302" ns2:_="" ns3:_="">
     <xsd:import namespace="aafb19fa-82be-411d-a6df-c75e9235a4ea"/>
@@ -9810,12 +9832,6 @@
 </ct:contentTypeSchema>
 </file>
 
-<file path=customXml/item2.xml><?xml version="1.0" encoding="utf-8"?>
-<p:properties xmlns:p="http://schemas.microsoft.com/office/2006/metadata/properties" xmlns:xsi="http://www.w3.org/2001/XMLSchema-instance" xmlns:pc="http://schemas.microsoft.com/office/infopath/2007/PartnerControls">
-  <documentManagement/>
-</p:properties>
-</file>
-
 <file path=customXml/item3.xml><?xml version="1.0" encoding="utf-8"?>
 <?mso-contentType ?>
 <FormTemplates xmlns="http://schemas.microsoft.com/sharepoint/v3/contenttype/forms">
@@ -9826,6 +9842,23 @@
 </file>
 
 <file path=customXml/itemProps1.xml><?xml version="1.0" encoding="utf-8"?>
+<ds:datastoreItem xmlns:ds="http://schemas.openxmlformats.org/officeDocument/2006/customXml" ds:itemID="{44F744C1-7216-4F24-AF2B-C028C1AC510B}">
+  <ds:schemaRefs>
+    <ds:schemaRef ds:uri="http://purl.org/dc/elements/1.1/"/>
+    <ds:schemaRef ds:uri="http://purl.org/dc/terms/"/>
+    <ds:schemaRef ds:uri="3dfebdfe-2b22-40ba-8672-9fbc9b4066c4"/>
+    <ds:schemaRef ds:uri="http://www.w3.org/XML/1998/namespace"/>
+    <ds:schemaRef ds:uri="http://schemas.microsoft.com/office/2006/documentManagement/types"/>
+    <ds:schemaRef ds:uri="http://schemas.microsoft.com/office/2006/metadata/properties"/>
+    <ds:schemaRef ds:uri="http://purl.org/dc/dcmitype/"/>
+    <ds:schemaRef ds:uri="http://schemas.microsoft.com/office/infopath/2007/PartnerControls"/>
+    <ds:schemaRef ds:uri="http://schemas.openxmlformats.org/package/2006/metadata/core-properties"/>
+    <ds:schemaRef ds:uri="aafb19fa-82be-411d-a6df-c75e9235a4ea"/>
+  </ds:schemaRefs>
+</ds:datastoreItem>
+</file>
+
+<file path=customXml/itemProps2.xml><?xml version="1.0" encoding="utf-8"?>
 <ds:datastoreItem xmlns:ds="http://schemas.openxmlformats.org/officeDocument/2006/customXml" ds:itemID="{86B9146A-7E8D-43BD-BCDA-EAF916D7BF88}">
   <ds:schemaRefs>
     <ds:schemaRef ds:uri="http://schemas.microsoft.com/office/2006/metadata/contentType"/>
@@ -9844,23 +9877,6 @@
 </ds:datastoreItem>
 </file>
 
-<file path=customXml/itemProps2.xml><?xml version="1.0" encoding="utf-8"?>
-<ds:datastoreItem xmlns:ds="http://schemas.openxmlformats.org/officeDocument/2006/customXml" ds:itemID="{44F744C1-7216-4F24-AF2B-C028C1AC510B}">
-  <ds:schemaRefs>
-    <ds:schemaRef ds:uri="http://purl.org/dc/elements/1.1/"/>
-    <ds:schemaRef ds:uri="http://purl.org/dc/terms/"/>
-    <ds:schemaRef ds:uri="3dfebdfe-2b22-40ba-8672-9fbc9b4066c4"/>
-    <ds:schemaRef ds:uri="http://www.w3.org/XML/1998/namespace"/>
-    <ds:schemaRef ds:uri="http://schemas.microsoft.com/office/2006/documentManagement/types"/>
-    <ds:schemaRef ds:uri="http://schemas.microsoft.com/office/2006/metadata/properties"/>
-    <ds:schemaRef ds:uri="http://purl.org/dc/dcmitype/"/>
-    <ds:schemaRef ds:uri="http://schemas.microsoft.com/office/infopath/2007/PartnerControls"/>
-    <ds:schemaRef ds:uri="http://schemas.openxmlformats.org/package/2006/metadata/core-properties"/>
-    <ds:schemaRef ds:uri="aafb19fa-82be-411d-a6df-c75e9235a4ea"/>
-  </ds:schemaRefs>
-</ds:datastoreItem>
-</file>
-
 <file path=customXml/itemProps3.xml><?xml version="1.0" encoding="utf-8"?>
 <ds:datastoreItem xmlns:ds="http://schemas.openxmlformats.org/officeDocument/2006/customXml" ds:itemID="{F8CFDD08-2AF3-45C0-9BFB-55C0CB45D846}">
   <ds:schemaRefs>

--- a/Submutatiescenario_s.pptx
+++ b/Submutatiescenario_s.pptx
@@ -362,7 +362,7 @@
           <a:p>
             <a:fld id="{02A6C647-4F39-4E22-BFA0-7A057A8C404A}" type="datetimeFigureOut">
               <a:rPr lang="nl-NL" smtClean="0"/>
-              <a:t>10-11-2020</a:t>
+              <a:t>11-11-2020</a:t>
             </a:fld>
             <a:endParaRPr lang="nl-NL"/>
           </a:p>
@@ -560,7 +560,7 @@
           <a:p>
             <a:fld id="{02A6C647-4F39-4E22-BFA0-7A057A8C404A}" type="datetimeFigureOut">
               <a:rPr lang="nl-NL" smtClean="0"/>
-              <a:t>10-11-2020</a:t>
+              <a:t>11-11-2020</a:t>
             </a:fld>
             <a:endParaRPr lang="nl-NL"/>
           </a:p>
@@ -768,7 +768,7 @@
           <a:p>
             <a:fld id="{02A6C647-4F39-4E22-BFA0-7A057A8C404A}" type="datetimeFigureOut">
               <a:rPr lang="nl-NL" smtClean="0"/>
-              <a:t>10-11-2020</a:t>
+              <a:t>11-11-2020</a:t>
             </a:fld>
             <a:endParaRPr lang="nl-NL"/>
           </a:p>
@@ -966,7 +966,7 @@
           <a:p>
             <a:fld id="{02A6C647-4F39-4E22-BFA0-7A057A8C404A}" type="datetimeFigureOut">
               <a:rPr lang="nl-NL" smtClean="0"/>
-              <a:t>10-11-2020</a:t>
+              <a:t>11-11-2020</a:t>
             </a:fld>
             <a:endParaRPr lang="nl-NL"/>
           </a:p>
@@ -1241,7 +1241,7 @@
           <a:p>
             <a:fld id="{02A6C647-4F39-4E22-BFA0-7A057A8C404A}" type="datetimeFigureOut">
               <a:rPr lang="nl-NL" smtClean="0"/>
-              <a:t>10-11-2020</a:t>
+              <a:t>11-11-2020</a:t>
             </a:fld>
             <a:endParaRPr lang="nl-NL"/>
           </a:p>
@@ -1506,7 +1506,7 @@
           <a:p>
             <a:fld id="{02A6C647-4F39-4E22-BFA0-7A057A8C404A}" type="datetimeFigureOut">
               <a:rPr lang="nl-NL" smtClean="0"/>
-              <a:t>10-11-2020</a:t>
+              <a:t>11-11-2020</a:t>
             </a:fld>
             <a:endParaRPr lang="nl-NL"/>
           </a:p>
@@ -1918,7 +1918,7 @@
           <a:p>
             <a:fld id="{02A6C647-4F39-4E22-BFA0-7A057A8C404A}" type="datetimeFigureOut">
               <a:rPr lang="nl-NL" smtClean="0"/>
-              <a:t>10-11-2020</a:t>
+              <a:t>11-11-2020</a:t>
             </a:fld>
             <a:endParaRPr lang="nl-NL"/>
           </a:p>
@@ -2059,7 +2059,7 @@
           <a:p>
             <a:fld id="{02A6C647-4F39-4E22-BFA0-7A057A8C404A}" type="datetimeFigureOut">
               <a:rPr lang="nl-NL" smtClean="0"/>
-              <a:t>10-11-2020</a:t>
+              <a:t>11-11-2020</a:t>
             </a:fld>
             <a:endParaRPr lang="nl-NL"/>
           </a:p>
@@ -2172,7 +2172,7 @@
           <a:p>
             <a:fld id="{02A6C647-4F39-4E22-BFA0-7A057A8C404A}" type="datetimeFigureOut">
               <a:rPr lang="nl-NL" smtClean="0"/>
-              <a:t>10-11-2020</a:t>
+              <a:t>11-11-2020</a:t>
             </a:fld>
             <a:endParaRPr lang="nl-NL"/>
           </a:p>
@@ -2483,7 +2483,7 @@
           <a:p>
             <a:fld id="{02A6C647-4F39-4E22-BFA0-7A057A8C404A}" type="datetimeFigureOut">
               <a:rPr lang="nl-NL" smtClean="0"/>
-              <a:t>10-11-2020</a:t>
+              <a:t>11-11-2020</a:t>
             </a:fld>
             <a:endParaRPr lang="nl-NL"/>
           </a:p>
@@ -2771,7 +2771,7 @@
           <a:p>
             <a:fld id="{02A6C647-4F39-4E22-BFA0-7A057A8C404A}" type="datetimeFigureOut">
               <a:rPr lang="nl-NL" smtClean="0"/>
-              <a:t>10-11-2020</a:t>
+              <a:t>11-11-2020</a:t>
             </a:fld>
             <a:endParaRPr lang="nl-NL"/>
           </a:p>
@@ -3012,7 +3012,7 @@
           <a:p>
             <a:fld id="{02A6C647-4F39-4E22-BFA0-7A057A8C404A}" type="datetimeFigureOut">
               <a:rPr lang="nl-NL" smtClean="0"/>
-              <a:t>10-11-2020</a:t>
+              <a:t>11-11-2020</a:t>
             </a:fld>
             <a:endParaRPr lang="nl-NL"/>
           </a:p>
@@ -5186,23 +5186,7 @@
                   <a:schemeClr val="accent1"/>
                 </a:solidFill>
               </a:rPr>
-              <a:t>Toevoegen nieuwe GIO ‘</a:t>
-            </a:r>
-            <a:r>
-              <a:rPr lang="nl-NL">
-                <a:solidFill>
-                  <a:schemeClr val="accent1"/>
-                </a:solidFill>
-              </a:rPr>
-              <a:t>Nieuw centrumgebied’ </a:t>
-            </a:r>
-            <a:r>
-              <a:rPr lang="nl-NL" dirty="0">
-                <a:solidFill>
-                  <a:schemeClr val="accent1"/>
-                </a:solidFill>
-              </a:rPr>
-              <a:t>(</a:t>
+              <a:t>Toevoegen nieuwe GIO ‘Nieuw centrumgebied’ (</a:t>
             </a:r>
             <a:r>
               <a:rPr lang="nl-NL" i="1" dirty="0" err="1">
@@ -5274,6 +5258,78 @@
           </a:p>
         </p:txBody>
       </p:sp>
+      <p:pic>
+        <p:nvPicPr>
+          <p:cNvPr id="5" name="Afbeelding 4">
+            <a:extLst>
+              <a:ext uri="{FF2B5EF4-FFF2-40B4-BE49-F238E27FC236}">
+                <a16:creationId xmlns:a16="http://schemas.microsoft.com/office/drawing/2014/main" id="{E3D3F353-3F50-4D44-B564-CDADEE1E1295}"/>
+              </a:ext>
+            </a:extLst>
+          </p:cNvPr>
+          <p:cNvPicPr>
+            <a:picLocks noChangeAspect="1"/>
+          </p:cNvPicPr>
+          <p:nvPr/>
+        </p:nvPicPr>
+        <p:blipFill>
+          <a:blip r:embed="rId2">
+            <a:extLst>
+              <a:ext uri="{28A0092B-C50C-407E-A947-70E740481C1C}">
+                <a14:useLocalDpi xmlns:a14="http://schemas.microsoft.com/office/drawing/2010/main" val="0"/>
+              </a:ext>
+            </a:extLst>
+          </a:blip>
+          <a:stretch>
+            <a:fillRect/>
+          </a:stretch>
+        </p:blipFill>
+        <p:spPr>
+          <a:xfrm>
+            <a:off x="9990020" y="169462"/>
+            <a:ext cx="1863726" cy="1232324"/>
+          </a:xfrm>
+          <a:prstGeom prst="rect">
+            <a:avLst/>
+          </a:prstGeom>
+        </p:spPr>
+      </p:pic>
+      <p:pic>
+        <p:nvPicPr>
+          <p:cNvPr id="7" name="Afbeelding 6">
+            <a:extLst>
+              <a:ext uri="{FF2B5EF4-FFF2-40B4-BE49-F238E27FC236}">
+                <a16:creationId xmlns:a16="http://schemas.microsoft.com/office/drawing/2014/main" id="{9E4B932A-E8BA-4402-8760-7F4E0B10D871}"/>
+              </a:ext>
+            </a:extLst>
+          </p:cNvPr>
+          <p:cNvPicPr>
+            <a:picLocks noChangeAspect="1"/>
+          </p:cNvPicPr>
+          <p:nvPr/>
+        </p:nvPicPr>
+        <p:blipFill>
+          <a:blip r:embed="rId3">
+            <a:extLst>
+              <a:ext uri="{28A0092B-C50C-407E-A947-70E740481C1C}">
+                <a14:useLocalDpi xmlns:a14="http://schemas.microsoft.com/office/drawing/2010/main" val="0"/>
+              </a:ext>
+            </a:extLst>
+          </a:blip>
+          <a:stretch>
+            <a:fillRect/>
+          </a:stretch>
+        </p:blipFill>
+        <p:spPr>
+          <a:xfrm>
+            <a:off x="9990016" y="1401786"/>
+            <a:ext cx="1863728" cy="1232325"/>
+          </a:xfrm>
+          <a:prstGeom prst="rect">
+            <a:avLst/>
+          </a:prstGeom>
+        </p:spPr>
+      </p:pic>
     </p:spTree>
     <p:extLst>
       <p:ext uri="{BB962C8B-B14F-4D97-AF65-F5344CB8AC3E}">
@@ -9624,12 +9680,6 @@
 </file>
 
 <file path=customXml/item1.xml><?xml version="1.0" encoding="utf-8"?>
-<p:properties xmlns:p="http://schemas.microsoft.com/office/2006/metadata/properties" xmlns:xsi="http://www.w3.org/2001/XMLSchema-instance" xmlns:pc="http://schemas.microsoft.com/office/infopath/2007/PartnerControls">
-  <documentManagement/>
-</p:properties>
-</file>
-
-<file path=customXml/item2.xml><?xml version="1.0" encoding="utf-8"?>
 <ct:contentTypeSchema xmlns:ct="http://schemas.microsoft.com/office/2006/metadata/contentType" xmlns:ma="http://schemas.microsoft.com/office/2006/metadata/properties/metaAttributes" ct:_="" ma:_="" ma:contentTypeName="Document" ma:contentTypeID="0x0101003ADD3040E3157B4E913BCA65F34844D7" ma:contentTypeVersion="10" ma:contentTypeDescription="Een nieuw document maken." ma:contentTypeScope="" ma:versionID="c1765059aa1475931adc12138fdcfd8c">
   <xsd:schema xmlns:xsd="http://www.w3.org/2001/XMLSchema" xmlns:xs="http://www.w3.org/2001/XMLSchema" xmlns:p="http://schemas.microsoft.com/office/2006/metadata/properties" xmlns:ns2="aafb19fa-82be-411d-a6df-c75e9235a4ea" xmlns:ns3="3dfebdfe-2b22-40ba-8672-9fbc9b4066c4" targetNamespace="http://schemas.microsoft.com/office/2006/metadata/properties" ma:root="true" ma:fieldsID="42d79c55539af1f9f274032ce6041302" ns2:_="" ns3:_="">
     <xsd:import namespace="aafb19fa-82be-411d-a6df-c75e9235a4ea"/>
@@ -9832,6 +9882,12 @@
 </ct:contentTypeSchema>
 </file>
 
+<file path=customXml/item2.xml><?xml version="1.0" encoding="utf-8"?>
+<p:properties xmlns:p="http://schemas.microsoft.com/office/2006/metadata/properties" xmlns:xsi="http://www.w3.org/2001/XMLSchema-instance" xmlns:pc="http://schemas.microsoft.com/office/infopath/2007/PartnerControls">
+  <documentManagement/>
+</p:properties>
+</file>
+
 <file path=customXml/item3.xml><?xml version="1.0" encoding="utf-8"?>
 <?mso-contentType ?>
 <FormTemplates xmlns="http://schemas.microsoft.com/sharepoint/v3/contenttype/forms">
@@ -9842,23 +9898,6 @@
 </file>
 
 <file path=customXml/itemProps1.xml><?xml version="1.0" encoding="utf-8"?>
-<ds:datastoreItem xmlns:ds="http://schemas.openxmlformats.org/officeDocument/2006/customXml" ds:itemID="{44F744C1-7216-4F24-AF2B-C028C1AC510B}">
-  <ds:schemaRefs>
-    <ds:schemaRef ds:uri="http://purl.org/dc/elements/1.1/"/>
-    <ds:schemaRef ds:uri="http://purl.org/dc/terms/"/>
-    <ds:schemaRef ds:uri="3dfebdfe-2b22-40ba-8672-9fbc9b4066c4"/>
-    <ds:schemaRef ds:uri="http://www.w3.org/XML/1998/namespace"/>
-    <ds:schemaRef ds:uri="http://schemas.microsoft.com/office/2006/documentManagement/types"/>
-    <ds:schemaRef ds:uri="http://schemas.microsoft.com/office/2006/metadata/properties"/>
-    <ds:schemaRef ds:uri="http://purl.org/dc/dcmitype/"/>
-    <ds:schemaRef ds:uri="http://schemas.microsoft.com/office/infopath/2007/PartnerControls"/>
-    <ds:schemaRef ds:uri="http://schemas.openxmlformats.org/package/2006/metadata/core-properties"/>
-    <ds:schemaRef ds:uri="aafb19fa-82be-411d-a6df-c75e9235a4ea"/>
-  </ds:schemaRefs>
-</ds:datastoreItem>
-</file>
-
-<file path=customXml/itemProps2.xml><?xml version="1.0" encoding="utf-8"?>
 <ds:datastoreItem xmlns:ds="http://schemas.openxmlformats.org/officeDocument/2006/customXml" ds:itemID="{86B9146A-7E8D-43BD-BCDA-EAF916D7BF88}">
   <ds:schemaRefs>
     <ds:schemaRef ds:uri="http://schemas.microsoft.com/office/2006/metadata/contentType"/>
@@ -9877,6 +9916,23 @@
 </ds:datastoreItem>
 </file>
 
+<file path=customXml/itemProps2.xml><?xml version="1.0" encoding="utf-8"?>
+<ds:datastoreItem xmlns:ds="http://schemas.openxmlformats.org/officeDocument/2006/customXml" ds:itemID="{44F744C1-7216-4F24-AF2B-C028C1AC510B}">
+  <ds:schemaRefs>
+    <ds:schemaRef ds:uri="http://purl.org/dc/elements/1.1/"/>
+    <ds:schemaRef ds:uri="http://purl.org/dc/terms/"/>
+    <ds:schemaRef ds:uri="3dfebdfe-2b22-40ba-8672-9fbc9b4066c4"/>
+    <ds:schemaRef ds:uri="http://www.w3.org/XML/1998/namespace"/>
+    <ds:schemaRef ds:uri="http://schemas.microsoft.com/office/2006/documentManagement/types"/>
+    <ds:schemaRef ds:uri="http://schemas.microsoft.com/office/2006/metadata/properties"/>
+    <ds:schemaRef ds:uri="http://purl.org/dc/dcmitype/"/>
+    <ds:schemaRef ds:uri="http://schemas.microsoft.com/office/infopath/2007/PartnerControls"/>
+    <ds:schemaRef ds:uri="http://schemas.openxmlformats.org/package/2006/metadata/core-properties"/>
+    <ds:schemaRef ds:uri="aafb19fa-82be-411d-a6df-c75e9235a4ea"/>
+  </ds:schemaRefs>
+</ds:datastoreItem>
+</file>
+
 <file path=customXml/itemProps3.xml><?xml version="1.0" encoding="utf-8"?>
 <ds:datastoreItem xmlns:ds="http://schemas.openxmlformats.org/officeDocument/2006/customXml" ds:itemID="{F8CFDD08-2AF3-45C0-9BFB-55C0CB45D846}">
   <ds:schemaRefs>

--- a/Submutatiescenario_s.pptx
+++ b/Submutatiescenario_s.pptx
@@ -4,33 +4,40 @@
   <p:sldMasterIdLst>
     <p:sldMasterId id="2147483648" r:id="rId4"/>
   </p:sldMasterIdLst>
+  <p:notesMasterIdLst>
+    <p:notesMasterId r:id="rId35"/>
+  </p:notesMasterIdLst>
   <p:sldIdLst>
     <p:sldId id="256" r:id="rId5"/>
     <p:sldId id="257" r:id="rId6"/>
-    <p:sldId id="263" r:id="rId7"/>
-    <p:sldId id="264" r:id="rId8"/>
-    <p:sldId id="278" r:id="rId9"/>
-    <p:sldId id="290" r:id="rId10"/>
-    <p:sldId id="289" r:id="rId11"/>
-    <p:sldId id="293" r:id="rId12"/>
-    <p:sldId id="266" r:id="rId13"/>
-    <p:sldId id="265" r:id="rId14"/>
-    <p:sldId id="282" r:id="rId15"/>
-    <p:sldId id="268" r:id="rId16"/>
-    <p:sldId id="269" r:id="rId17"/>
-    <p:sldId id="270" r:id="rId18"/>
-    <p:sldId id="271" r:id="rId19"/>
-    <p:sldId id="273" r:id="rId20"/>
-    <p:sldId id="274" r:id="rId21"/>
-    <p:sldId id="272" r:id="rId22"/>
-    <p:sldId id="291" r:id="rId23"/>
-    <p:sldId id="285" r:id="rId24"/>
-    <p:sldId id="286" r:id="rId25"/>
-    <p:sldId id="287" r:id="rId26"/>
-    <p:sldId id="288" r:id="rId27"/>
-    <p:sldId id="284" r:id="rId28"/>
-    <p:sldId id="292" r:id="rId29"/>
-    <p:sldId id="280" r:id="rId30"/>
+    <p:sldId id="297" r:id="rId7"/>
+    <p:sldId id="263" r:id="rId8"/>
+    <p:sldId id="264" r:id="rId9"/>
+    <p:sldId id="278" r:id="rId10"/>
+    <p:sldId id="295" r:id="rId11"/>
+    <p:sldId id="296" r:id="rId12"/>
+    <p:sldId id="294" r:id="rId13"/>
+    <p:sldId id="290" r:id="rId14"/>
+    <p:sldId id="289" r:id="rId15"/>
+    <p:sldId id="293" r:id="rId16"/>
+    <p:sldId id="266" r:id="rId17"/>
+    <p:sldId id="265" r:id="rId18"/>
+    <p:sldId id="282" r:id="rId19"/>
+    <p:sldId id="268" r:id="rId20"/>
+    <p:sldId id="269" r:id="rId21"/>
+    <p:sldId id="270" r:id="rId22"/>
+    <p:sldId id="271" r:id="rId23"/>
+    <p:sldId id="273" r:id="rId24"/>
+    <p:sldId id="274" r:id="rId25"/>
+    <p:sldId id="272" r:id="rId26"/>
+    <p:sldId id="291" r:id="rId27"/>
+    <p:sldId id="285" r:id="rId28"/>
+    <p:sldId id="286" r:id="rId29"/>
+    <p:sldId id="287" r:id="rId30"/>
+    <p:sldId id="288" r:id="rId31"/>
+    <p:sldId id="284" r:id="rId32"/>
+    <p:sldId id="292" r:id="rId33"/>
+    <p:sldId id="280" r:id="rId34"/>
   </p:sldIdLst>
   <p:sldSz cx="12192000" cy="6858000"/>
   <p:notesSz cx="6858000" cy="9144000"/>
@@ -153,6 +160,13 @@
       </p:ext>
     </p:extLst>
   </p:cmAuthor>
+  <p:cmAuthor id="3" name="Richard de Graaf" initials="RdG" lastIdx="1" clrIdx="2">
+    <p:extLst>
+      <p:ext uri="{19B8F6BF-5375-455C-9EA6-DF929625EA0E}">
+        <p15:presenceInfo xmlns:p15="http://schemas.microsoft.com/office/powerpoint/2012/main" userId="S::richard.degraaf@vm-advies.nl::aab757a3-1554-4a93-8025-f5ff90f7f2e0" providerId="AD"/>
+      </p:ext>
+    </p:extLst>
+  </p:cmAuthor>
 </p:cmAuthorLst>
 </file>
 
@@ -213,6 +227,439 @@
     </p:extLst>
   </p:cm>
 </p:cmLst>
+</file>
+
+<file path=ppt/notesMasters/notesMaster1.xml><?xml version="1.0" encoding="utf-8"?>
+<p:notesMaster xmlns:a="http://schemas.openxmlformats.org/drawingml/2006/main" xmlns:r="http://schemas.openxmlformats.org/officeDocument/2006/relationships" xmlns:p="http://schemas.openxmlformats.org/presentationml/2006/main">
+  <p:cSld>
+    <p:bg>
+      <p:bgRef idx="1001">
+        <a:schemeClr val="bg1"/>
+      </p:bgRef>
+    </p:bg>
+    <p:spTree>
+      <p:nvGrpSpPr>
+        <p:cNvPr id="1" name=""/>
+        <p:cNvGrpSpPr/>
+        <p:nvPr/>
+      </p:nvGrpSpPr>
+      <p:grpSpPr>
+        <a:xfrm>
+          <a:off x="0" y="0"/>
+          <a:ext cx="0" cy="0"/>
+          <a:chOff x="0" y="0"/>
+          <a:chExt cx="0" cy="0"/>
+        </a:xfrm>
+      </p:grpSpPr>
+      <p:sp>
+        <p:nvSpPr>
+          <p:cNvPr id="2" name="Tijdelijke aanduiding voor koptekst 1"/>
+          <p:cNvSpPr>
+            <a:spLocks noGrp="1"/>
+          </p:cNvSpPr>
+          <p:nvPr>
+            <p:ph type="hdr" sz="quarter"/>
+          </p:nvPr>
+        </p:nvSpPr>
+        <p:spPr>
+          <a:xfrm>
+            <a:off x="0" y="0"/>
+            <a:ext cx="2971800" cy="458788"/>
+          </a:xfrm>
+          <a:prstGeom prst="rect">
+            <a:avLst/>
+          </a:prstGeom>
+        </p:spPr>
+        <p:txBody>
+          <a:bodyPr vert="horz" lIns="91440" tIns="45720" rIns="91440" bIns="45720" rtlCol="0"/>
+          <a:lstStyle>
+            <a:lvl1pPr algn="l">
+              <a:defRPr sz="1200"/>
+            </a:lvl1pPr>
+          </a:lstStyle>
+          <a:p>
+            <a:endParaRPr lang="nl-NL"/>
+          </a:p>
+        </p:txBody>
+      </p:sp>
+      <p:sp>
+        <p:nvSpPr>
+          <p:cNvPr id="3" name="Tijdelijke aanduiding voor datum 2"/>
+          <p:cNvSpPr>
+            <a:spLocks noGrp="1"/>
+          </p:cNvSpPr>
+          <p:nvPr>
+            <p:ph type="dt" idx="1"/>
+          </p:nvPr>
+        </p:nvSpPr>
+        <p:spPr>
+          <a:xfrm>
+            <a:off x="3884613" y="0"/>
+            <a:ext cx="2971800" cy="458788"/>
+          </a:xfrm>
+          <a:prstGeom prst="rect">
+            <a:avLst/>
+          </a:prstGeom>
+        </p:spPr>
+        <p:txBody>
+          <a:bodyPr vert="horz" lIns="91440" tIns="45720" rIns="91440" bIns="45720" rtlCol="0"/>
+          <a:lstStyle>
+            <a:lvl1pPr algn="r">
+              <a:defRPr sz="1200"/>
+            </a:lvl1pPr>
+          </a:lstStyle>
+          <a:p>
+            <a:fld id="{2888003D-D75C-40B0-9BFD-C77ECDD13631}" type="datetimeFigureOut">
+              <a:rPr lang="nl-NL" smtClean="0"/>
+              <a:t>5-2-2021</a:t>
+            </a:fld>
+            <a:endParaRPr lang="nl-NL"/>
+          </a:p>
+        </p:txBody>
+      </p:sp>
+      <p:sp>
+        <p:nvSpPr>
+          <p:cNvPr id="4" name="Tijdelijke aanduiding voor dia-afbeelding 3"/>
+          <p:cNvSpPr>
+            <a:spLocks noGrp="1" noRot="1" noChangeAspect="1"/>
+          </p:cNvSpPr>
+          <p:nvPr>
+            <p:ph type="sldImg" idx="2"/>
+          </p:nvPr>
+        </p:nvSpPr>
+        <p:spPr>
+          <a:xfrm>
+            <a:off x="685800" y="1143000"/>
+            <a:ext cx="5486400" cy="3086100"/>
+          </a:xfrm>
+          <a:prstGeom prst="rect">
+            <a:avLst/>
+          </a:prstGeom>
+          <a:noFill/>
+          <a:ln w="12700">
+            <a:solidFill>
+              <a:prstClr val="black"/>
+            </a:solidFill>
+          </a:ln>
+        </p:spPr>
+        <p:txBody>
+          <a:bodyPr vert="horz" lIns="91440" tIns="45720" rIns="91440" bIns="45720" rtlCol="0" anchor="ctr"/>
+          <a:lstStyle/>
+          <a:p>
+            <a:endParaRPr lang="nl-NL"/>
+          </a:p>
+        </p:txBody>
+      </p:sp>
+      <p:sp>
+        <p:nvSpPr>
+          <p:cNvPr id="5" name="Tijdelijke aanduiding voor notities 4"/>
+          <p:cNvSpPr>
+            <a:spLocks noGrp="1"/>
+          </p:cNvSpPr>
+          <p:nvPr>
+            <p:ph type="body" sz="quarter" idx="3"/>
+          </p:nvPr>
+        </p:nvSpPr>
+        <p:spPr>
+          <a:xfrm>
+            <a:off x="685800" y="4400550"/>
+            <a:ext cx="5486400" cy="3600450"/>
+          </a:xfrm>
+          <a:prstGeom prst="rect">
+            <a:avLst/>
+          </a:prstGeom>
+        </p:spPr>
+        <p:txBody>
+          <a:bodyPr vert="horz" lIns="91440" tIns="45720" rIns="91440" bIns="45720" rtlCol="0"/>
+          <a:lstStyle/>
+          <a:p>
+            <a:pPr lvl="0"/>
+            <a:r>
+              <a:rPr lang="nl-NL"/>
+              <a:t>Klikken om de tekststijl van het model te bewerken</a:t>
+            </a:r>
+          </a:p>
+          <a:p>
+            <a:pPr lvl="1"/>
+            <a:r>
+              <a:rPr lang="nl-NL"/>
+              <a:t>Tweede niveau</a:t>
+            </a:r>
+          </a:p>
+          <a:p>
+            <a:pPr lvl="2"/>
+            <a:r>
+              <a:rPr lang="nl-NL"/>
+              <a:t>Derde niveau</a:t>
+            </a:r>
+          </a:p>
+          <a:p>
+            <a:pPr lvl="3"/>
+            <a:r>
+              <a:rPr lang="nl-NL"/>
+              <a:t>Vierde niveau</a:t>
+            </a:r>
+          </a:p>
+          <a:p>
+            <a:pPr lvl="4"/>
+            <a:r>
+              <a:rPr lang="nl-NL"/>
+              <a:t>Vijfde niveau</a:t>
+            </a:r>
+          </a:p>
+        </p:txBody>
+      </p:sp>
+      <p:sp>
+        <p:nvSpPr>
+          <p:cNvPr id="6" name="Tijdelijke aanduiding voor voettekst 5"/>
+          <p:cNvSpPr>
+            <a:spLocks noGrp="1"/>
+          </p:cNvSpPr>
+          <p:nvPr>
+            <p:ph type="ftr" sz="quarter" idx="4"/>
+          </p:nvPr>
+        </p:nvSpPr>
+        <p:spPr>
+          <a:xfrm>
+            <a:off x="0" y="8685213"/>
+            <a:ext cx="2971800" cy="458787"/>
+          </a:xfrm>
+          <a:prstGeom prst="rect">
+            <a:avLst/>
+          </a:prstGeom>
+        </p:spPr>
+        <p:txBody>
+          <a:bodyPr vert="horz" lIns="91440" tIns="45720" rIns="91440" bIns="45720" rtlCol="0" anchor="b"/>
+          <a:lstStyle>
+            <a:lvl1pPr algn="l">
+              <a:defRPr sz="1200"/>
+            </a:lvl1pPr>
+          </a:lstStyle>
+          <a:p>
+            <a:endParaRPr lang="nl-NL"/>
+          </a:p>
+        </p:txBody>
+      </p:sp>
+      <p:sp>
+        <p:nvSpPr>
+          <p:cNvPr id="7" name="Tijdelijke aanduiding voor dianummer 6"/>
+          <p:cNvSpPr>
+            <a:spLocks noGrp="1"/>
+          </p:cNvSpPr>
+          <p:nvPr>
+            <p:ph type="sldNum" sz="quarter" idx="5"/>
+          </p:nvPr>
+        </p:nvSpPr>
+        <p:spPr>
+          <a:xfrm>
+            <a:off x="3884613" y="8685213"/>
+            <a:ext cx="2971800" cy="458787"/>
+          </a:xfrm>
+          <a:prstGeom prst="rect">
+            <a:avLst/>
+          </a:prstGeom>
+        </p:spPr>
+        <p:txBody>
+          <a:bodyPr vert="horz" lIns="91440" tIns="45720" rIns="91440" bIns="45720" rtlCol="0" anchor="b"/>
+          <a:lstStyle>
+            <a:lvl1pPr algn="r">
+              <a:defRPr sz="1200"/>
+            </a:lvl1pPr>
+          </a:lstStyle>
+          <a:p>
+            <a:fld id="{6F87DBD9-0F19-45C0-B651-F6A6168026C7}" type="slidenum">
+              <a:rPr lang="nl-NL" smtClean="0"/>
+              <a:t>‹nr.›</a:t>
+            </a:fld>
+            <a:endParaRPr lang="nl-NL"/>
+          </a:p>
+        </p:txBody>
+      </p:sp>
+    </p:spTree>
+    <p:extLst>
+      <p:ext uri="{BB962C8B-B14F-4D97-AF65-F5344CB8AC3E}">
+        <p14:creationId xmlns:p14="http://schemas.microsoft.com/office/powerpoint/2010/main" val="2193696574"/>
+      </p:ext>
+    </p:extLst>
+  </p:cSld>
+  <p:clrMap bg1="lt1" tx1="dk1" bg2="lt2" tx2="dk2" accent1="accent1" accent2="accent2" accent3="accent3" accent4="accent4" accent5="accent5" accent6="accent6" hlink="hlink" folHlink="folHlink"/>
+  <p:notesStyle>
+    <a:lvl1pPr marL="0" algn="l" defTabSz="914400" rtl="0" eaLnBrk="1" latinLnBrk="0" hangingPunct="1">
+      <a:defRPr sz="1200" kern="1200">
+        <a:solidFill>
+          <a:schemeClr val="tx1"/>
+        </a:solidFill>
+        <a:latin typeface="+mn-lt"/>
+        <a:ea typeface="+mn-ea"/>
+        <a:cs typeface="+mn-cs"/>
+      </a:defRPr>
+    </a:lvl1pPr>
+    <a:lvl2pPr marL="457200" algn="l" defTabSz="914400" rtl="0" eaLnBrk="1" latinLnBrk="0" hangingPunct="1">
+      <a:defRPr sz="1200" kern="1200">
+        <a:solidFill>
+          <a:schemeClr val="tx1"/>
+        </a:solidFill>
+        <a:latin typeface="+mn-lt"/>
+        <a:ea typeface="+mn-ea"/>
+        <a:cs typeface="+mn-cs"/>
+      </a:defRPr>
+    </a:lvl2pPr>
+    <a:lvl3pPr marL="914400" algn="l" defTabSz="914400" rtl="0" eaLnBrk="1" latinLnBrk="0" hangingPunct="1">
+      <a:defRPr sz="1200" kern="1200">
+        <a:solidFill>
+          <a:schemeClr val="tx1"/>
+        </a:solidFill>
+        <a:latin typeface="+mn-lt"/>
+        <a:ea typeface="+mn-ea"/>
+        <a:cs typeface="+mn-cs"/>
+      </a:defRPr>
+    </a:lvl3pPr>
+    <a:lvl4pPr marL="1371600" algn="l" defTabSz="914400" rtl="0" eaLnBrk="1" latinLnBrk="0" hangingPunct="1">
+      <a:defRPr sz="1200" kern="1200">
+        <a:solidFill>
+          <a:schemeClr val="tx1"/>
+        </a:solidFill>
+        <a:latin typeface="+mn-lt"/>
+        <a:ea typeface="+mn-ea"/>
+        <a:cs typeface="+mn-cs"/>
+      </a:defRPr>
+    </a:lvl4pPr>
+    <a:lvl5pPr marL="1828800" algn="l" defTabSz="914400" rtl="0" eaLnBrk="1" latinLnBrk="0" hangingPunct="1">
+      <a:defRPr sz="1200" kern="1200">
+        <a:solidFill>
+          <a:schemeClr val="tx1"/>
+        </a:solidFill>
+        <a:latin typeface="+mn-lt"/>
+        <a:ea typeface="+mn-ea"/>
+        <a:cs typeface="+mn-cs"/>
+      </a:defRPr>
+    </a:lvl5pPr>
+    <a:lvl6pPr marL="2286000" algn="l" defTabSz="914400" rtl="0" eaLnBrk="1" latinLnBrk="0" hangingPunct="1">
+      <a:defRPr sz="1200" kern="1200">
+        <a:solidFill>
+          <a:schemeClr val="tx1"/>
+        </a:solidFill>
+        <a:latin typeface="+mn-lt"/>
+        <a:ea typeface="+mn-ea"/>
+        <a:cs typeface="+mn-cs"/>
+      </a:defRPr>
+    </a:lvl6pPr>
+    <a:lvl7pPr marL="2743200" algn="l" defTabSz="914400" rtl="0" eaLnBrk="1" latinLnBrk="0" hangingPunct="1">
+      <a:defRPr sz="1200" kern="1200">
+        <a:solidFill>
+          <a:schemeClr val="tx1"/>
+        </a:solidFill>
+        <a:latin typeface="+mn-lt"/>
+        <a:ea typeface="+mn-ea"/>
+        <a:cs typeface="+mn-cs"/>
+      </a:defRPr>
+    </a:lvl7pPr>
+    <a:lvl8pPr marL="3200400" algn="l" defTabSz="914400" rtl="0" eaLnBrk="1" latinLnBrk="0" hangingPunct="1">
+      <a:defRPr sz="1200" kern="1200">
+        <a:solidFill>
+          <a:schemeClr val="tx1"/>
+        </a:solidFill>
+        <a:latin typeface="+mn-lt"/>
+        <a:ea typeface="+mn-ea"/>
+        <a:cs typeface="+mn-cs"/>
+      </a:defRPr>
+    </a:lvl8pPr>
+    <a:lvl9pPr marL="3657600" algn="l" defTabSz="914400" rtl="0" eaLnBrk="1" latinLnBrk="0" hangingPunct="1">
+      <a:defRPr sz="1200" kern="1200">
+        <a:solidFill>
+          <a:schemeClr val="tx1"/>
+        </a:solidFill>
+        <a:latin typeface="+mn-lt"/>
+        <a:ea typeface="+mn-ea"/>
+        <a:cs typeface="+mn-cs"/>
+      </a:defRPr>
+    </a:lvl9pPr>
+  </p:notesStyle>
+</p:notesMaster>
+</file>
+
+<file path=ppt/notesSlides/notesSlide1.xml><?xml version="1.0" encoding="utf-8"?>
+<p:notes xmlns:a="http://schemas.openxmlformats.org/drawingml/2006/main" xmlns:r="http://schemas.openxmlformats.org/officeDocument/2006/relationships" xmlns:p="http://schemas.openxmlformats.org/presentationml/2006/main">
+  <p:cSld>
+    <p:spTree>
+      <p:nvGrpSpPr>
+        <p:cNvPr id="1" name=""/>
+        <p:cNvGrpSpPr/>
+        <p:nvPr/>
+      </p:nvGrpSpPr>
+      <p:grpSpPr>
+        <a:xfrm>
+          <a:off x="0" y="0"/>
+          <a:ext cx="0" cy="0"/>
+          <a:chOff x="0" y="0"/>
+          <a:chExt cx="0" cy="0"/>
+        </a:xfrm>
+      </p:grpSpPr>
+      <p:sp>
+        <p:nvSpPr>
+          <p:cNvPr id="2" name="Tijdelijke aanduiding voor dia-afbeelding 1"/>
+          <p:cNvSpPr>
+            <a:spLocks noGrp="1" noRot="1" noChangeAspect="1"/>
+          </p:cNvSpPr>
+          <p:nvPr>
+            <p:ph type="sldImg"/>
+          </p:nvPr>
+        </p:nvSpPr>
+        <p:spPr/>
+      </p:sp>
+      <p:sp>
+        <p:nvSpPr>
+          <p:cNvPr id="3" name="Tijdelijke aanduiding voor notities 2"/>
+          <p:cNvSpPr>
+            <a:spLocks noGrp="1"/>
+          </p:cNvSpPr>
+          <p:nvPr>
+            <p:ph type="body" idx="1"/>
+          </p:nvPr>
+        </p:nvSpPr>
+        <p:spPr/>
+        <p:txBody>
+          <a:bodyPr/>
+          <a:lstStyle/>
+          <a:p>
+            <a:endParaRPr lang="nl-NL" dirty="0"/>
+          </a:p>
+        </p:txBody>
+      </p:sp>
+      <p:sp>
+        <p:nvSpPr>
+          <p:cNvPr id="4" name="Tijdelijke aanduiding voor dianummer 3"/>
+          <p:cNvSpPr>
+            <a:spLocks noGrp="1"/>
+          </p:cNvSpPr>
+          <p:nvPr>
+            <p:ph type="sldNum" sz="quarter" idx="5"/>
+          </p:nvPr>
+        </p:nvSpPr>
+        <p:spPr/>
+        <p:txBody>
+          <a:bodyPr/>
+          <a:lstStyle/>
+          <a:p>
+            <a:fld id="{6F87DBD9-0F19-45C0-B651-F6A6168026C7}" type="slidenum">
+              <a:rPr lang="nl-NL" smtClean="0"/>
+              <a:t>9</a:t>
+            </a:fld>
+            <a:endParaRPr lang="nl-NL"/>
+          </a:p>
+        </p:txBody>
+      </p:sp>
+    </p:spTree>
+    <p:extLst>
+      <p:ext uri="{BB962C8B-B14F-4D97-AF65-F5344CB8AC3E}">
+        <p14:creationId xmlns:p14="http://schemas.microsoft.com/office/powerpoint/2010/main" val="2467235277"/>
+      </p:ext>
+    </p:extLst>
+  </p:cSld>
+  <p:clrMapOvr>
+    <a:masterClrMapping/>
+  </p:clrMapOvr>
+</p:notes>
 </file>
 
 <file path=ppt/slideLayouts/slideLayout1.xml><?xml version="1.0" encoding="utf-8"?>
@@ -362,7 +809,7 @@
           <a:p>
             <a:fld id="{02A6C647-4F39-4E22-BFA0-7A057A8C404A}" type="datetimeFigureOut">
               <a:rPr lang="nl-NL" smtClean="0"/>
-              <a:t>11-11-2020</a:t>
+              <a:t>4-2-2021</a:t>
             </a:fld>
             <a:endParaRPr lang="nl-NL"/>
           </a:p>
@@ -560,7 +1007,7 @@
           <a:p>
             <a:fld id="{02A6C647-4F39-4E22-BFA0-7A057A8C404A}" type="datetimeFigureOut">
               <a:rPr lang="nl-NL" smtClean="0"/>
-              <a:t>11-11-2020</a:t>
+              <a:t>4-2-2021</a:t>
             </a:fld>
             <a:endParaRPr lang="nl-NL"/>
           </a:p>
@@ -768,7 +1215,7 @@
           <a:p>
             <a:fld id="{02A6C647-4F39-4E22-BFA0-7A057A8C404A}" type="datetimeFigureOut">
               <a:rPr lang="nl-NL" smtClean="0"/>
-              <a:t>11-11-2020</a:t>
+              <a:t>4-2-2021</a:t>
             </a:fld>
             <a:endParaRPr lang="nl-NL"/>
           </a:p>
@@ -966,7 +1413,7 @@
           <a:p>
             <a:fld id="{02A6C647-4F39-4E22-BFA0-7A057A8C404A}" type="datetimeFigureOut">
               <a:rPr lang="nl-NL" smtClean="0"/>
-              <a:t>11-11-2020</a:t>
+              <a:t>4-2-2021</a:t>
             </a:fld>
             <a:endParaRPr lang="nl-NL"/>
           </a:p>
@@ -1241,7 +1688,7 @@
           <a:p>
             <a:fld id="{02A6C647-4F39-4E22-BFA0-7A057A8C404A}" type="datetimeFigureOut">
               <a:rPr lang="nl-NL" smtClean="0"/>
-              <a:t>11-11-2020</a:t>
+              <a:t>4-2-2021</a:t>
             </a:fld>
             <a:endParaRPr lang="nl-NL"/>
           </a:p>
@@ -1506,7 +1953,7 @@
           <a:p>
             <a:fld id="{02A6C647-4F39-4E22-BFA0-7A057A8C404A}" type="datetimeFigureOut">
               <a:rPr lang="nl-NL" smtClean="0"/>
-              <a:t>11-11-2020</a:t>
+              <a:t>4-2-2021</a:t>
             </a:fld>
             <a:endParaRPr lang="nl-NL"/>
           </a:p>
@@ -1918,7 +2365,7 @@
           <a:p>
             <a:fld id="{02A6C647-4F39-4E22-BFA0-7A057A8C404A}" type="datetimeFigureOut">
               <a:rPr lang="nl-NL" smtClean="0"/>
-              <a:t>11-11-2020</a:t>
+              <a:t>4-2-2021</a:t>
             </a:fld>
             <a:endParaRPr lang="nl-NL"/>
           </a:p>
@@ -2059,7 +2506,7 @@
           <a:p>
             <a:fld id="{02A6C647-4F39-4E22-BFA0-7A057A8C404A}" type="datetimeFigureOut">
               <a:rPr lang="nl-NL" smtClean="0"/>
-              <a:t>11-11-2020</a:t>
+              <a:t>4-2-2021</a:t>
             </a:fld>
             <a:endParaRPr lang="nl-NL"/>
           </a:p>
@@ -2172,7 +2619,7 @@
           <a:p>
             <a:fld id="{02A6C647-4F39-4E22-BFA0-7A057A8C404A}" type="datetimeFigureOut">
               <a:rPr lang="nl-NL" smtClean="0"/>
-              <a:t>11-11-2020</a:t>
+              <a:t>4-2-2021</a:t>
             </a:fld>
             <a:endParaRPr lang="nl-NL"/>
           </a:p>
@@ -2483,7 +2930,7 @@
           <a:p>
             <a:fld id="{02A6C647-4F39-4E22-BFA0-7A057A8C404A}" type="datetimeFigureOut">
               <a:rPr lang="nl-NL" smtClean="0"/>
-              <a:t>11-11-2020</a:t>
+              <a:t>4-2-2021</a:t>
             </a:fld>
             <a:endParaRPr lang="nl-NL"/>
           </a:p>
@@ -2771,7 +3218,7 @@
           <a:p>
             <a:fld id="{02A6C647-4F39-4E22-BFA0-7A057A8C404A}" type="datetimeFigureOut">
               <a:rPr lang="nl-NL" smtClean="0"/>
-              <a:t>11-11-2020</a:t>
+              <a:t>4-2-2021</a:t>
             </a:fld>
             <a:endParaRPr lang="nl-NL"/>
           </a:p>
@@ -3012,7 +3459,7 @@
           <a:p>
             <a:fld id="{02A6C647-4F39-4E22-BFA0-7A057A8C404A}" type="datetimeFigureOut">
               <a:rPr lang="nl-NL" smtClean="0"/>
-              <a:t>11-11-2020</a:t>
+              <a:t>4-2-2021</a:t>
             </a:fld>
             <a:endParaRPr lang="nl-NL"/>
           </a:p>
@@ -3445,14 +3892,26 @@
             <p:ph type="ctrTitle"/>
           </p:nvPr>
         </p:nvSpPr>
-        <p:spPr/>
+        <p:spPr>
+          <a:xfrm>
+            <a:off x="1524000" y="1122363"/>
+            <a:ext cx="8432800" cy="2387600"/>
+          </a:xfrm>
+        </p:spPr>
         <p:txBody>
           <a:bodyPr/>
           <a:lstStyle/>
           <a:p>
             <a:r>
               <a:rPr lang="nl-NL" dirty="0"/>
-              <a:t>Mutatiescenario’s in de keten</a:t>
+              <a:t>Mutatiescenario’s in de </a:t>
+            </a:r>
+            <a:br>
+              <a:rPr lang="nl-NL" dirty="0"/>
+            </a:br>
+            <a:r>
+              <a:rPr lang="nl-NL" dirty="0"/>
+              <a:t>DSO-keten</a:t>
             </a:r>
           </a:p>
         </p:txBody>
@@ -3471,6 +3930,596 @@
 </file>
 
 <file path=ppt/slides/slide10.xml><?xml version="1.0" encoding="utf-8"?>
+<p:sld xmlns:a="http://schemas.openxmlformats.org/drawingml/2006/main" xmlns:r="http://schemas.openxmlformats.org/officeDocument/2006/relationships" xmlns:p="http://schemas.openxmlformats.org/presentationml/2006/main">
+  <p:cSld>
+    <p:spTree>
+      <p:nvGrpSpPr>
+        <p:cNvPr id="1" name=""/>
+        <p:cNvGrpSpPr/>
+        <p:nvPr/>
+      </p:nvGrpSpPr>
+      <p:grpSpPr>
+        <a:xfrm>
+          <a:off x="0" y="0"/>
+          <a:ext cx="0" cy="0"/>
+          <a:chOff x="0" y="0"/>
+          <a:chExt cx="0" cy="0"/>
+        </a:xfrm>
+      </p:grpSpPr>
+      <p:sp>
+        <p:nvSpPr>
+          <p:cNvPr id="2" name="Titel 1">
+            <a:extLst>
+              <a:ext uri="{FF2B5EF4-FFF2-40B4-BE49-F238E27FC236}">
+                <a16:creationId xmlns:a16="http://schemas.microsoft.com/office/drawing/2014/main" id="{768FB16B-6690-4D0F-9A4F-8EB04CD6C7FE}"/>
+              </a:ext>
+            </a:extLst>
+          </p:cNvPr>
+          <p:cNvSpPr>
+            <a:spLocks noGrp="1"/>
+          </p:cNvSpPr>
+          <p:nvPr>
+            <p:ph type="title"/>
+          </p:nvPr>
+        </p:nvSpPr>
+        <p:spPr/>
+        <p:txBody>
+          <a:bodyPr/>
+          <a:lstStyle/>
+          <a:p>
+            <a:r>
+              <a:rPr lang="nl-NL" dirty="0"/>
+              <a:t>0) volledig intrekken en vervangen</a:t>
+            </a:r>
+          </a:p>
+        </p:txBody>
+      </p:sp>
+      <p:sp>
+        <p:nvSpPr>
+          <p:cNvPr id="3" name="Tijdelijke aanduiding voor inhoud 2">
+            <a:extLst>
+              <a:ext uri="{FF2B5EF4-FFF2-40B4-BE49-F238E27FC236}">
+                <a16:creationId xmlns:a16="http://schemas.microsoft.com/office/drawing/2014/main" id="{8364B8D8-230B-4E33-BB9E-EE4759FC7D1F}"/>
+              </a:ext>
+            </a:extLst>
+          </p:cNvPr>
+          <p:cNvSpPr>
+            <a:spLocks noGrp="1"/>
+          </p:cNvSpPr>
+          <p:nvPr>
+            <p:ph idx="1"/>
+          </p:nvPr>
+        </p:nvSpPr>
+        <p:spPr/>
+        <p:txBody>
+          <a:bodyPr>
+            <a:normAutofit lnSpcReduction="10000"/>
+          </a:bodyPr>
+          <a:lstStyle/>
+          <a:p>
+            <a:r>
+              <a:rPr lang="nl-NL" dirty="0"/>
+              <a:t>OP - Intrekken en vervangen van een regeling</a:t>
+            </a:r>
+          </a:p>
+          <a:p>
+            <a:pPr lvl="1"/>
+            <a:r>
+              <a:rPr lang="nl-NL" dirty="0"/>
+              <a:t>Toevoeging van tekst in </a:t>
+            </a:r>
+            <a:r>
+              <a:rPr lang="nl-NL" dirty="0">
+                <a:solidFill>
+                  <a:schemeClr val="accent1">
+                    <a:lumMod val="75000"/>
+                  </a:schemeClr>
+                </a:solidFill>
+              </a:rPr>
+              <a:t>Artikel 2.15</a:t>
+            </a:r>
+          </a:p>
+          <a:p>
+            <a:pPr lvl="2"/>
+            <a:r>
+              <a:rPr lang="nl-NL" dirty="0">
+                <a:solidFill>
+                  <a:srgbClr val="000000"/>
+                </a:solidFill>
+                <a:highlight>
+                  <a:srgbClr val="FFFFFF"/>
+                </a:highlight>
+              </a:rPr>
+              <a:t>Deze zin is om een afwijking te constateren met de initieel aangeleverde regeling.</a:t>
+            </a:r>
+          </a:p>
+          <a:p>
+            <a:pPr lvl="2"/>
+            <a:endParaRPr lang="nl-NL" dirty="0"/>
+          </a:p>
+          <a:p>
+            <a:r>
+              <a:rPr lang="nl-NL" dirty="0"/>
+              <a:t>OW – toevoegen van een annotatie</a:t>
+            </a:r>
+          </a:p>
+          <a:p>
+            <a:pPr lvl="1"/>
+            <a:r>
+              <a:rPr lang="nl-NL" dirty="0"/>
+              <a:t>Toevoeging van een annotatie bij </a:t>
+            </a:r>
+            <a:r>
+              <a:rPr lang="nl-NL" dirty="0">
+                <a:solidFill>
+                  <a:schemeClr val="accent1">
+                    <a:lumMod val="75000"/>
+                  </a:schemeClr>
+                </a:solidFill>
+              </a:rPr>
+              <a:t>Artikel 2.10</a:t>
+            </a:r>
+          </a:p>
+          <a:p>
+            <a:pPr lvl="2"/>
+            <a:r>
+              <a:rPr lang="nl-NL" dirty="0">
+                <a:solidFill>
+                  <a:schemeClr val="accent6">
+                    <a:lumMod val="75000"/>
+                  </a:schemeClr>
+                </a:solidFill>
+              </a:rPr>
+              <a:t>Activiteit</a:t>
+            </a:r>
+            <a:r>
+              <a:rPr lang="nl-NL" dirty="0"/>
+              <a:t> toegevoegd</a:t>
+            </a:r>
+          </a:p>
+          <a:p>
+            <a:pPr lvl="3"/>
+            <a:r>
+              <a:rPr lang="nl-NL" dirty="0">
+                <a:solidFill>
+                  <a:schemeClr val="accent6">
+                    <a:lumMod val="75000"/>
+                  </a:schemeClr>
+                </a:solidFill>
+              </a:rPr>
+              <a:t>Identificatie</a:t>
+            </a:r>
+            <a:r>
+              <a:rPr lang="nl-NL" dirty="0"/>
+              <a:t>: </a:t>
+            </a:r>
+            <a:r>
+              <a:rPr lang="nl-NL" dirty="0">
+                <a:solidFill>
+                  <a:srgbClr val="000000"/>
+                </a:solidFill>
+                <a:highlight>
+                  <a:srgbClr val="FFFFFF"/>
+                </a:highlight>
+              </a:rPr>
+              <a:t>nl.imow-gm0297.activiteit.2020000685</a:t>
+            </a:r>
+          </a:p>
+          <a:p>
+            <a:pPr lvl="3"/>
+            <a:r>
+              <a:rPr lang="nl-NL" dirty="0">
+                <a:solidFill>
+                  <a:schemeClr val="accent6">
+                    <a:lumMod val="75000"/>
+                  </a:schemeClr>
+                </a:solidFill>
+              </a:rPr>
+              <a:t>Naam</a:t>
+            </a:r>
+            <a:r>
+              <a:rPr lang="nl-NL" dirty="0"/>
+              <a:t>: </a:t>
+            </a:r>
+            <a:r>
+              <a:rPr lang="nl-NL" dirty="0">
+                <a:solidFill>
+                  <a:srgbClr val="000000"/>
+                </a:solidFill>
+                <a:highlight>
+                  <a:srgbClr val="FFFFFF"/>
+                </a:highlight>
+              </a:rPr>
+              <a:t>het exploiteren van een instelling voor cultuur en ontspanning</a:t>
+            </a:r>
+            <a:endParaRPr lang="nl-NL" dirty="0"/>
+          </a:p>
+          <a:p>
+            <a:pPr lvl="2"/>
+            <a:r>
+              <a:rPr lang="nl-NL" dirty="0" err="1"/>
+              <a:t>RegelVoorIedereen</a:t>
+            </a:r>
+            <a:endParaRPr lang="nl-NL" dirty="0"/>
+          </a:p>
+          <a:p>
+            <a:pPr lvl="3"/>
+            <a:r>
+              <a:rPr lang="nl-NL" dirty="0">
+                <a:solidFill>
+                  <a:schemeClr val="accent6">
+                    <a:lumMod val="75000"/>
+                  </a:schemeClr>
+                </a:solidFill>
+              </a:rPr>
+              <a:t>ActiviteitLocatieaanduiding </a:t>
+            </a:r>
+            <a:r>
+              <a:rPr lang="nl-NL" dirty="0"/>
+              <a:t>toegevoegd bij artikel 2.10</a:t>
+            </a:r>
+          </a:p>
+          <a:p>
+            <a:pPr lvl="4"/>
+            <a:r>
+              <a:rPr lang="nl-NL" dirty="0">
+                <a:solidFill>
+                  <a:schemeClr val="accent6">
+                    <a:lumMod val="75000"/>
+                  </a:schemeClr>
+                </a:solidFill>
+              </a:rPr>
+              <a:t>Locatie</a:t>
+            </a:r>
+            <a:r>
+              <a:rPr lang="nl-NL" dirty="0"/>
+              <a:t>: Centrumgebied</a:t>
+            </a:r>
+          </a:p>
+          <a:p>
+            <a:pPr lvl="4"/>
+            <a:r>
+              <a:rPr lang="nl-NL" dirty="0">
+                <a:solidFill>
+                  <a:schemeClr val="accent6">
+                    <a:lumMod val="75000"/>
+                  </a:schemeClr>
+                </a:solidFill>
+              </a:rPr>
+              <a:t>Kwalificatie</a:t>
+            </a:r>
+            <a:r>
+              <a:rPr lang="nl-NL" dirty="0"/>
+              <a:t>: Toegestaan</a:t>
+            </a:r>
+          </a:p>
+        </p:txBody>
+      </p:sp>
+    </p:spTree>
+    <p:extLst>
+      <p:ext uri="{BB962C8B-B14F-4D97-AF65-F5344CB8AC3E}">
+        <p14:creationId xmlns:p14="http://schemas.microsoft.com/office/powerpoint/2010/main" val="967536321"/>
+      </p:ext>
+    </p:extLst>
+  </p:cSld>
+  <p:clrMapOvr>
+    <a:masterClrMapping/>
+  </p:clrMapOvr>
+</p:sld>
+</file>
+
+<file path=ppt/slides/slide11.xml><?xml version="1.0" encoding="utf-8"?>
+<p:sld xmlns:a="http://schemas.openxmlformats.org/drawingml/2006/main" xmlns:r="http://schemas.openxmlformats.org/officeDocument/2006/relationships" xmlns:p="http://schemas.openxmlformats.org/presentationml/2006/main">
+  <p:cSld>
+    <p:spTree>
+      <p:nvGrpSpPr>
+        <p:cNvPr id="1" name=""/>
+        <p:cNvGrpSpPr/>
+        <p:nvPr/>
+      </p:nvGrpSpPr>
+      <p:grpSpPr>
+        <a:xfrm>
+          <a:off x="0" y="0"/>
+          <a:ext cx="0" cy="0"/>
+          <a:chOff x="0" y="0"/>
+          <a:chExt cx="0" cy="0"/>
+        </a:xfrm>
+      </p:grpSpPr>
+      <p:sp>
+        <p:nvSpPr>
+          <p:cNvPr id="2" name="Titel 1">
+            <a:extLst>
+              <a:ext uri="{FF2B5EF4-FFF2-40B4-BE49-F238E27FC236}">
+                <a16:creationId xmlns:a16="http://schemas.microsoft.com/office/drawing/2014/main" id="{A765CE5F-9786-4D5E-AC7F-F1438162A196}"/>
+              </a:ext>
+            </a:extLst>
+          </p:cNvPr>
+          <p:cNvSpPr>
+            <a:spLocks noGrp="1"/>
+          </p:cNvSpPr>
+          <p:nvPr>
+            <p:ph type="title"/>
+          </p:nvPr>
+        </p:nvSpPr>
+        <p:spPr/>
+        <p:txBody>
+          <a:bodyPr/>
+          <a:lstStyle/>
+          <a:p>
+            <a:r>
+              <a:rPr lang="nl-NL" dirty="0"/>
+              <a:t>2) Wijzigen van artikelen en leden </a:t>
+            </a:r>
+          </a:p>
+        </p:txBody>
+      </p:sp>
+      <p:sp>
+        <p:nvSpPr>
+          <p:cNvPr id="3" name="Tijdelijke aanduiding voor inhoud 2">
+            <a:extLst>
+              <a:ext uri="{FF2B5EF4-FFF2-40B4-BE49-F238E27FC236}">
+                <a16:creationId xmlns:a16="http://schemas.microsoft.com/office/drawing/2014/main" id="{4EDFA96D-1EEF-46A5-97D0-F10B545B2013}"/>
+              </a:ext>
+            </a:extLst>
+          </p:cNvPr>
+          <p:cNvSpPr>
+            <a:spLocks noGrp="1"/>
+          </p:cNvSpPr>
+          <p:nvPr>
+            <p:ph idx="1"/>
+          </p:nvPr>
+        </p:nvSpPr>
+        <p:spPr/>
+        <p:txBody>
+          <a:bodyPr/>
+          <a:lstStyle/>
+          <a:p>
+            <a:r>
+              <a:rPr lang="nl-NL" dirty="0"/>
+              <a:t>A) vervanging van Artikel 2.5 naar 2.6 </a:t>
+            </a:r>
+          </a:p>
+          <a:p>
+            <a:r>
+              <a:rPr lang="nl-NL" dirty="0"/>
+              <a:t>B) vervanging van Artikel 2.6 naar 2.5. </a:t>
+            </a:r>
+          </a:p>
+          <a:p>
+            <a:r>
+              <a:rPr lang="nl-NL" dirty="0"/>
+              <a:t>C) verwijderen van Artikel 2.7 Lid 2</a:t>
+            </a:r>
+          </a:p>
+          <a:p>
+            <a:r>
+              <a:rPr lang="nl-NL" dirty="0"/>
+              <a:t>D) verwijderen  van Artikel 2.14</a:t>
+            </a:r>
+          </a:p>
+          <a:p>
+            <a:r>
+              <a:rPr lang="nl-NL" dirty="0"/>
+              <a:t>E) nieuw Artikel (2.14) toevoegen</a:t>
+            </a:r>
+          </a:p>
+          <a:p>
+            <a:endParaRPr lang="nl-NL" dirty="0"/>
+          </a:p>
+        </p:txBody>
+      </p:sp>
+    </p:spTree>
+    <p:extLst>
+      <p:ext uri="{BB962C8B-B14F-4D97-AF65-F5344CB8AC3E}">
+        <p14:creationId xmlns:p14="http://schemas.microsoft.com/office/powerpoint/2010/main" val="409407637"/>
+      </p:ext>
+    </p:extLst>
+  </p:cSld>
+  <p:clrMapOvr>
+    <a:masterClrMapping/>
+  </p:clrMapOvr>
+</p:sld>
+</file>
+
+<file path=ppt/slides/slide12.xml><?xml version="1.0" encoding="utf-8"?>
+<p:sld xmlns:a="http://schemas.openxmlformats.org/drawingml/2006/main" xmlns:r="http://schemas.openxmlformats.org/officeDocument/2006/relationships" xmlns:p="http://schemas.openxmlformats.org/presentationml/2006/main">
+  <p:cSld>
+    <p:spTree>
+      <p:nvGrpSpPr>
+        <p:cNvPr id="1" name=""/>
+        <p:cNvGrpSpPr/>
+        <p:nvPr/>
+      </p:nvGrpSpPr>
+      <p:grpSpPr>
+        <a:xfrm>
+          <a:off x="0" y="0"/>
+          <a:ext cx="0" cy="0"/>
+          <a:chOff x="0" y="0"/>
+          <a:chExt cx="0" cy="0"/>
+        </a:xfrm>
+      </p:grpSpPr>
+      <p:sp>
+        <p:nvSpPr>
+          <p:cNvPr id="2" name="Titel 1">
+            <a:extLst>
+              <a:ext uri="{FF2B5EF4-FFF2-40B4-BE49-F238E27FC236}">
+                <a16:creationId xmlns:a16="http://schemas.microsoft.com/office/drawing/2014/main" id="{8E986EFE-9764-4EF4-9F9F-823B9859B7D0}"/>
+              </a:ext>
+            </a:extLst>
+          </p:cNvPr>
+          <p:cNvSpPr>
+            <a:spLocks noGrp="1"/>
+          </p:cNvSpPr>
+          <p:nvPr>
+            <p:ph type="title"/>
+          </p:nvPr>
+        </p:nvSpPr>
+        <p:spPr>
+          <a:xfrm>
+            <a:off x="592186" y="0"/>
+            <a:ext cx="10515600" cy="1325563"/>
+          </a:xfrm>
+        </p:spPr>
+        <p:txBody>
+          <a:bodyPr/>
+          <a:lstStyle/>
+          <a:p>
+            <a:r>
+              <a:rPr lang="nl-NL" dirty="0"/>
+              <a:t>2a en 2b) omwisselen van 2.5 en 2.6</a:t>
+            </a:r>
+          </a:p>
+        </p:txBody>
+      </p:sp>
+      <p:pic>
+        <p:nvPicPr>
+          <p:cNvPr id="5" name="Afbeelding 4" descr="Afbeelding met schermafbeelding&#10;&#10;Automatisch gegenereerde beschrijving">
+            <a:extLst>
+              <a:ext uri="{FF2B5EF4-FFF2-40B4-BE49-F238E27FC236}">
+                <a16:creationId xmlns:a16="http://schemas.microsoft.com/office/drawing/2014/main" id="{5034A0F2-311E-4E8F-88D7-54847C81842B}"/>
+              </a:ext>
+            </a:extLst>
+          </p:cNvPr>
+          <p:cNvPicPr>
+            <a:picLocks noChangeAspect="1"/>
+          </p:cNvPicPr>
+          <p:nvPr/>
+        </p:nvPicPr>
+        <p:blipFill>
+          <a:blip r:embed="rId2">
+            <a:extLst>
+              <a:ext uri="{28A0092B-C50C-407E-A947-70E740481C1C}">
+                <a14:useLocalDpi xmlns:a14="http://schemas.microsoft.com/office/drawing/2010/main" val="0"/>
+              </a:ext>
+            </a:extLst>
+          </a:blip>
+          <a:stretch>
+            <a:fillRect/>
+          </a:stretch>
+        </p:blipFill>
+        <p:spPr>
+          <a:xfrm>
+            <a:off x="592186" y="982924"/>
+            <a:ext cx="10162053" cy="5718060"/>
+          </a:xfrm>
+          <a:prstGeom prst="rect">
+            <a:avLst/>
+          </a:prstGeom>
+        </p:spPr>
+      </p:pic>
+    </p:spTree>
+    <p:extLst>
+      <p:ext uri="{BB962C8B-B14F-4D97-AF65-F5344CB8AC3E}">
+        <p14:creationId xmlns:p14="http://schemas.microsoft.com/office/powerpoint/2010/main" val="2650006355"/>
+      </p:ext>
+    </p:extLst>
+  </p:cSld>
+  <p:clrMapOvr>
+    <a:masterClrMapping/>
+  </p:clrMapOvr>
+</p:sld>
+</file>
+
+<file path=ppt/slides/slide13.xml><?xml version="1.0" encoding="utf-8"?>
+<p:sld xmlns:a="http://schemas.openxmlformats.org/drawingml/2006/main" xmlns:r="http://schemas.openxmlformats.org/officeDocument/2006/relationships" xmlns:p="http://schemas.openxmlformats.org/presentationml/2006/main">
+  <p:cSld>
+    <p:spTree>
+      <p:nvGrpSpPr>
+        <p:cNvPr id="1" name=""/>
+        <p:cNvGrpSpPr/>
+        <p:nvPr/>
+      </p:nvGrpSpPr>
+      <p:grpSpPr>
+        <a:xfrm>
+          <a:off x="0" y="0"/>
+          <a:ext cx="0" cy="0"/>
+          <a:chOff x="0" y="0"/>
+          <a:chExt cx="0" cy="0"/>
+        </a:xfrm>
+      </p:grpSpPr>
+      <p:sp>
+        <p:nvSpPr>
+          <p:cNvPr id="2" name="Titel 1">
+            <a:extLst>
+              <a:ext uri="{FF2B5EF4-FFF2-40B4-BE49-F238E27FC236}">
+                <a16:creationId xmlns:a16="http://schemas.microsoft.com/office/drawing/2014/main" id="{824F50C1-FF88-44A8-BC4A-2BC372910ACD}"/>
+              </a:ext>
+            </a:extLst>
+          </p:cNvPr>
+          <p:cNvSpPr>
+            <a:spLocks noGrp="1"/>
+          </p:cNvSpPr>
+          <p:nvPr>
+            <p:ph type="title"/>
+          </p:nvPr>
+        </p:nvSpPr>
+        <p:spPr>
+          <a:xfrm>
+            <a:off x="838200" y="0"/>
+            <a:ext cx="10515600" cy="1325563"/>
+          </a:xfrm>
+        </p:spPr>
+        <p:txBody>
+          <a:bodyPr/>
+          <a:lstStyle/>
+          <a:p>
+            <a:r>
+              <a:rPr lang="nl-NL" dirty="0"/>
+              <a:t>2c) Verwijderen van lid</a:t>
+            </a:r>
+          </a:p>
+        </p:txBody>
+      </p:sp>
+      <p:pic>
+        <p:nvPicPr>
+          <p:cNvPr id="7" name="Afbeelding 6" descr="Afbeelding met schermafbeelding&#10;&#10;Automatisch gegenereerde beschrijving">
+            <a:extLst>
+              <a:ext uri="{FF2B5EF4-FFF2-40B4-BE49-F238E27FC236}">
+                <a16:creationId xmlns:a16="http://schemas.microsoft.com/office/drawing/2014/main" id="{800CA2A7-D1BB-4078-9C7F-0052D6F31BFB}"/>
+              </a:ext>
+            </a:extLst>
+          </p:cNvPr>
+          <p:cNvPicPr>
+            <a:picLocks noChangeAspect="1"/>
+          </p:cNvPicPr>
+          <p:nvPr/>
+        </p:nvPicPr>
+        <p:blipFill>
+          <a:blip r:embed="rId2">
+            <a:extLst>
+              <a:ext uri="{28A0092B-C50C-407E-A947-70E740481C1C}">
+                <a14:useLocalDpi xmlns:a14="http://schemas.microsoft.com/office/drawing/2010/main" val="0"/>
+              </a:ext>
+            </a:extLst>
+          </a:blip>
+          <a:stretch>
+            <a:fillRect/>
+          </a:stretch>
+        </p:blipFill>
+        <p:spPr>
+          <a:xfrm>
+            <a:off x="838200" y="988577"/>
+            <a:ext cx="10162053" cy="5718060"/>
+          </a:xfrm>
+          <a:prstGeom prst="rect">
+            <a:avLst/>
+          </a:prstGeom>
+        </p:spPr>
+      </p:pic>
+    </p:spTree>
+    <p:extLst>
+      <p:ext uri="{BB962C8B-B14F-4D97-AF65-F5344CB8AC3E}">
+        <p14:creationId xmlns:p14="http://schemas.microsoft.com/office/powerpoint/2010/main" val="1859758457"/>
+      </p:ext>
+    </p:extLst>
+  </p:cSld>
+  <p:clrMapOvr>
+    <a:masterClrMapping/>
+  </p:clrMapOvr>
+</p:sld>
+</file>
+
+<file path=ppt/slides/slide14.xml><?xml version="1.0" encoding="utf-8"?>
 <p:sld xmlns:a="http://schemas.openxmlformats.org/drawingml/2006/main" xmlns:r="http://schemas.openxmlformats.org/officeDocument/2006/relationships" xmlns:p="http://schemas.openxmlformats.org/presentationml/2006/main">
   <p:cSld>
     <p:spTree>
@@ -3564,7 +4613,7 @@
 </p:sld>
 </file>
 
-<file path=ppt/slides/slide11.xml><?xml version="1.0" encoding="utf-8"?>
+<file path=ppt/slides/slide15.xml><?xml version="1.0" encoding="utf-8"?>
 <p:sld xmlns:a="http://schemas.openxmlformats.org/drawingml/2006/main" xmlns:r="http://schemas.openxmlformats.org/officeDocument/2006/relationships" xmlns:p="http://schemas.openxmlformats.org/presentationml/2006/main">
   <p:cSld>
     <p:spTree>
@@ -3691,7 +4740,7 @@
 </p:sld>
 </file>
 
-<file path=ppt/slides/slide12.xml><?xml version="1.0" encoding="utf-8"?>
+<file path=ppt/slides/slide16.xml><?xml version="1.0" encoding="utf-8"?>
 <p:sld xmlns:a="http://schemas.openxmlformats.org/drawingml/2006/main" xmlns:r="http://schemas.openxmlformats.org/officeDocument/2006/relationships" xmlns:p="http://schemas.openxmlformats.org/presentationml/2006/main">
   <p:cSld>
     <p:spTree>
@@ -3794,7 +4843,7 @@
 </p:sld>
 </file>
 
-<file path=ppt/slides/slide13.xml><?xml version="1.0" encoding="utf-8"?>
+<file path=ppt/slides/slide17.xml><?xml version="1.0" encoding="utf-8"?>
 <p:sld xmlns:a="http://schemas.openxmlformats.org/drawingml/2006/main" xmlns:r="http://schemas.openxmlformats.org/officeDocument/2006/relationships" xmlns:p="http://schemas.openxmlformats.org/presentationml/2006/main">
   <p:cSld>
     <p:spTree>
@@ -3911,7 +4960,7 @@
 </p:sld>
 </file>
 
-<file path=ppt/slides/slide14.xml><?xml version="1.0" encoding="utf-8"?>
+<file path=ppt/slides/slide18.xml><?xml version="1.0" encoding="utf-8"?>
 <p:sld xmlns:a="http://schemas.openxmlformats.org/drawingml/2006/main" xmlns:r="http://schemas.openxmlformats.org/officeDocument/2006/relationships" xmlns:p="http://schemas.openxmlformats.org/presentationml/2006/main">
   <p:cSld>
     <p:spTree>
@@ -4066,15 +5115,7 @@
                   <a:schemeClr val="accent6"/>
                 </a:solidFill>
               </a:rPr>
-              <a:t>Aanpassingen voor: gebied, gebiedsaanwijzing (functie) </a:t>
-            </a:r>
-            <a:r>
-              <a:rPr lang="nl-NL">
-                <a:solidFill>
-                  <a:schemeClr val="accent6"/>
-                </a:solidFill>
-              </a:rPr>
-              <a:t>en juridische regel</a:t>
+              <a:t>Aanpassingen voor: gebied, gebiedsaanwijzing (functie) en juridische regel</a:t>
             </a:r>
             <a:endParaRPr lang="nl-NL" i="1" dirty="0">
               <a:solidFill>
@@ -4279,7 +5320,7 @@
 </p:sld>
 </file>
 
-<file path=ppt/slides/slide15.xml><?xml version="1.0" encoding="utf-8"?>
+<file path=ppt/slides/slide19.xml><?xml version="1.0" encoding="utf-8"?>
 <p:sld xmlns:a="http://schemas.openxmlformats.org/drawingml/2006/main" xmlns:r="http://schemas.openxmlformats.org/officeDocument/2006/relationships" xmlns:p="http://schemas.openxmlformats.org/presentationml/2006/main">
   <p:cSld>
     <p:spTree>
@@ -4588,7 +5629,707 @@
 </p:sld>
 </file>
 
-<file path=ppt/slides/slide16.xml><?xml version="1.0" encoding="utf-8"?>
+<file path=ppt/slides/slide2.xml><?xml version="1.0" encoding="utf-8"?>
+<p:sld xmlns:a="http://schemas.openxmlformats.org/drawingml/2006/main" xmlns:r="http://schemas.openxmlformats.org/officeDocument/2006/relationships" xmlns:p="http://schemas.openxmlformats.org/presentationml/2006/main">
+  <p:cSld>
+    <p:spTree>
+      <p:nvGrpSpPr>
+        <p:cNvPr id="1" name=""/>
+        <p:cNvGrpSpPr/>
+        <p:nvPr/>
+      </p:nvGrpSpPr>
+      <p:grpSpPr>
+        <a:xfrm>
+          <a:off x="0" y="0"/>
+          <a:ext cx="0" cy="0"/>
+          <a:chOff x="0" y="0"/>
+          <a:chExt cx="0" cy="0"/>
+        </a:xfrm>
+      </p:grpSpPr>
+      <p:sp>
+        <p:nvSpPr>
+          <p:cNvPr id="2" name="Titel 1">
+            <a:extLst>
+              <a:ext uri="{FF2B5EF4-FFF2-40B4-BE49-F238E27FC236}">
+                <a16:creationId xmlns:a16="http://schemas.microsoft.com/office/drawing/2014/main" id="{926C6386-6324-468C-B123-463418D62AA1}"/>
+              </a:ext>
+            </a:extLst>
+          </p:cNvPr>
+          <p:cNvSpPr>
+            <a:spLocks noGrp="1"/>
+          </p:cNvSpPr>
+          <p:nvPr>
+            <p:ph type="title"/>
+          </p:nvPr>
+        </p:nvSpPr>
+        <p:spPr/>
+        <p:txBody>
+          <a:bodyPr/>
+          <a:lstStyle/>
+          <a:p>
+            <a:r>
+              <a:rPr lang="nl-NL" dirty="0"/>
+              <a:t>Inhoud</a:t>
+            </a:r>
+          </a:p>
+        </p:txBody>
+      </p:sp>
+      <p:sp>
+        <p:nvSpPr>
+          <p:cNvPr id="3" name="Tijdelijke aanduiding voor inhoud 2">
+            <a:extLst>
+              <a:ext uri="{FF2B5EF4-FFF2-40B4-BE49-F238E27FC236}">
+                <a16:creationId xmlns:a16="http://schemas.microsoft.com/office/drawing/2014/main" id="{C6A30CF0-9B45-45BE-ADE1-19111DC9BC9E}"/>
+              </a:ext>
+            </a:extLst>
+          </p:cNvPr>
+          <p:cNvSpPr>
+            <a:spLocks noGrp="1"/>
+          </p:cNvSpPr>
+          <p:nvPr>
+            <p:ph idx="1"/>
+          </p:nvPr>
+        </p:nvSpPr>
+        <p:spPr/>
+        <p:txBody>
+          <a:bodyPr>
+            <a:normAutofit lnSpcReduction="10000"/>
+          </a:bodyPr>
+          <a:lstStyle/>
+          <a:p>
+            <a:r>
+              <a:rPr lang="nl-NL" dirty="0"/>
+              <a:t>De 12 Mutatiescenario’s</a:t>
+            </a:r>
+          </a:p>
+          <a:p>
+            <a:r>
+              <a:rPr lang="nl-NL" dirty="0" err="1"/>
+              <a:t>Submutatiescenario’s</a:t>
+            </a:r>
+            <a:endParaRPr lang="nl-NL" dirty="0"/>
+          </a:p>
+          <a:p>
+            <a:r>
+              <a:rPr lang="nl-NL" dirty="0"/>
+              <a:t>Wat kan er nu wel</a:t>
+            </a:r>
+          </a:p>
+          <a:p>
+            <a:r>
+              <a:rPr lang="nl-NL" dirty="0"/>
+              <a:t>Wat kan er nog niet</a:t>
+            </a:r>
+          </a:p>
+          <a:p>
+            <a:r>
+              <a:rPr lang="nl-NL" dirty="0"/>
+              <a:t>Beschrijving per </a:t>
+            </a:r>
+            <a:r>
+              <a:rPr lang="nl-NL" dirty="0" err="1"/>
+              <a:t>submutatiescenario</a:t>
+            </a:r>
+            <a:r>
+              <a:rPr lang="nl-NL" dirty="0"/>
+              <a:t> volgt nog</a:t>
+            </a:r>
+          </a:p>
+          <a:p>
+            <a:pPr lvl="1"/>
+            <a:r>
+              <a:rPr lang="nl-NL" dirty="0"/>
+              <a:t>0. Intrekken en vervangen</a:t>
+            </a:r>
+          </a:p>
+          <a:p>
+            <a:pPr lvl="1"/>
+            <a:r>
+              <a:rPr lang="nl-NL" dirty="0"/>
+              <a:t>2. Wijzigen artikelstructuur</a:t>
+            </a:r>
+          </a:p>
+          <a:p>
+            <a:pPr lvl="1"/>
+            <a:r>
+              <a:rPr lang="nl-NL" dirty="0"/>
+              <a:t>3. Wijzigen inhoud van regels (incl. annotaties)</a:t>
+            </a:r>
+          </a:p>
+          <a:p>
+            <a:pPr lvl="1"/>
+            <a:r>
+              <a:rPr lang="nl-NL" dirty="0"/>
+              <a:t>4. Wijzigen </a:t>
+            </a:r>
+            <a:r>
+              <a:rPr lang="nl-NL" dirty="0" err="1"/>
+              <a:t>GIO’s</a:t>
+            </a:r>
+            <a:endParaRPr lang="nl-NL" dirty="0"/>
+          </a:p>
+          <a:p>
+            <a:pPr lvl="1"/>
+            <a:r>
+              <a:rPr lang="nl-NL" dirty="0"/>
+              <a:t>10. Directe mutaties</a:t>
+            </a:r>
+          </a:p>
+          <a:p>
+            <a:pPr marL="914400" lvl="1" indent="-457200">
+              <a:buAutoNum type="arabicPeriod"/>
+            </a:pPr>
+            <a:endParaRPr lang="nl-NL" dirty="0"/>
+          </a:p>
+          <a:p>
+            <a:pPr marL="914400" lvl="1" indent="-457200">
+              <a:buFont typeface="+mj-lt"/>
+              <a:buAutoNum type="arabicPeriod"/>
+            </a:pPr>
+            <a:endParaRPr lang="nl-NL" dirty="0"/>
+          </a:p>
+          <a:p>
+            <a:pPr marL="0" indent="0">
+              <a:buNone/>
+            </a:pPr>
+            <a:endParaRPr lang="nl-NL" dirty="0"/>
+          </a:p>
+        </p:txBody>
+      </p:sp>
+    </p:spTree>
+    <p:extLst>
+      <p:ext uri="{BB962C8B-B14F-4D97-AF65-F5344CB8AC3E}">
+        <p14:creationId xmlns:p14="http://schemas.microsoft.com/office/powerpoint/2010/main" val="1345489131"/>
+      </p:ext>
+    </p:extLst>
+  </p:cSld>
+  <p:clrMapOvr>
+    <a:masterClrMapping/>
+  </p:clrMapOvr>
+  <p:timing>
+    <p:tnLst>
+      <p:par>
+        <p:cTn id="1" dur="indefinite" restart="never" nodeType="tmRoot">
+          <p:childTnLst>
+            <p:seq concurrent="1" nextAc="seek">
+              <p:cTn id="2" dur="indefinite" nodeType="mainSeq">
+                <p:childTnLst>
+                  <p:par>
+                    <p:cTn id="3" fill="hold">
+                      <p:stCondLst>
+                        <p:cond delay="indefinite"/>
+                      </p:stCondLst>
+                      <p:childTnLst>
+                        <p:par>
+                          <p:cTn id="4" fill="hold">
+                            <p:stCondLst>
+                              <p:cond delay="0"/>
+                            </p:stCondLst>
+                            <p:childTnLst>
+                              <p:par>
+                                <p:cTn id="5" presetID="1" presetClass="entr" presetSubtype="0" fill="hold" nodeType="clickEffect">
+                                  <p:stCondLst>
+                                    <p:cond delay="0"/>
+                                  </p:stCondLst>
+                                  <p:childTnLst>
+                                    <p:set>
+                                      <p:cBhvr>
+                                        <p:cTn id="6" dur="1" fill="hold">
+                                          <p:stCondLst>
+                                            <p:cond delay="0"/>
+                                          </p:stCondLst>
+                                        </p:cTn>
+                                        <p:tgtEl>
+                                          <p:spTgt spid="3">
+                                            <p:txEl>
+                                              <p:pRg st="0" end="0"/>
+                                            </p:txEl>
+                                          </p:spTgt>
+                                        </p:tgtEl>
+                                        <p:attrNameLst>
+                                          <p:attrName>style.visibility</p:attrName>
+                                        </p:attrNameLst>
+                                      </p:cBhvr>
+                                      <p:to>
+                                        <p:strVal val="visible"/>
+                                      </p:to>
+                                    </p:set>
+                                  </p:childTnLst>
+                                </p:cTn>
+                              </p:par>
+                            </p:childTnLst>
+                          </p:cTn>
+                        </p:par>
+                      </p:childTnLst>
+                    </p:cTn>
+                  </p:par>
+                  <p:par>
+                    <p:cTn id="7" fill="hold">
+                      <p:stCondLst>
+                        <p:cond delay="indefinite"/>
+                      </p:stCondLst>
+                      <p:childTnLst>
+                        <p:par>
+                          <p:cTn id="8" fill="hold">
+                            <p:stCondLst>
+                              <p:cond delay="0"/>
+                            </p:stCondLst>
+                            <p:childTnLst>
+                              <p:par>
+                                <p:cTn id="9" presetID="1" presetClass="entr" presetSubtype="0" fill="hold" nodeType="clickEffect">
+                                  <p:stCondLst>
+                                    <p:cond delay="0"/>
+                                  </p:stCondLst>
+                                  <p:childTnLst>
+                                    <p:set>
+                                      <p:cBhvr>
+                                        <p:cTn id="10" dur="1" fill="hold">
+                                          <p:stCondLst>
+                                            <p:cond delay="0"/>
+                                          </p:stCondLst>
+                                        </p:cTn>
+                                        <p:tgtEl>
+                                          <p:spTgt spid="3">
+                                            <p:txEl>
+                                              <p:pRg st="1" end="1"/>
+                                            </p:txEl>
+                                          </p:spTgt>
+                                        </p:tgtEl>
+                                        <p:attrNameLst>
+                                          <p:attrName>style.visibility</p:attrName>
+                                        </p:attrNameLst>
+                                      </p:cBhvr>
+                                      <p:to>
+                                        <p:strVal val="visible"/>
+                                      </p:to>
+                                    </p:set>
+                                  </p:childTnLst>
+                                </p:cTn>
+                              </p:par>
+                            </p:childTnLst>
+                          </p:cTn>
+                        </p:par>
+                      </p:childTnLst>
+                    </p:cTn>
+                  </p:par>
+                  <p:par>
+                    <p:cTn id="11" fill="hold">
+                      <p:stCondLst>
+                        <p:cond delay="indefinite"/>
+                      </p:stCondLst>
+                      <p:childTnLst>
+                        <p:par>
+                          <p:cTn id="12" fill="hold">
+                            <p:stCondLst>
+                              <p:cond delay="0"/>
+                            </p:stCondLst>
+                            <p:childTnLst>
+                              <p:par>
+                                <p:cTn id="13" presetID="1" presetClass="entr" presetSubtype="0" fill="hold" nodeType="clickEffect">
+                                  <p:stCondLst>
+                                    <p:cond delay="0"/>
+                                  </p:stCondLst>
+                                  <p:childTnLst>
+                                    <p:set>
+                                      <p:cBhvr>
+                                        <p:cTn id="14" dur="1" fill="hold">
+                                          <p:stCondLst>
+                                            <p:cond delay="0"/>
+                                          </p:stCondLst>
+                                        </p:cTn>
+                                        <p:tgtEl>
+                                          <p:spTgt spid="3">
+                                            <p:txEl>
+                                              <p:pRg st="2" end="2"/>
+                                            </p:txEl>
+                                          </p:spTgt>
+                                        </p:tgtEl>
+                                        <p:attrNameLst>
+                                          <p:attrName>style.visibility</p:attrName>
+                                        </p:attrNameLst>
+                                      </p:cBhvr>
+                                      <p:to>
+                                        <p:strVal val="visible"/>
+                                      </p:to>
+                                    </p:set>
+                                  </p:childTnLst>
+                                </p:cTn>
+                              </p:par>
+                            </p:childTnLst>
+                          </p:cTn>
+                        </p:par>
+                      </p:childTnLst>
+                    </p:cTn>
+                  </p:par>
+                  <p:par>
+                    <p:cTn id="15" fill="hold">
+                      <p:stCondLst>
+                        <p:cond delay="indefinite"/>
+                      </p:stCondLst>
+                      <p:childTnLst>
+                        <p:par>
+                          <p:cTn id="16" fill="hold">
+                            <p:stCondLst>
+                              <p:cond delay="0"/>
+                            </p:stCondLst>
+                            <p:childTnLst>
+                              <p:par>
+                                <p:cTn id="17" presetID="1" presetClass="entr" presetSubtype="0" fill="hold" nodeType="clickEffect">
+                                  <p:stCondLst>
+                                    <p:cond delay="0"/>
+                                  </p:stCondLst>
+                                  <p:childTnLst>
+                                    <p:set>
+                                      <p:cBhvr>
+                                        <p:cTn id="18" dur="1" fill="hold">
+                                          <p:stCondLst>
+                                            <p:cond delay="0"/>
+                                          </p:stCondLst>
+                                        </p:cTn>
+                                        <p:tgtEl>
+                                          <p:spTgt spid="3">
+                                            <p:txEl>
+                                              <p:pRg st="3" end="3"/>
+                                            </p:txEl>
+                                          </p:spTgt>
+                                        </p:tgtEl>
+                                        <p:attrNameLst>
+                                          <p:attrName>style.visibility</p:attrName>
+                                        </p:attrNameLst>
+                                      </p:cBhvr>
+                                      <p:to>
+                                        <p:strVal val="visible"/>
+                                      </p:to>
+                                    </p:set>
+                                  </p:childTnLst>
+                                </p:cTn>
+                              </p:par>
+                            </p:childTnLst>
+                          </p:cTn>
+                        </p:par>
+                      </p:childTnLst>
+                    </p:cTn>
+                  </p:par>
+                  <p:par>
+                    <p:cTn id="19" fill="hold">
+                      <p:stCondLst>
+                        <p:cond delay="indefinite"/>
+                      </p:stCondLst>
+                      <p:childTnLst>
+                        <p:par>
+                          <p:cTn id="20" fill="hold">
+                            <p:stCondLst>
+                              <p:cond delay="0"/>
+                            </p:stCondLst>
+                            <p:childTnLst>
+                              <p:par>
+                                <p:cTn id="21" presetID="1" presetClass="entr" presetSubtype="0" fill="hold" nodeType="clickEffect">
+                                  <p:stCondLst>
+                                    <p:cond delay="0"/>
+                                  </p:stCondLst>
+                                  <p:childTnLst>
+                                    <p:set>
+                                      <p:cBhvr>
+                                        <p:cTn id="22" dur="1" fill="hold">
+                                          <p:stCondLst>
+                                            <p:cond delay="0"/>
+                                          </p:stCondLst>
+                                        </p:cTn>
+                                        <p:tgtEl>
+                                          <p:spTgt spid="3">
+                                            <p:txEl>
+                                              <p:pRg st="4" end="4"/>
+                                            </p:txEl>
+                                          </p:spTgt>
+                                        </p:tgtEl>
+                                        <p:attrNameLst>
+                                          <p:attrName>style.visibility</p:attrName>
+                                        </p:attrNameLst>
+                                      </p:cBhvr>
+                                      <p:to>
+                                        <p:strVal val="visible"/>
+                                      </p:to>
+                                    </p:set>
+                                  </p:childTnLst>
+                                </p:cTn>
+                              </p:par>
+                            </p:childTnLst>
+                          </p:cTn>
+                        </p:par>
+                      </p:childTnLst>
+                    </p:cTn>
+                  </p:par>
+                  <p:par>
+                    <p:cTn id="23" fill="hold">
+                      <p:stCondLst>
+                        <p:cond delay="indefinite"/>
+                      </p:stCondLst>
+                      <p:childTnLst>
+                        <p:par>
+                          <p:cTn id="24" fill="hold">
+                            <p:stCondLst>
+                              <p:cond delay="0"/>
+                            </p:stCondLst>
+                            <p:childTnLst>
+                              <p:par>
+                                <p:cTn id="25" presetID="1" presetClass="entr" presetSubtype="0" fill="hold" nodeType="clickEffect">
+                                  <p:stCondLst>
+                                    <p:cond delay="0"/>
+                                  </p:stCondLst>
+                                  <p:childTnLst>
+                                    <p:set>
+                                      <p:cBhvr>
+                                        <p:cTn id="26" dur="1" fill="hold">
+                                          <p:stCondLst>
+                                            <p:cond delay="0"/>
+                                          </p:stCondLst>
+                                        </p:cTn>
+                                        <p:tgtEl>
+                                          <p:spTgt spid="3">
+                                            <p:txEl>
+                                              <p:pRg st="5" end="5"/>
+                                            </p:txEl>
+                                          </p:spTgt>
+                                        </p:tgtEl>
+                                        <p:attrNameLst>
+                                          <p:attrName>style.visibility</p:attrName>
+                                        </p:attrNameLst>
+                                      </p:cBhvr>
+                                      <p:to>
+                                        <p:strVal val="visible"/>
+                                      </p:to>
+                                    </p:set>
+                                  </p:childTnLst>
+                                </p:cTn>
+                              </p:par>
+                            </p:childTnLst>
+                          </p:cTn>
+                        </p:par>
+                      </p:childTnLst>
+                    </p:cTn>
+                  </p:par>
+                  <p:par>
+                    <p:cTn id="27" fill="hold">
+                      <p:stCondLst>
+                        <p:cond delay="indefinite"/>
+                      </p:stCondLst>
+                      <p:childTnLst>
+                        <p:par>
+                          <p:cTn id="28" fill="hold">
+                            <p:stCondLst>
+                              <p:cond delay="0"/>
+                            </p:stCondLst>
+                            <p:childTnLst>
+                              <p:par>
+                                <p:cTn id="29" presetID="1" presetClass="entr" presetSubtype="0" fill="hold" nodeType="clickEffect">
+                                  <p:stCondLst>
+                                    <p:cond delay="0"/>
+                                  </p:stCondLst>
+                                  <p:childTnLst>
+                                    <p:set>
+                                      <p:cBhvr>
+                                        <p:cTn id="30" dur="1" fill="hold">
+                                          <p:stCondLst>
+                                            <p:cond delay="0"/>
+                                          </p:stCondLst>
+                                        </p:cTn>
+                                        <p:tgtEl>
+                                          <p:spTgt spid="3">
+                                            <p:txEl>
+                                              <p:pRg st="6" end="6"/>
+                                            </p:txEl>
+                                          </p:spTgt>
+                                        </p:tgtEl>
+                                        <p:attrNameLst>
+                                          <p:attrName>style.visibility</p:attrName>
+                                        </p:attrNameLst>
+                                      </p:cBhvr>
+                                      <p:to>
+                                        <p:strVal val="visible"/>
+                                      </p:to>
+                                    </p:set>
+                                  </p:childTnLst>
+                                </p:cTn>
+                              </p:par>
+                            </p:childTnLst>
+                          </p:cTn>
+                        </p:par>
+                      </p:childTnLst>
+                    </p:cTn>
+                  </p:par>
+                  <p:par>
+                    <p:cTn id="31" fill="hold">
+                      <p:stCondLst>
+                        <p:cond delay="indefinite"/>
+                      </p:stCondLst>
+                      <p:childTnLst>
+                        <p:par>
+                          <p:cTn id="32" fill="hold">
+                            <p:stCondLst>
+                              <p:cond delay="0"/>
+                            </p:stCondLst>
+                            <p:childTnLst>
+                              <p:par>
+                                <p:cTn id="33" presetID="1" presetClass="entr" presetSubtype="0" fill="hold" nodeType="clickEffect">
+                                  <p:stCondLst>
+                                    <p:cond delay="0"/>
+                                  </p:stCondLst>
+                                  <p:childTnLst>
+                                    <p:set>
+                                      <p:cBhvr>
+                                        <p:cTn id="34" dur="1" fill="hold">
+                                          <p:stCondLst>
+                                            <p:cond delay="0"/>
+                                          </p:stCondLst>
+                                        </p:cTn>
+                                        <p:tgtEl>
+                                          <p:spTgt spid="3">
+                                            <p:txEl>
+                                              <p:pRg st="7" end="7"/>
+                                            </p:txEl>
+                                          </p:spTgt>
+                                        </p:tgtEl>
+                                        <p:attrNameLst>
+                                          <p:attrName>style.visibility</p:attrName>
+                                        </p:attrNameLst>
+                                      </p:cBhvr>
+                                      <p:to>
+                                        <p:strVal val="visible"/>
+                                      </p:to>
+                                    </p:set>
+                                  </p:childTnLst>
+                                </p:cTn>
+                              </p:par>
+                            </p:childTnLst>
+                          </p:cTn>
+                        </p:par>
+                      </p:childTnLst>
+                    </p:cTn>
+                  </p:par>
+                  <p:par>
+                    <p:cTn id="35" fill="hold">
+                      <p:stCondLst>
+                        <p:cond delay="indefinite"/>
+                      </p:stCondLst>
+                      <p:childTnLst>
+                        <p:par>
+                          <p:cTn id="36" fill="hold">
+                            <p:stCondLst>
+                              <p:cond delay="0"/>
+                            </p:stCondLst>
+                            <p:childTnLst>
+                              <p:par>
+                                <p:cTn id="37" presetID="1" presetClass="entr" presetSubtype="0" fill="hold" nodeType="clickEffect">
+                                  <p:stCondLst>
+                                    <p:cond delay="0"/>
+                                  </p:stCondLst>
+                                  <p:childTnLst>
+                                    <p:set>
+                                      <p:cBhvr>
+                                        <p:cTn id="38" dur="1" fill="hold">
+                                          <p:stCondLst>
+                                            <p:cond delay="0"/>
+                                          </p:stCondLst>
+                                        </p:cTn>
+                                        <p:tgtEl>
+                                          <p:spTgt spid="3">
+                                            <p:txEl>
+                                              <p:pRg st="8" end="8"/>
+                                            </p:txEl>
+                                          </p:spTgt>
+                                        </p:tgtEl>
+                                        <p:attrNameLst>
+                                          <p:attrName>style.visibility</p:attrName>
+                                        </p:attrNameLst>
+                                      </p:cBhvr>
+                                      <p:to>
+                                        <p:strVal val="visible"/>
+                                      </p:to>
+                                    </p:set>
+                                  </p:childTnLst>
+                                </p:cTn>
+                              </p:par>
+                            </p:childTnLst>
+                          </p:cTn>
+                        </p:par>
+                      </p:childTnLst>
+                    </p:cTn>
+                  </p:par>
+                  <p:par>
+                    <p:cTn id="39" fill="hold">
+                      <p:stCondLst>
+                        <p:cond delay="indefinite"/>
+                      </p:stCondLst>
+                      <p:childTnLst>
+                        <p:par>
+                          <p:cTn id="40" fill="hold">
+                            <p:stCondLst>
+                              <p:cond delay="0"/>
+                            </p:stCondLst>
+                            <p:childTnLst>
+                              <p:par>
+                                <p:cTn id="41" presetID="1" presetClass="entr" presetSubtype="0" fill="hold" nodeType="clickEffect">
+                                  <p:stCondLst>
+                                    <p:cond delay="0"/>
+                                  </p:stCondLst>
+                                  <p:childTnLst>
+                                    <p:set>
+                                      <p:cBhvr>
+                                        <p:cTn id="42" dur="1" fill="hold">
+                                          <p:stCondLst>
+                                            <p:cond delay="0"/>
+                                          </p:stCondLst>
+                                        </p:cTn>
+                                        <p:tgtEl>
+                                          <p:spTgt spid="3">
+                                            <p:txEl>
+                                              <p:pRg st="9" end="9"/>
+                                            </p:txEl>
+                                          </p:spTgt>
+                                        </p:tgtEl>
+                                        <p:attrNameLst>
+                                          <p:attrName>style.visibility</p:attrName>
+                                        </p:attrNameLst>
+                                      </p:cBhvr>
+                                      <p:to>
+                                        <p:strVal val="visible"/>
+                                      </p:to>
+                                    </p:set>
+                                  </p:childTnLst>
+                                </p:cTn>
+                              </p:par>
+                            </p:childTnLst>
+                          </p:cTn>
+                        </p:par>
+                      </p:childTnLst>
+                    </p:cTn>
+                  </p:par>
+                </p:childTnLst>
+              </p:cTn>
+              <p:prevCondLst>
+                <p:cond evt="onPrev" delay="0">
+                  <p:tgtEl>
+                    <p:sldTgt/>
+                  </p:tgtEl>
+                </p:cond>
+              </p:prevCondLst>
+              <p:nextCondLst>
+                <p:cond evt="onNext" delay="0">
+                  <p:tgtEl>
+                    <p:sldTgt/>
+                  </p:tgtEl>
+                </p:cond>
+              </p:nextCondLst>
+            </p:seq>
+          </p:childTnLst>
+        </p:cTn>
+      </p:par>
+    </p:tnLst>
+  </p:timing>
+</p:sld>
+</file>
+
+<file path=ppt/slides/slide20.xml><?xml version="1.0" encoding="utf-8"?>
 <p:sld xmlns:a="http://schemas.openxmlformats.org/drawingml/2006/main" xmlns:r="http://schemas.openxmlformats.org/officeDocument/2006/relationships" xmlns:p="http://schemas.openxmlformats.org/presentationml/2006/main">
   <p:cSld>
     <p:spTree>
@@ -4770,7 +6511,7 @@
 </p:sld>
 </file>
 
-<file path=ppt/slides/slide17.xml><?xml version="1.0" encoding="utf-8"?>
+<file path=ppt/slides/slide21.xml><?xml version="1.0" encoding="utf-8"?>
 <p:sld xmlns:a="http://schemas.openxmlformats.org/drawingml/2006/main" xmlns:r="http://schemas.openxmlformats.org/officeDocument/2006/relationships" xmlns:p="http://schemas.openxmlformats.org/presentationml/2006/main">
   <p:cSld>
     <p:spTree>
@@ -4930,7 +6671,7 @@
 </p:sld>
 </file>
 
-<file path=ppt/slides/slide18.xml><?xml version="1.0" encoding="utf-8"?>
+<file path=ppt/slides/slide22.xml><?xml version="1.0" encoding="utf-8"?>
 <p:sld xmlns:a="http://schemas.openxmlformats.org/drawingml/2006/main" xmlns:r="http://schemas.openxmlformats.org/officeDocument/2006/relationships" xmlns:p="http://schemas.openxmlformats.org/presentationml/2006/main">
   <p:cSld>
     <p:spTree>
@@ -5343,7 +7084,7 @@
 </p:sld>
 </file>
 
-<file path=ppt/slides/slide19.xml><?xml version="1.0" encoding="utf-8"?>
+<file path=ppt/slides/slide23.xml><?xml version="1.0" encoding="utf-8"?>
 <p:sld xmlns:a="http://schemas.openxmlformats.org/drawingml/2006/main" xmlns:r="http://schemas.openxmlformats.org/officeDocument/2006/relationships" xmlns:p="http://schemas.openxmlformats.org/presentationml/2006/main">
   <p:cSld>
     <p:spTree>
@@ -5655,184 +7396,7 @@
 </p:sld>
 </file>
 
-<file path=ppt/slides/slide2.xml><?xml version="1.0" encoding="utf-8"?>
-<p:sld xmlns:a="http://schemas.openxmlformats.org/drawingml/2006/main" xmlns:r="http://schemas.openxmlformats.org/officeDocument/2006/relationships" xmlns:p="http://schemas.openxmlformats.org/presentationml/2006/main">
-  <p:cSld>
-    <p:spTree>
-      <p:nvGrpSpPr>
-        <p:cNvPr id="1" name=""/>
-        <p:cNvGrpSpPr/>
-        <p:nvPr/>
-      </p:nvGrpSpPr>
-      <p:grpSpPr>
-        <a:xfrm>
-          <a:off x="0" y="0"/>
-          <a:ext cx="0" cy="0"/>
-          <a:chOff x="0" y="0"/>
-          <a:chExt cx="0" cy="0"/>
-        </a:xfrm>
-      </p:grpSpPr>
-      <p:sp>
-        <p:nvSpPr>
-          <p:cNvPr id="2" name="Titel 1">
-            <a:extLst>
-              <a:ext uri="{FF2B5EF4-FFF2-40B4-BE49-F238E27FC236}">
-                <a16:creationId xmlns:a16="http://schemas.microsoft.com/office/drawing/2014/main" id="{926C6386-6324-468C-B123-463418D62AA1}"/>
-              </a:ext>
-            </a:extLst>
-          </p:cNvPr>
-          <p:cNvSpPr>
-            <a:spLocks noGrp="1"/>
-          </p:cNvSpPr>
-          <p:nvPr>
-            <p:ph type="title"/>
-          </p:nvPr>
-        </p:nvSpPr>
-        <p:spPr/>
-        <p:txBody>
-          <a:bodyPr/>
-          <a:lstStyle/>
-          <a:p>
-            <a:r>
-              <a:rPr lang="nl-NL" dirty="0"/>
-              <a:t>Inhoud</a:t>
-            </a:r>
-          </a:p>
-        </p:txBody>
-      </p:sp>
-      <p:sp>
-        <p:nvSpPr>
-          <p:cNvPr id="3" name="Tijdelijke aanduiding voor inhoud 2">
-            <a:extLst>
-              <a:ext uri="{FF2B5EF4-FFF2-40B4-BE49-F238E27FC236}">
-                <a16:creationId xmlns:a16="http://schemas.microsoft.com/office/drawing/2014/main" id="{C6A30CF0-9B45-45BE-ADE1-19111DC9BC9E}"/>
-              </a:ext>
-            </a:extLst>
-          </p:cNvPr>
-          <p:cNvSpPr>
-            <a:spLocks noGrp="1"/>
-          </p:cNvSpPr>
-          <p:nvPr>
-            <p:ph idx="1"/>
-          </p:nvPr>
-        </p:nvSpPr>
-        <p:spPr/>
-        <p:txBody>
-          <a:bodyPr/>
-          <a:lstStyle/>
-          <a:p>
-            <a:r>
-              <a:rPr lang="nl-NL" dirty="0"/>
-              <a:t>Mutatiescenario’s</a:t>
-            </a:r>
-          </a:p>
-          <a:p>
-            <a:r>
-              <a:rPr lang="nl-NL" dirty="0"/>
-              <a:t>Gegevens aan OP-kant (metadata)</a:t>
-            </a:r>
-          </a:p>
-          <a:p>
-            <a:r>
-              <a:rPr lang="nl-NL" dirty="0" err="1"/>
-              <a:t>Submutatiescenarios</a:t>
-            </a:r>
-            <a:endParaRPr lang="nl-NL" dirty="0"/>
-          </a:p>
-          <a:p>
-            <a:pPr marL="457200" lvl="1" indent="0">
-              <a:buNone/>
-            </a:pPr>
-            <a:r>
-              <a:rPr lang="nl-NL" dirty="0"/>
-              <a:t>0. 	Intrekken en vervangen</a:t>
-            </a:r>
-          </a:p>
-          <a:p>
-            <a:pPr marL="914400" lvl="1" indent="-457200">
-              <a:buAutoNum type="arabicPeriod"/>
-            </a:pPr>
-            <a:r>
-              <a:rPr lang="nl-NL" dirty="0"/>
-              <a:t>Directe inwerkingtreding (geen idee hoe)</a:t>
-            </a:r>
-          </a:p>
-          <a:p>
-            <a:pPr marL="914400" lvl="1" indent="-457200">
-              <a:buAutoNum type="arabicPeriod"/>
-            </a:pPr>
-            <a:r>
-              <a:rPr lang="nl-NL" dirty="0"/>
-              <a:t>Wijzigen artikelstructuur</a:t>
-            </a:r>
-          </a:p>
-          <a:p>
-            <a:pPr marL="914400" lvl="1" indent="-457200">
-              <a:buAutoNum type="arabicPeriod"/>
-            </a:pPr>
-            <a:r>
-              <a:rPr lang="nl-NL" dirty="0"/>
-              <a:t>Wijzigen inhoud van regels (incl. annotaties)</a:t>
-            </a:r>
-          </a:p>
-          <a:p>
-            <a:pPr marL="914400" lvl="1" indent="-457200">
-              <a:buAutoNum type="arabicPeriod"/>
-            </a:pPr>
-            <a:r>
-              <a:rPr lang="nl-NL" dirty="0"/>
-              <a:t>Wijzigen </a:t>
-            </a:r>
-            <a:r>
-              <a:rPr lang="nl-NL" dirty="0" err="1"/>
-              <a:t>GIO’s</a:t>
-            </a:r>
-            <a:endParaRPr lang="nl-NL" dirty="0"/>
-          </a:p>
-          <a:p>
-            <a:pPr marL="457200" lvl="1" indent="0">
-              <a:buNone/>
-            </a:pPr>
-            <a:r>
-              <a:rPr lang="nl-NL" dirty="0"/>
-              <a:t>10. Directe mutaties</a:t>
-            </a:r>
-          </a:p>
-          <a:p>
-            <a:pPr marL="914400" lvl="1" indent="-457200">
-              <a:buAutoNum type="arabicPeriod"/>
-            </a:pPr>
-            <a:endParaRPr lang="nl-NL" dirty="0"/>
-          </a:p>
-          <a:p>
-            <a:pPr marL="914400" lvl="1" indent="-457200">
-              <a:buFont typeface="+mj-lt"/>
-              <a:buAutoNum type="arabicPeriod"/>
-            </a:pPr>
-            <a:endParaRPr lang="nl-NL" dirty="0"/>
-          </a:p>
-          <a:p>
-            <a:pPr marL="0" indent="0">
-              <a:buNone/>
-            </a:pPr>
-            <a:endParaRPr lang="nl-NL" dirty="0"/>
-          </a:p>
-        </p:txBody>
-      </p:sp>
-    </p:spTree>
-    <p:extLst>
-      <p:ext uri="{BB962C8B-B14F-4D97-AF65-F5344CB8AC3E}">
-        <p14:creationId xmlns:p14="http://schemas.microsoft.com/office/powerpoint/2010/main" val="1345489131"/>
-      </p:ext>
-    </p:extLst>
-  </p:cSld>
-  <p:clrMapOvr>
-    <a:masterClrMapping/>
-  </p:clrMapOvr>
-</p:sld>
-</file>
-
-<file path=ppt/slides/slide20.xml><?xml version="1.0" encoding="utf-8"?>
+<file path=ppt/slides/slide24.xml><?xml version="1.0" encoding="utf-8"?>
 <p:sld xmlns:a="http://schemas.openxmlformats.org/drawingml/2006/main" xmlns:r="http://schemas.openxmlformats.org/officeDocument/2006/relationships" xmlns:p="http://schemas.openxmlformats.org/presentationml/2006/main">
   <p:cSld>
     <p:spTree>
@@ -5930,7 +7494,7 @@
 </p:sld>
 </file>
 
-<file path=ppt/slides/slide21.xml><?xml version="1.0" encoding="utf-8"?>
+<file path=ppt/slides/slide25.xml><?xml version="1.0" encoding="utf-8"?>
 <p:sld xmlns:a="http://schemas.openxmlformats.org/drawingml/2006/main" xmlns:r="http://schemas.openxmlformats.org/officeDocument/2006/relationships" xmlns:p="http://schemas.openxmlformats.org/presentationml/2006/main">
   <p:cSld>
     <p:spTree>
@@ -6022,7 +7586,7 @@
 </p:sld>
 </file>
 
-<file path=ppt/slides/slide22.xml><?xml version="1.0" encoding="utf-8"?>
+<file path=ppt/slides/slide26.xml><?xml version="1.0" encoding="utf-8"?>
 <p:sld xmlns:a="http://schemas.openxmlformats.org/drawingml/2006/main" xmlns:r="http://schemas.openxmlformats.org/officeDocument/2006/relationships" xmlns:p="http://schemas.openxmlformats.org/presentationml/2006/main">
   <p:cSld>
     <p:spTree>
@@ -6133,7 +7697,7 @@
 </p:sld>
 </file>
 
-<file path=ppt/slides/slide23.xml><?xml version="1.0" encoding="utf-8"?>
+<file path=ppt/slides/slide27.xml><?xml version="1.0" encoding="utf-8"?>
 <p:sld xmlns:a="http://schemas.openxmlformats.org/drawingml/2006/main" xmlns:r="http://schemas.openxmlformats.org/officeDocument/2006/relationships" xmlns:p="http://schemas.openxmlformats.org/presentationml/2006/main">
   <p:cSld>
     <p:spTree>
@@ -6234,7 +7798,7 @@
 </p:sld>
 </file>
 
-<file path=ppt/slides/slide24.xml><?xml version="1.0" encoding="utf-8"?>
+<file path=ppt/slides/slide28.xml><?xml version="1.0" encoding="utf-8"?>
 <p:sld xmlns:a="http://schemas.openxmlformats.org/drawingml/2006/main" xmlns:r="http://schemas.openxmlformats.org/officeDocument/2006/relationships" xmlns:p="http://schemas.openxmlformats.org/presentationml/2006/main">
   <p:cSld>
     <p:spTree>
@@ -6677,7 +8241,7 @@
 </p:sld>
 </file>
 
-<file path=ppt/slides/slide25.xml><?xml version="1.0" encoding="utf-8"?>
+<file path=ppt/slides/slide29.xml><?xml version="1.0" encoding="utf-8"?>
 <p:sld xmlns:a="http://schemas.openxmlformats.org/drawingml/2006/main" xmlns:r="http://schemas.openxmlformats.org/officeDocument/2006/relationships" xmlns:p="http://schemas.openxmlformats.org/presentationml/2006/main">
   <p:cSld>
     <p:spTree>
@@ -7123,7 +8687,100 @@
 </p:sld>
 </file>
 
-<file path=ppt/slides/slide26.xml><?xml version="1.0" encoding="utf-8"?>
+<file path=ppt/slides/slide3.xml><?xml version="1.0" encoding="utf-8"?>
+<p:sld xmlns:a="http://schemas.openxmlformats.org/drawingml/2006/main" xmlns:r="http://schemas.openxmlformats.org/officeDocument/2006/relationships" xmlns:p="http://schemas.openxmlformats.org/presentationml/2006/main">
+  <p:cSld>
+    <p:spTree>
+      <p:nvGrpSpPr>
+        <p:cNvPr id="1" name=""/>
+        <p:cNvGrpSpPr/>
+        <p:nvPr/>
+      </p:nvGrpSpPr>
+      <p:grpSpPr>
+        <a:xfrm>
+          <a:off x="0" y="0"/>
+          <a:ext cx="0" cy="0"/>
+          <a:chOff x="0" y="0"/>
+          <a:chExt cx="0" cy="0"/>
+        </a:xfrm>
+      </p:grpSpPr>
+      <p:sp>
+        <p:nvSpPr>
+          <p:cNvPr id="2" name="Titel 1">
+            <a:extLst>
+              <a:ext uri="{FF2B5EF4-FFF2-40B4-BE49-F238E27FC236}">
+                <a16:creationId xmlns:a16="http://schemas.microsoft.com/office/drawing/2014/main" id="{B5E94B40-96F5-4A92-833B-5D8B6ED4794E}"/>
+              </a:ext>
+            </a:extLst>
+          </p:cNvPr>
+          <p:cNvSpPr>
+            <a:spLocks noGrp="1"/>
+          </p:cNvSpPr>
+          <p:nvPr>
+            <p:ph type="title"/>
+          </p:nvPr>
+        </p:nvSpPr>
+        <p:spPr/>
+        <p:txBody>
+          <a:bodyPr/>
+          <a:lstStyle/>
+          <a:p>
+            <a:r>
+              <a:rPr lang="nl-NL" dirty="0"/>
+              <a:t>Het </a:t>
+            </a:r>
+            <a:r>
+              <a:rPr lang="nl-NL" dirty="0" err="1"/>
+              <a:t>GPvE</a:t>
+            </a:r>
+            <a:endParaRPr lang="nl-NL" dirty="0"/>
+          </a:p>
+        </p:txBody>
+      </p:sp>
+      <p:pic>
+        <p:nvPicPr>
+          <p:cNvPr id="4" name="Afbeelding 3">
+            <a:extLst>
+              <a:ext uri="{FF2B5EF4-FFF2-40B4-BE49-F238E27FC236}">
+                <a16:creationId xmlns:a16="http://schemas.microsoft.com/office/drawing/2014/main" id="{9C084EA4-B513-4A30-B8DE-21B8D5B76AE2}"/>
+              </a:ext>
+            </a:extLst>
+          </p:cNvPr>
+          <p:cNvPicPr>
+            <a:picLocks noChangeAspect="1"/>
+          </p:cNvPicPr>
+          <p:nvPr/>
+        </p:nvPicPr>
+        <p:blipFill>
+          <a:blip r:embed="rId2"/>
+          <a:stretch>
+            <a:fillRect/>
+          </a:stretch>
+        </p:blipFill>
+        <p:spPr>
+          <a:xfrm>
+            <a:off x="1105980" y="1821132"/>
+            <a:ext cx="8459381" cy="3877216"/>
+          </a:xfrm>
+          <a:prstGeom prst="rect">
+            <a:avLst/>
+          </a:prstGeom>
+        </p:spPr>
+      </p:pic>
+    </p:spTree>
+    <p:extLst>
+      <p:ext uri="{BB962C8B-B14F-4D97-AF65-F5344CB8AC3E}">
+        <p14:creationId xmlns:p14="http://schemas.microsoft.com/office/powerpoint/2010/main" val="391237127"/>
+      </p:ext>
+    </p:extLst>
+  </p:cSld>
+  <p:clrMapOvr>
+    <a:masterClrMapping/>
+  </p:clrMapOvr>
+</p:sld>
+</file>
+
+<file path=ppt/slides/slide30.xml><?xml version="1.0" encoding="utf-8"?>
 <p:sld xmlns:a="http://schemas.openxmlformats.org/drawingml/2006/main" xmlns:r="http://schemas.openxmlformats.org/officeDocument/2006/relationships" xmlns:p="http://schemas.openxmlformats.org/presentationml/2006/main">
   <p:cSld>
     <p:spTree>
@@ -7235,7 +8892,7 @@
 </p:sld>
 </file>
 
-<file path=ppt/slides/slide3.xml><?xml version="1.0" encoding="utf-8"?>
+<file path=ppt/slides/slide4.xml><?xml version="1.0" encoding="utf-8"?>
 <p:sld xmlns:a="http://schemas.openxmlformats.org/drawingml/2006/main" xmlns:r="http://schemas.openxmlformats.org/officeDocument/2006/relationships" xmlns:p="http://schemas.openxmlformats.org/presentationml/2006/main">
   <p:cSld>
     <p:spTree>
@@ -7280,8 +8937,13 @@
           <a:p>
             <a:r>
               <a:rPr lang="nl-NL" dirty="0"/>
-              <a:t>Mutatiescenario’s aanvankelijk</a:t>
-            </a:r>
+              <a:t>Mutatiescenario’s uit </a:t>
+            </a:r>
+            <a:r>
+              <a:rPr lang="nl-NL" dirty="0" err="1"/>
+              <a:t>GPvE</a:t>
+            </a:r>
+            <a:endParaRPr lang="nl-NL" dirty="0"/>
           </a:p>
         </p:txBody>
       </p:sp>
@@ -7300,14 +8962,14 @@
           <p:nvPr>
             <p:extLst>
               <p:ext uri="{D42A27DB-BD31-4B8C-83A1-F6EECF244321}">
-                <p14:modId xmlns:p14="http://schemas.microsoft.com/office/powerpoint/2010/main" val="1436373615"/>
+                <p14:modId xmlns:p14="http://schemas.microsoft.com/office/powerpoint/2010/main" val="855874960"/>
               </p:ext>
             </p:extLst>
           </p:nvPr>
         </p:nvGraphicFramePr>
         <p:xfrm>
           <a:off x="609601" y="1152313"/>
-          <a:ext cx="11225348" cy="5263122"/>
+          <a:ext cx="11225348" cy="5106368"/>
         </p:xfrm>
         <a:graphic>
           <a:graphicData uri="http://schemas.openxmlformats.org/drawingml/2006/table">
@@ -7455,7 +9117,7 @@
                     <a:lstStyle/>
                     <a:p>
                       <a:r>
-                        <a:rPr lang="nl-NL" dirty="0"/>
+                        <a:rPr lang="nl-NL" b="1" dirty="0"/>
                         <a:t>2</a:t>
                       </a:r>
                     </a:p>
@@ -7485,7 +9147,7 @@
                         <a:defRPr/>
                       </a:pPr>
                       <a:r>
-                        <a:rPr lang="nl-NL" dirty="0"/>
+                        <a:rPr lang="nl-NL" b="1" dirty="0"/>
                         <a:t>Wijziging artikelstructuur (toevoegen, verwijderen, wijzigen)</a:t>
                       </a:r>
                     </a:p>
@@ -7498,9 +9160,14 @@
                     <a:lstStyle/>
                     <a:p>
                       <a:r>
-                        <a:rPr lang="nl-NL" dirty="0"/>
-                        <a:t>Uitwerken in sub-mutatiescenario’s</a:t>
+                        <a:rPr lang="nl-NL" b="1" dirty="0"/>
+                        <a:t>Uitwerken in </a:t>
                       </a:r>
+                      <a:r>
+                        <a:rPr lang="nl-NL" b="1" dirty="0" err="1"/>
+                        <a:t>submutatiescenario’s</a:t>
+                      </a:r>
+                      <a:endParaRPr lang="nl-NL" b="1" dirty="0"/>
                     </a:p>
                   </a:txBody>
                   <a:tcPr/>
@@ -7511,15 +9178,15 @@
                   </a:ext>
                 </a:extLst>
               </a:tr>
-              <a:tr h="391886">
+              <a:tr h="355347">
                 <a:tc>
                   <a:txBody>
                     <a:bodyPr/>
                     <a:lstStyle/>
                     <a:p>
                       <a:r>
-                        <a:rPr lang="nl-NL" dirty="0"/>
-                        <a:t>3 en 4 </a:t>
+                        <a:rPr lang="nl-NL" b="1" dirty="0"/>
+                        <a:t>3</a:t>
                       </a:r>
                     </a:p>
                   </a:txBody>
@@ -7548,30 +9215,17 @@
                         <a:defRPr/>
                       </a:pPr>
                       <a:r>
-                        <a:rPr lang="nl-NL" dirty="0"/>
+                        <a:rPr lang="nl-NL" b="1" dirty="0"/>
                         <a:t>Wijziging regeltekst (incl. tabellen en figuren)</a:t>
                       </a:r>
                     </a:p>
-                    <a:p>
-                      <a:pPr marL="0" marR="0" lvl="0" indent="0" algn="l" defTabSz="914400" rtl="0" eaLnBrk="1" fontAlgn="auto" latinLnBrk="0" hangingPunct="1">
-                        <a:lnSpc>
-                          <a:spcPct val="100000"/>
-                        </a:lnSpc>
-                        <a:spcBef>
-                          <a:spcPts val="0"/>
-                        </a:spcBef>
-                        <a:spcAft>
-                          <a:spcPts val="0"/>
-                        </a:spcAft>
-                        <a:buClrTx/>
-                        <a:buSzTx/>
-                        <a:buFontTx/>
-                        <a:buNone/>
-                        <a:tabLst/>
-                        <a:defRPr/>
-                      </a:pPr>
-                      <a:endParaRPr lang="nl-NL" dirty="0"/>
-                    </a:p>
+                  </a:txBody>
+                  <a:tcPr/>
+                </a:tc>
+                <a:tc>
+                  <a:txBody>
+                    <a:bodyPr/>
+                    <a:lstStyle/>
                     <a:p>
                       <a:pPr marL="0" marR="0" lvl="0" indent="0" algn="l" defTabSz="914400" rtl="0" eaLnBrk="1" fontAlgn="auto" latinLnBrk="0" hangingPunct="1">
                         <a:lnSpc>
@@ -7591,15 +9245,70 @@
                         <a:defRPr/>
                       </a:pPr>
                       <a:r>
-                        <a:rPr lang="nl-NL" dirty="0"/>
+                        <a:rPr lang="nl-NL" b="1" dirty="0"/>
+                        <a:t>Uitwerken in </a:t>
+                      </a:r>
+                      <a:r>
+                        <a:rPr lang="nl-NL" b="1" dirty="0" err="1"/>
+                        <a:t>submutatiescenario’s</a:t>
+                      </a:r>
+                      <a:endParaRPr lang="nl-NL" b="1" dirty="0"/>
+                    </a:p>
+                  </a:txBody>
+                  <a:tcPr/>
+                </a:tc>
+                <a:extLst>
+                  <a:ext uri="{0D108BD9-81ED-4DB2-BD59-A6C34878D82A}">
+                    <a16:rowId xmlns:a16="http://schemas.microsoft.com/office/drawing/2014/main" val="762369587"/>
+                  </a:ext>
+                </a:extLst>
+              </a:tr>
+              <a:tr h="391886">
+                <a:tc>
+                  <a:txBody>
+                    <a:bodyPr/>
+                    <a:lstStyle/>
+                    <a:p>
+                      <a:r>
+                        <a:rPr lang="nl-NL" b="1" dirty="0"/>
+                        <a:t>4</a:t>
+                      </a:r>
+                    </a:p>
+                  </a:txBody>
+                  <a:tcPr/>
+                </a:tc>
+                <a:tc>
+                  <a:txBody>
+                    <a:bodyPr/>
+                    <a:lstStyle/>
+                    <a:p>
+                      <a:pPr marL="0" marR="0" lvl="0" indent="0" algn="l" defTabSz="914400" rtl="0" eaLnBrk="1" fontAlgn="auto" latinLnBrk="0" hangingPunct="1">
+                        <a:lnSpc>
+                          <a:spcPct val="100000"/>
+                        </a:lnSpc>
+                        <a:spcBef>
+                          <a:spcPts val="0"/>
+                        </a:spcBef>
+                        <a:spcAft>
+                          <a:spcPts val="0"/>
+                        </a:spcAft>
+                        <a:buClrTx/>
+                        <a:buSzTx/>
+                        <a:buFontTx/>
+                        <a:buNone/>
+                        <a:tabLst/>
+                        <a:defRPr/>
+                      </a:pPr>
+                      <a:r>
+                        <a:rPr lang="nl-NL" b="1" dirty="0"/>
                         <a:t>Wijziging werkingsgebieden (</a:t>
                       </a:r>
                       <a:r>
-                        <a:rPr lang="nl-NL" dirty="0" err="1"/>
+                        <a:rPr lang="nl-NL" b="1" dirty="0" err="1"/>
                         <a:t>GIO's</a:t>
                       </a:r>
                       <a:r>
-                        <a:rPr lang="nl-NL" dirty="0"/>
+                        <a:rPr lang="nl-NL" b="1" dirty="0"/>
                         <a:t>)</a:t>
                       </a:r>
                     </a:p>
@@ -7629,16 +9338,21 @@
                         <a:defRPr/>
                       </a:pPr>
                       <a:r>
-                        <a:rPr lang="nl-NL" dirty="0"/>
-                        <a:t>Uitwerken in sub-mutatiescenario’s</a:t>
+                        <a:rPr lang="nl-NL" b="1" dirty="0"/>
+                        <a:t>Uitwerken in </a:t>
                       </a:r>
+                      <a:r>
+                        <a:rPr lang="nl-NL" b="1" dirty="0" err="1"/>
+                        <a:t>submutatiescenario’s</a:t>
+                      </a:r>
+                      <a:endParaRPr lang="nl-NL" b="1" dirty="0"/>
                     </a:p>
                   </a:txBody>
                   <a:tcPr/>
                 </a:tc>
                 <a:extLst>
                   <a:ext uri="{0D108BD9-81ED-4DB2-BD59-A6C34878D82A}">
-                    <a16:rowId xmlns:a16="http://schemas.microsoft.com/office/drawing/2014/main" val="762369587"/>
+                    <a16:rowId xmlns:a16="http://schemas.microsoft.com/office/drawing/2014/main" val="833522244"/>
                   </a:ext>
                 </a:extLst>
               </a:tr>
@@ -8050,7 +9764,7 @@
                         <a:defRPr/>
                       </a:pPr>
                       <a:r>
-                        <a:rPr lang="nl-NL" dirty="0"/>
+                        <a:rPr lang="nl-NL" b="1" dirty="0"/>
                         <a:t>Wijzigen van vrije tekst en annotaties</a:t>
                       </a:r>
                     </a:p>
@@ -8080,9 +9794,14 @@
                         <a:defRPr/>
                       </a:pPr>
                       <a:r>
-                        <a:rPr lang="nl-NL" dirty="0"/>
-                        <a:t>Uitwerken in sub-mutatiescenario’s</a:t>
+                        <a:rPr lang="nl-NL" b="1" dirty="0"/>
+                        <a:t>Uitwerken in </a:t>
                       </a:r>
+                      <a:r>
+                        <a:rPr lang="nl-NL" b="1" dirty="0" err="1"/>
+                        <a:t>submutatiescenario’s</a:t>
+                      </a:r>
+                      <a:endParaRPr lang="nl-NL" b="1" dirty="0"/>
                     </a:p>
                   </a:txBody>
                   <a:tcPr/>
@@ -8161,7 +9880,7 @@
                       </a:pPr>
                       <a:r>
                         <a:rPr lang="nl-NL" dirty="0"/>
-                        <a:t>Uitwerken in sub-mutatiescenario’s</a:t>
+                        <a:t>Overig</a:t>
                       </a:r>
                     </a:p>
                   </a:txBody>
@@ -8253,7 +9972,7 @@
 </p:sld>
 </file>
 
-<file path=ppt/slides/slide4.xml><?xml version="1.0" encoding="utf-8"?>
+<file path=ppt/slides/slide5.xml><?xml version="1.0" encoding="utf-8"?>
 <p:sld xmlns:a="http://schemas.openxmlformats.org/drawingml/2006/main" xmlns:r="http://schemas.openxmlformats.org/officeDocument/2006/relationships" xmlns:p="http://schemas.openxmlformats.org/presentationml/2006/main">
   <p:cSld>
     <p:spTree>
@@ -8318,26 +10037,18 @@
         <p:spPr>
           <a:xfrm>
             <a:off x="838200" y="1386348"/>
-            <a:ext cx="10515600" cy="5368413"/>
+            <a:ext cx="10515600" cy="5587107"/>
           </a:xfrm>
         </p:spPr>
         <p:txBody>
           <a:bodyPr>
-            <a:normAutofit fontScale="70000" lnSpcReduction="20000"/>
+            <a:normAutofit fontScale="62500" lnSpcReduction="20000"/>
           </a:bodyPr>
           <a:lstStyle/>
           <a:p>
             <a:r>
-              <a:rPr lang="nl-NL" dirty="0">
-                <a:solidFill>
-                  <a:srgbClr val="00B050"/>
-                </a:solidFill>
-              </a:rPr>
-              <a:t>0</a:t>
-            </a:r>
-            <a:r>
-              <a:rPr lang="nl-NL" dirty="0"/>
-              <a:t> 	</a:t>
+              <a:rPr lang="nl-NL" dirty="0"/>
+              <a:t>0 	</a:t>
             </a:r>
             <a:r>
               <a:rPr lang="nl-NL" dirty="0" err="1"/>
@@ -8350,16 +10061,8 @@
           </a:p>
           <a:p>
             <a:r>
-              <a:rPr lang="nl-NL" dirty="0">
-                <a:solidFill>
-                  <a:srgbClr val="00B050"/>
-                </a:solidFill>
-              </a:rPr>
-              <a:t>2</a:t>
-            </a:r>
-            <a:r>
-              <a:rPr lang="nl-NL" dirty="0"/>
-              <a:t>	Wijziging artikelstructuur (toevoegen, verwijderen, wijzigen)</a:t>
+              <a:rPr lang="nl-NL" dirty="0"/>
+              <a:t>2	Wijziging artikelstructuur (toevoegen, verwijderen)</a:t>
             </a:r>
           </a:p>
           <a:p>
@@ -8367,7 +10070,7 @@
             <a:r>
               <a:rPr lang="nl-NL" sz="2000" b="1" dirty="0">
                 <a:solidFill>
-                  <a:srgbClr val="00B050"/>
+                  <a:schemeClr val="accent2"/>
                 </a:solidFill>
               </a:rPr>
               <a:t>2a</a:t>
@@ -8378,7 +10081,7 @@
             </a:r>
             <a:r>
               <a:rPr lang="nl-NL" sz="2000" dirty="0"/>
-              <a:t>vervanging van Artikel 2.5 naar 2.6</a:t>
+              <a:t>verplaatsen van Artikel (2.5 naar 2.6).</a:t>
             </a:r>
           </a:p>
           <a:p>
@@ -8386,7 +10089,7 @@
             <a:r>
               <a:rPr lang="nl-NL" sz="2000" b="1" dirty="0">
                 <a:solidFill>
-                  <a:srgbClr val="00B050"/>
+                  <a:schemeClr val="accent2"/>
                 </a:solidFill>
               </a:rPr>
               <a:t>2b</a:t>
@@ -8397,7 +10100,7 @@
             </a:r>
             <a:r>
               <a:rPr lang="nl-NL" sz="2000" dirty="0"/>
-              <a:t>vervanging van Artikel 2.6 naar 2.5. </a:t>
+              <a:t>verplaatsen van Artikel (2.6 naar 2.5). </a:t>
             </a:r>
           </a:p>
           <a:p>
@@ -8405,7 +10108,7 @@
             <a:r>
               <a:rPr lang="nl-NL" sz="2000" b="1" dirty="0">
                 <a:solidFill>
-                  <a:srgbClr val="00B050"/>
+                  <a:schemeClr val="accent2"/>
                 </a:solidFill>
               </a:rPr>
               <a:t>2c</a:t>
@@ -8424,7 +10127,7 @@
             <a:r>
               <a:rPr lang="nl-NL" sz="2000" b="1" dirty="0">
                 <a:solidFill>
-                  <a:srgbClr val="00B050"/>
+                  <a:schemeClr val="accent2"/>
                 </a:solidFill>
               </a:rPr>
               <a:t>2d</a:t>
@@ -8443,7 +10146,7 @@
             <a:r>
               <a:rPr lang="nl-NL" sz="2000" b="1" dirty="0">
                 <a:solidFill>
-                  <a:srgbClr val="00B050"/>
+                  <a:schemeClr val="accent2"/>
                 </a:solidFill>
               </a:rPr>
               <a:t>2e</a:t>
@@ -8460,7 +10163,7 @@
           <a:p>
             <a:r>
               <a:rPr lang="nl-NL" dirty="0"/>
-              <a:t>3 	Wijziging regeltekst</a:t>
+              <a:t>3 	Wijziging regeltekst (inhoudelijk artikelen wijzigen, incl. OW-impact)</a:t>
             </a:r>
           </a:p>
           <a:p>
@@ -8468,14 +10171,29 @@
             <a:r>
               <a:rPr lang="nl-NL" sz="2000" b="1" dirty="0">
                 <a:solidFill>
-                  <a:srgbClr val="00B050"/>
+                  <a:schemeClr val="accent2"/>
                 </a:solidFill>
               </a:rPr>
               <a:t>3a</a:t>
             </a:r>
             <a:r>
               <a:rPr lang="nl-NL" sz="2000" dirty="0"/>
-              <a:t>) wijziging van de tekst van het artikel, zonder overige implicaties	</a:t>
+              <a:t>) wijziging van de tekst van het artikel, zonder OW-implicaties</a:t>
+            </a:r>
+          </a:p>
+          <a:p>
+            <a:pPr lvl="1"/>
+            <a:r>
+              <a:rPr lang="nl-NL" sz="2000" b="1" dirty="0">
+                <a:solidFill>
+                  <a:srgbClr val="00B050"/>
+                </a:solidFill>
+              </a:rPr>
+              <a:t>3a2</a:t>
+            </a:r>
+            <a:r>
+              <a:rPr lang="nl-NL" sz="2000" dirty="0"/>
+              <a:t>) toevoegen van een nieuw artikel, incl. OW-annotatie	</a:t>
             </a:r>
           </a:p>
           <a:p>
@@ -8527,7 +10245,11 @@
           <a:p>
             <a:pPr lvl="1"/>
             <a:r>
-              <a:rPr lang="nl-NL" sz="2000" b="1" dirty="0"/>
+              <a:rPr lang="nl-NL" sz="2000" b="1" dirty="0">
+                <a:solidFill>
+                  <a:srgbClr val="00B050"/>
+                </a:solidFill>
+              </a:rPr>
               <a:t>3d</a:t>
             </a:r>
             <a:r>
@@ -8560,29 +10282,41 @@
           <a:p>
             <a:pPr lvl="1"/>
             <a:r>
-              <a:rPr lang="nl-NL" sz="2000" b="1" dirty="0"/>
+              <a:rPr lang="nl-NL" sz="2000" b="1" dirty="0">
+                <a:solidFill>
+                  <a:schemeClr val="accent2"/>
+                </a:solidFill>
+              </a:rPr>
               <a:t>4a</a:t>
             </a:r>
             <a:r>
               <a:rPr lang="nl-NL" sz="2000" dirty="0"/>
-              <a:t>) alleen GIO wijzigen (locatie)</a:t>
+              <a:t>) alleen GIO wijzigen (en OW-Locatie)</a:t>
             </a:r>
           </a:p>
           <a:p>
             <a:pPr lvl="1"/>
             <a:r>
-              <a:rPr lang="nl-NL" sz="2000" b="1" dirty="0"/>
+              <a:rPr lang="nl-NL" sz="2000" b="1" dirty="0">
+                <a:solidFill>
+                  <a:schemeClr val="accent2"/>
+                </a:solidFill>
+              </a:rPr>
               <a:t>4b</a:t>
             </a:r>
             <a:r>
               <a:rPr lang="nl-NL" sz="2000" dirty="0"/>
-              <a:t>) alleen GIO wijzigen (normwaarde) </a:t>
+              <a:t>) alleen GIO wijzigen (normwaarde en bijbehorende locatie) </a:t>
             </a:r>
           </a:p>
           <a:p>
             <a:pPr lvl="1"/>
             <a:r>
-              <a:rPr lang="nl-NL" sz="2000" b="1" dirty="0"/>
+              <a:rPr lang="nl-NL" sz="2000" b="1" dirty="0">
+                <a:solidFill>
+                  <a:schemeClr val="accent2"/>
+                </a:solidFill>
+              </a:rPr>
               <a:t>4c</a:t>
             </a:r>
             <a:r>
@@ -8624,7 +10358,9 @@
             <a:r>
               <a:rPr lang="nl-NL" sz="2000" b="1" dirty="0">
                 <a:solidFill>
-                  <a:schemeClr val="accent2"/>
+                  <a:schemeClr val="accent3">
+                    <a:lumMod val="75000"/>
+                  </a:schemeClr>
                 </a:solidFill>
               </a:rPr>
               <a:t>10b</a:t>
@@ -8654,7 +10390,9 @@
             <a:r>
               <a:rPr lang="nl-NL" sz="2000" b="1" dirty="0">
                 <a:solidFill>
-                  <a:schemeClr val="accent2"/>
+                  <a:schemeClr val="accent3">
+                    <a:lumMod val="75000"/>
+                  </a:schemeClr>
                 </a:solidFill>
               </a:rPr>
               <a:t>10d</a:t>
@@ -8680,7 +10418,114 @@
             </a:r>
           </a:p>
           <a:p>
+            <a:pPr lvl="1"/>
+            <a:r>
+              <a:rPr lang="nl-NL" sz="2000" b="1" dirty="0">
+                <a:solidFill>
+                  <a:schemeClr val="accent2"/>
+                </a:solidFill>
+              </a:rPr>
+              <a:t>10f</a:t>
+            </a:r>
+            <a:r>
+              <a:rPr lang="nl-NL" sz="2000" dirty="0"/>
+              <a:t>) aanpassen van activiteitengroep</a:t>
+            </a:r>
+          </a:p>
+          <a:p>
             <a:endParaRPr lang="nl-NL" dirty="0"/>
+          </a:p>
+        </p:txBody>
+      </p:sp>
+      <p:sp>
+        <p:nvSpPr>
+          <p:cNvPr id="4" name="Tekstvak 3">
+            <a:extLst>
+              <a:ext uri="{FF2B5EF4-FFF2-40B4-BE49-F238E27FC236}">
+                <a16:creationId xmlns:a16="http://schemas.microsoft.com/office/drawing/2014/main" id="{982C9285-5952-496A-895A-6EAB3D42C563}"/>
+              </a:ext>
+            </a:extLst>
+          </p:cNvPr>
+          <p:cNvSpPr txBox="1"/>
+          <p:nvPr/>
+        </p:nvSpPr>
+        <p:spPr>
+          <a:xfrm>
+            <a:off x="8959273" y="858982"/>
+            <a:ext cx="3066472" cy="1477328"/>
+          </a:xfrm>
+          <a:prstGeom prst="rect">
+            <a:avLst/>
+          </a:prstGeom>
+        </p:spPr>
+        <p:style>
+          <a:lnRef idx="2">
+            <a:schemeClr val="dk1"/>
+          </a:lnRef>
+          <a:fillRef idx="1">
+            <a:schemeClr val="lt1"/>
+          </a:fillRef>
+          <a:effectRef idx="0">
+            <a:schemeClr val="dk1"/>
+          </a:effectRef>
+          <a:fontRef idx="minor">
+            <a:schemeClr val="dk1"/>
+          </a:fontRef>
+        </p:style>
+        <p:txBody>
+          <a:bodyPr wrap="square" rtlCol="0">
+            <a:spAutoFit/>
+          </a:bodyPr>
+          <a:lstStyle/>
+          <a:p>
+            <a:r>
+              <a:rPr lang="nl-NL" b="1" dirty="0"/>
+              <a:t>Legenda</a:t>
+            </a:r>
+          </a:p>
+          <a:p>
+            <a:r>
+              <a:rPr lang="nl-NL" b="1" dirty="0">
+                <a:solidFill>
+                  <a:schemeClr val="accent2"/>
+                </a:solidFill>
+              </a:rPr>
+              <a:t>Oranje</a:t>
+            </a:r>
+            <a:r>
+              <a:rPr lang="nl-NL" dirty="0"/>
+              <a:t> – voorbeeld klaar, nog niet gelukt in de keten</a:t>
+            </a:r>
+          </a:p>
+          <a:p>
+            <a:r>
+              <a:rPr lang="nl-NL" b="1" dirty="0">
+                <a:solidFill>
+                  <a:srgbClr val="00B050"/>
+                </a:solidFill>
+              </a:rPr>
+              <a:t>Groen</a:t>
+            </a:r>
+            <a:r>
+              <a:rPr lang="nl-NL" dirty="0"/>
+              <a:t> – gelukt in de keten</a:t>
+            </a:r>
+          </a:p>
+          <a:p>
+            <a:r>
+              <a:rPr lang="nl-NL" b="1" dirty="0">
+                <a:solidFill>
+                  <a:schemeClr val="accent3">
+                    <a:lumMod val="75000"/>
+                  </a:schemeClr>
+                </a:solidFill>
+              </a:rPr>
+              <a:t>Grijs</a:t>
+            </a:r>
+            <a:r>
+              <a:rPr lang="nl-NL" dirty="0"/>
+              <a:t> – voorbeeld niet klaar</a:t>
+            </a:r>
           </a:p>
         </p:txBody>
       </p:sp>
@@ -8694,103 +10539,1098 @@
   <p:clrMapOvr>
     <a:masterClrMapping/>
   </p:clrMapOvr>
-</p:sld>
-</file>
-
-<file path=ppt/slides/slide5.xml><?xml version="1.0" encoding="utf-8"?>
-<p:sld xmlns:a="http://schemas.openxmlformats.org/drawingml/2006/main" xmlns:r="http://schemas.openxmlformats.org/officeDocument/2006/relationships" xmlns:p="http://schemas.openxmlformats.org/presentationml/2006/main">
-  <p:cSld>
-    <p:spTree>
-      <p:nvGrpSpPr>
-        <p:cNvPr id="1" name=""/>
-        <p:cNvGrpSpPr/>
-        <p:nvPr/>
-      </p:nvGrpSpPr>
-      <p:grpSpPr>
-        <a:xfrm>
-          <a:off x="0" y="0"/>
-          <a:ext cx="0" cy="0"/>
-          <a:chOff x="0" y="0"/>
-          <a:chExt cx="0" cy="0"/>
-        </a:xfrm>
-      </p:grpSpPr>
-      <p:sp>
-        <p:nvSpPr>
-          <p:cNvPr id="2" name="Titel 1">
-            <a:extLst>
-              <a:ext uri="{FF2B5EF4-FFF2-40B4-BE49-F238E27FC236}">
-                <a16:creationId xmlns:a16="http://schemas.microsoft.com/office/drawing/2014/main" id="{D70AD82D-9295-4CB3-B3B2-2E9073019586}"/>
-              </a:ext>
-            </a:extLst>
-          </p:cNvPr>
-          <p:cNvSpPr>
-            <a:spLocks noGrp="1"/>
-          </p:cNvSpPr>
-          <p:nvPr>
-            <p:ph type="title"/>
-          </p:nvPr>
-        </p:nvSpPr>
-        <p:spPr>
-          <a:xfrm>
-            <a:off x="838200" y="0"/>
-            <a:ext cx="10515600" cy="701643"/>
-          </a:xfrm>
-        </p:spPr>
-        <p:txBody>
-          <a:bodyPr/>
-          <a:lstStyle/>
-          <a:p>
-            <a:r>
-              <a:rPr lang="nl-NL" dirty="0" err="1"/>
-              <a:t>Submutatiescenario’s</a:t>
-            </a:r>
-            <a:r>
-              <a:rPr lang="nl-NL" dirty="0"/>
-              <a:t> en impact op objecten</a:t>
-            </a:r>
-          </a:p>
-        </p:txBody>
-      </p:sp>
-      <p:pic>
-        <p:nvPicPr>
-          <p:cNvPr id="4" name="Afbeelding 3">
-            <a:extLst>
-              <a:ext uri="{FF2B5EF4-FFF2-40B4-BE49-F238E27FC236}">
-                <a16:creationId xmlns:a16="http://schemas.microsoft.com/office/drawing/2014/main" id="{C66F3EE2-6481-4FFE-AEC3-F8B603DC8483}"/>
-              </a:ext>
-            </a:extLst>
-          </p:cNvPr>
-          <p:cNvPicPr>
-            <a:picLocks noChangeAspect="1"/>
-          </p:cNvPicPr>
-          <p:nvPr/>
-        </p:nvPicPr>
-        <p:blipFill>
-          <a:blip r:embed="rId2"/>
-          <a:stretch>
-            <a:fillRect/>
-          </a:stretch>
-        </p:blipFill>
-        <p:spPr>
-          <a:xfrm>
-            <a:off x="838199" y="862329"/>
-            <a:ext cx="9693893" cy="5577800"/>
-          </a:xfrm>
-          <a:prstGeom prst="rect">
-            <a:avLst/>
-          </a:prstGeom>
-        </p:spPr>
-      </p:pic>
-    </p:spTree>
-    <p:extLst>
-      <p:ext uri="{BB962C8B-B14F-4D97-AF65-F5344CB8AC3E}">
-        <p14:creationId xmlns:p14="http://schemas.microsoft.com/office/powerpoint/2010/main" val="3217727301"/>
-      </p:ext>
-    </p:extLst>
-  </p:cSld>
-  <p:clrMapOvr>
-    <a:masterClrMapping/>
-  </p:clrMapOvr>
+  <p:timing>
+    <p:tnLst>
+      <p:par>
+        <p:cTn id="1" dur="indefinite" restart="never" nodeType="tmRoot">
+          <p:childTnLst>
+            <p:seq concurrent="1" nextAc="seek">
+              <p:cTn id="2" dur="indefinite" nodeType="mainSeq">
+                <p:childTnLst>
+                  <p:par>
+                    <p:cTn id="3" fill="hold">
+                      <p:stCondLst>
+                        <p:cond delay="indefinite"/>
+                      </p:stCondLst>
+                      <p:childTnLst>
+                        <p:par>
+                          <p:cTn id="4" fill="hold">
+                            <p:stCondLst>
+                              <p:cond delay="0"/>
+                            </p:stCondLst>
+                            <p:childTnLst>
+                              <p:par>
+                                <p:cTn id="5" presetID="1" presetClass="entr" presetSubtype="0" fill="hold" nodeType="clickEffect">
+                                  <p:stCondLst>
+                                    <p:cond delay="0"/>
+                                  </p:stCondLst>
+                                  <p:childTnLst>
+                                    <p:set>
+                                      <p:cBhvr>
+                                        <p:cTn id="6" dur="1" fill="hold">
+                                          <p:stCondLst>
+                                            <p:cond delay="0"/>
+                                          </p:stCondLst>
+                                        </p:cTn>
+                                        <p:tgtEl>
+                                          <p:spTgt spid="3">
+                                            <p:txEl>
+                                              <p:pRg st="0" end="0"/>
+                                            </p:txEl>
+                                          </p:spTgt>
+                                        </p:tgtEl>
+                                        <p:attrNameLst>
+                                          <p:attrName>style.visibility</p:attrName>
+                                        </p:attrNameLst>
+                                      </p:cBhvr>
+                                      <p:to>
+                                        <p:strVal val="visible"/>
+                                      </p:to>
+                                    </p:set>
+                                  </p:childTnLst>
+                                </p:cTn>
+                              </p:par>
+                            </p:childTnLst>
+                          </p:cTn>
+                        </p:par>
+                      </p:childTnLst>
+                    </p:cTn>
+                  </p:par>
+                  <p:par>
+                    <p:cTn id="7" fill="hold">
+                      <p:stCondLst>
+                        <p:cond delay="indefinite"/>
+                      </p:stCondLst>
+                      <p:childTnLst>
+                        <p:par>
+                          <p:cTn id="8" fill="hold">
+                            <p:stCondLst>
+                              <p:cond delay="0"/>
+                            </p:stCondLst>
+                            <p:childTnLst>
+                              <p:par>
+                                <p:cTn id="9" presetID="1" presetClass="entr" presetSubtype="0" fill="hold" nodeType="clickEffect">
+                                  <p:stCondLst>
+                                    <p:cond delay="0"/>
+                                  </p:stCondLst>
+                                  <p:childTnLst>
+                                    <p:set>
+                                      <p:cBhvr>
+                                        <p:cTn id="10" dur="1" fill="hold">
+                                          <p:stCondLst>
+                                            <p:cond delay="0"/>
+                                          </p:stCondLst>
+                                        </p:cTn>
+                                        <p:tgtEl>
+                                          <p:spTgt spid="3">
+                                            <p:txEl>
+                                              <p:pRg st="1" end="1"/>
+                                            </p:txEl>
+                                          </p:spTgt>
+                                        </p:tgtEl>
+                                        <p:attrNameLst>
+                                          <p:attrName>style.visibility</p:attrName>
+                                        </p:attrNameLst>
+                                      </p:cBhvr>
+                                      <p:to>
+                                        <p:strVal val="visible"/>
+                                      </p:to>
+                                    </p:set>
+                                  </p:childTnLst>
+                                </p:cTn>
+                              </p:par>
+                            </p:childTnLst>
+                          </p:cTn>
+                        </p:par>
+                      </p:childTnLst>
+                    </p:cTn>
+                  </p:par>
+                  <p:par>
+                    <p:cTn id="11" fill="hold">
+                      <p:stCondLst>
+                        <p:cond delay="indefinite"/>
+                      </p:stCondLst>
+                      <p:childTnLst>
+                        <p:par>
+                          <p:cTn id="12" fill="hold">
+                            <p:stCondLst>
+                              <p:cond delay="0"/>
+                            </p:stCondLst>
+                            <p:childTnLst>
+                              <p:par>
+                                <p:cTn id="13" presetID="1" presetClass="entr" presetSubtype="0" fill="hold" nodeType="clickEffect">
+                                  <p:stCondLst>
+                                    <p:cond delay="0"/>
+                                  </p:stCondLst>
+                                  <p:childTnLst>
+                                    <p:set>
+                                      <p:cBhvr>
+                                        <p:cTn id="14" dur="1" fill="hold">
+                                          <p:stCondLst>
+                                            <p:cond delay="0"/>
+                                          </p:stCondLst>
+                                        </p:cTn>
+                                        <p:tgtEl>
+                                          <p:spTgt spid="3">
+                                            <p:txEl>
+                                              <p:pRg st="7" end="7"/>
+                                            </p:txEl>
+                                          </p:spTgt>
+                                        </p:tgtEl>
+                                        <p:attrNameLst>
+                                          <p:attrName>style.visibility</p:attrName>
+                                        </p:attrNameLst>
+                                      </p:cBhvr>
+                                      <p:to>
+                                        <p:strVal val="visible"/>
+                                      </p:to>
+                                    </p:set>
+                                  </p:childTnLst>
+                                </p:cTn>
+                              </p:par>
+                            </p:childTnLst>
+                          </p:cTn>
+                        </p:par>
+                      </p:childTnLst>
+                    </p:cTn>
+                  </p:par>
+                  <p:par>
+                    <p:cTn id="15" fill="hold">
+                      <p:stCondLst>
+                        <p:cond delay="indefinite"/>
+                      </p:stCondLst>
+                      <p:childTnLst>
+                        <p:par>
+                          <p:cTn id="16" fill="hold">
+                            <p:stCondLst>
+                              <p:cond delay="0"/>
+                            </p:stCondLst>
+                            <p:childTnLst>
+                              <p:par>
+                                <p:cTn id="17" presetID="1" presetClass="entr" presetSubtype="0" fill="hold" nodeType="clickEffect">
+                                  <p:stCondLst>
+                                    <p:cond delay="0"/>
+                                  </p:stCondLst>
+                                  <p:childTnLst>
+                                    <p:set>
+                                      <p:cBhvr>
+                                        <p:cTn id="18" dur="1" fill="hold">
+                                          <p:stCondLst>
+                                            <p:cond delay="0"/>
+                                          </p:stCondLst>
+                                        </p:cTn>
+                                        <p:tgtEl>
+                                          <p:spTgt spid="3">
+                                            <p:txEl>
+                                              <p:pRg st="13" end="13"/>
+                                            </p:txEl>
+                                          </p:spTgt>
+                                        </p:tgtEl>
+                                        <p:attrNameLst>
+                                          <p:attrName>style.visibility</p:attrName>
+                                        </p:attrNameLst>
+                                      </p:cBhvr>
+                                      <p:to>
+                                        <p:strVal val="visible"/>
+                                      </p:to>
+                                    </p:set>
+                                  </p:childTnLst>
+                                </p:cTn>
+                              </p:par>
+                            </p:childTnLst>
+                          </p:cTn>
+                        </p:par>
+                      </p:childTnLst>
+                    </p:cTn>
+                  </p:par>
+                  <p:par>
+                    <p:cTn id="19" fill="hold">
+                      <p:stCondLst>
+                        <p:cond delay="indefinite"/>
+                      </p:stCondLst>
+                      <p:childTnLst>
+                        <p:par>
+                          <p:cTn id="20" fill="hold">
+                            <p:stCondLst>
+                              <p:cond delay="0"/>
+                            </p:stCondLst>
+                            <p:childTnLst>
+                              <p:par>
+                                <p:cTn id="21" presetID="1" presetClass="entr" presetSubtype="0" fill="hold" nodeType="clickEffect">
+                                  <p:stCondLst>
+                                    <p:cond delay="0"/>
+                                  </p:stCondLst>
+                                  <p:childTnLst>
+                                    <p:set>
+                                      <p:cBhvr>
+                                        <p:cTn id="22" dur="1" fill="hold">
+                                          <p:stCondLst>
+                                            <p:cond delay="0"/>
+                                          </p:stCondLst>
+                                        </p:cTn>
+                                        <p:tgtEl>
+                                          <p:spTgt spid="3">
+                                            <p:txEl>
+                                              <p:pRg st="17" end="17"/>
+                                            </p:txEl>
+                                          </p:spTgt>
+                                        </p:tgtEl>
+                                        <p:attrNameLst>
+                                          <p:attrName>style.visibility</p:attrName>
+                                        </p:attrNameLst>
+                                      </p:cBhvr>
+                                      <p:to>
+                                        <p:strVal val="visible"/>
+                                      </p:to>
+                                    </p:set>
+                                  </p:childTnLst>
+                                </p:cTn>
+                              </p:par>
+                            </p:childTnLst>
+                          </p:cTn>
+                        </p:par>
+                      </p:childTnLst>
+                    </p:cTn>
+                  </p:par>
+                  <p:par>
+                    <p:cTn id="23" fill="hold">
+                      <p:stCondLst>
+                        <p:cond delay="indefinite"/>
+                      </p:stCondLst>
+                      <p:childTnLst>
+                        <p:par>
+                          <p:cTn id="24" fill="hold">
+                            <p:stCondLst>
+                              <p:cond delay="0"/>
+                            </p:stCondLst>
+                            <p:childTnLst>
+                              <p:par>
+                                <p:cTn id="25" presetID="1" presetClass="entr" presetSubtype="0" fill="hold" grpId="0" nodeType="clickEffect">
+                                  <p:stCondLst>
+                                    <p:cond delay="0"/>
+                                  </p:stCondLst>
+                                  <p:childTnLst>
+                                    <p:set>
+                                      <p:cBhvr>
+                                        <p:cTn id="26" dur="1" fill="hold">
+                                          <p:stCondLst>
+                                            <p:cond delay="0"/>
+                                          </p:stCondLst>
+                                        </p:cTn>
+                                        <p:tgtEl>
+                                          <p:spTgt spid="4"/>
+                                        </p:tgtEl>
+                                        <p:attrNameLst>
+                                          <p:attrName>style.visibility</p:attrName>
+                                        </p:attrNameLst>
+                                      </p:cBhvr>
+                                      <p:to>
+                                        <p:strVal val="visible"/>
+                                      </p:to>
+                                    </p:set>
+                                  </p:childTnLst>
+                                </p:cTn>
+                              </p:par>
+                            </p:childTnLst>
+                          </p:cTn>
+                        </p:par>
+                      </p:childTnLst>
+                    </p:cTn>
+                  </p:par>
+                  <p:par>
+                    <p:cTn id="27" fill="hold">
+                      <p:stCondLst>
+                        <p:cond delay="indefinite"/>
+                      </p:stCondLst>
+                      <p:childTnLst>
+                        <p:par>
+                          <p:cTn id="28" fill="hold">
+                            <p:stCondLst>
+                              <p:cond delay="0"/>
+                            </p:stCondLst>
+                            <p:childTnLst>
+                              <p:par>
+                                <p:cTn id="29" presetID="1" presetClass="entr" presetSubtype="0" fill="hold" nodeType="clickEffect">
+                                  <p:stCondLst>
+                                    <p:cond delay="0"/>
+                                  </p:stCondLst>
+                                  <p:childTnLst>
+                                    <p:set>
+                                      <p:cBhvr>
+                                        <p:cTn id="30" dur="1" fill="hold">
+                                          <p:stCondLst>
+                                            <p:cond delay="0"/>
+                                          </p:stCondLst>
+                                        </p:cTn>
+                                        <p:tgtEl>
+                                          <p:spTgt spid="3">
+                                            <p:txEl>
+                                              <p:pRg st="2" end="2"/>
+                                            </p:txEl>
+                                          </p:spTgt>
+                                        </p:tgtEl>
+                                        <p:attrNameLst>
+                                          <p:attrName>style.visibility</p:attrName>
+                                        </p:attrNameLst>
+                                      </p:cBhvr>
+                                      <p:to>
+                                        <p:strVal val="visible"/>
+                                      </p:to>
+                                    </p:set>
+                                  </p:childTnLst>
+                                </p:cTn>
+                              </p:par>
+                              <p:par>
+                                <p:cTn id="31" presetID="1" presetClass="entr" presetSubtype="0" fill="hold" nodeType="withEffect">
+                                  <p:stCondLst>
+                                    <p:cond delay="0"/>
+                                  </p:stCondLst>
+                                  <p:childTnLst>
+                                    <p:set>
+                                      <p:cBhvr>
+                                        <p:cTn id="32" dur="1" fill="hold">
+                                          <p:stCondLst>
+                                            <p:cond delay="0"/>
+                                          </p:stCondLst>
+                                        </p:cTn>
+                                        <p:tgtEl>
+                                          <p:spTgt spid="3">
+                                            <p:txEl>
+                                              <p:pRg st="3" end="3"/>
+                                            </p:txEl>
+                                          </p:spTgt>
+                                        </p:tgtEl>
+                                        <p:attrNameLst>
+                                          <p:attrName>style.visibility</p:attrName>
+                                        </p:attrNameLst>
+                                      </p:cBhvr>
+                                      <p:to>
+                                        <p:strVal val="visible"/>
+                                      </p:to>
+                                    </p:set>
+                                  </p:childTnLst>
+                                </p:cTn>
+                              </p:par>
+                              <p:par>
+                                <p:cTn id="33" presetID="1" presetClass="entr" presetSubtype="0" fill="hold" nodeType="withEffect">
+                                  <p:stCondLst>
+                                    <p:cond delay="0"/>
+                                  </p:stCondLst>
+                                  <p:childTnLst>
+                                    <p:set>
+                                      <p:cBhvr>
+                                        <p:cTn id="34" dur="1" fill="hold">
+                                          <p:stCondLst>
+                                            <p:cond delay="0"/>
+                                          </p:stCondLst>
+                                        </p:cTn>
+                                        <p:tgtEl>
+                                          <p:spTgt spid="3">
+                                            <p:txEl>
+                                              <p:pRg st="4" end="4"/>
+                                            </p:txEl>
+                                          </p:spTgt>
+                                        </p:tgtEl>
+                                        <p:attrNameLst>
+                                          <p:attrName>style.visibility</p:attrName>
+                                        </p:attrNameLst>
+                                      </p:cBhvr>
+                                      <p:to>
+                                        <p:strVal val="visible"/>
+                                      </p:to>
+                                    </p:set>
+                                  </p:childTnLst>
+                                </p:cTn>
+                              </p:par>
+                              <p:par>
+                                <p:cTn id="35" presetID="1" presetClass="entr" presetSubtype="0" fill="hold" nodeType="withEffect">
+                                  <p:stCondLst>
+                                    <p:cond delay="0"/>
+                                  </p:stCondLst>
+                                  <p:childTnLst>
+                                    <p:set>
+                                      <p:cBhvr>
+                                        <p:cTn id="36" dur="1" fill="hold">
+                                          <p:stCondLst>
+                                            <p:cond delay="0"/>
+                                          </p:stCondLst>
+                                        </p:cTn>
+                                        <p:tgtEl>
+                                          <p:spTgt spid="3">
+                                            <p:txEl>
+                                              <p:pRg st="5" end="5"/>
+                                            </p:txEl>
+                                          </p:spTgt>
+                                        </p:tgtEl>
+                                        <p:attrNameLst>
+                                          <p:attrName>style.visibility</p:attrName>
+                                        </p:attrNameLst>
+                                      </p:cBhvr>
+                                      <p:to>
+                                        <p:strVal val="visible"/>
+                                      </p:to>
+                                    </p:set>
+                                  </p:childTnLst>
+                                </p:cTn>
+                              </p:par>
+                              <p:par>
+                                <p:cTn id="37" presetID="1" presetClass="entr" presetSubtype="0" fill="hold" nodeType="withEffect">
+                                  <p:stCondLst>
+                                    <p:cond delay="0"/>
+                                  </p:stCondLst>
+                                  <p:childTnLst>
+                                    <p:set>
+                                      <p:cBhvr>
+                                        <p:cTn id="38" dur="1" fill="hold">
+                                          <p:stCondLst>
+                                            <p:cond delay="0"/>
+                                          </p:stCondLst>
+                                        </p:cTn>
+                                        <p:tgtEl>
+                                          <p:spTgt spid="3">
+                                            <p:txEl>
+                                              <p:pRg st="6" end="6"/>
+                                            </p:txEl>
+                                          </p:spTgt>
+                                        </p:tgtEl>
+                                        <p:attrNameLst>
+                                          <p:attrName>style.visibility</p:attrName>
+                                        </p:attrNameLst>
+                                      </p:cBhvr>
+                                      <p:to>
+                                        <p:strVal val="visible"/>
+                                      </p:to>
+                                    </p:set>
+                                  </p:childTnLst>
+                                </p:cTn>
+                              </p:par>
+                            </p:childTnLst>
+                          </p:cTn>
+                        </p:par>
+                      </p:childTnLst>
+                    </p:cTn>
+                  </p:par>
+                  <p:par>
+                    <p:cTn id="39" fill="hold">
+                      <p:stCondLst>
+                        <p:cond delay="indefinite"/>
+                      </p:stCondLst>
+                      <p:childTnLst>
+                        <p:par>
+                          <p:cTn id="40" fill="hold">
+                            <p:stCondLst>
+                              <p:cond delay="0"/>
+                            </p:stCondLst>
+                            <p:childTnLst>
+                              <p:par>
+                                <p:cTn id="41" presetID="1" presetClass="entr" presetSubtype="0" fill="hold" nodeType="clickEffect">
+                                  <p:stCondLst>
+                                    <p:cond delay="0"/>
+                                  </p:stCondLst>
+                                  <p:childTnLst>
+                                    <p:set>
+                                      <p:cBhvr>
+                                        <p:cTn id="42" dur="1" fill="hold">
+                                          <p:stCondLst>
+                                            <p:cond delay="0"/>
+                                          </p:stCondLst>
+                                        </p:cTn>
+                                        <p:tgtEl>
+                                          <p:spTgt spid="3">
+                                            <p:txEl>
+                                              <p:pRg st="8" end="8"/>
+                                            </p:txEl>
+                                          </p:spTgt>
+                                        </p:tgtEl>
+                                        <p:attrNameLst>
+                                          <p:attrName>style.visibility</p:attrName>
+                                        </p:attrNameLst>
+                                      </p:cBhvr>
+                                      <p:to>
+                                        <p:strVal val="visible"/>
+                                      </p:to>
+                                    </p:set>
+                                  </p:childTnLst>
+                                </p:cTn>
+                              </p:par>
+                            </p:childTnLst>
+                          </p:cTn>
+                        </p:par>
+                      </p:childTnLst>
+                    </p:cTn>
+                  </p:par>
+                  <p:par>
+                    <p:cTn id="43" fill="hold">
+                      <p:stCondLst>
+                        <p:cond delay="indefinite"/>
+                      </p:stCondLst>
+                      <p:childTnLst>
+                        <p:par>
+                          <p:cTn id="44" fill="hold">
+                            <p:stCondLst>
+                              <p:cond delay="0"/>
+                            </p:stCondLst>
+                            <p:childTnLst>
+                              <p:par>
+                                <p:cTn id="45" presetID="1" presetClass="entr" presetSubtype="0" fill="hold" nodeType="clickEffect">
+                                  <p:stCondLst>
+                                    <p:cond delay="0"/>
+                                  </p:stCondLst>
+                                  <p:childTnLst>
+                                    <p:set>
+                                      <p:cBhvr>
+                                        <p:cTn id="46" dur="1" fill="hold">
+                                          <p:stCondLst>
+                                            <p:cond delay="0"/>
+                                          </p:stCondLst>
+                                        </p:cTn>
+                                        <p:tgtEl>
+                                          <p:spTgt spid="3">
+                                            <p:txEl>
+                                              <p:pRg st="9" end="9"/>
+                                            </p:txEl>
+                                          </p:spTgt>
+                                        </p:tgtEl>
+                                        <p:attrNameLst>
+                                          <p:attrName>style.visibility</p:attrName>
+                                        </p:attrNameLst>
+                                      </p:cBhvr>
+                                      <p:to>
+                                        <p:strVal val="visible"/>
+                                      </p:to>
+                                    </p:set>
+                                  </p:childTnLst>
+                                </p:cTn>
+                              </p:par>
+                            </p:childTnLst>
+                          </p:cTn>
+                        </p:par>
+                      </p:childTnLst>
+                    </p:cTn>
+                  </p:par>
+                  <p:par>
+                    <p:cTn id="47" fill="hold">
+                      <p:stCondLst>
+                        <p:cond delay="indefinite"/>
+                      </p:stCondLst>
+                      <p:childTnLst>
+                        <p:par>
+                          <p:cTn id="48" fill="hold">
+                            <p:stCondLst>
+                              <p:cond delay="0"/>
+                            </p:stCondLst>
+                            <p:childTnLst>
+                              <p:par>
+                                <p:cTn id="49" presetID="1" presetClass="entr" presetSubtype="0" fill="hold" nodeType="clickEffect">
+                                  <p:stCondLst>
+                                    <p:cond delay="0"/>
+                                  </p:stCondLst>
+                                  <p:childTnLst>
+                                    <p:set>
+                                      <p:cBhvr>
+                                        <p:cTn id="50" dur="1" fill="hold">
+                                          <p:stCondLst>
+                                            <p:cond delay="0"/>
+                                          </p:stCondLst>
+                                        </p:cTn>
+                                        <p:tgtEl>
+                                          <p:spTgt spid="3">
+                                            <p:txEl>
+                                              <p:pRg st="10" end="10"/>
+                                            </p:txEl>
+                                          </p:spTgt>
+                                        </p:tgtEl>
+                                        <p:attrNameLst>
+                                          <p:attrName>style.visibility</p:attrName>
+                                        </p:attrNameLst>
+                                      </p:cBhvr>
+                                      <p:to>
+                                        <p:strVal val="visible"/>
+                                      </p:to>
+                                    </p:set>
+                                  </p:childTnLst>
+                                </p:cTn>
+                              </p:par>
+                            </p:childTnLst>
+                          </p:cTn>
+                        </p:par>
+                      </p:childTnLst>
+                    </p:cTn>
+                  </p:par>
+                  <p:par>
+                    <p:cTn id="51" fill="hold">
+                      <p:stCondLst>
+                        <p:cond delay="indefinite"/>
+                      </p:stCondLst>
+                      <p:childTnLst>
+                        <p:par>
+                          <p:cTn id="52" fill="hold">
+                            <p:stCondLst>
+                              <p:cond delay="0"/>
+                            </p:stCondLst>
+                            <p:childTnLst>
+                              <p:par>
+                                <p:cTn id="53" presetID="1" presetClass="entr" presetSubtype="0" fill="hold" nodeType="clickEffect">
+                                  <p:stCondLst>
+                                    <p:cond delay="0"/>
+                                  </p:stCondLst>
+                                  <p:childTnLst>
+                                    <p:set>
+                                      <p:cBhvr>
+                                        <p:cTn id="54" dur="1" fill="hold">
+                                          <p:stCondLst>
+                                            <p:cond delay="0"/>
+                                          </p:stCondLst>
+                                        </p:cTn>
+                                        <p:tgtEl>
+                                          <p:spTgt spid="3">
+                                            <p:txEl>
+                                              <p:pRg st="11" end="11"/>
+                                            </p:txEl>
+                                          </p:spTgt>
+                                        </p:tgtEl>
+                                        <p:attrNameLst>
+                                          <p:attrName>style.visibility</p:attrName>
+                                        </p:attrNameLst>
+                                      </p:cBhvr>
+                                      <p:to>
+                                        <p:strVal val="visible"/>
+                                      </p:to>
+                                    </p:set>
+                                  </p:childTnLst>
+                                </p:cTn>
+                              </p:par>
+                            </p:childTnLst>
+                          </p:cTn>
+                        </p:par>
+                      </p:childTnLst>
+                    </p:cTn>
+                  </p:par>
+                  <p:par>
+                    <p:cTn id="55" fill="hold">
+                      <p:stCondLst>
+                        <p:cond delay="indefinite"/>
+                      </p:stCondLst>
+                      <p:childTnLst>
+                        <p:par>
+                          <p:cTn id="56" fill="hold">
+                            <p:stCondLst>
+                              <p:cond delay="0"/>
+                            </p:stCondLst>
+                            <p:childTnLst>
+                              <p:par>
+                                <p:cTn id="57" presetID="1" presetClass="entr" presetSubtype="0" fill="hold" nodeType="clickEffect">
+                                  <p:stCondLst>
+                                    <p:cond delay="0"/>
+                                  </p:stCondLst>
+                                  <p:childTnLst>
+                                    <p:set>
+                                      <p:cBhvr>
+                                        <p:cTn id="58" dur="1" fill="hold">
+                                          <p:stCondLst>
+                                            <p:cond delay="0"/>
+                                          </p:stCondLst>
+                                        </p:cTn>
+                                        <p:tgtEl>
+                                          <p:spTgt spid="3">
+                                            <p:txEl>
+                                              <p:pRg st="12" end="12"/>
+                                            </p:txEl>
+                                          </p:spTgt>
+                                        </p:tgtEl>
+                                        <p:attrNameLst>
+                                          <p:attrName>style.visibility</p:attrName>
+                                        </p:attrNameLst>
+                                      </p:cBhvr>
+                                      <p:to>
+                                        <p:strVal val="visible"/>
+                                      </p:to>
+                                    </p:set>
+                                  </p:childTnLst>
+                                </p:cTn>
+                              </p:par>
+                            </p:childTnLst>
+                          </p:cTn>
+                        </p:par>
+                      </p:childTnLst>
+                    </p:cTn>
+                  </p:par>
+                  <p:par>
+                    <p:cTn id="59" fill="hold">
+                      <p:stCondLst>
+                        <p:cond delay="indefinite"/>
+                      </p:stCondLst>
+                      <p:childTnLst>
+                        <p:par>
+                          <p:cTn id="60" fill="hold">
+                            <p:stCondLst>
+                              <p:cond delay="0"/>
+                            </p:stCondLst>
+                            <p:childTnLst>
+                              <p:par>
+                                <p:cTn id="61" presetID="1" presetClass="entr" presetSubtype="0" fill="hold" nodeType="clickEffect">
+                                  <p:stCondLst>
+                                    <p:cond delay="0"/>
+                                  </p:stCondLst>
+                                  <p:childTnLst>
+                                    <p:set>
+                                      <p:cBhvr>
+                                        <p:cTn id="62" dur="1" fill="hold">
+                                          <p:stCondLst>
+                                            <p:cond delay="0"/>
+                                          </p:stCondLst>
+                                        </p:cTn>
+                                        <p:tgtEl>
+                                          <p:spTgt spid="3">
+                                            <p:txEl>
+                                              <p:pRg st="14" end="14"/>
+                                            </p:txEl>
+                                          </p:spTgt>
+                                        </p:tgtEl>
+                                        <p:attrNameLst>
+                                          <p:attrName>style.visibility</p:attrName>
+                                        </p:attrNameLst>
+                                      </p:cBhvr>
+                                      <p:to>
+                                        <p:strVal val="visible"/>
+                                      </p:to>
+                                    </p:set>
+                                  </p:childTnLst>
+                                </p:cTn>
+                              </p:par>
+                            </p:childTnLst>
+                          </p:cTn>
+                        </p:par>
+                      </p:childTnLst>
+                    </p:cTn>
+                  </p:par>
+                  <p:par>
+                    <p:cTn id="63" fill="hold">
+                      <p:stCondLst>
+                        <p:cond delay="indefinite"/>
+                      </p:stCondLst>
+                      <p:childTnLst>
+                        <p:par>
+                          <p:cTn id="64" fill="hold">
+                            <p:stCondLst>
+                              <p:cond delay="0"/>
+                            </p:stCondLst>
+                            <p:childTnLst>
+                              <p:par>
+                                <p:cTn id="65" presetID="1" presetClass="entr" presetSubtype="0" fill="hold" nodeType="clickEffect">
+                                  <p:stCondLst>
+                                    <p:cond delay="0"/>
+                                  </p:stCondLst>
+                                  <p:childTnLst>
+                                    <p:set>
+                                      <p:cBhvr>
+                                        <p:cTn id="66" dur="1" fill="hold">
+                                          <p:stCondLst>
+                                            <p:cond delay="0"/>
+                                          </p:stCondLst>
+                                        </p:cTn>
+                                        <p:tgtEl>
+                                          <p:spTgt spid="3">
+                                            <p:txEl>
+                                              <p:pRg st="15" end="15"/>
+                                            </p:txEl>
+                                          </p:spTgt>
+                                        </p:tgtEl>
+                                        <p:attrNameLst>
+                                          <p:attrName>style.visibility</p:attrName>
+                                        </p:attrNameLst>
+                                      </p:cBhvr>
+                                      <p:to>
+                                        <p:strVal val="visible"/>
+                                      </p:to>
+                                    </p:set>
+                                  </p:childTnLst>
+                                </p:cTn>
+                              </p:par>
+                            </p:childTnLst>
+                          </p:cTn>
+                        </p:par>
+                      </p:childTnLst>
+                    </p:cTn>
+                  </p:par>
+                  <p:par>
+                    <p:cTn id="67" fill="hold">
+                      <p:stCondLst>
+                        <p:cond delay="indefinite"/>
+                      </p:stCondLst>
+                      <p:childTnLst>
+                        <p:par>
+                          <p:cTn id="68" fill="hold">
+                            <p:stCondLst>
+                              <p:cond delay="0"/>
+                            </p:stCondLst>
+                            <p:childTnLst>
+                              <p:par>
+                                <p:cTn id="69" presetID="1" presetClass="entr" presetSubtype="0" fill="hold" nodeType="clickEffect">
+                                  <p:stCondLst>
+                                    <p:cond delay="0"/>
+                                  </p:stCondLst>
+                                  <p:childTnLst>
+                                    <p:set>
+                                      <p:cBhvr>
+                                        <p:cTn id="70" dur="1" fill="hold">
+                                          <p:stCondLst>
+                                            <p:cond delay="0"/>
+                                          </p:stCondLst>
+                                        </p:cTn>
+                                        <p:tgtEl>
+                                          <p:spTgt spid="3">
+                                            <p:txEl>
+                                              <p:pRg st="16" end="16"/>
+                                            </p:txEl>
+                                          </p:spTgt>
+                                        </p:tgtEl>
+                                        <p:attrNameLst>
+                                          <p:attrName>style.visibility</p:attrName>
+                                        </p:attrNameLst>
+                                      </p:cBhvr>
+                                      <p:to>
+                                        <p:strVal val="visible"/>
+                                      </p:to>
+                                    </p:set>
+                                  </p:childTnLst>
+                                </p:cTn>
+                              </p:par>
+                            </p:childTnLst>
+                          </p:cTn>
+                        </p:par>
+                      </p:childTnLst>
+                    </p:cTn>
+                  </p:par>
+                  <p:par>
+                    <p:cTn id="71" fill="hold">
+                      <p:stCondLst>
+                        <p:cond delay="indefinite"/>
+                      </p:stCondLst>
+                      <p:childTnLst>
+                        <p:par>
+                          <p:cTn id="72" fill="hold">
+                            <p:stCondLst>
+                              <p:cond delay="0"/>
+                            </p:stCondLst>
+                            <p:childTnLst>
+                              <p:par>
+                                <p:cTn id="73" presetID="1" presetClass="entr" presetSubtype="0" fill="hold" nodeType="clickEffect">
+                                  <p:stCondLst>
+                                    <p:cond delay="0"/>
+                                  </p:stCondLst>
+                                  <p:childTnLst>
+                                    <p:set>
+                                      <p:cBhvr>
+                                        <p:cTn id="74" dur="1" fill="hold">
+                                          <p:stCondLst>
+                                            <p:cond delay="0"/>
+                                          </p:stCondLst>
+                                        </p:cTn>
+                                        <p:tgtEl>
+                                          <p:spTgt spid="3">
+                                            <p:txEl>
+                                              <p:pRg st="18" end="18"/>
+                                            </p:txEl>
+                                          </p:spTgt>
+                                        </p:tgtEl>
+                                        <p:attrNameLst>
+                                          <p:attrName>style.visibility</p:attrName>
+                                        </p:attrNameLst>
+                                      </p:cBhvr>
+                                      <p:to>
+                                        <p:strVal val="visible"/>
+                                      </p:to>
+                                    </p:set>
+                                  </p:childTnLst>
+                                </p:cTn>
+                              </p:par>
+                              <p:par>
+                                <p:cTn id="75" presetID="1" presetClass="entr" presetSubtype="0" fill="hold" nodeType="withEffect">
+                                  <p:stCondLst>
+                                    <p:cond delay="0"/>
+                                  </p:stCondLst>
+                                  <p:childTnLst>
+                                    <p:set>
+                                      <p:cBhvr>
+                                        <p:cTn id="76" dur="1" fill="hold">
+                                          <p:stCondLst>
+                                            <p:cond delay="0"/>
+                                          </p:stCondLst>
+                                        </p:cTn>
+                                        <p:tgtEl>
+                                          <p:spTgt spid="3">
+                                            <p:txEl>
+                                              <p:pRg st="19" end="19"/>
+                                            </p:txEl>
+                                          </p:spTgt>
+                                        </p:tgtEl>
+                                        <p:attrNameLst>
+                                          <p:attrName>style.visibility</p:attrName>
+                                        </p:attrNameLst>
+                                      </p:cBhvr>
+                                      <p:to>
+                                        <p:strVal val="visible"/>
+                                      </p:to>
+                                    </p:set>
+                                  </p:childTnLst>
+                                </p:cTn>
+                              </p:par>
+                              <p:par>
+                                <p:cTn id="77" presetID="1" presetClass="entr" presetSubtype="0" fill="hold" nodeType="withEffect">
+                                  <p:stCondLst>
+                                    <p:cond delay="0"/>
+                                  </p:stCondLst>
+                                  <p:childTnLst>
+                                    <p:set>
+                                      <p:cBhvr>
+                                        <p:cTn id="78" dur="1" fill="hold">
+                                          <p:stCondLst>
+                                            <p:cond delay="0"/>
+                                          </p:stCondLst>
+                                        </p:cTn>
+                                        <p:tgtEl>
+                                          <p:spTgt spid="3">
+                                            <p:txEl>
+                                              <p:pRg st="20" end="20"/>
+                                            </p:txEl>
+                                          </p:spTgt>
+                                        </p:tgtEl>
+                                        <p:attrNameLst>
+                                          <p:attrName>style.visibility</p:attrName>
+                                        </p:attrNameLst>
+                                      </p:cBhvr>
+                                      <p:to>
+                                        <p:strVal val="visible"/>
+                                      </p:to>
+                                    </p:set>
+                                  </p:childTnLst>
+                                </p:cTn>
+                              </p:par>
+                              <p:par>
+                                <p:cTn id="79" presetID="1" presetClass="entr" presetSubtype="0" fill="hold" nodeType="withEffect">
+                                  <p:stCondLst>
+                                    <p:cond delay="0"/>
+                                  </p:stCondLst>
+                                  <p:childTnLst>
+                                    <p:set>
+                                      <p:cBhvr>
+                                        <p:cTn id="80" dur="1" fill="hold">
+                                          <p:stCondLst>
+                                            <p:cond delay="0"/>
+                                          </p:stCondLst>
+                                        </p:cTn>
+                                        <p:tgtEl>
+                                          <p:spTgt spid="3">
+                                            <p:txEl>
+                                              <p:pRg st="21" end="21"/>
+                                            </p:txEl>
+                                          </p:spTgt>
+                                        </p:tgtEl>
+                                        <p:attrNameLst>
+                                          <p:attrName>style.visibility</p:attrName>
+                                        </p:attrNameLst>
+                                      </p:cBhvr>
+                                      <p:to>
+                                        <p:strVal val="visible"/>
+                                      </p:to>
+                                    </p:set>
+                                  </p:childTnLst>
+                                </p:cTn>
+                              </p:par>
+                              <p:par>
+                                <p:cTn id="81" presetID="1" presetClass="entr" presetSubtype="0" fill="hold" nodeType="withEffect">
+                                  <p:stCondLst>
+                                    <p:cond delay="0"/>
+                                  </p:stCondLst>
+                                  <p:childTnLst>
+                                    <p:set>
+                                      <p:cBhvr>
+                                        <p:cTn id="82" dur="1" fill="hold">
+                                          <p:stCondLst>
+                                            <p:cond delay="0"/>
+                                          </p:stCondLst>
+                                        </p:cTn>
+                                        <p:tgtEl>
+                                          <p:spTgt spid="3">
+                                            <p:txEl>
+                                              <p:pRg st="22" end="22"/>
+                                            </p:txEl>
+                                          </p:spTgt>
+                                        </p:tgtEl>
+                                        <p:attrNameLst>
+                                          <p:attrName>style.visibility</p:attrName>
+                                        </p:attrNameLst>
+                                      </p:cBhvr>
+                                      <p:to>
+                                        <p:strVal val="visible"/>
+                                      </p:to>
+                                    </p:set>
+                                  </p:childTnLst>
+                                </p:cTn>
+                              </p:par>
+                              <p:par>
+                                <p:cTn id="83" presetID="1" presetClass="entr" presetSubtype="0" fill="hold" nodeType="withEffect">
+                                  <p:stCondLst>
+                                    <p:cond delay="0"/>
+                                  </p:stCondLst>
+                                  <p:childTnLst>
+                                    <p:set>
+                                      <p:cBhvr>
+                                        <p:cTn id="84" dur="1" fill="hold">
+                                          <p:stCondLst>
+                                            <p:cond delay="0"/>
+                                          </p:stCondLst>
+                                        </p:cTn>
+                                        <p:tgtEl>
+                                          <p:spTgt spid="3">
+                                            <p:txEl>
+                                              <p:pRg st="23" end="23"/>
+                                            </p:txEl>
+                                          </p:spTgt>
+                                        </p:tgtEl>
+                                        <p:attrNameLst>
+                                          <p:attrName>style.visibility</p:attrName>
+                                        </p:attrNameLst>
+                                      </p:cBhvr>
+                                      <p:to>
+                                        <p:strVal val="visible"/>
+                                      </p:to>
+                                    </p:set>
+                                  </p:childTnLst>
+                                </p:cTn>
+                              </p:par>
+                            </p:childTnLst>
+                          </p:cTn>
+                        </p:par>
+                      </p:childTnLst>
+                    </p:cTn>
+                  </p:par>
+                </p:childTnLst>
+              </p:cTn>
+              <p:prevCondLst>
+                <p:cond evt="onPrev" delay="0">
+                  <p:tgtEl>
+                    <p:sldTgt/>
+                  </p:tgtEl>
+                </p:cond>
+              </p:prevCondLst>
+              <p:nextCondLst>
+                <p:cond evt="onNext" delay="0">
+                  <p:tgtEl>
+                    <p:sldTgt/>
+                  </p:tgtEl>
+                </p:cond>
+              </p:nextCondLst>
+            </p:seq>
+          </p:childTnLst>
+        </p:cTn>
+      </p:par>
+    </p:tnLst>
+    <p:bldLst>
+      <p:bldP spid="4" grpId="0" animBg="1"/>
+    </p:bldLst>
+  </p:timing>
 </p:sld>
 </file>
 
@@ -8811,12 +11651,42 @@
           <a:chExt cx="0" cy="0"/>
         </a:xfrm>
       </p:grpSpPr>
+      <p:pic>
+        <p:nvPicPr>
+          <p:cNvPr id="9" name="Afbeelding 8">
+            <a:extLst>
+              <a:ext uri="{FF2B5EF4-FFF2-40B4-BE49-F238E27FC236}">
+                <a16:creationId xmlns:a16="http://schemas.microsoft.com/office/drawing/2014/main" id="{A7585E42-BC0C-470D-832F-7A10EAEBB437}"/>
+              </a:ext>
+            </a:extLst>
+          </p:cNvPr>
+          <p:cNvPicPr>
+            <a:picLocks noChangeAspect="1"/>
+          </p:cNvPicPr>
+          <p:nvPr/>
+        </p:nvPicPr>
+        <p:blipFill>
+          <a:blip r:embed="rId2"/>
+          <a:stretch>
+            <a:fillRect/>
+          </a:stretch>
+        </p:blipFill>
+        <p:spPr>
+          <a:xfrm>
+            <a:off x="2318683" y="275306"/>
+            <a:ext cx="9383434" cy="6582694"/>
+          </a:xfrm>
+          <a:prstGeom prst="rect">
+            <a:avLst/>
+          </a:prstGeom>
+        </p:spPr>
+      </p:pic>
       <p:sp>
         <p:nvSpPr>
           <p:cNvPr id="2" name="Titel 1">
             <a:extLst>
               <a:ext uri="{FF2B5EF4-FFF2-40B4-BE49-F238E27FC236}">
-                <a16:creationId xmlns:a16="http://schemas.microsoft.com/office/drawing/2014/main" id="{768FB16B-6690-4D0F-9A4F-8EB04CD6C7FE}"/>
+                <a16:creationId xmlns:a16="http://schemas.microsoft.com/office/drawing/2014/main" id="{D70AD82D-9295-4CB3-B3B2-2E9073019586}"/>
               </a:ext>
             </a:extLst>
           </p:cNvPr>
@@ -8827,235 +11697,23 @@
             <p:ph type="title"/>
           </p:nvPr>
         </p:nvSpPr>
-        <p:spPr/>
+        <p:spPr>
+          <a:xfrm>
+            <a:off x="829559" y="0"/>
+            <a:ext cx="10524241" cy="701643"/>
+          </a:xfrm>
+        </p:spPr>
         <p:txBody>
           <a:bodyPr/>
           <a:lstStyle/>
           <a:p>
             <a:r>
-              <a:rPr lang="nl-NL" dirty="0"/>
-              <a:t>0) volledig intrekken en vervangen</a:t>
-            </a:r>
-          </a:p>
-        </p:txBody>
-      </p:sp>
-      <p:sp>
-        <p:nvSpPr>
-          <p:cNvPr id="3" name="Tijdelijke aanduiding voor inhoud 2">
-            <a:extLst>
-              <a:ext uri="{FF2B5EF4-FFF2-40B4-BE49-F238E27FC236}">
-                <a16:creationId xmlns:a16="http://schemas.microsoft.com/office/drawing/2014/main" id="{8364B8D8-230B-4E33-BB9E-EE4759FC7D1F}"/>
-              </a:ext>
-            </a:extLst>
-          </p:cNvPr>
-          <p:cNvSpPr>
-            <a:spLocks noGrp="1"/>
-          </p:cNvSpPr>
-          <p:nvPr>
-            <p:ph idx="1"/>
-          </p:nvPr>
-        </p:nvSpPr>
-        <p:spPr/>
-        <p:txBody>
-          <a:bodyPr>
-            <a:normAutofit lnSpcReduction="10000"/>
-          </a:bodyPr>
-          <a:lstStyle/>
-          <a:p>
-            <a:r>
-              <a:rPr lang="nl-NL" dirty="0"/>
-              <a:t>OP - Intrekken en vervangen van een regeling</a:t>
-            </a:r>
-          </a:p>
-          <a:p>
-            <a:pPr lvl="1"/>
-            <a:r>
-              <a:rPr lang="nl-NL" dirty="0"/>
-              <a:t>Toevoeging van tekst in </a:t>
-            </a:r>
-            <a:r>
-              <a:rPr lang="nl-NL" dirty="0">
-                <a:solidFill>
-                  <a:schemeClr val="accent1">
-                    <a:lumMod val="75000"/>
-                  </a:schemeClr>
-                </a:solidFill>
-              </a:rPr>
-              <a:t>Artikel 2.15</a:t>
-            </a:r>
-          </a:p>
-          <a:p>
-            <a:pPr lvl="2"/>
-            <a:r>
-              <a:rPr lang="nl-NL" dirty="0">
-                <a:solidFill>
-                  <a:srgbClr val="000000"/>
-                </a:solidFill>
-                <a:highlight>
-                  <a:srgbClr val="FFFFFF"/>
-                </a:highlight>
-              </a:rPr>
-              <a:t>Deze zin is om een afwijking te constateren met de initieel aangeleverde regeling.</a:t>
-            </a:r>
-          </a:p>
-          <a:p>
-            <a:pPr lvl="2"/>
-            <a:endParaRPr lang="nl-NL" dirty="0"/>
-          </a:p>
-          <a:p>
-            <a:r>
-              <a:rPr lang="nl-NL" dirty="0"/>
-              <a:t>OW – toevoegen van een annotatie</a:t>
-            </a:r>
-          </a:p>
-          <a:p>
-            <a:pPr lvl="1"/>
-            <a:r>
-              <a:rPr lang="nl-NL" dirty="0"/>
-              <a:t>Toevoeging van een annotatie bij </a:t>
-            </a:r>
-            <a:r>
-              <a:rPr lang="nl-NL" dirty="0">
-                <a:solidFill>
-                  <a:schemeClr val="accent1">
-                    <a:lumMod val="75000"/>
-                  </a:schemeClr>
-                </a:solidFill>
-              </a:rPr>
-              <a:t>Artikel 2.10</a:t>
-            </a:r>
-          </a:p>
-          <a:p>
-            <a:pPr lvl="2"/>
-            <a:r>
-              <a:rPr lang="nl-NL" dirty="0">
-                <a:solidFill>
-                  <a:schemeClr val="accent6">
-                    <a:lumMod val="75000"/>
-                  </a:schemeClr>
-                </a:solidFill>
-              </a:rPr>
-              <a:t>Activiteit</a:t>
-            </a:r>
-            <a:r>
-              <a:rPr lang="nl-NL" dirty="0"/>
-              <a:t> toegevoegd</a:t>
-            </a:r>
-          </a:p>
-          <a:p>
-            <a:pPr lvl="3"/>
-            <a:r>
-              <a:rPr lang="nl-NL" dirty="0">
-                <a:solidFill>
-                  <a:schemeClr val="accent6">
-                    <a:lumMod val="75000"/>
-                  </a:schemeClr>
-                </a:solidFill>
-              </a:rPr>
-              <a:t>Identificatie</a:t>
-            </a:r>
-            <a:r>
-              <a:rPr lang="nl-NL" dirty="0"/>
-              <a:t>: </a:t>
-            </a:r>
-            <a:r>
-              <a:rPr lang="nl-NL" dirty="0">
-                <a:solidFill>
-                  <a:srgbClr val="000000"/>
-                </a:solidFill>
-                <a:highlight>
-                  <a:srgbClr val="FFFFFF"/>
-                </a:highlight>
-              </a:rPr>
-              <a:t>nl.imow-gm0297.activiteit.2020000685</a:t>
-            </a:r>
-          </a:p>
-          <a:p>
-            <a:pPr lvl="3"/>
-            <a:r>
-              <a:rPr lang="nl-NL" dirty="0">
-                <a:solidFill>
-                  <a:schemeClr val="accent6">
-                    <a:lumMod val="75000"/>
-                  </a:schemeClr>
-                </a:solidFill>
-              </a:rPr>
-              <a:t>Naam</a:t>
-            </a:r>
-            <a:r>
-              <a:rPr lang="nl-NL" dirty="0"/>
-              <a:t>: </a:t>
-            </a:r>
-            <a:r>
-              <a:rPr lang="nl-NL" dirty="0">
-                <a:solidFill>
-                  <a:srgbClr val="000000"/>
-                </a:solidFill>
-                <a:highlight>
-                  <a:srgbClr val="FFFFFF"/>
-                </a:highlight>
-              </a:rPr>
-              <a:t>het exploiteren van een instelling voor cultuur en ontspanning</a:t>
-            </a:r>
-            <a:endParaRPr lang="nl-NL" dirty="0"/>
-          </a:p>
-          <a:p>
-            <a:pPr lvl="2"/>
-            <a:r>
               <a:rPr lang="nl-NL" dirty="0" err="1"/>
-              <a:t>RegelVoorIedereen</a:t>
-            </a:r>
-            <a:endParaRPr lang="nl-NL" dirty="0"/>
-          </a:p>
-          <a:p>
-            <a:pPr lvl="3"/>
-            <a:r>
-              <a:rPr lang="nl-NL" dirty="0">
-                <a:solidFill>
-                  <a:schemeClr val="accent6">
-                    <a:lumMod val="75000"/>
-                  </a:schemeClr>
-                </a:solidFill>
-              </a:rPr>
-              <a:t>ActiviteitLocatieaanduiding </a:t>
-            </a:r>
-            <a:r>
-              <a:rPr lang="nl-NL" dirty="0"/>
-              <a:t>toegevoegd bij artikel 2.10</a:t>
-            </a:r>
-          </a:p>
-          <a:p>
-            <a:pPr lvl="4"/>
-            <a:r>
-              <a:rPr lang="nl-NL" dirty="0">
-                <a:solidFill>
-                  <a:schemeClr val="accent6">
-                    <a:lumMod val="75000"/>
-                  </a:schemeClr>
-                </a:solidFill>
-              </a:rPr>
-              <a:t>Locatie</a:t>
-            </a:r>
-            <a:r>
-              <a:rPr lang="nl-NL" dirty="0"/>
-              <a:t>: Centrumgebied</a:t>
-            </a:r>
-          </a:p>
-          <a:p>
-            <a:pPr lvl="4"/>
-            <a:r>
-              <a:rPr lang="nl-NL" dirty="0">
-                <a:solidFill>
-                  <a:schemeClr val="accent6">
-                    <a:lumMod val="75000"/>
-                  </a:schemeClr>
-                </a:solidFill>
-              </a:rPr>
-              <a:t>Kwalificatie</a:t>
-            </a:r>
-            <a:r>
-              <a:rPr lang="nl-NL" dirty="0"/>
-              <a:t>: Toegestaan</a:t>
+              <a:t>Submutatiescenario’s</a:t>
+            </a:r>
+            <a:r>
+              <a:rPr lang="nl-NL" dirty="0"/>
+              <a:t> en impact op objecten</a:t>
             </a:r>
           </a:p>
         </p:txBody>
@@ -9063,7 +11721,7 @@
     </p:spTree>
     <p:extLst>
       <p:ext uri="{BB962C8B-B14F-4D97-AF65-F5344CB8AC3E}">
-        <p14:creationId xmlns:p14="http://schemas.microsoft.com/office/powerpoint/2010/main" val="967536321"/>
+        <p14:creationId xmlns:p14="http://schemas.microsoft.com/office/powerpoint/2010/main" val="3217727301"/>
       </p:ext>
     </p:extLst>
   </p:cSld>
@@ -9095,7 +11753,7 @@
           <p:cNvPr id="2" name="Titel 1">
             <a:extLst>
               <a:ext uri="{FF2B5EF4-FFF2-40B4-BE49-F238E27FC236}">
-                <a16:creationId xmlns:a16="http://schemas.microsoft.com/office/drawing/2014/main" id="{A765CE5F-9786-4D5E-AC7F-F1438162A196}"/>
+                <a16:creationId xmlns:a16="http://schemas.microsoft.com/office/drawing/2014/main" id="{648A831A-050A-46E8-A2A0-894362F557BE}"/>
               </a:ext>
             </a:extLst>
           </p:cNvPr>
@@ -9113,7 +11771,7 @@
           <a:p>
             <a:r>
               <a:rPr lang="nl-NL" dirty="0"/>
-              <a:t>2) Wijzigen van artikelen en leden </a:t>
+              <a:t>Wat kan er nu wel </a:t>
             </a:r>
           </a:p>
         </p:txBody>
@@ -9123,7 +11781,7 @@
           <p:cNvPr id="3" name="Tijdelijke aanduiding voor inhoud 2">
             <a:extLst>
               <a:ext uri="{FF2B5EF4-FFF2-40B4-BE49-F238E27FC236}">
-                <a16:creationId xmlns:a16="http://schemas.microsoft.com/office/drawing/2014/main" id="{4EDFA96D-1EEF-46A5-97D0-F10B545B2013}"/>
+                <a16:creationId xmlns:a16="http://schemas.microsoft.com/office/drawing/2014/main" id="{4F0E5E8D-66F0-4578-9099-024753B5FCC1}"/>
               </a:ext>
             </a:extLst>
           </p:cNvPr>
@@ -9139,33 +11797,76 @@
           <a:bodyPr/>
           <a:lstStyle/>
           <a:p>
-            <a:r>
-              <a:rPr lang="nl-NL" dirty="0"/>
-              <a:t>A) vervanging van Artikel 2.5 naar 2.6 </a:t>
-            </a:r>
-          </a:p>
-          <a:p>
-            <a:r>
-              <a:rPr lang="nl-NL" dirty="0"/>
-              <a:t>B) vervanging van Artikel 2.6 naar 2.5. </a:t>
-            </a:r>
-          </a:p>
-          <a:p>
-            <a:r>
-              <a:rPr lang="nl-NL" dirty="0"/>
-              <a:t>C) verwijderen van Artikel 2.7 Lid 2</a:t>
-            </a:r>
-          </a:p>
-          <a:p>
-            <a:r>
-              <a:rPr lang="nl-NL" dirty="0"/>
-              <a:t>D) verwijderen  van Artikel 2.14</a:t>
-            </a:r>
-          </a:p>
-          <a:p>
-            <a:r>
-              <a:rPr lang="nl-NL" dirty="0"/>
-              <a:t>E) nieuw Artikel (2.14) toevoegen</a:t>
+            <a:pPr lvl="1"/>
+            <a:r>
+              <a:rPr lang="nl-NL" dirty="0"/>
+              <a:t>Per 4 februari </a:t>
+            </a:r>
+          </a:p>
+          <a:p>
+            <a:r>
+              <a:rPr lang="nl-NL" dirty="0"/>
+              <a:t>Wijzigen van OP in samenhang met OW</a:t>
+            </a:r>
+          </a:p>
+          <a:p>
+            <a:r>
+              <a:rPr lang="nl-NL" dirty="0"/>
+              <a:t>De volgende (sub)mutatiescenario’s</a:t>
+            </a:r>
+          </a:p>
+          <a:p>
+            <a:pPr lvl="1"/>
+            <a:r>
+              <a:rPr lang="nl-NL" dirty="0"/>
+              <a:t>(0) Intrekken en vervangen van de Regeling</a:t>
+            </a:r>
+          </a:p>
+          <a:p>
+            <a:pPr marL="685800" lvl="2">
+              <a:spcBef>
+                <a:spcPts val="1000"/>
+              </a:spcBef>
+            </a:pPr>
+            <a:r>
+              <a:rPr lang="nl-NL" sz="2400" dirty="0"/>
+              <a:t>(3a2) het toevoegen van een artikel inclusief OW-object</a:t>
+            </a:r>
+          </a:p>
+          <a:p>
+            <a:pPr marL="685800" lvl="2">
+              <a:spcBef>
+                <a:spcPts val="1000"/>
+              </a:spcBef>
+            </a:pPr>
+            <a:r>
+              <a:rPr lang="nl-NL" sz="2400" dirty="0"/>
+              <a:t>(3b) wijziging van activiteitnaam</a:t>
+            </a:r>
+          </a:p>
+          <a:p>
+            <a:pPr marL="685800" lvl="2">
+              <a:spcBef>
+                <a:spcPts val="1000"/>
+              </a:spcBef>
+            </a:pPr>
+            <a:r>
+              <a:rPr lang="nl-NL" sz="2400" dirty="0"/>
+              <a:t>(3c) het toevoegen van een GIO incl. annotaties.</a:t>
+            </a:r>
+          </a:p>
+          <a:p>
+            <a:pPr marL="685800" lvl="2">
+              <a:spcBef>
+                <a:spcPts val="1000"/>
+              </a:spcBef>
+              <a:spcAft>
+                <a:spcPts val="800"/>
+              </a:spcAft>
+            </a:pPr>
+            <a:r>
+              <a:rPr lang="nl-NL" sz="2400" dirty="0"/>
+              <a:t>(3d) het artikel op vervallen zetten incl. vervallen van GIO en beëindigen van annotaties.</a:t>
             </a:r>
           </a:p>
           <a:p>
@@ -9176,13 +11877,386 @@
     </p:spTree>
     <p:extLst>
       <p:ext uri="{BB962C8B-B14F-4D97-AF65-F5344CB8AC3E}">
-        <p14:creationId xmlns:p14="http://schemas.microsoft.com/office/powerpoint/2010/main" val="409407637"/>
+        <p14:creationId xmlns:p14="http://schemas.microsoft.com/office/powerpoint/2010/main" val="3393964586"/>
       </p:ext>
     </p:extLst>
   </p:cSld>
   <p:clrMapOvr>
     <a:masterClrMapping/>
   </p:clrMapOvr>
+  <p:timing>
+    <p:tnLst>
+      <p:par>
+        <p:cTn id="1" dur="indefinite" restart="never" nodeType="tmRoot">
+          <p:childTnLst>
+            <p:seq concurrent="1" nextAc="seek">
+              <p:cTn id="2" dur="indefinite" nodeType="mainSeq">
+                <p:childTnLst>
+                  <p:par>
+                    <p:cTn id="3" fill="hold">
+                      <p:stCondLst>
+                        <p:cond delay="indefinite"/>
+                      </p:stCondLst>
+                      <p:childTnLst>
+                        <p:par>
+                          <p:cTn id="4" fill="hold">
+                            <p:stCondLst>
+                              <p:cond delay="0"/>
+                            </p:stCondLst>
+                            <p:childTnLst>
+                              <p:par>
+                                <p:cTn id="5" presetID="1" presetClass="entr" presetSubtype="0" fill="hold" nodeType="clickEffect">
+                                  <p:stCondLst>
+                                    <p:cond delay="0"/>
+                                  </p:stCondLst>
+                                  <p:childTnLst>
+                                    <p:set>
+                                      <p:cBhvr>
+                                        <p:cTn id="6" dur="1" fill="hold">
+                                          <p:stCondLst>
+                                            <p:cond delay="0"/>
+                                          </p:stCondLst>
+                                        </p:cTn>
+                                        <p:tgtEl>
+                                          <p:spTgt spid="3">
+                                            <p:txEl>
+                                              <p:pRg st="1" end="1"/>
+                                            </p:txEl>
+                                          </p:spTgt>
+                                        </p:tgtEl>
+                                        <p:attrNameLst>
+                                          <p:attrName>style.visibility</p:attrName>
+                                        </p:attrNameLst>
+                                      </p:cBhvr>
+                                      <p:to>
+                                        <p:strVal val="visible"/>
+                                      </p:to>
+                                    </p:set>
+                                  </p:childTnLst>
+                                </p:cTn>
+                              </p:par>
+                            </p:childTnLst>
+                          </p:cTn>
+                        </p:par>
+                      </p:childTnLst>
+                    </p:cTn>
+                  </p:par>
+                  <p:par>
+                    <p:cTn id="7" fill="hold">
+                      <p:stCondLst>
+                        <p:cond delay="indefinite"/>
+                      </p:stCondLst>
+                      <p:childTnLst>
+                        <p:par>
+                          <p:cTn id="8" fill="hold">
+                            <p:stCondLst>
+                              <p:cond delay="0"/>
+                            </p:stCondLst>
+                            <p:childTnLst>
+                              <p:par>
+                                <p:cTn id="9" presetID="1" presetClass="entr" presetSubtype="0" fill="hold" nodeType="clickEffect">
+                                  <p:stCondLst>
+                                    <p:cond delay="0"/>
+                                  </p:stCondLst>
+                                  <p:childTnLst>
+                                    <p:set>
+                                      <p:cBhvr>
+                                        <p:cTn id="10" dur="1" fill="hold">
+                                          <p:stCondLst>
+                                            <p:cond delay="0"/>
+                                          </p:stCondLst>
+                                        </p:cTn>
+                                        <p:tgtEl>
+                                          <p:spTgt spid="3">
+                                            <p:txEl>
+                                              <p:pRg st="2" end="2"/>
+                                            </p:txEl>
+                                          </p:spTgt>
+                                        </p:tgtEl>
+                                        <p:attrNameLst>
+                                          <p:attrName>style.visibility</p:attrName>
+                                        </p:attrNameLst>
+                                      </p:cBhvr>
+                                      <p:to>
+                                        <p:strVal val="visible"/>
+                                      </p:to>
+                                    </p:set>
+                                  </p:childTnLst>
+                                </p:cTn>
+                              </p:par>
+                            </p:childTnLst>
+                          </p:cTn>
+                        </p:par>
+                      </p:childTnLst>
+                    </p:cTn>
+                  </p:par>
+                  <p:par>
+                    <p:cTn id="11" fill="hold">
+                      <p:stCondLst>
+                        <p:cond delay="indefinite"/>
+                      </p:stCondLst>
+                      <p:childTnLst>
+                        <p:par>
+                          <p:cTn id="12" fill="hold">
+                            <p:stCondLst>
+                              <p:cond delay="0"/>
+                            </p:stCondLst>
+                            <p:childTnLst>
+                              <p:par>
+                                <p:cTn id="13" presetID="1" presetClass="entr" presetSubtype="0" fill="hold" nodeType="clickEffect">
+                                  <p:stCondLst>
+                                    <p:cond delay="0"/>
+                                  </p:stCondLst>
+                                  <p:childTnLst>
+                                    <p:set>
+                                      <p:cBhvr>
+                                        <p:cTn id="14" dur="1" fill="hold">
+                                          <p:stCondLst>
+                                            <p:cond delay="0"/>
+                                          </p:stCondLst>
+                                        </p:cTn>
+                                        <p:tgtEl>
+                                          <p:spTgt spid="3">
+                                            <p:txEl>
+                                              <p:pRg st="3" end="3"/>
+                                            </p:txEl>
+                                          </p:spTgt>
+                                        </p:tgtEl>
+                                        <p:attrNameLst>
+                                          <p:attrName>style.visibility</p:attrName>
+                                        </p:attrNameLst>
+                                      </p:cBhvr>
+                                      <p:to>
+                                        <p:strVal val="visible"/>
+                                      </p:to>
+                                    </p:set>
+                                  </p:childTnLst>
+                                </p:cTn>
+                              </p:par>
+                            </p:childTnLst>
+                          </p:cTn>
+                        </p:par>
+                      </p:childTnLst>
+                    </p:cTn>
+                  </p:par>
+                  <p:par>
+                    <p:cTn id="15" fill="hold">
+                      <p:stCondLst>
+                        <p:cond delay="indefinite"/>
+                      </p:stCondLst>
+                      <p:childTnLst>
+                        <p:par>
+                          <p:cTn id="16" fill="hold">
+                            <p:stCondLst>
+                              <p:cond delay="0"/>
+                            </p:stCondLst>
+                            <p:childTnLst>
+                              <p:par>
+                                <p:cTn id="17" presetID="1" presetClass="entr" presetSubtype="0" fill="hold" nodeType="clickEffect">
+                                  <p:stCondLst>
+                                    <p:cond delay="0"/>
+                                  </p:stCondLst>
+                                  <p:childTnLst>
+                                    <p:set>
+                                      <p:cBhvr>
+                                        <p:cTn id="18" dur="1" fill="hold">
+                                          <p:stCondLst>
+                                            <p:cond delay="0"/>
+                                          </p:stCondLst>
+                                        </p:cTn>
+                                        <p:tgtEl>
+                                          <p:spTgt spid="3">
+                                            <p:txEl>
+                                              <p:pRg st="4" end="4"/>
+                                            </p:txEl>
+                                          </p:spTgt>
+                                        </p:tgtEl>
+                                        <p:attrNameLst>
+                                          <p:attrName>style.visibility</p:attrName>
+                                        </p:attrNameLst>
+                                      </p:cBhvr>
+                                      <p:to>
+                                        <p:strVal val="visible"/>
+                                      </p:to>
+                                    </p:set>
+                                  </p:childTnLst>
+                                </p:cTn>
+                              </p:par>
+                            </p:childTnLst>
+                          </p:cTn>
+                        </p:par>
+                      </p:childTnLst>
+                    </p:cTn>
+                  </p:par>
+                  <p:par>
+                    <p:cTn id="19" fill="hold">
+                      <p:stCondLst>
+                        <p:cond delay="indefinite"/>
+                      </p:stCondLst>
+                      <p:childTnLst>
+                        <p:par>
+                          <p:cTn id="20" fill="hold">
+                            <p:stCondLst>
+                              <p:cond delay="0"/>
+                            </p:stCondLst>
+                            <p:childTnLst>
+                              <p:par>
+                                <p:cTn id="21" presetID="1" presetClass="entr" presetSubtype="0" fill="hold" nodeType="clickEffect">
+                                  <p:stCondLst>
+                                    <p:cond delay="0"/>
+                                  </p:stCondLst>
+                                  <p:childTnLst>
+                                    <p:set>
+                                      <p:cBhvr>
+                                        <p:cTn id="22" dur="1" fill="hold">
+                                          <p:stCondLst>
+                                            <p:cond delay="0"/>
+                                          </p:stCondLst>
+                                        </p:cTn>
+                                        <p:tgtEl>
+                                          <p:spTgt spid="3">
+                                            <p:txEl>
+                                              <p:pRg st="5" end="5"/>
+                                            </p:txEl>
+                                          </p:spTgt>
+                                        </p:tgtEl>
+                                        <p:attrNameLst>
+                                          <p:attrName>style.visibility</p:attrName>
+                                        </p:attrNameLst>
+                                      </p:cBhvr>
+                                      <p:to>
+                                        <p:strVal val="visible"/>
+                                      </p:to>
+                                    </p:set>
+                                  </p:childTnLst>
+                                </p:cTn>
+                              </p:par>
+                            </p:childTnLst>
+                          </p:cTn>
+                        </p:par>
+                      </p:childTnLst>
+                    </p:cTn>
+                  </p:par>
+                  <p:par>
+                    <p:cTn id="23" fill="hold">
+                      <p:stCondLst>
+                        <p:cond delay="indefinite"/>
+                      </p:stCondLst>
+                      <p:childTnLst>
+                        <p:par>
+                          <p:cTn id="24" fill="hold">
+                            <p:stCondLst>
+                              <p:cond delay="0"/>
+                            </p:stCondLst>
+                            <p:childTnLst>
+                              <p:par>
+                                <p:cTn id="25" presetID="1" presetClass="entr" presetSubtype="0" fill="hold" nodeType="clickEffect">
+                                  <p:stCondLst>
+                                    <p:cond delay="0"/>
+                                  </p:stCondLst>
+                                  <p:childTnLst>
+                                    <p:set>
+                                      <p:cBhvr>
+                                        <p:cTn id="26" dur="1" fill="hold">
+                                          <p:stCondLst>
+                                            <p:cond delay="0"/>
+                                          </p:stCondLst>
+                                        </p:cTn>
+                                        <p:tgtEl>
+                                          <p:spTgt spid="3">
+                                            <p:txEl>
+                                              <p:pRg st="6" end="6"/>
+                                            </p:txEl>
+                                          </p:spTgt>
+                                        </p:tgtEl>
+                                        <p:attrNameLst>
+                                          <p:attrName>style.visibility</p:attrName>
+                                        </p:attrNameLst>
+                                      </p:cBhvr>
+                                      <p:to>
+                                        <p:strVal val="visible"/>
+                                      </p:to>
+                                    </p:set>
+                                  </p:childTnLst>
+                                </p:cTn>
+                              </p:par>
+                            </p:childTnLst>
+                          </p:cTn>
+                        </p:par>
+                      </p:childTnLst>
+                    </p:cTn>
+                  </p:par>
+                  <p:par>
+                    <p:cTn id="27" fill="hold">
+                      <p:stCondLst>
+                        <p:cond delay="indefinite"/>
+                      </p:stCondLst>
+                      <p:childTnLst>
+                        <p:par>
+                          <p:cTn id="28" fill="hold">
+                            <p:stCondLst>
+                              <p:cond delay="0"/>
+                            </p:stCondLst>
+                            <p:childTnLst>
+                              <p:par>
+                                <p:cTn id="29" presetID="1" presetClass="entr" presetSubtype="0" fill="hold" nodeType="clickEffect">
+                                  <p:stCondLst>
+                                    <p:cond delay="0"/>
+                                  </p:stCondLst>
+                                  <p:childTnLst>
+                                    <p:set>
+                                      <p:cBhvr>
+                                        <p:cTn id="30" dur="1" fill="hold">
+                                          <p:stCondLst>
+                                            <p:cond delay="0"/>
+                                          </p:stCondLst>
+                                        </p:cTn>
+                                        <p:tgtEl>
+                                          <p:spTgt spid="3">
+                                            <p:txEl>
+                                              <p:pRg st="7" end="7"/>
+                                            </p:txEl>
+                                          </p:spTgt>
+                                        </p:tgtEl>
+                                        <p:attrNameLst>
+                                          <p:attrName>style.visibility</p:attrName>
+                                        </p:attrNameLst>
+                                      </p:cBhvr>
+                                      <p:to>
+                                        <p:strVal val="visible"/>
+                                      </p:to>
+                                    </p:set>
+                                  </p:childTnLst>
+                                </p:cTn>
+                              </p:par>
+                            </p:childTnLst>
+                          </p:cTn>
+                        </p:par>
+                      </p:childTnLst>
+                    </p:cTn>
+                  </p:par>
+                </p:childTnLst>
+              </p:cTn>
+              <p:prevCondLst>
+                <p:cond evt="onPrev" delay="0">
+                  <p:tgtEl>
+                    <p:sldTgt/>
+                  </p:tgtEl>
+                </p:cond>
+              </p:prevCondLst>
+              <p:nextCondLst>
+                <p:cond evt="onNext" delay="0">
+                  <p:tgtEl>
+                    <p:sldTgt/>
+                  </p:tgtEl>
+                </p:cond>
+              </p:nextCondLst>
+            </p:seq>
+          </p:childTnLst>
+        </p:cTn>
+      </p:par>
+    </p:tnLst>
+  </p:timing>
 </p:sld>
 </file>
 
@@ -9208,7 +12282,7 @@
           <p:cNvPr id="2" name="Titel 1">
             <a:extLst>
               <a:ext uri="{FF2B5EF4-FFF2-40B4-BE49-F238E27FC236}">
-                <a16:creationId xmlns:a16="http://schemas.microsoft.com/office/drawing/2014/main" id="{8E986EFE-9764-4EF4-9F9F-823B9859B7D0}"/>
+                <a16:creationId xmlns:a16="http://schemas.microsoft.com/office/drawing/2014/main" id="{46D63BE0-90E4-4B3F-B3CF-FBEB263D2E06}"/>
               </a:ext>
             </a:extLst>
           </p:cNvPr>
@@ -9219,69 +12293,561 @@
             <p:ph type="title"/>
           </p:nvPr>
         </p:nvSpPr>
+        <p:spPr/>
+        <p:txBody>
+          <a:bodyPr/>
+          <a:lstStyle/>
+          <a:p>
+            <a:r>
+              <a:rPr lang="nl-NL" dirty="0"/>
+              <a:t>Wat kan er nu nog niet</a:t>
+            </a:r>
+          </a:p>
+        </p:txBody>
+      </p:sp>
+      <p:sp>
+        <p:nvSpPr>
+          <p:cNvPr id="3" name="Tijdelijke aanduiding voor inhoud 2">
+            <a:extLst>
+              <a:ext uri="{FF2B5EF4-FFF2-40B4-BE49-F238E27FC236}">
+                <a16:creationId xmlns:a16="http://schemas.microsoft.com/office/drawing/2014/main" id="{E4CFCC49-F18C-4573-842C-9A962AB22DC7}"/>
+              </a:ext>
+            </a:extLst>
+          </p:cNvPr>
+          <p:cNvSpPr>
+            <a:spLocks noGrp="1"/>
+          </p:cNvSpPr>
+          <p:nvPr>
+            <p:ph idx="1"/>
+          </p:nvPr>
+        </p:nvSpPr>
         <p:spPr>
           <a:xfrm>
-            <a:off x="592186" y="0"/>
-            <a:ext cx="10515600" cy="1325563"/>
+            <a:off x="838200" y="1237673"/>
+            <a:ext cx="10515600" cy="4939290"/>
           </a:xfrm>
         </p:spPr>
         <p:txBody>
-          <a:bodyPr/>
+          <a:bodyPr>
+            <a:normAutofit fontScale="85000" lnSpcReduction="20000"/>
+          </a:bodyPr>
           <a:lstStyle/>
           <a:p>
-            <a:r>
-              <a:rPr lang="nl-NL" dirty="0"/>
-              <a:t>2a en 2b) omwisselen van 2.5 en 2.6</a:t>
-            </a:r>
+            <a:endParaRPr lang="nl-NL" dirty="0"/>
+          </a:p>
+          <a:p>
+            <a:r>
+              <a:rPr lang="nl-NL" dirty="0"/>
+              <a:t>2 – Wijziging artikelstructuur (wijzigen zonder OW-annotaties)</a:t>
+            </a:r>
+          </a:p>
+          <a:p>
+            <a:pPr lvl="1"/>
+            <a:r>
+              <a:rPr lang="nl-NL" i="1" dirty="0"/>
+              <a:t>Redenering: Bij het voorbeeld wijzigen artikelstructuur zitten geen OW-objecten. Kortom, als je de structuur van artikelen wil aanpassen zonder aangepaste OW-Regelteksten mee te sturen, dan kan dit nog niet.</a:t>
+            </a:r>
+          </a:p>
+          <a:p>
+            <a:pPr lvl="1"/>
+            <a:endParaRPr lang="nl-NL" i="1" dirty="0"/>
+          </a:p>
+          <a:p>
+            <a:r>
+              <a:rPr lang="nl-NL" dirty="0"/>
+              <a:t>3a – wijzigen van een  artikel zonder OW-annotaties mee te sturen.</a:t>
+            </a:r>
+          </a:p>
+          <a:p>
+            <a:pPr lvl="1"/>
+            <a:r>
+              <a:rPr lang="nl-NL" i="1" dirty="0"/>
+              <a:t>Redenering: zelfde als bij 2.</a:t>
+            </a:r>
+          </a:p>
+          <a:p>
+            <a:pPr lvl="1"/>
+            <a:endParaRPr lang="nl-NL" i="1" dirty="0"/>
+          </a:p>
+          <a:p>
+            <a:r>
+              <a:rPr lang="nl-NL" dirty="0"/>
+              <a:t>4 – Wijzigen van </a:t>
+            </a:r>
+            <a:r>
+              <a:rPr lang="nl-NL" dirty="0" err="1"/>
+              <a:t>GIO’s</a:t>
+            </a:r>
+            <a:endParaRPr lang="nl-NL" dirty="0"/>
+          </a:p>
+          <a:p>
+            <a:pPr lvl="1"/>
+            <a:r>
+              <a:rPr lang="nl-NL" i="1" dirty="0"/>
+              <a:t>Redenering: de keten is nog niet ingericht op het meesturen van gewijzigde locaties.</a:t>
+            </a:r>
+            <a:br>
+              <a:rPr lang="nl-NL" i="1" dirty="0"/>
+            </a:br>
+            <a:endParaRPr lang="nl-NL" i="1" dirty="0"/>
+          </a:p>
+          <a:p>
+            <a:endParaRPr lang="nl-NL" dirty="0"/>
+          </a:p>
+          <a:p>
+            <a:r>
+              <a:rPr lang="nl-NL" dirty="0"/>
+              <a:t>10 – Directe mutaties (wijzigen zonder een besluit) 10a t/m 10f</a:t>
+            </a:r>
+          </a:p>
+          <a:p>
+            <a:pPr lvl="1"/>
+            <a:r>
+              <a:rPr lang="nl-NL" i="1" dirty="0"/>
+              <a:t>Redenering: De keten is momenteel nog ingericht op het altijd ontvangen van een besluit. </a:t>
+            </a:r>
+          </a:p>
+          <a:p>
+            <a:endParaRPr lang="nl-NL" dirty="0"/>
+          </a:p>
+          <a:p>
+            <a:pPr lvl="1"/>
+            <a:endParaRPr lang="nl-NL" dirty="0"/>
           </a:p>
         </p:txBody>
       </p:sp>
-      <p:pic>
-        <p:nvPicPr>
-          <p:cNvPr id="5" name="Afbeelding 4" descr="Afbeelding met schermafbeelding&#10;&#10;Automatisch gegenereerde beschrijving">
-            <a:extLst>
-              <a:ext uri="{FF2B5EF4-FFF2-40B4-BE49-F238E27FC236}">
-                <a16:creationId xmlns:a16="http://schemas.microsoft.com/office/drawing/2014/main" id="{5034A0F2-311E-4E8F-88D7-54847C81842B}"/>
-              </a:ext>
-            </a:extLst>
-          </p:cNvPr>
-          <p:cNvPicPr>
-            <a:picLocks noChangeAspect="1"/>
-          </p:cNvPicPr>
-          <p:nvPr/>
-        </p:nvPicPr>
-        <p:blipFill>
-          <a:blip r:embed="rId2">
-            <a:extLst>
-              <a:ext uri="{28A0092B-C50C-407E-A947-70E740481C1C}">
-                <a14:useLocalDpi xmlns:a14="http://schemas.microsoft.com/office/drawing/2010/main" val="0"/>
-              </a:ext>
-            </a:extLst>
-          </a:blip>
-          <a:stretch>
-            <a:fillRect/>
-          </a:stretch>
-        </p:blipFill>
-        <p:spPr>
-          <a:xfrm>
-            <a:off x="592186" y="982924"/>
-            <a:ext cx="10162053" cy="5718060"/>
-          </a:xfrm>
-          <a:prstGeom prst="rect">
-            <a:avLst/>
-          </a:prstGeom>
-        </p:spPr>
-      </p:pic>
     </p:spTree>
     <p:extLst>
       <p:ext uri="{BB962C8B-B14F-4D97-AF65-F5344CB8AC3E}">
-        <p14:creationId xmlns:p14="http://schemas.microsoft.com/office/powerpoint/2010/main" val="2650006355"/>
+        <p14:creationId xmlns:p14="http://schemas.microsoft.com/office/powerpoint/2010/main" val="4104366626"/>
       </p:ext>
     </p:extLst>
   </p:cSld>
   <p:clrMapOvr>
     <a:masterClrMapping/>
   </p:clrMapOvr>
+  <p:timing>
+    <p:tnLst>
+      <p:par>
+        <p:cTn id="1" dur="indefinite" restart="never" nodeType="tmRoot">
+          <p:childTnLst>
+            <p:seq concurrent="1" nextAc="seek">
+              <p:cTn id="2" dur="indefinite" nodeType="mainSeq">
+                <p:childTnLst>
+                  <p:par>
+                    <p:cTn id="3" fill="hold">
+                      <p:stCondLst>
+                        <p:cond delay="indefinite"/>
+                      </p:stCondLst>
+                      <p:childTnLst>
+                        <p:par>
+                          <p:cTn id="4" fill="hold">
+                            <p:stCondLst>
+                              <p:cond delay="0"/>
+                            </p:stCondLst>
+                            <p:childTnLst>
+                              <p:par>
+                                <p:cTn id="5" presetID="1" presetClass="entr" presetSubtype="0" fill="hold" nodeType="clickEffect">
+                                  <p:stCondLst>
+                                    <p:cond delay="0"/>
+                                  </p:stCondLst>
+                                  <p:childTnLst>
+                                    <p:set>
+                                      <p:cBhvr>
+                                        <p:cTn id="6" dur="1" fill="hold">
+                                          <p:stCondLst>
+                                            <p:cond delay="0"/>
+                                          </p:stCondLst>
+                                        </p:cTn>
+                                        <p:tgtEl>
+                                          <p:spTgt spid="3">
+                                            <p:txEl>
+                                              <p:pRg st="1" end="1"/>
+                                            </p:txEl>
+                                          </p:spTgt>
+                                        </p:tgtEl>
+                                        <p:attrNameLst>
+                                          <p:attrName>style.visibility</p:attrName>
+                                        </p:attrNameLst>
+                                      </p:cBhvr>
+                                      <p:to>
+                                        <p:strVal val="visible"/>
+                                      </p:to>
+                                    </p:set>
+                                  </p:childTnLst>
+                                </p:cTn>
+                              </p:par>
+                            </p:childTnLst>
+                          </p:cTn>
+                        </p:par>
+                      </p:childTnLst>
+                    </p:cTn>
+                  </p:par>
+                  <p:par>
+                    <p:cTn id="7" fill="hold">
+                      <p:stCondLst>
+                        <p:cond delay="indefinite"/>
+                      </p:stCondLst>
+                      <p:childTnLst>
+                        <p:par>
+                          <p:cTn id="8" fill="hold">
+                            <p:stCondLst>
+                              <p:cond delay="0"/>
+                            </p:stCondLst>
+                            <p:childTnLst>
+                              <p:par>
+                                <p:cTn id="9" presetID="1" presetClass="entr" presetSubtype="0" fill="hold" nodeType="clickEffect">
+                                  <p:stCondLst>
+                                    <p:cond delay="0"/>
+                                  </p:stCondLst>
+                                  <p:childTnLst>
+                                    <p:set>
+                                      <p:cBhvr>
+                                        <p:cTn id="10" dur="1" fill="hold">
+                                          <p:stCondLst>
+                                            <p:cond delay="0"/>
+                                          </p:stCondLst>
+                                        </p:cTn>
+                                        <p:tgtEl>
+                                          <p:spTgt spid="3">
+                                            <p:txEl>
+                                              <p:pRg st="2" end="2"/>
+                                            </p:txEl>
+                                          </p:spTgt>
+                                        </p:tgtEl>
+                                        <p:attrNameLst>
+                                          <p:attrName>style.visibility</p:attrName>
+                                        </p:attrNameLst>
+                                      </p:cBhvr>
+                                      <p:to>
+                                        <p:strVal val="visible"/>
+                                      </p:to>
+                                    </p:set>
+                                  </p:childTnLst>
+                                </p:cTn>
+                              </p:par>
+                            </p:childTnLst>
+                          </p:cTn>
+                        </p:par>
+                      </p:childTnLst>
+                    </p:cTn>
+                  </p:par>
+                  <p:par>
+                    <p:cTn id="11" fill="hold">
+                      <p:stCondLst>
+                        <p:cond delay="indefinite"/>
+                      </p:stCondLst>
+                      <p:childTnLst>
+                        <p:par>
+                          <p:cTn id="12" fill="hold">
+                            <p:stCondLst>
+                              <p:cond delay="0"/>
+                            </p:stCondLst>
+                            <p:childTnLst>
+                              <p:par>
+                                <p:cTn id="13" presetID="1" presetClass="entr" presetSubtype="0" fill="hold" nodeType="clickEffect">
+                                  <p:stCondLst>
+                                    <p:cond delay="0"/>
+                                  </p:stCondLst>
+                                  <p:childTnLst>
+                                    <p:set>
+                                      <p:cBhvr>
+                                        <p:cTn id="14" dur="1" fill="hold">
+                                          <p:stCondLst>
+                                            <p:cond delay="0"/>
+                                          </p:stCondLst>
+                                        </p:cTn>
+                                        <p:tgtEl>
+                                          <p:spTgt spid="3">
+                                            <p:txEl>
+                                              <p:pRg st="4" end="4"/>
+                                            </p:txEl>
+                                          </p:spTgt>
+                                        </p:tgtEl>
+                                        <p:attrNameLst>
+                                          <p:attrName>style.visibility</p:attrName>
+                                        </p:attrNameLst>
+                                      </p:cBhvr>
+                                      <p:to>
+                                        <p:strVal val="visible"/>
+                                      </p:to>
+                                    </p:set>
+                                  </p:childTnLst>
+                                </p:cTn>
+                              </p:par>
+                            </p:childTnLst>
+                          </p:cTn>
+                        </p:par>
+                      </p:childTnLst>
+                    </p:cTn>
+                  </p:par>
+                  <p:par>
+                    <p:cTn id="15" fill="hold">
+                      <p:stCondLst>
+                        <p:cond delay="indefinite"/>
+                      </p:stCondLst>
+                      <p:childTnLst>
+                        <p:par>
+                          <p:cTn id="16" fill="hold">
+                            <p:stCondLst>
+                              <p:cond delay="0"/>
+                            </p:stCondLst>
+                            <p:childTnLst>
+                              <p:par>
+                                <p:cTn id="17" presetID="1" presetClass="entr" presetSubtype="0" fill="hold" nodeType="clickEffect">
+                                  <p:stCondLst>
+                                    <p:cond delay="0"/>
+                                  </p:stCondLst>
+                                  <p:childTnLst>
+                                    <p:set>
+                                      <p:cBhvr>
+                                        <p:cTn id="18" dur="1" fill="hold">
+                                          <p:stCondLst>
+                                            <p:cond delay="0"/>
+                                          </p:stCondLst>
+                                        </p:cTn>
+                                        <p:tgtEl>
+                                          <p:spTgt spid="3">
+                                            <p:txEl>
+                                              <p:pRg st="5" end="5"/>
+                                            </p:txEl>
+                                          </p:spTgt>
+                                        </p:tgtEl>
+                                        <p:attrNameLst>
+                                          <p:attrName>style.visibility</p:attrName>
+                                        </p:attrNameLst>
+                                      </p:cBhvr>
+                                      <p:to>
+                                        <p:strVal val="visible"/>
+                                      </p:to>
+                                    </p:set>
+                                  </p:childTnLst>
+                                </p:cTn>
+                              </p:par>
+                            </p:childTnLst>
+                          </p:cTn>
+                        </p:par>
+                      </p:childTnLst>
+                    </p:cTn>
+                  </p:par>
+                  <p:par>
+                    <p:cTn id="19" fill="hold">
+                      <p:stCondLst>
+                        <p:cond delay="indefinite"/>
+                      </p:stCondLst>
+                      <p:childTnLst>
+                        <p:par>
+                          <p:cTn id="20" fill="hold">
+                            <p:stCondLst>
+                              <p:cond delay="0"/>
+                            </p:stCondLst>
+                            <p:childTnLst>
+                              <p:par>
+                                <p:cTn id="21" presetID="1" presetClass="entr" presetSubtype="0" fill="hold" nodeType="clickEffect">
+                                  <p:stCondLst>
+                                    <p:cond delay="0"/>
+                                  </p:stCondLst>
+                                  <p:childTnLst>
+                                    <p:set>
+                                      <p:cBhvr>
+                                        <p:cTn id="22" dur="1" fill="hold">
+                                          <p:stCondLst>
+                                            <p:cond delay="0"/>
+                                          </p:stCondLst>
+                                        </p:cTn>
+                                        <p:tgtEl>
+                                          <p:spTgt spid="3">
+                                            <p:txEl>
+                                              <p:pRg st="7" end="7"/>
+                                            </p:txEl>
+                                          </p:spTgt>
+                                        </p:tgtEl>
+                                        <p:attrNameLst>
+                                          <p:attrName>style.visibility</p:attrName>
+                                        </p:attrNameLst>
+                                      </p:cBhvr>
+                                      <p:to>
+                                        <p:strVal val="visible"/>
+                                      </p:to>
+                                    </p:set>
+                                  </p:childTnLst>
+                                </p:cTn>
+                              </p:par>
+                            </p:childTnLst>
+                          </p:cTn>
+                        </p:par>
+                      </p:childTnLst>
+                    </p:cTn>
+                  </p:par>
+                  <p:par>
+                    <p:cTn id="23" fill="hold">
+                      <p:stCondLst>
+                        <p:cond delay="indefinite"/>
+                      </p:stCondLst>
+                      <p:childTnLst>
+                        <p:par>
+                          <p:cTn id="24" fill="hold">
+                            <p:stCondLst>
+                              <p:cond delay="0"/>
+                            </p:stCondLst>
+                            <p:childTnLst>
+                              <p:par>
+                                <p:cTn id="25" presetID="1" presetClass="entr" presetSubtype="0" fill="hold" nodeType="clickEffect">
+                                  <p:stCondLst>
+                                    <p:cond delay="0"/>
+                                  </p:stCondLst>
+                                  <p:childTnLst>
+                                    <p:set>
+                                      <p:cBhvr>
+                                        <p:cTn id="26" dur="1" fill="hold">
+                                          <p:stCondLst>
+                                            <p:cond delay="0"/>
+                                          </p:stCondLst>
+                                        </p:cTn>
+                                        <p:tgtEl>
+                                          <p:spTgt spid="3">
+                                            <p:txEl>
+                                              <p:pRg st="8" end="8"/>
+                                            </p:txEl>
+                                          </p:spTgt>
+                                        </p:tgtEl>
+                                        <p:attrNameLst>
+                                          <p:attrName>style.visibility</p:attrName>
+                                        </p:attrNameLst>
+                                      </p:cBhvr>
+                                      <p:to>
+                                        <p:strVal val="visible"/>
+                                      </p:to>
+                                    </p:set>
+                                  </p:childTnLst>
+                                </p:cTn>
+                              </p:par>
+                            </p:childTnLst>
+                          </p:cTn>
+                        </p:par>
+                      </p:childTnLst>
+                    </p:cTn>
+                  </p:par>
+                  <p:par>
+                    <p:cTn id="27" fill="hold">
+                      <p:stCondLst>
+                        <p:cond delay="indefinite"/>
+                      </p:stCondLst>
+                      <p:childTnLst>
+                        <p:par>
+                          <p:cTn id="28" fill="hold">
+                            <p:stCondLst>
+                              <p:cond delay="0"/>
+                            </p:stCondLst>
+                            <p:childTnLst>
+                              <p:par>
+                                <p:cTn id="29" presetID="1" presetClass="entr" presetSubtype="0" fill="hold" nodeType="clickEffect">
+                                  <p:stCondLst>
+                                    <p:cond delay="0"/>
+                                  </p:stCondLst>
+                                  <p:childTnLst>
+                                    <p:set>
+                                      <p:cBhvr>
+                                        <p:cTn id="30" dur="1" fill="hold">
+                                          <p:stCondLst>
+                                            <p:cond delay="0"/>
+                                          </p:stCondLst>
+                                        </p:cTn>
+                                        <p:tgtEl>
+                                          <p:spTgt spid="3">
+                                            <p:txEl>
+                                              <p:pRg st="10" end="10"/>
+                                            </p:txEl>
+                                          </p:spTgt>
+                                        </p:tgtEl>
+                                        <p:attrNameLst>
+                                          <p:attrName>style.visibility</p:attrName>
+                                        </p:attrNameLst>
+                                      </p:cBhvr>
+                                      <p:to>
+                                        <p:strVal val="visible"/>
+                                      </p:to>
+                                    </p:set>
+                                  </p:childTnLst>
+                                </p:cTn>
+                              </p:par>
+                            </p:childTnLst>
+                          </p:cTn>
+                        </p:par>
+                      </p:childTnLst>
+                    </p:cTn>
+                  </p:par>
+                  <p:par>
+                    <p:cTn id="31" fill="hold">
+                      <p:stCondLst>
+                        <p:cond delay="indefinite"/>
+                      </p:stCondLst>
+                      <p:childTnLst>
+                        <p:par>
+                          <p:cTn id="32" fill="hold">
+                            <p:stCondLst>
+                              <p:cond delay="0"/>
+                            </p:stCondLst>
+                            <p:childTnLst>
+                              <p:par>
+                                <p:cTn id="33" presetID="1" presetClass="entr" presetSubtype="0" fill="hold" nodeType="clickEffect">
+                                  <p:stCondLst>
+                                    <p:cond delay="0"/>
+                                  </p:stCondLst>
+                                  <p:childTnLst>
+                                    <p:set>
+                                      <p:cBhvr>
+                                        <p:cTn id="34" dur="1" fill="hold">
+                                          <p:stCondLst>
+                                            <p:cond delay="0"/>
+                                          </p:stCondLst>
+                                        </p:cTn>
+                                        <p:tgtEl>
+                                          <p:spTgt spid="3">
+                                            <p:txEl>
+                                              <p:pRg st="11" end="11"/>
+                                            </p:txEl>
+                                          </p:spTgt>
+                                        </p:tgtEl>
+                                        <p:attrNameLst>
+                                          <p:attrName>style.visibility</p:attrName>
+                                        </p:attrNameLst>
+                                      </p:cBhvr>
+                                      <p:to>
+                                        <p:strVal val="visible"/>
+                                      </p:to>
+                                    </p:set>
+                                  </p:childTnLst>
+                                </p:cTn>
+                              </p:par>
+                            </p:childTnLst>
+                          </p:cTn>
+                        </p:par>
+                      </p:childTnLst>
+                    </p:cTn>
+                  </p:par>
+                </p:childTnLst>
+              </p:cTn>
+              <p:prevCondLst>
+                <p:cond evt="onPrev" delay="0">
+                  <p:tgtEl>
+                    <p:sldTgt/>
+                  </p:tgtEl>
+                </p:cond>
+              </p:prevCondLst>
+              <p:nextCondLst>
+                <p:cond evt="onNext" delay="0">
+                  <p:tgtEl>
+                    <p:sldTgt/>
+                  </p:tgtEl>
+                </p:cond>
+              </p:nextCondLst>
+            </p:seq>
+          </p:childTnLst>
+        </p:cTn>
+      </p:par>
+    </p:tnLst>
+  </p:timing>
 </p:sld>
 </file>
 
@@ -9307,7 +12873,7 @@
           <p:cNvPr id="2" name="Titel 1">
             <a:extLst>
               <a:ext uri="{FF2B5EF4-FFF2-40B4-BE49-F238E27FC236}">
-                <a16:creationId xmlns:a16="http://schemas.microsoft.com/office/drawing/2014/main" id="{824F50C1-FF88-44A8-BC4A-2BC372910ACD}"/>
+                <a16:creationId xmlns:a16="http://schemas.microsoft.com/office/drawing/2014/main" id="{7DAAB73D-5E6F-4868-B66D-AC2B7FA78951}"/>
               </a:ext>
             </a:extLst>
           </p:cNvPr>
@@ -9318,63 +12884,22 @@
             <p:ph type="title"/>
           </p:nvPr>
         </p:nvSpPr>
-        <p:spPr>
-          <a:xfrm>
-            <a:off x="838200" y="0"/>
-            <a:ext cx="10515600" cy="1325563"/>
-          </a:xfrm>
-        </p:spPr>
+        <p:spPr/>
         <p:txBody>
           <a:bodyPr/>
           <a:lstStyle/>
           <a:p>
             <a:r>
               <a:rPr lang="nl-NL" dirty="0"/>
-              <a:t>2c) Verwijderen van lid</a:t>
+              <a:t>Beschrijving per scenario</a:t>
             </a:r>
           </a:p>
         </p:txBody>
       </p:sp>
-      <p:pic>
-        <p:nvPicPr>
-          <p:cNvPr id="7" name="Afbeelding 6" descr="Afbeelding met schermafbeelding&#10;&#10;Automatisch gegenereerde beschrijving">
-            <a:extLst>
-              <a:ext uri="{FF2B5EF4-FFF2-40B4-BE49-F238E27FC236}">
-                <a16:creationId xmlns:a16="http://schemas.microsoft.com/office/drawing/2014/main" id="{800CA2A7-D1BB-4078-9C7F-0052D6F31BFB}"/>
-              </a:ext>
-            </a:extLst>
-          </p:cNvPr>
-          <p:cNvPicPr>
-            <a:picLocks noChangeAspect="1"/>
-          </p:cNvPicPr>
-          <p:nvPr/>
-        </p:nvPicPr>
-        <p:blipFill>
-          <a:blip r:embed="rId2">
-            <a:extLst>
-              <a:ext uri="{28A0092B-C50C-407E-A947-70E740481C1C}">
-                <a14:useLocalDpi xmlns:a14="http://schemas.microsoft.com/office/drawing/2010/main" val="0"/>
-              </a:ext>
-            </a:extLst>
-          </a:blip>
-          <a:stretch>
-            <a:fillRect/>
-          </a:stretch>
-        </p:blipFill>
-        <p:spPr>
-          <a:xfrm>
-            <a:off x="838200" y="988577"/>
-            <a:ext cx="10162053" cy="5718060"/>
-          </a:xfrm>
-          <a:prstGeom prst="rect">
-            <a:avLst/>
-          </a:prstGeom>
-        </p:spPr>
-      </p:pic>
     </p:spTree>
     <p:extLst>
       <p:ext uri="{BB962C8B-B14F-4D97-AF65-F5344CB8AC3E}">
-        <p14:creationId xmlns:p14="http://schemas.microsoft.com/office/powerpoint/2010/main" val="1859758457"/>
+        <p14:creationId xmlns:p14="http://schemas.microsoft.com/office/powerpoint/2010/main" val="875504885"/>
       </p:ext>
     </p:extLst>
   </p:cSld>
@@ -9679,7 +13204,308 @@
 </a:theme>
 </file>
 
+<file path=ppt/theme/theme2.xml><?xml version="1.0" encoding="utf-8"?>
+<a:theme xmlns:a="http://schemas.openxmlformats.org/drawingml/2006/main" name="Kantoorthema">
+  <a:themeElements>
+    <a:clrScheme name="Office">
+      <a:dk1>
+        <a:sysClr val="windowText" lastClr="000000"/>
+      </a:dk1>
+      <a:lt1>
+        <a:sysClr val="window" lastClr="FFFFFF"/>
+      </a:lt1>
+      <a:dk2>
+        <a:srgbClr val="44546A"/>
+      </a:dk2>
+      <a:lt2>
+        <a:srgbClr val="E7E6E6"/>
+      </a:lt2>
+      <a:accent1>
+        <a:srgbClr val="4472C4"/>
+      </a:accent1>
+      <a:accent2>
+        <a:srgbClr val="ED7D31"/>
+      </a:accent2>
+      <a:accent3>
+        <a:srgbClr val="A5A5A5"/>
+      </a:accent3>
+      <a:accent4>
+        <a:srgbClr val="FFC000"/>
+      </a:accent4>
+      <a:accent5>
+        <a:srgbClr val="5B9BD5"/>
+      </a:accent5>
+      <a:accent6>
+        <a:srgbClr val="70AD47"/>
+      </a:accent6>
+      <a:hlink>
+        <a:srgbClr val="0563C1"/>
+      </a:hlink>
+      <a:folHlink>
+        <a:srgbClr val="954F72"/>
+      </a:folHlink>
+    </a:clrScheme>
+    <a:fontScheme name="Office">
+      <a:majorFont>
+        <a:latin typeface="Calibri Light" panose="020F0302020204030204"/>
+        <a:ea typeface=""/>
+        <a:cs typeface=""/>
+        <a:font script="Jpan" typeface="游ゴシック Light"/>
+        <a:font script="Hang" typeface="맑은 고딕"/>
+        <a:font script="Hans" typeface="等线 Light"/>
+        <a:font script="Hant" typeface="新細明體"/>
+        <a:font script="Arab" typeface="Times New Roman"/>
+        <a:font script="Hebr" typeface="Times New Roman"/>
+        <a:font script="Thai" typeface="Angsana New"/>
+        <a:font script="Ethi" typeface="Nyala"/>
+        <a:font script="Beng" typeface="Vrinda"/>
+        <a:font script="Gujr" typeface="Shruti"/>
+        <a:font script="Khmr" typeface="MoolBoran"/>
+        <a:font script="Knda" typeface="Tunga"/>
+        <a:font script="Guru" typeface="Raavi"/>
+        <a:font script="Cans" typeface="Euphemia"/>
+        <a:font script="Cher" typeface="Plantagenet Cherokee"/>
+        <a:font script="Yiii" typeface="Microsoft Yi Baiti"/>
+        <a:font script="Tibt" typeface="Microsoft Himalaya"/>
+        <a:font script="Thaa" typeface="MV Boli"/>
+        <a:font script="Deva" typeface="Mangal"/>
+        <a:font script="Telu" typeface="Gautami"/>
+        <a:font script="Taml" typeface="Latha"/>
+        <a:font script="Syrc" typeface="Estrangelo Edessa"/>
+        <a:font script="Orya" typeface="Kalinga"/>
+        <a:font script="Mlym" typeface="Kartika"/>
+        <a:font script="Laoo" typeface="DokChampa"/>
+        <a:font script="Sinh" typeface="Iskoola Pota"/>
+        <a:font script="Mong" typeface="Mongolian Baiti"/>
+        <a:font script="Viet" typeface="Times New Roman"/>
+        <a:font script="Uigh" typeface="Microsoft Uighur"/>
+        <a:font script="Geor" typeface="Sylfaen"/>
+        <a:font script="Armn" typeface="Arial"/>
+        <a:font script="Bugi" typeface="Leelawadee UI"/>
+        <a:font script="Bopo" typeface="Microsoft JhengHei"/>
+        <a:font script="Java" typeface="Javanese Text"/>
+        <a:font script="Lisu" typeface="Segoe UI"/>
+        <a:font script="Mymr" typeface="Myanmar Text"/>
+        <a:font script="Nkoo" typeface="Ebrima"/>
+        <a:font script="Olck" typeface="Nirmala UI"/>
+        <a:font script="Osma" typeface="Ebrima"/>
+        <a:font script="Phag" typeface="Phagspa"/>
+        <a:font script="Syrn" typeface="Estrangelo Edessa"/>
+        <a:font script="Syrj" typeface="Estrangelo Edessa"/>
+        <a:font script="Syre" typeface="Estrangelo Edessa"/>
+        <a:font script="Sora" typeface="Nirmala UI"/>
+        <a:font script="Tale" typeface="Microsoft Tai Le"/>
+        <a:font script="Talu" typeface="Microsoft New Tai Lue"/>
+        <a:font script="Tfng" typeface="Ebrima"/>
+      </a:majorFont>
+      <a:minorFont>
+        <a:latin typeface="Calibri" panose="020F0502020204030204"/>
+        <a:ea typeface=""/>
+        <a:cs typeface=""/>
+        <a:font script="Jpan" typeface="游ゴシック"/>
+        <a:font script="Hang" typeface="맑은 고딕"/>
+        <a:font script="Hans" typeface="等线"/>
+        <a:font script="Hant" typeface="新細明體"/>
+        <a:font script="Arab" typeface="Arial"/>
+        <a:font script="Hebr" typeface="Arial"/>
+        <a:font script="Thai" typeface="Cordia New"/>
+        <a:font script="Ethi" typeface="Nyala"/>
+        <a:font script="Beng" typeface="Vrinda"/>
+        <a:font script="Gujr" typeface="Shruti"/>
+        <a:font script="Khmr" typeface="DaunPenh"/>
+        <a:font script="Knda" typeface="Tunga"/>
+        <a:font script="Guru" typeface="Raavi"/>
+        <a:font script="Cans" typeface="Euphemia"/>
+        <a:font script="Cher" typeface="Plantagenet Cherokee"/>
+        <a:font script="Yiii" typeface="Microsoft Yi Baiti"/>
+        <a:font script="Tibt" typeface="Microsoft Himalaya"/>
+        <a:font script="Thaa" typeface="MV Boli"/>
+        <a:font script="Deva" typeface="Mangal"/>
+        <a:font script="Telu" typeface="Gautami"/>
+        <a:font script="Taml" typeface="Latha"/>
+        <a:font script="Syrc" typeface="Estrangelo Edessa"/>
+        <a:font script="Orya" typeface="Kalinga"/>
+        <a:font script="Mlym" typeface="Kartika"/>
+        <a:font script="Laoo" typeface="DokChampa"/>
+        <a:font script="Sinh" typeface="Iskoola Pota"/>
+        <a:font script="Mong" typeface="Mongolian Baiti"/>
+        <a:font script="Viet" typeface="Arial"/>
+        <a:font script="Uigh" typeface="Microsoft Uighur"/>
+        <a:font script="Geor" typeface="Sylfaen"/>
+        <a:font script="Armn" typeface="Arial"/>
+        <a:font script="Bugi" typeface="Leelawadee UI"/>
+        <a:font script="Bopo" typeface="Microsoft JhengHei"/>
+        <a:font script="Java" typeface="Javanese Text"/>
+        <a:font script="Lisu" typeface="Segoe UI"/>
+        <a:font script="Mymr" typeface="Myanmar Text"/>
+        <a:font script="Nkoo" typeface="Ebrima"/>
+        <a:font script="Olck" typeface="Nirmala UI"/>
+        <a:font script="Osma" typeface="Ebrima"/>
+        <a:font script="Phag" typeface="Phagspa"/>
+        <a:font script="Syrn" typeface="Estrangelo Edessa"/>
+        <a:font script="Syrj" typeface="Estrangelo Edessa"/>
+        <a:font script="Syre" typeface="Estrangelo Edessa"/>
+        <a:font script="Sora" typeface="Nirmala UI"/>
+        <a:font script="Tale" typeface="Microsoft Tai Le"/>
+        <a:font script="Talu" typeface="Microsoft New Tai Lue"/>
+        <a:font script="Tfng" typeface="Ebrima"/>
+      </a:minorFont>
+    </a:fontScheme>
+    <a:fmtScheme name="Office">
+      <a:fillStyleLst>
+        <a:solidFill>
+          <a:schemeClr val="phClr"/>
+        </a:solidFill>
+        <a:gradFill rotWithShape="1">
+          <a:gsLst>
+            <a:gs pos="0">
+              <a:schemeClr val="phClr">
+                <a:lumMod val="110000"/>
+                <a:satMod val="105000"/>
+                <a:tint val="67000"/>
+              </a:schemeClr>
+            </a:gs>
+            <a:gs pos="50000">
+              <a:schemeClr val="phClr">
+                <a:lumMod val="105000"/>
+                <a:satMod val="103000"/>
+                <a:tint val="73000"/>
+              </a:schemeClr>
+            </a:gs>
+            <a:gs pos="100000">
+              <a:schemeClr val="phClr">
+                <a:lumMod val="105000"/>
+                <a:satMod val="109000"/>
+                <a:tint val="81000"/>
+              </a:schemeClr>
+            </a:gs>
+          </a:gsLst>
+          <a:lin ang="5400000" scaled="0"/>
+        </a:gradFill>
+        <a:gradFill rotWithShape="1">
+          <a:gsLst>
+            <a:gs pos="0">
+              <a:schemeClr val="phClr">
+                <a:satMod val="103000"/>
+                <a:lumMod val="102000"/>
+                <a:tint val="94000"/>
+              </a:schemeClr>
+            </a:gs>
+            <a:gs pos="50000">
+              <a:schemeClr val="phClr">
+                <a:satMod val="110000"/>
+                <a:lumMod val="100000"/>
+                <a:shade val="100000"/>
+              </a:schemeClr>
+            </a:gs>
+            <a:gs pos="100000">
+              <a:schemeClr val="phClr">
+                <a:lumMod val="99000"/>
+                <a:satMod val="120000"/>
+                <a:shade val="78000"/>
+              </a:schemeClr>
+            </a:gs>
+          </a:gsLst>
+          <a:lin ang="5400000" scaled="0"/>
+        </a:gradFill>
+      </a:fillStyleLst>
+      <a:lnStyleLst>
+        <a:ln w="6350" cap="flat" cmpd="sng" algn="ctr">
+          <a:solidFill>
+            <a:schemeClr val="phClr"/>
+          </a:solidFill>
+          <a:prstDash val="solid"/>
+          <a:miter lim="800000"/>
+        </a:ln>
+        <a:ln w="12700" cap="flat" cmpd="sng" algn="ctr">
+          <a:solidFill>
+            <a:schemeClr val="phClr"/>
+          </a:solidFill>
+          <a:prstDash val="solid"/>
+          <a:miter lim="800000"/>
+        </a:ln>
+        <a:ln w="19050" cap="flat" cmpd="sng" algn="ctr">
+          <a:solidFill>
+            <a:schemeClr val="phClr"/>
+          </a:solidFill>
+          <a:prstDash val="solid"/>
+          <a:miter lim="800000"/>
+        </a:ln>
+      </a:lnStyleLst>
+      <a:effectStyleLst>
+        <a:effectStyle>
+          <a:effectLst/>
+        </a:effectStyle>
+        <a:effectStyle>
+          <a:effectLst/>
+        </a:effectStyle>
+        <a:effectStyle>
+          <a:effectLst>
+            <a:outerShdw blurRad="57150" dist="19050" dir="5400000" algn="ctr" rotWithShape="0">
+              <a:srgbClr val="000000">
+                <a:alpha val="63000"/>
+              </a:srgbClr>
+            </a:outerShdw>
+          </a:effectLst>
+        </a:effectStyle>
+      </a:effectStyleLst>
+      <a:bgFillStyleLst>
+        <a:solidFill>
+          <a:schemeClr val="phClr"/>
+        </a:solidFill>
+        <a:solidFill>
+          <a:schemeClr val="phClr">
+            <a:tint val="95000"/>
+            <a:satMod val="170000"/>
+          </a:schemeClr>
+        </a:solidFill>
+        <a:gradFill rotWithShape="1">
+          <a:gsLst>
+            <a:gs pos="0">
+              <a:schemeClr val="phClr">
+                <a:tint val="93000"/>
+                <a:satMod val="150000"/>
+                <a:shade val="98000"/>
+                <a:lumMod val="102000"/>
+              </a:schemeClr>
+            </a:gs>
+            <a:gs pos="50000">
+              <a:schemeClr val="phClr">
+                <a:tint val="98000"/>
+                <a:satMod val="130000"/>
+                <a:shade val="90000"/>
+                <a:lumMod val="103000"/>
+              </a:schemeClr>
+            </a:gs>
+            <a:gs pos="100000">
+              <a:schemeClr val="phClr">
+                <a:shade val="63000"/>
+                <a:satMod val="120000"/>
+              </a:schemeClr>
+            </a:gs>
+          </a:gsLst>
+          <a:lin ang="5400000" scaled="0"/>
+        </a:gradFill>
+      </a:bgFillStyleLst>
+    </a:fmtScheme>
+  </a:themeElements>
+  <a:objectDefaults/>
+  <a:extraClrSchemeLst/>
+  <a:extLst>
+    <a:ext uri="{05A4C25C-085E-4340-85A3-A5531E510DB2}">
+      <thm15:themeFamily xmlns:thm15="http://schemas.microsoft.com/office/thememl/2012/main" name="Office Theme" id="{62F939B6-93AF-4DB8-9C6B-D6C7DFDC589F}" vid="{4A3C46E8-61CC-4603-A589-7422A47A8E4A}"/>
+    </a:ext>
+  </a:extLst>
+</a:theme>
+</file>
+
 <file path=customXml/item1.xml><?xml version="1.0" encoding="utf-8"?>
+<p:properties xmlns:p="http://schemas.microsoft.com/office/2006/metadata/properties" xmlns:xsi="http://www.w3.org/2001/XMLSchema-instance" xmlns:pc="http://schemas.microsoft.com/office/infopath/2007/PartnerControls">
+  <documentManagement/>
+</p:properties>
+</file>
+
+<file path=customXml/item2.xml><?xml version="1.0" encoding="utf-8"?>
 <ct:contentTypeSchema xmlns:ct="http://schemas.microsoft.com/office/2006/metadata/contentType" xmlns:ma="http://schemas.microsoft.com/office/2006/metadata/properties/metaAttributes" ct:_="" ma:_="" ma:contentTypeName="Document" ma:contentTypeID="0x0101003ADD3040E3157B4E913BCA65F34844D7" ma:contentTypeVersion="10" ma:contentTypeDescription="Een nieuw document maken." ma:contentTypeScope="" ma:versionID="c1765059aa1475931adc12138fdcfd8c">
   <xsd:schema xmlns:xsd="http://www.w3.org/2001/XMLSchema" xmlns:xs="http://www.w3.org/2001/XMLSchema" xmlns:p="http://schemas.microsoft.com/office/2006/metadata/properties" xmlns:ns2="aafb19fa-82be-411d-a6df-c75e9235a4ea" xmlns:ns3="3dfebdfe-2b22-40ba-8672-9fbc9b4066c4" targetNamespace="http://schemas.microsoft.com/office/2006/metadata/properties" ma:root="true" ma:fieldsID="42d79c55539af1f9f274032ce6041302" ns2:_="" ns3:_="">
     <xsd:import namespace="aafb19fa-82be-411d-a6df-c75e9235a4ea"/>
@@ -9882,12 +13708,6 @@
 </ct:contentTypeSchema>
 </file>
 
-<file path=customXml/item2.xml><?xml version="1.0" encoding="utf-8"?>
-<p:properties xmlns:p="http://schemas.microsoft.com/office/2006/metadata/properties" xmlns:xsi="http://www.w3.org/2001/XMLSchema-instance" xmlns:pc="http://schemas.microsoft.com/office/infopath/2007/PartnerControls">
-  <documentManagement/>
-</p:properties>
-</file>
-
 <file path=customXml/item3.xml><?xml version="1.0" encoding="utf-8"?>
 <?mso-contentType ?>
 <FormTemplates xmlns="http://schemas.microsoft.com/sharepoint/v3/contenttype/forms">
@@ -9898,6 +13718,23 @@
 </file>
 
 <file path=customXml/itemProps1.xml><?xml version="1.0" encoding="utf-8"?>
+<ds:datastoreItem xmlns:ds="http://schemas.openxmlformats.org/officeDocument/2006/customXml" ds:itemID="{44F744C1-7216-4F24-AF2B-C028C1AC510B}">
+  <ds:schemaRefs>
+    <ds:schemaRef ds:uri="http://purl.org/dc/elements/1.1/"/>
+    <ds:schemaRef ds:uri="http://purl.org/dc/terms/"/>
+    <ds:schemaRef ds:uri="3dfebdfe-2b22-40ba-8672-9fbc9b4066c4"/>
+    <ds:schemaRef ds:uri="http://www.w3.org/XML/1998/namespace"/>
+    <ds:schemaRef ds:uri="http://schemas.microsoft.com/office/2006/documentManagement/types"/>
+    <ds:schemaRef ds:uri="http://schemas.microsoft.com/office/2006/metadata/properties"/>
+    <ds:schemaRef ds:uri="http://purl.org/dc/dcmitype/"/>
+    <ds:schemaRef ds:uri="http://schemas.microsoft.com/office/infopath/2007/PartnerControls"/>
+    <ds:schemaRef ds:uri="http://schemas.openxmlformats.org/package/2006/metadata/core-properties"/>
+    <ds:schemaRef ds:uri="aafb19fa-82be-411d-a6df-c75e9235a4ea"/>
+  </ds:schemaRefs>
+</ds:datastoreItem>
+</file>
+
+<file path=customXml/itemProps2.xml><?xml version="1.0" encoding="utf-8"?>
 <ds:datastoreItem xmlns:ds="http://schemas.openxmlformats.org/officeDocument/2006/customXml" ds:itemID="{86B9146A-7E8D-43BD-BCDA-EAF916D7BF88}">
   <ds:schemaRefs>
     <ds:schemaRef ds:uri="http://schemas.microsoft.com/office/2006/metadata/contentType"/>
@@ -9916,23 +13753,6 @@
 </ds:datastoreItem>
 </file>
 
-<file path=customXml/itemProps2.xml><?xml version="1.0" encoding="utf-8"?>
-<ds:datastoreItem xmlns:ds="http://schemas.openxmlformats.org/officeDocument/2006/customXml" ds:itemID="{44F744C1-7216-4F24-AF2B-C028C1AC510B}">
-  <ds:schemaRefs>
-    <ds:schemaRef ds:uri="http://purl.org/dc/elements/1.1/"/>
-    <ds:schemaRef ds:uri="http://purl.org/dc/terms/"/>
-    <ds:schemaRef ds:uri="3dfebdfe-2b22-40ba-8672-9fbc9b4066c4"/>
-    <ds:schemaRef ds:uri="http://www.w3.org/XML/1998/namespace"/>
-    <ds:schemaRef ds:uri="http://schemas.microsoft.com/office/2006/documentManagement/types"/>
-    <ds:schemaRef ds:uri="http://schemas.microsoft.com/office/2006/metadata/properties"/>
-    <ds:schemaRef ds:uri="http://purl.org/dc/dcmitype/"/>
-    <ds:schemaRef ds:uri="http://schemas.microsoft.com/office/infopath/2007/PartnerControls"/>
-    <ds:schemaRef ds:uri="http://schemas.openxmlformats.org/package/2006/metadata/core-properties"/>
-    <ds:schemaRef ds:uri="aafb19fa-82be-411d-a6df-c75e9235a4ea"/>
-  </ds:schemaRefs>
-</ds:datastoreItem>
-</file>
-
 <file path=customXml/itemProps3.xml><?xml version="1.0" encoding="utf-8"?>
 <ds:datastoreItem xmlns:ds="http://schemas.openxmlformats.org/officeDocument/2006/customXml" ds:itemID="{F8CFDD08-2AF3-45C0-9BFB-55C0CB45D846}">
   <ds:schemaRefs>

--- a/Submutatiescenario_s.pptx
+++ b/Submutatiescenario_s.pptx
@@ -311,7 +311,7 @@
           <a:p>
             <a:fld id="{2888003D-D75C-40B0-9BFD-C77ECDD13631}" type="datetimeFigureOut">
               <a:rPr lang="nl-NL" smtClean="0"/>
-              <a:t>5-2-2021</a:t>
+              <a:t>25-2-2021</a:t>
             </a:fld>
             <a:endParaRPr lang="nl-NL"/>
           </a:p>
@@ -809,7 +809,7 @@
           <a:p>
             <a:fld id="{02A6C647-4F39-4E22-BFA0-7A057A8C404A}" type="datetimeFigureOut">
               <a:rPr lang="nl-NL" smtClean="0"/>
-              <a:t>4-2-2021</a:t>
+              <a:t>25-2-2021</a:t>
             </a:fld>
             <a:endParaRPr lang="nl-NL"/>
           </a:p>
@@ -1007,7 +1007,7 @@
           <a:p>
             <a:fld id="{02A6C647-4F39-4E22-BFA0-7A057A8C404A}" type="datetimeFigureOut">
               <a:rPr lang="nl-NL" smtClean="0"/>
-              <a:t>4-2-2021</a:t>
+              <a:t>25-2-2021</a:t>
             </a:fld>
             <a:endParaRPr lang="nl-NL"/>
           </a:p>
@@ -1215,7 +1215,7 @@
           <a:p>
             <a:fld id="{02A6C647-4F39-4E22-BFA0-7A057A8C404A}" type="datetimeFigureOut">
               <a:rPr lang="nl-NL" smtClean="0"/>
-              <a:t>4-2-2021</a:t>
+              <a:t>25-2-2021</a:t>
             </a:fld>
             <a:endParaRPr lang="nl-NL"/>
           </a:p>
@@ -1413,7 +1413,7 @@
           <a:p>
             <a:fld id="{02A6C647-4F39-4E22-BFA0-7A057A8C404A}" type="datetimeFigureOut">
               <a:rPr lang="nl-NL" smtClean="0"/>
-              <a:t>4-2-2021</a:t>
+              <a:t>25-2-2021</a:t>
             </a:fld>
             <a:endParaRPr lang="nl-NL"/>
           </a:p>
@@ -1688,7 +1688,7 @@
           <a:p>
             <a:fld id="{02A6C647-4F39-4E22-BFA0-7A057A8C404A}" type="datetimeFigureOut">
               <a:rPr lang="nl-NL" smtClean="0"/>
-              <a:t>4-2-2021</a:t>
+              <a:t>25-2-2021</a:t>
             </a:fld>
             <a:endParaRPr lang="nl-NL"/>
           </a:p>
@@ -1953,7 +1953,7 @@
           <a:p>
             <a:fld id="{02A6C647-4F39-4E22-BFA0-7A057A8C404A}" type="datetimeFigureOut">
               <a:rPr lang="nl-NL" smtClean="0"/>
-              <a:t>4-2-2021</a:t>
+              <a:t>25-2-2021</a:t>
             </a:fld>
             <a:endParaRPr lang="nl-NL"/>
           </a:p>
@@ -2365,7 +2365,7 @@
           <a:p>
             <a:fld id="{02A6C647-4F39-4E22-BFA0-7A057A8C404A}" type="datetimeFigureOut">
               <a:rPr lang="nl-NL" smtClean="0"/>
-              <a:t>4-2-2021</a:t>
+              <a:t>25-2-2021</a:t>
             </a:fld>
             <a:endParaRPr lang="nl-NL"/>
           </a:p>
@@ -2506,7 +2506,7 @@
           <a:p>
             <a:fld id="{02A6C647-4F39-4E22-BFA0-7A057A8C404A}" type="datetimeFigureOut">
               <a:rPr lang="nl-NL" smtClean="0"/>
-              <a:t>4-2-2021</a:t>
+              <a:t>25-2-2021</a:t>
             </a:fld>
             <a:endParaRPr lang="nl-NL"/>
           </a:p>
@@ -2619,7 +2619,7 @@
           <a:p>
             <a:fld id="{02A6C647-4F39-4E22-BFA0-7A057A8C404A}" type="datetimeFigureOut">
               <a:rPr lang="nl-NL" smtClean="0"/>
-              <a:t>4-2-2021</a:t>
+              <a:t>25-2-2021</a:t>
             </a:fld>
             <a:endParaRPr lang="nl-NL"/>
           </a:p>
@@ -2930,7 +2930,7 @@
           <a:p>
             <a:fld id="{02A6C647-4F39-4E22-BFA0-7A057A8C404A}" type="datetimeFigureOut">
               <a:rPr lang="nl-NL" smtClean="0"/>
-              <a:t>4-2-2021</a:t>
+              <a:t>25-2-2021</a:t>
             </a:fld>
             <a:endParaRPr lang="nl-NL"/>
           </a:p>
@@ -3218,7 +3218,7 @@
           <a:p>
             <a:fld id="{02A6C647-4F39-4E22-BFA0-7A057A8C404A}" type="datetimeFigureOut">
               <a:rPr lang="nl-NL" smtClean="0"/>
-              <a:t>4-2-2021</a:t>
+              <a:t>25-2-2021</a:t>
             </a:fld>
             <a:endParaRPr lang="nl-NL"/>
           </a:p>
@@ -3459,7 +3459,7 @@
           <a:p>
             <a:fld id="{02A6C647-4F39-4E22-BFA0-7A057A8C404A}" type="datetimeFigureOut">
               <a:rPr lang="nl-NL" smtClean="0"/>
-              <a:t>4-2-2021</a:t>
+              <a:t>25-2-2021</a:t>
             </a:fld>
             <a:endParaRPr lang="nl-NL"/>
           </a:p>
@@ -4248,7 +4248,7 @@
           <a:p>
             <a:r>
               <a:rPr lang="nl-NL" dirty="0"/>
-              <a:t>2) Wijzigen van artikelen en leden </a:t>
+              <a:t>2) Wijzigen artikelstructuur</a:t>
             </a:r>
           </a:p>
         </p:txBody>
@@ -4271,18 +4271,59 @@
         </p:nvSpPr>
         <p:spPr/>
         <p:txBody>
-          <a:bodyPr/>
+          <a:bodyPr>
+            <a:normAutofit/>
+          </a:bodyPr>
           <a:lstStyle/>
           <a:p>
             <a:r>
-              <a:rPr lang="nl-NL" dirty="0"/>
-              <a:t>A) vervanging van Artikel 2.5 naar 2.6 </a:t>
-            </a:r>
-          </a:p>
-          <a:p>
-            <a:r>
-              <a:rPr lang="nl-NL" dirty="0"/>
-              <a:t>B) vervanging van Artikel 2.6 naar 2.5. </a:t>
+              <a:rPr lang="nl-NL" dirty="0">
+                <a:solidFill>
+                  <a:srgbClr val="FF0000"/>
+                </a:solidFill>
+              </a:rPr>
+              <a:t>A) </a:t>
+            </a:r>
+            <a:r>
+              <a:rPr lang="nl-NL" dirty="0" err="1">
+                <a:solidFill>
+                  <a:srgbClr val="FF0000"/>
+                </a:solidFill>
+              </a:rPr>
+              <a:t>hernummer</a:t>
+            </a:r>
+            <a:r>
+              <a:rPr lang="nl-NL" dirty="0">
+                <a:solidFill>
+                  <a:srgbClr val="FF0000"/>
+                </a:solidFill>
+              </a:rPr>
+              <a:t> Artikel 2.5 naar 2.6 (aanpassen), </a:t>
+            </a:r>
+            <a:br>
+              <a:rPr lang="nl-NL" dirty="0">
+                <a:solidFill>
+                  <a:srgbClr val="FF0000"/>
+                </a:solidFill>
+              </a:rPr>
+            </a:br>
+            <a:r>
+              <a:rPr lang="nl-NL" dirty="0">
+                <a:solidFill>
+                  <a:srgbClr val="FF0000"/>
+                </a:solidFill>
+              </a:rPr>
+              <a:t>verwijder hierbij ook 2.6</a:t>
+            </a:r>
+          </a:p>
+          <a:p>
+            <a:r>
+              <a:rPr lang="nl-NL" dirty="0">
+                <a:solidFill>
+                  <a:srgbClr val="FF0000"/>
+                </a:solidFill>
+              </a:rPr>
+              <a:t>B) voeg nieuw 2.5 toe (aanpassen)</a:t>
             </a:r>
           </a:p>
           <a:p>
@@ -4294,13 +4335,57 @@
           <a:p>
             <a:r>
               <a:rPr lang="nl-NL" dirty="0"/>
-              <a:t>D) verwijderen  van Artikel 2.14</a:t>
+              <a:t>D) verwijderen van Artikel 2.14</a:t>
             </a:r>
           </a:p>
           <a:p>
             <a:r>
               <a:rPr lang="nl-NL" dirty="0"/>
               <a:t>E) nieuw Artikel (2.14) toevoegen</a:t>
+            </a:r>
+          </a:p>
+          <a:p>
+            <a:r>
+              <a:rPr lang="nl-NL" dirty="0">
+                <a:solidFill>
+                  <a:schemeClr val="accent6">
+                    <a:lumMod val="75000"/>
+                  </a:schemeClr>
+                </a:solidFill>
+              </a:rPr>
+              <a:t>F) hernummeren en in (toegevoegde) hoofdstukken verdelen </a:t>
+            </a:r>
+            <a:r>
+              <a:rPr lang="nl-NL" i="1" dirty="0">
+                <a:solidFill>
+                  <a:schemeClr val="accent6">
+                    <a:lumMod val="75000"/>
+                  </a:schemeClr>
+                </a:solidFill>
+              </a:rPr>
+              <a:t>(nog te maken)</a:t>
+            </a:r>
+          </a:p>
+          <a:p>
+            <a:r>
+              <a:rPr lang="nl-NL" dirty="0">
+                <a:solidFill>
+                  <a:schemeClr val="accent6">
+                    <a:lumMod val="75000"/>
+                  </a:schemeClr>
+                </a:solidFill>
+              </a:rPr>
+              <a:t>G) verplaatsen van Artikelen </a:t>
+            </a:r>
+            <a:r>
+              <a:rPr lang="nl-NL" i="1" dirty="0">
+                <a:solidFill>
+                  <a:schemeClr val="accent6">
+                    <a:lumMod val="75000"/>
+                  </a:schemeClr>
+                </a:solidFill>
+              </a:rPr>
+              <a:t>(nog uit te werken in STOP)</a:t>
             </a:r>
           </a:p>
           <a:p>
@@ -13500,12 +13585,6 @@
 </file>
 
 <file path=customXml/item1.xml><?xml version="1.0" encoding="utf-8"?>
-<p:properties xmlns:p="http://schemas.microsoft.com/office/2006/metadata/properties" xmlns:xsi="http://www.w3.org/2001/XMLSchema-instance" xmlns:pc="http://schemas.microsoft.com/office/infopath/2007/PartnerControls">
-  <documentManagement/>
-</p:properties>
-</file>
-
-<file path=customXml/item2.xml><?xml version="1.0" encoding="utf-8"?>
 <ct:contentTypeSchema xmlns:ct="http://schemas.microsoft.com/office/2006/metadata/contentType" xmlns:ma="http://schemas.microsoft.com/office/2006/metadata/properties/metaAttributes" ct:_="" ma:_="" ma:contentTypeName="Document" ma:contentTypeID="0x0101003ADD3040E3157B4E913BCA65F34844D7" ma:contentTypeVersion="10" ma:contentTypeDescription="Een nieuw document maken." ma:contentTypeScope="" ma:versionID="c1765059aa1475931adc12138fdcfd8c">
   <xsd:schema xmlns:xsd="http://www.w3.org/2001/XMLSchema" xmlns:xs="http://www.w3.org/2001/XMLSchema" xmlns:p="http://schemas.microsoft.com/office/2006/metadata/properties" xmlns:ns2="aafb19fa-82be-411d-a6df-c75e9235a4ea" xmlns:ns3="3dfebdfe-2b22-40ba-8672-9fbc9b4066c4" targetNamespace="http://schemas.microsoft.com/office/2006/metadata/properties" ma:root="true" ma:fieldsID="42d79c55539af1f9f274032ce6041302" ns2:_="" ns3:_="">
     <xsd:import namespace="aafb19fa-82be-411d-a6df-c75e9235a4ea"/>
@@ -13708,6 +13787,12 @@
 </ct:contentTypeSchema>
 </file>
 
+<file path=customXml/item2.xml><?xml version="1.0" encoding="utf-8"?>
+<p:properties xmlns:p="http://schemas.microsoft.com/office/2006/metadata/properties" xmlns:xsi="http://www.w3.org/2001/XMLSchema-instance" xmlns:pc="http://schemas.microsoft.com/office/infopath/2007/PartnerControls">
+  <documentManagement/>
+</p:properties>
+</file>
+
 <file path=customXml/item3.xml><?xml version="1.0" encoding="utf-8"?>
 <?mso-contentType ?>
 <FormTemplates xmlns="http://schemas.microsoft.com/sharepoint/v3/contenttype/forms">
@@ -13718,23 +13803,6 @@
 </file>
 
 <file path=customXml/itemProps1.xml><?xml version="1.0" encoding="utf-8"?>
-<ds:datastoreItem xmlns:ds="http://schemas.openxmlformats.org/officeDocument/2006/customXml" ds:itemID="{44F744C1-7216-4F24-AF2B-C028C1AC510B}">
-  <ds:schemaRefs>
-    <ds:schemaRef ds:uri="http://purl.org/dc/elements/1.1/"/>
-    <ds:schemaRef ds:uri="http://purl.org/dc/terms/"/>
-    <ds:schemaRef ds:uri="3dfebdfe-2b22-40ba-8672-9fbc9b4066c4"/>
-    <ds:schemaRef ds:uri="http://www.w3.org/XML/1998/namespace"/>
-    <ds:schemaRef ds:uri="http://schemas.microsoft.com/office/2006/documentManagement/types"/>
-    <ds:schemaRef ds:uri="http://schemas.microsoft.com/office/2006/metadata/properties"/>
-    <ds:schemaRef ds:uri="http://purl.org/dc/dcmitype/"/>
-    <ds:schemaRef ds:uri="http://schemas.microsoft.com/office/infopath/2007/PartnerControls"/>
-    <ds:schemaRef ds:uri="http://schemas.openxmlformats.org/package/2006/metadata/core-properties"/>
-    <ds:schemaRef ds:uri="aafb19fa-82be-411d-a6df-c75e9235a4ea"/>
-  </ds:schemaRefs>
-</ds:datastoreItem>
-</file>
-
-<file path=customXml/itemProps2.xml><?xml version="1.0" encoding="utf-8"?>
 <ds:datastoreItem xmlns:ds="http://schemas.openxmlformats.org/officeDocument/2006/customXml" ds:itemID="{86B9146A-7E8D-43BD-BCDA-EAF916D7BF88}">
   <ds:schemaRefs>
     <ds:schemaRef ds:uri="http://schemas.microsoft.com/office/2006/metadata/contentType"/>
@@ -13753,6 +13821,23 @@
 </ds:datastoreItem>
 </file>
 
+<file path=customXml/itemProps2.xml><?xml version="1.0" encoding="utf-8"?>
+<ds:datastoreItem xmlns:ds="http://schemas.openxmlformats.org/officeDocument/2006/customXml" ds:itemID="{44F744C1-7216-4F24-AF2B-C028C1AC510B}">
+  <ds:schemaRefs>
+    <ds:schemaRef ds:uri="http://purl.org/dc/elements/1.1/"/>
+    <ds:schemaRef ds:uri="http://purl.org/dc/terms/"/>
+    <ds:schemaRef ds:uri="3dfebdfe-2b22-40ba-8672-9fbc9b4066c4"/>
+    <ds:schemaRef ds:uri="http://www.w3.org/XML/1998/namespace"/>
+    <ds:schemaRef ds:uri="http://schemas.microsoft.com/office/2006/documentManagement/types"/>
+    <ds:schemaRef ds:uri="http://schemas.microsoft.com/office/2006/metadata/properties"/>
+    <ds:schemaRef ds:uri="http://purl.org/dc/dcmitype/"/>
+    <ds:schemaRef ds:uri="http://schemas.microsoft.com/office/infopath/2007/PartnerControls"/>
+    <ds:schemaRef ds:uri="http://schemas.openxmlformats.org/package/2006/metadata/core-properties"/>
+    <ds:schemaRef ds:uri="aafb19fa-82be-411d-a6df-c75e9235a4ea"/>
+  </ds:schemaRefs>
+</ds:datastoreItem>
+</file>
+
 <file path=customXml/itemProps3.xml><?xml version="1.0" encoding="utf-8"?>
 <ds:datastoreItem xmlns:ds="http://schemas.openxmlformats.org/officeDocument/2006/customXml" ds:itemID="{F8CFDD08-2AF3-45C0-9BFB-55C0CB45D846}">
   <ds:schemaRefs>

--- a/Submutatiescenario_s.pptx
+++ b/Submutatiescenario_s.pptx
@@ -5,39 +5,40 @@
     <p:sldMasterId id="2147483648" r:id="rId4"/>
   </p:sldMasterIdLst>
   <p:notesMasterIdLst>
-    <p:notesMasterId r:id="rId35"/>
+    <p:notesMasterId r:id="rId36"/>
   </p:notesMasterIdLst>
   <p:sldIdLst>
     <p:sldId id="256" r:id="rId5"/>
     <p:sldId id="257" r:id="rId6"/>
     <p:sldId id="297" r:id="rId7"/>
     <p:sldId id="263" r:id="rId8"/>
-    <p:sldId id="264" r:id="rId9"/>
-    <p:sldId id="278" r:id="rId10"/>
-    <p:sldId id="295" r:id="rId11"/>
-    <p:sldId id="296" r:id="rId12"/>
-    <p:sldId id="294" r:id="rId13"/>
-    <p:sldId id="290" r:id="rId14"/>
-    <p:sldId id="289" r:id="rId15"/>
-    <p:sldId id="293" r:id="rId16"/>
-    <p:sldId id="266" r:id="rId17"/>
-    <p:sldId id="265" r:id="rId18"/>
-    <p:sldId id="282" r:id="rId19"/>
-    <p:sldId id="268" r:id="rId20"/>
-    <p:sldId id="269" r:id="rId21"/>
-    <p:sldId id="270" r:id="rId22"/>
-    <p:sldId id="271" r:id="rId23"/>
-    <p:sldId id="273" r:id="rId24"/>
-    <p:sldId id="274" r:id="rId25"/>
-    <p:sldId id="272" r:id="rId26"/>
-    <p:sldId id="291" r:id="rId27"/>
-    <p:sldId id="285" r:id="rId28"/>
-    <p:sldId id="286" r:id="rId29"/>
-    <p:sldId id="287" r:id="rId30"/>
-    <p:sldId id="288" r:id="rId31"/>
-    <p:sldId id="284" r:id="rId32"/>
-    <p:sldId id="292" r:id="rId33"/>
-    <p:sldId id="280" r:id="rId34"/>
+    <p:sldId id="298" r:id="rId9"/>
+    <p:sldId id="264" r:id="rId10"/>
+    <p:sldId id="278" r:id="rId11"/>
+    <p:sldId id="295" r:id="rId12"/>
+    <p:sldId id="296" r:id="rId13"/>
+    <p:sldId id="294" r:id="rId14"/>
+    <p:sldId id="290" r:id="rId15"/>
+    <p:sldId id="289" r:id="rId16"/>
+    <p:sldId id="293" r:id="rId17"/>
+    <p:sldId id="266" r:id="rId18"/>
+    <p:sldId id="265" r:id="rId19"/>
+    <p:sldId id="282" r:id="rId20"/>
+    <p:sldId id="268" r:id="rId21"/>
+    <p:sldId id="269" r:id="rId22"/>
+    <p:sldId id="270" r:id="rId23"/>
+    <p:sldId id="271" r:id="rId24"/>
+    <p:sldId id="273" r:id="rId25"/>
+    <p:sldId id="274" r:id="rId26"/>
+    <p:sldId id="272" r:id="rId27"/>
+    <p:sldId id="291" r:id="rId28"/>
+    <p:sldId id="285" r:id="rId29"/>
+    <p:sldId id="286" r:id="rId30"/>
+    <p:sldId id="287" r:id="rId31"/>
+    <p:sldId id="288" r:id="rId32"/>
+    <p:sldId id="284" r:id="rId33"/>
+    <p:sldId id="292" r:id="rId34"/>
+    <p:sldId id="280" r:id="rId35"/>
   </p:sldIdLst>
   <p:sldSz cx="12192000" cy="6858000"/>
   <p:notesSz cx="6858000" cy="9144000"/>
@@ -311,7 +312,7 @@
           <a:p>
             <a:fld id="{2888003D-D75C-40B0-9BFD-C77ECDD13631}" type="datetimeFigureOut">
               <a:rPr lang="nl-NL" smtClean="0"/>
-              <a:t>25-2-2021</a:t>
+              <a:t>8-3-2021</a:t>
             </a:fld>
             <a:endParaRPr lang="nl-NL"/>
           </a:p>
@@ -643,7 +644,7 @@
           <a:p>
             <a:fld id="{6F87DBD9-0F19-45C0-B651-F6A6168026C7}" type="slidenum">
               <a:rPr lang="nl-NL" smtClean="0"/>
-              <a:t>9</a:t>
+              <a:t>10</a:t>
             </a:fld>
             <a:endParaRPr lang="nl-NL"/>
           </a:p>
@@ -809,7 +810,7 @@
           <a:p>
             <a:fld id="{02A6C647-4F39-4E22-BFA0-7A057A8C404A}" type="datetimeFigureOut">
               <a:rPr lang="nl-NL" smtClean="0"/>
-              <a:t>25-2-2021</a:t>
+              <a:t>8-3-2021</a:t>
             </a:fld>
             <a:endParaRPr lang="nl-NL"/>
           </a:p>
@@ -1007,7 +1008,7 @@
           <a:p>
             <a:fld id="{02A6C647-4F39-4E22-BFA0-7A057A8C404A}" type="datetimeFigureOut">
               <a:rPr lang="nl-NL" smtClean="0"/>
-              <a:t>25-2-2021</a:t>
+              <a:t>8-3-2021</a:t>
             </a:fld>
             <a:endParaRPr lang="nl-NL"/>
           </a:p>
@@ -1215,7 +1216,7 @@
           <a:p>
             <a:fld id="{02A6C647-4F39-4E22-BFA0-7A057A8C404A}" type="datetimeFigureOut">
               <a:rPr lang="nl-NL" smtClean="0"/>
-              <a:t>25-2-2021</a:t>
+              <a:t>8-3-2021</a:t>
             </a:fld>
             <a:endParaRPr lang="nl-NL"/>
           </a:p>
@@ -1413,7 +1414,7 @@
           <a:p>
             <a:fld id="{02A6C647-4F39-4E22-BFA0-7A057A8C404A}" type="datetimeFigureOut">
               <a:rPr lang="nl-NL" smtClean="0"/>
-              <a:t>25-2-2021</a:t>
+              <a:t>8-3-2021</a:t>
             </a:fld>
             <a:endParaRPr lang="nl-NL"/>
           </a:p>
@@ -1688,7 +1689,7 @@
           <a:p>
             <a:fld id="{02A6C647-4F39-4E22-BFA0-7A057A8C404A}" type="datetimeFigureOut">
               <a:rPr lang="nl-NL" smtClean="0"/>
-              <a:t>25-2-2021</a:t>
+              <a:t>8-3-2021</a:t>
             </a:fld>
             <a:endParaRPr lang="nl-NL"/>
           </a:p>
@@ -1953,7 +1954,7 @@
           <a:p>
             <a:fld id="{02A6C647-4F39-4E22-BFA0-7A057A8C404A}" type="datetimeFigureOut">
               <a:rPr lang="nl-NL" smtClean="0"/>
-              <a:t>25-2-2021</a:t>
+              <a:t>8-3-2021</a:t>
             </a:fld>
             <a:endParaRPr lang="nl-NL"/>
           </a:p>
@@ -2365,7 +2366,7 @@
           <a:p>
             <a:fld id="{02A6C647-4F39-4E22-BFA0-7A057A8C404A}" type="datetimeFigureOut">
               <a:rPr lang="nl-NL" smtClean="0"/>
-              <a:t>25-2-2021</a:t>
+              <a:t>8-3-2021</a:t>
             </a:fld>
             <a:endParaRPr lang="nl-NL"/>
           </a:p>
@@ -2506,7 +2507,7 @@
           <a:p>
             <a:fld id="{02A6C647-4F39-4E22-BFA0-7A057A8C404A}" type="datetimeFigureOut">
               <a:rPr lang="nl-NL" smtClean="0"/>
-              <a:t>25-2-2021</a:t>
+              <a:t>8-3-2021</a:t>
             </a:fld>
             <a:endParaRPr lang="nl-NL"/>
           </a:p>
@@ -2619,7 +2620,7 @@
           <a:p>
             <a:fld id="{02A6C647-4F39-4E22-BFA0-7A057A8C404A}" type="datetimeFigureOut">
               <a:rPr lang="nl-NL" smtClean="0"/>
-              <a:t>25-2-2021</a:t>
+              <a:t>8-3-2021</a:t>
             </a:fld>
             <a:endParaRPr lang="nl-NL"/>
           </a:p>
@@ -2930,7 +2931,7 @@
           <a:p>
             <a:fld id="{02A6C647-4F39-4E22-BFA0-7A057A8C404A}" type="datetimeFigureOut">
               <a:rPr lang="nl-NL" smtClean="0"/>
-              <a:t>25-2-2021</a:t>
+              <a:t>8-3-2021</a:t>
             </a:fld>
             <a:endParaRPr lang="nl-NL"/>
           </a:p>
@@ -3218,7 +3219,7 @@
           <a:p>
             <a:fld id="{02A6C647-4F39-4E22-BFA0-7A057A8C404A}" type="datetimeFigureOut">
               <a:rPr lang="nl-NL" smtClean="0"/>
-              <a:t>25-2-2021</a:t>
+              <a:t>8-3-2021</a:t>
             </a:fld>
             <a:endParaRPr lang="nl-NL"/>
           </a:p>
@@ -3459,7 +3460,7 @@
           <a:p>
             <a:fld id="{02A6C647-4F39-4E22-BFA0-7A057A8C404A}" type="datetimeFigureOut">
               <a:rPr lang="nl-NL" smtClean="0"/>
-              <a:t>25-2-2021</a:t>
+              <a:t>8-3-2021</a:t>
             </a:fld>
             <a:endParaRPr lang="nl-NL"/>
           </a:p>
@@ -3951,6 +3952,64 @@
           <p:cNvPr id="2" name="Titel 1">
             <a:extLst>
               <a:ext uri="{FF2B5EF4-FFF2-40B4-BE49-F238E27FC236}">
+                <a16:creationId xmlns:a16="http://schemas.microsoft.com/office/drawing/2014/main" id="{7DAAB73D-5E6F-4868-B66D-AC2B7FA78951}"/>
+              </a:ext>
+            </a:extLst>
+          </p:cNvPr>
+          <p:cNvSpPr>
+            <a:spLocks noGrp="1"/>
+          </p:cNvSpPr>
+          <p:nvPr>
+            <p:ph type="title"/>
+          </p:nvPr>
+        </p:nvSpPr>
+        <p:spPr/>
+        <p:txBody>
+          <a:bodyPr/>
+          <a:lstStyle/>
+          <a:p>
+            <a:r>
+              <a:rPr lang="nl-NL" dirty="0"/>
+              <a:t>Beschrijving per scenario</a:t>
+            </a:r>
+          </a:p>
+        </p:txBody>
+      </p:sp>
+    </p:spTree>
+    <p:extLst>
+      <p:ext uri="{BB962C8B-B14F-4D97-AF65-F5344CB8AC3E}">
+        <p14:creationId xmlns:p14="http://schemas.microsoft.com/office/powerpoint/2010/main" val="875504885"/>
+      </p:ext>
+    </p:extLst>
+  </p:cSld>
+  <p:clrMapOvr>
+    <a:masterClrMapping/>
+  </p:clrMapOvr>
+</p:sld>
+</file>
+
+<file path=ppt/slides/slide11.xml><?xml version="1.0" encoding="utf-8"?>
+<p:sld xmlns:a="http://schemas.openxmlformats.org/drawingml/2006/main" xmlns:r="http://schemas.openxmlformats.org/officeDocument/2006/relationships" xmlns:p="http://schemas.openxmlformats.org/presentationml/2006/main">
+  <p:cSld>
+    <p:spTree>
+      <p:nvGrpSpPr>
+        <p:cNvPr id="1" name=""/>
+        <p:cNvGrpSpPr/>
+        <p:nvPr/>
+      </p:nvGrpSpPr>
+      <p:grpSpPr>
+        <a:xfrm>
+          <a:off x="0" y="0"/>
+          <a:ext cx="0" cy="0"/>
+          <a:chOff x="0" y="0"/>
+          <a:chExt cx="0" cy="0"/>
+        </a:xfrm>
+      </p:grpSpPr>
+      <p:sp>
+        <p:nvSpPr>
+          <p:cNvPr id="2" name="Titel 1">
+            <a:extLst>
+              <a:ext uri="{FF2B5EF4-FFF2-40B4-BE49-F238E27FC236}">
                 <a16:creationId xmlns:a16="http://schemas.microsoft.com/office/drawing/2014/main" id="{768FB16B-6690-4D0F-9A4F-8EB04CD6C7FE}"/>
               </a:ext>
             </a:extLst>
@@ -4208,7 +4267,7 @@
 </p:sld>
 </file>
 
-<file path=ppt/slides/slide11.xml><?xml version="1.0" encoding="utf-8"?>
+<file path=ppt/slides/slide12.xml><?xml version="1.0" encoding="utf-8"?>
 <p:sld xmlns:a="http://schemas.openxmlformats.org/drawingml/2006/main" xmlns:r="http://schemas.openxmlformats.org/officeDocument/2006/relationships" xmlns:p="http://schemas.openxmlformats.org/presentationml/2006/main">
   <p:cSld>
     <p:spTree>
@@ -4406,7 +4465,7 @@
 </p:sld>
 </file>
 
-<file path=ppt/slides/slide12.xml><?xml version="1.0" encoding="utf-8"?>
+<file path=ppt/slides/slide13.xml><?xml version="1.0" encoding="utf-8"?>
 <p:sld xmlns:a="http://schemas.openxmlformats.org/drawingml/2006/main" xmlns:r="http://schemas.openxmlformats.org/officeDocument/2006/relationships" xmlns:p="http://schemas.openxmlformats.org/presentationml/2006/main">
   <p:cSld>
     <p:spTree>
@@ -4505,7 +4564,7 @@
 </p:sld>
 </file>
 
-<file path=ppt/slides/slide13.xml><?xml version="1.0" encoding="utf-8"?>
+<file path=ppt/slides/slide14.xml><?xml version="1.0" encoding="utf-8"?>
 <p:sld xmlns:a="http://schemas.openxmlformats.org/drawingml/2006/main" xmlns:r="http://schemas.openxmlformats.org/officeDocument/2006/relationships" xmlns:p="http://schemas.openxmlformats.org/presentationml/2006/main">
   <p:cSld>
     <p:spTree>
@@ -4604,7 +4663,7 @@
 </p:sld>
 </file>
 
-<file path=ppt/slides/slide14.xml><?xml version="1.0" encoding="utf-8"?>
+<file path=ppt/slides/slide15.xml><?xml version="1.0" encoding="utf-8"?>
 <p:sld xmlns:a="http://schemas.openxmlformats.org/drawingml/2006/main" xmlns:r="http://schemas.openxmlformats.org/officeDocument/2006/relationships" xmlns:p="http://schemas.openxmlformats.org/presentationml/2006/main">
   <p:cSld>
     <p:spTree>
@@ -4698,7 +4757,7 @@
 </p:sld>
 </file>
 
-<file path=ppt/slides/slide15.xml><?xml version="1.0" encoding="utf-8"?>
+<file path=ppt/slides/slide16.xml><?xml version="1.0" encoding="utf-8"?>
 <p:sld xmlns:a="http://schemas.openxmlformats.org/drawingml/2006/main" xmlns:r="http://schemas.openxmlformats.org/officeDocument/2006/relationships" xmlns:p="http://schemas.openxmlformats.org/presentationml/2006/main">
   <p:cSld>
     <p:spTree>
@@ -4825,7 +4884,7 @@
 </p:sld>
 </file>
 
-<file path=ppt/slides/slide16.xml><?xml version="1.0" encoding="utf-8"?>
+<file path=ppt/slides/slide17.xml><?xml version="1.0" encoding="utf-8"?>
 <p:sld xmlns:a="http://schemas.openxmlformats.org/drawingml/2006/main" xmlns:r="http://schemas.openxmlformats.org/officeDocument/2006/relationships" xmlns:p="http://schemas.openxmlformats.org/presentationml/2006/main">
   <p:cSld>
     <p:spTree>
@@ -4928,7 +4987,7 @@
 </p:sld>
 </file>
 
-<file path=ppt/slides/slide17.xml><?xml version="1.0" encoding="utf-8"?>
+<file path=ppt/slides/slide18.xml><?xml version="1.0" encoding="utf-8"?>
 <p:sld xmlns:a="http://schemas.openxmlformats.org/drawingml/2006/main" xmlns:r="http://schemas.openxmlformats.org/officeDocument/2006/relationships" xmlns:p="http://schemas.openxmlformats.org/presentationml/2006/main">
   <p:cSld>
     <p:spTree>
@@ -5045,7 +5104,7 @@
 </p:sld>
 </file>
 
-<file path=ppt/slides/slide18.xml><?xml version="1.0" encoding="utf-8"?>
+<file path=ppt/slides/slide19.xml><?xml version="1.0" encoding="utf-8"?>
 <p:sld xmlns:a="http://schemas.openxmlformats.org/drawingml/2006/main" xmlns:r="http://schemas.openxmlformats.org/officeDocument/2006/relationships" xmlns:p="http://schemas.openxmlformats.org/presentationml/2006/main">
   <p:cSld>
     <p:spTree>
@@ -5396,315 +5455,6 @@
     <p:extLst>
       <p:ext uri="{BB962C8B-B14F-4D97-AF65-F5344CB8AC3E}">
         <p14:creationId xmlns:p14="http://schemas.microsoft.com/office/powerpoint/2010/main" val="1142416558"/>
-      </p:ext>
-    </p:extLst>
-  </p:cSld>
-  <p:clrMapOvr>
-    <a:masterClrMapping/>
-  </p:clrMapOvr>
-</p:sld>
-</file>
-
-<file path=ppt/slides/slide19.xml><?xml version="1.0" encoding="utf-8"?>
-<p:sld xmlns:a="http://schemas.openxmlformats.org/drawingml/2006/main" xmlns:r="http://schemas.openxmlformats.org/officeDocument/2006/relationships" xmlns:p="http://schemas.openxmlformats.org/presentationml/2006/main">
-  <p:cSld>
-    <p:spTree>
-      <p:nvGrpSpPr>
-        <p:cNvPr id="1" name=""/>
-        <p:cNvGrpSpPr/>
-        <p:nvPr/>
-      </p:nvGrpSpPr>
-      <p:grpSpPr>
-        <a:xfrm>
-          <a:off x="0" y="0"/>
-          <a:ext cx="0" cy="0"/>
-          <a:chOff x="0" y="0"/>
-          <a:chExt cx="0" cy="0"/>
-        </a:xfrm>
-      </p:grpSpPr>
-      <p:sp>
-        <p:nvSpPr>
-          <p:cNvPr id="2" name="Titel 1">
-            <a:extLst>
-              <a:ext uri="{FF2B5EF4-FFF2-40B4-BE49-F238E27FC236}">
-                <a16:creationId xmlns:a16="http://schemas.microsoft.com/office/drawing/2014/main" id="{31829385-1F91-4EEE-9659-6CA14A8584CD}"/>
-              </a:ext>
-            </a:extLst>
-          </p:cNvPr>
-          <p:cNvSpPr>
-            <a:spLocks noGrp="1"/>
-          </p:cNvSpPr>
-          <p:nvPr>
-            <p:ph type="title"/>
-          </p:nvPr>
-        </p:nvSpPr>
-        <p:spPr/>
-        <p:txBody>
-          <a:bodyPr/>
-          <a:lstStyle/>
-          <a:p>
-            <a:r>
-              <a:rPr lang="nl-NL" b="1" dirty="0"/>
-              <a:t>3d</a:t>
-            </a:r>
-            <a:r>
-              <a:rPr lang="nl-NL" dirty="0"/>
-              <a:t>) verwijderen van het artikel, inclusief het verwijderen van een GIO</a:t>
-            </a:r>
-          </a:p>
-        </p:txBody>
-      </p:sp>
-      <p:sp>
-        <p:nvSpPr>
-          <p:cNvPr id="3" name="Tijdelijke aanduiding voor inhoud 2">
-            <a:extLst>
-              <a:ext uri="{FF2B5EF4-FFF2-40B4-BE49-F238E27FC236}">
-                <a16:creationId xmlns:a16="http://schemas.microsoft.com/office/drawing/2014/main" id="{D61C3116-85D5-4FED-B9E6-8BC2BEED0216}"/>
-              </a:ext>
-            </a:extLst>
-          </p:cNvPr>
-          <p:cNvSpPr>
-            <a:spLocks noGrp="1"/>
-          </p:cNvSpPr>
-          <p:nvPr>
-            <p:ph idx="1"/>
-          </p:nvPr>
-        </p:nvSpPr>
-        <p:spPr/>
-        <p:txBody>
-          <a:bodyPr>
-            <a:normAutofit fontScale="70000" lnSpcReduction="20000"/>
-          </a:bodyPr>
-          <a:lstStyle/>
-          <a:p>
-            <a:r>
-              <a:rPr lang="nl-NL" dirty="0"/>
-              <a:t>In dit mutatiescenario </a:t>
-            </a:r>
-            <a:r>
-              <a:rPr lang="nl-NL" sz="1200" dirty="0"/>
-              <a:t>(#</a:t>
-            </a:r>
-            <a:r>
-              <a:rPr lang="nl-NL" sz="1200" dirty="0" err="1"/>
-              <a:t>doeiStikstofCrisis</a:t>
-            </a:r>
-            <a:r>
-              <a:rPr lang="nl-NL" sz="1200" dirty="0"/>
-              <a:t>)</a:t>
-            </a:r>
-          </a:p>
-          <a:p>
-            <a:pPr lvl="1"/>
-            <a:r>
-              <a:rPr lang="nl-NL" dirty="0"/>
-              <a:t>Hoofdstuk 2</a:t>
-            </a:r>
-          </a:p>
-          <a:p>
-            <a:pPr lvl="2"/>
-            <a:r>
-              <a:rPr lang="nl-NL" dirty="0"/>
-              <a:t>Afdeling 2.4</a:t>
-            </a:r>
-          </a:p>
-          <a:p>
-            <a:pPr lvl="3"/>
-            <a:r>
-              <a:rPr lang="nl-NL" dirty="0"/>
-              <a:t>(</a:t>
-            </a:r>
-            <a:r>
-              <a:rPr lang="nl-NL" b="1" dirty="0">
-                <a:solidFill>
-                  <a:srgbClr val="FF0000"/>
-                </a:solidFill>
-              </a:rPr>
-              <a:t>VERVALLEN</a:t>
-            </a:r>
-            <a:r>
-              <a:rPr lang="nl-NL" dirty="0"/>
-              <a:t>) Artikel 2.12 Omgevingswaarde stikstofdioxide </a:t>
-            </a:r>
-            <a:r>
-              <a:rPr lang="nl-NL" dirty="0">
-                <a:solidFill>
-                  <a:srgbClr val="FF0000"/>
-                </a:solidFill>
-              </a:rPr>
-              <a:t>Einddatum </a:t>
-            </a:r>
-          </a:p>
-          <a:p>
-            <a:pPr lvl="2"/>
-            <a:r>
-              <a:rPr lang="nl-NL" dirty="0"/>
-              <a:t>Afdeling 2.5 </a:t>
-            </a:r>
-          </a:p>
-          <a:p>
-            <a:pPr lvl="3"/>
-            <a:r>
-              <a:rPr lang="nl-NL" dirty="0"/>
-              <a:t>Artikel 2.13: Omgevingsplanactiviteiten bouwen </a:t>
-            </a:r>
-          </a:p>
-          <a:p>
-            <a:pPr lvl="3"/>
-            <a:r>
-              <a:rPr lang="nl-NL" dirty="0"/>
-              <a:t>Artikel 2.14: Bouwregels geluidsgevoelige gebouwen</a:t>
-            </a:r>
-          </a:p>
-          <a:p>
-            <a:pPr lvl="3"/>
-            <a:r>
-              <a:rPr lang="nl-NL" dirty="0"/>
-              <a:t>Artikel 2.15: Bouwregels bedrijfsgebouwen</a:t>
-            </a:r>
-          </a:p>
-          <a:p>
-            <a:r>
-              <a:rPr lang="nl-NL" dirty="0">
-                <a:solidFill>
-                  <a:schemeClr val="accent1"/>
-                </a:solidFill>
-              </a:rPr>
-              <a:t>Beëindigen (</a:t>
-            </a:r>
-            <a:r>
-              <a:rPr lang="nl-NL" i="1" dirty="0">
-                <a:solidFill>
-                  <a:schemeClr val="accent1"/>
-                </a:solidFill>
-              </a:rPr>
-              <a:t>uitzetten/deactiveren) </a:t>
-            </a:r>
-            <a:r>
-              <a:rPr lang="nl-NL" dirty="0">
-                <a:solidFill>
-                  <a:schemeClr val="accent1"/>
-                </a:solidFill>
-              </a:rPr>
-              <a:t>van GIO ‘Zuilichem’(begrippenlijst aanpassen) </a:t>
-            </a:r>
-          </a:p>
-          <a:p>
-            <a:r>
-              <a:rPr lang="nl-NL" dirty="0">
-                <a:solidFill>
-                  <a:schemeClr val="accent6"/>
-                </a:solidFill>
-              </a:rPr>
-              <a:t>Beëindigen van regeltekst (nl.imow-gm0297.regeltekst.2019000009) </a:t>
-            </a:r>
-            <a:r>
-              <a:rPr lang="nl-NL" i="1" dirty="0">
-                <a:solidFill>
-                  <a:schemeClr val="accent6"/>
-                </a:solidFill>
-              </a:rPr>
-              <a:t>(OP-status ‘B’ = beëindigd)</a:t>
-            </a:r>
-          </a:p>
-          <a:p>
-            <a:r>
-              <a:rPr lang="nl-NL" dirty="0">
-                <a:solidFill>
-                  <a:schemeClr val="accent6"/>
-                </a:solidFill>
-              </a:rPr>
-              <a:t>Beëindigen van Juridische regel (Omgevingswaarderegel nl.imow-gm0297.juridischeregel.2019000015) </a:t>
-            </a:r>
-            <a:r>
-              <a:rPr lang="nl-NL" i="1" dirty="0">
-                <a:solidFill>
-                  <a:schemeClr val="accent6"/>
-                </a:solidFill>
-              </a:rPr>
-              <a:t>(OW-status ‘B’ = beëindigd)</a:t>
-            </a:r>
-            <a:endParaRPr lang="nl-NL" dirty="0">
-              <a:solidFill>
-                <a:schemeClr val="accent6"/>
-              </a:solidFill>
-            </a:endParaRPr>
-          </a:p>
-          <a:p>
-            <a:r>
-              <a:rPr lang="nl-NL" strike="sngStrike" dirty="0">
-                <a:solidFill>
-                  <a:schemeClr val="accent6"/>
-                </a:solidFill>
-              </a:rPr>
-              <a:t>Beëindigen van normwaarde (nl.imow-gm0037.normwaarde.20190001). </a:t>
-            </a:r>
-            <a:r>
-              <a:rPr lang="nl-NL" i="1" strike="sngStrike" dirty="0">
-                <a:solidFill>
-                  <a:schemeClr val="accent6"/>
-                </a:solidFill>
-              </a:rPr>
-              <a:t>(status ‘Beëindigd’)</a:t>
-            </a:r>
-            <a:endParaRPr lang="nl-NL" strike="sngStrike" dirty="0">
-              <a:solidFill>
-                <a:schemeClr val="accent6"/>
-              </a:solidFill>
-            </a:endParaRPr>
-          </a:p>
-          <a:p>
-            <a:r>
-              <a:rPr lang="nl-NL" dirty="0">
-                <a:solidFill>
-                  <a:schemeClr val="accent6"/>
-                </a:solidFill>
-              </a:rPr>
-              <a:t>Beëindigen van omgevingswaarde (nl.imow-gm0297.omgevingswaarde.2019000001) </a:t>
-            </a:r>
-            <a:r>
-              <a:rPr lang="nl-NL" i="1" dirty="0">
-                <a:solidFill>
-                  <a:schemeClr val="accent6"/>
-                </a:solidFill>
-              </a:rPr>
-              <a:t>(status ‘B’ = beëindigd)</a:t>
-            </a:r>
-            <a:endParaRPr lang="nl-NL" dirty="0">
-              <a:solidFill>
-                <a:schemeClr val="accent6"/>
-              </a:solidFill>
-            </a:endParaRPr>
-          </a:p>
-          <a:p>
-            <a:r>
-              <a:rPr lang="nl-NL" strike="sngStrike" dirty="0">
-                <a:solidFill>
-                  <a:schemeClr val="accent6"/>
-                </a:solidFill>
-              </a:rPr>
-              <a:t>Beëindigen van locatie (nl.imow-gm0297.gebied.2019000011) </a:t>
-            </a:r>
-            <a:r>
-              <a:rPr lang="nl-NL" i="1" strike="sngStrike" dirty="0">
-                <a:solidFill>
-                  <a:schemeClr val="accent6"/>
-                </a:solidFill>
-              </a:rPr>
-              <a:t>(status ‘Beëindigd’ )</a:t>
-            </a:r>
-            <a:endParaRPr lang="nl-NL" strike="sngStrike" dirty="0">
-              <a:solidFill>
-                <a:schemeClr val="accent6"/>
-              </a:solidFill>
-            </a:endParaRPr>
-          </a:p>
-        </p:txBody>
-      </p:sp>
-    </p:spTree>
-    <p:extLst>
-      <p:ext uri="{BB962C8B-B14F-4D97-AF65-F5344CB8AC3E}">
-        <p14:creationId xmlns:p14="http://schemas.microsoft.com/office/powerpoint/2010/main" val="4201062499"/>
       </p:ext>
     </p:extLst>
   </p:cSld>
@@ -6436,6 +6186,315 @@
           <p:cNvPr id="2" name="Titel 1">
             <a:extLst>
               <a:ext uri="{FF2B5EF4-FFF2-40B4-BE49-F238E27FC236}">
+                <a16:creationId xmlns:a16="http://schemas.microsoft.com/office/drawing/2014/main" id="{31829385-1F91-4EEE-9659-6CA14A8584CD}"/>
+              </a:ext>
+            </a:extLst>
+          </p:cNvPr>
+          <p:cNvSpPr>
+            <a:spLocks noGrp="1"/>
+          </p:cNvSpPr>
+          <p:nvPr>
+            <p:ph type="title"/>
+          </p:nvPr>
+        </p:nvSpPr>
+        <p:spPr/>
+        <p:txBody>
+          <a:bodyPr/>
+          <a:lstStyle/>
+          <a:p>
+            <a:r>
+              <a:rPr lang="nl-NL" b="1" dirty="0"/>
+              <a:t>3d</a:t>
+            </a:r>
+            <a:r>
+              <a:rPr lang="nl-NL" dirty="0"/>
+              <a:t>) verwijderen van het artikel, inclusief het verwijderen van een GIO</a:t>
+            </a:r>
+          </a:p>
+        </p:txBody>
+      </p:sp>
+      <p:sp>
+        <p:nvSpPr>
+          <p:cNvPr id="3" name="Tijdelijke aanduiding voor inhoud 2">
+            <a:extLst>
+              <a:ext uri="{FF2B5EF4-FFF2-40B4-BE49-F238E27FC236}">
+                <a16:creationId xmlns:a16="http://schemas.microsoft.com/office/drawing/2014/main" id="{D61C3116-85D5-4FED-B9E6-8BC2BEED0216}"/>
+              </a:ext>
+            </a:extLst>
+          </p:cNvPr>
+          <p:cNvSpPr>
+            <a:spLocks noGrp="1"/>
+          </p:cNvSpPr>
+          <p:nvPr>
+            <p:ph idx="1"/>
+          </p:nvPr>
+        </p:nvSpPr>
+        <p:spPr/>
+        <p:txBody>
+          <a:bodyPr>
+            <a:normAutofit fontScale="70000" lnSpcReduction="20000"/>
+          </a:bodyPr>
+          <a:lstStyle/>
+          <a:p>
+            <a:r>
+              <a:rPr lang="nl-NL" dirty="0"/>
+              <a:t>In dit mutatiescenario </a:t>
+            </a:r>
+            <a:r>
+              <a:rPr lang="nl-NL" sz="1200" dirty="0"/>
+              <a:t>(#</a:t>
+            </a:r>
+            <a:r>
+              <a:rPr lang="nl-NL" sz="1200" dirty="0" err="1"/>
+              <a:t>doeiStikstofCrisis</a:t>
+            </a:r>
+            <a:r>
+              <a:rPr lang="nl-NL" sz="1200" dirty="0"/>
+              <a:t>)</a:t>
+            </a:r>
+          </a:p>
+          <a:p>
+            <a:pPr lvl="1"/>
+            <a:r>
+              <a:rPr lang="nl-NL" dirty="0"/>
+              <a:t>Hoofdstuk 2</a:t>
+            </a:r>
+          </a:p>
+          <a:p>
+            <a:pPr lvl="2"/>
+            <a:r>
+              <a:rPr lang="nl-NL" dirty="0"/>
+              <a:t>Afdeling 2.4</a:t>
+            </a:r>
+          </a:p>
+          <a:p>
+            <a:pPr lvl="3"/>
+            <a:r>
+              <a:rPr lang="nl-NL" dirty="0"/>
+              <a:t>(</a:t>
+            </a:r>
+            <a:r>
+              <a:rPr lang="nl-NL" b="1" dirty="0">
+                <a:solidFill>
+                  <a:srgbClr val="FF0000"/>
+                </a:solidFill>
+              </a:rPr>
+              <a:t>VERVALLEN</a:t>
+            </a:r>
+            <a:r>
+              <a:rPr lang="nl-NL" dirty="0"/>
+              <a:t>) Artikel 2.12 Omgevingswaarde stikstofdioxide </a:t>
+            </a:r>
+            <a:r>
+              <a:rPr lang="nl-NL" dirty="0">
+                <a:solidFill>
+                  <a:srgbClr val="FF0000"/>
+                </a:solidFill>
+              </a:rPr>
+              <a:t>Einddatum </a:t>
+            </a:r>
+          </a:p>
+          <a:p>
+            <a:pPr lvl="2"/>
+            <a:r>
+              <a:rPr lang="nl-NL" dirty="0"/>
+              <a:t>Afdeling 2.5 </a:t>
+            </a:r>
+          </a:p>
+          <a:p>
+            <a:pPr lvl="3"/>
+            <a:r>
+              <a:rPr lang="nl-NL" dirty="0"/>
+              <a:t>Artikel 2.13: Omgevingsplanactiviteiten bouwen </a:t>
+            </a:r>
+          </a:p>
+          <a:p>
+            <a:pPr lvl="3"/>
+            <a:r>
+              <a:rPr lang="nl-NL" dirty="0"/>
+              <a:t>Artikel 2.14: Bouwregels geluidsgevoelige gebouwen</a:t>
+            </a:r>
+          </a:p>
+          <a:p>
+            <a:pPr lvl="3"/>
+            <a:r>
+              <a:rPr lang="nl-NL" dirty="0"/>
+              <a:t>Artikel 2.15: Bouwregels bedrijfsgebouwen</a:t>
+            </a:r>
+          </a:p>
+          <a:p>
+            <a:r>
+              <a:rPr lang="nl-NL" dirty="0">
+                <a:solidFill>
+                  <a:schemeClr val="accent1"/>
+                </a:solidFill>
+              </a:rPr>
+              <a:t>Beëindigen (</a:t>
+            </a:r>
+            <a:r>
+              <a:rPr lang="nl-NL" i="1" dirty="0">
+                <a:solidFill>
+                  <a:schemeClr val="accent1"/>
+                </a:solidFill>
+              </a:rPr>
+              <a:t>uitzetten/deactiveren) </a:t>
+            </a:r>
+            <a:r>
+              <a:rPr lang="nl-NL" dirty="0">
+                <a:solidFill>
+                  <a:schemeClr val="accent1"/>
+                </a:solidFill>
+              </a:rPr>
+              <a:t>van GIO ‘Zuilichem’(begrippenlijst aanpassen) </a:t>
+            </a:r>
+          </a:p>
+          <a:p>
+            <a:r>
+              <a:rPr lang="nl-NL" dirty="0">
+                <a:solidFill>
+                  <a:schemeClr val="accent6"/>
+                </a:solidFill>
+              </a:rPr>
+              <a:t>Beëindigen van regeltekst (nl.imow-gm0297.regeltekst.2019000009) </a:t>
+            </a:r>
+            <a:r>
+              <a:rPr lang="nl-NL" i="1" dirty="0">
+                <a:solidFill>
+                  <a:schemeClr val="accent6"/>
+                </a:solidFill>
+              </a:rPr>
+              <a:t>(OP-status ‘B’ = beëindigd)</a:t>
+            </a:r>
+          </a:p>
+          <a:p>
+            <a:r>
+              <a:rPr lang="nl-NL" dirty="0">
+                <a:solidFill>
+                  <a:schemeClr val="accent6"/>
+                </a:solidFill>
+              </a:rPr>
+              <a:t>Beëindigen van Juridische regel (Omgevingswaarderegel nl.imow-gm0297.juridischeregel.2019000015) </a:t>
+            </a:r>
+            <a:r>
+              <a:rPr lang="nl-NL" i="1" dirty="0">
+                <a:solidFill>
+                  <a:schemeClr val="accent6"/>
+                </a:solidFill>
+              </a:rPr>
+              <a:t>(OW-status ‘B’ = beëindigd)</a:t>
+            </a:r>
+            <a:endParaRPr lang="nl-NL" dirty="0">
+              <a:solidFill>
+                <a:schemeClr val="accent6"/>
+              </a:solidFill>
+            </a:endParaRPr>
+          </a:p>
+          <a:p>
+            <a:r>
+              <a:rPr lang="nl-NL" strike="sngStrike" dirty="0">
+                <a:solidFill>
+                  <a:schemeClr val="accent6"/>
+                </a:solidFill>
+              </a:rPr>
+              <a:t>Beëindigen van normwaarde (nl.imow-gm0037.normwaarde.20190001). </a:t>
+            </a:r>
+            <a:r>
+              <a:rPr lang="nl-NL" i="1" strike="sngStrike" dirty="0">
+                <a:solidFill>
+                  <a:schemeClr val="accent6"/>
+                </a:solidFill>
+              </a:rPr>
+              <a:t>(status ‘Beëindigd’)</a:t>
+            </a:r>
+            <a:endParaRPr lang="nl-NL" strike="sngStrike" dirty="0">
+              <a:solidFill>
+                <a:schemeClr val="accent6"/>
+              </a:solidFill>
+            </a:endParaRPr>
+          </a:p>
+          <a:p>
+            <a:r>
+              <a:rPr lang="nl-NL" dirty="0">
+                <a:solidFill>
+                  <a:schemeClr val="accent6"/>
+                </a:solidFill>
+              </a:rPr>
+              <a:t>Beëindigen van omgevingswaarde (nl.imow-gm0297.omgevingswaarde.2019000001) </a:t>
+            </a:r>
+            <a:r>
+              <a:rPr lang="nl-NL" i="1" dirty="0">
+                <a:solidFill>
+                  <a:schemeClr val="accent6"/>
+                </a:solidFill>
+              </a:rPr>
+              <a:t>(status ‘B’ = beëindigd)</a:t>
+            </a:r>
+            <a:endParaRPr lang="nl-NL" dirty="0">
+              <a:solidFill>
+                <a:schemeClr val="accent6"/>
+              </a:solidFill>
+            </a:endParaRPr>
+          </a:p>
+          <a:p>
+            <a:r>
+              <a:rPr lang="nl-NL" strike="sngStrike" dirty="0">
+                <a:solidFill>
+                  <a:schemeClr val="accent6"/>
+                </a:solidFill>
+              </a:rPr>
+              <a:t>Beëindigen van locatie (nl.imow-gm0297.gebied.2019000011) </a:t>
+            </a:r>
+            <a:r>
+              <a:rPr lang="nl-NL" i="1" strike="sngStrike" dirty="0">
+                <a:solidFill>
+                  <a:schemeClr val="accent6"/>
+                </a:solidFill>
+              </a:rPr>
+              <a:t>(status ‘Beëindigd’ )</a:t>
+            </a:r>
+            <a:endParaRPr lang="nl-NL" strike="sngStrike" dirty="0">
+              <a:solidFill>
+                <a:schemeClr val="accent6"/>
+              </a:solidFill>
+            </a:endParaRPr>
+          </a:p>
+        </p:txBody>
+      </p:sp>
+    </p:spTree>
+    <p:extLst>
+      <p:ext uri="{BB962C8B-B14F-4D97-AF65-F5344CB8AC3E}">
+        <p14:creationId xmlns:p14="http://schemas.microsoft.com/office/powerpoint/2010/main" val="4201062499"/>
+      </p:ext>
+    </p:extLst>
+  </p:cSld>
+  <p:clrMapOvr>
+    <a:masterClrMapping/>
+  </p:clrMapOvr>
+</p:sld>
+</file>
+
+<file path=ppt/slides/slide21.xml><?xml version="1.0" encoding="utf-8"?>
+<p:sld xmlns:a="http://schemas.openxmlformats.org/drawingml/2006/main" xmlns:r="http://schemas.openxmlformats.org/officeDocument/2006/relationships" xmlns:p="http://schemas.openxmlformats.org/presentationml/2006/main">
+  <p:cSld>
+    <p:spTree>
+      <p:nvGrpSpPr>
+        <p:cNvPr id="1" name=""/>
+        <p:cNvGrpSpPr/>
+        <p:nvPr/>
+      </p:nvGrpSpPr>
+      <p:grpSpPr>
+        <a:xfrm>
+          <a:off x="0" y="0"/>
+          <a:ext cx="0" cy="0"/>
+          <a:chOff x="0" y="0"/>
+          <a:chExt cx="0" cy="0"/>
+        </a:xfrm>
+      </p:grpSpPr>
+      <p:sp>
+        <p:nvSpPr>
+          <p:cNvPr id="2" name="Titel 1">
+            <a:extLst>
+              <a:ext uri="{FF2B5EF4-FFF2-40B4-BE49-F238E27FC236}">
                 <a16:creationId xmlns:a16="http://schemas.microsoft.com/office/drawing/2014/main" id="{4E1D0F46-FFF8-4853-91B8-8EDD77A1FB5E}"/>
               </a:ext>
             </a:extLst>
@@ -6596,7 +6655,7 @@
 </p:sld>
 </file>
 
-<file path=ppt/slides/slide21.xml><?xml version="1.0" encoding="utf-8"?>
+<file path=ppt/slides/slide22.xml><?xml version="1.0" encoding="utf-8"?>
 <p:sld xmlns:a="http://schemas.openxmlformats.org/drawingml/2006/main" xmlns:r="http://schemas.openxmlformats.org/officeDocument/2006/relationships" xmlns:p="http://schemas.openxmlformats.org/presentationml/2006/main">
   <p:cSld>
     <p:spTree>
@@ -6756,7 +6815,7 @@
 </p:sld>
 </file>
 
-<file path=ppt/slides/slide22.xml><?xml version="1.0" encoding="utf-8"?>
+<file path=ppt/slides/slide23.xml><?xml version="1.0" encoding="utf-8"?>
 <p:sld xmlns:a="http://schemas.openxmlformats.org/drawingml/2006/main" xmlns:r="http://schemas.openxmlformats.org/officeDocument/2006/relationships" xmlns:p="http://schemas.openxmlformats.org/presentationml/2006/main">
   <p:cSld>
     <p:spTree>
@@ -7169,7 +7228,7 @@
 </p:sld>
 </file>
 
-<file path=ppt/slides/slide23.xml><?xml version="1.0" encoding="utf-8"?>
+<file path=ppt/slides/slide24.xml><?xml version="1.0" encoding="utf-8"?>
 <p:sld xmlns:a="http://schemas.openxmlformats.org/drawingml/2006/main" xmlns:r="http://schemas.openxmlformats.org/officeDocument/2006/relationships" xmlns:p="http://schemas.openxmlformats.org/presentationml/2006/main">
   <p:cSld>
     <p:spTree>
@@ -7481,7 +7540,7 @@
 </p:sld>
 </file>
 
-<file path=ppt/slides/slide24.xml><?xml version="1.0" encoding="utf-8"?>
+<file path=ppt/slides/slide25.xml><?xml version="1.0" encoding="utf-8"?>
 <p:sld xmlns:a="http://schemas.openxmlformats.org/drawingml/2006/main" xmlns:r="http://schemas.openxmlformats.org/officeDocument/2006/relationships" xmlns:p="http://schemas.openxmlformats.org/presentationml/2006/main">
   <p:cSld>
     <p:spTree>
@@ -7579,7 +7638,7 @@
 </p:sld>
 </file>
 
-<file path=ppt/slides/slide25.xml><?xml version="1.0" encoding="utf-8"?>
+<file path=ppt/slides/slide26.xml><?xml version="1.0" encoding="utf-8"?>
 <p:sld xmlns:a="http://schemas.openxmlformats.org/drawingml/2006/main" xmlns:r="http://schemas.openxmlformats.org/officeDocument/2006/relationships" xmlns:p="http://schemas.openxmlformats.org/presentationml/2006/main">
   <p:cSld>
     <p:spTree>
@@ -7671,7 +7730,7 @@
 </p:sld>
 </file>
 
-<file path=ppt/slides/slide26.xml><?xml version="1.0" encoding="utf-8"?>
+<file path=ppt/slides/slide27.xml><?xml version="1.0" encoding="utf-8"?>
 <p:sld xmlns:a="http://schemas.openxmlformats.org/drawingml/2006/main" xmlns:r="http://schemas.openxmlformats.org/officeDocument/2006/relationships" xmlns:p="http://schemas.openxmlformats.org/presentationml/2006/main">
   <p:cSld>
     <p:spTree>
@@ -7782,7 +7841,7 @@
 </p:sld>
 </file>
 
-<file path=ppt/slides/slide27.xml><?xml version="1.0" encoding="utf-8"?>
+<file path=ppt/slides/slide28.xml><?xml version="1.0" encoding="utf-8"?>
 <p:sld xmlns:a="http://schemas.openxmlformats.org/drawingml/2006/main" xmlns:r="http://schemas.openxmlformats.org/officeDocument/2006/relationships" xmlns:p="http://schemas.openxmlformats.org/presentationml/2006/main">
   <p:cSld>
     <p:spTree>
@@ -7874,449 +7933,6 @@
     <p:extLst>
       <p:ext uri="{BB962C8B-B14F-4D97-AF65-F5344CB8AC3E}">
         <p14:creationId xmlns:p14="http://schemas.microsoft.com/office/powerpoint/2010/main" val="170492483"/>
-      </p:ext>
-    </p:extLst>
-  </p:cSld>
-  <p:clrMapOvr>
-    <a:masterClrMapping/>
-  </p:clrMapOvr>
-</p:sld>
-</file>
-
-<file path=ppt/slides/slide28.xml><?xml version="1.0" encoding="utf-8"?>
-<p:sld xmlns:a="http://schemas.openxmlformats.org/drawingml/2006/main" xmlns:r="http://schemas.openxmlformats.org/officeDocument/2006/relationships" xmlns:p="http://schemas.openxmlformats.org/presentationml/2006/main">
-  <p:cSld>
-    <p:spTree>
-      <p:nvGrpSpPr>
-        <p:cNvPr id="1" name=""/>
-        <p:cNvGrpSpPr/>
-        <p:nvPr/>
-      </p:nvGrpSpPr>
-      <p:grpSpPr>
-        <a:xfrm>
-          <a:off x="0" y="0"/>
-          <a:ext cx="0" cy="0"/>
-          <a:chOff x="0" y="0"/>
-          <a:chExt cx="0" cy="0"/>
-        </a:xfrm>
-      </p:grpSpPr>
-      <p:sp>
-        <p:nvSpPr>
-          <p:cNvPr id="2" name="Titel 1">
-            <a:extLst>
-              <a:ext uri="{FF2B5EF4-FFF2-40B4-BE49-F238E27FC236}">
-                <a16:creationId xmlns:a16="http://schemas.microsoft.com/office/drawing/2014/main" id="{C2A956C4-5E44-4751-B273-9E73A48D4496}"/>
-              </a:ext>
-            </a:extLst>
-          </p:cNvPr>
-          <p:cNvSpPr>
-            <a:spLocks noGrp="1"/>
-          </p:cNvSpPr>
-          <p:nvPr>
-            <p:ph type="title"/>
-          </p:nvPr>
-        </p:nvSpPr>
-        <p:spPr/>
-        <p:txBody>
-          <a:bodyPr/>
-          <a:lstStyle/>
-          <a:p>
-            <a:r>
-              <a:rPr lang="nl-NL" dirty="0"/>
-              <a:t>10e) toevoegen van activiteiten</a:t>
-            </a:r>
-          </a:p>
-        </p:txBody>
-      </p:sp>
-      <p:sp>
-        <p:nvSpPr>
-          <p:cNvPr id="6" name="Tijdelijke aanduiding voor inhoud 2">
-            <a:extLst>
-              <a:ext uri="{FF2B5EF4-FFF2-40B4-BE49-F238E27FC236}">
-                <a16:creationId xmlns:a16="http://schemas.microsoft.com/office/drawing/2014/main" id="{B22DD6BB-B5E9-46E5-B458-1F56FA4F59FD}"/>
-              </a:ext>
-            </a:extLst>
-          </p:cNvPr>
-          <p:cNvSpPr txBox="1">
-            <a:spLocks/>
-          </p:cNvSpPr>
-          <p:nvPr/>
-        </p:nvSpPr>
-        <p:spPr>
-          <a:xfrm>
-            <a:off x="838200" y="1690688"/>
-            <a:ext cx="10515600" cy="4351338"/>
-          </a:xfrm>
-          <a:prstGeom prst="rect">
-            <a:avLst/>
-          </a:prstGeom>
-        </p:spPr>
-        <p:txBody>
-          <a:bodyPr vert="horz" lIns="91440" tIns="45720" rIns="91440" bIns="45720" rtlCol="0">
-            <a:normAutofit/>
-          </a:bodyPr>
-          <a:lstStyle>
-            <a:lvl1pPr marL="228600" indent="-228600" algn="l" defTabSz="914400" rtl="0" eaLnBrk="1" latinLnBrk="0" hangingPunct="1">
-              <a:lnSpc>
-                <a:spcPct val="90000"/>
-              </a:lnSpc>
-              <a:spcBef>
-                <a:spcPts val="1000"/>
-              </a:spcBef>
-              <a:buFont typeface="Arial" panose="020B0604020202020204" pitchFamily="34" charset="0"/>
-              <a:buChar char="•"/>
-              <a:defRPr sz="2800" kern="1200">
-                <a:solidFill>
-                  <a:schemeClr val="tx1"/>
-                </a:solidFill>
-                <a:latin typeface="+mn-lt"/>
-                <a:ea typeface="+mn-ea"/>
-                <a:cs typeface="+mn-cs"/>
-              </a:defRPr>
-            </a:lvl1pPr>
-            <a:lvl2pPr marL="685800" indent="-228600" algn="l" defTabSz="914400" rtl="0" eaLnBrk="1" latinLnBrk="0" hangingPunct="1">
-              <a:lnSpc>
-                <a:spcPct val="90000"/>
-              </a:lnSpc>
-              <a:spcBef>
-                <a:spcPts val="500"/>
-              </a:spcBef>
-              <a:buFont typeface="Arial" panose="020B0604020202020204" pitchFamily="34" charset="0"/>
-              <a:buChar char="•"/>
-              <a:defRPr sz="2400" kern="1200">
-                <a:solidFill>
-                  <a:schemeClr val="tx1"/>
-                </a:solidFill>
-                <a:latin typeface="+mn-lt"/>
-                <a:ea typeface="+mn-ea"/>
-                <a:cs typeface="+mn-cs"/>
-              </a:defRPr>
-            </a:lvl2pPr>
-            <a:lvl3pPr marL="1143000" indent="-228600" algn="l" defTabSz="914400" rtl="0" eaLnBrk="1" latinLnBrk="0" hangingPunct="1">
-              <a:lnSpc>
-                <a:spcPct val="90000"/>
-              </a:lnSpc>
-              <a:spcBef>
-                <a:spcPts val="500"/>
-              </a:spcBef>
-              <a:buFont typeface="Arial" panose="020B0604020202020204" pitchFamily="34" charset="0"/>
-              <a:buChar char="•"/>
-              <a:defRPr sz="2000" kern="1200">
-                <a:solidFill>
-                  <a:schemeClr val="tx1"/>
-                </a:solidFill>
-                <a:latin typeface="+mn-lt"/>
-                <a:ea typeface="+mn-ea"/>
-                <a:cs typeface="+mn-cs"/>
-              </a:defRPr>
-            </a:lvl3pPr>
-            <a:lvl4pPr marL="1600200" indent="-228600" algn="l" defTabSz="914400" rtl="0" eaLnBrk="1" latinLnBrk="0" hangingPunct="1">
-              <a:lnSpc>
-                <a:spcPct val="90000"/>
-              </a:lnSpc>
-              <a:spcBef>
-                <a:spcPts val="500"/>
-              </a:spcBef>
-              <a:buFont typeface="Arial" panose="020B0604020202020204" pitchFamily="34" charset="0"/>
-              <a:buChar char="•"/>
-              <a:defRPr sz="1800" kern="1200">
-                <a:solidFill>
-                  <a:schemeClr val="tx1"/>
-                </a:solidFill>
-                <a:latin typeface="+mn-lt"/>
-                <a:ea typeface="+mn-ea"/>
-                <a:cs typeface="+mn-cs"/>
-              </a:defRPr>
-            </a:lvl4pPr>
-            <a:lvl5pPr marL="2057400" indent="-228600" algn="l" defTabSz="914400" rtl="0" eaLnBrk="1" latinLnBrk="0" hangingPunct="1">
-              <a:lnSpc>
-                <a:spcPct val="90000"/>
-              </a:lnSpc>
-              <a:spcBef>
-                <a:spcPts val="500"/>
-              </a:spcBef>
-              <a:buFont typeface="Arial" panose="020B0604020202020204" pitchFamily="34" charset="0"/>
-              <a:buChar char="•"/>
-              <a:defRPr sz="1800" kern="1200">
-                <a:solidFill>
-                  <a:schemeClr val="tx1"/>
-                </a:solidFill>
-                <a:latin typeface="+mn-lt"/>
-                <a:ea typeface="+mn-ea"/>
-                <a:cs typeface="+mn-cs"/>
-              </a:defRPr>
-            </a:lvl5pPr>
-            <a:lvl6pPr marL="2514600" indent="-228600" algn="l" defTabSz="914400" rtl="0" eaLnBrk="1" latinLnBrk="0" hangingPunct="1">
-              <a:lnSpc>
-                <a:spcPct val="90000"/>
-              </a:lnSpc>
-              <a:spcBef>
-                <a:spcPts val="500"/>
-              </a:spcBef>
-              <a:buFont typeface="Arial" panose="020B0604020202020204" pitchFamily="34" charset="0"/>
-              <a:buChar char="•"/>
-              <a:defRPr sz="1800" kern="1200">
-                <a:solidFill>
-                  <a:schemeClr val="tx1"/>
-                </a:solidFill>
-                <a:latin typeface="+mn-lt"/>
-                <a:ea typeface="+mn-ea"/>
-                <a:cs typeface="+mn-cs"/>
-              </a:defRPr>
-            </a:lvl6pPr>
-            <a:lvl7pPr marL="2971800" indent="-228600" algn="l" defTabSz="914400" rtl="0" eaLnBrk="1" latinLnBrk="0" hangingPunct="1">
-              <a:lnSpc>
-                <a:spcPct val="90000"/>
-              </a:lnSpc>
-              <a:spcBef>
-                <a:spcPts val="500"/>
-              </a:spcBef>
-              <a:buFont typeface="Arial" panose="020B0604020202020204" pitchFamily="34" charset="0"/>
-              <a:buChar char="•"/>
-              <a:defRPr sz="1800" kern="1200">
-                <a:solidFill>
-                  <a:schemeClr val="tx1"/>
-                </a:solidFill>
-                <a:latin typeface="+mn-lt"/>
-                <a:ea typeface="+mn-ea"/>
-                <a:cs typeface="+mn-cs"/>
-              </a:defRPr>
-            </a:lvl7pPr>
-            <a:lvl8pPr marL="3429000" indent="-228600" algn="l" defTabSz="914400" rtl="0" eaLnBrk="1" latinLnBrk="0" hangingPunct="1">
-              <a:lnSpc>
-                <a:spcPct val="90000"/>
-              </a:lnSpc>
-              <a:spcBef>
-                <a:spcPts val="500"/>
-              </a:spcBef>
-              <a:buFont typeface="Arial" panose="020B0604020202020204" pitchFamily="34" charset="0"/>
-              <a:buChar char="•"/>
-              <a:defRPr sz="1800" kern="1200">
-                <a:solidFill>
-                  <a:schemeClr val="tx1"/>
-                </a:solidFill>
-                <a:latin typeface="+mn-lt"/>
-                <a:ea typeface="+mn-ea"/>
-                <a:cs typeface="+mn-cs"/>
-              </a:defRPr>
-            </a:lvl8pPr>
-            <a:lvl9pPr marL="3886200" indent="-228600" algn="l" defTabSz="914400" rtl="0" eaLnBrk="1" latinLnBrk="0" hangingPunct="1">
-              <a:lnSpc>
-                <a:spcPct val="90000"/>
-              </a:lnSpc>
-              <a:spcBef>
-                <a:spcPts val="500"/>
-              </a:spcBef>
-              <a:buFont typeface="Arial" panose="020B0604020202020204" pitchFamily="34" charset="0"/>
-              <a:buChar char="•"/>
-              <a:defRPr sz="1800" kern="1200">
-                <a:solidFill>
-                  <a:schemeClr val="tx1"/>
-                </a:solidFill>
-                <a:latin typeface="+mn-lt"/>
-                <a:ea typeface="+mn-ea"/>
-                <a:cs typeface="+mn-cs"/>
-              </a:defRPr>
-            </a:lvl9pPr>
-          </a:lstStyle>
-          <a:p>
-            <a:endParaRPr lang="nl-NL" dirty="0"/>
-          </a:p>
-          <a:p>
-            <a:endParaRPr lang="nl-NL" i="1" dirty="0"/>
-          </a:p>
-        </p:txBody>
-      </p:sp>
-      <p:sp>
-        <p:nvSpPr>
-          <p:cNvPr id="7" name="Rechthoek 6">
-            <a:extLst>
-              <a:ext uri="{FF2B5EF4-FFF2-40B4-BE49-F238E27FC236}">
-                <a16:creationId xmlns:a16="http://schemas.microsoft.com/office/drawing/2014/main" id="{565ECE05-7E51-45EC-A3BA-409DC2F62804}"/>
-              </a:ext>
-            </a:extLst>
-          </p:cNvPr>
-          <p:cNvSpPr/>
-          <p:nvPr/>
-        </p:nvSpPr>
-        <p:spPr>
-          <a:xfrm>
-            <a:off x="838200" y="1690688"/>
-            <a:ext cx="6096000" cy="3863558"/>
-          </a:xfrm>
-          <a:prstGeom prst="rect">
-            <a:avLst/>
-          </a:prstGeom>
-        </p:spPr>
-        <p:txBody>
-          <a:bodyPr>
-            <a:spAutoFit/>
-          </a:bodyPr>
-          <a:lstStyle/>
-          <a:p>
-            <a:pPr>
-              <a:lnSpc>
-                <a:spcPct val="107000"/>
-              </a:lnSpc>
-              <a:spcAft>
-                <a:spcPts val="800"/>
-              </a:spcAft>
-            </a:pPr>
-            <a:r>
-              <a:rPr lang="nl-NL" dirty="0">
-                <a:latin typeface="Calibri" panose="020F0502020204030204" pitchFamily="34" charset="0"/>
-                <a:ea typeface="Calibri" panose="020F0502020204030204" pitchFamily="34" charset="0"/>
-                <a:cs typeface="Times New Roman" panose="02020603050405020304" pitchFamily="18" charset="0"/>
-              </a:rPr>
-              <a:t>In de artikeltekst staat onder artikel 2.10:</a:t>
-            </a:r>
-          </a:p>
-          <a:p>
-            <a:pPr>
-              <a:lnSpc>
-                <a:spcPct val="107000"/>
-              </a:lnSpc>
-              <a:spcAft>
-                <a:spcPts val="800"/>
-              </a:spcAft>
-            </a:pPr>
-            <a:r>
-              <a:rPr lang="nl-NL" dirty="0">
-                <a:latin typeface="Calibri" panose="020F0502020204030204" pitchFamily="34" charset="0"/>
-                <a:ea typeface="Calibri" panose="020F0502020204030204" pitchFamily="34" charset="0"/>
-                <a:cs typeface="Times New Roman" panose="02020603050405020304" pitchFamily="18" charset="0"/>
-              </a:rPr>
-              <a:t>l. het sporten;</a:t>
-            </a:r>
-          </a:p>
-          <a:p>
-            <a:pPr>
-              <a:lnSpc>
-                <a:spcPct val="107000"/>
-              </a:lnSpc>
-              <a:spcAft>
-                <a:spcPts val="800"/>
-              </a:spcAft>
-            </a:pPr>
-            <a:r>
-              <a:rPr lang="nl-NL" dirty="0">
-                <a:latin typeface="Calibri" panose="020F0502020204030204" pitchFamily="34" charset="0"/>
-                <a:ea typeface="Calibri" panose="020F0502020204030204" pitchFamily="34" charset="0"/>
-                <a:cs typeface="Times New Roman" panose="02020603050405020304" pitchFamily="18" charset="0"/>
-              </a:rPr>
-              <a:t>m. het wonen;</a:t>
-            </a:r>
-          </a:p>
-          <a:p>
-            <a:pPr>
-              <a:lnSpc>
-                <a:spcPct val="107000"/>
-              </a:lnSpc>
-              <a:spcAft>
-                <a:spcPts val="800"/>
-              </a:spcAft>
-            </a:pPr>
-            <a:r>
-              <a:rPr lang="nl-NL" dirty="0">
-                <a:latin typeface="Calibri" panose="020F0502020204030204" pitchFamily="34" charset="0"/>
-                <a:ea typeface="Calibri" panose="020F0502020204030204" pitchFamily="34" charset="0"/>
-                <a:cs typeface="Times New Roman" panose="02020603050405020304" pitchFamily="18" charset="0"/>
-              </a:rPr>
-              <a:t>n. het uitoefenen van een beroep aan huis;</a:t>
-            </a:r>
-          </a:p>
-          <a:p>
-            <a:pPr>
-              <a:lnSpc>
-                <a:spcPct val="107000"/>
-              </a:lnSpc>
-              <a:spcAft>
-                <a:spcPts val="800"/>
-              </a:spcAft>
-            </a:pPr>
-            <a:r>
-              <a:rPr lang="nl-NL" dirty="0">
-                <a:latin typeface="Calibri" panose="020F0502020204030204" pitchFamily="34" charset="0"/>
-                <a:ea typeface="Calibri" panose="020F0502020204030204" pitchFamily="34" charset="0"/>
-                <a:cs typeface="Times New Roman" panose="02020603050405020304" pitchFamily="18" charset="0"/>
-              </a:rPr>
-              <a:t>o. het exploiteren van een aan de woonfunctie ondergeschikt bedrijf aan huis;</a:t>
-            </a:r>
-          </a:p>
-          <a:p>
-            <a:pPr>
-              <a:lnSpc>
-                <a:spcPct val="107000"/>
-              </a:lnSpc>
-              <a:spcAft>
-                <a:spcPts val="800"/>
-              </a:spcAft>
-            </a:pPr>
-            <a:endParaRPr lang="nl-NL" dirty="0">
-              <a:latin typeface="Calibri" panose="020F0502020204030204" pitchFamily="34" charset="0"/>
-              <a:ea typeface="Calibri" panose="020F0502020204030204" pitchFamily="34" charset="0"/>
-              <a:cs typeface="Times New Roman" panose="02020603050405020304" pitchFamily="18" charset="0"/>
-            </a:endParaRPr>
-          </a:p>
-          <a:p>
-            <a:pPr>
-              <a:lnSpc>
-                <a:spcPct val="107000"/>
-              </a:lnSpc>
-              <a:spcAft>
-                <a:spcPts val="800"/>
-              </a:spcAft>
-            </a:pPr>
-            <a:r>
-              <a:rPr lang="nl-NL" dirty="0">
-                <a:latin typeface="Calibri" panose="020F0502020204030204" pitchFamily="34" charset="0"/>
-                <a:ea typeface="Calibri" panose="020F0502020204030204" pitchFamily="34" charset="0"/>
-                <a:cs typeface="Times New Roman" panose="02020603050405020304" pitchFamily="18" charset="0"/>
-              </a:rPr>
-              <a:t>Dit moet vertaald worden naar: </a:t>
-            </a:r>
-          </a:p>
-          <a:p>
-            <a:pPr marL="285750" indent="-285750">
-              <a:lnSpc>
-                <a:spcPct val="107000"/>
-              </a:lnSpc>
-              <a:spcAft>
-                <a:spcPts val="800"/>
-              </a:spcAft>
-              <a:buFont typeface="Arial" panose="020B0604020202020204" pitchFamily="34" charset="0"/>
-              <a:buChar char="•"/>
-            </a:pPr>
-            <a:r>
-              <a:rPr lang="nl-NL" dirty="0">
-                <a:latin typeface="Calibri" panose="020F0502020204030204" pitchFamily="34" charset="0"/>
-                <a:ea typeface="Calibri" panose="020F0502020204030204" pitchFamily="34" charset="0"/>
-                <a:cs typeface="Times New Roman" panose="02020603050405020304" pitchFamily="18" charset="0"/>
-              </a:rPr>
-              <a:t>vier activiteiten </a:t>
-            </a:r>
-          </a:p>
-          <a:p>
-            <a:pPr>
-              <a:lnSpc>
-                <a:spcPct val="107000"/>
-              </a:lnSpc>
-              <a:spcAft>
-                <a:spcPts val="800"/>
-              </a:spcAft>
-            </a:pPr>
-            <a:endParaRPr lang="nl-NL" dirty="0">
-              <a:latin typeface="Calibri" panose="020F0502020204030204" pitchFamily="34" charset="0"/>
-              <a:ea typeface="Calibri" panose="020F0502020204030204" pitchFamily="34" charset="0"/>
-              <a:cs typeface="Times New Roman" panose="02020603050405020304" pitchFamily="18" charset="0"/>
-            </a:endParaRPr>
-          </a:p>
-        </p:txBody>
-      </p:sp>
-    </p:spTree>
-    <p:extLst>
-      <p:ext uri="{BB962C8B-B14F-4D97-AF65-F5344CB8AC3E}">
-        <p14:creationId xmlns:p14="http://schemas.microsoft.com/office/powerpoint/2010/main" val="1663178534"/>
       </p:ext>
     </p:extLst>
   </p:cSld>
@@ -8366,7 +7982,7 @@
           <a:p>
             <a:r>
               <a:rPr lang="nl-NL" dirty="0"/>
-              <a:t>10f) aanpassen van activiteitengroep</a:t>
+              <a:t>10e) toevoegen van activiteiten</a:t>
             </a:r>
           </a:p>
         </p:txBody>
@@ -8585,7 +8201,7 @@
         <p:spPr>
           <a:xfrm>
             <a:off x="838200" y="1690688"/>
-            <a:ext cx="6096000" cy="5049011"/>
+            <a:ext cx="6096000" cy="3863558"/>
           </a:xfrm>
           <a:prstGeom prst="rect">
             <a:avLst/>
@@ -8606,8 +8222,12 @@
               </a:spcAft>
             </a:pPr>
             <a:r>
-              <a:rPr lang="nl-NL" dirty="0"/>
-              <a:t>Bij activiteit: nl.imow-gm0037.activiteit.2019000246</a:t>
+              <a:rPr lang="nl-NL" dirty="0">
+                <a:latin typeface="Calibri" panose="020F0502020204030204" pitchFamily="34" charset="0"/>
+                <a:ea typeface="Calibri" panose="020F0502020204030204" pitchFamily="34" charset="0"/>
+                <a:cs typeface="Times New Roman" panose="02020603050405020304" pitchFamily="18" charset="0"/>
+              </a:rPr>
+              <a:t>In de artikeltekst staat onder artikel 2.10:</a:t>
             </a:r>
           </a:p>
           <a:p>
@@ -8620,8 +8240,12 @@
               </a:spcAft>
             </a:pPr>
             <a:r>
-              <a:rPr lang="nl-NL" dirty="0"/>
-              <a:t>Met de naam: uitoefenen van detailhandel in ter plaatse vervaardigde goederen</a:t>
+              <a:rPr lang="nl-NL" dirty="0">
+                <a:latin typeface="Calibri" panose="020F0502020204030204" pitchFamily="34" charset="0"/>
+                <a:ea typeface="Calibri" panose="020F0502020204030204" pitchFamily="34" charset="0"/>
+                <a:cs typeface="Times New Roman" panose="02020603050405020304" pitchFamily="18" charset="0"/>
+              </a:rPr>
+              <a:t>l. het sporten;</a:t>
             </a:r>
           </a:p>
           <a:p>
@@ -8633,7 +8257,14 @@
                 <a:spcPts val="800"/>
               </a:spcAft>
             </a:pPr>
-            <a:endParaRPr lang="nl-NL" dirty="0"/>
+            <a:r>
+              <a:rPr lang="nl-NL" dirty="0">
+                <a:latin typeface="Calibri" panose="020F0502020204030204" pitchFamily="34" charset="0"/>
+                <a:ea typeface="Calibri" panose="020F0502020204030204" pitchFamily="34" charset="0"/>
+                <a:cs typeface="Times New Roman" panose="02020603050405020304" pitchFamily="18" charset="0"/>
+              </a:rPr>
+              <a:t>m. het wonen;</a:t>
+            </a:r>
           </a:p>
           <a:p>
             <a:pPr>
@@ -8645,8 +8276,12 @@
               </a:spcAft>
             </a:pPr>
             <a:r>
-              <a:rPr lang="nl-NL" dirty="0"/>
-              <a:t>De activiteitengroep: standplaatsactiviteit</a:t>
+              <a:rPr lang="nl-NL" dirty="0">
+                <a:latin typeface="Calibri" panose="020F0502020204030204" pitchFamily="34" charset="0"/>
+                <a:ea typeface="Calibri" panose="020F0502020204030204" pitchFamily="34" charset="0"/>
+                <a:cs typeface="Times New Roman" panose="02020603050405020304" pitchFamily="18" charset="0"/>
+              </a:rPr>
+              <a:t>n. het uitoefenen van een beroep aan huis;</a:t>
             </a:r>
           </a:p>
           <a:p>
@@ -8659,8 +8294,12 @@
               </a:spcAft>
             </a:pPr>
             <a:r>
-              <a:rPr lang="nl-NL" dirty="0"/>
-              <a:t>Aanpassen naar: exploitatieactiviteit detailhandel </a:t>
+              <a:rPr lang="nl-NL" dirty="0">
+                <a:latin typeface="Calibri" panose="020F0502020204030204" pitchFamily="34" charset="0"/>
+                <a:ea typeface="Calibri" panose="020F0502020204030204" pitchFamily="34" charset="0"/>
+                <a:cs typeface="Times New Roman" panose="02020603050405020304" pitchFamily="18" charset="0"/>
+              </a:rPr>
+              <a:t>o. het exploiteren van een aan de woonfunctie ondergeschikt bedrijf aan huis;</a:t>
             </a:r>
           </a:p>
           <a:p>
@@ -8693,27 +8332,27 @@
                 <a:ea typeface="Calibri" panose="020F0502020204030204" pitchFamily="34" charset="0"/>
                 <a:cs typeface="Times New Roman" panose="02020603050405020304" pitchFamily="18" charset="0"/>
               </a:rPr>
-              <a:t>20200611 – initieel is gewijzigd bij het invoegen van de </a:t>
-            </a:r>
-            <a:r>
-              <a:rPr lang="nl-NL" dirty="0" err="1">
-                <a:latin typeface="Calibri" panose="020F0502020204030204" pitchFamily="34" charset="0"/>
-                <a:ea typeface="Calibri" panose="020F0502020204030204" pitchFamily="34" charset="0"/>
-                <a:cs typeface="Times New Roman" panose="02020603050405020304" pitchFamily="18" charset="0"/>
-              </a:rPr>
-              <a:t>uri’s</a:t>
-            </a:r>
+              <a:t>Dit moet vertaald worden naar: </a:t>
+            </a:r>
+          </a:p>
+          <a:p>
+            <a:pPr marL="285750" indent="-285750">
+              <a:lnSpc>
+                <a:spcPct val="107000"/>
+              </a:lnSpc>
+              <a:spcAft>
+                <a:spcPts val="800"/>
+              </a:spcAft>
+              <a:buFont typeface="Arial" panose="020B0604020202020204" pitchFamily="34" charset="0"/>
+              <a:buChar char="•"/>
+            </a:pPr>
             <a:r>
               <a:rPr lang="nl-NL" dirty="0">
                 <a:latin typeface="Calibri" panose="020F0502020204030204" pitchFamily="34" charset="0"/>
                 <a:ea typeface="Calibri" panose="020F0502020204030204" pitchFamily="34" charset="0"/>
                 <a:cs typeface="Times New Roman" panose="02020603050405020304" pitchFamily="18" charset="0"/>
               </a:rPr>
-              <a:t>, was: </a:t>
-            </a:r>
-            <a:r>
-              <a:rPr lang="nl-NL" dirty="0"/>
-              <a:t>http://standaarden.omgevingswet.overheid.nl/activiteit/id/concept/ExploitatieactiviteitDetailhandel</a:t>
+              <a:t>vier activiteiten </a:t>
             </a:r>
           </a:p>
           <a:p>
@@ -8725,32 +8364,6 @@
                 <a:spcPts val="800"/>
               </a:spcAft>
             </a:pPr>
-            <a:r>
-              <a:rPr lang="nl-NL" dirty="0">
-                <a:latin typeface="Calibri" panose="020F0502020204030204" pitchFamily="34" charset="0"/>
-                <a:ea typeface="Calibri" panose="020F0502020204030204" pitchFamily="34" charset="0"/>
-                <a:cs typeface="Times New Roman" panose="02020603050405020304" pitchFamily="18" charset="0"/>
-              </a:rPr>
-              <a:t>Word: </a:t>
-            </a:r>
-          </a:p>
-          <a:p>
-            <a:pPr>
-              <a:lnSpc>
-                <a:spcPct val="107000"/>
-              </a:lnSpc>
-              <a:spcAft>
-                <a:spcPts val="800"/>
-              </a:spcAft>
-            </a:pPr>
-            <a:r>
-              <a:rPr lang="nl-NL" dirty="0"/>
-              <a:t>http://standaarden.omgevingswet.overheid.nl/activiteit/id/concept</a:t>
-            </a:r>
-            <a:r>
-              <a:rPr lang="nl-NL"/>
-              <a:t>/Standplaatsactiviteit</a:t>
-            </a:r>
             <a:endParaRPr lang="nl-NL" dirty="0">
               <a:latin typeface="Calibri" panose="020F0502020204030204" pitchFamily="34" charset="0"/>
               <a:ea typeface="Calibri" panose="020F0502020204030204" pitchFamily="34" charset="0"/>
@@ -8762,7 +8375,7 @@
     </p:spTree>
     <p:extLst>
       <p:ext uri="{BB962C8B-B14F-4D97-AF65-F5344CB8AC3E}">
-        <p14:creationId xmlns:p14="http://schemas.microsoft.com/office/powerpoint/2010/main" val="1655388816"/>
+        <p14:creationId xmlns:p14="http://schemas.microsoft.com/office/powerpoint/2010/main" val="1663178534"/>
       </p:ext>
     </p:extLst>
   </p:cSld>
@@ -8866,6 +8479,452 @@
 </file>
 
 <file path=ppt/slides/slide30.xml><?xml version="1.0" encoding="utf-8"?>
+<p:sld xmlns:a="http://schemas.openxmlformats.org/drawingml/2006/main" xmlns:r="http://schemas.openxmlformats.org/officeDocument/2006/relationships" xmlns:p="http://schemas.openxmlformats.org/presentationml/2006/main">
+  <p:cSld>
+    <p:spTree>
+      <p:nvGrpSpPr>
+        <p:cNvPr id="1" name=""/>
+        <p:cNvGrpSpPr/>
+        <p:nvPr/>
+      </p:nvGrpSpPr>
+      <p:grpSpPr>
+        <a:xfrm>
+          <a:off x="0" y="0"/>
+          <a:ext cx="0" cy="0"/>
+          <a:chOff x="0" y="0"/>
+          <a:chExt cx="0" cy="0"/>
+        </a:xfrm>
+      </p:grpSpPr>
+      <p:sp>
+        <p:nvSpPr>
+          <p:cNvPr id="2" name="Titel 1">
+            <a:extLst>
+              <a:ext uri="{FF2B5EF4-FFF2-40B4-BE49-F238E27FC236}">
+                <a16:creationId xmlns:a16="http://schemas.microsoft.com/office/drawing/2014/main" id="{C2A956C4-5E44-4751-B273-9E73A48D4496}"/>
+              </a:ext>
+            </a:extLst>
+          </p:cNvPr>
+          <p:cNvSpPr>
+            <a:spLocks noGrp="1"/>
+          </p:cNvSpPr>
+          <p:nvPr>
+            <p:ph type="title"/>
+          </p:nvPr>
+        </p:nvSpPr>
+        <p:spPr/>
+        <p:txBody>
+          <a:bodyPr/>
+          <a:lstStyle/>
+          <a:p>
+            <a:r>
+              <a:rPr lang="nl-NL" dirty="0"/>
+              <a:t>10f) aanpassen van activiteitengroep</a:t>
+            </a:r>
+          </a:p>
+        </p:txBody>
+      </p:sp>
+      <p:sp>
+        <p:nvSpPr>
+          <p:cNvPr id="6" name="Tijdelijke aanduiding voor inhoud 2">
+            <a:extLst>
+              <a:ext uri="{FF2B5EF4-FFF2-40B4-BE49-F238E27FC236}">
+                <a16:creationId xmlns:a16="http://schemas.microsoft.com/office/drawing/2014/main" id="{B22DD6BB-B5E9-46E5-B458-1F56FA4F59FD}"/>
+              </a:ext>
+            </a:extLst>
+          </p:cNvPr>
+          <p:cNvSpPr txBox="1">
+            <a:spLocks/>
+          </p:cNvSpPr>
+          <p:nvPr/>
+        </p:nvSpPr>
+        <p:spPr>
+          <a:xfrm>
+            <a:off x="838200" y="1690688"/>
+            <a:ext cx="10515600" cy="4351338"/>
+          </a:xfrm>
+          <a:prstGeom prst="rect">
+            <a:avLst/>
+          </a:prstGeom>
+        </p:spPr>
+        <p:txBody>
+          <a:bodyPr vert="horz" lIns="91440" tIns="45720" rIns="91440" bIns="45720" rtlCol="0">
+            <a:normAutofit/>
+          </a:bodyPr>
+          <a:lstStyle>
+            <a:lvl1pPr marL="228600" indent="-228600" algn="l" defTabSz="914400" rtl="0" eaLnBrk="1" latinLnBrk="0" hangingPunct="1">
+              <a:lnSpc>
+                <a:spcPct val="90000"/>
+              </a:lnSpc>
+              <a:spcBef>
+                <a:spcPts val="1000"/>
+              </a:spcBef>
+              <a:buFont typeface="Arial" panose="020B0604020202020204" pitchFamily="34" charset="0"/>
+              <a:buChar char="•"/>
+              <a:defRPr sz="2800" kern="1200">
+                <a:solidFill>
+                  <a:schemeClr val="tx1"/>
+                </a:solidFill>
+                <a:latin typeface="+mn-lt"/>
+                <a:ea typeface="+mn-ea"/>
+                <a:cs typeface="+mn-cs"/>
+              </a:defRPr>
+            </a:lvl1pPr>
+            <a:lvl2pPr marL="685800" indent="-228600" algn="l" defTabSz="914400" rtl="0" eaLnBrk="1" latinLnBrk="0" hangingPunct="1">
+              <a:lnSpc>
+                <a:spcPct val="90000"/>
+              </a:lnSpc>
+              <a:spcBef>
+                <a:spcPts val="500"/>
+              </a:spcBef>
+              <a:buFont typeface="Arial" panose="020B0604020202020204" pitchFamily="34" charset="0"/>
+              <a:buChar char="•"/>
+              <a:defRPr sz="2400" kern="1200">
+                <a:solidFill>
+                  <a:schemeClr val="tx1"/>
+                </a:solidFill>
+                <a:latin typeface="+mn-lt"/>
+                <a:ea typeface="+mn-ea"/>
+                <a:cs typeface="+mn-cs"/>
+              </a:defRPr>
+            </a:lvl2pPr>
+            <a:lvl3pPr marL="1143000" indent="-228600" algn="l" defTabSz="914400" rtl="0" eaLnBrk="1" latinLnBrk="0" hangingPunct="1">
+              <a:lnSpc>
+                <a:spcPct val="90000"/>
+              </a:lnSpc>
+              <a:spcBef>
+                <a:spcPts val="500"/>
+              </a:spcBef>
+              <a:buFont typeface="Arial" panose="020B0604020202020204" pitchFamily="34" charset="0"/>
+              <a:buChar char="•"/>
+              <a:defRPr sz="2000" kern="1200">
+                <a:solidFill>
+                  <a:schemeClr val="tx1"/>
+                </a:solidFill>
+                <a:latin typeface="+mn-lt"/>
+                <a:ea typeface="+mn-ea"/>
+                <a:cs typeface="+mn-cs"/>
+              </a:defRPr>
+            </a:lvl3pPr>
+            <a:lvl4pPr marL="1600200" indent="-228600" algn="l" defTabSz="914400" rtl="0" eaLnBrk="1" latinLnBrk="0" hangingPunct="1">
+              <a:lnSpc>
+                <a:spcPct val="90000"/>
+              </a:lnSpc>
+              <a:spcBef>
+                <a:spcPts val="500"/>
+              </a:spcBef>
+              <a:buFont typeface="Arial" panose="020B0604020202020204" pitchFamily="34" charset="0"/>
+              <a:buChar char="•"/>
+              <a:defRPr sz="1800" kern="1200">
+                <a:solidFill>
+                  <a:schemeClr val="tx1"/>
+                </a:solidFill>
+                <a:latin typeface="+mn-lt"/>
+                <a:ea typeface="+mn-ea"/>
+                <a:cs typeface="+mn-cs"/>
+              </a:defRPr>
+            </a:lvl4pPr>
+            <a:lvl5pPr marL="2057400" indent="-228600" algn="l" defTabSz="914400" rtl="0" eaLnBrk="1" latinLnBrk="0" hangingPunct="1">
+              <a:lnSpc>
+                <a:spcPct val="90000"/>
+              </a:lnSpc>
+              <a:spcBef>
+                <a:spcPts val="500"/>
+              </a:spcBef>
+              <a:buFont typeface="Arial" panose="020B0604020202020204" pitchFamily="34" charset="0"/>
+              <a:buChar char="•"/>
+              <a:defRPr sz="1800" kern="1200">
+                <a:solidFill>
+                  <a:schemeClr val="tx1"/>
+                </a:solidFill>
+                <a:latin typeface="+mn-lt"/>
+                <a:ea typeface="+mn-ea"/>
+                <a:cs typeface="+mn-cs"/>
+              </a:defRPr>
+            </a:lvl5pPr>
+            <a:lvl6pPr marL="2514600" indent="-228600" algn="l" defTabSz="914400" rtl="0" eaLnBrk="1" latinLnBrk="0" hangingPunct="1">
+              <a:lnSpc>
+                <a:spcPct val="90000"/>
+              </a:lnSpc>
+              <a:spcBef>
+                <a:spcPts val="500"/>
+              </a:spcBef>
+              <a:buFont typeface="Arial" panose="020B0604020202020204" pitchFamily="34" charset="0"/>
+              <a:buChar char="•"/>
+              <a:defRPr sz="1800" kern="1200">
+                <a:solidFill>
+                  <a:schemeClr val="tx1"/>
+                </a:solidFill>
+                <a:latin typeface="+mn-lt"/>
+                <a:ea typeface="+mn-ea"/>
+                <a:cs typeface="+mn-cs"/>
+              </a:defRPr>
+            </a:lvl6pPr>
+            <a:lvl7pPr marL="2971800" indent="-228600" algn="l" defTabSz="914400" rtl="0" eaLnBrk="1" latinLnBrk="0" hangingPunct="1">
+              <a:lnSpc>
+                <a:spcPct val="90000"/>
+              </a:lnSpc>
+              <a:spcBef>
+                <a:spcPts val="500"/>
+              </a:spcBef>
+              <a:buFont typeface="Arial" panose="020B0604020202020204" pitchFamily="34" charset="0"/>
+              <a:buChar char="•"/>
+              <a:defRPr sz="1800" kern="1200">
+                <a:solidFill>
+                  <a:schemeClr val="tx1"/>
+                </a:solidFill>
+                <a:latin typeface="+mn-lt"/>
+                <a:ea typeface="+mn-ea"/>
+                <a:cs typeface="+mn-cs"/>
+              </a:defRPr>
+            </a:lvl7pPr>
+            <a:lvl8pPr marL="3429000" indent="-228600" algn="l" defTabSz="914400" rtl="0" eaLnBrk="1" latinLnBrk="0" hangingPunct="1">
+              <a:lnSpc>
+                <a:spcPct val="90000"/>
+              </a:lnSpc>
+              <a:spcBef>
+                <a:spcPts val="500"/>
+              </a:spcBef>
+              <a:buFont typeface="Arial" panose="020B0604020202020204" pitchFamily="34" charset="0"/>
+              <a:buChar char="•"/>
+              <a:defRPr sz="1800" kern="1200">
+                <a:solidFill>
+                  <a:schemeClr val="tx1"/>
+                </a:solidFill>
+                <a:latin typeface="+mn-lt"/>
+                <a:ea typeface="+mn-ea"/>
+                <a:cs typeface="+mn-cs"/>
+              </a:defRPr>
+            </a:lvl8pPr>
+            <a:lvl9pPr marL="3886200" indent="-228600" algn="l" defTabSz="914400" rtl="0" eaLnBrk="1" latinLnBrk="0" hangingPunct="1">
+              <a:lnSpc>
+                <a:spcPct val="90000"/>
+              </a:lnSpc>
+              <a:spcBef>
+                <a:spcPts val="500"/>
+              </a:spcBef>
+              <a:buFont typeface="Arial" panose="020B0604020202020204" pitchFamily="34" charset="0"/>
+              <a:buChar char="•"/>
+              <a:defRPr sz="1800" kern="1200">
+                <a:solidFill>
+                  <a:schemeClr val="tx1"/>
+                </a:solidFill>
+                <a:latin typeface="+mn-lt"/>
+                <a:ea typeface="+mn-ea"/>
+                <a:cs typeface="+mn-cs"/>
+              </a:defRPr>
+            </a:lvl9pPr>
+          </a:lstStyle>
+          <a:p>
+            <a:endParaRPr lang="nl-NL" dirty="0"/>
+          </a:p>
+          <a:p>
+            <a:endParaRPr lang="nl-NL" i="1" dirty="0"/>
+          </a:p>
+        </p:txBody>
+      </p:sp>
+      <p:sp>
+        <p:nvSpPr>
+          <p:cNvPr id="7" name="Rechthoek 6">
+            <a:extLst>
+              <a:ext uri="{FF2B5EF4-FFF2-40B4-BE49-F238E27FC236}">
+                <a16:creationId xmlns:a16="http://schemas.microsoft.com/office/drawing/2014/main" id="{565ECE05-7E51-45EC-A3BA-409DC2F62804}"/>
+              </a:ext>
+            </a:extLst>
+          </p:cNvPr>
+          <p:cNvSpPr/>
+          <p:nvPr/>
+        </p:nvSpPr>
+        <p:spPr>
+          <a:xfrm>
+            <a:off x="838200" y="1690688"/>
+            <a:ext cx="6096000" cy="5049011"/>
+          </a:xfrm>
+          <a:prstGeom prst="rect">
+            <a:avLst/>
+          </a:prstGeom>
+        </p:spPr>
+        <p:txBody>
+          <a:bodyPr>
+            <a:spAutoFit/>
+          </a:bodyPr>
+          <a:lstStyle/>
+          <a:p>
+            <a:pPr>
+              <a:lnSpc>
+                <a:spcPct val="107000"/>
+              </a:lnSpc>
+              <a:spcAft>
+                <a:spcPts val="800"/>
+              </a:spcAft>
+            </a:pPr>
+            <a:r>
+              <a:rPr lang="nl-NL" dirty="0"/>
+              <a:t>Bij activiteit: nl.imow-gm0037.activiteit.2019000246</a:t>
+            </a:r>
+          </a:p>
+          <a:p>
+            <a:pPr>
+              <a:lnSpc>
+                <a:spcPct val="107000"/>
+              </a:lnSpc>
+              <a:spcAft>
+                <a:spcPts val="800"/>
+              </a:spcAft>
+            </a:pPr>
+            <a:r>
+              <a:rPr lang="nl-NL" dirty="0"/>
+              <a:t>Met de naam: uitoefenen van detailhandel in ter plaatse vervaardigde goederen</a:t>
+            </a:r>
+          </a:p>
+          <a:p>
+            <a:pPr>
+              <a:lnSpc>
+                <a:spcPct val="107000"/>
+              </a:lnSpc>
+              <a:spcAft>
+                <a:spcPts val="800"/>
+              </a:spcAft>
+            </a:pPr>
+            <a:endParaRPr lang="nl-NL" dirty="0"/>
+          </a:p>
+          <a:p>
+            <a:pPr>
+              <a:lnSpc>
+                <a:spcPct val="107000"/>
+              </a:lnSpc>
+              <a:spcAft>
+                <a:spcPts val="800"/>
+              </a:spcAft>
+            </a:pPr>
+            <a:r>
+              <a:rPr lang="nl-NL" dirty="0"/>
+              <a:t>De activiteitengroep: standplaatsactiviteit</a:t>
+            </a:r>
+          </a:p>
+          <a:p>
+            <a:pPr>
+              <a:lnSpc>
+                <a:spcPct val="107000"/>
+              </a:lnSpc>
+              <a:spcAft>
+                <a:spcPts val="800"/>
+              </a:spcAft>
+            </a:pPr>
+            <a:r>
+              <a:rPr lang="nl-NL" dirty="0"/>
+              <a:t>Aanpassen naar: exploitatieactiviteit detailhandel </a:t>
+            </a:r>
+          </a:p>
+          <a:p>
+            <a:pPr>
+              <a:lnSpc>
+                <a:spcPct val="107000"/>
+              </a:lnSpc>
+              <a:spcAft>
+                <a:spcPts val="800"/>
+              </a:spcAft>
+            </a:pPr>
+            <a:endParaRPr lang="nl-NL" dirty="0">
+              <a:latin typeface="Calibri" panose="020F0502020204030204" pitchFamily="34" charset="0"/>
+              <a:ea typeface="Calibri" panose="020F0502020204030204" pitchFamily="34" charset="0"/>
+              <a:cs typeface="Times New Roman" panose="02020603050405020304" pitchFamily="18" charset="0"/>
+            </a:endParaRPr>
+          </a:p>
+          <a:p>
+            <a:pPr>
+              <a:lnSpc>
+                <a:spcPct val="107000"/>
+              </a:lnSpc>
+              <a:spcAft>
+                <a:spcPts val="800"/>
+              </a:spcAft>
+            </a:pPr>
+            <a:r>
+              <a:rPr lang="nl-NL" dirty="0">
+                <a:latin typeface="Calibri" panose="020F0502020204030204" pitchFamily="34" charset="0"/>
+                <a:ea typeface="Calibri" panose="020F0502020204030204" pitchFamily="34" charset="0"/>
+                <a:cs typeface="Times New Roman" panose="02020603050405020304" pitchFamily="18" charset="0"/>
+              </a:rPr>
+              <a:t>20200611 – initieel is gewijzigd bij het invoegen van de </a:t>
+            </a:r>
+            <a:r>
+              <a:rPr lang="nl-NL" dirty="0" err="1">
+                <a:latin typeface="Calibri" panose="020F0502020204030204" pitchFamily="34" charset="0"/>
+                <a:ea typeface="Calibri" panose="020F0502020204030204" pitchFamily="34" charset="0"/>
+                <a:cs typeface="Times New Roman" panose="02020603050405020304" pitchFamily="18" charset="0"/>
+              </a:rPr>
+              <a:t>uri’s</a:t>
+            </a:r>
+            <a:r>
+              <a:rPr lang="nl-NL" dirty="0">
+                <a:latin typeface="Calibri" panose="020F0502020204030204" pitchFamily="34" charset="0"/>
+                <a:ea typeface="Calibri" panose="020F0502020204030204" pitchFamily="34" charset="0"/>
+                <a:cs typeface="Times New Roman" panose="02020603050405020304" pitchFamily="18" charset="0"/>
+              </a:rPr>
+              <a:t>, was: </a:t>
+            </a:r>
+            <a:r>
+              <a:rPr lang="nl-NL" dirty="0"/>
+              <a:t>http://standaarden.omgevingswet.overheid.nl/activiteit/id/concept/ExploitatieactiviteitDetailhandel</a:t>
+            </a:r>
+          </a:p>
+          <a:p>
+            <a:pPr>
+              <a:lnSpc>
+                <a:spcPct val="107000"/>
+              </a:lnSpc>
+              <a:spcAft>
+                <a:spcPts val="800"/>
+              </a:spcAft>
+            </a:pPr>
+            <a:r>
+              <a:rPr lang="nl-NL" dirty="0">
+                <a:latin typeface="Calibri" panose="020F0502020204030204" pitchFamily="34" charset="0"/>
+                <a:ea typeface="Calibri" panose="020F0502020204030204" pitchFamily="34" charset="0"/>
+                <a:cs typeface="Times New Roman" panose="02020603050405020304" pitchFamily="18" charset="0"/>
+              </a:rPr>
+              <a:t>Word: </a:t>
+            </a:r>
+          </a:p>
+          <a:p>
+            <a:pPr>
+              <a:lnSpc>
+                <a:spcPct val="107000"/>
+              </a:lnSpc>
+              <a:spcAft>
+                <a:spcPts val="800"/>
+              </a:spcAft>
+            </a:pPr>
+            <a:r>
+              <a:rPr lang="nl-NL" dirty="0"/>
+              <a:t>http://standaarden.omgevingswet.overheid.nl/activiteit/id/concept</a:t>
+            </a:r>
+            <a:r>
+              <a:rPr lang="nl-NL"/>
+              <a:t>/Standplaatsactiviteit</a:t>
+            </a:r>
+            <a:endParaRPr lang="nl-NL" dirty="0">
+              <a:latin typeface="Calibri" panose="020F0502020204030204" pitchFamily="34" charset="0"/>
+              <a:ea typeface="Calibri" panose="020F0502020204030204" pitchFamily="34" charset="0"/>
+              <a:cs typeface="Times New Roman" panose="02020603050405020304" pitchFamily="18" charset="0"/>
+            </a:endParaRPr>
+          </a:p>
+        </p:txBody>
+      </p:sp>
+    </p:spTree>
+    <p:extLst>
+      <p:ext uri="{BB962C8B-B14F-4D97-AF65-F5344CB8AC3E}">
+        <p14:creationId xmlns:p14="http://schemas.microsoft.com/office/powerpoint/2010/main" val="1655388816"/>
+      </p:ext>
+    </p:extLst>
+  </p:cSld>
+  <p:clrMapOvr>
+    <a:masterClrMapping/>
+  </p:clrMapOvr>
+</p:sld>
+</file>
+
+<file path=ppt/slides/slide31.xml><?xml version="1.0" encoding="utf-8"?>
 <p:sld xmlns:a="http://schemas.openxmlformats.org/drawingml/2006/main" xmlns:r="http://schemas.openxmlformats.org/officeDocument/2006/relationships" xmlns:p="http://schemas.openxmlformats.org/presentationml/2006/main">
   <p:cSld>
     <p:spTree>
@@ -10079,6 +10138,894 @@
           <p:cNvPr id="2" name="Titel 1">
             <a:extLst>
               <a:ext uri="{FF2B5EF4-FFF2-40B4-BE49-F238E27FC236}">
+                <a16:creationId xmlns:a16="http://schemas.microsoft.com/office/drawing/2014/main" id="{3FD3CBF0-BB74-4A2D-AFE3-A0243C0130EE}"/>
+              </a:ext>
+            </a:extLst>
+          </p:cNvPr>
+          <p:cNvSpPr>
+            <a:spLocks noGrp="1"/>
+          </p:cNvSpPr>
+          <p:nvPr>
+            <p:ph type="title"/>
+          </p:nvPr>
+        </p:nvSpPr>
+        <p:spPr/>
+        <p:txBody>
+          <a:bodyPr/>
+          <a:lstStyle/>
+          <a:p>
+            <a:r>
+              <a:rPr lang="nl-NL" dirty="0" err="1"/>
+              <a:t>Submutatiescenario’s</a:t>
+            </a:r>
+            <a:r>
+              <a:rPr lang="nl-NL" dirty="0"/>
+              <a:t> voor vandaag</a:t>
+            </a:r>
+          </a:p>
+        </p:txBody>
+      </p:sp>
+      <p:sp>
+        <p:nvSpPr>
+          <p:cNvPr id="5" name="Tekstvak 4">
+            <a:extLst>
+              <a:ext uri="{FF2B5EF4-FFF2-40B4-BE49-F238E27FC236}">
+                <a16:creationId xmlns:a16="http://schemas.microsoft.com/office/drawing/2014/main" id="{5B7F51E9-53AA-4353-AB2F-7A2F8FCE25F4}"/>
+              </a:ext>
+            </a:extLst>
+          </p:cNvPr>
+          <p:cNvSpPr txBox="1"/>
+          <p:nvPr/>
+        </p:nvSpPr>
+        <p:spPr>
+          <a:xfrm>
+            <a:off x="1173017" y="1825625"/>
+            <a:ext cx="9227127" cy="3970318"/>
+          </a:xfrm>
+          <a:prstGeom prst="rect">
+            <a:avLst/>
+          </a:prstGeom>
+          <a:noFill/>
+        </p:spPr>
+        <p:txBody>
+          <a:bodyPr wrap="square">
+            <a:spAutoFit/>
+          </a:bodyPr>
+          <a:lstStyle/>
+          <a:p>
+            <a:r>
+              <a:rPr lang="nl-NL" dirty="0"/>
+              <a:t>2. Wijziging artikelstructuur </a:t>
+            </a:r>
+            <a:br>
+              <a:rPr lang="nl-NL" dirty="0"/>
+            </a:br>
+            <a:r>
+              <a:rPr lang="nl-NL" dirty="0"/>
+              <a:t>(omwisselen, toevoegen, verwijderen)</a:t>
+            </a:r>
+          </a:p>
+          <a:p>
+            <a:pPr lvl="1"/>
+            <a:r>
+              <a:rPr lang="nl-NL" sz="2000" b="1" dirty="0">
+                <a:solidFill>
+                  <a:srgbClr val="00B050"/>
+                </a:solidFill>
+              </a:rPr>
+              <a:t>2a</a:t>
+            </a:r>
+            <a:r>
+              <a:rPr lang="nl-NL" sz="2000" b="1" dirty="0"/>
+              <a:t>) </a:t>
+            </a:r>
+            <a:r>
+              <a:rPr lang="nl-NL" sz="2000" dirty="0"/>
+              <a:t>verplaatsen van Artikel (2.5 naar 2.6).</a:t>
+            </a:r>
+          </a:p>
+          <a:p>
+            <a:pPr lvl="1"/>
+            <a:r>
+              <a:rPr lang="nl-NL" sz="2000" b="1" dirty="0">
+                <a:solidFill>
+                  <a:srgbClr val="00B050"/>
+                </a:solidFill>
+              </a:rPr>
+              <a:t>2b</a:t>
+            </a:r>
+            <a:r>
+              <a:rPr lang="nl-NL" sz="2000" b="1" dirty="0"/>
+              <a:t>) </a:t>
+            </a:r>
+            <a:r>
+              <a:rPr lang="nl-NL" sz="2000" dirty="0"/>
+              <a:t>verplaatsen van Artikel (2.6 naar 2.5). </a:t>
+            </a:r>
+          </a:p>
+          <a:p>
+            <a:pPr lvl="1"/>
+            <a:r>
+              <a:rPr lang="nl-NL" sz="2000" b="1" dirty="0">
+                <a:solidFill>
+                  <a:srgbClr val="00B050"/>
+                </a:solidFill>
+              </a:rPr>
+              <a:t>2c</a:t>
+            </a:r>
+            <a:r>
+              <a:rPr lang="nl-NL" sz="2000" b="1" dirty="0"/>
+              <a:t>) </a:t>
+            </a:r>
+            <a:r>
+              <a:rPr lang="nl-NL" sz="2000" dirty="0"/>
+              <a:t>verwijderen van Artikel 2.7 Lid 2</a:t>
+            </a:r>
+          </a:p>
+          <a:p>
+            <a:pPr lvl="1"/>
+            <a:r>
+              <a:rPr lang="nl-NL" sz="2000" b="1" dirty="0">
+                <a:solidFill>
+                  <a:srgbClr val="00B050"/>
+                </a:solidFill>
+              </a:rPr>
+              <a:t>2d</a:t>
+            </a:r>
+            <a:r>
+              <a:rPr lang="nl-NL" sz="2000" b="1" dirty="0"/>
+              <a:t>) </a:t>
+            </a:r>
+            <a:r>
+              <a:rPr lang="nl-NL" sz="2000" dirty="0"/>
+              <a:t>verwijderen  van Artikel 10.1</a:t>
+            </a:r>
+          </a:p>
+          <a:p>
+            <a:pPr lvl="1"/>
+            <a:r>
+              <a:rPr lang="nl-NL" sz="2000" b="1" dirty="0">
+                <a:solidFill>
+                  <a:srgbClr val="00B050"/>
+                </a:solidFill>
+              </a:rPr>
+              <a:t>2e</a:t>
+            </a:r>
+            <a:r>
+              <a:rPr lang="nl-NL" sz="2000" b="1" dirty="0"/>
+              <a:t>) </a:t>
+            </a:r>
+            <a:r>
+              <a:rPr lang="nl-NL" sz="2000" dirty="0"/>
+              <a:t>nieuw Artikel (10.1) toevoegen</a:t>
+            </a:r>
+            <a:br>
+              <a:rPr lang="nl-NL" sz="2000" dirty="0"/>
+            </a:br>
+            <a:endParaRPr lang="nl-NL" sz="2000" dirty="0"/>
+          </a:p>
+          <a:p>
+            <a:r>
+              <a:rPr lang="nl-NL" dirty="0"/>
+              <a:t>3. Wijziging regeltekst </a:t>
+            </a:r>
+            <a:br>
+              <a:rPr lang="nl-NL" dirty="0"/>
+            </a:br>
+            <a:r>
+              <a:rPr lang="nl-NL" dirty="0"/>
+              <a:t>(inhoudelijk artikelen wijzigen, incl. OW-impact)</a:t>
+            </a:r>
+          </a:p>
+          <a:p>
+            <a:pPr lvl="1"/>
+            <a:r>
+              <a:rPr lang="nl-NL" sz="2000" b="1" dirty="0">
+                <a:solidFill>
+                  <a:srgbClr val="00B050"/>
+                </a:solidFill>
+              </a:rPr>
+              <a:t>3a</a:t>
+            </a:r>
+            <a:r>
+              <a:rPr lang="nl-NL" sz="2000" dirty="0"/>
+              <a:t>) wijziging van de tekst van het artikel, zonder OW-implicaties</a:t>
+            </a:r>
+          </a:p>
+          <a:p>
+            <a:pPr lvl="1"/>
+            <a:r>
+              <a:rPr lang="nl-NL" sz="2000" b="1" dirty="0">
+                <a:solidFill>
+                  <a:srgbClr val="00B050"/>
+                </a:solidFill>
+              </a:rPr>
+              <a:t>3b</a:t>
+            </a:r>
+            <a:r>
+              <a:rPr lang="nl-NL" sz="2000" dirty="0"/>
+              <a:t>)</a:t>
+            </a:r>
+            <a:r>
+              <a:rPr lang="nl-NL" sz="2000" b="1" dirty="0"/>
+              <a:t> </a:t>
+            </a:r>
+            <a:r>
+              <a:rPr lang="nl-NL" sz="2000" dirty="0"/>
+              <a:t>wijziging van de tekst van het artikel, waarbij de activiteit wordt aangepast</a:t>
+            </a:r>
+          </a:p>
+          <a:p>
+            <a:pPr lvl="1"/>
+            <a:r>
+              <a:rPr lang="nl-NL" sz="2000" b="1" dirty="0">
+                <a:solidFill>
+                  <a:srgbClr val="00B050"/>
+                </a:solidFill>
+              </a:rPr>
+              <a:t>3c</a:t>
+            </a:r>
+            <a:r>
+              <a:rPr lang="nl-NL" sz="2000" dirty="0"/>
+              <a:t>)</a:t>
+            </a:r>
+            <a:r>
+              <a:rPr lang="nl-NL" sz="2000" b="1" dirty="0"/>
+              <a:t> </a:t>
+            </a:r>
+            <a:r>
+              <a:rPr lang="nl-NL" sz="2000" dirty="0"/>
+              <a:t>wijziging van de tekst van het artikel, inclusief het toevoegen van een GIO</a:t>
+            </a:r>
+          </a:p>
+        </p:txBody>
+      </p:sp>
+      <p:sp>
+        <p:nvSpPr>
+          <p:cNvPr id="6" name="Tekstvak 5">
+            <a:extLst>
+              <a:ext uri="{FF2B5EF4-FFF2-40B4-BE49-F238E27FC236}">
+                <a16:creationId xmlns:a16="http://schemas.microsoft.com/office/drawing/2014/main" id="{004A6D36-C3E9-4055-B449-D6E5105D7E5B}"/>
+              </a:ext>
+            </a:extLst>
+          </p:cNvPr>
+          <p:cNvSpPr txBox="1"/>
+          <p:nvPr/>
+        </p:nvSpPr>
+        <p:spPr>
+          <a:xfrm>
+            <a:off x="8709891" y="2022764"/>
+            <a:ext cx="3066472" cy="1477328"/>
+          </a:xfrm>
+          <a:prstGeom prst="rect">
+            <a:avLst/>
+          </a:prstGeom>
+        </p:spPr>
+        <p:style>
+          <a:lnRef idx="2">
+            <a:schemeClr val="dk1"/>
+          </a:lnRef>
+          <a:fillRef idx="1">
+            <a:schemeClr val="lt1"/>
+          </a:fillRef>
+          <a:effectRef idx="0">
+            <a:schemeClr val="dk1"/>
+          </a:effectRef>
+          <a:fontRef idx="minor">
+            <a:schemeClr val="dk1"/>
+          </a:fontRef>
+        </p:style>
+        <p:txBody>
+          <a:bodyPr wrap="square" rtlCol="0">
+            <a:spAutoFit/>
+          </a:bodyPr>
+          <a:lstStyle/>
+          <a:p>
+            <a:r>
+              <a:rPr lang="nl-NL" b="1" dirty="0"/>
+              <a:t>Legenda</a:t>
+            </a:r>
+          </a:p>
+          <a:p>
+            <a:r>
+              <a:rPr lang="nl-NL" b="1" dirty="0">
+                <a:solidFill>
+                  <a:schemeClr val="accent2"/>
+                </a:solidFill>
+              </a:rPr>
+              <a:t>Oranje</a:t>
+            </a:r>
+            <a:r>
+              <a:rPr lang="nl-NL" dirty="0"/>
+              <a:t> – voorbeeld klaar, nog niet gelukt in de keten</a:t>
+            </a:r>
+          </a:p>
+          <a:p>
+            <a:r>
+              <a:rPr lang="nl-NL" b="1" dirty="0">
+                <a:solidFill>
+                  <a:srgbClr val="00B050"/>
+                </a:solidFill>
+              </a:rPr>
+              <a:t>Groen</a:t>
+            </a:r>
+            <a:r>
+              <a:rPr lang="nl-NL" dirty="0"/>
+              <a:t> – gelukt in de keten</a:t>
+            </a:r>
+          </a:p>
+          <a:p>
+            <a:r>
+              <a:rPr lang="nl-NL" b="1" dirty="0">
+                <a:solidFill>
+                  <a:schemeClr val="accent3">
+                    <a:lumMod val="75000"/>
+                  </a:schemeClr>
+                </a:solidFill>
+              </a:rPr>
+              <a:t>Grijs</a:t>
+            </a:r>
+            <a:r>
+              <a:rPr lang="nl-NL" dirty="0"/>
+              <a:t> – voorbeeld niet klaar</a:t>
+            </a:r>
+          </a:p>
+        </p:txBody>
+      </p:sp>
+    </p:spTree>
+    <p:extLst>
+      <p:ext uri="{BB962C8B-B14F-4D97-AF65-F5344CB8AC3E}">
+        <p14:creationId xmlns:p14="http://schemas.microsoft.com/office/powerpoint/2010/main" val="2185472105"/>
+      </p:ext>
+    </p:extLst>
+  </p:cSld>
+  <p:clrMapOvr>
+    <a:masterClrMapping/>
+  </p:clrMapOvr>
+  <p:timing>
+    <p:tnLst>
+      <p:par>
+        <p:cTn id="1" dur="indefinite" restart="never" nodeType="tmRoot">
+          <p:childTnLst>
+            <p:seq concurrent="1" nextAc="seek">
+              <p:cTn id="2" dur="indefinite" nodeType="mainSeq">
+                <p:childTnLst>
+                  <p:par>
+                    <p:cTn id="3" fill="hold">
+                      <p:stCondLst>
+                        <p:cond delay="indefinite"/>
+                      </p:stCondLst>
+                      <p:childTnLst>
+                        <p:par>
+                          <p:cTn id="4" fill="hold">
+                            <p:stCondLst>
+                              <p:cond delay="0"/>
+                            </p:stCondLst>
+                            <p:childTnLst>
+                              <p:par>
+                                <p:cTn id="5" presetID="1" presetClass="entr" presetSubtype="0" fill="hold" grpId="0" nodeType="clickEffect">
+                                  <p:stCondLst>
+                                    <p:cond delay="0"/>
+                                  </p:stCondLst>
+                                  <p:childTnLst>
+                                    <p:set>
+                                      <p:cBhvr>
+                                        <p:cTn id="6" dur="1" fill="hold">
+                                          <p:stCondLst>
+                                            <p:cond delay="0"/>
+                                          </p:stCondLst>
+                                        </p:cTn>
+                                        <p:tgtEl>
+                                          <p:spTgt spid="6"/>
+                                        </p:tgtEl>
+                                        <p:attrNameLst>
+                                          <p:attrName>style.visibility</p:attrName>
+                                        </p:attrNameLst>
+                                      </p:cBhvr>
+                                      <p:to>
+                                        <p:strVal val="visible"/>
+                                      </p:to>
+                                    </p:set>
+                                  </p:childTnLst>
+                                </p:cTn>
+                              </p:par>
+                            </p:childTnLst>
+                          </p:cTn>
+                        </p:par>
+                      </p:childTnLst>
+                    </p:cTn>
+                  </p:par>
+                  <p:par>
+                    <p:cTn id="7" fill="hold">
+                      <p:stCondLst>
+                        <p:cond delay="indefinite"/>
+                      </p:stCondLst>
+                      <p:childTnLst>
+                        <p:par>
+                          <p:cTn id="8" fill="hold">
+                            <p:stCondLst>
+                              <p:cond delay="0"/>
+                            </p:stCondLst>
+                            <p:childTnLst>
+                              <p:par>
+                                <p:cTn id="9" presetID="1" presetClass="entr" presetSubtype="0" fill="hold" nodeType="clickEffect">
+                                  <p:stCondLst>
+                                    <p:cond delay="0"/>
+                                  </p:stCondLst>
+                                  <p:childTnLst>
+                                    <p:set>
+                                      <p:cBhvr>
+                                        <p:cTn id="10" dur="1" fill="hold">
+                                          <p:stCondLst>
+                                            <p:cond delay="0"/>
+                                          </p:stCondLst>
+                                        </p:cTn>
+                                        <p:tgtEl>
+                                          <p:spTgt spid="5">
+                                            <p:txEl>
+                                              <p:pRg st="1" end="1"/>
+                                            </p:txEl>
+                                          </p:spTgt>
+                                        </p:tgtEl>
+                                        <p:attrNameLst>
+                                          <p:attrName>style.visibility</p:attrName>
+                                        </p:attrNameLst>
+                                      </p:cBhvr>
+                                      <p:to>
+                                        <p:strVal val="visible"/>
+                                      </p:to>
+                                    </p:set>
+                                  </p:childTnLst>
+                                </p:cTn>
+                              </p:par>
+                            </p:childTnLst>
+                          </p:cTn>
+                        </p:par>
+                      </p:childTnLst>
+                    </p:cTn>
+                  </p:par>
+                  <p:par>
+                    <p:cTn id="11" fill="hold">
+                      <p:stCondLst>
+                        <p:cond delay="indefinite"/>
+                      </p:stCondLst>
+                      <p:childTnLst>
+                        <p:par>
+                          <p:cTn id="12" fill="hold">
+                            <p:stCondLst>
+                              <p:cond delay="0"/>
+                            </p:stCondLst>
+                            <p:childTnLst>
+                              <p:par>
+                                <p:cTn id="13" presetID="1" presetClass="entr" presetSubtype="0" fill="hold" nodeType="clickEffect">
+                                  <p:stCondLst>
+                                    <p:cond delay="0"/>
+                                  </p:stCondLst>
+                                  <p:childTnLst>
+                                    <p:set>
+                                      <p:cBhvr>
+                                        <p:cTn id="14" dur="1" fill="hold">
+                                          <p:stCondLst>
+                                            <p:cond delay="0"/>
+                                          </p:stCondLst>
+                                        </p:cTn>
+                                        <p:tgtEl>
+                                          <p:spTgt spid="5">
+                                            <p:txEl>
+                                              <p:pRg st="2" end="2"/>
+                                            </p:txEl>
+                                          </p:spTgt>
+                                        </p:tgtEl>
+                                        <p:attrNameLst>
+                                          <p:attrName>style.visibility</p:attrName>
+                                        </p:attrNameLst>
+                                      </p:cBhvr>
+                                      <p:to>
+                                        <p:strVal val="visible"/>
+                                      </p:to>
+                                    </p:set>
+                                  </p:childTnLst>
+                                </p:cTn>
+                              </p:par>
+                            </p:childTnLst>
+                          </p:cTn>
+                        </p:par>
+                      </p:childTnLst>
+                    </p:cTn>
+                  </p:par>
+                  <p:par>
+                    <p:cTn id="15" fill="hold">
+                      <p:stCondLst>
+                        <p:cond delay="indefinite"/>
+                      </p:stCondLst>
+                      <p:childTnLst>
+                        <p:par>
+                          <p:cTn id="16" fill="hold">
+                            <p:stCondLst>
+                              <p:cond delay="0"/>
+                            </p:stCondLst>
+                            <p:childTnLst>
+                              <p:par>
+                                <p:cTn id="17" presetID="1" presetClass="entr" presetSubtype="0" fill="hold" nodeType="clickEffect">
+                                  <p:stCondLst>
+                                    <p:cond delay="0"/>
+                                  </p:stCondLst>
+                                  <p:childTnLst>
+                                    <p:set>
+                                      <p:cBhvr>
+                                        <p:cTn id="18" dur="1" fill="hold">
+                                          <p:stCondLst>
+                                            <p:cond delay="0"/>
+                                          </p:stCondLst>
+                                        </p:cTn>
+                                        <p:tgtEl>
+                                          <p:spTgt spid="5">
+                                            <p:txEl>
+                                              <p:pRg st="3" end="3"/>
+                                            </p:txEl>
+                                          </p:spTgt>
+                                        </p:tgtEl>
+                                        <p:attrNameLst>
+                                          <p:attrName>style.visibility</p:attrName>
+                                        </p:attrNameLst>
+                                      </p:cBhvr>
+                                      <p:to>
+                                        <p:strVal val="visible"/>
+                                      </p:to>
+                                    </p:set>
+                                  </p:childTnLst>
+                                </p:cTn>
+                              </p:par>
+                            </p:childTnLst>
+                          </p:cTn>
+                        </p:par>
+                      </p:childTnLst>
+                    </p:cTn>
+                  </p:par>
+                  <p:par>
+                    <p:cTn id="19" fill="hold">
+                      <p:stCondLst>
+                        <p:cond delay="indefinite"/>
+                      </p:stCondLst>
+                      <p:childTnLst>
+                        <p:par>
+                          <p:cTn id="20" fill="hold">
+                            <p:stCondLst>
+                              <p:cond delay="0"/>
+                            </p:stCondLst>
+                            <p:childTnLst>
+                              <p:par>
+                                <p:cTn id="21" presetID="1" presetClass="entr" presetSubtype="0" fill="hold" nodeType="clickEffect">
+                                  <p:stCondLst>
+                                    <p:cond delay="0"/>
+                                  </p:stCondLst>
+                                  <p:childTnLst>
+                                    <p:set>
+                                      <p:cBhvr>
+                                        <p:cTn id="22" dur="1" fill="hold">
+                                          <p:stCondLst>
+                                            <p:cond delay="0"/>
+                                          </p:stCondLst>
+                                        </p:cTn>
+                                        <p:tgtEl>
+                                          <p:spTgt spid="5">
+                                            <p:txEl>
+                                              <p:pRg st="4" end="4"/>
+                                            </p:txEl>
+                                          </p:spTgt>
+                                        </p:tgtEl>
+                                        <p:attrNameLst>
+                                          <p:attrName>style.visibility</p:attrName>
+                                        </p:attrNameLst>
+                                      </p:cBhvr>
+                                      <p:to>
+                                        <p:strVal val="visible"/>
+                                      </p:to>
+                                    </p:set>
+                                  </p:childTnLst>
+                                </p:cTn>
+                              </p:par>
+                            </p:childTnLst>
+                          </p:cTn>
+                        </p:par>
+                      </p:childTnLst>
+                    </p:cTn>
+                  </p:par>
+                  <p:par>
+                    <p:cTn id="23" fill="hold">
+                      <p:stCondLst>
+                        <p:cond delay="indefinite"/>
+                      </p:stCondLst>
+                      <p:childTnLst>
+                        <p:par>
+                          <p:cTn id="24" fill="hold">
+                            <p:stCondLst>
+                              <p:cond delay="0"/>
+                            </p:stCondLst>
+                            <p:childTnLst>
+                              <p:par>
+                                <p:cTn id="25" presetID="1" presetClass="entr" presetSubtype="0" fill="hold" nodeType="clickEffect">
+                                  <p:stCondLst>
+                                    <p:cond delay="0"/>
+                                  </p:stCondLst>
+                                  <p:childTnLst>
+                                    <p:set>
+                                      <p:cBhvr>
+                                        <p:cTn id="26" dur="1" fill="hold">
+                                          <p:stCondLst>
+                                            <p:cond delay="0"/>
+                                          </p:stCondLst>
+                                        </p:cTn>
+                                        <p:tgtEl>
+                                          <p:spTgt spid="5">
+                                            <p:txEl>
+                                              <p:pRg st="5" end="5"/>
+                                            </p:txEl>
+                                          </p:spTgt>
+                                        </p:tgtEl>
+                                        <p:attrNameLst>
+                                          <p:attrName>style.visibility</p:attrName>
+                                        </p:attrNameLst>
+                                      </p:cBhvr>
+                                      <p:to>
+                                        <p:strVal val="visible"/>
+                                      </p:to>
+                                    </p:set>
+                                  </p:childTnLst>
+                                </p:cTn>
+                              </p:par>
+                            </p:childTnLst>
+                          </p:cTn>
+                        </p:par>
+                      </p:childTnLst>
+                    </p:cTn>
+                  </p:par>
+                  <p:par>
+                    <p:cTn id="27" fill="hold">
+                      <p:stCondLst>
+                        <p:cond delay="indefinite"/>
+                      </p:stCondLst>
+                      <p:childTnLst>
+                        <p:par>
+                          <p:cTn id="28" fill="hold">
+                            <p:stCondLst>
+                              <p:cond delay="0"/>
+                            </p:stCondLst>
+                            <p:childTnLst>
+                              <p:par>
+                                <p:cTn id="29" presetID="1" presetClass="entr" presetSubtype="0" fill="hold" nodeType="clickEffect">
+                                  <p:stCondLst>
+                                    <p:cond delay="0"/>
+                                  </p:stCondLst>
+                                  <p:childTnLst>
+                                    <p:set>
+                                      <p:cBhvr>
+                                        <p:cTn id="30" dur="1" fill="hold">
+                                          <p:stCondLst>
+                                            <p:cond delay="0"/>
+                                          </p:stCondLst>
+                                        </p:cTn>
+                                        <p:tgtEl>
+                                          <p:spTgt spid="5">
+                                            <p:txEl>
+                                              <p:pRg st="6" end="6"/>
+                                            </p:txEl>
+                                          </p:spTgt>
+                                        </p:tgtEl>
+                                        <p:attrNameLst>
+                                          <p:attrName>style.visibility</p:attrName>
+                                        </p:attrNameLst>
+                                      </p:cBhvr>
+                                      <p:to>
+                                        <p:strVal val="visible"/>
+                                      </p:to>
+                                    </p:set>
+                                  </p:childTnLst>
+                                </p:cTn>
+                              </p:par>
+                            </p:childTnLst>
+                          </p:cTn>
+                        </p:par>
+                      </p:childTnLst>
+                    </p:cTn>
+                  </p:par>
+                  <p:par>
+                    <p:cTn id="31" fill="hold">
+                      <p:stCondLst>
+                        <p:cond delay="indefinite"/>
+                      </p:stCondLst>
+                      <p:childTnLst>
+                        <p:par>
+                          <p:cTn id="32" fill="hold">
+                            <p:stCondLst>
+                              <p:cond delay="0"/>
+                            </p:stCondLst>
+                            <p:childTnLst>
+                              <p:par>
+                                <p:cTn id="33" presetID="1" presetClass="entr" presetSubtype="0" fill="hold" nodeType="clickEffect">
+                                  <p:stCondLst>
+                                    <p:cond delay="0"/>
+                                  </p:stCondLst>
+                                  <p:childTnLst>
+                                    <p:set>
+                                      <p:cBhvr>
+                                        <p:cTn id="34" dur="1" fill="hold">
+                                          <p:stCondLst>
+                                            <p:cond delay="0"/>
+                                          </p:stCondLst>
+                                        </p:cTn>
+                                        <p:tgtEl>
+                                          <p:spTgt spid="5">
+                                            <p:txEl>
+                                              <p:pRg st="7" end="7"/>
+                                            </p:txEl>
+                                          </p:spTgt>
+                                        </p:tgtEl>
+                                        <p:attrNameLst>
+                                          <p:attrName>style.visibility</p:attrName>
+                                        </p:attrNameLst>
+                                      </p:cBhvr>
+                                      <p:to>
+                                        <p:strVal val="visible"/>
+                                      </p:to>
+                                    </p:set>
+                                  </p:childTnLst>
+                                </p:cTn>
+                              </p:par>
+                            </p:childTnLst>
+                          </p:cTn>
+                        </p:par>
+                      </p:childTnLst>
+                    </p:cTn>
+                  </p:par>
+                  <p:par>
+                    <p:cTn id="35" fill="hold">
+                      <p:stCondLst>
+                        <p:cond delay="indefinite"/>
+                      </p:stCondLst>
+                      <p:childTnLst>
+                        <p:par>
+                          <p:cTn id="36" fill="hold">
+                            <p:stCondLst>
+                              <p:cond delay="0"/>
+                            </p:stCondLst>
+                            <p:childTnLst>
+                              <p:par>
+                                <p:cTn id="37" presetID="1" presetClass="entr" presetSubtype="0" fill="hold" nodeType="clickEffect">
+                                  <p:stCondLst>
+                                    <p:cond delay="0"/>
+                                  </p:stCondLst>
+                                  <p:childTnLst>
+                                    <p:set>
+                                      <p:cBhvr>
+                                        <p:cTn id="38" dur="1" fill="hold">
+                                          <p:stCondLst>
+                                            <p:cond delay="0"/>
+                                          </p:stCondLst>
+                                        </p:cTn>
+                                        <p:tgtEl>
+                                          <p:spTgt spid="5">
+                                            <p:txEl>
+                                              <p:pRg st="8" end="8"/>
+                                            </p:txEl>
+                                          </p:spTgt>
+                                        </p:tgtEl>
+                                        <p:attrNameLst>
+                                          <p:attrName>style.visibility</p:attrName>
+                                        </p:attrNameLst>
+                                      </p:cBhvr>
+                                      <p:to>
+                                        <p:strVal val="visible"/>
+                                      </p:to>
+                                    </p:set>
+                                  </p:childTnLst>
+                                </p:cTn>
+                              </p:par>
+                            </p:childTnLst>
+                          </p:cTn>
+                        </p:par>
+                      </p:childTnLst>
+                    </p:cTn>
+                  </p:par>
+                  <p:par>
+                    <p:cTn id="39" fill="hold">
+                      <p:stCondLst>
+                        <p:cond delay="indefinite"/>
+                      </p:stCondLst>
+                      <p:childTnLst>
+                        <p:par>
+                          <p:cTn id="40" fill="hold">
+                            <p:stCondLst>
+                              <p:cond delay="0"/>
+                            </p:stCondLst>
+                            <p:childTnLst>
+                              <p:par>
+                                <p:cTn id="41" presetID="1" presetClass="entr" presetSubtype="0" fill="hold" nodeType="clickEffect">
+                                  <p:stCondLst>
+                                    <p:cond delay="0"/>
+                                  </p:stCondLst>
+                                  <p:childTnLst>
+                                    <p:set>
+                                      <p:cBhvr>
+                                        <p:cTn id="42" dur="1" fill="hold">
+                                          <p:stCondLst>
+                                            <p:cond delay="0"/>
+                                          </p:stCondLst>
+                                        </p:cTn>
+                                        <p:tgtEl>
+                                          <p:spTgt spid="5">
+                                            <p:txEl>
+                                              <p:pRg st="9" end="9"/>
+                                            </p:txEl>
+                                          </p:spTgt>
+                                        </p:tgtEl>
+                                        <p:attrNameLst>
+                                          <p:attrName>style.visibility</p:attrName>
+                                        </p:attrNameLst>
+                                      </p:cBhvr>
+                                      <p:to>
+                                        <p:strVal val="visible"/>
+                                      </p:to>
+                                    </p:set>
+                                  </p:childTnLst>
+                                </p:cTn>
+                              </p:par>
+                            </p:childTnLst>
+                          </p:cTn>
+                        </p:par>
+                      </p:childTnLst>
+                    </p:cTn>
+                  </p:par>
+                </p:childTnLst>
+              </p:cTn>
+              <p:prevCondLst>
+                <p:cond evt="onPrev" delay="0">
+                  <p:tgtEl>
+                    <p:sldTgt/>
+                  </p:tgtEl>
+                </p:cond>
+              </p:prevCondLst>
+              <p:nextCondLst>
+                <p:cond evt="onNext" delay="0">
+                  <p:tgtEl>
+                    <p:sldTgt/>
+                  </p:tgtEl>
+                </p:cond>
+              </p:nextCondLst>
+            </p:seq>
+          </p:childTnLst>
+        </p:cTn>
+      </p:par>
+    </p:tnLst>
+    <p:bldLst>
+      <p:bldP spid="6" grpId="0" animBg="1"/>
+    </p:bldLst>
+  </p:timing>
+</p:sld>
+</file>
+
+<file path=ppt/slides/slide6.xml><?xml version="1.0" encoding="utf-8"?>
+<p:sld xmlns:a="http://schemas.openxmlformats.org/drawingml/2006/main" xmlns:r="http://schemas.openxmlformats.org/officeDocument/2006/relationships" xmlns:p="http://schemas.openxmlformats.org/presentationml/2006/main">
+  <p:cSld>
+    <p:spTree>
+      <p:nvGrpSpPr>
+        <p:cNvPr id="1" name=""/>
+        <p:cNvGrpSpPr/>
+        <p:nvPr/>
+      </p:nvGrpSpPr>
+      <p:grpSpPr>
+        <a:xfrm>
+          <a:off x="0" y="0"/>
+          <a:ext cx="0" cy="0"/>
+          <a:chOff x="0" y="0"/>
+          <a:chExt cx="0" cy="0"/>
+        </a:xfrm>
+      </p:grpSpPr>
+      <p:sp>
+        <p:nvSpPr>
+          <p:cNvPr id="2" name="Titel 1">
+            <a:extLst>
+              <a:ext uri="{FF2B5EF4-FFF2-40B4-BE49-F238E27FC236}">
                 <a16:creationId xmlns:a16="http://schemas.microsoft.com/office/drawing/2014/main" id="{27129C89-7845-483B-8CB8-D734B8CACF36}"/>
               </a:ext>
             </a:extLst>
@@ -10127,7 +11074,7 @@
         </p:spPr>
         <p:txBody>
           <a:bodyPr>
-            <a:normAutofit fontScale="62500" lnSpcReduction="20000"/>
+            <a:normAutofit fontScale="70000" lnSpcReduction="20000"/>
           </a:bodyPr>
           <a:lstStyle/>
           <a:p>
@@ -10155,7 +11102,7 @@
             <a:r>
               <a:rPr lang="nl-NL" sz="2000" b="1" dirty="0">
                 <a:solidFill>
-                  <a:schemeClr val="accent2"/>
+                  <a:srgbClr val="00B050"/>
                 </a:solidFill>
               </a:rPr>
               <a:t>2a</a:t>
@@ -10174,7 +11121,7 @@
             <a:r>
               <a:rPr lang="nl-NL" sz="2000" b="1" dirty="0">
                 <a:solidFill>
-                  <a:schemeClr val="accent2"/>
+                  <a:srgbClr val="00B050"/>
                 </a:solidFill>
               </a:rPr>
               <a:t>2b</a:t>
@@ -10193,7 +11140,7 @@
             <a:r>
               <a:rPr lang="nl-NL" sz="2000" b="1" dirty="0">
                 <a:solidFill>
-                  <a:schemeClr val="accent2"/>
+                  <a:srgbClr val="00B050"/>
                 </a:solidFill>
               </a:rPr>
               <a:t>2c</a:t>
@@ -10212,7 +11159,7 @@
             <a:r>
               <a:rPr lang="nl-NL" sz="2000" b="1" dirty="0">
                 <a:solidFill>
-                  <a:schemeClr val="accent2"/>
+                  <a:srgbClr val="00B050"/>
                 </a:solidFill>
               </a:rPr>
               <a:t>2d</a:t>
@@ -10223,7 +11170,7 @@
             </a:r>
             <a:r>
               <a:rPr lang="nl-NL" sz="2000" dirty="0"/>
-              <a:t>verwijderen  van Artikel 2.14</a:t>
+              <a:t>verwijderen  van Artikel 10.1</a:t>
             </a:r>
           </a:p>
           <a:p>
@@ -10231,7 +11178,7 @@
             <a:r>
               <a:rPr lang="nl-NL" sz="2000" b="1" dirty="0">
                 <a:solidFill>
-                  <a:schemeClr val="accent2"/>
+                  <a:srgbClr val="00B050"/>
                 </a:solidFill>
               </a:rPr>
               <a:t>2e</a:t>
@@ -10242,7 +11189,7 @@
             </a:r>
             <a:r>
               <a:rPr lang="nl-NL" sz="2000" dirty="0"/>
-              <a:t>nieuw Artikel (2.14) toevoegen</a:t>
+              <a:t>nieuw Artikel (10.1) toevoegen</a:t>
             </a:r>
           </a:p>
           <a:p>
@@ -10256,7 +11203,7 @@
             <a:r>
               <a:rPr lang="nl-NL" sz="2000" b="1" dirty="0">
                 <a:solidFill>
-                  <a:schemeClr val="accent2"/>
+                  <a:srgbClr val="00B050"/>
                 </a:solidFill>
               </a:rPr>
               <a:t>3a</a:t>
@@ -10274,21 +11221,6 @@
                   <a:srgbClr val="00B050"/>
                 </a:solidFill>
               </a:rPr>
-              <a:t>3a2</a:t>
-            </a:r>
-            <a:r>
-              <a:rPr lang="nl-NL" sz="2000" dirty="0"/>
-              <a:t>) toevoegen van een nieuw artikel, incl. OW-annotatie	</a:t>
-            </a:r>
-          </a:p>
-          <a:p>
-            <a:pPr lvl="1"/>
-            <a:r>
-              <a:rPr lang="nl-NL" sz="2000" b="1" dirty="0">
-                <a:solidFill>
-                  <a:srgbClr val="00B050"/>
-                </a:solidFill>
-              </a:rPr>
               <a:t>3b</a:t>
             </a:r>
             <a:r>
@@ -10428,7 +11360,7 @@
             <a:r>
               <a:rPr lang="nl-NL" sz="2000" b="1" dirty="0">
                 <a:solidFill>
-                  <a:schemeClr val="accent2"/>
+                  <a:srgbClr val="00B050"/>
                 </a:solidFill>
               </a:rPr>
               <a:t>10a</a:t>
@@ -10460,7 +11392,7 @@
             <a:r>
               <a:rPr lang="nl-NL" sz="2000" b="1" dirty="0">
                 <a:solidFill>
-                  <a:schemeClr val="accent2"/>
+                  <a:srgbClr val="00B050"/>
                 </a:solidFill>
               </a:rPr>
               <a:t>10c</a:t>
@@ -10492,7 +11424,7 @@
             <a:r>
               <a:rPr lang="nl-NL" sz="2000" b="1" dirty="0">
                 <a:solidFill>
-                  <a:schemeClr val="accent2"/>
+                  <a:srgbClr val="00B050"/>
                 </a:solidFill>
               </a:rPr>
               <a:t>10e</a:t>
@@ -10507,7 +11439,7 @@
             <a:r>
               <a:rPr lang="nl-NL" sz="2000" b="1" dirty="0">
                 <a:solidFill>
-                  <a:schemeClr val="accent2"/>
+                  <a:srgbClr val="00B050"/>
                 </a:solidFill>
               </a:rPr>
               <a:t>10f</a:t>
@@ -10807,7 +11739,7 @@
                                         <p:tgtEl>
                                           <p:spTgt spid="3">
                                             <p:txEl>
-                                              <p:pRg st="13" end="13"/>
+                                              <p:pRg st="12" end="12"/>
                                             </p:txEl>
                                           </p:spTgt>
                                         </p:tgtEl>
@@ -10856,7 +11788,7 @@
                                         <p:tgtEl>
                                           <p:spTgt spid="3">
                                             <p:txEl>
-                                              <p:pRg st="17" end="17"/>
+                                              <p:pRg st="16" end="16"/>
                                             </p:txEl>
                                           </p:spTgt>
                                         </p:tgtEl>
@@ -11319,7 +12251,7 @@
                                         <p:tgtEl>
                                           <p:spTgt spid="3">
                                             <p:txEl>
-                                              <p:pRg st="12" end="12"/>
+                                              <p:pRg st="13" end="13"/>
                                             </p:txEl>
                                           </p:spTgt>
                                         </p:tgtEl>
@@ -11466,7 +12398,7 @@
                                         <p:tgtEl>
                                           <p:spTgt spid="3">
                                             <p:txEl>
-                                              <p:pRg st="16" end="16"/>
+                                              <p:pRg st="17" end="17"/>
                                             </p:txEl>
                                           </p:spTgt>
                                         </p:tgtEl>
@@ -11481,26 +12413,39 @@
                                   </p:childTnLst>
                                 </p:cTn>
                               </p:par>
-                            </p:childTnLst>
-                          </p:cTn>
-                        </p:par>
-                      </p:childTnLst>
-                    </p:cTn>
-                  </p:par>
-                  <p:par>
-                    <p:cTn id="71" fill="hold">
-                      <p:stCondLst>
-                        <p:cond delay="indefinite"/>
-                      </p:stCondLst>
-                      <p:childTnLst>
-                        <p:par>
-                          <p:cTn id="72" fill="hold">
-                            <p:stCondLst>
-                              <p:cond delay="0"/>
-                            </p:stCondLst>
-                            <p:childTnLst>
                               <p:par>
-                                <p:cTn id="73" presetID="1" presetClass="entr" presetSubtype="0" fill="hold" nodeType="clickEffect">
+                                <p:cTn id="71" presetID="1" presetClass="entr" presetSubtype="0" fill="hold" nodeType="withEffect">
+                                  <p:stCondLst>
+                                    <p:cond delay="0"/>
+                                  </p:stCondLst>
+                                  <p:childTnLst>
+                                    <p:set>
+                                      <p:cBhvr>
+                                        <p:cTn id="72" dur="1" fill="hold">
+                                          <p:stCondLst>
+                                            <p:cond delay="0"/>
+                                          </p:stCondLst>
+                                        </p:cTn>
+                                        <p:tgtEl>
+                                          <p:spTgt spid="3">
+                                            <p:txEl>
+                                              <p:pRg st="18" end="18"/>
+                                            </p:txEl>
+                                          </p:spTgt>
+                                        </p:tgtEl>
+                                        <p:attrNameLst>
+                                          <p:attrName>style.visibility</p:attrName>
+                                        </p:attrNameLst>
+                                      </p:cBhvr>
+                                      <p:to>
+                                        <p:strVal val="visible"/>
+                                      </p:to>
+                                    </p:set>
+                                  </p:childTnLst>
+                                </p:cTn>
+                              </p:par>
+                              <p:par>
+                                <p:cTn id="73" presetID="1" presetClass="entr" presetSubtype="0" fill="hold" nodeType="withEffect">
                                   <p:stCondLst>
                                     <p:cond delay="0"/>
                                   </p:stCondLst>
@@ -11515,7 +12460,7 @@
                                         <p:tgtEl>
                                           <p:spTgt spid="3">
                                             <p:txEl>
-                                              <p:pRg st="18" end="18"/>
+                                              <p:pRg st="19" end="19"/>
                                             </p:txEl>
                                           </p:spTgt>
                                         </p:tgtEl>
@@ -11546,7 +12491,7 @@
                                         <p:tgtEl>
                                           <p:spTgt spid="3">
                                             <p:txEl>
-                                              <p:pRg st="19" end="19"/>
+                                              <p:pRg st="20" end="20"/>
                                             </p:txEl>
                                           </p:spTgt>
                                         </p:tgtEl>
@@ -11577,7 +12522,7 @@
                                         <p:tgtEl>
                                           <p:spTgt spid="3">
                                             <p:txEl>
-                                              <p:pRg st="20" end="20"/>
+                                              <p:pRg st="21" end="21"/>
                                             </p:txEl>
                                           </p:spTgt>
                                         </p:tgtEl>
@@ -11608,69 +12553,7 @@
                                         <p:tgtEl>
                                           <p:spTgt spid="3">
                                             <p:txEl>
-                                              <p:pRg st="21" end="21"/>
-                                            </p:txEl>
-                                          </p:spTgt>
-                                        </p:tgtEl>
-                                        <p:attrNameLst>
-                                          <p:attrName>style.visibility</p:attrName>
-                                        </p:attrNameLst>
-                                      </p:cBhvr>
-                                      <p:to>
-                                        <p:strVal val="visible"/>
-                                      </p:to>
-                                    </p:set>
-                                  </p:childTnLst>
-                                </p:cTn>
-                              </p:par>
-                              <p:par>
-                                <p:cTn id="81" presetID="1" presetClass="entr" presetSubtype="0" fill="hold" nodeType="withEffect">
-                                  <p:stCondLst>
-                                    <p:cond delay="0"/>
-                                  </p:stCondLst>
-                                  <p:childTnLst>
-                                    <p:set>
-                                      <p:cBhvr>
-                                        <p:cTn id="82" dur="1" fill="hold">
-                                          <p:stCondLst>
-                                            <p:cond delay="0"/>
-                                          </p:stCondLst>
-                                        </p:cTn>
-                                        <p:tgtEl>
-                                          <p:spTgt spid="3">
-                                            <p:txEl>
                                               <p:pRg st="22" end="22"/>
-                                            </p:txEl>
-                                          </p:spTgt>
-                                        </p:tgtEl>
-                                        <p:attrNameLst>
-                                          <p:attrName>style.visibility</p:attrName>
-                                        </p:attrNameLst>
-                                      </p:cBhvr>
-                                      <p:to>
-                                        <p:strVal val="visible"/>
-                                      </p:to>
-                                    </p:set>
-                                  </p:childTnLst>
-                                </p:cTn>
-                              </p:par>
-                              <p:par>
-                                <p:cTn id="83" presetID="1" presetClass="entr" presetSubtype="0" fill="hold" nodeType="withEffect">
-                                  <p:stCondLst>
-                                    <p:cond delay="0"/>
-                                  </p:stCondLst>
-                                  <p:childTnLst>
-                                    <p:set>
-                                      <p:cBhvr>
-                                        <p:cTn id="84" dur="1" fill="hold">
-                                          <p:stCondLst>
-                                            <p:cond delay="0"/>
-                                          </p:stCondLst>
-                                        </p:cTn>
-                                        <p:tgtEl>
-                                          <p:spTgt spid="3">
-                                            <p:txEl>
-                                              <p:pRg st="23" end="23"/>
                                             </p:txEl>
                                           </p:spTgt>
                                         </p:tgtEl>
@@ -11719,7 +12602,7 @@
 </p:sld>
 </file>
 
-<file path=ppt/slides/slide6.xml><?xml version="1.0" encoding="utf-8"?>
+<file path=ppt/slides/slide7.xml><?xml version="1.0" encoding="utf-8"?>
 <p:sld xmlns:a="http://schemas.openxmlformats.org/drawingml/2006/main" xmlns:r="http://schemas.openxmlformats.org/officeDocument/2006/relationships" xmlns:p="http://schemas.openxmlformats.org/presentationml/2006/main">
   <p:cSld>
     <p:spTree>
@@ -11816,7 +12699,7 @@
 </p:sld>
 </file>
 
-<file path=ppt/slides/slide7.xml><?xml version="1.0" encoding="utf-8"?>
+<file path=ppt/slides/slide8.xml><?xml version="1.0" encoding="utf-8"?>
 <p:sld xmlns:a="http://schemas.openxmlformats.org/drawingml/2006/main" xmlns:r="http://schemas.openxmlformats.org/officeDocument/2006/relationships" xmlns:p="http://schemas.openxmlformats.org/presentationml/2006/main">
   <p:cSld>
     <p:spTree>
@@ -12345,7 +13228,7 @@
 </p:sld>
 </file>
 
-<file path=ppt/slides/slide8.xml><?xml version="1.0" encoding="utf-8"?>
+<file path=ppt/slides/slide9.xml><?xml version="1.0" encoding="utf-8"?>
 <p:sld xmlns:a="http://schemas.openxmlformats.org/drawingml/2006/main" xmlns:r="http://schemas.openxmlformats.org/officeDocument/2006/relationships" xmlns:p="http://schemas.openxmlformats.org/presentationml/2006/main">
   <p:cSld>
     <p:spTree>
@@ -12933,64 +13816,6 @@
       </p:par>
     </p:tnLst>
   </p:timing>
-</p:sld>
-</file>
-
-<file path=ppt/slides/slide9.xml><?xml version="1.0" encoding="utf-8"?>
-<p:sld xmlns:a="http://schemas.openxmlformats.org/drawingml/2006/main" xmlns:r="http://schemas.openxmlformats.org/officeDocument/2006/relationships" xmlns:p="http://schemas.openxmlformats.org/presentationml/2006/main">
-  <p:cSld>
-    <p:spTree>
-      <p:nvGrpSpPr>
-        <p:cNvPr id="1" name=""/>
-        <p:cNvGrpSpPr/>
-        <p:nvPr/>
-      </p:nvGrpSpPr>
-      <p:grpSpPr>
-        <a:xfrm>
-          <a:off x="0" y="0"/>
-          <a:ext cx="0" cy="0"/>
-          <a:chOff x="0" y="0"/>
-          <a:chExt cx="0" cy="0"/>
-        </a:xfrm>
-      </p:grpSpPr>
-      <p:sp>
-        <p:nvSpPr>
-          <p:cNvPr id="2" name="Titel 1">
-            <a:extLst>
-              <a:ext uri="{FF2B5EF4-FFF2-40B4-BE49-F238E27FC236}">
-                <a16:creationId xmlns:a16="http://schemas.microsoft.com/office/drawing/2014/main" id="{7DAAB73D-5E6F-4868-B66D-AC2B7FA78951}"/>
-              </a:ext>
-            </a:extLst>
-          </p:cNvPr>
-          <p:cNvSpPr>
-            <a:spLocks noGrp="1"/>
-          </p:cNvSpPr>
-          <p:nvPr>
-            <p:ph type="title"/>
-          </p:nvPr>
-        </p:nvSpPr>
-        <p:spPr/>
-        <p:txBody>
-          <a:bodyPr/>
-          <a:lstStyle/>
-          <a:p>
-            <a:r>
-              <a:rPr lang="nl-NL" dirty="0"/>
-              <a:t>Beschrijving per scenario</a:t>
-            </a:r>
-          </a:p>
-        </p:txBody>
-      </p:sp>
-    </p:spTree>
-    <p:extLst>
-      <p:ext uri="{BB962C8B-B14F-4D97-AF65-F5344CB8AC3E}">
-        <p14:creationId xmlns:p14="http://schemas.microsoft.com/office/powerpoint/2010/main" val="875504885"/>
-      </p:ext>
-    </p:extLst>
-  </p:cSld>
-  <p:clrMapOvr>
-    <a:masterClrMapping/>
-  </p:clrMapOvr>
 </p:sld>
 </file>
 
@@ -13585,6 +14410,12 @@
 </file>
 
 <file path=customXml/item1.xml><?xml version="1.0" encoding="utf-8"?>
+<p:properties xmlns:p="http://schemas.microsoft.com/office/2006/metadata/properties" xmlns:xsi="http://www.w3.org/2001/XMLSchema-instance" xmlns:pc="http://schemas.microsoft.com/office/infopath/2007/PartnerControls">
+  <documentManagement/>
+</p:properties>
+</file>
+
+<file path=customXml/item2.xml><?xml version="1.0" encoding="utf-8"?>
 <ct:contentTypeSchema xmlns:ct="http://schemas.microsoft.com/office/2006/metadata/contentType" xmlns:ma="http://schemas.microsoft.com/office/2006/metadata/properties/metaAttributes" ct:_="" ma:_="" ma:contentTypeName="Document" ma:contentTypeID="0x0101003ADD3040E3157B4E913BCA65F34844D7" ma:contentTypeVersion="10" ma:contentTypeDescription="Een nieuw document maken." ma:contentTypeScope="" ma:versionID="c1765059aa1475931adc12138fdcfd8c">
   <xsd:schema xmlns:xsd="http://www.w3.org/2001/XMLSchema" xmlns:xs="http://www.w3.org/2001/XMLSchema" xmlns:p="http://schemas.microsoft.com/office/2006/metadata/properties" xmlns:ns2="aafb19fa-82be-411d-a6df-c75e9235a4ea" xmlns:ns3="3dfebdfe-2b22-40ba-8672-9fbc9b4066c4" targetNamespace="http://schemas.microsoft.com/office/2006/metadata/properties" ma:root="true" ma:fieldsID="42d79c55539af1f9f274032ce6041302" ns2:_="" ns3:_="">
     <xsd:import namespace="aafb19fa-82be-411d-a6df-c75e9235a4ea"/>
@@ -13787,12 +14618,6 @@
 </ct:contentTypeSchema>
 </file>
 
-<file path=customXml/item2.xml><?xml version="1.0" encoding="utf-8"?>
-<p:properties xmlns:p="http://schemas.microsoft.com/office/2006/metadata/properties" xmlns:xsi="http://www.w3.org/2001/XMLSchema-instance" xmlns:pc="http://schemas.microsoft.com/office/infopath/2007/PartnerControls">
-  <documentManagement/>
-</p:properties>
-</file>
-
 <file path=customXml/item3.xml><?xml version="1.0" encoding="utf-8"?>
 <?mso-contentType ?>
 <FormTemplates xmlns="http://schemas.microsoft.com/sharepoint/v3/contenttype/forms">
@@ -13803,6 +14628,23 @@
 </file>
 
 <file path=customXml/itemProps1.xml><?xml version="1.0" encoding="utf-8"?>
+<ds:datastoreItem xmlns:ds="http://schemas.openxmlformats.org/officeDocument/2006/customXml" ds:itemID="{44F744C1-7216-4F24-AF2B-C028C1AC510B}">
+  <ds:schemaRefs>
+    <ds:schemaRef ds:uri="http://purl.org/dc/elements/1.1/"/>
+    <ds:schemaRef ds:uri="http://purl.org/dc/terms/"/>
+    <ds:schemaRef ds:uri="3dfebdfe-2b22-40ba-8672-9fbc9b4066c4"/>
+    <ds:schemaRef ds:uri="http://www.w3.org/XML/1998/namespace"/>
+    <ds:schemaRef ds:uri="http://schemas.microsoft.com/office/2006/documentManagement/types"/>
+    <ds:schemaRef ds:uri="http://schemas.microsoft.com/office/2006/metadata/properties"/>
+    <ds:schemaRef ds:uri="http://purl.org/dc/dcmitype/"/>
+    <ds:schemaRef ds:uri="http://schemas.microsoft.com/office/infopath/2007/PartnerControls"/>
+    <ds:schemaRef ds:uri="http://schemas.openxmlformats.org/package/2006/metadata/core-properties"/>
+    <ds:schemaRef ds:uri="aafb19fa-82be-411d-a6df-c75e9235a4ea"/>
+  </ds:schemaRefs>
+</ds:datastoreItem>
+</file>
+
+<file path=customXml/itemProps2.xml><?xml version="1.0" encoding="utf-8"?>
 <ds:datastoreItem xmlns:ds="http://schemas.openxmlformats.org/officeDocument/2006/customXml" ds:itemID="{86B9146A-7E8D-43BD-BCDA-EAF916D7BF88}">
   <ds:schemaRefs>
     <ds:schemaRef ds:uri="http://schemas.microsoft.com/office/2006/metadata/contentType"/>
@@ -13821,23 +14663,6 @@
 </ds:datastoreItem>
 </file>
 
-<file path=customXml/itemProps2.xml><?xml version="1.0" encoding="utf-8"?>
-<ds:datastoreItem xmlns:ds="http://schemas.openxmlformats.org/officeDocument/2006/customXml" ds:itemID="{44F744C1-7216-4F24-AF2B-C028C1AC510B}">
-  <ds:schemaRefs>
-    <ds:schemaRef ds:uri="http://purl.org/dc/elements/1.1/"/>
-    <ds:schemaRef ds:uri="http://purl.org/dc/terms/"/>
-    <ds:schemaRef ds:uri="3dfebdfe-2b22-40ba-8672-9fbc9b4066c4"/>
-    <ds:schemaRef ds:uri="http://www.w3.org/XML/1998/namespace"/>
-    <ds:schemaRef ds:uri="http://schemas.microsoft.com/office/2006/documentManagement/types"/>
-    <ds:schemaRef ds:uri="http://schemas.microsoft.com/office/2006/metadata/properties"/>
-    <ds:schemaRef ds:uri="http://purl.org/dc/dcmitype/"/>
-    <ds:schemaRef ds:uri="http://schemas.microsoft.com/office/infopath/2007/PartnerControls"/>
-    <ds:schemaRef ds:uri="http://schemas.openxmlformats.org/package/2006/metadata/core-properties"/>
-    <ds:schemaRef ds:uri="aafb19fa-82be-411d-a6df-c75e9235a4ea"/>
-  </ds:schemaRefs>
-</ds:datastoreItem>
-</file>
-
 <file path=customXml/itemProps3.xml><?xml version="1.0" encoding="utf-8"?>
 <ds:datastoreItem xmlns:ds="http://schemas.openxmlformats.org/officeDocument/2006/customXml" ds:itemID="{F8CFDD08-2AF3-45C0-9BFB-55C0CB45D846}">
   <ds:schemaRefs>

--- a/Submutatiescenario_s.pptx
+++ b/Submutatiescenario_s.pptx
@@ -312,7 +312,7 @@
           <a:p>
             <a:fld id="{2888003D-D75C-40B0-9BFD-C77ECDD13631}" type="datetimeFigureOut">
               <a:rPr lang="nl-NL" smtClean="0"/>
-              <a:t>8-3-2021</a:t>
+              <a:t>24-6-2021</a:t>
             </a:fld>
             <a:endParaRPr lang="nl-NL"/>
           </a:p>
@@ -810,7 +810,7 @@
           <a:p>
             <a:fld id="{02A6C647-4F39-4E22-BFA0-7A057A8C404A}" type="datetimeFigureOut">
               <a:rPr lang="nl-NL" smtClean="0"/>
-              <a:t>8-3-2021</a:t>
+              <a:t>24-6-2021</a:t>
             </a:fld>
             <a:endParaRPr lang="nl-NL"/>
           </a:p>
@@ -1008,7 +1008,7 @@
           <a:p>
             <a:fld id="{02A6C647-4F39-4E22-BFA0-7A057A8C404A}" type="datetimeFigureOut">
               <a:rPr lang="nl-NL" smtClean="0"/>
-              <a:t>8-3-2021</a:t>
+              <a:t>24-6-2021</a:t>
             </a:fld>
             <a:endParaRPr lang="nl-NL"/>
           </a:p>
@@ -1216,7 +1216,7 @@
           <a:p>
             <a:fld id="{02A6C647-4F39-4E22-BFA0-7A057A8C404A}" type="datetimeFigureOut">
               <a:rPr lang="nl-NL" smtClean="0"/>
-              <a:t>8-3-2021</a:t>
+              <a:t>24-6-2021</a:t>
             </a:fld>
             <a:endParaRPr lang="nl-NL"/>
           </a:p>
@@ -1414,7 +1414,7 @@
           <a:p>
             <a:fld id="{02A6C647-4F39-4E22-BFA0-7A057A8C404A}" type="datetimeFigureOut">
               <a:rPr lang="nl-NL" smtClean="0"/>
-              <a:t>8-3-2021</a:t>
+              <a:t>24-6-2021</a:t>
             </a:fld>
             <a:endParaRPr lang="nl-NL"/>
           </a:p>
@@ -1689,7 +1689,7 @@
           <a:p>
             <a:fld id="{02A6C647-4F39-4E22-BFA0-7A057A8C404A}" type="datetimeFigureOut">
               <a:rPr lang="nl-NL" smtClean="0"/>
-              <a:t>8-3-2021</a:t>
+              <a:t>24-6-2021</a:t>
             </a:fld>
             <a:endParaRPr lang="nl-NL"/>
           </a:p>
@@ -1954,7 +1954,7 @@
           <a:p>
             <a:fld id="{02A6C647-4F39-4E22-BFA0-7A057A8C404A}" type="datetimeFigureOut">
               <a:rPr lang="nl-NL" smtClean="0"/>
-              <a:t>8-3-2021</a:t>
+              <a:t>24-6-2021</a:t>
             </a:fld>
             <a:endParaRPr lang="nl-NL"/>
           </a:p>
@@ -2366,7 +2366,7 @@
           <a:p>
             <a:fld id="{02A6C647-4F39-4E22-BFA0-7A057A8C404A}" type="datetimeFigureOut">
               <a:rPr lang="nl-NL" smtClean="0"/>
-              <a:t>8-3-2021</a:t>
+              <a:t>24-6-2021</a:t>
             </a:fld>
             <a:endParaRPr lang="nl-NL"/>
           </a:p>
@@ -2507,7 +2507,7 @@
           <a:p>
             <a:fld id="{02A6C647-4F39-4E22-BFA0-7A057A8C404A}" type="datetimeFigureOut">
               <a:rPr lang="nl-NL" smtClean="0"/>
-              <a:t>8-3-2021</a:t>
+              <a:t>24-6-2021</a:t>
             </a:fld>
             <a:endParaRPr lang="nl-NL"/>
           </a:p>
@@ -2620,7 +2620,7 @@
           <a:p>
             <a:fld id="{02A6C647-4F39-4E22-BFA0-7A057A8C404A}" type="datetimeFigureOut">
               <a:rPr lang="nl-NL" smtClean="0"/>
-              <a:t>8-3-2021</a:t>
+              <a:t>24-6-2021</a:t>
             </a:fld>
             <a:endParaRPr lang="nl-NL"/>
           </a:p>
@@ -2931,7 +2931,7 @@
           <a:p>
             <a:fld id="{02A6C647-4F39-4E22-BFA0-7A057A8C404A}" type="datetimeFigureOut">
               <a:rPr lang="nl-NL" smtClean="0"/>
-              <a:t>8-3-2021</a:t>
+              <a:t>24-6-2021</a:t>
             </a:fld>
             <a:endParaRPr lang="nl-NL"/>
           </a:p>
@@ -3219,7 +3219,7 @@
           <a:p>
             <a:fld id="{02A6C647-4F39-4E22-BFA0-7A057A8C404A}" type="datetimeFigureOut">
               <a:rPr lang="nl-NL" smtClean="0"/>
-              <a:t>8-3-2021</a:t>
+              <a:t>24-6-2021</a:t>
             </a:fld>
             <a:endParaRPr lang="nl-NL"/>
           </a:p>
@@ -3460,7 +3460,7 @@
           <a:p>
             <a:fld id="{02A6C647-4F39-4E22-BFA0-7A057A8C404A}" type="datetimeFigureOut">
               <a:rPr lang="nl-NL" smtClean="0"/>
-              <a:t>8-3-2021</a:t>
+              <a:t>24-6-2021</a:t>
             </a:fld>
             <a:endParaRPr lang="nl-NL"/>
           </a:p>
@@ -7333,23 +7333,34 @@
           <a:p>
             <a:r>
               <a:rPr lang="nl-NL" dirty="0"/>
-              <a:t>B) vervangen van activiteit-locaties (al bestaande </a:t>
-            </a:r>
-            <a:r>
-              <a:rPr lang="nl-NL" dirty="0" err="1"/>
-              <a:t>GIO’s</a:t>
-            </a:r>
-            <a:r>
-              <a:rPr lang="nl-NL" dirty="0"/>
-              <a:t>)</a:t>
+              <a:t>B) beëindigen van activiteit</a:t>
             </a:r>
           </a:p>
           <a:p>
             <a:pPr lvl="1"/>
             <a:r>
-              <a:rPr lang="nl-NL" dirty="0"/>
-              <a:t>[TO-DO]</a:t>
-            </a:r>
+              <a:rPr lang="nl-NL" strike="sngStrike" dirty="0">
+                <a:solidFill>
+                  <a:srgbClr val="FF0000"/>
+                </a:solidFill>
+                <a:highlight>
+                  <a:srgbClr val="FFFFFF"/>
+                </a:highlight>
+              </a:rPr>
+              <a:t>opslaan van motorbrandstoffen niet zijnde lpg </a:t>
+            </a:r>
+            <a:r>
+              <a:rPr lang="nl-NL" dirty="0">
+                <a:solidFill>
+                  <a:srgbClr val="000000"/>
+                </a:solidFill>
+                <a:highlight>
+                  <a:srgbClr val="FFFFFF"/>
+                </a:highlight>
+              </a:rPr>
+              <a:t>laten beëindigen</a:t>
+            </a:r>
+            <a:endParaRPr lang="nl-NL" dirty="0"/>
           </a:p>
           <a:p>
             <a:r>
@@ -7398,8 +7409,29 @@
           <a:p>
             <a:pPr lvl="1"/>
             <a:r>
+              <a:rPr lang="nl-NL" dirty="0">
+                <a:solidFill>
+                  <a:srgbClr val="000000"/>
+                </a:solidFill>
+                <a:highlight>
+                  <a:srgbClr val="FFFFFF"/>
+                </a:highlight>
+              </a:rPr>
+              <a:t>uitoefenen van bedrijfstypen van categorie 3 is</a:t>
+            </a:r>
+            <a:br>
+              <a:rPr lang="nl-NL" dirty="0">
+                <a:solidFill>
+                  <a:srgbClr val="000000"/>
+                </a:solidFill>
+                <a:highlight>
+                  <a:srgbClr val="FFFFFF"/>
+                </a:highlight>
+              </a:rPr>
+            </a:br>
+            <a:r>
               <a:rPr lang="nl-NL" dirty="0"/>
-              <a:t>[TO-DO]</a:t>
+              <a:t>gerelateerd aan uitoefenen van detailhandel in ter plaatse vervaardigde goederen</a:t>
             </a:r>
           </a:p>
           <a:p>
@@ -14410,12 +14442,6 @@
 </file>
 
 <file path=customXml/item1.xml><?xml version="1.0" encoding="utf-8"?>
-<p:properties xmlns:p="http://schemas.microsoft.com/office/2006/metadata/properties" xmlns:xsi="http://www.w3.org/2001/XMLSchema-instance" xmlns:pc="http://schemas.microsoft.com/office/infopath/2007/PartnerControls">
-  <documentManagement/>
-</p:properties>
-</file>
-
-<file path=customXml/item2.xml><?xml version="1.0" encoding="utf-8"?>
 <ct:contentTypeSchema xmlns:ct="http://schemas.microsoft.com/office/2006/metadata/contentType" xmlns:ma="http://schemas.microsoft.com/office/2006/metadata/properties/metaAttributes" ct:_="" ma:_="" ma:contentTypeName="Document" ma:contentTypeID="0x0101003ADD3040E3157B4E913BCA65F34844D7" ma:contentTypeVersion="10" ma:contentTypeDescription="Een nieuw document maken." ma:contentTypeScope="" ma:versionID="c1765059aa1475931adc12138fdcfd8c">
   <xsd:schema xmlns:xsd="http://www.w3.org/2001/XMLSchema" xmlns:xs="http://www.w3.org/2001/XMLSchema" xmlns:p="http://schemas.microsoft.com/office/2006/metadata/properties" xmlns:ns2="aafb19fa-82be-411d-a6df-c75e9235a4ea" xmlns:ns3="3dfebdfe-2b22-40ba-8672-9fbc9b4066c4" targetNamespace="http://schemas.microsoft.com/office/2006/metadata/properties" ma:root="true" ma:fieldsID="42d79c55539af1f9f274032ce6041302" ns2:_="" ns3:_="">
     <xsd:import namespace="aafb19fa-82be-411d-a6df-c75e9235a4ea"/>
@@ -14618,6 +14644,12 @@
 </ct:contentTypeSchema>
 </file>
 
+<file path=customXml/item2.xml><?xml version="1.0" encoding="utf-8"?>
+<p:properties xmlns:p="http://schemas.microsoft.com/office/2006/metadata/properties" xmlns:xsi="http://www.w3.org/2001/XMLSchema-instance" xmlns:pc="http://schemas.microsoft.com/office/infopath/2007/PartnerControls">
+  <documentManagement/>
+</p:properties>
+</file>
+
 <file path=customXml/item3.xml><?xml version="1.0" encoding="utf-8"?>
 <?mso-contentType ?>
 <FormTemplates xmlns="http://schemas.microsoft.com/sharepoint/v3/contenttype/forms">
@@ -14628,23 +14660,6 @@
 </file>
 
 <file path=customXml/itemProps1.xml><?xml version="1.0" encoding="utf-8"?>
-<ds:datastoreItem xmlns:ds="http://schemas.openxmlformats.org/officeDocument/2006/customXml" ds:itemID="{44F744C1-7216-4F24-AF2B-C028C1AC510B}">
-  <ds:schemaRefs>
-    <ds:schemaRef ds:uri="http://purl.org/dc/elements/1.1/"/>
-    <ds:schemaRef ds:uri="http://purl.org/dc/terms/"/>
-    <ds:schemaRef ds:uri="3dfebdfe-2b22-40ba-8672-9fbc9b4066c4"/>
-    <ds:schemaRef ds:uri="http://www.w3.org/XML/1998/namespace"/>
-    <ds:schemaRef ds:uri="http://schemas.microsoft.com/office/2006/documentManagement/types"/>
-    <ds:schemaRef ds:uri="http://schemas.microsoft.com/office/2006/metadata/properties"/>
-    <ds:schemaRef ds:uri="http://purl.org/dc/dcmitype/"/>
-    <ds:schemaRef ds:uri="http://schemas.microsoft.com/office/infopath/2007/PartnerControls"/>
-    <ds:schemaRef ds:uri="http://schemas.openxmlformats.org/package/2006/metadata/core-properties"/>
-    <ds:schemaRef ds:uri="aafb19fa-82be-411d-a6df-c75e9235a4ea"/>
-  </ds:schemaRefs>
-</ds:datastoreItem>
-</file>
-
-<file path=customXml/itemProps2.xml><?xml version="1.0" encoding="utf-8"?>
 <ds:datastoreItem xmlns:ds="http://schemas.openxmlformats.org/officeDocument/2006/customXml" ds:itemID="{86B9146A-7E8D-43BD-BCDA-EAF916D7BF88}">
   <ds:schemaRefs>
     <ds:schemaRef ds:uri="http://schemas.microsoft.com/office/2006/metadata/contentType"/>
@@ -14663,6 +14678,23 @@
 </ds:datastoreItem>
 </file>
 
+<file path=customXml/itemProps2.xml><?xml version="1.0" encoding="utf-8"?>
+<ds:datastoreItem xmlns:ds="http://schemas.openxmlformats.org/officeDocument/2006/customXml" ds:itemID="{44F744C1-7216-4F24-AF2B-C028C1AC510B}">
+  <ds:schemaRefs>
+    <ds:schemaRef ds:uri="http://purl.org/dc/elements/1.1/"/>
+    <ds:schemaRef ds:uri="http://purl.org/dc/terms/"/>
+    <ds:schemaRef ds:uri="3dfebdfe-2b22-40ba-8672-9fbc9b4066c4"/>
+    <ds:schemaRef ds:uri="http://www.w3.org/XML/1998/namespace"/>
+    <ds:schemaRef ds:uri="http://schemas.microsoft.com/office/2006/documentManagement/types"/>
+    <ds:schemaRef ds:uri="http://schemas.microsoft.com/office/2006/metadata/properties"/>
+    <ds:schemaRef ds:uri="http://purl.org/dc/dcmitype/"/>
+    <ds:schemaRef ds:uri="http://schemas.microsoft.com/office/infopath/2007/PartnerControls"/>
+    <ds:schemaRef ds:uri="http://schemas.openxmlformats.org/package/2006/metadata/core-properties"/>
+    <ds:schemaRef ds:uri="aafb19fa-82be-411d-a6df-c75e9235a4ea"/>
+  </ds:schemaRefs>
+</ds:datastoreItem>
+</file>
+
 <file path=customXml/itemProps3.xml><?xml version="1.0" encoding="utf-8"?>
 <ds:datastoreItem xmlns:ds="http://schemas.openxmlformats.org/officeDocument/2006/customXml" ds:itemID="{F8CFDD08-2AF3-45C0-9BFB-55C0CB45D846}">
   <ds:schemaRefs>

--- a/Submutatiescenario_s.pptx
+++ b/Submutatiescenario_s.pptx
@@ -5,40 +5,37 @@
     <p:sldMasterId id="2147483648" r:id="rId4"/>
   </p:sldMasterIdLst>
   <p:notesMasterIdLst>
-    <p:notesMasterId r:id="rId36"/>
+    <p:notesMasterId r:id="rId33"/>
   </p:notesMasterIdLst>
   <p:sldIdLst>
     <p:sldId id="256" r:id="rId5"/>
     <p:sldId id="257" r:id="rId6"/>
     <p:sldId id="297" r:id="rId7"/>
     <p:sldId id="263" r:id="rId8"/>
-    <p:sldId id="298" r:id="rId9"/>
-    <p:sldId id="264" r:id="rId10"/>
-    <p:sldId id="278" r:id="rId11"/>
-    <p:sldId id="295" r:id="rId12"/>
-    <p:sldId id="296" r:id="rId13"/>
-    <p:sldId id="294" r:id="rId14"/>
-    <p:sldId id="290" r:id="rId15"/>
-    <p:sldId id="289" r:id="rId16"/>
-    <p:sldId id="293" r:id="rId17"/>
-    <p:sldId id="266" r:id="rId18"/>
-    <p:sldId id="265" r:id="rId19"/>
-    <p:sldId id="282" r:id="rId20"/>
-    <p:sldId id="268" r:id="rId21"/>
-    <p:sldId id="269" r:id="rId22"/>
-    <p:sldId id="270" r:id="rId23"/>
-    <p:sldId id="271" r:id="rId24"/>
-    <p:sldId id="273" r:id="rId25"/>
-    <p:sldId id="274" r:id="rId26"/>
-    <p:sldId id="272" r:id="rId27"/>
-    <p:sldId id="291" r:id="rId28"/>
-    <p:sldId id="285" r:id="rId29"/>
-    <p:sldId id="286" r:id="rId30"/>
-    <p:sldId id="287" r:id="rId31"/>
-    <p:sldId id="288" r:id="rId32"/>
-    <p:sldId id="284" r:id="rId33"/>
-    <p:sldId id="292" r:id="rId34"/>
-    <p:sldId id="280" r:id="rId35"/>
+    <p:sldId id="264" r:id="rId9"/>
+    <p:sldId id="278" r:id="rId10"/>
+    <p:sldId id="294" r:id="rId11"/>
+    <p:sldId id="290" r:id="rId12"/>
+    <p:sldId id="289" r:id="rId13"/>
+    <p:sldId id="293" r:id="rId14"/>
+    <p:sldId id="266" r:id="rId15"/>
+    <p:sldId id="265" r:id="rId16"/>
+    <p:sldId id="282" r:id="rId17"/>
+    <p:sldId id="268" r:id="rId18"/>
+    <p:sldId id="269" r:id="rId19"/>
+    <p:sldId id="270" r:id="rId20"/>
+    <p:sldId id="271" r:id="rId21"/>
+    <p:sldId id="273" r:id="rId22"/>
+    <p:sldId id="274" r:id="rId23"/>
+    <p:sldId id="272" r:id="rId24"/>
+    <p:sldId id="291" r:id="rId25"/>
+    <p:sldId id="285" r:id="rId26"/>
+    <p:sldId id="286" r:id="rId27"/>
+    <p:sldId id="287" r:id="rId28"/>
+    <p:sldId id="288" r:id="rId29"/>
+    <p:sldId id="284" r:id="rId30"/>
+    <p:sldId id="292" r:id="rId31"/>
+    <p:sldId id="280" r:id="rId32"/>
   </p:sldIdLst>
   <p:sldSz cx="12192000" cy="6858000"/>
   <p:notesSz cx="6858000" cy="9144000"/>
@@ -312,7 +309,7 @@
           <a:p>
             <a:fld id="{2888003D-D75C-40B0-9BFD-C77ECDD13631}" type="datetimeFigureOut">
               <a:rPr lang="nl-NL" smtClean="0"/>
-              <a:t>24-6-2021</a:t>
+              <a:t>20-1-2022</a:t>
             </a:fld>
             <a:endParaRPr lang="nl-NL"/>
           </a:p>
@@ -644,7 +641,7 @@
           <a:p>
             <a:fld id="{6F87DBD9-0F19-45C0-B651-F6A6168026C7}" type="slidenum">
               <a:rPr lang="nl-NL" smtClean="0"/>
-              <a:t>10</a:t>
+              <a:t>7</a:t>
             </a:fld>
             <a:endParaRPr lang="nl-NL"/>
           </a:p>
@@ -810,7 +807,7 @@
           <a:p>
             <a:fld id="{02A6C647-4F39-4E22-BFA0-7A057A8C404A}" type="datetimeFigureOut">
               <a:rPr lang="nl-NL" smtClean="0"/>
-              <a:t>24-6-2021</a:t>
+              <a:t>20-1-2022</a:t>
             </a:fld>
             <a:endParaRPr lang="nl-NL"/>
           </a:p>
@@ -1008,7 +1005,7 @@
           <a:p>
             <a:fld id="{02A6C647-4F39-4E22-BFA0-7A057A8C404A}" type="datetimeFigureOut">
               <a:rPr lang="nl-NL" smtClean="0"/>
-              <a:t>24-6-2021</a:t>
+              <a:t>20-1-2022</a:t>
             </a:fld>
             <a:endParaRPr lang="nl-NL"/>
           </a:p>
@@ -1216,7 +1213,7 @@
           <a:p>
             <a:fld id="{02A6C647-4F39-4E22-BFA0-7A057A8C404A}" type="datetimeFigureOut">
               <a:rPr lang="nl-NL" smtClean="0"/>
-              <a:t>24-6-2021</a:t>
+              <a:t>20-1-2022</a:t>
             </a:fld>
             <a:endParaRPr lang="nl-NL"/>
           </a:p>
@@ -1414,7 +1411,7 @@
           <a:p>
             <a:fld id="{02A6C647-4F39-4E22-BFA0-7A057A8C404A}" type="datetimeFigureOut">
               <a:rPr lang="nl-NL" smtClean="0"/>
-              <a:t>24-6-2021</a:t>
+              <a:t>20-1-2022</a:t>
             </a:fld>
             <a:endParaRPr lang="nl-NL"/>
           </a:p>
@@ -1689,7 +1686,7 @@
           <a:p>
             <a:fld id="{02A6C647-4F39-4E22-BFA0-7A057A8C404A}" type="datetimeFigureOut">
               <a:rPr lang="nl-NL" smtClean="0"/>
-              <a:t>24-6-2021</a:t>
+              <a:t>20-1-2022</a:t>
             </a:fld>
             <a:endParaRPr lang="nl-NL"/>
           </a:p>
@@ -1954,7 +1951,7 @@
           <a:p>
             <a:fld id="{02A6C647-4F39-4E22-BFA0-7A057A8C404A}" type="datetimeFigureOut">
               <a:rPr lang="nl-NL" smtClean="0"/>
-              <a:t>24-6-2021</a:t>
+              <a:t>20-1-2022</a:t>
             </a:fld>
             <a:endParaRPr lang="nl-NL"/>
           </a:p>
@@ -2366,7 +2363,7 @@
           <a:p>
             <a:fld id="{02A6C647-4F39-4E22-BFA0-7A057A8C404A}" type="datetimeFigureOut">
               <a:rPr lang="nl-NL" smtClean="0"/>
-              <a:t>24-6-2021</a:t>
+              <a:t>20-1-2022</a:t>
             </a:fld>
             <a:endParaRPr lang="nl-NL"/>
           </a:p>
@@ -2507,7 +2504,7 @@
           <a:p>
             <a:fld id="{02A6C647-4F39-4E22-BFA0-7A057A8C404A}" type="datetimeFigureOut">
               <a:rPr lang="nl-NL" smtClean="0"/>
-              <a:t>24-6-2021</a:t>
+              <a:t>20-1-2022</a:t>
             </a:fld>
             <a:endParaRPr lang="nl-NL"/>
           </a:p>
@@ -2620,7 +2617,7 @@
           <a:p>
             <a:fld id="{02A6C647-4F39-4E22-BFA0-7A057A8C404A}" type="datetimeFigureOut">
               <a:rPr lang="nl-NL" smtClean="0"/>
-              <a:t>24-6-2021</a:t>
+              <a:t>20-1-2022</a:t>
             </a:fld>
             <a:endParaRPr lang="nl-NL"/>
           </a:p>
@@ -2931,7 +2928,7 @@
           <a:p>
             <a:fld id="{02A6C647-4F39-4E22-BFA0-7A057A8C404A}" type="datetimeFigureOut">
               <a:rPr lang="nl-NL" smtClean="0"/>
-              <a:t>24-6-2021</a:t>
+              <a:t>20-1-2022</a:t>
             </a:fld>
             <a:endParaRPr lang="nl-NL"/>
           </a:p>
@@ -3219,7 +3216,7 @@
           <a:p>
             <a:fld id="{02A6C647-4F39-4E22-BFA0-7A057A8C404A}" type="datetimeFigureOut">
               <a:rPr lang="nl-NL" smtClean="0"/>
-              <a:t>24-6-2021</a:t>
+              <a:t>20-1-2022</a:t>
             </a:fld>
             <a:endParaRPr lang="nl-NL"/>
           </a:p>
@@ -3460,7 +3457,7 @@
           <a:p>
             <a:fld id="{02A6C647-4F39-4E22-BFA0-7A057A8C404A}" type="datetimeFigureOut">
               <a:rPr lang="nl-NL" smtClean="0"/>
-              <a:t>24-6-2021</a:t>
+              <a:t>20-1-2022</a:t>
             </a:fld>
             <a:endParaRPr lang="nl-NL"/>
           </a:p>
@@ -3952,7 +3949,7 @@
           <p:cNvPr id="2" name="Titel 1">
             <a:extLst>
               <a:ext uri="{FF2B5EF4-FFF2-40B4-BE49-F238E27FC236}">
-                <a16:creationId xmlns:a16="http://schemas.microsoft.com/office/drawing/2014/main" id="{7DAAB73D-5E6F-4868-B66D-AC2B7FA78951}"/>
+                <a16:creationId xmlns:a16="http://schemas.microsoft.com/office/drawing/2014/main" id="{8E986EFE-9764-4EF4-9F9F-823B9859B7D0}"/>
               </a:ext>
             </a:extLst>
           </p:cNvPr>
@@ -3963,22 +3960,63 @@
             <p:ph type="title"/>
           </p:nvPr>
         </p:nvSpPr>
-        <p:spPr/>
+        <p:spPr>
+          <a:xfrm>
+            <a:off x="592186" y="0"/>
+            <a:ext cx="10515600" cy="1325563"/>
+          </a:xfrm>
+        </p:spPr>
         <p:txBody>
           <a:bodyPr/>
           <a:lstStyle/>
           <a:p>
             <a:r>
               <a:rPr lang="nl-NL" dirty="0"/>
-              <a:t>Beschrijving per scenario</a:t>
+              <a:t>2a en 2b) omwisselen van 2.5 en 2.6</a:t>
             </a:r>
           </a:p>
         </p:txBody>
       </p:sp>
+      <p:pic>
+        <p:nvPicPr>
+          <p:cNvPr id="5" name="Afbeelding 4" descr="Afbeelding met schermafbeelding&#10;&#10;Automatisch gegenereerde beschrijving">
+            <a:extLst>
+              <a:ext uri="{FF2B5EF4-FFF2-40B4-BE49-F238E27FC236}">
+                <a16:creationId xmlns:a16="http://schemas.microsoft.com/office/drawing/2014/main" id="{5034A0F2-311E-4E8F-88D7-54847C81842B}"/>
+              </a:ext>
+            </a:extLst>
+          </p:cNvPr>
+          <p:cNvPicPr>
+            <a:picLocks noChangeAspect="1"/>
+          </p:cNvPicPr>
+          <p:nvPr/>
+        </p:nvPicPr>
+        <p:blipFill>
+          <a:blip r:embed="rId2">
+            <a:extLst>
+              <a:ext uri="{28A0092B-C50C-407E-A947-70E740481C1C}">
+                <a14:useLocalDpi xmlns:a14="http://schemas.microsoft.com/office/drawing/2010/main" val="0"/>
+              </a:ext>
+            </a:extLst>
+          </a:blip>
+          <a:stretch>
+            <a:fillRect/>
+          </a:stretch>
+        </p:blipFill>
+        <p:spPr>
+          <a:xfrm>
+            <a:off x="592186" y="982924"/>
+            <a:ext cx="10162053" cy="5718060"/>
+          </a:xfrm>
+          <a:prstGeom prst="rect">
+            <a:avLst/>
+          </a:prstGeom>
+        </p:spPr>
+      </p:pic>
     </p:spTree>
     <p:extLst>
       <p:ext uri="{BB962C8B-B14F-4D97-AF65-F5344CB8AC3E}">
-        <p14:creationId xmlns:p14="http://schemas.microsoft.com/office/powerpoint/2010/main" val="875504885"/>
+        <p14:creationId xmlns:p14="http://schemas.microsoft.com/office/powerpoint/2010/main" val="2650006355"/>
       </p:ext>
     </p:extLst>
   </p:cSld>
@@ -4010,7 +4048,7 @@
           <p:cNvPr id="2" name="Titel 1">
             <a:extLst>
               <a:ext uri="{FF2B5EF4-FFF2-40B4-BE49-F238E27FC236}">
-                <a16:creationId xmlns:a16="http://schemas.microsoft.com/office/drawing/2014/main" id="{768FB16B-6690-4D0F-9A4F-8EB04CD6C7FE}"/>
+                <a16:creationId xmlns:a16="http://schemas.microsoft.com/office/drawing/2014/main" id="{824F50C1-FF88-44A8-BC4A-2BC372910ACD}"/>
               </a:ext>
             </a:extLst>
           </p:cNvPr>
@@ -4021,243 +4059,63 @@
             <p:ph type="title"/>
           </p:nvPr>
         </p:nvSpPr>
-        <p:spPr/>
+        <p:spPr>
+          <a:xfrm>
+            <a:off x="838200" y="0"/>
+            <a:ext cx="10515600" cy="1325563"/>
+          </a:xfrm>
+        </p:spPr>
         <p:txBody>
           <a:bodyPr/>
           <a:lstStyle/>
           <a:p>
             <a:r>
               <a:rPr lang="nl-NL" dirty="0"/>
-              <a:t>0) volledig intrekken en vervangen</a:t>
+              <a:t>2c) Verwijderen van lid</a:t>
             </a:r>
           </a:p>
         </p:txBody>
       </p:sp>
-      <p:sp>
-        <p:nvSpPr>
-          <p:cNvPr id="3" name="Tijdelijke aanduiding voor inhoud 2">
+      <p:pic>
+        <p:nvPicPr>
+          <p:cNvPr id="7" name="Afbeelding 6" descr="Afbeelding met schermafbeelding&#10;&#10;Automatisch gegenereerde beschrijving">
             <a:extLst>
               <a:ext uri="{FF2B5EF4-FFF2-40B4-BE49-F238E27FC236}">
-                <a16:creationId xmlns:a16="http://schemas.microsoft.com/office/drawing/2014/main" id="{8364B8D8-230B-4E33-BB9E-EE4759FC7D1F}"/>
+                <a16:creationId xmlns:a16="http://schemas.microsoft.com/office/drawing/2014/main" id="{800CA2A7-D1BB-4078-9C7F-0052D6F31BFB}"/>
               </a:ext>
             </a:extLst>
           </p:cNvPr>
-          <p:cNvSpPr>
-            <a:spLocks noGrp="1"/>
-          </p:cNvSpPr>
-          <p:nvPr>
-            <p:ph idx="1"/>
-          </p:nvPr>
-        </p:nvSpPr>
-        <p:spPr/>
-        <p:txBody>
-          <a:bodyPr>
-            <a:normAutofit lnSpcReduction="10000"/>
-          </a:bodyPr>
-          <a:lstStyle/>
-          <a:p>
-            <a:r>
-              <a:rPr lang="nl-NL" dirty="0"/>
-              <a:t>OP - Intrekken en vervangen van een regeling</a:t>
-            </a:r>
-          </a:p>
-          <a:p>
-            <a:pPr lvl="1"/>
-            <a:r>
-              <a:rPr lang="nl-NL" dirty="0"/>
-              <a:t>Toevoeging van tekst in </a:t>
-            </a:r>
-            <a:r>
-              <a:rPr lang="nl-NL" dirty="0">
-                <a:solidFill>
-                  <a:schemeClr val="accent1">
-                    <a:lumMod val="75000"/>
-                  </a:schemeClr>
-                </a:solidFill>
-              </a:rPr>
-              <a:t>Artikel 2.15</a:t>
-            </a:r>
-          </a:p>
-          <a:p>
-            <a:pPr lvl="2"/>
-            <a:r>
-              <a:rPr lang="nl-NL" dirty="0">
-                <a:solidFill>
-                  <a:srgbClr val="000000"/>
-                </a:solidFill>
-                <a:highlight>
-                  <a:srgbClr val="FFFFFF"/>
-                </a:highlight>
-              </a:rPr>
-              <a:t>Deze zin is om een afwijking te constateren met de initieel aangeleverde regeling.</a:t>
-            </a:r>
-          </a:p>
-          <a:p>
-            <a:pPr lvl="2"/>
-            <a:endParaRPr lang="nl-NL" dirty="0"/>
-          </a:p>
-          <a:p>
-            <a:r>
-              <a:rPr lang="nl-NL" dirty="0"/>
-              <a:t>OW – toevoegen van een annotatie</a:t>
-            </a:r>
-          </a:p>
-          <a:p>
-            <a:pPr lvl="1"/>
-            <a:r>
-              <a:rPr lang="nl-NL" dirty="0"/>
-              <a:t>Toevoeging van een annotatie bij </a:t>
-            </a:r>
-            <a:r>
-              <a:rPr lang="nl-NL" dirty="0">
-                <a:solidFill>
-                  <a:schemeClr val="accent1">
-                    <a:lumMod val="75000"/>
-                  </a:schemeClr>
-                </a:solidFill>
-              </a:rPr>
-              <a:t>Artikel 2.10</a:t>
-            </a:r>
-          </a:p>
-          <a:p>
-            <a:pPr lvl="2"/>
-            <a:r>
-              <a:rPr lang="nl-NL" dirty="0">
-                <a:solidFill>
-                  <a:schemeClr val="accent6">
-                    <a:lumMod val="75000"/>
-                  </a:schemeClr>
-                </a:solidFill>
-              </a:rPr>
-              <a:t>Activiteit</a:t>
-            </a:r>
-            <a:r>
-              <a:rPr lang="nl-NL" dirty="0"/>
-              <a:t> toegevoegd</a:t>
-            </a:r>
-          </a:p>
-          <a:p>
-            <a:pPr lvl="3"/>
-            <a:r>
-              <a:rPr lang="nl-NL" dirty="0">
-                <a:solidFill>
-                  <a:schemeClr val="accent6">
-                    <a:lumMod val="75000"/>
-                  </a:schemeClr>
-                </a:solidFill>
-              </a:rPr>
-              <a:t>Identificatie</a:t>
-            </a:r>
-            <a:r>
-              <a:rPr lang="nl-NL" dirty="0"/>
-              <a:t>: </a:t>
-            </a:r>
-            <a:r>
-              <a:rPr lang="nl-NL" dirty="0">
-                <a:solidFill>
-                  <a:srgbClr val="000000"/>
-                </a:solidFill>
-                <a:highlight>
-                  <a:srgbClr val="FFFFFF"/>
-                </a:highlight>
-              </a:rPr>
-              <a:t>nl.imow-gm0297.activiteit.2020000685</a:t>
-            </a:r>
-          </a:p>
-          <a:p>
-            <a:pPr lvl="3"/>
-            <a:r>
-              <a:rPr lang="nl-NL" dirty="0">
-                <a:solidFill>
-                  <a:schemeClr val="accent6">
-                    <a:lumMod val="75000"/>
-                  </a:schemeClr>
-                </a:solidFill>
-              </a:rPr>
-              <a:t>Naam</a:t>
-            </a:r>
-            <a:r>
-              <a:rPr lang="nl-NL" dirty="0"/>
-              <a:t>: </a:t>
-            </a:r>
-            <a:r>
-              <a:rPr lang="nl-NL" dirty="0">
-                <a:solidFill>
-                  <a:srgbClr val="000000"/>
-                </a:solidFill>
-                <a:highlight>
-                  <a:srgbClr val="FFFFFF"/>
-                </a:highlight>
-              </a:rPr>
-              <a:t>het exploiteren van een instelling voor cultuur en ontspanning</a:t>
-            </a:r>
-            <a:endParaRPr lang="nl-NL" dirty="0"/>
-          </a:p>
-          <a:p>
-            <a:pPr lvl="2"/>
-            <a:r>
-              <a:rPr lang="nl-NL" dirty="0" err="1"/>
-              <a:t>RegelVoorIedereen</a:t>
-            </a:r>
-            <a:endParaRPr lang="nl-NL" dirty="0"/>
-          </a:p>
-          <a:p>
-            <a:pPr lvl="3"/>
-            <a:r>
-              <a:rPr lang="nl-NL" dirty="0">
-                <a:solidFill>
-                  <a:schemeClr val="accent6">
-                    <a:lumMod val="75000"/>
-                  </a:schemeClr>
-                </a:solidFill>
-              </a:rPr>
-              <a:t>ActiviteitLocatieaanduiding </a:t>
-            </a:r>
-            <a:r>
-              <a:rPr lang="nl-NL" dirty="0"/>
-              <a:t>toegevoegd bij artikel 2.10</a:t>
-            </a:r>
-          </a:p>
-          <a:p>
-            <a:pPr lvl="4"/>
-            <a:r>
-              <a:rPr lang="nl-NL" dirty="0">
-                <a:solidFill>
-                  <a:schemeClr val="accent6">
-                    <a:lumMod val="75000"/>
-                  </a:schemeClr>
-                </a:solidFill>
-              </a:rPr>
-              <a:t>Locatie</a:t>
-            </a:r>
-            <a:r>
-              <a:rPr lang="nl-NL" dirty="0"/>
-              <a:t>: Centrumgebied</a:t>
-            </a:r>
-          </a:p>
-          <a:p>
-            <a:pPr lvl="4"/>
-            <a:r>
-              <a:rPr lang="nl-NL" dirty="0">
-                <a:solidFill>
-                  <a:schemeClr val="accent6">
-                    <a:lumMod val="75000"/>
-                  </a:schemeClr>
-                </a:solidFill>
-              </a:rPr>
-              <a:t>Kwalificatie</a:t>
-            </a:r>
-            <a:r>
-              <a:rPr lang="nl-NL" dirty="0"/>
-              <a:t>: Toegestaan</a:t>
-            </a:r>
-          </a:p>
-        </p:txBody>
-      </p:sp>
+          <p:cNvPicPr>
+            <a:picLocks noChangeAspect="1"/>
+          </p:cNvPicPr>
+          <p:nvPr/>
+        </p:nvPicPr>
+        <p:blipFill>
+          <a:blip r:embed="rId2">
+            <a:extLst>
+              <a:ext uri="{28A0092B-C50C-407E-A947-70E740481C1C}">
+                <a14:useLocalDpi xmlns:a14="http://schemas.microsoft.com/office/drawing/2010/main" val="0"/>
+              </a:ext>
+            </a:extLst>
+          </a:blip>
+          <a:stretch>
+            <a:fillRect/>
+          </a:stretch>
+        </p:blipFill>
+        <p:spPr>
+          <a:xfrm>
+            <a:off x="838200" y="988577"/>
+            <a:ext cx="10162053" cy="5718060"/>
+          </a:xfrm>
+          <a:prstGeom prst="rect">
+            <a:avLst/>
+          </a:prstGeom>
+        </p:spPr>
+      </p:pic>
     </p:spTree>
     <p:extLst>
       <p:ext uri="{BB962C8B-B14F-4D97-AF65-F5344CB8AC3E}">
-        <p14:creationId xmlns:p14="http://schemas.microsoft.com/office/powerpoint/2010/main" val="967536321"/>
+        <p14:creationId xmlns:p14="http://schemas.microsoft.com/office/powerpoint/2010/main" val="1859758457"/>
       </p:ext>
     </p:extLst>
   </p:cSld>
@@ -4289,7 +4147,7 @@
           <p:cNvPr id="2" name="Titel 1">
             <a:extLst>
               <a:ext uri="{FF2B5EF4-FFF2-40B4-BE49-F238E27FC236}">
-                <a16:creationId xmlns:a16="http://schemas.microsoft.com/office/drawing/2014/main" id="{A765CE5F-9786-4D5E-AC7F-F1438162A196}"/>
+                <a16:creationId xmlns:a16="http://schemas.microsoft.com/office/drawing/2014/main" id="{9BB5B7C5-1DED-47EB-86FA-074E4340B130}"/>
               </a:ext>
             </a:extLst>
           </p:cNvPr>
@@ -4307,155 +4165,51 @@
           <a:p>
             <a:r>
               <a:rPr lang="nl-NL" dirty="0"/>
-              <a:t>2) Wijzigen artikelstructuur</a:t>
+              <a:t>2d en 2e) verwijderen en toevoegen Artikel</a:t>
             </a:r>
           </a:p>
         </p:txBody>
       </p:sp>
-      <p:sp>
-        <p:nvSpPr>
-          <p:cNvPr id="3" name="Tijdelijke aanduiding voor inhoud 2">
+      <p:pic>
+        <p:nvPicPr>
+          <p:cNvPr id="4" name="Afbeelding 3">
             <a:extLst>
               <a:ext uri="{FF2B5EF4-FFF2-40B4-BE49-F238E27FC236}">
-                <a16:creationId xmlns:a16="http://schemas.microsoft.com/office/drawing/2014/main" id="{4EDFA96D-1EEF-46A5-97D0-F10B545B2013}"/>
+                <a16:creationId xmlns:a16="http://schemas.microsoft.com/office/drawing/2014/main" id="{DA7CD9DF-27AE-4230-97B7-17E04BC107A6}"/>
               </a:ext>
             </a:extLst>
           </p:cNvPr>
-          <p:cNvSpPr>
-            <a:spLocks noGrp="1"/>
-          </p:cNvSpPr>
-          <p:nvPr>
-            <p:ph idx="1"/>
-          </p:nvPr>
-        </p:nvSpPr>
-        <p:spPr/>
-        <p:txBody>
-          <a:bodyPr>
-            <a:normAutofit/>
-          </a:bodyPr>
-          <a:lstStyle/>
-          <a:p>
-            <a:r>
-              <a:rPr lang="nl-NL" dirty="0">
-                <a:solidFill>
-                  <a:srgbClr val="FF0000"/>
-                </a:solidFill>
-              </a:rPr>
-              <a:t>A) </a:t>
-            </a:r>
-            <a:r>
-              <a:rPr lang="nl-NL" dirty="0" err="1">
-                <a:solidFill>
-                  <a:srgbClr val="FF0000"/>
-                </a:solidFill>
-              </a:rPr>
-              <a:t>hernummer</a:t>
-            </a:r>
-            <a:r>
-              <a:rPr lang="nl-NL" dirty="0">
-                <a:solidFill>
-                  <a:srgbClr val="FF0000"/>
-                </a:solidFill>
-              </a:rPr>
-              <a:t> Artikel 2.5 naar 2.6 (aanpassen), </a:t>
-            </a:r>
-            <a:br>
-              <a:rPr lang="nl-NL" dirty="0">
-                <a:solidFill>
-                  <a:srgbClr val="FF0000"/>
-                </a:solidFill>
-              </a:rPr>
-            </a:br>
-            <a:r>
-              <a:rPr lang="nl-NL" dirty="0">
-                <a:solidFill>
-                  <a:srgbClr val="FF0000"/>
-                </a:solidFill>
-              </a:rPr>
-              <a:t>verwijder hierbij ook 2.6</a:t>
-            </a:r>
-          </a:p>
-          <a:p>
-            <a:r>
-              <a:rPr lang="nl-NL" dirty="0">
-                <a:solidFill>
-                  <a:srgbClr val="FF0000"/>
-                </a:solidFill>
-              </a:rPr>
-              <a:t>B) voeg nieuw 2.5 toe (aanpassen)</a:t>
-            </a:r>
-          </a:p>
-          <a:p>
-            <a:r>
-              <a:rPr lang="nl-NL" dirty="0"/>
-              <a:t>C) verwijderen van Artikel 2.7 Lid 2</a:t>
-            </a:r>
-          </a:p>
-          <a:p>
-            <a:r>
-              <a:rPr lang="nl-NL" dirty="0"/>
-              <a:t>D) verwijderen van Artikel 2.14</a:t>
-            </a:r>
-          </a:p>
-          <a:p>
-            <a:r>
-              <a:rPr lang="nl-NL" dirty="0"/>
-              <a:t>E) nieuw Artikel (2.14) toevoegen</a:t>
-            </a:r>
-          </a:p>
-          <a:p>
-            <a:r>
-              <a:rPr lang="nl-NL" dirty="0">
-                <a:solidFill>
-                  <a:schemeClr val="accent6">
-                    <a:lumMod val="75000"/>
-                  </a:schemeClr>
-                </a:solidFill>
-              </a:rPr>
-              <a:t>F) hernummeren en in (toegevoegde) hoofdstukken verdelen </a:t>
-            </a:r>
-            <a:r>
-              <a:rPr lang="nl-NL" i="1" dirty="0">
-                <a:solidFill>
-                  <a:schemeClr val="accent6">
-                    <a:lumMod val="75000"/>
-                  </a:schemeClr>
-                </a:solidFill>
-              </a:rPr>
-              <a:t>(nog te maken)</a:t>
-            </a:r>
-          </a:p>
-          <a:p>
-            <a:r>
-              <a:rPr lang="nl-NL" dirty="0">
-                <a:solidFill>
-                  <a:schemeClr val="accent6">
-                    <a:lumMod val="75000"/>
-                  </a:schemeClr>
-                </a:solidFill>
-              </a:rPr>
-              <a:t>G) verplaatsen van Artikelen </a:t>
-            </a:r>
-            <a:r>
-              <a:rPr lang="nl-NL" i="1" dirty="0">
-                <a:solidFill>
-                  <a:schemeClr val="accent6">
-                    <a:lumMod val="75000"/>
-                  </a:schemeClr>
-                </a:solidFill>
-              </a:rPr>
-              <a:t>(nog uit te werken in STOP)</a:t>
-            </a:r>
-          </a:p>
-          <a:p>
-            <a:endParaRPr lang="nl-NL" dirty="0"/>
-          </a:p>
-        </p:txBody>
-      </p:sp>
+          <p:cNvPicPr>
+            <a:picLocks noChangeAspect="1"/>
+          </p:cNvPicPr>
+          <p:nvPr/>
+        </p:nvPicPr>
+        <p:blipFill>
+          <a:blip r:embed="rId2">
+            <a:extLst>
+              <a:ext uri="{28A0092B-C50C-407E-A947-70E740481C1C}">
+                <a14:useLocalDpi xmlns:a14="http://schemas.microsoft.com/office/drawing/2010/main" val="0"/>
+              </a:ext>
+            </a:extLst>
+          </a:blip>
+          <a:stretch>
+            <a:fillRect/>
+          </a:stretch>
+        </p:blipFill>
+        <p:spPr>
+          <a:xfrm>
+            <a:off x="664849" y="1367059"/>
+            <a:ext cx="10162053" cy="5718060"/>
+          </a:xfrm>
+          <a:prstGeom prst="rect">
+            <a:avLst/>
+          </a:prstGeom>
+        </p:spPr>
+      </p:pic>
     </p:spTree>
     <p:extLst>
       <p:ext uri="{BB962C8B-B14F-4D97-AF65-F5344CB8AC3E}">
-        <p14:creationId xmlns:p14="http://schemas.microsoft.com/office/powerpoint/2010/main" val="409407637"/>
+        <p14:creationId xmlns:p14="http://schemas.microsoft.com/office/powerpoint/2010/main" val="2905295421"/>
       </p:ext>
     </p:extLst>
   </p:cSld>
@@ -4487,7 +4241,7 @@
           <p:cNvPr id="2" name="Titel 1">
             <a:extLst>
               <a:ext uri="{FF2B5EF4-FFF2-40B4-BE49-F238E27FC236}">
-                <a16:creationId xmlns:a16="http://schemas.microsoft.com/office/drawing/2014/main" id="{8E986EFE-9764-4EF4-9F9F-823B9859B7D0}"/>
+                <a16:creationId xmlns:a16="http://schemas.microsoft.com/office/drawing/2014/main" id="{4807AA1E-3C8C-4DDC-8507-0343C03B691C}"/>
               </a:ext>
             </a:extLst>
           </p:cNvPr>
@@ -4498,63 +4252,91 @@
             <p:ph type="title"/>
           </p:nvPr>
         </p:nvSpPr>
-        <p:spPr>
-          <a:xfrm>
-            <a:off x="592186" y="0"/>
-            <a:ext cx="10515600" cy="1325563"/>
-          </a:xfrm>
-        </p:spPr>
+        <p:spPr/>
         <p:txBody>
           <a:bodyPr/>
           <a:lstStyle/>
           <a:p>
             <a:r>
               <a:rPr lang="nl-NL" dirty="0"/>
-              <a:t>2a en 2b) omwisselen van 2.5 en 2.6</a:t>
+              <a:t>Uitgangspunten OW-wijzigen</a:t>
             </a:r>
           </a:p>
         </p:txBody>
       </p:sp>
-      <p:pic>
-        <p:nvPicPr>
-          <p:cNvPr id="5" name="Afbeelding 4" descr="Afbeelding met schermafbeelding&#10;&#10;Automatisch gegenereerde beschrijving">
+      <p:sp>
+        <p:nvSpPr>
+          <p:cNvPr id="3" name="Tijdelijke aanduiding voor inhoud 2">
             <a:extLst>
               <a:ext uri="{FF2B5EF4-FFF2-40B4-BE49-F238E27FC236}">
-                <a16:creationId xmlns:a16="http://schemas.microsoft.com/office/drawing/2014/main" id="{5034A0F2-311E-4E8F-88D7-54847C81842B}"/>
+                <a16:creationId xmlns:a16="http://schemas.microsoft.com/office/drawing/2014/main" id="{48C74831-36BE-42E0-BA96-C3AD5032EECD}"/>
               </a:ext>
             </a:extLst>
           </p:cNvPr>
-          <p:cNvPicPr>
-            <a:picLocks noChangeAspect="1"/>
-          </p:cNvPicPr>
-          <p:nvPr/>
-        </p:nvPicPr>
-        <p:blipFill>
-          <a:blip r:embed="rId2">
-            <a:extLst>
-              <a:ext uri="{28A0092B-C50C-407E-A947-70E740481C1C}">
-                <a14:useLocalDpi xmlns:a14="http://schemas.microsoft.com/office/drawing/2010/main" val="0"/>
-              </a:ext>
-            </a:extLst>
-          </a:blip>
-          <a:stretch>
-            <a:fillRect/>
-          </a:stretch>
-        </p:blipFill>
-        <p:spPr>
-          <a:xfrm>
-            <a:off x="592186" y="982924"/>
-            <a:ext cx="10162053" cy="5718060"/>
-          </a:xfrm>
-          <a:prstGeom prst="rect">
-            <a:avLst/>
-          </a:prstGeom>
-        </p:spPr>
-      </p:pic>
+          <p:cNvSpPr>
+            <a:spLocks noGrp="1"/>
+          </p:cNvSpPr>
+          <p:nvPr>
+            <p:ph idx="1"/>
+          </p:nvPr>
+        </p:nvSpPr>
+        <p:spPr/>
+        <p:txBody>
+          <a:bodyPr/>
+          <a:lstStyle/>
+          <a:p>
+            <a:pPr marL="514350" indent="-514350">
+              <a:buFont typeface="+mj-lt"/>
+              <a:buAutoNum type="arabicPeriod"/>
+            </a:pPr>
+            <a:r>
+              <a:rPr lang="nl-NL" dirty="0"/>
+              <a:t>Bij een nieuw object krijgt dit gewoon een nieuwe identificatie (zoals bij een ‘gewone’ aanlevering)</a:t>
+            </a:r>
+          </a:p>
+          <a:p>
+            <a:pPr marL="514350" indent="-514350">
+              <a:buFont typeface="+mj-lt"/>
+              <a:buAutoNum type="arabicPeriod"/>
+            </a:pPr>
+            <a:r>
+              <a:rPr lang="nl-NL" dirty="0"/>
+              <a:t>Bij het muteren van een object wordt dezelfde identificatie meegegeven, maar andere inhoud van attributen.</a:t>
+            </a:r>
+          </a:p>
+          <a:p>
+            <a:pPr marL="514350" indent="-514350">
+              <a:buFont typeface="+mj-lt"/>
+              <a:buAutoNum type="arabicPeriod"/>
+            </a:pPr>
+            <a:r>
+              <a:rPr lang="nl-NL" dirty="0"/>
+              <a:t>Bij het verwijderen van een object wordt een status ‘Beëindigen’ meegegeven. </a:t>
+            </a:r>
+          </a:p>
+          <a:p>
+            <a:pPr marL="514350" indent="-514350">
+              <a:buFont typeface="+mj-lt"/>
+              <a:buAutoNum type="arabicPeriod"/>
+            </a:pPr>
+            <a:r>
+              <a:rPr lang="nl-NL" dirty="0"/>
+              <a:t>Er worden altijd alleen wijzigingen aangeleverd. </a:t>
+            </a:r>
+            <a:br>
+              <a:rPr lang="nl-NL" dirty="0"/>
+            </a:br>
+            <a:br>
+              <a:rPr lang="nl-NL" dirty="0"/>
+            </a:br>
+            <a:endParaRPr lang="nl-NL" dirty="0"/>
+          </a:p>
+        </p:txBody>
+      </p:sp>
     </p:spTree>
     <p:extLst>
       <p:ext uri="{BB962C8B-B14F-4D97-AF65-F5344CB8AC3E}">
-        <p14:creationId xmlns:p14="http://schemas.microsoft.com/office/powerpoint/2010/main" val="2650006355"/>
+        <p14:creationId xmlns:p14="http://schemas.microsoft.com/office/powerpoint/2010/main" val="2780136624"/>
       </p:ext>
     </p:extLst>
   </p:cSld>
@@ -4586,7 +4368,7 @@
           <p:cNvPr id="2" name="Titel 1">
             <a:extLst>
               <a:ext uri="{FF2B5EF4-FFF2-40B4-BE49-F238E27FC236}">
-                <a16:creationId xmlns:a16="http://schemas.microsoft.com/office/drawing/2014/main" id="{824F50C1-FF88-44A8-BC4A-2BC372910ACD}"/>
+                <a16:creationId xmlns:a16="http://schemas.microsoft.com/office/drawing/2014/main" id="{DB834981-2FD6-41E0-AB3D-450680960569}"/>
               </a:ext>
             </a:extLst>
           </p:cNvPr>
@@ -4599,7 +4381,7 @@
         </p:nvSpPr>
         <p:spPr>
           <a:xfrm>
-            <a:off x="838200" y="0"/>
+            <a:off x="838200" y="-106824"/>
             <a:ext cx="10515600" cy="1325563"/>
           </a:xfrm>
         </p:spPr>
@@ -4608,8 +4390,12 @@
           <a:lstStyle/>
           <a:p>
             <a:r>
-              <a:rPr lang="nl-NL" dirty="0"/>
-              <a:t>2c) Verwijderen van lid</a:t>
+              <a:rPr lang="nl-NL" b="1" dirty="0"/>
+              <a:t>3a</a:t>
+            </a:r>
+            <a:r>
+              <a:rPr lang="nl-NL" dirty="0"/>
+              <a:t>) wijziging van de tekst van het artikel, zonder overige implicaties</a:t>
             </a:r>
           </a:p>
         </p:txBody>
@@ -4619,7 +4405,7 @@
           <p:cNvPr id="7" name="Afbeelding 6" descr="Afbeelding met schermafbeelding&#10;&#10;Automatisch gegenereerde beschrijving">
             <a:extLst>
               <a:ext uri="{FF2B5EF4-FFF2-40B4-BE49-F238E27FC236}">
-                <a16:creationId xmlns:a16="http://schemas.microsoft.com/office/drawing/2014/main" id="{800CA2A7-D1BB-4078-9C7F-0052D6F31BFB}"/>
+                <a16:creationId xmlns:a16="http://schemas.microsoft.com/office/drawing/2014/main" id="{9FC540F7-D459-4403-B29D-34301C9A0E30}"/>
               </a:ext>
             </a:extLst>
           </p:cNvPr>
@@ -4642,7 +4428,7 @@
         </p:blipFill>
         <p:spPr>
           <a:xfrm>
-            <a:off x="838200" y="988577"/>
+            <a:off x="641347" y="1027906"/>
             <a:ext cx="10162053" cy="5718060"/>
           </a:xfrm>
           <a:prstGeom prst="rect">
@@ -4653,7 +4439,7 @@
     </p:spTree>
     <p:extLst>
       <p:ext uri="{BB962C8B-B14F-4D97-AF65-F5344CB8AC3E}">
-        <p14:creationId xmlns:p14="http://schemas.microsoft.com/office/powerpoint/2010/main" val="1859758457"/>
+        <p14:creationId xmlns:p14="http://schemas.microsoft.com/office/powerpoint/2010/main" val="2215200265"/>
       </p:ext>
     </p:extLst>
   </p:cSld>
@@ -4685,7 +4471,7 @@
           <p:cNvPr id="2" name="Titel 1">
             <a:extLst>
               <a:ext uri="{FF2B5EF4-FFF2-40B4-BE49-F238E27FC236}">
-                <a16:creationId xmlns:a16="http://schemas.microsoft.com/office/drawing/2014/main" id="{9BB5B7C5-1DED-47EB-86FA-074E4340B130}"/>
+                <a16:creationId xmlns:a16="http://schemas.microsoft.com/office/drawing/2014/main" id="{CBCDAE21-FCD9-4B51-B867-EB5C2E23CC4B}"/>
               </a:ext>
             </a:extLst>
           </p:cNvPr>
@@ -4696,24 +4482,47 @@
             <p:ph type="title"/>
           </p:nvPr>
         </p:nvSpPr>
-        <p:spPr/>
+        <p:spPr>
+          <a:xfrm>
+            <a:off x="769166" y="207808"/>
+            <a:ext cx="10515600" cy="1325563"/>
+          </a:xfrm>
+        </p:spPr>
         <p:txBody>
-          <a:bodyPr/>
+          <a:bodyPr>
+            <a:normAutofit fontScale="90000"/>
+          </a:bodyPr>
           <a:lstStyle/>
           <a:p>
             <a:r>
-              <a:rPr lang="nl-NL" dirty="0"/>
-              <a:t>2d en 2e) verwijderen en toevoegen Artikel</a:t>
-            </a:r>
+              <a:rPr lang="nl-NL" b="1" dirty="0"/>
+              <a:t>3b</a:t>
+            </a:r>
+            <a:r>
+              <a:rPr lang="nl-NL" dirty="0"/>
+              <a:t>)</a:t>
+            </a:r>
+            <a:r>
+              <a:rPr lang="nl-NL" b="1" dirty="0"/>
+              <a:t> </a:t>
+            </a:r>
+            <a:r>
+              <a:rPr lang="nl-NL" dirty="0"/>
+              <a:t>wijziging van de tekst van het artikel, waarbij de activiteit wordt aangepast</a:t>
+            </a:r>
+            <a:br>
+              <a:rPr lang="nl-NL" dirty="0"/>
+            </a:br>
+            <a:endParaRPr lang="nl-NL" dirty="0"/>
           </a:p>
         </p:txBody>
       </p:sp>
       <p:pic>
         <p:nvPicPr>
-          <p:cNvPr id="4" name="Afbeelding 3">
+          <p:cNvPr id="7" name="Afbeelding 6" descr="Afbeelding met schermafbeelding&#10;&#10;Automatisch gegenereerde beschrijving">
             <a:extLst>
               <a:ext uri="{FF2B5EF4-FFF2-40B4-BE49-F238E27FC236}">
-                <a16:creationId xmlns:a16="http://schemas.microsoft.com/office/drawing/2014/main" id="{DA7CD9DF-27AE-4230-97B7-17E04BC107A6}"/>
+                <a16:creationId xmlns:a16="http://schemas.microsoft.com/office/drawing/2014/main" id="{9303848A-036A-4A2B-B005-A0BCA2795114}"/>
               </a:ext>
             </a:extLst>
           </p:cNvPr>
@@ -4736,7 +4545,7 @@
         </p:blipFill>
         <p:spPr>
           <a:xfrm>
-            <a:off x="664849" y="1367059"/>
+            <a:off x="769166" y="1139940"/>
             <a:ext cx="10162053" cy="5718060"/>
           </a:xfrm>
           <a:prstGeom prst="rect">
@@ -4747,7 +4556,7 @@
     </p:spTree>
     <p:extLst>
       <p:ext uri="{BB962C8B-B14F-4D97-AF65-F5344CB8AC3E}">
-        <p14:creationId xmlns:p14="http://schemas.microsoft.com/office/powerpoint/2010/main" val="2905295421"/>
+        <p14:creationId xmlns:p14="http://schemas.microsoft.com/office/powerpoint/2010/main" val="251184934"/>
       </p:ext>
     </p:extLst>
   </p:cSld>
@@ -4779,7 +4588,7 @@
           <p:cNvPr id="2" name="Titel 1">
             <a:extLst>
               <a:ext uri="{FF2B5EF4-FFF2-40B4-BE49-F238E27FC236}">
-                <a16:creationId xmlns:a16="http://schemas.microsoft.com/office/drawing/2014/main" id="{4807AA1E-3C8C-4DDC-8507-0343C03B691C}"/>
+                <a16:creationId xmlns:a16="http://schemas.microsoft.com/office/drawing/2014/main" id="{09EE4764-1D94-47EF-825A-30DBBAB2F6FE}"/>
               </a:ext>
             </a:extLst>
           </p:cNvPr>
@@ -4792,13 +4601,31 @@
         </p:nvSpPr>
         <p:spPr/>
         <p:txBody>
-          <a:bodyPr/>
+          <a:bodyPr>
+            <a:normAutofit fontScale="90000"/>
+          </a:bodyPr>
           <a:lstStyle/>
           <a:p>
             <a:r>
-              <a:rPr lang="nl-NL" dirty="0"/>
-              <a:t>Uitgangspunten OW-wijzigen</a:t>
-            </a:r>
+              <a:rPr lang="nl-NL" b="1" dirty="0"/>
+              <a:t>3c</a:t>
+            </a:r>
+            <a:r>
+              <a:rPr lang="nl-NL" dirty="0"/>
+              <a:t>)</a:t>
+            </a:r>
+            <a:r>
+              <a:rPr lang="nl-NL" b="1" dirty="0"/>
+              <a:t> </a:t>
+            </a:r>
+            <a:r>
+              <a:rPr lang="nl-NL" dirty="0"/>
+              <a:t>wijziging van de tekst van het artikel, inclusief het toevoegen van een GIO</a:t>
+            </a:r>
+            <a:br>
+              <a:rPr lang="nl-NL" dirty="0"/>
+            </a:br>
+            <a:endParaRPr lang="nl-NL" dirty="0"/>
           </a:p>
         </p:txBody>
       </p:sp>
@@ -4807,7 +4634,7 @@
           <p:cNvPr id="3" name="Tijdelijke aanduiding voor inhoud 2">
             <a:extLst>
               <a:ext uri="{FF2B5EF4-FFF2-40B4-BE49-F238E27FC236}">
-                <a16:creationId xmlns:a16="http://schemas.microsoft.com/office/drawing/2014/main" id="{48C74831-36BE-42E0-BA96-C3AD5032EECD}"/>
+                <a16:creationId xmlns:a16="http://schemas.microsoft.com/office/drawing/2014/main" id="{EEC8CDA3-BE46-4037-968E-FC59E6B41B70}"/>
               </a:ext>
             </a:extLst>
           </p:cNvPr>
@@ -4818,55 +4645,270 @@
             <p:ph idx="1"/>
           </p:nvPr>
         </p:nvSpPr>
-        <p:spPr/>
+        <p:spPr>
+          <a:xfrm>
+            <a:off x="838200" y="1566333"/>
+            <a:ext cx="10515600" cy="4610630"/>
+          </a:xfrm>
+        </p:spPr>
         <p:txBody>
-          <a:bodyPr/>
+          <a:bodyPr>
+            <a:normAutofit fontScale="85000" lnSpcReduction="20000"/>
+          </a:bodyPr>
           <a:lstStyle/>
           <a:p>
-            <a:pPr marL="514350" indent="-514350">
-              <a:buFont typeface="+mj-lt"/>
-              <a:buAutoNum type="arabicPeriod"/>
-            </a:pPr>
-            <a:r>
-              <a:rPr lang="nl-NL" dirty="0"/>
-              <a:t>Bij een nieuw object krijgt dit gewoon een nieuwe identificatie (zoals bij een ‘gewone’ aanlevering)</a:t>
-            </a:r>
-          </a:p>
-          <a:p>
-            <a:pPr marL="514350" indent="-514350">
-              <a:buFont typeface="+mj-lt"/>
-              <a:buAutoNum type="arabicPeriod"/>
-            </a:pPr>
-            <a:r>
-              <a:rPr lang="nl-NL" dirty="0"/>
-              <a:t>Bij het muteren van een object wordt dezelfde identificatie meegegeven, maar andere inhoud van attributen.</a:t>
-            </a:r>
-          </a:p>
-          <a:p>
-            <a:pPr marL="514350" indent="-514350">
-              <a:buFont typeface="+mj-lt"/>
-              <a:buAutoNum type="arabicPeriod"/>
-            </a:pPr>
-            <a:r>
-              <a:rPr lang="nl-NL" dirty="0"/>
-              <a:t>Bij het verwijderen van een object wordt een status ‘Beëindigen’ meegegeven. </a:t>
-            </a:r>
-          </a:p>
-          <a:p>
-            <a:pPr marL="514350" indent="-514350">
-              <a:buFont typeface="+mj-lt"/>
-              <a:buAutoNum type="arabicPeriod"/>
-            </a:pPr>
-            <a:r>
-              <a:rPr lang="nl-NL" dirty="0"/>
-              <a:t>Er worden altijd alleen wijzigingen aangeleverd. </a:t>
-            </a:r>
-            <a:br>
-              <a:rPr lang="nl-NL" dirty="0"/>
-            </a:br>
-            <a:br>
-              <a:rPr lang="nl-NL" dirty="0"/>
-            </a:br>
+            <a:r>
+              <a:rPr lang="nl-NL" dirty="0"/>
+              <a:t>In dit mutatiescenario:</a:t>
+            </a:r>
+          </a:p>
+          <a:p>
+            <a:pPr lvl="1"/>
+            <a:r>
+              <a:rPr lang="nl-NL" dirty="0"/>
+              <a:t>Artikel: 2.10</a:t>
+            </a:r>
+          </a:p>
+          <a:p>
+            <a:pPr lvl="2"/>
+            <a:r>
+              <a:rPr lang="nl-NL" dirty="0"/>
+              <a:t>Ter plaatse van het werkingsgebied van de functie 'Centrumgebied' mag de locatie in ieder geval worden gebruikt voor het verrichten van de volgende gebruiksactiviteiten:</a:t>
+            </a:r>
+          </a:p>
+          <a:p>
+            <a:pPr lvl="3"/>
+            <a:r>
+              <a:rPr lang="nl-NL" dirty="0"/>
+              <a:t>het exploiteren van een </a:t>
+            </a:r>
+            <a:r>
+              <a:rPr lang="nl-NL" dirty="0">
+                <a:solidFill>
+                  <a:schemeClr val="accent1"/>
+                </a:solidFill>
+              </a:rPr>
+              <a:t>kantoorruimte, zoals geduid in de GIO ‘kantoorruimte’. (Besluit) </a:t>
+            </a:r>
+          </a:p>
+          <a:p>
+            <a:pPr lvl="3"/>
+            <a:r>
+              <a:rPr lang="nl-NL" dirty="0">
+                <a:solidFill>
+                  <a:schemeClr val="accent1"/>
+                </a:solidFill>
+              </a:rPr>
+              <a:t>Toevoegen van een nieuwe GIO </a:t>
+            </a:r>
+          </a:p>
+          <a:p>
+            <a:pPr lvl="3"/>
+            <a:r>
+              <a:rPr lang="nl-NL" dirty="0">
+                <a:solidFill>
+                  <a:schemeClr val="accent1"/>
+                </a:solidFill>
+              </a:rPr>
+              <a:t>Regeltekst aanpassen</a:t>
+            </a:r>
+          </a:p>
+          <a:p>
+            <a:pPr lvl="1"/>
+            <a:r>
+              <a:rPr lang="nl-NL" dirty="0">
+                <a:solidFill>
+                  <a:schemeClr val="accent6"/>
+                </a:solidFill>
+              </a:rPr>
+              <a:t>Aanpassingen voor: gebied, gebiedsaanwijzing (functie) en juridische regel</a:t>
+            </a:r>
+            <a:endParaRPr lang="nl-NL" i="1" dirty="0">
+              <a:solidFill>
+                <a:schemeClr val="accent6"/>
+              </a:solidFill>
+            </a:endParaRPr>
+          </a:p>
+          <a:p>
+            <a:pPr lvl="2"/>
+            <a:r>
+              <a:rPr lang="nl-NL" dirty="0">
+                <a:solidFill>
+                  <a:schemeClr val="accent6"/>
+                </a:solidFill>
+              </a:rPr>
+              <a:t>Gebied (nieuw): Nl.imow-gm0037.gebied.2020000001. </a:t>
+            </a:r>
+          </a:p>
+          <a:p>
+            <a:pPr lvl="3"/>
+            <a:r>
+              <a:rPr lang="nl-NL" dirty="0">
+                <a:solidFill>
+                  <a:schemeClr val="accent6"/>
+                </a:solidFill>
+              </a:rPr>
+              <a:t>In dit gebied verwijs je naar de GIO ‘kantoorruimte’.</a:t>
+            </a:r>
+          </a:p>
+          <a:p>
+            <a:pPr lvl="2"/>
+            <a:r>
+              <a:rPr lang="nl-NL" dirty="0">
+                <a:solidFill>
+                  <a:schemeClr val="accent6"/>
+                </a:solidFill>
+              </a:rPr>
+              <a:t>Gebiedsaanwijzing (nieuw): Nl.imow-gm0037.gebiedsaanwijzing.2020000001</a:t>
+            </a:r>
+          </a:p>
+          <a:p>
+            <a:pPr lvl="3"/>
+            <a:r>
+              <a:rPr lang="nl-NL" dirty="0">
+                <a:solidFill>
+                  <a:schemeClr val="accent6"/>
+                </a:solidFill>
+              </a:rPr>
+              <a:t>Type = ‘http://standaarden.omgevingswet.overheid.nl/</a:t>
+            </a:r>
+            <a:r>
+              <a:rPr lang="nl-NL" dirty="0" err="1">
+                <a:solidFill>
+                  <a:schemeClr val="accent6"/>
+                </a:solidFill>
+              </a:rPr>
+              <a:t>typegebiedsaanwijzing</a:t>
+            </a:r>
+            <a:r>
+              <a:rPr lang="nl-NL" dirty="0">
+                <a:solidFill>
+                  <a:schemeClr val="accent6"/>
+                </a:solidFill>
+              </a:rPr>
+              <a:t>/</a:t>
+            </a:r>
+            <a:r>
+              <a:rPr lang="nl-NL" dirty="0" err="1">
+                <a:solidFill>
+                  <a:schemeClr val="accent6"/>
+                </a:solidFill>
+              </a:rPr>
+              <a:t>id</a:t>
+            </a:r>
+            <a:r>
+              <a:rPr lang="nl-NL" dirty="0">
+                <a:solidFill>
+                  <a:schemeClr val="accent6"/>
+                </a:solidFill>
+              </a:rPr>
+              <a:t>/concept/Functie’</a:t>
+            </a:r>
+          </a:p>
+          <a:p>
+            <a:pPr lvl="3"/>
+            <a:r>
+              <a:rPr lang="nl-NL" dirty="0">
+                <a:solidFill>
+                  <a:schemeClr val="accent6"/>
+                </a:solidFill>
+              </a:rPr>
+              <a:t>Groep = ‘http://standaarden.omgevingswet.overheid.nl/functie/</a:t>
+            </a:r>
+            <a:r>
+              <a:rPr lang="nl-NL" dirty="0" err="1">
+                <a:solidFill>
+                  <a:schemeClr val="accent6"/>
+                </a:solidFill>
+              </a:rPr>
+              <a:t>id</a:t>
+            </a:r>
+            <a:r>
+              <a:rPr lang="nl-NL" dirty="0">
+                <a:solidFill>
+                  <a:schemeClr val="accent6"/>
+                </a:solidFill>
+              </a:rPr>
+              <a:t>/concept/Kantoorlocatie’</a:t>
+            </a:r>
+          </a:p>
+          <a:p>
+            <a:pPr lvl="3"/>
+            <a:r>
+              <a:rPr lang="nl-NL" dirty="0">
+                <a:solidFill>
+                  <a:schemeClr val="accent6"/>
+                </a:solidFill>
+              </a:rPr>
+              <a:t>noemer = ‘kantoorruimte’</a:t>
+            </a:r>
+          </a:p>
+          <a:p>
+            <a:pPr lvl="2"/>
+            <a:r>
+              <a:rPr lang="nl-NL" dirty="0" err="1">
+                <a:solidFill>
+                  <a:schemeClr val="accent6"/>
+                </a:solidFill>
+              </a:rPr>
+              <a:t>RegelVoorIedereen</a:t>
+            </a:r>
+            <a:r>
+              <a:rPr lang="nl-NL" dirty="0">
+                <a:solidFill>
+                  <a:schemeClr val="accent6"/>
+                </a:solidFill>
+              </a:rPr>
+              <a:t> (aanpassing): nl.imow-gm0297.juridischeregel.2019000014</a:t>
+            </a:r>
+          </a:p>
+          <a:p>
+            <a:pPr lvl="3"/>
+            <a:r>
+              <a:rPr lang="nl-NL" dirty="0" err="1">
+                <a:solidFill>
+                  <a:schemeClr val="accent6"/>
+                </a:solidFill>
+              </a:rPr>
+              <a:t>ActiviteitRef</a:t>
+            </a:r>
+            <a:r>
+              <a:rPr lang="nl-NL" dirty="0">
+                <a:solidFill>
+                  <a:schemeClr val="accent6"/>
+                </a:solidFill>
+              </a:rPr>
+              <a:t>: nl.imow-gm0297.activiteit.2019000680 (‘exploiteren van een kantoor’)</a:t>
+            </a:r>
+          </a:p>
+          <a:p>
+            <a:pPr lvl="3"/>
+            <a:r>
+              <a:rPr lang="nl-NL" dirty="0">
+                <a:solidFill>
+                  <a:schemeClr val="accent6"/>
+                </a:solidFill>
+              </a:rPr>
+              <a:t>locatieaanduiding nl.imow-gm0297.gebied.2019000004 (‘Centrumgebied’ ) wordt nl.imow-gm0297.gebied.2020000001 (‘Kantoorruimte’)</a:t>
+            </a:r>
+          </a:p>
+          <a:p>
+            <a:pPr lvl="1"/>
+            <a:endParaRPr lang="nl-NL" i="1" dirty="0">
+              <a:solidFill>
+                <a:schemeClr val="accent6"/>
+              </a:solidFill>
+            </a:endParaRPr>
+          </a:p>
+          <a:p>
+            <a:pPr lvl="1"/>
+            <a:endParaRPr lang="nl-NL" dirty="0">
+              <a:solidFill>
+                <a:schemeClr val="accent6"/>
+              </a:solidFill>
+            </a:endParaRPr>
+          </a:p>
+          <a:p>
             <a:endParaRPr lang="nl-NL" dirty="0"/>
           </a:p>
         </p:txBody>
@@ -4874,7 +4916,7 @@
     </p:spTree>
     <p:extLst>
       <p:ext uri="{BB962C8B-B14F-4D97-AF65-F5344CB8AC3E}">
-        <p14:creationId xmlns:p14="http://schemas.microsoft.com/office/powerpoint/2010/main" val="2780136624"/>
+        <p14:creationId xmlns:p14="http://schemas.microsoft.com/office/powerpoint/2010/main" val="1142416558"/>
       </p:ext>
     </p:extLst>
   </p:cSld>
@@ -4906,7 +4948,7 @@
           <p:cNvPr id="2" name="Titel 1">
             <a:extLst>
               <a:ext uri="{FF2B5EF4-FFF2-40B4-BE49-F238E27FC236}">
-                <a16:creationId xmlns:a16="http://schemas.microsoft.com/office/drawing/2014/main" id="{DB834981-2FD6-41E0-AB3D-450680960569}"/>
+                <a16:creationId xmlns:a16="http://schemas.microsoft.com/office/drawing/2014/main" id="{31829385-1F91-4EEE-9659-6CA14A8584CD}"/>
               </a:ext>
             </a:extLst>
           </p:cNvPr>
@@ -4917,67 +4959,273 @@
             <p:ph type="title"/>
           </p:nvPr>
         </p:nvSpPr>
-        <p:spPr>
-          <a:xfrm>
-            <a:off x="838200" y="-106824"/>
-            <a:ext cx="10515600" cy="1325563"/>
-          </a:xfrm>
-        </p:spPr>
+        <p:spPr/>
         <p:txBody>
           <a:bodyPr/>
           <a:lstStyle/>
           <a:p>
             <a:r>
               <a:rPr lang="nl-NL" b="1" dirty="0"/>
-              <a:t>3a</a:t>
-            </a:r>
-            <a:r>
-              <a:rPr lang="nl-NL" dirty="0"/>
-              <a:t>) wijziging van de tekst van het artikel, zonder overige implicaties</a:t>
+              <a:t>3d</a:t>
+            </a:r>
+            <a:r>
+              <a:rPr lang="nl-NL" dirty="0"/>
+              <a:t>) verwijderen van het artikel, inclusief het verwijderen van een GIO</a:t>
             </a:r>
           </a:p>
         </p:txBody>
       </p:sp>
-      <p:pic>
-        <p:nvPicPr>
-          <p:cNvPr id="7" name="Afbeelding 6" descr="Afbeelding met schermafbeelding&#10;&#10;Automatisch gegenereerde beschrijving">
+      <p:sp>
+        <p:nvSpPr>
+          <p:cNvPr id="3" name="Tijdelijke aanduiding voor inhoud 2">
             <a:extLst>
               <a:ext uri="{FF2B5EF4-FFF2-40B4-BE49-F238E27FC236}">
-                <a16:creationId xmlns:a16="http://schemas.microsoft.com/office/drawing/2014/main" id="{9FC540F7-D459-4403-B29D-34301C9A0E30}"/>
+                <a16:creationId xmlns:a16="http://schemas.microsoft.com/office/drawing/2014/main" id="{D61C3116-85D5-4FED-B9E6-8BC2BEED0216}"/>
               </a:ext>
             </a:extLst>
           </p:cNvPr>
-          <p:cNvPicPr>
-            <a:picLocks noChangeAspect="1"/>
-          </p:cNvPicPr>
-          <p:nvPr/>
-        </p:nvPicPr>
-        <p:blipFill>
-          <a:blip r:embed="rId2">
-            <a:extLst>
-              <a:ext uri="{28A0092B-C50C-407E-A947-70E740481C1C}">
-                <a14:useLocalDpi xmlns:a14="http://schemas.microsoft.com/office/drawing/2010/main" val="0"/>
-              </a:ext>
-            </a:extLst>
-          </a:blip>
-          <a:stretch>
-            <a:fillRect/>
-          </a:stretch>
-        </p:blipFill>
-        <p:spPr>
-          <a:xfrm>
-            <a:off x="641347" y="1027906"/>
-            <a:ext cx="10162053" cy="5718060"/>
-          </a:xfrm>
-          <a:prstGeom prst="rect">
-            <a:avLst/>
-          </a:prstGeom>
-        </p:spPr>
-      </p:pic>
+          <p:cNvSpPr>
+            <a:spLocks noGrp="1"/>
+          </p:cNvSpPr>
+          <p:nvPr>
+            <p:ph idx="1"/>
+          </p:nvPr>
+        </p:nvSpPr>
+        <p:spPr/>
+        <p:txBody>
+          <a:bodyPr>
+            <a:normAutofit fontScale="70000" lnSpcReduction="20000"/>
+          </a:bodyPr>
+          <a:lstStyle/>
+          <a:p>
+            <a:r>
+              <a:rPr lang="nl-NL" dirty="0"/>
+              <a:t>In dit mutatiescenario </a:t>
+            </a:r>
+            <a:r>
+              <a:rPr lang="nl-NL" sz="1200" dirty="0"/>
+              <a:t>(#</a:t>
+            </a:r>
+            <a:r>
+              <a:rPr lang="nl-NL" sz="1200" dirty="0" err="1"/>
+              <a:t>doeiStikstofCrisis</a:t>
+            </a:r>
+            <a:r>
+              <a:rPr lang="nl-NL" sz="1200" dirty="0"/>
+              <a:t>)</a:t>
+            </a:r>
+          </a:p>
+          <a:p>
+            <a:pPr lvl="1"/>
+            <a:r>
+              <a:rPr lang="nl-NL" dirty="0"/>
+              <a:t>Hoofdstuk 2</a:t>
+            </a:r>
+          </a:p>
+          <a:p>
+            <a:pPr lvl="2"/>
+            <a:r>
+              <a:rPr lang="nl-NL" dirty="0"/>
+              <a:t>Afdeling 2.4</a:t>
+            </a:r>
+          </a:p>
+          <a:p>
+            <a:pPr lvl="3"/>
+            <a:r>
+              <a:rPr lang="nl-NL" dirty="0"/>
+              <a:t>(</a:t>
+            </a:r>
+            <a:r>
+              <a:rPr lang="nl-NL" b="1" dirty="0">
+                <a:solidFill>
+                  <a:srgbClr val="FF0000"/>
+                </a:solidFill>
+              </a:rPr>
+              <a:t>VERVALLEN</a:t>
+            </a:r>
+            <a:r>
+              <a:rPr lang="nl-NL" dirty="0"/>
+              <a:t>) Artikel 2.12 Omgevingswaarde stikstofdioxide </a:t>
+            </a:r>
+            <a:r>
+              <a:rPr lang="nl-NL" dirty="0">
+                <a:solidFill>
+                  <a:srgbClr val="FF0000"/>
+                </a:solidFill>
+              </a:rPr>
+              <a:t>Einddatum </a:t>
+            </a:r>
+          </a:p>
+          <a:p>
+            <a:pPr lvl="2"/>
+            <a:r>
+              <a:rPr lang="nl-NL" dirty="0"/>
+              <a:t>Afdeling 2.5 </a:t>
+            </a:r>
+          </a:p>
+          <a:p>
+            <a:pPr lvl="3"/>
+            <a:r>
+              <a:rPr lang="nl-NL" dirty="0"/>
+              <a:t>Artikel 2.13: Omgevingsplanactiviteiten bouwen </a:t>
+            </a:r>
+          </a:p>
+          <a:p>
+            <a:pPr lvl="3"/>
+            <a:r>
+              <a:rPr lang="nl-NL" dirty="0"/>
+              <a:t>Artikel 2.14: Bouwregels geluidsgevoelige gebouwen</a:t>
+            </a:r>
+          </a:p>
+          <a:p>
+            <a:pPr lvl="3"/>
+            <a:r>
+              <a:rPr lang="nl-NL" dirty="0"/>
+              <a:t>Artikel 2.15: Bouwregels bedrijfsgebouwen</a:t>
+            </a:r>
+          </a:p>
+          <a:p>
+            <a:r>
+              <a:rPr lang="nl-NL" dirty="0">
+                <a:solidFill>
+                  <a:schemeClr val="accent1"/>
+                </a:solidFill>
+              </a:rPr>
+              <a:t>Beëindigen (</a:t>
+            </a:r>
+            <a:r>
+              <a:rPr lang="nl-NL" i="1" dirty="0">
+                <a:solidFill>
+                  <a:schemeClr val="accent1"/>
+                </a:solidFill>
+              </a:rPr>
+              <a:t>uitzetten/deactiveren) </a:t>
+            </a:r>
+            <a:r>
+              <a:rPr lang="nl-NL" dirty="0">
+                <a:solidFill>
+                  <a:schemeClr val="accent1"/>
+                </a:solidFill>
+              </a:rPr>
+              <a:t>van GIO ‘Zuilichem’(begrippenlijst aanpassen) </a:t>
+            </a:r>
+          </a:p>
+          <a:p>
+            <a:r>
+              <a:rPr lang="nl-NL" dirty="0">
+                <a:solidFill>
+                  <a:schemeClr val="accent6"/>
+                </a:solidFill>
+              </a:rPr>
+              <a:t>Beëindigen van regeltekst (nl.imow-gm0297.regeltekst.2019000009) </a:t>
+            </a:r>
+            <a:r>
+              <a:rPr lang="nl-NL" i="1" dirty="0">
+                <a:solidFill>
+                  <a:schemeClr val="accent6"/>
+                </a:solidFill>
+              </a:rPr>
+              <a:t>(OP-status ‘B’ = beëindigd)</a:t>
+            </a:r>
+          </a:p>
+          <a:p>
+            <a:r>
+              <a:rPr lang="nl-NL" dirty="0">
+                <a:solidFill>
+                  <a:schemeClr val="accent6"/>
+                </a:solidFill>
+              </a:rPr>
+              <a:t>Beëindigen van Juridische regel (Omgevingswaarderegel nl.imow-gm0297.juridischeregel.2019000015) </a:t>
+            </a:r>
+            <a:r>
+              <a:rPr lang="nl-NL" i="1" dirty="0">
+                <a:solidFill>
+                  <a:schemeClr val="accent6"/>
+                </a:solidFill>
+              </a:rPr>
+              <a:t>(OW-status ‘B’ = beëindigd)</a:t>
+            </a:r>
+            <a:endParaRPr lang="nl-NL" dirty="0">
+              <a:solidFill>
+                <a:schemeClr val="accent6"/>
+              </a:solidFill>
+            </a:endParaRPr>
+          </a:p>
+          <a:p>
+            <a:r>
+              <a:rPr lang="nl-NL" strike="sngStrike" dirty="0">
+                <a:solidFill>
+                  <a:schemeClr val="accent6"/>
+                </a:solidFill>
+              </a:rPr>
+              <a:t>Beëindigen van normwaarde (nl.imow-gm0037.normwaarde.20190001). </a:t>
+            </a:r>
+            <a:r>
+              <a:rPr lang="nl-NL" i="1" strike="sngStrike" dirty="0">
+                <a:solidFill>
+                  <a:schemeClr val="accent6"/>
+                </a:solidFill>
+              </a:rPr>
+              <a:t>(status ‘Beëindigd’)</a:t>
+            </a:r>
+            <a:endParaRPr lang="nl-NL" strike="sngStrike" dirty="0">
+              <a:solidFill>
+                <a:schemeClr val="accent6"/>
+              </a:solidFill>
+            </a:endParaRPr>
+          </a:p>
+          <a:p>
+            <a:r>
+              <a:rPr lang="nl-NL" dirty="0">
+                <a:solidFill>
+                  <a:schemeClr val="accent6"/>
+                </a:solidFill>
+              </a:rPr>
+              <a:t>Beëindigen van omgevingswaarde (nl.imow-gm0297.omgevingswaarde.2019000001) </a:t>
+            </a:r>
+            <a:r>
+              <a:rPr lang="nl-NL" i="1" dirty="0">
+                <a:solidFill>
+                  <a:schemeClr val="accent6"/>
+                </a:solidFill>
+              </a:rPr>
+              <a:t>(status ‘B’ = beëindigd)</a:t>
+            </a:r>
+            <a:endParaRPr lang="nl-NL" dirty="0">
+              <a:solidFill>
+                <a:schemeClr val="accent6"/>
+              </a:solidFill>
+            </a:endParaRPr>
+          </a:p>
+          <a:p>
+            <a:r>
+              <a:rPr lang="nl-NL" strike="sngStrike" dirty="0">
+                <a:solidFill>
+                  <a:schemeClr val="accent6"/>
+                </a:solidFill>
+              </a:rPr>
+              <a:t>Beëindigen van locatie (nl.imow-gm0297.gebied.2019000011) </a:t>
+            </a:r>
+            <a:r>
+              <a:rPr lang="nl-NL" i="1" strike="sngStrike" dirty="0">
+                <a:solidFill>
+                  <a:schemeClr val="accent6"/>
+                </a:solidFill>
+              </a:rPr>
+              <a:t>(status ‘Beëindigd’ )</a:t>
+            </a:r>
+            <a:endParaRPr lang="nl-NL" strike="sngStrike" dirty="0">
+              <a:solidFill>
+                <a:schemeClr val="accent6"/>
+              </a:solidFill>
+            </a:endParaRPr>
+          </a:p>
+        </p:txBody>
+      </p:sp>
     </p:spTree>
     <p:extLst>
       <p:ext uri="{BB962C8B-B14F-4D97-AF65-F5344CB8AC3E}">
-        <p14:creationId xmlns:p14="http://schemas.microsoft.com/office/powerpoint/2010/main" val="2215200265"/>
+        <p14:creationId xmlns:p14="http://schemas.microsoft.com/office/powerpoint/2010/main" val="4201062499"/>
       </p:ext>
     </p:extLst>
   </p:cSld>
@@ -5009,7 +5257,7 @@
           <p:cNvPr id="2" name="Titel 1">
             <a:extLst>
               <a:ext uri="{FF2B5EF4-FFF2-40B4-BE49-F238E27FC236}">
-                <a16:creationId xmlns:a16="http://schemas.microsoft.com/office/drawing/2014/main" id="{CBCDAE21-FCD9-4B51-B867-EB5C2E23CC4B}"/>
+                <a16:creationId xmlns:a16="http://schemas.microsoft.com/office/drawing/2014/main" id="{4E1D0F46-FFF8-4853-91B8-8EDD77A1FB5E}"/>
               </a:ext>
             </a:extLst>
           </p:cNvPr>
@@ -5020,47 +5268,88 @@
             <p:ph type="title"/>
           </p:nvPr>
         </p:nvSpPr>
+        <p:spPr/>
+        <p:txBody>
+          <a:bodyPr/>
+          <a:lstStyle/>
+          <a:p>
+            <a:r>
+              <a:rPr lang="nl-NL" dirty="0"/>
+              <a:t>4a) alleen GIO wijzigen (locatie) TODO</a:t>
+            </a:r>
+          </a:p>
+        </p:txBody>
+      </p:sp>
+      <p:sp>
+        <p:nvSpPr>
+          <p:cNvPr id="3" name="Tijdelijke aanduiding voor inhoud 2">
+            <a:extLst>
+              <a:ext uri="{FF2B5EF4-FFF2-40B4-BE49-F238E27FC236}">
+                <a16:creationId xmlns:a16="http://schemas.microsoft.com/office/drawing/2014/main" id="{AE972C5A-A910-4AF5-871D-EF483B0B6EEC}"/>
+              </a:ext>
+            </a:extLst>
+          </p:cNvPr>
+          <p:cNvSpPr>
+            <a:spLocks noGrp="1"/>
+          </p:cNvSpPr>
+          <p:nvPr>
+            <p:ph idx="1"/>
+          </p:nvPr>
+        </p:nvSpPr>
+        <p:spPr/>
+        <p:txBody>
+          <a:bodyPr/>
+          <a:lstStyle/>
+          <a:p>
+            <a:r>
+              <a:rPr lang="nl-NL" dirty="0"/>
+              <a:t>Speelhal valt deels buiten grens Zuilichem, moet alleen binnen de grens vallen.</a:t>
+            </a:r>
+          </a:p>
+        </p:txBody>
+      </p:sp>
+      <p:sp>
+        <p:nvSpPr>
+          <p:cNvPr id="6" name="Tekstvak 5">
+            <a:extLst>
+              <a:ext uri="{FF2B5EF4-FFF2-40B4-BE49-F238E27FC236}">
+                <a16:creationId xmlns:a16="http://schemas.microsoft.com/office/drawing/2014/main" id="{3E199FF9-9457-47EE-8992-D56354F6E548}"/>
+              </a:ext>
+            </a:extLst>
+          </p:cNvPr>
+          <p:cNvSpPr txBox="1"/>
+          <p:nvPr/>
+        </p:nvSpPr>
         <p:spPr>
           <a:xfrm>
-            <a:off x="769166" y="207808"/>
-            <a:ext cx="10515600" cy="1325563"/>
+            <a:off x="562062" y="6090407"/>
+            <a:ext cx="11325138" cy="369332"/>
           </a:xfrm>
+          <a:prstGeom prst="rect">
+            <a:avLst/>
+          </a:prstGeom>
+          <a:noFill/>
         </p:spPr>
         <p:txBody>
-          <a:bodyPr>
-            <a:normAutofit fontScale="90000"/>
+          <a:bodyPr wrap="square" rtlCol="0">
+            <a:spAutoFit/>
           </a:bodyPr>
           <a:lstStyle/>
           <a:p>
             <a:r>
-              <a:rPr lang="nl-NL" b="1" dirty="0"/>
-              <a:t>3b</a:t>
-            </a:r>
-            <a:r>
-              <a:rPr lang="nl-NL" dirty="0"/>
-              <a:t>)</a:t>
-            </a:r>
-            <a:r>
-              <a:rPr lang="nl-NL" b="1" dirty="0"/>
-              <a:t> </a:t>
-            </a:r>
-            <a:r>
-              <a:rPr lang="nl-NL" dirty="0"/>
-              <a:t>wijziging van de tekst van het artikel, waarbij de activiteit wordt aangepast</a:t>
-            </a:r>
-            <a:br>
-              <a:rPr lang="nl-NL" dirty="0"/>
-            </a:br>
-            <a:endParaRPr lang="nl-NL" dirty="0"/>
+              <a:rPr lang="nl-NL" dirty="0"/>
+              <a:t>Let op dat het splitsen van GIO ook beschreven wordt. </a:t>
+            </a:r>
+            <a:endParaRPr lang="en-NL" dirty="0"/>
           </a:p>
         </p:txBody>
       </p:sp>
       <p:pic>
         <p:nvPicPr>
-          <p:cNvPr id="7" name="Afbeelding 6" descr="Afbeelding met schermafbeelding&#10;&#10;Automatisch gegenereerde beschrijving">
+          <p:cNvPr id="5" name="Afbeelding 4">
             <a:extLst>
               <a:ext uri="{FF2B5EF4-FFF2-40B4-BE49-F238E27FC236}">
-                <a16:creationId xmlns:a16="http://schemas.microsoft.com/office/drawing/2014/main" id="{9303848A-036A-4A2B-B005-A0BCA2795114}"/>
+                <a16:creationId xmlns:a16="http://schemas.microsoft.com/office/drawing/2014/main" id="{A4539461-A403-4265-97C2-3DB919852580}"/>
               </a:ext>
             </a:extLst>
           </p:cNvPr>
@@ -5070,21 +5359,45 @@
           <p:nvPr/>
         </p:nvPicPr>
         <p:blipFill>
-          <a:blip r:embed="rId2">
-            <a:extLst>
-              <a:ext uri="{28A0092B-C50C-407E-A947-70E740481C1C}">
-                <a14:useLocalDpi xmlns:a14="http://schemas.microsoft.com/office/drawing/2010/main" val="0"/>
-              </a:ext>
-            </a:extLst>
-          </a:blip>
+          <a:blip r:embed="rId2"/>
           <a:stretch>
             <a:fillRect/>
           </a:stretch>
         </p:blipFill>
         <p:spPr>
           <a:xfrm>
-            <a:off x="769166" y="1139940"/>
-            <a:ext cx="10162053" cy="5718060"/>
+            <a:off x="838200" y="2831340"/>
+            <a:ext cx="3328274" cy="2253353"/>
+          </a:xfrm>
+          <a:prstGeom prst="rect">
+            <a:avLst/>
+          </a:prstGeom>
+        </p:spPr>
+      </p:pic>
+      <p:pic>
+        <p:nvPicPr>
+          <p:cNvPr id="7" name="Afbeelding 6">
+            <a:extLst>
+              <a:ext uri="{FF2B5EF4-FFF2-40B4-BE49-F238E27FC236}">
+                <a16:creationId xmlns:a16="http://schemas.microsoft.com/office/drawing/2014/main" id="{9F23D0D8-7A5C-4016-A1A2-4680B7CDE9C6}"/>
+              </a:ext>
+            </a:extLst>
+          </p:cNvPr>
+          <p:cNvPicPr>
+            <a:picLocks noChangeAspect="1"/>
+          </p:cNvPicPr>
+          <p:nvPr/>
+        </p:nvPicPr>
+        <p:blipFill>
+          <a:blip r:embed="rId3"/>
+          <a:stretch>
+            <a:fillRect/>
+          </a:stretch>
+        </p:blipFill>
+        <p:spPr>
+          <a:xfrm>
+            <a:off x="5674236" y="2831341"/>
+            <a:ext cx="3328272" cy="2253352"/>
           </a:xfrm>
           <a:prstGeom prst="rect">
             <a:avLst/>
@@ -5094,7 +5407,7 @@
     </p:spTree>
     <p:extLst>
       <p:ext uri="{BB962C8B-B14F-4D97-AF65-F5344CB8AC3E}">
-        <p14:creationId xmlns:p14="http://schemas.microsoft.com/office/powerpoint/2010/main" val="251184934"/>
+        <p14:creationId xmlns:p14="http://schemas.microsoft.com/office/powerpoint/2010/main" val="2119514897"/>
       </p:ext>
     </p:extLst>
   </p:cSld>
@@ -5126,7 +5439,7 @@
           <p:cNvPr id="2" name="Titel 1">
             <a:extLst>
               <a:ext uri="{FF2B5EF4-FFF2-40B4-BE49-F238E27FC236}">
-                <a16:creationId xmlns:a16="http://schemas.microsoft.com/office/drawing/2014/main" id="{09EE4764-1D94-47EF-825A-30DBBAB2F6FE}"/>
+                <a16:creationId xmlns:a16="http://schemas.microsoft.com/office/drawing/2014/main" id="{364F0A66-22F9-4534-ABAF-49C7B8055210}"/>
               </a:ext>
             </a:extLst>
           </p:cNvPr>
@@ -5139,31 +5452,13 @@
         </p:nvSpPr>
         <p:spPr/>
         <p:txBody>
-          <a:bodyPr>
-            <a:normAutofit fontScale="90000"/>
-          </a:bodyPr>
+          <a:bodyPr/>
           <a:lstStyle/>
           <a:p>
             <a:r>
-              <a:rPr lang="nl-NL" b="1" dirty="0"/>
-              <a:t>3c</a:t>
-            </a:r>
-            <a:r>
-              <a:rPr lang="nl-NL" dirty="0"/>
-              <a:t>)</a:t>
-            </a:r>
-            <a:r>
-              <a:rPr lang="nl-NL" b="1" dirty="0"/>
-              <a:t> </a:t>
-            </a:r>
-            <a:r>
-              <a:rPr lang="nl-NL" dirty="0"/>
-              <a:t>wijziging van de tekst van het artikel, inclusief het toevoegen van een GIO</a:t>
-            </a:r>
-            <a:br>
-              <a:rPr lang="nl-NL" dirty="0"/>
-            </a:br>
-            <a:endParaRPr lang="nl-NL" dirty="0"/>
+              <a:rPr lang="nl-NL" dirty="0"/>
+              <a:t>4b) alleen GIO wijzigen (normwaarde) TODO</a:t>
+            </a:r>
           </a:p>
         </p:txBody>
       </p:sp>
@@ -5172,7 +5467,7 @@
           <p:cNvPr id="3" name="Tijdelijke aanduiding voor inhoud 2">
             <a:extLst>
               <a:ext uri="{FF2B5EF4-FFF2-40B4-BE49-F238E27FC236}">
-                <a16:creationId xmlns:a16="http://schemas.microsoft.com/office/drawing/2014/main" id="{EEC8CDA3-BE46-4037-968E-FC59E6B41B70}"/>
+                <a16:creationId xmlns:a16="http://schemas.microsoft.com/office/drawing/2014/main" id="{5DA6BA0F-543E-44F7-9115-68E47E1907FA}"/>
               </a:ext>
             </a:extLst>
           </p:cNvPr>
@@ -5183,278 +5478,88 @@
             <p:ph idx="1"/>
           </p:nvPr>
         </p:nvSpPr>
-        <p:spPr>
-          <a:xfrm>
-            <a:off x="838200" y="1566333"/>
-            <a:ext cx="10515600" cy="4610630"/>
-          </a:xfrm>
-        </p:spPr>
+        <p:spPr/>
         <p:txBody>
           <a:bodyPr>
-            <a:normAutofit fontScale="85000" lnSpcReduction="20000"/>
+            <a:normAutofit/>
           </a:bodyPr>
           <a:lstStyle/>
           <a:p>
             <a:r>
               <a:rPr lang="nl-NL" dirty="0"/>
-              <a:t>In dit mutatiescenario:</a:t>
+              <a:t>Bouwhoogte van 13 meter wordt 15 meter</a:t>
+            </a:r>
+          </a:p>
+          <a:p>
+            <a:endParaRPr lang="nl-NL" dirty="0"/>
+          </a:p>
+          <a:p>
+            <a:r>
+              <a:rPr lang="nl-NL" dirty="0"/>
+              <a:t>Geen wijziging in artikeltekst nodig i.v.m. verwijzing naar GIO.</a:t>
             </a:r>
           </a:p>
           <a:p>
             <a:pPr lvl="1"/>
             <a:r>
-              <a:rPr lang="nl-NL" dirty="0"/>
-              <a:t>Artikel: 2.10</a:t>
-            </a:r>
-          </a:p>
-          <a:p>
-            <a:pPr lvl="2"/>
-            <a:r>
-              <a:rPr lang="nl-NL" dirty="0"/>
-              <a:t>Ter plaatse van het werkingsgebied van de functie 'Centrumgebied' mag de locatie in ieder geval worden gebruikt voor het verrichten van de volgende gebruiksactiviteiten:</a:t>
-            </a:r>
-          </a:p>
-          <a:p>
-            <a:pPr lvl="3"/>
-            <a:r>
-              <a:rPr lang="nl-NL" dirty="0"/>
-              <a:t>het exploiteren van een </a:t>
-            </a:r>
+              <a:rPr lang="nl-NL" i="1" dirty="0"/>
+              <a:t>De maximum bouwhoogte van een bedrijfsgebouw is de ter plaatse van het werkingsgebied 'maximum bouwhoogte bedrijfsgebouw' bepaalde waarde.</a:t>
+            </a:r>
+          </a:p>
+          <a:p>
+            <a:pPr lvl="1"/>
+            <a:r>
+              <a:rPr lang="nl-NL" i="1" dirty="0">
+                <a:solidFill>
+                  <a:schemeClr val="accent1"/>
+                </a:solidFill>
+              </a:rPr>
+              <a:t>Locatie aan de OP-kant krijgt een andere waarde. </a:t>
+            </a:r>
+            <a:br>
+              <a:rPr lang="nl-NL" i="1" dirty="0">
+                <a:solidFill>
+                  <a:schemeClr val="accent1"/>
+                </a:solidFill>
+              </a:rPr>
+            </a:br>
+            <a:r>
+              <a:rPr lang="nl-NL" i="1" dirty="0">
+                <a:solidFill>
+                  <a:schemeClr val="accent1"/>
+                </a:solidFill>
+              </a:rPr>
+              <a:t>(Hoe dit werkt met GIO-mutaties weet ik nog niet.)</a:t>
+            </a:r>
+          </a:p>
+          <a:p>
+            <a:endParaRPr lang="nl-NL" i="1" dirty="0"/>
+          </a:p>
+          <a:p>
             <a:r>
               <a:rPr lang="nl-NL" dirty="0">
                 <a:solidFill>
-                  <a:schemeClr val="accent1"/>
-                </a:solidFill>
-              </a:rPr>
-              <a:t>kantoorruimte, zoals geduid in de GIO ‘kantoorruimte’. (Besluit) </a:t>
-            </a:r>
-          </a:p>
-          <a:p>
-            <a:pPr lvl="3"/>
-            <a:r>
-              <a:rPr lang="nl-NL" dirty="0">
-                <a:solidFill>
-                  <a:schemeClr val="accent1"/>
-                </a:solidFill>
-              </a:rPr>
-              <a:t>Toevoegen van een nieuwe GIO </a:t>
-            </a:r>
-          </a:p>
-          <a:p>
-            <a:pPr lvl="3"/>
-            <a:r>
-              <a:rPr lang="nl-NL" dirty="0">
-                <a:solidFill>
-                  <a:schemeClr val="accent1"/>
-                </a:solidFill>
-              </a:rPr>
-              <a:t>Regeltekst aanpassen</a:t>
-            </a:r>
-          </a:p>
-          <a:p>
-            <a:pPr lvl="1"/>
-            <a:r>
-              <a:rPr lang="nl-NL" dirty="0">
-                <a:solidFill>
-                  <a:schemeClr val="accent6"/>
-                </a:solidFill>
-              </a:rPr>
-              <a:t>Aanpassingen voor: gebied, gebiedsaanwijzing (functie) en juridische regel</a:t>
-            </a:r>
-            <a:endParaRPr lang="nl-NL" i="1" dirty="0">
-              <a:solidFill>
-                <a:schemeClr val="accent6"/>
-              </a:solidFill>
-            </a:endParaRPr>
-          </a:p>
-          <a:p>
-            <a:pPr lvl="2"/>
-            <a:r>
-              <a:rPr lang="nl-NL" dirty="0">
-                <a:solidFill>
-                  <a:schemeClr val="accent6"/>
-                </a:solidFill>
-              </a:rPr>
-              <a:t>Gebied (nieuw): Nl.imow-gm0037.gebied.2020000001. </a:t>
-            </a:r>
-          </a:p>
-          <a:p>
-            <a:pPr lvl="3"/>
-            <a:r>
-              <a:rPr lang="nl-NL" dirty="0">
-                <a:solidFill>
-                  <a:schemeClr val="accent6"/>
-                </a:solidFill>
-              </a:rPr>
-              <a:t>In dit gebied verwijs je naar de GIO ‘kantoorruimte’.</a:t>
-            </a:r>
-          </a:p>
-          <a:p>
-            <a:pPr lvl="2"/>
-            <a:r>
-              <a:rPr lang="nl-NL" dirty="0">
-                <a:solidFill>
-                  <a:schemeClr val="accent6"/>
-                </a:solidFill>
-              </a:rPr>
-              <a:t>Gebiedsaanwijzing (nieuw): Nl.imow-gm0037.gebiedsaanwijzing.2020000001</a:t>
-            </a:r>
-          </a:p>
-          <a:p>
-            <a:pPr lvl="3"/>
-            <a:r>
-              <a:rPr lang="nl-NL" dirty="0">
-                <a:solidFill>
-                  <a:schemeClr val="accent6"/>
-                </a:solidFill>
-              </a:rPr>
-              <a:t>Type = ‘http://standaarden.omgevingswet.overheid.nl/</a:t>
-            </a:r>
-            <a:r>
-              <a:rPr lang="nl-NL" dirty="0" err="1">
-                <a:solidFill>
-                  <a:schemeClr val="accent6"/>
-                </a:solidFill>
-              </a:rPr>
-              <a:t>typegebiedsaanwijzing</a:t>
-            </a:r>
-            <a:r>
-              <a:rPr lang="nl-NL" dirty="0">
-                <a:solidFill>
-                  <a:schemeClr val="accent6"/>
-                </a:solidFill>
-              </a:rPr>
-              <a:t>/</a:t>
-            </a:r>
-            <a:r>
-              <a:rPr lang="nl-NL" dirty="0" err="1">
-                <a:solidFill>
-                  <a:schemeClr val="accent6"/>
-                </a:solidFill>
-              </a:rPr>
-              <a:t>id</a:t>
-            </a:r>
-            <a:r>
-              <a:rPr lang="nl-NL" dirty="0">
-                <a:solidFill>
-                  <a:schemeClr val="accent6"/>
-                </a:solidFill>
-              </a:rPr>
-              <a:t>/concept/Functie’</a:t>
-            </a:r>
-          </a:p>
-          <a:p>
-            <a:pPr lvl="3"/>
-            <a:r>
-              <a:rPr lang="nl-NL" dirty="0">
-                <a:solidFill>
-                  <a:schemeClr val="accent6"/>
-                </a:solidFill>
-              </a:rPr>
-              <a:t>Groep = ‘http://standaarden.omgevingswet.overheid.nl/functie/</a:t>
-            </a:r>
-            <a:r>
-              <a:rPr lang="nl-NL" dirty="0" err="1">
-                <a:solidFill>
-                  <a:schemeClr val="accent6"/>
-                </a:solidFill>
-              </a:rPr>
-              <a:t>id</a:t>
-            </a:r>
-            <a:r>
-              <a:rPr lang="nl-NL" dirty="0">
-                <a:solidFill>
-                  <a:schemeClr val="accent6"/>
-                </a:solidFill>
-              </a:rPr>
-              <a:t>/concept/Kantoorlocatie’</a:t>
-            </a:r>
-          </a:p>
-          <a:p>
-            <a:pPr lvl="3"/>
-            <a:r>
-              <a:rPr lang="nl-NL" dirty="0">
-                <a:solidFill>
-                  <a:schemeClr val="accent6"/>
-                </a:solidFill>
-              </a:rPr>
-              <a:t>noemer = ‘kantoorruimte’</a:t>
-            </a:r>
-          </a:p>
-          <a:p>
-            <a:pPr lvl="2"/>
-            <a:r>
-              <a:rPr lang="nl-NL" dirty="0" err="1">
-                <a:solidFill>
-                  <a:schemeClr val="accent6"/>
-                </a:solidFill>
-              </a:rPr>
-              <a:t>RegelVoorIedereen</a:t>
-            </a:r>
-            <a:r>
-              <a:rPr lang="nl-NL" dirty="0">
-                <a:solidFill>
-                  <a:schemeClr val="accent6"/>
-                </a:solidFill>
-              </a:rPr>
-              <a:t> (aanpassing): nl.imow-gm0297.juridischeregel.2019000014</a:t>
-            </a:r>
-          </a:p>
-          <a:p>
-            <a:pPr lvl="3"/>
-            <a:r>
-              <a:rPr lang="nl-NL" dirty="0" err="1">
-                <a:solidFill>
-                  <a:schemeClr val="accent6"/>
-                </a:solidFill>
-              </a:rPr>
-              <a:t>ActiviteitRef</a:t>
-            </a:r>
-            <a:r>
-              <a:rPr lang="nl-NL" dirty="0">
-                <a:solidFill>
-                  <a:schemeClr val="accent6"/>
-                </a:solidFill>
-              </a:rPr>
-              <a:t>: nl.imow-gm0297.activiteit.2019000680 (‘exploiteren van een kantoor’)</a:t>
-            </a:r>
-          </a:p>
-          <a:p>
-            <a:pPr lvl="3"/>
-            <a:r>
-              <a:rPr lang="nl-NL" dirty="0">
-                <a:solidFill>
-                  <a:schemeClr val="accent6"/>
-                </a:solidFill>
-              </a:rPr>
-              <a:t>locatieaanduiding nl.imow-gm0297.gebied.2019000004 (‘Centrumgebied’ ) wordt nl.imow-gm0297.gebied.2020000001 (‘Kantoorruimte’)</a:t>
-            </a:r>
-          </a:p>
-          <a:p>
-            <a:pPr lvl="1"/>
-            <a:endParaRPr lang="nl-NL" i="1" dirty="0">
-              <a:solidFill>
-                <a:schemeClr val="accent6"/>
-              </a:solidFill>
-            </a:endParaRPr>
-          </a:p>
-          <a:p>
-            <a:pPr lvl="1"/>
-            <a:endParaRPr lang="nl-NL" dirty="0">
-              <a:solidFill>
-                <a:schemeClr val="accent6"/>
-              </a:solidFill>
-            </a:endParaRPr>
+                  <a:schemeClr val="accent6">
+                    <a:lumMod val="60000"/>
+                    <a:lumOff val="40000"/>
+                  </a:schemeClr>
+                </a:solidFill>
+              </a:rPr>
+              <a:t>Nl.imow-gm0037.Normwaarde.201900001 wordt aangepast, krijgt nieuwe waarde (11)</a:t>
+            </a:r>
           </a:p>
           <a:p>
             <a:endParaRPr lang="nl-NL" dirty="0"/>
+          </a:p>
+          <a:p>
+            <a:endParaRPr lang="nl-NL" i="1" dirty="0"/>
           </a:p>
         </p:txBody>
       </p:sp>
     </p:spTree>
     <p:extLst>
       <p:ext uri="{BB962C8B-B14F-4D97-AF65-F5344CB8AC3E}">
-        <p14:creationId xmlns:p14="http://schemas.microsoft.com/office/powerpoint/2010/main" val="1142416558"/>
+        <p14:creationId xmlns:p14="http://schemas.microsoft.com/office/powerpoint/2010/main" val="3650974616"/>
       </p:ext>
     </p:extLst>
   </p:cSld>
@@ -6186,7 +6291,7 @@
           <p:cNvPr id="2" name="Titel 1">
             <a:extLst>
               <a:ext uri="{FF2B5EF4-FFF2-40B4-BE49-F238E27FC236}">
-                <a16:creationId xmlns:a16="http://schemas.microsoft.com/office/drawing/2014/main" id="{31829385-1F91-4EEE-9659-6CA14A8584CD}"/>
+                <a16:creationId xmlns:a16="http://schemas.microsoft.com/office/drawing/2014/main" id="{B45274A4-D85E-4921-9687-A6DF881FC0DC}"/>
               </a:ext>
             </a:extLst>
           </p:cNvPr>
@@ -6204,11 +6309,11 @@
           <a:p>
             <a:r>
               <a:rPr lang="nl-NL" b="1" dirty="0"/>
-              <a:t>3d</a:t>
-            </a:r>
-            <a:r>
-              <a:rPr lang="nl-NL" dirty="0"/>
-              <a:t>) verwijderen van het artikel, inclusief het verwijderen van een GIO</a:t>
+              <a:t>4c</a:t>
+            </a:r>
+            <a:r>
+              <a:rPr lang="nl-NL" dirty="0"/>
+              <a:t>) wijzigen van de tekst van het artikel, inclusief het wijzigen van een GIO</a:t>
             </a:r>
           </a:p>
         </p:txBody>
@@ -6218,7 +6323,7 @@
           <p:cNvPr id="3" name="Tijdelijke aanduiding voor inhoud 2">
             <a:extLst>
               <a:ext uri="{FF2B5EF4-FFF2-40B4-BE49-F238E27FC236}">
-                <a16:creationId xmlns:a16="http://schemas.microsoft.com/office/drawing/2014/main" id="{D61C3116-85D5-4FED-B9E6-8BC2BEED0216}"/>
+                <a16:creationId xmlns:a16="http://schemas.microsoft.com/office/drawing/2014/main" id="{501589A3-99CD-447C-BB9D-1D180E14E39A}"/>
               </a:ext>
             </a:extLst>
           </p:cNvPr>
@@ -6231,239 +6336,343 @@
         </p:nvSpPr>
         <p:spPr/>
         <p:txBody>
-          <a:bodyPr>
-            <a:normAutofit fontScale="70000" lnSpcReduction="20000"/>
-          </a:bodyPr>
+          <a:bodyPr/>
           <a:lstStyle/>
           <a:p>
             <a:r>
               <a:rPr lang="nl-NL" dirty="0"/>
-              <a:t>In dit mutatiescenario </a:t>
-            </a:r>
-            <a:r>
-              <a:rPr lang="nl-NL" sz="1200" dirty="0"/>
-              <a:t>(#</a:t>
-            </a:r>
-            <a:r>
-              <a:rPr lang="nl-NL" sz="1200" dirty="0" err="1"/>
-              <a:t>doeiStikstofCrisis</a:t>
-            </a:r>
-            <a:r>
-              <a:rPr lang="nl-NL" sz="1200" dirty="0"/>
+              <a:t>In dit mutatiescenario:</a:t>
+            </a:r>
+          </a:p>
+          <a:p>
+            <a:pPr lvl="1"/>
+            <a:r>
+              <a:rPr lang="nl-NL" dirty="0"/>
+              <a:t>Artikel: 2.10</a:t>
+            </a:r>
+          </a:p>
+          <a:p>
+            <a:pPr lvl="2"/>
+            <a:r>
+              <a:rPr lang="nl-NL" dirty="0"/>
+              <a:t>Ter plaatse van het werkingsgebied van de functie 'Centrumgebied' mag de locatie in ieder geval worden gebruikt voor het verrichten van de volgende gebruiksactiviteiten:</a:t>
+            </a:r>
+          </a:p>
+          <a:p>
+            <a:pPr lvl="3"/>
+            <a:r>
+              <a:rPr lang="nl-NL" dirty="0"/>
+              <a:t>Het </a:t>
+            </a:r>
+            <a:r>
+              <a:rPr lang="nl-NL" dirty="0">
+                <a:solidFill>
+                  <a:srgbClr val="C00000"/>
+                </a:solidFill>
+              </a:rPr>
+              <a:t>&lt;</a:t>
+            </a:r>
+            <a:r>
+              <a:rPr lang="nl-NL" dirty="0" err="1">
+                <a:solidFill>
+                  <a:srgbClr val="C00000"/>
+                </a:solidFill>
+              </a:rPr>
+              <a:t>verwijderdeTekst</a:t>
+            </a:r>
+            <a:r>
+              <a:rPr lang="nl-NL" dirty="0">
+                <a:solidFill>
+                  <a:srgbClr val="C00000"/>
+                </a:solidFill>
+              </a:rPr>
+              <a:t>&gt;</a:t>
+            </a:r>
+            <a:r>
+              <a:rPr lang="nl-NL" dirty="0"/>
+              <a:t>uitoefenen van dienstverlening</a:t>
+            </a:r>
+            <a:r>
+              <a:rPr lang="nl-NL" dirty="0">
+                <a:solidFill>
+                  <a:srgbClr val="C00000"/>
+                </a:solidFill>
+              </a:rPr>
+              <a:t>&lt;/</a:t>
+            </a:r>
+            <a:r>
+              <a:rPr lang="nl-NL" dirty="0" err="1">
+                <a:solidFill>
+                  <a:srgbClr val="C00000"/>
+                </a:solidFill>
+              </a:rPr>
+              <a:t>verwijderdeTekst</a:t>
+            </a:r>
+            <a:r>
+              <a:rPr lang="nl-NL" dirty="0">
+                <a:solidFill>
+                  <a:srgbClr val="C00000"/>
+                </a:solidFill>
+              </a:rPr>
+              <a:t>&gt; </a:t>
+            </a:r>
+            <a:r>
+              <a:rPr lang="nl-NL" dirty="0">
+                <a:solidFill>
+                  <a:schemeClr val="accent1"/>
+                </a:solidFill>
+              </a:rPr>
+              <a:t>&lt;</a:t>
+            </a:r>
+            <a:r>
+              <a:rPr lang="nl-NL" dirty="0" err="1">
+                <a:solidFill>
+                  <a:schemeClr val="accent1"/>
+                </a:solidFill>
+              </a:rPr>
+              <a:t>nieuweTekst</a:t>
+            </a:r>
+            <a:r>
+              <a:rPr lang="nl-NL" dirty="0">
+                <a:solidFill>
+                  <a:schemeClr val="accent1"/>
+                </a:solidFill>
+              </a:rPr>
+              <a:t>&gt;</a:t>
+            </a:r>
+            <a:r>
+              <a:rPr lang="nl-NL" dirty="0"/>
+              <a:t>verlenen van diensten</a:t>
+            </a:r>
+            <a:r>
+              <a:rPr lang="nl-NL" dirty="0">
+                <a:solidFill>
+                  <a:schemeClr val="accent1"/>
+                </a:solidFill>
+              </a:rPr>
+              <a:t>&lt;/</a:t>
+            </a:r>
+            <a:r>
+              <a:rPr lang="nl-NL" dirty="0" err="1">
+                <a:solidFill>
+                  <a:schemeClr val="accent1"/>
+                </a:solidFill>
+              </a:rPr>
+              <a:t>nieuweTekst</a:t>
+            </a:r>
+            <a:r>
+              <a:rPr lang="nl-NL" dirty="0">
+                <a:solidFill>
+                  <a:schemeClr val="accent1"/>
+                </a:solidFill>
+              </a:rPr>
+              <a:t>&gt;</a:t>
+            </a:r>
+            <a:endParaRPr lang="nl-NL" u="sng" dirty="0">
+              <a:solidFill>
+                <a:schemeClr val="accent1"/>
+              </a:solidFill>
+            </a:endParaRPr>
+          </a:p>
+          <a:p>
+            <a:pPr lvl="2"/>
+            <a:r>
+              <a:rPr lang="nl-NL" dirty="0">
+                <a:solidFill>
+                  <a:schemeClr val="accent1"/>
+                </a:solidFill>
+              </a:rPr>
+              <a:t>Beëindigen (</a:t>
+            </a:r>
+            <a:r>
+              <a:rPr lang="nl-NL" i="1" dirty="0">
+                <a:solidFill>
+                  <a:schemeClr val="accent1"/>
+                </a:solidFill>
+              </a:rPr>
+              <a:t>uitzetten/deactiveren) </a:t>
+            </a:r>
+            <a:r>
+              <a:rPr lang="nl-NL" dirty="0">
+                <a:solidFill>
+                  <a:schemeClr val="accent1"/>
+                </a:solidFill>
+              </a:rPr>
+              <a:t>van huidige GIO ‘Centrumgebied’ (</a:t>
+            </a:r>
+            <a:r>
+              <a:rPr lang="nl-NL" i="1" dirty="0" err="1">
+                <a:solidFill>
+                  <a:schemeClr val="accent1"/>
+                </a:solidFill>
+              </a:rPr>
+              <a:t>verwijderdeLocatie</a:t>
+            </a:r>
+            <a:r>
+              <a:rPr lang="nl-NL" dirty="0">
+                <a:solidFill>
+                  <a:schemeClr val="accent1"/>
+                </a:solidFill>
+              </a:rPr>
+              <a:t>) </a:t>
+            </a:r>
+          </a:p>
+          <a:p>
+            <a:pPr lvl="2"/>
+            <a:r>
+              <a:rPr lang="nl-NL" dirty="0">
+                <a:solidFill>
+                  <a:schemeClr val="accent1"/>
+                </a:solidFill>
+              </a:rPr>
+              <a:t>Toevoegen nieuwe GIO ‘Nieuw centrumgebied’ (</a:t>
+            </a:r>
+            <a:r>
+              <a:rPr lang="nl-NL" i="1" dirty="0" err="1">
+                <a:solidFill>
+                  <a:schemeClr val="accent1"/>
+                </a:solidFill>
+              </a:rPr>
+              <a:t>toegevoegdeLocatie</a:t>
+            </a:r>
+            <a:r>
+              <a:rPr lang="nl-NL" dirty="0">
+                <a:solidFill>
+                  <a:schemeClr val="accent1"/>
+                </a:solidFill>
+              </a:rPr>
               <a:t>)</a:t>
             </a:r>
           </a:p>
           <a:p>
-            <a:pPr lvl="1"/>
-            <a:r>
-              <a:rPr lang="nl-NL" dirty="0"/>
-              <a:t>Hoofdstuk 2</a:t>
-            </a:r>
-          </a:p>
-          <a:p>
             <a:pPr lvl="2"/>
             <a:r>
-              <a:rPr lang="nl-NL" dirty="0"/>
-              <a:t>Afdeling 2.4</a:t>
-            </a:r>
-          </a:p>
-          <a:p>
-            <a:pPr lvl="3"/>
-            <a:r>
-              <a:rPr lang="nl-NL" dirty="0"/>
-              <a:t>(</a:t>
-            </a:r>
-            <a:r>
-              <a:rPr lang="nl-NL" b="1" dirty="0">
-                <a:solidFill>
-                  <a:srgbClr val="FF0000"/>
-                </a:solidFill>
-              </a:rPr>
-              <a:t>VERVALLEN</a:t>
-            </a:r>
-            <a:r>
-              <a:rPr lang="nl-NL" dirty="0"/>
-              <a:t>) Artikel 2.12 Omgevingswaarde stikstofdioxide </a:t>
-            </a:r>
-            <a:r>
               <a:rPr lang="nl-NL" dirty="0">
                 <a:solidFill>
-                  <a:srgbClr val="FF0000"/>
-                </a:solidFill>
-              </a:rPr>
-              <a:t>Einddatum </a:t>
-            </a:r>
-          </a:p>
-          <a:p>
-            <a:pPr lvl="2"/>
-            <a:r>
-              <a:rPr lang="nl-NL" dirty="0"/>
-              <a:t>Afdeling 2.5 </a:t>
-            </a:r>
-          </a:p>
-          <a:p>
-            <a:pPr lvl="3"/>
-            <a:r>
-              <a:rPr lang="nl-NL" dirty="0"/>
-              <a:t>Artikel 2.13: Omgevingsplanactiviteiten bouwen </a:t>
-            </a:r>
-          </a:p>
-          <a:p>
-            <a:pPr lvl="3"/>
-            <a:r>
-              <a:rPr lang="nl-NL" dirty="0"/>
-              <a:t>Artikel 2.14: Bouwregels geluidsgevoelige gebouwen</a:t>
-            </a:r>
-          </a:p>
-          <a:p>
-            <a:pPr lvl="3"/>
-            <a:r>
-              <a:rPr lang="nl-NL" dirty="0"/>
-              <a:t>Artikel 2.15: Bouwregels bedrijfsgebouwen</a:t>
-            </a:r>
-          </a:p>
-          <a:p>
+                  <a:schemeClr val="accent6"/>
+                </a:solidFill>
+              </a:rPr>
+              <a:t>locatieaanduiding (= verwijzing naar nieuw gebied, dus verwijzing bewerkstelligde objecten moeten datum </a:t>
+            </a:r>
+            <a:r>
+              <a:rPr lang="nl-NL" i="1" dirty="0" err="1">
+                <a:solidFill>
+                  <a:schemeClr val="accent6"/>
+                </a:solidFill>
+              </a:rPr>
+              <a:t>geldigTot</a:t>
+            </a:r>
             <a:r>
               <a:rPr lang="nl-NL" dirty="0">
                 <a:solidFill>
-                  <a:schemeClr val="accent1"/>
-                </a:solidFill>
-              </a:rPr>
-              <a:t>Beëindigen (</a:t>
-            </a:r>
-            <a:r>
-              <a:rPr lang="nl-NL" i="1" dirty="0">
-                <a:solidFill>
-                  <a:schemeClr val="accent1"/>
-                </a:solidFill>
-              </a:rPr>
-              <a:t>uitzetten/deactiveren) </a:t>
+                  <a:schemeClr val="accent6"/>
+                </a:solidFill>
+              </a:rPr>
+              <a:t> krijgen en nieuwe versie maken met </a:t>
+            </a:r>
+            <a:r>
+              <a:rPr lang="nl-NL" i="1" dirty="0" err="1">
+                <a:solidFill>
+                  <a:schemeClr val="accent6"/>
+                </a:solidFill>
+              </a:rPr>
+              <a:t>geldigVanaf</a:t>
             </a:r>
             <a:r>
               <a:rPr lang="nl-NL" dirty="0">
                 <a:solidFill>
-                  <a:schemeClr val="accent1"/>
-                </a:solidFill>
-              </a:rPr>
-              <a:t>van GIO ‘Zuilichem’(begrippenlijst aanpassen) </a:t>
-            </a:r>
-          </a:p>
-          <a:p>
-            <a:r>
-              <a:rPr lang="nl-NL" dirty="0">
-                <a:solidFill>
                   <a:schemeClr val="accent6"/>
                 </a:solidFill>
               </a:rPr>
-              <a:t>Beëindigen van regeltekst (nl.imow-gm0297.regeltekst.2019000009) </a:t>
-            </a:r>
-            <a:r>
-              <a:rPr lang="nl-NL" i="1" dirty="0">
-                <a:solidFill>
-                  <a:schemeClr val="accent6"/>
-                </a:solidFill>
-              </a:rPr>
-              <a:t>(OP-status ‘B’ = beëindigd)</a:t>
-            </a:r>
-          </a:p>
-          <a:p>
-            <a:r>
-              <a:rPr lang="nl-NL" dirty="0">
-                <a:solidFill>
-                  <a:schemeClr val="accent6"/>
-                </a:solidFill>
-              </a:rPr>
-              <a:t>Beëindigen van Juridische regel (Omgevingswaarderegel nl.imow-gm0297.juridischeregel.2019000015) </a:t>
-            </a:r>
-            <a:r>
-              <a:rPr lang="nl-NL" i="1" dirty="0">
-                <a:solidFill>
-                  <a:schemeClr val="accent6"/>
-                </a:solidFill>
-              </a:rPr>
-              <a:t>(OW-status ‘B’ = beëindigd)</a:t>
+              <a:t>)</a:t>
             </a:r>
             <a:endParaRPr lang="nl-NL" dirty="0">
               <a:solidFill>
-                <a:schemeClr val="accent6"/>
+                <a:schemeClr val="accent1"/>
               </a:solidFill>
             </a:endParaRPr>
           </a:p>
           <a:p>
-            <a:r>
-              <a:rPr lang="nl-NL" strike="sngStrike" dirty="0">
-                <a:solidFill>
-                  <a:schemeClr val="accent6"/>
-                </a:solidFill>
-              </a:rPr>
-              <a:t>Beëindigen van normwaarde (nl.imow-gm0037.normwaarde.20190001). </a:t>
-            </a:r>
-            <a:r>
-              <a:rPr lang="nl-NL" i="1" strike="sngStrike" dirty="0">
-                <a:solidFill>
-                  <a:schemeClr val="accent6"/>
-                </a:solidFill>
-              </a:rPr>
-              <a:t>(status ‘Beëindigd’)</a:t>
-            </a:r>
-            <a:endParaRPr lang="nl-NL" strike="sngStrike" dirty="0">
-              <a:solidFill>
-                <a:schemeClr val="accent6"/>
-              </a:solidFill>
-            </a:endParaRPr>
-          </a:p>
-          <a:p>
-            <a:r>
-              <a:rPr lang="nl-NL" dirty="0">
-                <a:solidFill>
-                  <a:schemeClr val="accent6"/>
-                </a:solidFill>
-              </a:rPr>
-              <a:t>Beëindigen van omgevingswaarde (nl.imow-gm0297.omgevingswaarde.2019000001) </a:t>
-            </a:r>
-            <a:r>
-              <a:rPr lang="nl-NL" i="1" dirty="0">
-                <a:solidFill>
-                  <a:schemeClr val="accent6"/>
-                </a:solidFill>
-              </a:rPr>
-              <a:t>(status ‘B’ = beëindigd)</a:t>
-            </a:r>
-            <a:endParaRPr lang="nl-NL" dirty="0">
-              <a:solidFill>
-                <a:schemeClr val="accent6"/>
-              </a:solidFill>
-            </a:endParaRPr>
-          </a:p>
-          <a:p>
-            <a:r>
-              <a:rPr lang="nl-NL" strike="sngStrike" dirty="0">
-                <a:solidFill>
-                  <a:schemeClr val="accent6"/>
-                </a:solidFill>
-              </a:rPr>
-              <a:t>Beëindigen van locatie (nl.imow-gm0297.gebied.2019000011) </a:t>
-            </a:r>
-            <a:r>
-              <a:rPr lang="nl-NL" i="1" strike="sngStrike" dirty="0">
-                <a:solidFill>
-                  <a:schemeClr val="accent6"/>
-                </a:solidFill>
-              </a:rPr>
-              <a:t>(status ‘Beëindigd’ )</a:t>
-            </a:r>
-            <a:endParaRPr lang="nl-NL" strike="sngStrike" dirty="0">
-              <a:solidFill>
-                <a:schemeClr val="accent6"/>
-              </a:solidFill>
-            </a:endParaRPr>
+            <a:endParaRPr lang="nl-NL" dirty="0"/>
           </a:p>
         </p:txBody>
       </p:sp>
+      <p:pic>
+        <p:nvPicPr>
+          <p:cNvPr id="5" name="Afbeelding 4">
+            <a:extLst>
+              <a:ext uri="{FF2B5EF4-FFF2-40B4-BE49-F238E27FC236}">
+                <a16:creationId xmlns:a16="http://schemas.microsoft.com/office/drawing/2014/main" id="{E3D3F353-3F50-4D44-B564-CDADEE1E1295}"/>
+              </a:ext>
+            </a:extLst>
+          </p:cNvPr>
+          <p:cNvPicPr>
+            <a:picLocks noChangeAspect="1"/>
+          </p:cNvPicPr>
+          <p:nvPr/>
+        </p:nvPicPr>
+        <p:blipFill>
+          <a:blip r:embed="rId2">
+            <a:extLst>
+              <a:ext uri="{28A0092B-C50C-407E-A947-70E740481C1C}">
+                <a14:useLocalDpi xmlns:a14="http://schemas.microsoft.com/office/drawing/2010/main" val="0"/>
+              </a:ext>
+            </a:extLst>
+          </a:blip>
+          <a:stretch>
+            <a:fillRect/>
+          </a:stretch>
+        </p:blipFill>
+        <p:spPr>
+          <a:xfrm>
+            <a:off x="9990020" y="169462"/>
+            <a:ext cx="1863726" cy="1232324"/>
+          </a:xfrm>
+          <a:prstGeom prst="rect">
+            <a:avLst/>
+          </a:prstGeom>
+        </p:spPr>
+      </p:pic>
+      <p:pic>
+        <p:nvPicPr>
+          <p:cNvPr id="7" name="Afbeelding 6">
+            <a:extLst>
+              <a:ext uri="{FF2B5EF4-FFF2-40B4-BE49-F238E27FC236}">
+                <a16:creationId xmlns:a16="http://schemas.microsoft.com/office/drawing/2014/main" id="{9E4B932A-E8BA-4402-8760-7F4E0B10D871}"/>
+              </a:ext>
+            </a:extLst>
+          </p:cNvPr>
+          <p:cNvPicPr>
+            <a:picLocks noChangeAspect="1"/>
+          </p:cNvPicPr>
+          <p:nvPr/>
+        </p:nvPicPr>
+        <p:blipFill>
+          <a:blip r:embed="rId3">
+            <a:extLst>
+              <a:ext uri="{28A0092B-C50C-407E-A947-70E740481C1C}">
+                <a14:useLocalDpi xmlns:a14="http://schemas.microsoft.com/office/drawing/2010/main" val="0"/>
+              </a:ext>
+            </a:extLst>
+          </a:blip>
+          <a:stretch>
+            <a:fillRect/>
+          </a:stretch>
+        </p:blipFill>
+        <p:spPr>
+          <a:xfrm>
+            <a:off x="9990016" y="1401786"/>
+            <a:ext cx="1863728" cy="1232325"/>
+          </a:xfrm>
+          <a:prstGeom prst="rect">
+            <a:avLst/>
+          </a:prstGeom>
+        </p:spPr>
+      </p:pic>
     </p:spTree>
     <p:extLst>
       <p:ext uri="{BB962C8B-B14F-4D97-AF65-F5344CB8AC3E}">
-        <p14:creationId xmlns:p14="http://schemas.microsoft.com/office/powerpoint/2010/main" val="4201062499"/>
+        <p14:creationId xmlns:p14="http://schemas.microsoft.com/office/powerpoint/2010/main" val="3795986993"/>
       </p:ext>
     </p:extLst>
   </p:cSld>
@@ -6495,7 +6704,7 @@
           <p:cNvPr id="2" name="Titel 1">
             <a:extLst>
               <a:ext uri="{FF2B5EF4-FFF2-40B4-BE49-F238E27FC236}">
-                <a16:creationId xmlns:a16="http://schemas.microsoft.com/office/drawing/2014/main" id="{4E1D0F46-FFF8-4853-91B8-8EDD77A1FB5E}"/>
+                <a16:creationId xmlns:a16="http://schemas.microsoft.com/office/drawing/2014/main" id="{681E3673-5B84-4EB0-933D-263FBAEBA15F}"/>
               </a:ext>
             </a:extLst>
           </p:cNvPr>
@@ -6513,7 +6722,7 @@
           <a:p>
             <a:r>
               <a:rPr lang="nl-NL" dirty="0"/>
-              <a:t>4a) alleen GIO wijzigen (locatie) TODO</a:t>
+              <a:t>10) Directe mutaties (zonder besluit)</a:t>
             </a:r>
           </a:p>
         </p:txBody>
@@ -6523,7 +6732,7 @@
           <p:cNvPr id="3" name="Tijdelijke aanduiding voor inhoud 2">
             <a:extLst>
               <a:ext uri="{FF2B5EF4-FFF2-40B4-BE49-F238E27FC236}">
-                <a16:creationId xmlns:a16="http://schemas.microsoft.com/office/drawing/2014/main" id="{AE972C5A-A910-4AF5-871D-EF483B0B6EEC}"/>
+                <a16:creationId xmlns:a16="http://schemas.microsoft.com/office/drawing/2014/main" id="{CCCB688C-B556-493F-A434-B2351662B033}"/>
               </a:ext>
             </a:extLst>
           </p:cNvPr>
@@ -6536,116 +6745,278 @@
         </p:nvSpPr>
         <p:spPr/>
         <p:txBody>
-          <a:bodyPr/>
+          <a:bodyPr>
+            <a:normAutofit fontScale="70000" lnSpcReduction="20000"/>
+          </a:bodyPr>
           <a:lstStyle/>
           <a:p>
             <a:r>
               <a:rPr lang="nl-NL" dirty="0"/>
-              <a:t>Speelhal valt deels buiten grens Zuilichem, moet alleen binnen de grens vallen.</a:t>
-            </a:r>
+              <a:t>A) Wijzigen van de naam van een activiteit</a:t>
+            </a:r>
+          </a:p>
+          <a:p>
+            <a:pPr lvl="1"/>
+            <a:r>
+              <a:rPr lang="nl-NL" dirty="0">
+                <a:solidFill>
+                  <a:schemeClr val="accent6">
+                    <a:lumMod val="75000"/>
+                  </a:schemeClr>
+                </a:solidFill>
+              </a:rPr>
+              <a:t>Activiteit</a:t>
+            </a:r>
+            <a:r>
+              <a:rPr lang="nl-NL" dirty="0"/>
+              <a:t>: uitoefenen van bedrijfstypen van categorie </a:t>
+            </a:r>
+            <a:r>
+              <a:rPr lang="nl-NL" strike="sngStrike" dirty="0">
+                <a:solidFill>
+                  <a:srgbClr val="FF0000"/>
+                </a:solidFill>
+              </a:rPr>
+              <a:t>2</a:t>
+            </a:r>
+            <a:r>
+              <a:rPr lang="nl-NL" dirty="0"/>
+              <a:t>3</a:t>
+            </a:r>
+          </a:p>
+          <a:p>
+            <a:r>
+              <a:rPr lang="nl-NL" dirty="0"/>
+              <a:t>B) beëindigen van activiteit</a:t>
+            </a:r>
+          </a:p>
+          <a:p>
+            <a:pPr lvl="1"/>
+            <a:r>
+              <a:rPr lang="nl-NL" strike="sngStrike" dirty="0">
+                <a:solidFill>
+                  <a:srgbClr val="FF0000"/>
+                </a:solidFill>
+                <a:highlight>
+                  <a:srgbClr val="FFFFFF"/>
+                </a:highlight>
+              </a:rPr>
+              <a:t>opslaan van motorbrandstoffen niet zijnde lpg </a:t>
+            </a:r>
+            <a:r>
+              <a:rPr lang="nl-NL" dirty="0">
+                <a:solidFill>
+                  <a:srgbClr val="000000"/>
+                </a:solidFill>
+                <a:highlight>
+                  <a:srgbClr val="FFFFFF"/>
+                </a:highlight>
+              </a:rPr>
+              <a:t>laten beëindigen</a:t>
+            </a:r>
+            <a:endParaRPr lang="nl-NL" dirty="0"/>
+          </a:p>
+          <a:p>
+            <a:r>
+              <a:rPr lang="nl-NL" dirty="0"/>
+              <a:t>C) Wijzigen van bovenliggende activiteit</a:t>
+            </a:r>
+          </a:p>
+          <a:p>
+            <a:pPr lvl="1"/>
+            <a:r>
+              <a:rPr lang="nl-NL" dirty="0" err="1">
+                <a:solidFill>
+                  <a:schemeClr val="accent6">
+                    <a:lumMod val="75000"/>
+                  </a:schemeClr>
+                </a:solidFill>
+              </a:rPr>
+              <a:t>BovenliggendeActiviteit</a:t>
+            </a:r>
+            <a:r>
+              <a:rPr lang="nl-NL" dirty="0"/>
+              <a:t> (bij Activiteit: exploiteren verkooppunt motorbrandstoffen): </a:t>
+            </a:r>
+            <a:r>
+              <a:rPr lang="nl-NL" strike="sngStrike" dirty="0" err="1">
+                <a:solidFill>
+                  <a:srgbClr val="FF0000"/>
+                </a:solidFill>
+                <a:highlight>
+                  <a:srgbClr val="FFFFFF"/>
+                </a:highlight>
+              </a:rPr>
+              <a:t>ActiviteitGevolgenFysiekeLeefomg</a:t>
+            </a:r>
+            <a:r>
+              <a:rPr lang="nl-NL" dirty="0"/>
+              <a:t> uitoefenen van bedrijfstypen van categorie 3</a:t>
+            </a:r>
+          </a:p>
+          <a:p>
+            <a:r>
+              <a:rPr lang="nl-NL" dirty="0"/>
+              <a:t>D) Wijzigen van gerelateerde activiteit</a:t>
+            </a:r>
+          </a:p>
+          <a:p>
+            <a:pPr lvl="1"/>
+            <a:r>
+              <a:rPr lang="nl-NL" dirty="0">
+                <a:solidFill>
+                  <a:srgbClr val="000000"/>
+                </a:solidFill>
+                <a:highlight>
+                  <a:srgbClr val="FFFFFF"/>
+                </a:highlight>
+              </a:rPr>
+              <a:t>uitoefenen van bedrijfstypen van categorie 3 is</a:t>
+            </a:r>
+            <a:br>
+              <a:rPr lang="nl-NL" dirty="0">
+                <a:solidFill>
+                  <a:srgbClr val="000000"/>
+                </a:solidFill>
+                <a:highlight>
+                  <a:srgbClr val="FFFFFF"/>
+                </a:highlight>
+              </a:rPr>
+            </a:br>
+            <a:r>
+              <a:rPr lang="nl-NL" dirty="0"/>
+              <a:t>gerelateerd aan uitoefenen van detailhandel in ter plaatse vervaardigde goederen</a:t>
+            </a:r>
+          </a:p>
+          <a:p>
+            <a:r>
+              <a:rPr lang="nl-NL" dirty="0"/>
+              <a:t>E) Toevoegen van een activiteit</a:t>
+            </a:r>
+          </a:p>
+          <a:p>
+            <a:pPr lvl="1"/>
+            <a:r>
+              <a:rPr lang="nl-NL" dirty="0">
+                <a:solidFill>
+                  <a:schemeClr val="accent6">
+                    <a:lumMod val="75000"/>
+                  </a:schemeClr>
+                </a:solidFill>
+              </a:rPr>
+              <a:t>Activiteit</a:t>
+            </a:r>
+            <a:r>
+              <a:rPr lang="nl-NL" dirty="0"/>
+              <a:t>: </a:t>
+            </a:r>
+            <a:r>
+              <a:rPr lang="nl-NL" dirty="0">
+                <a:solidFill>
+                  <a:srgbClr val="000000"/>
+                </a:solidFill>
+                <a:highlight>
+                  <a:srgbClr val="FFFFFF"/>
+                </a:highlight>
+              </a:rPr>
+              <a:t>exploiteren van een aan de woonfunctie ondergeschikt bedrijf aan huis</a:t>
+            </a:r>
+          </a:p>
+          <a:p>
+            <a:pPr lvl="1"/>
+            <a:r>
+              <a:rPr lang="nl-NL" dirty="0">
+                <a:solidFill>
+                  <a:schemeClr val="accent6">
+                    <a:lumMod val="75000"/>
+                  </a:schemeClr>
+                </a:solidFill>
+                <a:highlight>
+                  <a:srgbClr val="FFFFFF"/>
+                </a:highlight>
+              </a:rPr>
+              <a:t>Regeltekst</a:t>
+            </a:r>
+            <a:r>
+              <a:rPr lang="nl-NL" dirty="0">
+                <a:solidFill>
+                  <a:srgbClr val="000000"/>
+                </a:solidFill>
+                <a:highlight>
+                  <a:srgbClr val="FFFFFF"/>
+                </a:highlight>
+              </a:rPr>
+              <a:t>: meer verwijzingen naar activiteiten (sporten, wonen, etc.) geannoteerd vanuit </a:t>
+            </a:r>
+            <a:r>
+              <a:rPr lang="nl-NL" dirty="0">
+                <a:solidFill>
+                  <a:schemeClr val="accent1">
+                    <a:lumMod val="75000"/>
+                  </a:schemeClr>
+                </a:solidFill>
+                <a:highlight>
+                  <a:srgbClr val="FFFFFF"/>
+                </a:highlight>
+              </a:rPr>
+              <a:t>Artikel 2.10</a:t>
+            </a:r>
+          </a:p>
+          <a:p>
+            <a:r>
+              <a:rPr lang="nl-NL" dirty="0"/>
+              <a:t>F) Aanpassen van een activiteitgroep</a:t>
+            </a:r>
+          </a:p>
+          <a:p>
+            <a:pPr lvl="1"/>
+            <a:r>
+              <a:rPr lang="nl-NL" dirty="0">
+                <a:solidFill>
+                  <a:schemeClr val="accent6">
+                    <a:lumMod val="75000"/>
+                  </a:schemeClr>
+                </a:solidFill>
+              </a:rPr>
+              <a:t>Activiteitgroep</a:t>
+            </a:r>
+            <a:r>
+              <a:rPr lang="nl-NL" dirty="0"/>
+              <a:t>: </a:t>
+            </a:r>
+            <a:r>
+              <a:rPr lang="nl-NL" strike="sngStrike" dirty="0" err="1">
+                <a:solidFill>
+                  <a:srgbClr val="FF0000"/>
+                </a:solidFill>
+              </a:rPr>
+              <a:t>ExploitatieActiviteitDetailhandel</a:t>
+            </a:r>
+            <a:r>
+              <a:rPr lang="nl-NL" strike="sngStrike" dirty="0">
+                <a:solidFill>
+                  <a:srgbClr val="FF0000"/>
+                </a:solidFill>
+              </a:rPr>
+              <a:t> </a:t>
+            </a:r>
+            <a:r>
+              <a:rPr lang="nl-NL" dirty="0"/>
+              <a:t>Standplaatsactiviteit</a:t>
+            </a:r>
+          </a:p>
+          <a:p>
+            <a:endParaRPr lang="nl-NL" dirty="0"/>
+          </a:p>
+          <a:p>
+            <a:endParaRPr lang="nl-NL" dirty="0"/>
           </a:p>
         </p:txBody>
       </p:sp>
-      <p:sp>
-        <p:nvSpPr>
-          <p:cNvPr id="6" name="Tekstvak 5">
-            <a:extLst>
-              <a:ext uri="{FF2B5EF4-FFF2-40B4-BE49-F238E27FC236}">
-                <a16:creationId xmlns:a16="http://schemas.microsoft.com/office/drawing/2014/main" id="{3E199FF9-9457-47EE-8992-D56354F6E548}"/>
-              </a:ext>
-            </a:extLst>
-          </p:cNvPr>
-          <p:cNvSpPr txBox="1"/>
-          <p:nvPr/>
-        </p:nvSpPr>
-        <p:spPr>
-          <a:xfrm>
-            <a:off x="562062" y="6090407"/>
-            <a:ext cx="11325138" cy="369332"/>
-          </a:xfrm>
-          <a:prstGeom prst="rect">
-            <a:avLst/>
-          </a:prstGeom>
-          <a:noFill/>
-        </p:spPr>
-        <p:txBody>
-          <a:bodyPr wrap="square" rtlCol="0">
-            <a:spAutoFit/>
-          </a:bodyPr>
-          <a:lstStyle/>
-          <a:p>
-            <a:r>
-              <a:rPr lang="nl-NL" dirty="0"/>
-              <a:t>Let op dat het splitsen van GIO ook beschreven wordt. </a:t>
-            </a:r>
-            <a:endParaRPr lang="en-NL" dirty="0"/>
-          </a:p>
-        </p:txBody>
-      </p:sp>
-      <p:pic>
-        <p:nvPicPr>
-          <p:cNvPr id="5" name="Afbeelding 4">
-            <a:extLst>
-              <a:ext uri="{FF2B5EF4-FFF2-40B4-BE49-F238E27FC236}">
-                <a16:creationId xmlns:a16="http://schemas.microsoft.com/office/drawing/2014/main" id="{A4539461-A403-4265-97C2-3DB919852580}"/>
-              </a:ext>
-            </a:extLst>
-          </p:cNvPr>
-          <p:cNvPicPr>
-            <a:picLocks noChangeAspect="1"/>
-          </p:cNvPicPr>
-          <p:nvPr/>
-        </p:nvPicPr>
-        <p:blipFill>
-          <a:blip r:embed="rId2"/>
-          <a:stretch>
-            <a:fillRect/>
-          </a:stretch>
-        </p:blipFill>
-        <p:spPr>
-          <a:xfrm>
-            <a:off x="838200" y="2831340"/>
-            <a:ext cx="3328274" cy="2253353"/>
-          </a:xfrm>
-          <a:prstGeom prst="rect">
-            <a:avLst/>
-          </a:prstGeom>
-        </p:spPr>
-      </p:pic>
-      <p:pic>
-        <p:nvPicPr>
-          <p:cNvPr id="7" name="Afbeelding 6">
-            <a:extLst>
-              <a:ext uri="{FF2B5EF4-FFF2-40B4-BE49-F238E27FC236}">
-                <a16:creationId xmlns:a16="http://schemas.microsoft.com/office/drawing/2014/main" id="{9F23D0D8-7A5C-4016-A1A2-4680B7CDE9C6}"/>
-              </a:ext>
-            </a:extLst>
-          </p:cNvPr>
-          <p:cNvPicPr>
-            <a:picLocks noChangeAspect="1"/>
-          </p:cNvPicPr>
-          <p:nvPr/>
-        </p:nvPicPr>
-        <p:blipFill>
-          <a:blip r:embed="rId3"/>
-          <a:stretch>
-            <a:fillRect/>
-          </a:stretch>
-        </p:blipFill>
-        <p:spPr>
-          <a:xfrm>
-            <a:off x="5674236" y="2831341"/>
-            <a:ext cx="3328272" cy="2253352"/>
-          </a:xfrm>
-          <a:prstGeom prst="rect">
-            <a:avLst/>
-          </a:prstGeom>
-        </p:spPr>
-      </p:pic>
     </p:spTree>
     <p:extLst>
       <p:ext uri="{BB962C8B-B14F-4D97-AF65-F5344CB8AC3E}">
-        <p14:creationId xmlns:p14="http://schemas.microsoft.com/office/powerpoint/2010/main" val="2119514897"/>
+        <p14:creationId xmlns:p14="http://schemas.microsoft.com/office/powerpoint/2010/main" val="3610387231"/>
       </p:ext>
     </p:extLst>
   </p:cSld>
@@ -6677,7 +7048,7 @@
           <p:cNvPr id="2" name="Titel 1">
             <a:extLst>
               <a:ext uri="{FF2B5EF4-FFF2-40B4-BE49-F238E27FC236}">
-                <a16:creationId xmlns:a16="http://schemas.microsoft.com/office/drawing/2014/main" id="{364F0A66-22F9-4534-ABAF-49C7B8055210}"/>
+                <a16:creationId xmlns:a16="http://schemas.microsoft.com/office/drawing/2014/main" id="{484EEAA5-9865-41D6-846A-6C1B736FBC2A}"/>
               </a:ext>
             </a:extLst>
           </p:cNvPr>
@@ -6695,7 +7066,7 @@
           <a:p>
             <a:r>
               <a:rPr lang="nl-NL" dirty="0"/>
-              <a:t>4b) alleen GIO wijzigen (normwaarde) TODO</a:t>
+              <a:t>10a) wijziging van de naam van een activiteit</a:t>
             </a:r>
           </a:p>
         </p:txBody>
@@ -6705,7 +7076,7 @@
           <p:cNvPr id="3" name="Tijdelijke aanduiding voor inhoud 2">
             <a:extLst>
               <a:ext uri="{FF2B5EF4-FFF2-40B4-BE49-F238E27FC236}">
-                <a16:creationId xmlns:a16="http://schemas.microsoft.com/office/drawing/2014/main" id="{5DA6BA0F-543E-44F7-9115-68E47E1907FA}"/>
+                <a16:creationId xmlns:a16="http://schemas.microsoft.com/office/drawing/2014/main" id="{3C3CBADF-C965-484C-8633-1D14D6BA29F2}"/>
               </a:ext>
             </a:extLst>
           </p:cNvPr>
@@ -6718,94 +7089,32 @@
         </p:nvSpPr>
         <p:spPr/>
         <p:txBody>
-          <a:bodyPr>
-            <a:normAutofit/>
-          </a:bodyPr>
+          <a:bodyPr/>
           <a:lstStyle/>
           <a:p>
             <a:r>
               <a:rPr lang="nl-NL" dirty="0"/>
-              <a:t>Bouwhoogte van 13 meter </a:t>
-            </a:r>
-            <a:r>
-              <a:rPr lang="nl-NL"/>
-              <a:t>wordt 15 </a:t>
-            </a:r>
-            <a:r>
-              <a:rPr lang="nl-NL" dirty="0"/>
-              <a:t>meter</a:t>
-            </a:r>
-          </a:p>
-          <a:p>
-            <a:endParaRPr lang="nl-NL" dirty="0"/>
-          </a:p>
-          <a:p>
-            <a:r>
-              <a:rPr lang="nl-NL" dirty="0"/>
-              <a:t>Geen wijziging in artikeltekst nodig i.v.m. verwijzing naar GIO.</a:t>
-            </a:r>
-          </a:p>
-          <a:p>
-            <a:pPr lvl="1"/>
-            <a:r>
-              <a:rPr lang="nl-NL" i="1" dirty="0"/>
-              <a:t>De maximum bouwhoogte van een bedrijfsgebouw is de ter plaatse van het werkingsgebied 'maximum bouwhoogte bedrijfsgebouw' bepaalde waarde.</a:t>
-            </a:r>
-          </a:p>
-          <a:p>
-            <a:pPr lvl="1"/>
-            <a:r>
-              <a:rPr lang="nl-NL" i="1" dirty="0">
-                <a:solidFill>
-                  <a:schemeClr val="accent1"/>
-                </a:solidFill>
-              </a:rPr>
-              <a:t>Locatie aan de OP-kant krijgt een andere waarde. </a:t>
-            </a:r>
-            <a:br>
-              <a:rPr lang="nl-NL" i="1" dirty="0">
-                <a:solidFill>
-                  <a:schemeClr val="accent1"/>
-                </a:solidFill>
-              </a:rPr>
-            </a:br>
-            <a:r>
-              <a:rPr lang="nl-NL" i="1" dirty="0">
-                <a:solidFill>
-                  <a:schemeClr val="accent1"/>
-                </a:solidFill>
-              </a:rPr>
-              <a:t>(Hoe dit werkt met GIO-mutaties weet ik nog niet.)</a:t>
-            </a:r>
-          </a:p>
-          <a:p>
-            <a:endParaRPr lang="nl-NL" i="1" dirty="0"/>
-          </a:p>
-          <a:p>
-            <a:r>
-              <a:rPr lang="nl-NL" dirty="0">
-                <a:solidFill>
-                  <a:schemeClr val="accent6">
-                    <a:lumMod val="60000"/>
-                    <a:lumOff val="40000"/>
-                  </a:schemeClr>
-                </a:solidFill>
-              </a:rPr>
-              <a:t>Nl.imow-gm0037.Normwaarde.201900001 wordt aangepast, krijgt nieuwe waarde (11)</a:t>
-            </a:r>
-          </a:p>
-          <a:p>
-            <a:endParaRPr lang="nl-NL" dirty="0"/>
-          </a:p>
-          <a:p>
-            <a:endParaRPr lang="nl-NL" i="1" dirty="0"/>
+              <a:t>Wijzigen van uitoefenen van bedrijfstypen van categorie 2</a:t>
+            </a:r>
+          </a:p>
+          <a:p>
+            <a:r>
+              <a:rPr lang="nl-NL" dirty="0"/>
+              <a:t>Naar:</a:t>
+            </a:r>
+          </a:p>
+          <a:p>
+            <a:r>
+              <a:rPr lang="nl-NL" dirty="0"/>
+              <a:t>uitoefenen van bedrijfstypen van categorie 3</a:t>
+            </a:r>
           </a:p>
         </p:txBody>
       </p:sp>
     </p:spTree>
     <p:extLst>
       <p:ext uri="{BB962C8B-B14F-4D97-AF65-F5344CB8AC3E}">
-        <p14:creationId xmlns:p14="http://schemas.microsoft.com/office/powerpoint/2010/main" val="3650974616"/>
+        <p14:creationId xmlns:p14="http://schemas.microsoft.com/office/powerpoint/2010/main" val="967091447"/>
       </p:ext>
     </p:extLst>
   </p:cSld>
@@ -6837,7 +7146,7 @@
           <p:cNvPr id="2" name="Titel 1">
             <a:extLst>
               <a:ext uri="{FF2B5EF4-FFF2-40B4-BE49-F238E27FC236}">
-                <a16:creationId xmlns:a16="http://schemas.microsoft.com/office/drawing/2014/main" id="{B45274A4-D85E-4921-9687-A6DF881FC0DC}"/>
+                <a16:creationId xmlns:a16="http://schemas.microsoft.com/office/drawing/2014/main" id="{B0BBD7E6-78FD-4326-81E2-D16D064F8606}"/>
               </a:ext>
             </a:extLst>
           </p:cNvPr>
@@ -6854,12 +7163,8 @@
           <a:lstStyle/>
           <a:p>
             <a:r>
-              <a:rPr lang="nl-NL" b="1" dirty="0"/>
-              <a:t>4c</a:t>
-            </a:r>
-            <a:r>
-              <a:rPr lang="nl-NL" dirty="0"/>
-              <a:t>) wijzigen van de tekst van het artikel, inclusief het wijzigen van een GIO</a:t>
+              <a:rPr lang="nl-NL" dirty="0"/>
+              <a:t>10b) vervangen van activiteit-locaties (alleen IMOW) </a:t>
             </a:r>
           </a:p>
         </p:txBody>
@@ -6869,7 +7174,7 @@
           <p:cNvPr id="3" name="Tijdelijke aanduiding voor inhoud 2">
             <a:extLst>
               <a:ext uri="{FF2B5EF4-FFF2-40B4-BE49-F238E27FC236}">
-                <a16:creationId xmlns:a16="http://schemas.microsoft.com/office/drawing/2014/main" id="{501589A3-99CD-447C-BB9D-1D180E14E39A}"/>
+                <a16:creationId xmlns:a16="http://schemas.microsoft.com/office/drawing/2014/main" id="{78D5A364-B398-46DF-816A-C04BA7FB6584}"/>
               </a:ext>
             </a:extLst>
           </p:cNvPr>
@@ -6886,339 +7191,22 @@
           <a:lstStyle/>
           <a:p>
             <a:r>
-              <a:rPr lang="nl-NL" dirty="0"/>
-              <a:t>In dit mutatiescenario:</a:t>
-            </a:r>
-          </a:p>
-          <a:p>
-            <a:pPr lvl="1"/>
-            <a:r>
-              <a:rPr lang="nl-NL" dirty="0"/>
-              <a:t>Artikel: 2.10</a:t>
-            </a:r>
-          </a:p>
-          <a:p>
-            <a:pPr lvl="2"/>
-            <a:r>
-              <a:rPr lang="nl-NL" dirty="0"/>
-              <a:t>Ter plaatse van het werkingsgebied van de functie 'Centrumgebied' mag de locatie in ieder geval worden gebruikt voor het verrichten van de volgende gebruiksactiviteiten:</a:t>
-            </a:r>
-          </a:p>
-          <a:p>
-            <a:pPr lvl="3"/>
-            <a:r>
-              <a:rPr lang="nl-NL" dirty="0"/>
-              <a:t>Het </a:t>
-            </a:r>
-            <a:r>
-              <a:rPr lang="nl-NL" dirty="0">
-                <a:solidFill>
-                  <a:srgbClr val="C00000"/>
-                </a:solidFill>
-              </a:rPr>
-              <a:t>&lt;</a:t>
-            </a:r>
-            <a:r>
-              <a:rPr lang="nl-NL" dirty="0" err="1">
-                <a:solidFill>
-                  <a:srgbClr val="C00000"/>
-                </a:solidFill>
-              </a:rPr>
-              <a:t>verwijderdeTekst</a:t>
-            </a:r>
-            <a:r>
-              <a:rPr lang="nl-NL" dirty="0">
-                <a:solidFill>
-                  <a:srgbClr val="C00000"/>
-                </a:solidFill>
-              </a:rPr>
-              <a:t>&gt;</a:t>
-            </a:r>
-            <a:r>
-              <a:rPr lang="nl-NL" dirty="0"/>
-              <a:t>uitoefenen van dienstverlening</a:t>
-            </a:r>
-            <a:r>
-              <a:rPr lang="nl-NL" dirty="0">
-                <a:solidFill>
-                  <a:srgbClr val="C00000"/>
-                </a:solidFill>
-              </a:rPr>
-              <a:t>&lt;/</a:t>
-            </a:r>
-            <a:r>
-              <a:rPr lang="nl-NL" dirty="0" err="1">
-                <a:solidFill>
-                  <a:srgbClr val="C00000"/>
-                </a:solidFill>
-              </a:rPr>
-              <a:t>verwijderdeTekst</a:t>
-            </a:r>
-            <a:r>
-              <a:rPr lang="nl-NL" dirty="0">
-                <a:solidFill>
-                  <a:srgbClr val="C00000"/>
-                </a:solidFill>
-              </a:rPr>
-              <a:t>&gt; </a:t>
-            </a:r>
-            <a:r>
-              <a:rPr lang="nl-NL" dirty="0">
-                <a:solidFill>
-                  <a:schemeClr val="accent1"/>
-                </a:solidFill>
-              </a:rPr>
-              <a:t>&lt;</a:t>
-            </a:r>
-            <a:r>
-              <a:rPr lang="nl-NL" dirty="0" err="1">
-                <a:solidFill>
-                  <a:schemeClr val="accent1"/>
-                </a:solidFill>
-              </a:rPr>
-              <a:t>nieuweTekst</a:t>
-            </a:r>
-            <a:r>
-              <a:rPr lang="nl-NL" dirty="0">
-                <a:solidFill>
-                  <a:schemeClr val="accent1"/>
-                </a:solidFill>
-              </a:rPr>
-              <a:t>&gt;</a:t>
-            </a:r>
-            <a:r>
-              <a:rPr lang="nl-NL" dirty="0"/>
-              <a:t>verlenen van diensten</a:t>
-            </a:r>
-            <a:r>
-              <a:rPr lang="nl-NL" dirty="0">
-                <a:solidFill>
-                  <a:schemeClr val="accent1"/>
-                </a:solidFill>
-              </a:rPr>
-              <a:t>&lt;/</a:t>
-            </a:r>
-            <a:r>
-              <a:rPr lang="nl-NL" dirty="0" err="1">
-                <a:solidFill>
-                  <a:schemeClr val="accent1"/>
-                </a:solidFill>
-              </a:rPr>
-              <a:t>nieuweTekst</a:t>
-            </a:r>
-            <a:r>
-              <a:rPr lang="nl-NL" dirty="0">
-                <a:solidFill>
-                  <a:schemeClr val="accent1"/>
-                </a:solidFill>
-              </a:rPr>
-              <a:t>&gt;</a:t>
-            </a:r>
-            <a:endParaRPr lang="nl-NL" u="sng" dirty="0">
-              <a:solidFill>
-                <a:schemeClr val="accent1"/>
-              </a:solidFill>
-            </a:endParaRPr>
-          </a:p>
-          <a:p>
-            <a:pPr lvl="2"/>
-            <a:r>
-              <a:rPr lang="nl-NL" dirty="0">
-                <a:solidFill>
-                  <a:schemeClr val="accent1"/>
-                </a:solidFill>
-              </a:rPr>
-              <a:t>Beëindigen (</a:t>
-            </a:r>
-            <a:r>
-              <a:rPr lang="nl-NL" i="1" dirty="0">
-                <a:solidFill>
-                  <a:schemeClr val="accent1"/>
-                </a:solidFill>
-              </a:rPr>
-              <a:t>uitzetten/deactiveren) </a:t>
-            </a:r>
-            <a:r>
-              <a:rPr lang="nl-NL" dirty="0">
-                <a:solidFill>
-                  <a:schemeClr val="accent1"/>
-                </a:solidFill>
-              </a:rPr>
-              <a:t>van huidige GIO ‘Centrumgebied’ (</a:t>
-            </a:r>
-            <a:r>
-              <a:rPr lang="nl-NL" i="1" dirty="0" err="1">
-                <a:solidFill>
-                  <a:schemeClr val="accent1"/>
-                </a:solidFill>
-              </a:rPr>
-              <a:t>verwijderdeLocatie</a:t>
-            </a:r>
-            <a:r>
-              <a:rPr lang="nl-NL" dirty="0">
-                <a:solidFill>
-                  <a:schemeClr val="accent1"/>
-                </a:solidFill>
-              </a:rPr>
-              <a:t>) </a:t>
-            </a:r>
-          </a:p>
-          <a:p>
-            <a:pPr lvl="2"/>
-            <a:r>
-              <a:rPr lang="nl-NL" dirty="0">
-                <a:solidFill>
-                  <a:schemeClr val="accent1"/>
-                </a:solidFill>
-              </a:rPr>
-              <a:t>Toevoegen nieuwe GIO ‘Nieuw centrumgebied’ (</a:t>
-            </a:r>
-            <a:r>
-              <a:rPr lang="nl-NL" i="1" dirty="0" err="1">
-                <a:solidFill>
-                  <a:schemeClr val="accent1"/>
-                </a:solidFill>
-              </a:rPr>
-              <a:t>toegevoegdeLocatie</a:t>
-            </a:r>
-            <a:r>
-              <a:rPr lang="nl-NL" dirty="0">
-                <a:solidFill>
-                  <a:schemeClr val="accent1"/>
-                </a:solidFill>
-              </a:rPr>
-              <a:t>)</a:t>
-            </a:r>
-          </a:p>
-          <a:p>
-            <a:pPr lvl="2"/>
-            <a:r>
-              <a:rPr lang="nl-NL" dirty="0">
-                <a:solidFill>
-                  <a:schemeClr val="accent6"/>
-                </a:solidFill>
-              </a:rPr>
-              <a:t>locatieaanduiding (= verwijzing naar nieuw gebied, dus verwijzing bewerkstelligde objecten moeten datum </a:t>
-            </a:r>
-            <a:r>
-              <a:rPr lang="nl-NL" i="1" dirty="0" err="1">
-                <a:solidFill>
-                  <a:schemeClr val="accent6"/>
-                </a:solidFill>
-              </a:rPr>
-              <a:t>geldigTot</a:t>
-            </a:r>
-            <a:r>
-              <a:rPr lang="nl-NL" dirty="0">
-                <a:solidFill>
-                  <a:schemeClr val="accent6"/>
-                </a:solidFill>
-              </a:rPr>
-              <a:t> krijgen en nieuwe versie maken met </a:t>
-            </a:r>
-            <a:r>
-              <a:rPr lang="nl-NL" i="1" dirty="0" err="1">
-                <a:solidFill>
-                  <a:schemeClr val="accent6"/>
-                </a:solidFill>
-              </a:rPr>
-              <a:t>geldigVanaf</a:t>
-            </a:r>
-            <a:r>
-              <a:rPr lang="nl-NL" dirty="0">
-                <a:solidFill>
-                  <a:schemeClr val="accent6"/>
-                </a:solidFill>
-              </a:rPr>
-              <a:t>)</a:t>
-            </a:r>
-            <a:endParaRPr lang="nl-NL" dirty="0">
-              <a:solidFill>
-                <a:schemeClr val="accent1"/>
-              </a:solidFill>
-            </a:endParaRPr>
-          </a:p>
-          <a:p>
-            <a:endParaRPr lang="nl-NL" dirty="0"/>
+              <a:rPr lang="nl-NL" i="1" dirty="0"/>
+              <a:t>Ben heel sceptisch t.o.v. deze, heel hypothetisch dat dit voorkomt</a:t>
+            </a:r>
+          </a:p>
+          <a:p>
+            <a:r>
+              <a:rPr lang="nl-NL" dirty="0"/>
+              <a:t>Vraag: is er een scenario te bedenken waarbij je dit doet zonder een GIO te wijzigen?</a:t>
+            </a:r>
           </a:p>
         </p:txBody>
       </p:sp>
-      <p:pic>
-        <p:nvPicPr>
-          <p:cNvPr id="5" name="Afbeelding 4">
-            <a:extLst>
-              <a:ext uri="{FF2B5EF4-FFF2-40B4-BE49-F238E27FC236}">
-                <a16:creationId xmlns:a16="http://schemas.microsoft.com/office/drawing/2014/main" id="{E3D3F353-3F50-4D44-B564-CDADEE1E1295}"/>
-              </a:ext>
-            </a:extLst>
-          </p:cNvPr>
-          <p:cNvPicPr>
-            <a:picLocks noChangeAspect="1"/>
-          </p:cNvPicPr>
-          <p:nvPr/>
-        </p:nvPicPr>
-        <p:blipFill>
-          <a:blip r:embed="rId2">
-            <a:extLst>
-              <a:ext uri="{28A0092B-C50C-407E-A947-70E740481C1C}">
-                <a14:useLocalDpi xmlns:a14="http://schemas.microsoft.com/office/drawing/2010/main" val="0"/>
-              </a:ext>
-            </a:extLst>
-          </a:blip>
-          <a:stretch>
-            <a:fillRect/>
-          </a:stretch>
-        </p:blipFill>
-        <p:spPr>
-          <a:xfrm>
-            <a:off x="9990020" y="169462"/>
-            <a:ext cx="1863726" cy="1232324"/>
-          </a:xfrm>
-          <a:prstGeom prst="rect">
-            <a:avLst/>
-          </a:prstGeom>
-        </p:spPr>
-      </p:pic>
-      <p:pic>
-        <p:nvPicPr>
-          <p:cNvPr id="7" name="Afbeelding 6">
-            <a:extLst>
-              <a:ext uri="{FF2B5EF4-FFF2-40B4-BE49-F238E27FC236}">
-                <a16:creationId xmlns:a16="http://schemas.microsoft.com/office/drawing/2014/main" id="{9E4B932A-E8BA-4402-8760-7F4E0B10D871}"/>
-              </a:ext>
-            </a:extLst>
-          </p:cNvPr>
-          <p:cNvPicPr>
-            <a:picLocks noChangeAspect="1"/>
-          </p:cNvPicPr>
-          <p:nvPr/>
-        </p:nvPicPr>
-        <p:blipFill>
-          <a:blip r:embed="rId3">
-            <a:extLst>
-              <a:ext uri="{28A0092B-C50C-407E-A947-70E740481C1C}">
-                <a14:useLocalDpi xmlns:a14="http://schemas.microsoft.com/office/drawing/2010/main" val="0"/>
-              </a:ext>
-            </a:extLst>
-          </a:blip>
-          <a:stretch>
-            <a:fillRect/>
-          </a:stretch>
-        </p:blipFill>
-        <p:spPr>
-          <a:xfrm>
-            <a:off x="9990016" y="1401786"/>
-            <a:ext cx="1863728" cy="1232325"/>
-          </a:xfrm>
-          <a:prstGeom prst="rect">
-            <a:avLst/>
-          </a:prstGeom>
-        </p:spPr>
-      </p:pic>
     </p:spTree>
     <p:extLst>
       <p:ext uri="{BB962C8B-B14F-4D97-AF65-F5344CB8AC3E}">
-        <p14:creationId xmlns:p14="http://schemas.microsoft.com/office/powerpoint/2010/main" val="3795986993"/>
+        <p14:creationId xmlns:p14="http://schemas.microsoft.com/office/powerpoint/2010/main" val="61979609"/>
       </p:ext>
     </p:extLst>
   </p:cSld>
@@ -7250,7 +7238,7 @@
           <p:cNvPr id="2" name="Titel 1">
             <a:extLst>
               <a:ext uri="{FF2B5EF4-FFF2-40B4-BE49-F238E27FC236}">
-                <a16:creationId xmlns:a16="http://schemas.microsoft.com/office/drawing/2014/main" id="{681E3673-5B84-4EB0-933D-263FBAEBA15F}"/>
+                <a16:creationId xmlns:a16="http://schemas.microsoft.com/office/drawing/2014/main" id="{295AC485-AA89-40B3-AD32-3CA61389566E}"/>
               </a:ext>
             </a:extLst>
           </p:cNvPr>
@@ -7268,7 +7256,7 @@
           <a:p>
             <a:r>
               <a:rPr lang="nl-NL" dirty="0"/>
-              <a:t>10) Directe mutaties (zonder besluit)</a:t>
+              <a:t>10c) wijziging van bovenliggende activiteit</a:t>
             </a:r>
           </a:p>
         </p:txBody>
@@ -7278,7 +7266,7 @@
           <p:cNvPr id="3" name="Tijdelijke aanduiding voor inhoud 2">
             <a:extLst>
               <a:ext uri="{FF2B5EF4-FFF2-40B4-BE49-F238E27FC236}">
-                <a16:creationId xmlns:a16="http://schemas.microsoft.com/office/drawing/2014/main" id="{CCCB688C-B556-493F-A434-B2351662B033}"/>
+                <a16:creationId xmlns:a16="http://schemas.microsoft.com/office/drawing/2014/main" id="{A62287F5-ECCB-4C37-BE35-747B003BA1F2}"/>
               </a:ext>
             </a:extLst>
           </p:cNvPr>
@@ -7291,278 +7279,45 @@
         </p:nvSpPr>
         <p:spPr/>
         <p:txBody>
-          <a:bodyPr>
-            <a:normAutofit fontScale="70000" lnSpcReduction="20000"/>
-          </a:bodyPr>
+          <a:bodyPr/>
           <a:lstStyle/>
           <a:p>
             <a:r>
               <a:rPr lang="nl-NL" dirty="0"/>
-              <a:t>A) Wijzigen van de naam van een activiteit</a:t>
+              <a:t>uitoefenen van bedrijfstypen van </a:t>
+            </a:r>
+            <a:r>
+              <a:rPr lang="nl-NL"/>
+              <a:t>categorie 3</a:t>
+            </a:r>
+            <a:endParaRPr lang="nl-NL" dirty="0"/>
+          </a:p>
+          <a:p>
+            <a:r>
+              <a:rPr lang="nl-NL" dirty="0"/>
+              <a:t>De bovenliggende activiteit maken van: </a:t>
             </a:r>
           </a:p>
           <a:p>
             <a:pPr lvl="1"/>
             <a:r>
-              <a:rPr lang="nl-NL" dirty="0">
-                <a:solidFill>
-                  <a:schemeClr val="accent6">
-                    <a:lumMod val="75000"/>
-                  </a:schemeClr>
-                </a:solidFill>
-              </a:rPr>
-              <a:t>Activiteit</a:t>
-            </a:r>
-            <a:r>
-              <a:rPr lang="nl-NL" dirty="0"/>
-              <a:t>: uitoefenen van bedrijfstypen van categorie </a:t>
-            </a:r>
-            <a:r>
-              <a:rPr lang="nl-NL" strike="sngStrike" dirty="0">
-                <a:solidFill>
-                  <a:srgbClr val="FF0000"/>
-                </a:solidFill>
-              </a:rPr>
-              <a:t>2</a:t>
-            </a:r>
-            <a:r>
-              <a:rPr lang="nl-NL" dirty="0"/>
-              <a:t>3</a:t>
-            </a:r>
-          </a:p>
-          <a:p>
-            <a:r>
-              <a:rPr lang="nl-NL" dirty="0"/>
-              <a:t>B) beëindigen van activiteit</a:t>
+              <a:rPr lang="nl-NL" dirty="0"/>
+              <a:t>exploiteren van een verkooppunt voor motorbrandstoffen niet zijnde lpg</a:t>
             </a:r>
           </a:p>
           <a:p>
             <a:pPr lvl="1"/>
             <a:r>
-              <a:rPr lang="nl-NL" strike="sngStrike" dirty="0">
-                <a:solidFill>
-                  <a:srgbClr val="FF0000"/>
-                </a:solidFill>
-                <a:highlight>
-                  <a:srgbClr val="FFFFFF"/>
-                </a:highlight>
-              </a:rPr>
-              <a:t>opslaan van motorbrandstoffen niet zijnde lpg </a:t>
-            </a:r>
-            <a:r>
-              <a:rPr lang="nl-NL" dirty="0">
-                <a:solidFill>
-                  <a:srgbClr val="000000"/>
-                </a:solidFill>
-                <a:highlight>
-                  <a:srgbClr val="FFFFFF"/>
-                </a:highlight>
-              </a:rPr>
-              <a:t>laten beëindigen</a:t>
-            </a:r>
-            <a:endParaRPr lang="nl-NL" dirty="0"/>
-          </a:p>
-          <a:p>
-            <a:r>
-              <a:rPr lang="nl-NL" dirty="0"/>
-              <a:t>C) Wijzigen van bovenliggende activiteit</a:t>
-            </a:r>
-          </a:p>
-          <a:p>
-            <a:pPr lvl="1"/>
-            <a:r>
-              <a:rPr lang="nl-NL" dirty="0" err="1">
-                <a:solidFill>
-                  <a:schemeClr val="accent6">
-                    <a:lumMod val="75000"/>
-                  </a:schemeClr>
-                </a:solidFill>
-              </a:rPr>
-              <a:t>BovenliggendeActiviteit</a:t>
-            </a:r>
-            <a:r>
-              <a:rPr lang="nl-NL" dirty="0"/>
-              <a:t> (bij Activiteit: exploiteren verkooppunt motorbrandstoffen): </a:t>
-            </a:r>
-            <a:r>
-              <a:rPr lang="nl-NL" strike="sngStrike" dirty="0" err="1">
-                <a:solidFill>
-                  <a:srgbClr val="FF0000"/>
-                </a:solidFill>
-                <a:highlight>
-                  <a:srgbClr val="FFFFFF"/>
-                </a:highlight>
-              </a:rPr>
-              <a:t>ActiviteitGevolgenFysiekeLeefomg</a:t>
-            </a:r>
-            <a:r>
-              <a:rPr lang="nl-NL" dirty="0"/>
-              <a:t> uitoefenen van bedrijfstypen van categorie 3</a:t>
-            </a:r>
-          </a:p>
-          <a:p>
-            <a:r>
-              <a:rPr lang="nl-NL" dirty="0"/>
-              <a:t>D) Wijzigen van gerelateerde activiteit</a:t>
-            </a:r>
-          </a:p>
-          <a:p>
-            <a:pPr lvl="1"/>
-            <a:r>
-              <a:rPr lang="nl-NL" dirty="0">
-                <a:solidFill>
-                  <a:srgbClr val="000000"/>
-                </a:solidFill>
-                <a:highlight>
-                  <a:srgbClr val="FFFFFF"/>
-                </a:highlight>
-              </a:rPr>
-              <a:t>uitoefenen van bedrijfstypen van categorie 3 is</a:t>
-            </a:r>
-            <a:br>
-              <a:rPr lang="nl-NL" dirty="0">
-                <a:solidFill>
-                  <a:srgbClr val="000000"/>
-                </a:solidFill>
-                <a:highlight>
-                  <a:srgbClr val="FFFFFF"/>
-                </a:highlight>
-              </a:rPr>
-            </a:br>
-            <a:r>
-              <a:rPr lang="nl-NL" dirty="0"/>
-              <a:t>gerelateerd aan uitoefenen van detailhandel in ter plaatse vervaardigde goederen</a:t>
-            </a:r>
-          </a:p>
-          <a:p>
-            <a:r>
-              <a:rPr lang="nl-NL" dirty="0"/>
-              <a:t>E) Toevoegen van een activiteit</a:t>
-            </a:r>
-          </a:p>
-          <a:p>
-            <a:pPr lvl="1"/>
-            <a:r>
-              <a:rPr lang="nl-NL" dirty="0">
-                <a:solidFill>
-                  <a:schemeClr val="accent6">
-                    <a:lumMod val="75000"/>
-                  </a:schemeClr>
-                </a:solidFill>
-              </a:rPr>
-              <a:t>Activiteit</a:t>
-            </a:r>
-            <a:r>
-              <a:rPr lang="nl-NL" dirty="0"/>
-              <a:t>: </a:t>
-            </a:r>
-            <a:r>
-              <a:rPr lang="nl-NL" dirty="0">
-                <a:solidFill>
-                  <a:srgbClr val="000000"/>
-                </a:solidFill>
-                <a:highlight>
-                  <a:srgbClr val="FFFFFF"/>
-                </a:highlight>
-              </a:rPr>
-              <a:t>exploiteren van een aan de woonfunctie ondergeschikt bedrijf aan huis</a:t>
-            </a:r>
-          </a:p>
-          <a:p>
-            <a:pPr lvl="1"/>
-            <a:r>
-              <a:rPr lang="nl-NL" dirty="0">
-                <a:solidFill>
-                  <a:schemeClr val="accent6">
-                    <a:lumMod val="75000"/>
-                  </a:schemeClr>
-                </a:solidFill>
-                <a:highlight>
-                  <a:srgbClr val="FFFFFF"/>
-                </a:highlight>
-              </a:rPr>
-              <a:t>Regeltekst</a:t>
-            </a:r>
-            <a:r>
-              <a:rPr lang="nl-NL" dirty="0">
-                <a:solidFill>
-                  <a:srgbClr val="000000"/>
-                </a:solidFill>
-                <a:highlight>
-                  <a:srgbClr val="FFFFFF"/>
-                </a:highlight>
-              </a:rPr>
-              <a:t>: meer verwijzingen naar activiteiten (sporten, wonen, etc.) geannoteerd vanuit </a:t>
-            </a:r>
-            <a:r>
-              <a:rPr lang="nl-NL" dirty="0">
-                <a:solidFill>
-                  <a:schemeClr val="accent1">
-                    <a:lumMod val="75000"/>
-                  </a:schemeClr>
-                </a:solidFill>
-                <a:highlight>
-                  <a:srgbClr val="FFFFFF"/>
-                </a:highlight>
-              </a:rPr>
-              <a:t>Artikel 2.10</a:t>
-            </a:r>
-          </a:p>
-          <a:p>
-            <a:r>
-              <a:rPr lang="nl-NL" dirty="0"/>
-              <a:t>F) Aanpassen van een activiteitgroep</a:t>
-            </a:r>
-          </a:p>
-          <a:p>
-            <a:pPr lvl="1"/>
-            <a:r>
-              <a:rPr lang="nl-NL" dirty="0">
-                <a:solidFill>
-                  <a:schemeClr val="accent6">
-                    <a:lumMod val="75000"/>
-                  </a:schemeClr>
-                </a:solidFill>
-              </a:rPr>
-              <a:t>Activiteitgroep</a:t>
-            </a:r>
-            <a:r>
-              <a:rPr lang="nl-NL" dirty="0"/>
-              <a:t>: </a:t>
-            </a:r>
-            <a:r>
-              <a:rPr lang="nl-NL" strike="sngStrike" dirty="0" err="1">
-                <a:solidFill>
-                  <a:srgbClr val="FF0000"/>
-                </a:solidFill>
-              </a:rPr>
-              <a:t>ExploitatieActiviteitDetailhandel</a:t>
-            </a:r>
-            <a:r>
-              <a:rPr lang="nl-NL" strike="sngStrike" dirty="0">
-                <a:solidFill>
-                  <a:srgbClr val="FF0000"/>
-                </a:solidFill>
-              </a:rPr>
-              <a:t> </a:t>
-            </a:r>
-            <a:r>
-              <a:rPr lang="nl-NL" dirty="0"/>
-              <a:t>Standplaatsactiviteit</a:t>
-            </a:r>
-          </a:p>
-          <a:p>
-            <a:endParaRPr lang="nl-NL" dirty="0"/>
-          </a:p>
-          <a:p>
-            <a:endParaRPr lang="nl-NL" dirty="0"/>
+              <a:rPr lang="nl-NL" dirty="0"/>
+              <a:t>opslaan van motorbrandstoffen niet zijnde lpg</a:t>
+            </a:r>
           </a:p>
         </p:txBody>
       </p:sp>
     </p:spTree>
     <p:extLst>
       <p:ext uri="{BB962C8B-B14F-4D97-AF65-F5344CB8AC3E}">
-        <p14:creationId xmlns:p14="http://schemas.microsoft.com/office/powerpoint/2010/main" val="3610387231"/>
+        <p14:creationId xmlns:p14="http://schemas.microsoft.com/office/powerpoint/2010/main" val="3042136525"/>
       </p:ext>
     </p:extLst>
   </p:cSld>
@@ -7594,307 +7349,6 @@
           <p:cNvPr id="2" name="Titel 1">
             <a:extLst>
               <a:ext uri="{FF2B5EF4-FFF2-40B4-BE49-F238E27FC236}">
-                <a16:creationId xmlns:a16="http://schemas.microsoft.com/office/drawing/2014/main" id="{484EEAA5-9865-41D6-846A-6C1B736FBC2A}"/>
-              </a:ext>
-            </a:extLst>
-          </p:cNvPr>
-          <p:cNvSpPr>
-            <a:spLocks noGrp="1"/>
-          </p:cNvSpPr>
-          <p:nvPr>
-            <p:ph type="title"/>
-          </p:nvPr>
-        </p:nvSpPr>
-        <p:spPr/>
-        <p:txBody>
-          <a:bodyPr/>
-          <a:lstStyle/>
-          <a:p>
-            <a:r>
-              <a:rPr lang="nl-NL" dirty="0"/>
-              <a:t>10a) wijziging van de naam van een activiteit</a:t>
-            </a:r>
-          </a:p>
-        </p:txBody>
-      </p:sp>
-      <p:sp>
-        <p:nvSpPr>
-          <p:cNvPr id="3" name="Tijdelijke aanduiding voor inhoud 2">
-            <a:extLst>
-              <a:ext uri="{FF2B5EF4-FFF2-40B4-BE49-F238E27FC236}">
-                <a16:creationId xmlns:a16="http://schemas.microsoft.com/office/drawing/2014/main" id="{3C3CBADF-C965-484C-8633-1D14D6BA29F2}"/>
-              </a:ext>
-            </a:extLst>
-          </p:cNvPr>
-          <p:cNvSpPr>
-            <a:spLocks noGrp="1"/>
-          </p:cNvSpPr>
-          <p:nvPr>
-            <p:ph idx="1"/>
-          </p:nvPr>
-        </p:nvSpPr>
-        <p:spPr/>
-        <p:txBody>
-          <a:bodyPr/>
-          <a:lstStyle/>
-          <a:p>
-            <a:r>
-              <a:rPr lang="nl-NL" dirty="0"/>
-              <a:t>Wijzigen van uitoefenen van bedrijfstypen van categorie 2</a:t>
-            </a:r>
-          </a:p>
-          <a:p>
-            <a:r>
-              <a:rPr lang="nl-NL" dirty="0"/>
-              <a:t>Naar:</a:t>
-            </a:r>
-          </a:p>
-          <a:p>
-            <a:r>
-              <a:rPr lang="nl-NL" dirty="0"/>
-              <a:t>uitoefenen van bedrijfstypen van categorie 3</a:t>
-            </a:r>
-          </a:p>
-        </p:txBody>
-      </p:sp>
-    </p:spTree>
-    <p:extLst>
-      <p:ext uri="{BB962C8B-B14F-4D97-AF65-F5344CB8AC3E}">
-        <p14:creationId xmlns:p14="http://schemas.microsoft.com/office/powerpoint/2010/main" val="967091447"/>
-      </p:ext>
-    </p:extLst>
-  </p:cSld>
-  <p:clrMapOvr>
-    <a:masterClrMapping/>
-  </p:clrMapOvr>
-</p:sld>
-</file>
-
-<file path=ppt/slides/slide26.xml><?xml version="1.0" encoding="utf-8"?>
-<p:sld xmlns:a="http://schemas.openxmlformats.org/drawingml/2006/main" xmlns:r="http://schemas.openxmlformats.org/officeDocument/2006/relationships" xmlns:p="http://schemas.openxmlformats.org/presentationml/2006/main">
-  <p:cSld>
-    <p:spTree>
-      <p:nvGrpSpPr>
-        <p:cNvPr id="1" name=""/>
-        <p:cNvGrpSpPr/>
-        <p:nvPr/>
-      </p:nvGrpSpPr>
-      <p:grpSpPr>
-        <a:xfrm>
-          <a:off x="0" y="0"/>
-          <a:ext cx="0" cy="0"/>
-          <a:chOff x="0" y="0"/>
-          <a:chExt cx="0" cy="0"/>
-        </a:xfrm>
-      </p:grpSpPr>
-      <p:sp>
-        <p:nvSpPr>
-          <p:cNvPr id="2" name="Titel 1">
-            <a:extLst>
-              <a:ext uri="{FF2B5EF4-FFF2-40B4-BE49-F238E27FC236}">
-                <a16:creationId xmlns:a16="http://schemas.microsoft.com/office/drawing/2014/main" id="{B0BBD7E6-78FD-4326-81E2-D16D064F8606}"/>
-              </a:ext>
-            </a:extLst>
-          </p:cNvPr>
-          <p:cNvSpPr>
-            <a:spLocks noGrp="1"/>
-          </p:cNvSpPr>
-          <p:nvPr>
-            <p:ph type="title"/>
-          </p:nvPr>
-        </p:nvSpPr>
-        <p:spPr/>
-        <p:txBody>
-          <a:bodyPr/>
-          <a:lstStyle/>
-          <a:p>
-            <a:r>
-              <a:rPr lang="nl-NL" dirty="0"/>
-              <a:t>10b) vervangen van activiteit-locaties (alleen IMOW) </a:t>
-            </a:r>
-          </a:p>
-        </p:txBody>
-      </p:sp>
-      <p:sp>
-        <p:nvSpPr>
-          <p:cNvPr id="3" name="Tijdelijke aanduiding voor inhoud 2">
-            <a:extLst>
-              <a:ext uri="{FF2B5EF4-FFF2-40B4-BE49-F238E27FC236}">
-                <a16:creationId xmlns:a16="http://schemas.microsoft.com/office/drawing/2014/main" id="{78D5A364-B398-46DF-816A-C04BA7FB6584}"/>
-              </a:ext>
-            </a:extLst>
-          </p:cNvPr>
-          <p:cNvSpPr>
-            <a:spLocks noGrp="1"/>
-          </p:cNvSpPr>
-          <p:nvPr>
-            <p:ph idx="1"/>
-          </p:nvPr>
-        </p:nvSpPr>
-        <p:spPr/>
-        <p:txBody>
-          <a:bodyPr/>
-          <a:lstStyle/>
-          <a:p>
-            <a:r>
-              <a:rPr lang="nl-NL" i="1" dirty="0"/>
-              <a:t>Ben heel sceptisch t.o.v. deze, heel hypothetisch dat dit voorkomt</a:t>
-            </a:r>
-          </a:p>
-          <a:p>
-            <a:r>
-              <a:rPr lang="nl-NL" dirty="0"/>
-              <a:t>Vraag: is er een scenario te bedenken waarbij je dit doet zonder een GIO te wijzigen?</a:t>
-            </a:r>
-          </a:p>
-        </p:txBody>
-      </p:sp>
-    </p:spTree>
-    <p:extLst>
-      <p:ext uri="{BB962C8B-B14F-4D97-AF65-F5344CB8AC3E}">
-        <p14:creationId xmlns:p14="http://schemas.microsoft.com/office/powerpoint/2010/main" val="61979609"/>
-      </p:ext>
-    </p:extLst>
-  </p:cSld>
-  <p:clrMapOvr>
-    <a:masterClrMapping/>
-  </p:clrMapOvr>
-</p:sld>
-</file>
-
-<file path=ppt/slides/slide27.xml><?xml version="1.0" encoding="utf-8"?>
-<p:sld xmlns:a="http://schemas.openxmlformats.org/drawingml/2006/main" xmlns:r="http://schemas.openxmlformats.org/officeDocument/2006/relationships" xmlns:p="http://schemas.openxmlformats.org/presentationml/2006/main">
-  <p:cSld>
-    <p:spTree>
-      <p:nvGrpSpPr>
-        <p:cNvPr id="1" name=""/>
-        <p:cNvGrpSpPr/>
-        <p:nvPr/>
-      </p:nvGrpSpPr>
-      <p:grpSpPr>
-        <a:xfrm>
-          <a:off x="0" y="0"/>
-          <a:ext cx="0" cy="0"/>
-          <a:chOff x="0" y="0"/>
-          <a:chExt cx="0" cy="0"/>
-        </a:xfrm>
-      </p:grpSpPr>
-      <p:sp>
-        <p:nvSpPr>
-          <p:cNvPr id="2" name="Titel 1">
-            <a:extLst>
-              <a:ext uri="{FF2B5EF4-FFF2-40B4-BE49-F238E27FC236}">
-                <a16:creationId xmlns:a16="http://schemas.microsoft.com/office/drawing/2014/main" id="{295AC485-AA89-40B3-AD32-3CA61389566E}"/>
-              </a:ext>
-            </a:extLst>
-          </p:cNvPr>
-          <p:cNvSpPr>
-            <a:spLocks noGrp="1"/>
-          </p:cNvSpPr>
-          <p:nvPr>
-            <p:ph type="title"/>
-          </p:nvPr>
-        </p:nvSpPr>
-        <p:spPr/>
-        <p:txBody>
-          <a:bodyPr/>
-          <a:lstStyle/>
-          <a:p>
-            <a:r>
-              <a:rPr lang="nl-NL" dirty="0"/>
-              <a:t>10c) wijziging van bovenliggende activiteit</a:t>
-            </a:r>
-          </a:p>
-        </p:txBody>
-      </p:sp>
-      <p:sp>
-        <p:nvSpPr>
-          <p:cNvPr id="3" name="Tijdelijke aanduiding voor inhoud 2">
-            <a:extLst>
-              <a:ext uri="{FF2B5EF4-FFF2-40B4-BE49-F238E27FC236}">
-                <a16:creationId xmlns:a16="http://schemas.microsoft.com/office/drawing/2014/main" id="{A62287F5-ECCB-4C37-BE35-747B003BA1F2}"/>
-              </a:ext>
-            </a:extLst>
-          </p:cNvPr>
-          <p:cNvSpPr>
-            <a:spLocks noGrp="1"/>
-          </p:cNvSpPr>
-          <p:nvPr>
-            <p:ph idx="1"/>
-          </p:nvPr>
-        </p:nvSpPr>
-        <p:spPr/>
-        <p:txBody>
-          <a:bodyPr/>
-          <a:lstStyle/>
-          <a:p>
-            <a:r>
-              <a:rPr lang="nl-NL" dirty="0"/>
-              <a:t>uitoefenen van bedrijfstypen van </a:t>
-            </a:r>
-            <a:r>
-              <a:rPr lang="nl-NL"/>
-              <a:t>categorie 3</a:t>
-            </a:r>
-            <a:endParaRPr lang="nl-NL" dirty="0"/>
-          </a:p>
-          <a:p>
-            <a:r>
-              <a:rPr lang="nl-NL" dirty="0"/>
-              <a:t>De bovenliggende activiteit maken van: </a:t>
-            </a:r>
-          </a:p>
-          <a:p>
-            <a:pPr lvl="1"/>
-            <a:r>
-              <a:rPr lang="nl-NL" dirty="0"/>
-              <a:t>exploiteren van een verkooppunt voor motorbrandstoffen niet zijnde lpg</a:t>
-            </a:r>
-          </a:p>
-          <a:p>
-            <a:pPr lvl="1"/>
-            <a:r>
-              <a:rPr lang="nl-NL" dirty="0"/>
-              <a:t>opslaan van motorbrandstoffen niet zijnde lpg</a:t>
-            </a:r>
-          </a:p>
-        </p:txBody>
-      </p:sp>
-    </p:spTree>
-    <p:extLst>
-      <p:ext uri="{BB962C8B-B14F-4D97-AF65-F5344CB8AC3E}">
-        <p14:creationId xmlns:p14="http://schemas.microsoft.com/office/powerpoint/2010/main" val="3042136525"/>
-      </p:ext>
-    </p:extLst>
-  </p:cSld>
-  <p:clrMapOvr>
-    <a:masterClrMapping/>
-  </p:clrMapOvr>
-</p:sld>
-</file>
-
-<file path=ppt/slides/slide28.xml><?xml version="1.0" encoding="utf-8"?>
-<p:sld xmlns:a="http://schemas.openxmlformats.org/drawingml/2006/main" xmlns:r="http://schemas.openxmlformats.org/officeDocument/2006/relationships" xmlns:p="http://schemas.openxmlformats.org/presentationml/2006/main">
-  <p:cSld>
-    <p:spTree>
-      <p:nvGrpSpPr>
-        <p:cNvPr id="1" name=""/>
-        <p:cNvGrpSpPr/>
-        <p:nvPr/>
-      </p:nvGrpSpPr>
-      <p:grpSpPr>
-        <a:xfrm>
-          <a:off x="0" y="0"/>
-          <a:ext cx="0" cy="0"/>
-          <a:chOff x="0" y="0"/>
-          <a:chExt cx="0" cy="0"/>
-        </a:xfrm>
-      </p:grpSpPr>
-      <p:sp>
-        <p:nvSpPr>
-          <p:cNvPr id="2" name="Titel 1">
-            <a:extLst>
-              <a:ext uri="{FF2B5EF4-FFF2-40B4-BE49-F238E27FC236}">
                 <a16:creationId xmlns:a16="http://schemas.microsoft.com/office/drawing/2014/main" id="{C4A49873-16A7-4D86-A068-E5F3ED402856}"/>
               </a:ext>
             </a:extLst>
@@ -7974,7 +7428,7 @@
 </p:sld>
 </file>
 
-<file path=ppt/slides/slide29.xml><?xml version="1.0" encoding="utf-8"?>
+<file path=ppt/slides/slide26.xml><?xml version="1.0" encoding="utf-8"?>
 <p:sld xmlns:a="http://schemas.openxmlformats.org/drawingml/2006/main" xmlns:r="http://schemas.openxmlformats.org/officeDocument/2006/relationships" xmlns:p="http://schemas.openxmlformats.org/presentationml/2006/main">
   <p:cSld>
     <p:spTree>
@@ -8417,100 +7871,7 @@
 </p:sld>
 </file>
 
-<file path=ppt/slides/slide3.xml><?xml version="1.0" encoding="utf-8"?>
-<p:sld xmlns:a="http://schemas.openxmlformats.org/drawingml/2006/main" xmlns:r="http://schemas.openxmlformats.org/officeDocument/2006/relationships" xmlns:p="http://schemas.openxmlformats.org/presentationml/2006/main">
-  <p:cSld>
-    <p:spTree>
-      <p:nvGrpSpPr>
-        <p:cNvPr id="1" name=""/>
-        <p:cNvGrpSpPr/>
-        <p:nvPr/>
-      </p:nvGrpSpPr>
-      <p:grpSpPr>
-        <a:xfrm>
-          <a:off x="0" y="0"/>
-          <a:ext cx="0" cy="0"/>
-          <a:chOff x="0" y="0"/>
-          <a:chExt cx="0" cy="0"/>
-        </a:xfrm>
-      </p:grpSpPr>
-      <p:sp>
-        <p:nvSpPr>
-          <p:cNvPr id="2" name="Titel 1">
-            <a:extLst>
-              <a:ext uri="{FF2B5EF4-FFF2-40B4-BE49-F238E27FC236}">
-                <a16:creationId xmlns:a16="http://schemas.microsoft.com/office/drawing/2014/main" id="{B5E94B40-96F5-4A92-833B-5D8B6ED4794E}"/>
-              </a:ext>
-            </a:extLst>
-          </p:cNvPr>
-          <p:cNvSpPr>
-            <a:spLocks noGrp="1"/>
-          </p:cNvSpPr>
-          <p:nvPr>
-            <p:ph type="title"/>
-          </p:nvPr>
-        </p:nvSpPr>
-        <p:spPr/>
-        <p:txBody>
-          <a:bodyPr/>
-          <a:lstStyle/>
-          <a:p>
-            <a:r>
-              <a:rPr lang="nl-NL" dirty="0"/>
-              <a:t>Het </a:t>
-            </a:r>
-            <a:r>
-              <a:rPr lang="nl-NL" dirty="0" err="1"/>
-              <a:t>GPvE</a:t>
-            </a:r>
-            <a:endParaRPr lang="nl-NL" dirty="0"/>
-          </a:p>
-        </p:txBody>
-      </p:sp>
-      <p:pic>
-        <p:nvPicPr>
-          <p:cNvPr id="4" name="Afbeelding 3">
-            <a:extLst>
-              <a:ext uri="{FF2B5EF4-FFF2-40B4-BE49-F238E27FC236}">
-                <a16:creationId xmlns:a16="http://schemas.microsoft.com/office/drawing/2014/main" id="{9C084EA4-B513-4A30-B8DE-21B8D5B76AE2}"/>
-              </a:ext>
-            </a:extLst>
-          </p:cNvPr>
-          <p:cNvPicPr>
-            <a:picLocks noChangeAspect="1"/>
-          </p:cNvPicPr>
-          <p:nvPr/>
-        </p:nvPicPr>
-        <p:blipFill>
-          <a:blip r:embed="rId2"/>
-          <a:stretch>
-            <a:fillRect/>
-          </a:stretch>
-        </p:blipFill>
-        <p:spPr>
-          <a:xfrm>
-            <a:off x="1105980" y="1821132"/>
-            <a:ext cx="8459381" cy="3877216"/>
-          </a:xfrm>
-          <a:prstGeom prst="rect">
-            <a:avLst/>
-          </a:prstGeom>
-        </p:spPr>
-      </p:pic>
-    </p:spTree>
-    <p:extLst>
-      <p:ext uri="{BB962C8B-B14F-4D97-AF65-F5344CB8AC3E}">
-        <p14:creationId xmlns:p14="http://schemas.microsoft.com/office/powerpoint/2010/main" val="391237127"/>
-      </p:ext>
-    </p:extLst>
-  </p:cSld>
-  <p:clrMapOvr>
-    <a:masterClrMapping/>
-  </p:clrMapOvr>
-</p:sld>
-</file>
-
-<file path=ppt/slides/slide30.xml><?xml version="1.0" encoding="utf-8"?>
+<file path=ppt/slides/slide27.xml><?xml version="1.0" encoding="utf-8"?>
 <p:sld xmlns:a="http://schemas.openxmlformats.org/drawingml/2006/main" xmlns:r="http://schemas.openxmlformats.org/officeDocument/2006/relationships" xmlns:p="http://schemas.openxmlformats.org/presentationml/2006/main">
   <p:cSld>
     <p:spTree>
@@ -8956,7 +8317,7 @@
 </p:sld>
 </file>
 
-<file path=ppt/slides/slide31.xml><?xml version="1.0" encoding="utf-8"?>
+<file path=ppt/slides/slide28.xml><?xml version="1.0" encoding="utf-8"?>
 <p:sld xmlns:a="http://schemas.openxmlformats.org/drawingml/2006/main" xmlns:r="http://schemas.openxmlformats.org/officeDocument/2006/relationships" xmlns:p="http://schemas.openxmlformats.org/presentationml/2006/main">
   <p:cSld>
     <p:spTree>
@@ -9059,6 +8420,99 @@
     <p:extLst>
       <p:ext uri="{BB962C8B-B14F-4D97-AF65-F5344CB8AC3E}">
         <p14:creationId xmlns:p14="http://schemas.microsoft.com/office/powerpoint/2010/main" val="2664600758"/>
+      </p:ext>
+    </p:extLst>
+  </p:cSld>
+  <p:clrMapOvr>
+    <a:masterClrMapping/>
+  </p:clrMapOvr>
+</p:sld>
+</file>
+
+<file path=ppt/slides/slide3.xml><?xml version="1.0" encoding="utf-8"?>
+<p:sld xmlns:a="http://schemas.openxmlformats.org/drawingml/2006/main" xmlns:r="http://schemas.openxmlformats.org/officeDocument/2006/relationships" xmlns:p="http://schemas.openxmlformats.org/presentationml/2006/main">
+  <p:cSld>
+    <p:spTree>
+      <p:nvGrpSpPr>
+        <p:cNvPr id="1" name=""/>
+        <p:cNvGrpSpPr/>
+        <p:nvPr/>
+      </p:nvGrpSpPr>
+      <p:grpSpPr>
+        <a:xfrm>
+          <a:off x="0" y="0"/>
+          <a:ext cx="0" cy="0"/>
+          <a:chOff x="0" y="0"/>
+          <a:chExt cx="0" cy="0"/>
+        </a:xfrm>
+      </p:grpSpPr>
+      <p:sp>
+        <p:nvSpPr>
+          <p:cNvPr id="2" name="Titel 1">
+            <a:extLst>
+              <a:ext uri="{FF2B5EF4-FFF2-40B4-BE49-F238E27FC236}">
+                <a16:creationId xmlns:a16="http://schemas.microsoft.com/office/drawing/2014/main" id="{B5E94B40-96F5-4A92-833B-5D8B6ED4794E}"/>
+              </a:ext>
+            </a:extLst>
+          </p:cNvPr>
+          <p:cNvSpPr>
+            <a:spLocks noGrp="1"/>
+          </p:cNvSpPr>
+          <p:nvPr>
+            <p:ph type="title"/>
+          </p:nvPr>
+        </p:nvSpPr>
+        <p:spPr/>
+        <p:txBody>
+          <a:bodyPr/>
+          <a:lstStyle/>
+          <a:p>
+            <a:r>
+              <a:rPr lang="nl-NL" dirty="0"/>
+              <a:t>Het </a:t>
+            </a:r>
+            <a:r>
+              <a:rPr lang="nl-NL" dirty="0" err="1"/>
+              <a:t>GPvE</a:t>
+            </a:r>
+            <a:endParaRPr lang="nl-NL" dirty="0"/>
+          </a:p>
+        </p:txBody>
+      </p:sp>
+      <p:pic>
+        <p:nvPicPr>
+          <p:cNvPr id="4" name="Afbeelding 3">
+            <a:extLst>
+              <a:ext uri="{FF2B5EF4-FFF2-40B4-BE49-F238E27FC236}">
+                <a16:creationId xmlns:a16="http://schemas.microsoft.com/office/drawing/2014/main" id="{9C084EA4-B513-4A30-B8DE-21B8D5B76AE2}"/>
+              </a:ext>
+            </a:extLst>
+          </p:cNvPr>
+          <p:cNvPicPr>
+            <a:picLocks noChangeAspect="1"/>
+          </p:cNvPicPr>
+          <p:nvPr/>
+        </p:nvPicPr>
+        <p:blipFill>
+          <a:blip r:embed="rId2"/>
+          <a:stretch>
+            <a:fillRect/>
+          </a:stretch>
+        </p:blipFill>
+        <p:spPr>
+          <a:xfrm>
+            <a:off x="1105980" y="1821132"/>
+            <a:ext cx="8459381" cy="3877216"/>
+          </a:xfrm>
+          <a:prstGeom prst="rect">
+            <a:avLst/>
+          </a:prstGeom>
+        </p:spPr>
+      </p:pic>
+    </p:spTree>
+    <p:extLst>
+      <p:ext uri="{BB962C8B-B14F-4D97-AF65-F5344CB8AC3E}">
+        <p14:creationId xmlns:p14="http://schemas.microsoft.com/office/powerpoint/2010/main" val="391237127"/>
       </p:ext>
     </p:extLst>
   </p:cSld>
@@ -10170,894 +9624,6 @@
           <p:cNvPr id="2" name="Titel 1">
             <a:extLst>
               <a:ext uri="{FF2B5EF4-FFF2-40B4-BE49-F238E27FC236}">
-                <a16:creationId xmlns:a16="http://schemas.microsoft.com/office/drawing/2014/main" id="{3FD3CBF0-BB74-4A2D-AFE3-A0243C0130EE}"/>
-              </a:ext>
-            </a:extLst>
-          </p:cNvPr>
-          <p:cNvSpPr>
-            <a:spLocks noGrp="1"/>
-          </p:cNvSpPr>
-          <p:nvPr>
-            <p:ph type="title"/>
-          </p:nvPr>
-        </p:nvSpPr>
-        <p:spPr/>
-        <p:txBody>
-          <a:bodyPr/>
-          <a:lstStyle/>
-          <a:p>
-            <a:r>
-              <a:rPr lang="nl-NL" dirty="0" err="1"/>
-              <a:t>Submutatiescenario’s</a:t>
-            </a:r>
-            <a:r>
-              <a:rPr lang="nl-NL" dirty="0"/>
-              <a:t> voor vandaag</a:t>
-            </a:r>
-          </a:p>
-        </p:txBody>
-      </p:sp>
-      <p:sp>
-        <p:nvSpPr>
-          <p:cNvPr id="5" name="Tekstvak 4">
-            <a:extLst>
-              <a:ext uri="{FF2B5EF4-FFF2-40B4-BE49-F238E27FC236}">
-                <a16:creationId xmlns:a16="http://schemas.microsoft.com/office/drawing/2014/main" id="{5B7F51E9-53AA-4353-AB2F-7A2F8FCE25F4}"/>
-              </a:ext>
-            </a:extLst>
-          </p:cNvPr>
-          <p:cNvSpPr txBox="1"/>
-          <p:nvPr/>
-        </p:nvSpPr>
-        <p:spPr>
-          <a:xfrm>
-            <a:off x="1173017" y="1825625"/>
-            <a:ext cx="9227127" cy="3970318"/>
-          </a:xfrm>
-          <a:prstGeom prst="rect">
-            <a:avLst/>
-          </a:prstGeom>
-          <a:noFill/>
-        </p:spPr>
-        <p:txBody>
-          <a:bodyPr wrap="square">
-            <a:spAutoFit/>
-          </a:bodyPr>
-          <a:lstStyle/>
-          <a:p>
-            <a:r>
-              <a:rPr lang="nl-NL" dirty="0"/>
-              <a:t>2. Wijziging artikelstructuur </a:t>
-            </a:r>
-            <a:br>
-              <a:rPr lang="nl-NL" dirty="0"/>
-            </a:br>
-            <a:r>
-              <a:rPr lang="nl-NL" dirty="0"/>
-              <a:t>(omwisselen, toevoegen, verwijderen)</a:t>
-            </a:r>
-          </a:p>
-          <a:p>
-            <a:pPr lvl="1"/>
-            <a:r>
-              <a:rPr lang="nl-NL" sz="2000" b="1" dirty="0">
-                <a:solidFill>
-                  <a:srgbClr val="00B050"/>
-                </a:solidFill>
-              </a:rPr>
-              <a:t>2a</a:t>
-            </a:r>
-            <a:r>
-              <a:rPr lang="nl-NL" sz="2000" b="1" dirty="0"/>
-              <a:t>) </a:t>
-            </a:r>
-            <a:r>
-              <a:rPr lang="nl-NL" sz="2000" dirty="0"/>
-              <a:t>verplaatsen van Artikel (2.5 naar 2.6).</a:t>
-            </a:r>
-          </a:p>
-          <a:p>
-            <a:pPr lvl="1"/>
-            <a:r>
-              <a:rPr lang="nl-NL" sz="2000" b="1" dirty="0">
-                <a:solidFill>
-                  <a:srgbClr val="00B050"/>
-                </a:solidFill>
-              </a:rPr>
-              <a:t>2b</a:t>
-            </a:r>
-            <a:r>
-              <a:rPr lang="nl-NL" sz="2000" b="1" dirty="0"/>
-              <a:t>) </a:t>
-            </a:r>
-            <a:r>
-              <a:rPr lang="nl-NL" sz="2000" dirty="0"/>
-              <a:t>verplaatsen van Artikel (2.6 naar 2.5). </a:t>
-            </a:r>
-          </a:p>
-          <a:p>
-            <a:pPr lvl="1"/>
-            <a:r>
-              <a:rPr lang="nl-NL" sz="2000" b="1" dirty="0">
-                <a:solidFill>
-                  <a:srgbClr val="00B050"/>
-                </a:solidFill>
-              </a:rPr>
-              <a:t>2c</a:t>
-            </a:r>
-            <a:r>
-              <a:rPr lang="nl-NL" sz="2000" b="1" dirty="0"/>
-              <a:t>) </a:t>
-            </a:r>
-            <a:r>
-              <a:rPr lang="nl-NL" sz="2000" dirty="0"/>
-              <a:t>verwijderen van Artikel 2.7 Lid 2</a:t>
-            </a:r>
-          </a:p>
-          <a:p>
-            <a:pPr lvl="1"/>
-            <a:r>
-              <a:rPr lang="nl-NL" sz="2000" b="1" dirty="0">
-                <a:solidFill>
-                  <a:srgbClr val="00B050"/>
-                </a:solidFill>
-              </a:rPr>
-              <a:t>2d</a:t>
-            </a:r>
-            <a:r>
-              <a:rPr lang="nl-NL" sz="2000" b="1" dirty="0"/>
-              <a:t>) </a:t>
-            </a:r>
-            <a:r>
-              <a:rPr lang="nl-NL" sz="2000" dirty="0"/>
-              <a:t>verwijderen  van Artikel 10.1</a:t>
-            </a:r>
-          </a:p>
-          <a:p>
-            <a:pPr lvl="1"/>
-            <a:r>
-              <a:rPr lang="nl-NL" sz="2000" b="1" dirty="0">
-                <a:solidFill>
-                  <a:srgbClr val="00B050"/>
-                </a:solidFill>
-              </a:rPr>
-              <a:t>2e</a:t>
-            </a:r>
-            <a:r>
-              <a:rPr lang="nl-NL" sz="2000" b="1" dirty="0"/>
-              <a:t>) </a:t>
-            </a:r>
-            <a:r>
-              <a:rPr lang="nl-NL" sz="2000" dirty="0"/>
-              <a:t>nieuw Artikel (10.1) toevoegen</a:t>
-            </a:r>
-            <a:br>
-              <a:rPr lang="nl-NL" sz="2000" dirty="0"/>
-            </a:br>
-            <a:endParaRPr lang="nl-NL" sz="2000" dirty="0"/>
-          </a:p>
-          <a:p>
-            <a:r>
-              <a:rPr lang="nl-NL" dirty="0"/>
-              <a:t>3. Wijziging regeltekst </a:t>
-            </a:r>
-            <a:br>
-              <a:rPr lang="nl-NL" dirty="0"/>
-            </a:br>
-            <a:r>
-              <a:rPr lang="nl-NL" dirty="0"/>
-              <a:t>(inhoudelijk artikelen wijzigen, incl. OW-impact)</a:t>
-            </a:r>
-          </a:p>
-          <a:p>
-            <a:pPr lvl="1"/>
-            <a:r>
-              <a:rPr lang="nl-NL" sz="2000" b="1" dirty="0">
-                <a:solidFill>
-                  <a:srgbClr val="00B050"/>
-                </a:solidFill>
-              </a:rPr>
-              <a:t>3a</a:t>
-            </a:r>
-            <a:r>
-              <a:rPr lang="nl-NL" sz="2000" dirty="0"/>
-              <a:t>) wijziging van de tekst van het artikel, zonder OW-implicaties</a:t>
-            </a:r>
-          </a:p>
-          <a:p>
-            <a:pPr lvl="1"/>
-            <a:r>
-              <a:rPr lang="nl-NL" sz="2000" b="1" dirty="0">
-                <a:solidFill>
-                  <a:srgbClr val="00B050"/>
-                </a:solidFill>
-              </a:rPr>
-              <a:t>3b</a:t>
-            </a:r>
-            <a:r>
-              <a:rPr lang="nl-NL" sz="2000" dirty="0"/>
-              <a:t>)</a:t>
-            </a:r>
-            <a:r>
-              <a:rPr lang="nl-NL" sz="2000" b="1" dirty="0"/>
-              <a:t> </a:t>
-            </a:r>
-            <a:r>
-              <a:rPr lang="nl-NL" sz="2000" dirty="0"/>
-              <a:t>wijziging van de tekst van het artikel, waarbij de activiteit wordt aangepast</a:t>
-            </a:r>
-          </a:p>
-          <a:p>
-            <a:pPr lvl="1"/>
-            <a:r>
-              <a:rPr lang="nl-NL" sz="2000" b="1" dirty="0">
-                <a:solidFill>
-                  <a:srgbClr val="00B050"/>
-                </a:solidFill>
-              </a:rPr>
-              <a:t>3c</a:t>
-            </a:r>
-            <a:r>
-              <a:rPr lang="nl-NL" sz="2000" dirty="0"/>
-              <a:t>)</a:t>
-            </a:r>
-            <a:r>
-              <a:rPr lang="nl-NL" sz="2000" b="1" dirty="0"/>
-              <a:t> </a:t>
-            </a:r>
-            <a:r>
-              <a:rPr lang="nl-NL" sz="2000" dirty="0"/>
-              <a:t>wijziging van de tekst van het artikel, inclusief het toevoegen van een GIO</a:t>
-            </a:r>
-          </a:p>
-        </p:txBody>
-      </p:sp>
-      <p:sp>
-        <p:nvSpPr>
-          <p:cNvPr id="6" name="Tekstvak 5">
-            <a:extLst>
-              <a:ext uri="{FF2B5EF4-FFF2-40B4-BE49-F238E27FC236}">
-                <a16:creationId xmlns:a16="http://schemas.microsoft.com/office/drawing/2014/main" id="{004A6D36-C3E9-4055-B449-D6E5105D7E5B}"/>
-              </a:ext>
-            </a:extLst>
-          </p:cNvPr>
-          <p:cNvSpPr txBox="1"/>
-          <p:nvPr/>
-        </p:nvSpPr>
-        <p:spPr>
-          <a:xfrm>
-            <a:off x="8709891" y="2022764"/>
-            <a:ext cx="3066472" cy="1477328"/>
-          </a:xfrm>
-          <a:prstGeom prst="rect">
-            <a:avLst/>
-          </a:prstGeom>
-        </p:spPr>
-        <p:style>
-          <a:lnRef idx="2">
-            <a:schemeClr val="dk1"/>
-          </a:lnRef>
-          <a:fillRef idx="1">
-            <a:schemeClr val="lt1"/>
-          </a:fillRef>
-          <a:effectRef idx="0">
-            <a:schemeClr val="dk1"/>
-          </a:effectRef>
-          <a:fontRef idx="minor">
-            <a:schemeClr val="dk1"/>
-          </a:fontRef>
-        </p:style>
-        <p:txBody>
-          <a:bodyPr wrap="square" rtlCol="0">
-            <a:spAutoFit/>
-          </a:bodyPr>
-          <a:lstStyle/>
-          <a:p>
-            <a:r>
-              <a:rPr lang="nl-NL" b="1" dirty="0"/>
-              <a:t>Legenda</a:t>
-            </a:r>
-          </a:p>
-          <a:p>
-            <a:r>
-              <a:rPr lang="nl-NL" b="1" dirty="0">
-                <a:solidFill>
-                  <a:schemeClr val="accent2"/>
-                </a:solidFill>
-              </a:rPr>
-              <a:t>Oranje</a:t>
-            </a:r>
-            <a:r>
-              <a:rPr lang="nl-NL" dirty="0"/>
-              <a:t> – voorbeeld klaar, nog niet gelukt in de keten</a:t>
-            </a:r>
-          </a:p>
-          <a:p>
-            <a:r>
-              <a:rPr lang="nl-NL" b="1" dirty="0">
-                <a:solidFill>
-                  <a:srgbClr val="00B050"/>
-                </a:solidFill>
-              </a:rPr>
-              <a:t>Groen</a:t>
-            </a:r>
-            <a:r>
-              <a:rPr lang="nl-NL" dirty="0"/>
-              <a:t> – gelukt in de keten</a:t>
-            </a:r>
-          </a:p>
-          <a:p>
-            <a:r>
-              <a:rPr lang="nl-NL" b="1" dirty="0">
-                <a:solidFill>
-                  <a:schemeClr val="accent3">
-                    <a:lumMod val="75000"/>
-                  </a:schemeClr>
-                </a:solidFill>
-              </a:rPr>
-              <a:t>Grijs</a:t>
-            </a:r>
-            <a:r>
-              <a:rPr lang="nl-NL" dirty="0"/>
-              <a:t> – voorbeeld niet klaar</a:t>
-            </a:r>
-          </a:p>
-        </p:txBody>
-      </p:sp>
-    </p:spTree>
-    <p:extLst>
-      <p:ext uri="{BB962C8B-B14F-4D97-AF65-F5344CB8AC3E}">
-        <p14:creationId xmlns:p14="http://schemas.microsoft.com/office/powerpoint/2010/main" val="2185472105"/>
-      </p:ext>
-    </p:extLst>
-  </p:cSld>
-  <p:clrMapOvr>
-    <a:masterClrMapping/>
-  </p:clrMapOvr>
-  <p:timing>
-    <p:tnLst>
-      <p:par>
-        <p:cTn id="1" dur="indefinite" restart="never" nodeType="tmRoot">
-          <p:childTnLst>
-            <p:seq concurrent="1" nextAc="seek">
-              <p:cTn id="2" dur="indefinite" nodeType="mainSeq">
-                <p:childTnLst>
-                  <p:par>
-                    <p:cTn id="3" fill="hold">
-                      <p:stCondLst>
-                        <p:cond delay="indefinite"/>
-                      </p:stCondLst>
-                      <p:childTnLst>
-                        <p:par>
-                          <p:cTn id="4" fill="hold">
-                            <p:stCondLst>
-                              <p:cond delay="0"/>
-                            </p:stCondLst>
-                            <p:childTnLst>
-                              <p:par>
-                                <p:cTn id="5" presetID="1" presetClass="entr" presetSubtype="0" fill="hold" grpId="0" nodeType="clickEffect">
-                                  <p:stCondLst>
-                                    <p:cond delay="0"/>
-                                  </p:stCondLst>
-                                  <p:childTnLst>
-                                    <p:set>
-                                      <p:cBhvr>
-                                        <p:cTn id="6" dur="1" fill="hold">
-                                          <p:stCondLst>
-                                            <p:cond delay="0"/>
-                                          </p:stCondLst>
-                                        </p:cTn>
-                                        <p:tgtEl>
-                                          <p:spTgt spid="6"/>
-                                        </p:tgtEl>
-                                        <p:attrNameLst>
-                                          <p:attrName>style.visibility</p:attrName>
-                                        </p:attrNameLst>
-                                      </p:cBhvr>
-                                      <p:to>
-                                        <p:strVal val="visible"/>
-                                      </p:to>
-                                    </p:set>
-                                  </p:childTnLst>
-                                </p:cTn>
-                              </p:par>
-                            </p:childTnLst>
-                          </p:cTn>
-                        </p:par>
-                      </p:childTnLst>
-                    </p:cTn>
-                  </p:par>
-                  <p:par>
-                    <p:cTn id="7" fill="hold">
-                      <p:stCondLst>
-                        <p:cond delay="indefinite"/>
-                      </p:stCondLst>
-                      <p:childTnLst>
-                        <p:par>
-                          <p:cTn id="8" fill="hold">
-                            <p:stCondLst>
-                              <p:cond delay="0"/>
-                            </p:stCondLst>
-                            <p:childTnLst>
-                              <p:par>
-                                <p:cTn id="9" presetID="1" presetClass="entr" presetSubtype="0" fill="hold" nodeType="clickEffect">
-                                  <p:stCondLst>
-                                    <p:cond delay="0"/>
-                                  </p:stCondLst>
-                                  <p:childTnLst>
-                                    <p:set>
-                                      <p:cBhvr>
-                                        <p:cTn id="10" dur="1" fill="hold">
-                                          <p:stCondLst>
-                                            <p:cond delay="0"/>
-                                          </p:stCondLst>
-                                        </p:cTn>
-                                        <p:tgtEl>
-                                          <p:spTgt spid="5">
-                                            <p:txEl>
-                                              <p:pRg st="1" end="1"/>
-                                            </p:txEl>
-                                          </p:spTgt>
-                                        </p:tgtEl>
-                                        <p:attrNameLst>
-                                          <p:attrName>style.visibility</p:attrName>
-                                        </p:attrNameLst>
-                                      </p:cBhvr>
-                                      <p:to>
-                                        <p:strVal val="visible"/>
-                                      </p:to>
-                                    </p:set>
-                                  </p:childTnLst>
-                                </p:cTn>
-                              </p:par>
-                            </p:childTnLst>
-                          </p:cTn>
-                        </p:par>
-                      </p:childTnLst>
-                    </p:cTn>
-                  </p:par>
-                  <p:par>
-                    <p:cTn id="11" fill="hold">
-                      <p:stCondLst>
-                        <p:cond delay="indefinite"/>
-                      </p:stCondLst>
-                      <p:childTnLst>
-                        <p:par>
-                          <p:cTn id="12" fill="hold">
-                            <p:stCondLst>
-                              <p:cond delay="0"/>
-                            </p:stCondLst>
-                            <p:childTnLst>
-                              <p:par>
-                                <p:cTn id="13" presetID="1" presetClass="entr" presetSubtype="0" fill="hold" nodeType="clickEffect">
-                                  <p:stCondLst>
-                                    <p:cond delay="0"/>
-                                  </p:stCondLst>
-                                  <p:childTnLst>
-                                    <p:set>
-                                      <p:cBhvr>
-                                        <p:cTn id="14" dur="1" fill="hold">
-                                          <p:stCondLst>
-                                            <p:cond delay="0"/>
-                                          </p:stCondLst>
-                                        </p:cTn>
-                                        <p:tgtEl>
-                                          <p:spTgt spid="5">
-                                            <p:txEl>
-                                              <p:pRg st="2" end="2"/>
-                                            </p:txEl>
-                                          </p:spTgt>
-                                        </p:tgtEl>
-                                        <p:attrNameLst>
-                                          <p:attrName>style.visibility</p:attrName>
-                                        </p:attrNameLst>
-                                      </p:cBhvr>
-                                      <p:to>
-                                        <p:strVal val="visible"/>
-                                      </p:to>
-                                    </p:set>
-                                  </p:childTnLst>
-                                </p:cTn>
-                              </p:par>
-                            </p:childTnLst>
-                          </p:cTn>
-                        </p:par>
-                      </p:childTnLst>
-                    </p:cTn>
-                  </p:par>
-                  <p:par>
-                    <p:cTn id="15" fill="hold">
-                      <p:stCondLst>
-                        <p:cond delay="indefinite"/>
-                      </p:stCondLst>
-                      <p:childTnLst>
-                        <p:par>
-                          <p:cTn id="16" fill="hold">
-                            <p:stCondLst>
-                              <p:cond delay="0"/>
-                            </p:stCondLst>
-                            <p:childTnLst>
-                              <p:par>
-                                <p:cTn id="17" presetID="1" presetClass="entr" presetSubtype="0" fill="hold" nodeType="clickEffect">
-                                  <p:stCondLst>
-                                    <p:cond delay="0"/>
-                                  </p:stCondLst>
-                                  <p:childTnLst>
-                                    <p:set>
-                                      <p:cBhvr>
-                                        <p:cTn id="18" dur="1" fill="hold">
-                                          <p:stCondLst>
-                                            <p:cond delay="0"/>
-                                          </p:stCondLst>
-                                        </p:cTn>
-                                        <p:tgtEl>
-                                          <p:spTgt spid="5">
-                                            <p:txEl>
-                                              <p:pRg st="3" end="3"/>
-                                            </p:txEl>
-                                          </p:spTgt>
-                                        </p:tgtEl>
-                                        <p:attrNameLst>
-                                          <p:attrName>style.visibility</p:attrName>
-                                        </p:attrNameLst>
-                                      </p:cBhvr>
-                                      <p:to>
-                                        <p:strVal val="visible"/>
-                                      </p:to>
-                                    </p:set>
-                                  </p:childTnLst>
-                                </p:cTn>
-                              </p:par>
-                            </p:childTnLst>
-                          </p:cTn>
-                        </p:par>
-                      </p:childTnLst>
-                    </p:cTn>
-                  </p:par>
-                  <p:par>
-                    <p:cTn id="19" fill="hold">
-                      <p:stCondLst>
-                        <p:cond delay="indefinite"/>
-                      </p:stCondLst>
-                      <p:childTnLst>
-                        <p:par>
-                          <p:cTn id="20" fill="hold">
-                            <p:stCondLst>
-                              <p:cond delay="0"/>
-                            </p:stCondLst>
-                            <p:childTnLst>
-                              <p:par>
-                                <p:cTn id="21" presetID="1" presetClass="entr" presetSubtype="0" fill="hold" nodeType="clickEffect">
-                                  <p:stCondLst>
-                                    <p:cond delay="0"/>
-                                  </p:stCondLst>
-                                  <p:childTnLst>
-                                    <p:set>
-                                      <p:cBhvr>
-                                        <p:cTn id="22" dur="1" fill="hold">
-                                          <p:stCondLst>
-                                            <p:cond delay="0"/>
-                                          </p:stCondLst>
-                                        </p:cTn>
-                                        <p:tgtEl>
-                                          <p:spTgt spid="5">
-                                            <p:txEl>
-                                              <p:pRg st="4" end="4"/>
-                                            </p:txEl>
-                                          </p:spTgt>
-                                        </p:tgtEl>
-                                        <p:attrNameLst>
-                                          <p:attrName>style.visibility</p:attrName>
-                                        </p:attrNameLst>
-                                      </p:cBhvr>
-                                      <p:to>
-                                        <p:strVal val="visible"/>
-                                      </p:to>
-                                    </p:set>
-                                  </p:childTnLst>
-                                </p:cTn>
-                              </p:par>
-                            </p:childTnLst>
-                          </p:cTn>
-                        </p:par>
-                      </p:childTnLst>
-                    </p:cTn>
-                  </p:par>
-                  <p:par>
-                    <p:cTn id="23" fill="hold">
-                      <p:stCondLst>
-                        <p:cond delay="indefinite"/>
-                      </p:stCondLst>
-                      <p:childTnLst>
-                        <p:par>
-                          <p:cTn id="24" fill="hold">
-                            <p:stCondLst>
-                              <p:cond delay="0"/>
-                            </p:stCondLst>
-                            <p:childTnLst>
-                              <p:par>
-                                <p:cTn id="25" presetID="1" presetClass="entr" presetSubtype="0" fill="hold" nodeType="clickEffect">
-                                  <p:stCondLst>
-                                    <p:cond delay="0"/>
-                                  </p:stCondLst>
-                                  <p:childTnLst>
-                                    <p:set>
-                                      <p:cBhvr>
-                                        <p:cTn id="26" dur="1" fill="hold">
-                                          <p:stCondLst>
-                                            <p:cond delay="0"/>
-                                          </p:stCondLst>
-                                        </p:cTn>
-                                        <p:tgtEl>
-                                          <p:spTgt spid="5">
-                                            <p:txEl>
-                                              <p:pRg st="5" end="5"/>
-                                            </p:txEl>
-                                          </p:spTgt>
-                                        </p:tgtEl>
-                                        <p:attrNameLst>
-                                          <p:attrName>style.visibility</p:attrName>
-                                        </p:attrNameLst>
-                                      </p:cBhvr>
-                                      <p:to>
-                                        <p:strVal val="visible"/>
-                                      </p:to>
-                                    </p:set>
-                                  </p:childTnLst>
-                                </p:cTn>
-                              </p:par>
-                            </p:childTnLst>
-                          </p:cTn>
-                        </p:par>
-                      </p:childTnLst>
-                    </p:cTn>
-                  </p:par>
-                  <p:par>
-                    <p:cTn id="27" fill="hold">
-                      <p:stCondLst>
-                        <p:cond delay="indefinite"/>
-                      </p:stCondLst>
-                      <p:childTnLst>
-                        <p:par>
-                          <p:cTn id="28" fill="hold">
-                            <p:stCondLst>
-                              <p:cond delay="0"/>
-                            </p:stCondLst>
-                            <p:childTnLst>
-                              <p:par>
-                                <p:cTn id="29" presetID="1" presetClass="entr" presetSubtype="0" fill="hold" nodeType="clickEffect">
-                                  <p:stCondLst>
-                                    <p:cond delay="0"/>
-                                  </p:stCondLst>
-                                  <p:childTnLst>
-                                    <p:set>
-                                      <p:cBhvr>
-                                        <p:cTn id="30" dur="1" fill="hold">
-                                          <p:stCondLst>
-                                            <p:cond delay="0"/>
-                                          </p:stCondLst>
-                                        </p:cTn>
-                                        <p:tgtEl>
-                                          <p:spTgt spid="5">
-                                            <p:txEl>
-                                              <p:pRg st="6" end="6"/>
-                                            </p:txEl>
-                                          </p:spTgt>
-                                        </p:tgtEl>
-                                        <p:attrNameLst>
-                                          <p:attrName>style.visibility</p:attrName>
-                                        </p:attrNameLst>
-                                      </p:cBhvr>
-                                      <p:to>
-                                        <p:strVal val="visible"/>
-                                      </p:to>
-                                    </p:set>
-                                  </p:childTnLst>
-                                </p:cTn>
-                              </p:par>
-                            </p:childTnLst>
-                          </p:cTn>
-                        </p:par>
-                      </p:childTnLst>
-                    </p:cTn>
-                  </p:par>
-                  <p:par>
-                    <p:cTn id="31" fill="hold">
-                      <p:stCondLst>
-                        <p:cond delay="indefinite"/>
-                      </p:stCondLst>
-                      <p:childTnLst>
-                        <p:par>
-                          <p:cTn id="32" fill="hold">
-                            <p:stCondLst>
-                              <p:cond delay="0"/>
-                            </p:stCondLst>
-                            <p:childTnLst>
-                              <p:par>
-                                <p:cTn id="33" presetID="1" presetClass="entr" presetSubtype="0" fill="hold" nodeType="clickEffect">
-                                  <p:stCondLst>
-                                    <p:cond delay="0"/>
-                                  </p:stCondLst>
-                                  <p:childTnLst>
-                                    <p:set>
-                                      <p:cBhvr>
-                                        <p:cTn id="34" dur="1" fill="hold">
-                                          <p:stCondLst>
-                                            <p:cond delay="0"/>
-                                          </p:stCondLst>
-                                        </p:cTn>
-                                        <p:tgtEl>
-                                          <p:spTgt spid="5">
-                                            <p:txEl>
-                                              <p:pRg st="7" end="7"/>
-                                            </p:txEl>
-                                          </p:spTgt>
-                                        </p:tgtEl>
-                                        <p:attrNameLst>
-                                          <p:attrName>style.visibility</p:attrName>
-                                        </p:attrNameLst>
-                                      </p:cBhvr>
-                                      <p:to>
-                                        <p:strVal val="visible"/>
-                                      </p:to>
-                                    </p:set>
-                                  </p:childTnLst>
-                                </p:cTn>
-                              </p:par>
-                            </p:childTnLst>
-                          </p:cTn>
-                        </p:par>
-                      </p:childTnLst>
-                    </p:cTn>
-                  </p:par>
-                  <p:par>
-                    <p:cTn id="35" fill="hold">
-                      <p:stCondLst>
-                        <p:cond delay="indefinite"/>
-                      </p:stCondLst>
-                      <p:childTnLst>
-                        <p:par>
-                          <p:cTn id="36" fill="hold">
-                            <p:stCondLst>
-                              <p:cond delay="0"/>
-                            </p:stCondLst>
-                            <p:childTnLst>
-                              <p:par>
-                                <p:cTn id="37" presetID="1" presetClass="entr" presetSubtype="0" fill="hold" nodeType="clickEffect">
-                                  <p:stCondLst>
-                                    <p:cond delay="0"/>
-                                  </p:stCondLst>
-                                  <p:childTnLst>
-                                    <p:set>
-                                      <p:cBhvr>
-                                        <p:cTn id="38" dur="1" fill="hold">
-                                          <p:stCondLst>
-                                            <p:cond delay="0"/>
-                                          </p:stCondLst>
-                                        </p:cTn>
-                                        <p:tgtEl>
-                                          <p:spTgt spid="5">
-                                            <p:txEl>
-                                              <p:pRg st="8" end="8"/>
-                                            </p:txEl>
-                                          </p:spTgt>
-                                        </p:tgtEl>
-                                        <p:attrNameLst>
-                                          <p:attrName>style.visibility</p:attrName>
-                                        </p:attrNameLst>
-                                      </p:cBhvr>
-                                      <p:to>
-                                        <p:strVal val="visible"/>
-                                      </p:to>
-                                    </p:set>
-                                  </p:childTnLst>
-                                </p:cTn>
-                              </p:par>
-                            </p:childTnLst>
-                          </p:cTn>
-                        </p:par>
-                      </p:childTnLst>
-                    </p:cTn>
-                  </p:par>
-                  <p:par>
-                    <p:cTn id="39" fill="hold">
-                      <p:stCondLst>
-                        <p:cond delay="indefinite"/>
-                      </p:stCondLst>
-                      <p:childTnLst>
-                        <p:par>
-                          <p:cTn id="40" fill="hold">
-                            <p:stCondLst>
-                              <p:cond delay="0"/>
-                            </p:stCondLst>
-                            <p:childTnLst>
-                              <p:par>
-                                <p:cTn id="41" presetID="1" presetClass="entr" presetSubtype="0" fill="hold" nodeType="clickEffect">
-                                  <p:stCondLst>
-                                    <p:cond delay="0"/>
-                                  </p:stCondLst>
-                                  <p:childTnLst>
-                                    <p:set>
-                                      <p:cBhvr>
-                                        <p:cTn id="42" dur="1" fill="hold">
-                                          <p:stCondLst>
-                                            <p:cond delay="0"/>
-                                          </p:stCondLst>
-                                        </p:cTn>
-                                        <p:tgtEl>
-                                          <p:spTgt spid="5">
-                                            <p:txEl>
-                                              <p:pRg st="9" end="9"/>
-                                            </p:txEl>
-                                          </p:spTgt>
-                                        </p:tgtEl>
-                                        <p:attrNameLst>
-                                          <p:attrName>style.visibility</p:attrName>
-                                        </p:attrNameLst>
-                                      </p:cBhvr>
-                                      <p:to>
-                                        <p:strVal val="visible"/>
-                                      </p:to>
-                                    </p:set>
-                                  </p:childTnLst>
-                                </p:cTn>
-                              </p:par>
-                            </p:childTnLst>
-                          </p:cTn>
-                        </p:par>
-                      </p:childTnLst>
-                    </p:cTn>
-                  </p:par>
-                </p:childTnLst>
-              </p:cTn>
-              <p:prevCondLst>
-                <p:cond evt="onPrev" delay="0">
-                  <p:tgtEl>
-                    <p:sldTgt/>
-                  </p:tgtEl>
-                </p:cond>
-              </p:prevCondLst>
-              <p:nextCondLst>
-                <p:cond evt="onNext" delay="0">
-                  <p:tgtEl>
-                    <p:sldTgt/>
-                  </p:tgtEl>
-                </p:cond>
-              </p:nextCondLst>
-            </p:seq>
-          </p:childTnLst>
-        </p:cTn>
-      </p:par>
-    </p:tnLst>
-    <p:bldLst>
-      <p:bldP spid="6" grpId="0" animBg="1"/>
-    </p:bldLst>
-  </p:timing>
-</p:sld>
-</file>
-
-<file path=ppt/slides/slide6.xml><?xml version="1.0" encoding="utf-8"?>
-<p:sld xmlns:a="http://schemas.openxmlformats.org/drawingml/2006/main" xmlns:r="http://schemas.openxmlformats.org/officeDocument/2006/relationships" xmlns:p="http://schemas.openxmlformats.org/presentationml/2006/main">
-  <p:cSld>
-    <p:spTree>
-      <p:nvGrpSpPr>
-        <p:cNvPr id="1" name=""/>
-        <p:cNvGrpSpPr/>
-        <p:nvPr/>
-      </p:nvGrpSpPr>
-      <p:grpSpPr>
-        <a:xfrm>
-          <a:off x="0" y="0"/>
-          <a:ext cx="0" cy="0"/>
-          <a:chOff x="0" y="0"/>
-          <a:chExt cx="0" cy="0"/>
-        </a:xfrm>
-      </p:grpSpPr>
-      <p:sp>
-        <p:nvSpPr>
-          <p:cNvPr id="2" name="Titel 1">
-            <a:extLst>
-              <a:ext uri="{FF2B5EF4-FFF2-40B4-BE49-F238E27FC236}">
                 <a16:creationId xmlns:a16="http://schemas.microsoft.com/office/drawing/2014/main" id="{27129C89-7845-483B-8CB8-D734B8CACF36}"/>
               </a:ext>
             </a:extLst>
@@ -11333,7 +9899,7 @@
             <a:r>
               <a:rPr lang="nl-NL" sz="2000" b="1" dirty="0">
                 <a:solidFill>
-                  <a:schemeClr val="accent2"/>
+                  <a:srgbClr val="00B050"/>
                 </a:solidFill>
               </a:rPr>
               <a:t>4a</a:t>
@@ -11348,7 +9914,7 @@
             <a:r>
               <a:rPr lang="nl-NL" sz="2000" b="1" dirty="0">
                 <a:solidFill>
-                  <a:schemeClr val="accent2"/>
+                  <a:srgbClr val="00B050"/>
                 </a:solidFill>
               </a:rPr>
               <a:t>4b</a:t>
@@ -11363,7 +9929,7 @@
             <a:r>
               <a:rPr lang="nl-NL" sz="2000" b="1" dirty="0">
                 <a:solidFill>
-                  <a:schemeClr val="accent2"/>
+                  <a:srgbClr val="00B050"/>
                 </a:solidFill>
               </a:rPr>
               <a:t>4c</a:t>
@@ -11407,9 +9973,7 @@
             <a:r>
               <a:rPr lang="nl-NL" sz="2000" b="1" dirty="0">
                 <a:solidFill>
-                  <a:schemeClr val="accent3">
-                    <a:lumMod val="75000"/>
-                  </a:schemeClr>
+                  <a:srgbClr val="00B050"/>
                 </a:solidFill>
               </a:rPr>
               <a:t>10b</a:t>
@@ -11439,9 +10003,7 @@
             <a:r>
               <a:rPr lang="nl-NL" sz="2000" b="1" dirty="0">
                 <a:solidFill>
-                  <a:schemeClr val="accent3">
-                    <a:lumMod val="75000"/>
-                  </a:schemeClr>
+                  <a:srgbClr val="00B050"/>
                 </a:solidFill>
               </a:rPr>
               <a:t>10d</a:t>
@@ -12634,7 +11196,7 @@
 </p:sld>
 </file>
 
-<file path=ppt/slides/slide7.xml><?xml version="1.0" encoding="utf-8"?>
+<file path=ppt/slides/slide6.xml><?xml version="1.0" encoding="utf-8"?>
 <p:sld xmlns:a="http://schemas.openxmlformats.org/drawingml/2006/main" xmlns:r="http://schemas.openxmlformats.org/officeDocument/2006/relationships" xmlns:p="http://schemas.openxmlformats.org/presentationml/2006/main">
   <p:cSld>
     <p:spTree>
@@ -12722,6 +11284,64 @@
     <p:extLst>
       <p:ext uri="{BB962C8B-B14F-4D97-AF65-F5344CB8AC3E}">
         <p14:creationId xmlns:p14="http://schemas.microsoft.com/office/powerpoint/2010/main" val="3217727301"/>
+      </p:ext>
+    </p:extLst>
+  </p:cSld>
+  <p:clrMapOvr>
+    <a:masterClrMapping/>
+  </p:clrMapOvr>
+</p:sld>
+</file>
+
+<file path=ppt/slides/slide7.xml><?xml version="1.0" encoding="utf-8"?>
+<p:sld xmlns:a="http://schemas.openxmlformats.org/drawingml/2006/main" xmlns:r="http://schemas.openxmlformats.org/officeDocument/2006/relationships" xmlns:p="http://schemas.openxmlformats.org/presentationml/2006/main">
+  <p:cSld>
+    <p:spTree>
+      <p:nvGrpSpPr>
+        <p:cNvPr id="1" name=""/>
+        <p:cNvGrpSpPr/>
+        <p:nvPr/>
+      </p:nvGrpSpPr>
+      <p:grpSpPr>
+        <a:xfrm>
+          <a:off x="0" y="0"/>
+          <a:ext cx="0" cy="0"/>
+          <a:chOff x="0" y="0"/>
+          <a:chExt cx="0" cy="0"/>
+        </a:xfrm>
+      </p:grpSpPr>
+      <p:sp>
+        <p:nvSpPr>
+          <p:cNvPr id="2" name="Titel 1">
+            <a:extLst>
+              <a:ext uri="{FF2B5EF4-FFF2-40B4-BE49-F238E27FC236}">
+                <a16:creationId xmlns:a16="http://schemas.microsoft.com/office/drawing/2014/main" id="{7DAAB73D-5E6F-4868-B66D-AC2B7FA78951}"/>
+              </a:ext>
+            </a:extLst>
+          </p:cNvPr>
+          <p:cNvSpPr>
+            <a:spLocks noGrp="1"/>
+          </p:cNvSpPr>
+          <p:nvPr>
+            <p:ph type="title"/>
+          </p:nvPr>
+        </p:nvSpPr>
+        <p:spPr/>
+        <p:txBody>
+          <a:bodyPr/>
+          <a:lstStyle/>
+          <a:p>
+            <a:r>
+              <a:rPr lang="nl-NL" dirty="0"/>
+              <a:t>Beschrijving per scenario</a:t>
+            </a:r>
+          </a:p>
+        </p:txBody>
+      </p:sp>
+    </p:spTree>
+    <p:extLst>
+      <p:ext uri="{BB962C8B-B14F-4D97-AF65-F5344CB8AC3E}">
+        <p14:creationId xmlns:p14="http://schemas.microsoft.com/office/powerpoint/2010/main" val="875504885"/>
       </p:ext>
     </p:extLst>
   </p:cSld>
@@ -12753,7 +11373,7 @@
           <p:cNvPr id="2" name="Titel 1">
             <a:extLst>
               <a:ext uri="{FF2B5EF4-FFF2-40B4-BE49-F238E27FC236}">
-                <a16:creationId xmlns:a16="http://schemas.microsoft.com/office/drawing/2014/main" id="{648A831A-050A-46E8-A2A0-894362F557BE}"/>
+                <a16:creationId xmlns:a16="http://schemas.microsoft.com/office/drawing/2014/main" id="{768FB16B-6690-4D0F-9A4F-8EB04CD6C7FE}"/>
               </a:ext>
             </a:extLst>
           </p:cNvPr>
@@ -12771,7 +11391,7 @@
           <a:p>
             <a:r>
               <a:rPr lang="nl-NL" dirty="0"/>
-              <a:t>Wat kan er nu wel </a:t>
+              <a:t>0) volledig intrekken en vervangen</a:t>
             </a:r>
           </a:p>
         </p:txBody>
@@ -12781,7 +11401,7 @@
           <p:cNvPr id="3" name="Tijdelijke aanduiding voor inhoud 2">
             <a:extLst>
               <a:ext uri="{FF2B5EF4-FFF2-40B4-BE49-F238E27FC236}">
-                <a16:creationId xmlns:a16="http://schemas.microsoft.com/office/drawing/2014/main" id="{4F0E5E8D-66F0-4578-9099-024753B5FCC1}"/>
+                <a16:creationId xmlns:a16="http://schemas.microsoft.com/office/drawing/2014/main" id="{8364B8D8-230B-4E33-BB9E-EE4759FC7D1F}"/>
               </a:ext>
             </a:extLst>
           </p:cNvPr>
@@ -12794,469 +11414,219 @@
         </p:nvSpPr>
         <p:spPr/>
         <p:txBody>
-          <a:bodyPr/>
+          <a:bodyPr>
+            <a:normAutofit lnSpcReduction="10000"/>
+          </a:bodyPr>
           <a:lstStyle/>
           <a:p>
+            <a:r>
+              <a:rPr lang="nl-NL" dirty="0"/>
+              <a:t>OP - Intrekken en vervangen van een regeling</a:t>
+            </a:r>
+          </a:p>
+          <a:p>
             <a:pPr lvl="1"/>
             <a:r>
               <a:rPr lang="nl-NL" dirty="0"/>
-              <a:t>Per 4 februari </a:t>
-            </a:r>
-          </a:p>
-          <a:p>
-            <a:r>
-              <a:rPr lang="nl-NL" dirty="0"/>
-              <a:t>Wijzigen van OP in samenhang met OW</a:t>
-            </a:r>
-          </a:p>
-          <a:p>
-            <a:r>
-              <a:rPr lang="nl-NL" dirty="0"/>
-              <a:t>De volgende (sub)mutatiescenario’s</a:t>
+              <a:t>Toevoeging van tekst in </a:t>
+            </a:r>
+            <a:r>
+              <a:rPr lang="nl-NL" dirty="0">
+                <a:solidFill>
+                  <a:schemeClr val="accent1">
+                    <a:lumMod val="75000"/>
+                  </a:schemeClr>
+                </a:solidFill>
+              </a:rPr>
+              <a:t>Artikel 2.15</a:t>
+            </a:r>
+          </a:p>
+          <a:p>
+            <a:pPr lvl="2"/>
+            <a:r>
+              <a:rPr lang="nl-NL" dirty="0">
+                <a:solidFill>
+                  <a:srgbClr val="000000"/>
+                </a:solidFill>
+                <a:highlight>
+                  <a:srgbClr val="FFFFFF"/>
+                </a:highlight>
+              </a:rPr>
+              <a:t>Deze zin is om een afwijking te constateren met de initieel aangeleverde regeling.</a:t>
+            </a:r>
+          </a:p>
+          <a:p>
+            <a:pPr lvl="2"/>
+            <a:endParaRPr lang="nl-NL" dirty="0"/>
+          </a:p>
+          <a:p>
+            <a:r>
+              <a:rPr lang="nl-NL" dirty="0"/>
+              <a:t>OW – toevoegen van een annotatie</a:t>
             </a:r>
           </a:p>
           <a:p>
             <a:pPr lvl="1"/>
             <a:r>
               <a:rPr lang="nl-NL" dirty="0"/>
-              <a:t>(0) Intrekken en vervangen van de Regeling</a:t>
-            </a:r>
-          </a:p>
-          <a:p>
-            <a:pPr marL="685800" lvl="2">
-              <a:spcBef>
-                <a:spcPts val="1000"/>
-              </a:spcBef>
-            </a:pPr>
-            <a:r>
-              <a:rPr lang="nl-NL" sz="2400" dirty="0"/>
-              <a:t>(3a2) het toevoegen van een artikel inclusief OW-object</a:t>
-            </a:r>
-          </a:p>
-          <a:p>
-            <a:pPr marL="685800" lvl="2">
-              <a:spcBef>
-                <a:spcPts val="1000"/>
-              </a:spcBef>
-            </a:pPr>
-            <a:r>
-              <a:rPr lang="nl-NL" sz="2400" dirty="0"/>
-              <a:t>(3b) wijziging van activiteitnaam</a:t>
-            </a:r>
-          </a:p>
-          <a:p>
-            <a:pPr marL="685800" lvl="2">
-              <a:spcBef>
-                <a:spcPts val="1000"/>
-              </a:spcBef>
-            </a:pPr>
-            <a:r>
-              <a:rPr lang="nl-NL" sz="2400" dirty="0"/>
-              <a:t>(3c) het toevoegen van een GIO incl. annotaties.</a:t>
-            </a:r>
-          </a:p>
-          <a:p>
-            <a:pPr marL="685800" lvl="2">
-              <a:spcBef>
-                <a:spcPts val="1000"/>
-              </a:spcBef>
-              <a:spcAft>
-                <a:spcPts val="800"/>
-              </a:spcAft>
-            </a:pPr>
-            <a:r>
-              <a:rPr lang="nl-NL" sz="2400" dirty="0"/>
-              <a:t>(3d) het artikel op vervallen zetten incl. vervallen van GIO en beëindigen van annotaties.</a:t>
-            </a:r>
-          </a:p>
-          <a:p>
+              <a:t>Toevoeging van een annotatie bij </a:t>
+            </a:r>
+            <a:r>
+              <a:rPr lang="nl-NL" dirty="0">
+                <a:solidFill>
+                  <a:schemeClr val="accent1">
+                    <a:lumMod val="75000"/>
+                  </a:schemeClr>
+                </a:solidFill>
+              </a:rPr>
+              <a:t>Artikel 2.10</a:t>
+            </a:r>
+          </a:p>
+          <a:p>
+            <a:pPr lvl="2"/>
+            <a:r>
+              <a:rPr lang="nl-NL" dirty="0">
+                <a:solidFill>
+                  <a:schemeClr val="accent6">
+                    <a:lumMod val="75000"/>
+                  </a:schemeClr>
+                </a:solidFill>
+              </a:rPr>
+              <a:t>Activiteit</a:t>
+            </a:r>
+            <a:r>
+              <a:rPr lang="nl-NL" dirty="0"/>
+              <a:t> toegevoegd</a:t>
+            </a:r>
+          </a:p>
+          <a:p>
+            <a:pPr lvl="3"/>
+            <a:r>
+              <a:rPr lang="nl-NL" dirty="0">
+                <a:solidFill>
+                  <a:schemeClr val="accent6">
+                    <a:lumMod val="75000"/>
+                  </a:schemeClr>
+                </a:solidFill>
+              </a:rPr>
+              <a:t>Identificatie</a:t>
+            </a:r>
+            <a:r>
+              <a:rPr lang="nl-NL" dirty="0"/>
+              <a:t>: </a:t>
+            </a:r>
+            <a:r>
+              <a:rPr lang="nl-NL" dirty="0">
+                <a:solidFill>
+                  <a:srgbClr val="000000"/>
+                </a:solidFill>
+                <a:highlight>
+                  <a:srgbClr val="FFFFFF"/>
+                </a:highlight>
+              </a:rPr>
+              <a:t>nl.imow-gm0297.activiteit.2020000685</a:t>
+            </a:r>
+          </a:p>
+          <a:p>
+            <a:pPr lvl="3"/>
+            <a:r>
+              <a:rPr lang="nl-NL" dirty="0">
+                <a:solidFill>
+                  <a:schemeClr val="accent6">
+                    <a:lumMod val="75000"/>
+                  </a:schemeClr>
+                </a:solidFill>
+              </a:rPr>
+              <a:t>Naam</a:t>
+            </a:r>
+            <a:r>
+              <a:rPr lang="nl-NL" dirty="0"/>
+              <a:t>: </a:t>
+            </a:r>
+            <a:r>
+              <a:rPr lang="nl-NL" dirty="0">
+                <a:solidFill>
+                  <a:srgbClr val="000000"/>
+                </a:solidFill>
+                <a:highlight>
+                  <a:srgbClr val="FFFFFF"/>
+                </a:highlight>
+              </a:rPr>
+              <a:t>het exploiteren van een instelling voor cultuur en ontspanning</a:t>
+            </a:r>
             <a:endParaRPr lang="nl-NL" dirty="0"/>
+          </a:p>
+          <a:p>
+            <a:pPr lvl="2"/>
+            <a:r>
+              <a:rPr lang="nl-NL" dirty="0" err="1"/>
+              <a:t>RegelVoorIedereen</a:t>
+            </a:r>
+            <a:endParaRPr lang="nl-NL" dirty="0"/>
+          </a:p>
+          <a:p>
+            <a:pPr lvl="3"/>
+            <a:r>
+              <a:rPr lang="nl-NL" dirty="0">
+                <a:solidFill>
+                  <a:schemeClr val="accent6">
+                    <a:lumMod val="75000"/>
+                  </a:schemeClr>
+                </a:solidFill>
+              </a:rPr>
+              <a:t>ActiviteitLocatieaanduiding </a:t>
+            </a:r>
+            <a:r>
+              <a:rPr lang="nl-NL" dirty="0"/>
+              <a:t>toegevoegd bij artikel 2.10</a:t>
+            </a:r>
+          </a:p>
+          <a:p>
+            <a:pPr lvl="4"/>
+            <a:r>
+              <a:rPr lang="nl-NL" dirty="0">
+                <a:solidFill>
+                  <a:schemeClr val="accent6">
+                    <a:lumMod val="75000"/>
+                  </a:schemeClr>
+                </a:solidFill>
+              </a:rPr>
+              <a:t>Locatie</a:t>
+            </a:r>
+            <a:r>
+              <a:rPr lang="nl-NL" dirty="0"/>
+              <a:t>: Centrumgebied</a:t>
+            </a:r>
+          </a:p>
+          <a:p>
+            <a:pPr lvl="4"/>
+            <a:r>
+              <a:rPr lang="nl-NL" dirty="0">
+                <a:solidFill>
+                  <a:schemeClr val="accent6">
+                    <a:lumMod val="75000"/>
+                  </a:schemeClr>
+                </a:solidFill>
+              </a:rPr>
+              <a:t>Kwalificatie</a:t>
+            </a:r>
+            <a:r>
+              <a:rPr lang="nl-NL" dirty="0"/>
+              <a:t>: Toegestaan</a:t>
+            </a:r>
           </a:p>
         </p:txBody>
       </p:sp>
     </p:spTree>
     <p:extLst>
       <p:ext uri="{BB962C8B-B14F-4D97-AF65-F5344CB8AC3E}">
-        <p14:creationId xmlns:p14="http://schemas.microsoft.com/office/powerpoint/2010/main" val="3393964586"/>
+        <p14:creationId xmlns:p14="http://schemas.microsoft.com/office/powerpoint/2010/main" val="967536321"/>
       </p:ext>
     </p:extLst>
   </p:cSld>
   <p:clrMapOvr>
     <a:masterClrMapping/>
   </p:clrMapOvr>
-  <p:timing>
-    <p:tnLst>
-      <p:par>
-        <p:cTn id="1" dur="indefinite" restart="never" nodeType="tmRoot">
-          <p:childTnLst>
-            <p:seq concurrent="1" nextAc="seek">
-              <p:cTn id="2" dur="indefinite" nodeType="mainSeq">
-                <p:childTnLst>
-                  <p:par>
-                    <p:cTn id="3" fill="hold">
-                      <p:stCondLst>
-                        <p:cond delay="indefinite"/>
-                      </p:stCondLst>
-                      <p:childTnLst>
-                        <p:par>
-                          <p:cTn id="4" fill="hold">
-                            <p:stCondLst>
-                              <p:cond delay="0"/>
-                            </p:stCondLst>
-                            <p:childTnLst>
-                              <p:par>
-                                <p:cTn id="5" presetID="1" presetClass="entr" presetSubtype="0" fill="hold" nodeType="clickEffect">
-                                  <p:stCondLst>
-                                    <p:cond delay="0"/>
-                                  </p:stCondLst>
-                                  <p:childTnLst>
-                                    <p:set>
-                                      <p:cBhvr>
-                                        <p:cTn id="6" dur="1" fill="hold">
-                                          <p:stCondLst>
-                                            <p:cond delay="0"/>
-                                          </p:stCondLst>
-                                        </p:cTn>
-                                        <p:tgtEl>
-                                          <p:spTgt spid="3">
-                                            <p:txEl>
-                                              <p:pRg st="1" end="1"/>
-                                            </p:txEl>
-                                          </p:spTgt>
-                                        </p:tgtEl>
-                                        <p:attrNameLst>
-                                          <p:attrName>style.visibility</p:attrName>
-                                        </p:attrNameLst>
-                                      </p:cBhvr>
-                                      <p:to>
-                                        <p:strVal val="visible"/>
-                                      </p:to>
-                                    </p:set>
-                                  </p:childTnLst>
-                                </p:cTn>
-                              </p:par>
-                            </p:childTnLst>
-                          </p:cTn>
-                        </p:par>
-                      </p:childTnLst>
-                    </p:cTn>
-                  </p:par>
-                  <p:par>
-                    <p:cTn id="7" fill="hold">
-                      <p:stCondLst>
-                        <p:cond delay="indefinite"/>
-                      </p:stCondLst>
-                      <p:childTnLst>
-                        <p:par>
-                          <p:cTn id="8" fill="hold">
-                            <p:stCondLst>
-                              <p:cond delay="0"/>
-                            </p:stCondLst>
-                            <p:childTnLst>
-                              <p:par>
-                                <p:cTn id="9" presetID="1" presetClass="entr" presetSubtype="0" fill="hold" nodeType="clickEffect">
-                                  <p:stCondLst>
-                                    <p:cond delay="0"/>
-                                  </p:stCondLst>
-                                  <p:childTnLst>
-                                    <p:set>
-                                      <p:cBhvr>
-                                        <p:cTn id="10" dur="1" fill="hold">
-                                          <p:stCondLst>
-                                            <p:cond delay="0"/>
-                                          </p:stCondLst>
-                                        </p:cTn>
-                                        <p:tgtEl>
-                                          <p:spTgt spid="3">
-                                            <p:txEl>
-                                              <p:pRg st="2" end="2"/>
-                                            </p:txEl>
-                                          </p:spTgt>
-                                        </p:tgtEl>
-                                        <p:attrNameLst>
-                                          <p:attrName>style.visibility</p:attrName>
-                                        </p:attrNameLst>
-                                      </p:cBhvr>
-                                      <p:to>
-                                        <p:strVal val="visible"/>
-                                      </p:to>
-                                    </p:set>
-                                  </p:childTnLst>
-                                </p:cTn>
-                              </p:par>
-                            </p:childTnLst>
-                          </p:cTn>
-                        </p:par>
-                      </p:childTnLst>
-                    </p:cTn>
-                  </p:par>
-                  <p:par>
-                    <p:cTn id="11" fill="hold">
-                      <p:stCondLst>
-                        <p:cond delay="indefinite"/>
-                      </p:stCondLst>
-                      <p:childTnLst>
-                        <p:par>
-                          <p:cTn id="12" fill="hold">
-                            <p:stCondLst>
-                              <p:cond delay="0"/>
-                            </p:stCondLst>
-                            <p:childTnLst>
-                              <p:par>
-                                <p:cTn id="13" presetID="1" presetClass="entr" presetSubtype="0" fill="hold" nodeType="clickEffect">
-                                  <p:stCondLst>
-                                    <p:cond delay="0"/>
-                                  </p:stCondLst>
-                                  <p:childTnLst>
-                                    <p:set>
-                                      <p:cBhvr>
-                                        <p:cTn id="14" dur="1" fill="hold">
-                                          <p:stCondLst>
-                                            <p:cond delay="0"/>
-                                          </p:stCondLst>
-                                        </p:cTn>
-                                        <p:tgtEl>
-                                          <p:spTgt spid="3">
-                                            <p:txEl>
-                                              <p:pRg st="3" end="3"/>
-                                            </p:txEl>
-                                          </p:spTgt>
-                                        </p:tgtEl>
-                                        <p:attrNameLst>
-                                          <p:attrName>style.visibility</p:attrName>
-                                        </p:attrNameLst>
-                                      </p:cBhvr>
-                                      <p:to>
-                                        <p:strVal val="visible"/>
-                                      </p:to>
-                                    </p:set>
-                                  </p:childTnLst>
-                                </p:cTn>
-                              </p:par>
-                            </p:childTnLst>
-                          </p:cTn>
-                        </p:par>
-                      </p:childTnLst>
-                    </p:cTn>
-                  </p:par>
-                  <p:par>
-                    <p:cTn id="15" fill="hold">
-                      <p:stCondLst>
-                        <p:cond delay="indefinite"/>
-                      </p:stCondLst>
-                      <p:childTnLst>
-                        <p:par>
-                          <p:cTn id="16" fill="hold">
-                            <p:stCondLst>
-                              <p:cond delay="0"/>
-                            </p:stCondLst>
-                            <p:childTnLst>
-                              <p:par>
-                                <p:cTn id="17" presetID="1" presetClass="entr" presetSubtype="0" fill="hold" nodeType="clickEffect">
-                                  <p:stCondLst>
-                                    <p:cond delay="0"/>
-                                  </p:stCondLst>
-                                  <p:childTnLst>
-                                    <p:set>
-                                      <p:cBhvr>
-                                        <p:cTn id="18" dur="1" fill="hold">
-                                          <p:stCondLst>
-                                            <p:cond delay="0"/>
-                                          </p:stCondLst>
-                                        </p:cTn>
-                                        <p:tgtEl>
-                                          <p:spTgt spid="3">
-                                            <p:txEl>
-                                              <p:pRg st="4" end="4"/>
-                                            </p:txEl>
-                                          </p:spTgt>
-                                        </p:tgtEl>
-                                        <p:attrNameLst>
-                                          <p:attrName>style.visibility</p:attrName>
-                                        </p:attrNameLst>
-                                      </p:cBhvr>
-                                      <p:to>
-                                        <p:strVal val="visible"/>
-                                      </p:to>
-                                    </p:set>
-                                  </p:childTnLst>
-                                </p:cTn>
-                              </p:par>
-                            </p:childTnLst>
-                          </p:cTn>
-                        </p:par>
-                      </p:childTnLst>
-                    </p:cTn>
-                  </p:par>
-                  <p:par>
-                    <p:cTn id="19" fill="hold">
-                      <p:stCondLst>
-                        <p:cond delay="indefinite"/>
-                      </p:stCondLst>
-                      <p:childTnLst>
-                        <p:par>
-                          <p:cTn id="20" fill="hold">
-                            <p:stCondLst>
-                              <p:cond delay="0"/>
-                            </p:stCondLst>
-                            <p:childTnLst>
-                              <p:par>
-                                <p:cTn id="21" presetID="1" presetClass="entr" presetSubtype="0" fill="hold" nodeType="clickEffect">
-                                  <p:stCondLst>
-                                    <p:cond delay="0"/>
-                                  </p:stCondLst>
-                                  <p:childTnLst>
-                                    <p:set>
-                                      <p:cBhvr>
-                                        <p:cTn id="22" dur="1" fill="hold">
-                                          <p:stCondLst>
-                                            <p:cond delay="0"/>
-                                          </p:stCondLst>
-                                        </p:cTn>
-                                        <p:tgtEl>
-                                          <p:spTgt spid="3">
-                                            <p:txEl>
-                                              <p:pRg st="5" end="5"/>
-                                            </p:txEl>
-                                          </p:spTgt>
-                                        </p:tgtEl>
-                                        <p:attrNameLst>
-                                          <p:attrName>style.visibility</p:attrName>
-                                        </p:attrNameLst>
-                                      </p:cBhvr>
-                                      <p:to>
-                                        <p:strVal val="visible"/>
-                                      </p:to>
-                                    </p:set>
-                                  </p:childTnLst>
-                                </p:cTn>
-                              </p:par>
-                            </p:childTnLst>
-                          </p:cTn>
-                        </p:par>
-                      </p:childTnLst>
-                    </p:cTn>
-                  </p:par>
-                  <p:par>
-                    <p:cTn id="23" fill="hold">
-                      <p:stCondLst>
-                        <p:cond delay="indefinite"/>
-                      </p:stCondLst>
-                      <p:childTnLst>
-                        <p:par>
-                          <p:cTn id="24" fill="hold">
-                            <p:stCondLst>
-                              <p:cond delay="0"/>
-                            </p:stCondLst>
-                            <p:childTnLst>
-                              <p:par>
-                                <p:cTn id="25" presetID="1" presetClass="entr" presetSubtype="0" fill="hold" nodeType="clickEffect">
-                                  <p:stCondLst>
-                                    <p:cond delay="0"/>
-                                  </p:stCondLst>
-                                  <p:childTnLst>
-                                    <p:set>
-                                      <p:cBhvr>
-                                        <p:cTn id="26" dur="1" fill="hold">
-                                          <p:stCondLst>
-                                            <p:cond delay="0"/>
-                                          </p:stCondLst>
-                                        </p:cTn>
-                                        <p:tgtEl>
-                                          <p:spTgt spid="3">
-                                            <p:txEl>
-                                              <p:pRg st="6" end="6"/>
-                                            </p:txEl>
-                                          </p:spTgt>
-                                        </p:tgtEl>
-                                        <p:attrNameLst>
-                                          <p:attrName>style.visibility</p:attrName>
-                                        </p:attrNameLst>
-                                      </p:cBhvr>
-                                      <p:to>
-                                        <p:strVal val="visible"/>
-                                      </p:to>
-                                    </p:set>
-                                  </p:childTnLst>
-                                </p:cTn>
-                              </p:par>
-                            </p:childTnLst>
-                          </p:cTn>
-                        </p:par>
-                      </p:childTnLst>
-                    </p:cTn>
-                  </p:par>
-                  <p:par>
-                    <p:cTn id="27" fill="hold">
-                      <p:stCondLst>
-                        <p:cond delay="indefinite"/>
-                      </p:stCondLst>
-                      <p:childTnLst>
-                        <p:par>
-                          <p:cTn id="28" fill="hold">
-                            <p:stCondLst>
-                              <p:cond delay="0"/>
-                            </p:stCondLst>
-                            <p:childTnLst>
-                              <p:par>
-                                <p:cTn id="29" presetID="1" presetClass="entr" presetSubtype="0" fill="hold" nodeType="clickEffect">
-                                  <p:stCondLst>
-                                    <p:cond delay="0"/>
-                                  </p:stCondLst>
-                                  <p:childTnLst>
-                                    <p:set>
-                                      <p:cBhvr>
-                                        <p:cTn id="30" dur="1" fill="hold">
-                                          <p:stCondLst>
-                                            <p:cond delay="0"/>
-                                          </p:stCondLst>
-                                        </p:cTn>
-                                        <p:tgtEl>
-                                          <p:spTgt spid="3">
-                                            <p:txEl>
-                                              <p:pRg st="7" end="7"/>
-                                            </p:txEl>
-                                          </p:spTgt>
-                                        </p:tgtEl>
-                                        <p:attrNameLst>
-                                          <p:attrName>style.visibility</p:attrName>
-                                        </p:attrNameLst>
-                                      </p:cBhvr>
-                                      <p:to>
-                                        <p:strVal val="visible"/>
-                                      </p:to>
-                                    </p:set>
-                                  </p:childTnLst>
-                                </p:cTn>
-                              </p:par>
-                            </p:childTnLst>
-                          </p:cTn>
-                        </p:par>
-                      </p:childTnLst>
-                    </p:cTn>
-                  </p:par>
-                </p:childTnLst>
-              </p:cTn>
-              <p:prevCondLst>
-                <p:cond evt="onPrev" delay="0">
-                  <p:tgtEl>
-                    <p:sldTgt/>
-                  </p:tgtEl>
-                </p:cond>
-              </p:prevCondLst>
-              <p:nextCondLst>
-                <p:cond evt="onNext" delay="0">
-                  <p:tgtEl>
-                    <p:sldTgt/>
-                  </p:tgtEl>
-                </p:cond>
-              </p:nextCondLst>
-            </p:seq>
-          </p:childTnLst>
-        </p:cTn>
-      </p:par>
-    </p:tnLst>
-  </p:timing>
 </p:sld>
 </file>
 
@@ -13282,7 +11652,7 @@
           <p:cNvPr id="2" name="Titel 1">
             <a:extLst>
               <a:ext uri="{FF2B5EF4-FFF2-40B4-BE49-F238E27FC236}">
-                <a16:creationId xmlns:a16="http://schemas.microsoft.com/office/drawing/2014/main" id="{46D63BE0-90E4-4B3F-B3CF-FBEB263D2E06}"/>
+                <a16:creationId xmlns:a16="http://schemas.microsoft.com/office/drawing/2014/main" id="{A765CE5F-9786-4D5E-AC7F-F1438162A196}"/>
               </a:ext>
             </a:extLst>
           </p:cNvPr>
@@ -13300,7 +11670,7 @@
           <a:p>
             <a:r>
               <a:rPr lang="nl-NL" dirty="0"/>
-              <a:t>Wat kan er nu nog niet</a:t>
+              <a:t>2) Wijzigen artikelstructuur</a:t>
             </a:r>
           </a:p>
         </p:txBody>
@@ -13310,7 +11680,7 @@
           <p:cNvPr id="3" name="Tijdelijke aanduiding voor inhoud 2">
             <a:extLst>
               <a:ext uri="{FF2B5EF4-FFF2-40B4-BE49-F238E27FC236}">
-                <a16:creationId xmlns:a16="http://schemas.microsoft.com/office/drawing/2014/main" id="{E4CFCC49-F18C-4573-842C-9A962AB22DC7}"/>
+                <a16:creationId xmlns:a16="http://schemas.microsoft.com/office/drawing/2014/main" id="{4EDFA96D-1EEF-46A5-97D0-F10B545B2013}"/>
               </a:ext>
             </a:extLst>
           </p:cNvPr>
@@ -13321,97 +11691,102 @@
             <p:ph idx="1"/>
           </p:nvPr>
         </p:nvSpPr>
-        <p:spPr>
-          <a:xfrm>
-            <a:off x="838200" y="1237673"/>
-            <a:ext cx="10515600" cy="4939290"/>
-          </a:xfrm>
-        </p:spPr>
+        <p:spPr/>
         <p:txBody>
           <a:bodyPr>
-            <a:normAutofit fontScale="85000" lnSpcReduction="20000"/>
+            <a:normAutofit/>
           </a:bodyPr>
           <a:lstStyle/>
           <a:p>
-            <a:endParaRPr lang="nl-NL" dirty="0"/>
-          </a:p>
-          <a:p>
-            <a:r>
-              <a:rPr lang="nl-NL" dirty="0"/>
-              <a:t>2 – Wijziging artikelstructuur (wijzigen zonder OW-annotaties)</a:t>
-            </a:r>
-          </a:p>
-          <a:p>
-            <a:pPr lvl="1"/>
-            <a:r>
-              <a:rPr lang="nl-NL" i="1" dirty="0"/>
-              <a:t>Redenering: Bij het voorbeeld wijzigen artikelstructuur zitten geen OW-objecten. Kortom, als je de structuur van artikelen wil aanpassen zonder aangepaste OW-Regelteksten mee te sturen, dan kan dit nog niet.</a:t>
-            </a:r>
-          </a:p>
-          <a:p>
-            <a:pPr lvl="1"/>
-            <a:endParaRPr lang="nl-NL" i="1" dirty="0"/>
-          </a:p>
-          <a:p>
-            <a:r>
-              <a:rPr lang="nl-NL" dirty="0"/>
-              <a:t>3a – wijzigen van een  artikel zonder OW-annotaties mee te sturen.</a:t>
-            </a:r>
-          </a:p>
-          <a:p>
-            <a:pPr lvl="1"/>
-            <a:r>
-              <a:rPr lang="nl-NL" i="1" dirty="0"/>
-              <a:t>Redenering: zelfde als bij 2.</a:t>
-            </a:r>
-          </a:p>
-          <a:p>
-            <a:pPr lvl="1"/>
-            <a:endParaRPr lang="nl-NL" i="1" dirty="0"/>
-          </a:p>
-          <a:p>
-            <a:r>
-              <a:rPr lang="nl-NL" dirty="0"/>
-              <a:t>4 – Wijzigen van </a:t>
+            <a:r>
+              <a:rPr lang="nl-NL" dirty="0"/>
+              <a:t>A) </a:t>
             </a:r>
             <a:r>
               <a:rPr lang="nl-NL" dirty="0" err="1"/>
-              <a:t>GIO’s</a:t>
-            </a:r>
-            <a:endParaRPr lang="nl-NL" dirty="0"/>
-          </a:p>
-          <a:p>
-            <a:pPr lvl="1"/>
-            <a:r>
-              <a:rPr lang="nl-NL" i="1" dirty="0"/>
-              <a:t>Redenering: de keten is nog niet ingericht op het meesturen van gewijzigde locaties.</a:t>
+              <a:t>hernummer</a:t>
+            </a:r>
+            <a:r>
+              <a:rPr lang="nl-NL" dirty="0"/>
+              <a:t> Artikel 2.5 naar 2.6 (aanpassen), </a:t>
             </a:r>
             <a:br>
-              <a:rPr lang="nl-NL" i="1" dirty="0"/>
+              <a:rPr lang="nl-NL" dirty="0"/>
             </a:br>
-            <a:endParaRPr lang="nl-NL" i="1" dirty="0"/>
-          </a:p>
-          <a:p>
-            <a:endParaRPr lang="nl-NL" dirty="0"/>
-          </a:p>
-          <a:p>
-            <a:r>
-              <a:rPr lang="nl-NL" dirty="0"/>
-              <a:t>10 – Directe mutaties (wijzigen zonder een besluit) 10a t/m 10f</a:t>
-            </a:r>
-          </a:p>
-          <a:p>
-            <a:pPr lvl="1"/>
-            <a:r>
-              <a:rPr lang="nl-NL" i="1" dirty="0"/>
-              <a:t>Redenering: De keten is momenteel nog ingericht op het altijd ontvangen van een besluit. </a:t>
-            </a:r>
-          </a:p>
-          <a:p>
-            <a:endParaRPr lang="nl-NL" dirty="0"/>
-          </a:p>
-          <a:p>
-            <a:pPr lvl="1"/>
+            <a:r>
+              <a:rPr lang="nl-NL" dirty="0"/>
+              <a:t>verwijder hierbij ook 2.6</a:t>
+            </a:r>
+          </a:p>
+          <a:p>
+            <a:r>
+              <a:rPr lang="nl-NL" dirty="0"/>
+              <a:t>B) voeg nieuw 2.5 toe (aanpassen)</a:t>
+            </a:r>
+          </a:p>
+          <a:p>
+            <a:r>
+              <a:rPr lang="nl-NL" dirty="0"/>
+              <a:t>C) verwijderen van Artikel 2.7 Lid 2</a:t>
+            </a:r>
+          </a:p>
+          <a:p>
+            <a:r>
+              <a:rPr lang="nl-NL" dirty="0"/>
+              <a:t>D) verwijderen van Artikel 2.14</a:t>
+            </a:r>
+          </a:p>
+          <a:p>
+            <a:r>
+              <a:rPr lang="nl-NL" dirty="0"/>
+              <a:t>E) nieuw Artikel (2.14) toevoegen</a:t>
+            </a:r>
+          </a:p>
+          <a:p>
+            <a:r>
+              <a:rPr lang="nl-NL" strike="sngStrike" dirty="0">
+                <a:solidFill>
+                  <a:schemeClr val="accent6">
+                    <a:lumMod val="75000"/>
+                  </a:schemeClr>
+                </a:solidFill>
+              </a:rPr>
+              <a:t>F) hernummeren en in (toegevoegde) hoofdstukken verdelen </a:t>
+            </a:r>
+            <a:r>
+              <a:rPr lang="nl-NL" i="1" strike="sngStrike" dirty="0">
+                <a:solidFill>
+                  <a:schemeClr val="accent6">
+                    <a:lumMod val="75000"/>
+                  </a:schemeClr>
+                </a:solidFill>
+              </a:rPr>
+              <a:t>(nog te maken)</a:t>
+            </a:r>
+          </a:p>
+          <a:p>
+            <a:r>
+              <a:rPr lang="nl-NL" strike="sngStrike" dirty="0">
+                <a:solidFill>
+                  <a:schemeClr val="accent6">
+                    <a:lumMod val="75000"/>
+                  </a:schemeClr>
+                </a:solidFill>
+              </a:rPr>
+              <a:t>G) verplaatsen van Artikelen </a:t>
+            </a:r>
+            <a:r>
+              <a:rPr lang="nl-NL" i="1" strike="sngStrike" dirty="0">
+                <a:solidFill>
+                  <a:schemeClr val="accent6">
+                    <a:lumMod val="75000"/>
+                  </a:schemeClr>
+                </a:solidFill>
+              </a:rPr>
+              <a:t>(nog uit te werken in STOP)</a:t>
+            </a:r>
+          </a:p>
+          <a:p>
             <a:endParaRPr lang="nl-NL" dirty="0"/>
           </a:p>
         </p:txBody>
@@ -13419,435 +11794,13 @@
     </p:spTree>
     <p:extLst>
       <p:ext uri="{BB962C8B-B14F-4D97-AF65-F5344CB8AC3E}">
-        <p14:creationId xmlns:p14="http://schemas.microsoft.com/office/powerpoint/2010/main" val="4104366626"/>
+        <p14:creationId xmlns:p14="http://schemas.microsoft.com/office/powerpoint/2010/main" val="409407637"/>
       </p:ext>
     </p:extLst>
   </p:cSld>
   <p:clrMapOvr>
     <a:masterClrMapping/>
   </p:clrMapOvr>
-  <p:timing>
-    <p:tnLst>
-      <p:par>
-        <p:cTn id="1" dur="indefinite" restart="never" nodeType="tmRoot">
-          <p:childTnLst>
-            <p:seq concurrent="1" nextAc="seek">
-              <p:cTn id="2" dur="indefinite" nodeType="mainSeq">
-                <p:childTnLst>
-                  <p:par>
-                    <p:cTn id="3" fill="hold">
-                      <p:stCondLst>
-                        <p:cond delay="indefinite"/>
-                      </p:stCondLst>
-                      <p:childTnLst>
-                        <p:par>
-                          <p:cTn id="4" fill="hold">
-                            <p:stCondLst>
-                              <p:cond delay="0"/>
-                            </p:stCondLst>
-                            <p:childTnLst>
-                              <p:par>
-                                <p:cTn id="5" presetID="1" presetClass="entr" presetSubtype="0" fill="hold" nodeType="clickEffect">
-                                  <p:stCondLst>
-                                    <p:cond delay="0"/>
-                                  </p:stCondLst>
-                                  <p:childTnLst>
-                                    <p:set>
-                                      <p:cBhvr>
-                                        <p:cTn id="6" dur="1" fill="hold">
-                                          <p:stCondLst>
-                                            <p:cond delay="0"/>
-                                          </p:stCondLst>
-                                        </p:cTn>
-                                        <p:tgtEl>
-                                          <p:spTgt spid="3">
-                                            <p:txEl>
-                                              <p:pRg st="1" end="1"/>
-                                            </p:txEl>
-                                          </p:spTgt>
-                                        </p:tgtEl>
-                                        <p:attrNameLst>
-                                          <p:attrName>style.visibility</p:attrName>
-                                        </p:attrNameLst>
-                                      </p:cBhvr>
-                                      <p:to>
-                                        <p:strVal val="visible"/>
-                                      </p:to>
-                                    </p:set>
-                                  </p:childTnLst>
-                                </p:cTn>
-                              </p:par>
-                            </p:childTnLst>
-                          </p:cTn>
-                        </p:par>
-                      </p:childTnLst>
-                    </p:cTn>
-                  </p:par>
-                  <p:par>
-                    <p:cTn id="7" fill="hold">
-                      <p:stCondLst>
-                        <p:cond delay="indefinite"/>
-                      </p:stCondLst>
-                      <p:childTnLst>
-                        <p:par>
-                          <p:cTn id="8" fill="hold">
-                            <p:stCondLst>
-                              <p:cond delay="0"/>
-                            </p:stCondLst>
-                            <p:childTnLst>
-                              <p:par>
-                                <p:cTn id="9" presetID="1" presetClass="entr" presetSubtype="0" fill="hold" nodeType="clickEffect">
-                                  <p:stCondLst>
-                                    <p:cond delay="0"/>
-                                  </p:stCondLst>
-                                  <p:childTnLst>
-                                    <p:set>
-                                      <p:cBhvr>
-                                        <p:cTn id="10" dur="1" fill="hold">
-                                          <p:stCondLst>
-                                            <p:cond delay="0"/>
-                                          </p:stCondLst>
-                                        </p:cTn>
-                                        <p:tgtEl>
-                                          <p:spTgt spid="3">
-                                            <p:txEl>
-                                              <p:pRg st="2" end="2"/>
-                                            </p:txEl>
-                                          </p:spTgt>
-                                        </p:tgtEl>
-                                        <p:attrNameLst>
-                                          <p:attrName>style.visibility</p:attrName>
-                                        </p:attrNameLst>
-                                      </p:cBhvr>
-                                      <p:to>
-                                        <p:strVal val="visible"/>
-                                      </p:to>
-                                    </p:set>
-                                  </p:childTnLst>
-                                </p:cTn>
-                              </p:par>
-                            </p:childTnLst>
-                          </p:cTn>
-                        </p:par>
-                      </p:childTnLst>
-                    </p:cTn>
-                  </p:par>
-                  <p:par>
-                    <p:cTn id="11" fill="hold">
-                      <p:stCondLst>
-                        <p:cond delay="indefinite"/>
-                      </p:stCondLst>
-                      <p:childTnLst>
-                        <p:par>
-                          <p:cTn id="12" fill="hold">
-                            <p:stCondLst>
-                              <p:cond delay="0"/>
-                            </p:stCondLst>
-                            <p:childTnLst>
-                              <p:par>
-                                <p:cTn id="13" presetID="1" presetClass="entr" presetSubtype="0" fill="hold" nodeType="clickEffect">
-                                  <p:stCondLst>
-                                    <p:cond delay="0"/>
-                                  </p:stCondLst>
-                                  <p:childTnLst>
-                                    <p:set>
-                                      <p:cBhvr>
-                                        <p:cTn id="14" dur="1" fill="hold">
-                                          <p:stCondLst>
-                                            <p:cond delay="0"/>
-                                          </p:stCondLst>
-                                        </p:cTn>
-                                        <p:tgtEl>
-                                          <p:spTgt spid="3">
-                                            <p:txEl>
-                                              <p:pRg st="4" end="4"/>
-                                            </p:txEl>
-                                          </p:spTgt>
-                                        </p:tgtEl>
-                                        <p:attrNameLst>
-                                          <p:attrName>style.visibility</p:attrName>
-                                        </p:attrNameLst>
-                                      </p:cBhvr>
-                                      <p:to>
-                                        <p:strVal val="visible"/>
-                                      </p:to>
-                                    </p:set>
-                                  </p:childTnLst>
-                                </p:cTn>
-                              </p:par>
-                            </p:childTnLst>
-                          </p:cTn>
-                        </p:par>
-                      </p:childTnLst>
-                    </p:cTn>
-                  </p:par>
-                  <p:par>
-                    <p:cTn id="15" fill="hold">
-                      <p:stCondLst>
-                        <p:cond delay="indefinite"/>
-                      </p:stCondLst>
-                      <p:childTnLst>
-                        <p:par>
-                          <p:cTn id="16" fill="hold">
-                            <p:stCondLst>
-                              <p:cond delay="0"/>
-                            </p:stCondLst>
-                            <p:childTnLst>
-                              <p:par>
-                                <p:cTn id="17" presetID="1" presetClass="entr" presetSubtype="0" fill="hold" nodeType="clickEffect">
-                                  <p:stCondLst>
-                                    <p:cond delay="0"/>
-                                  </p:stCondLst>
-                                  <p:childTnLst>
-                                    <p:set>
-                                      <p:cBhvr>
-                                        <p:cTn id="18" dur="1" fill="hold">
-                                          <p:stCondLst>
-                                            <p:cond delay="0"/>
-                                          </p:stCondLst>
-                                        </p:cTn>
-                                        <p:tgtEl>
-                                          <p:spTgt spid="3">
-                                            <p:txEl>
-                                              <p:pRg st="5" end="5"/>
-                                            </p:txEl>
-                                          </p:spTgt>
-                                        </p:tgtEl>
-                                        <p:attrNameLst>
-                                          <p:attrName>style.visibility</p:attrName>
-                                        </p:attrNameLst>
-                                      </p:cBhvr>
-                                      <p:to>
-                                        <p:strVal val="visible"/>
-                                      </p:to>
-                                    </p:set>
-                                  </p:childTnLst>
-                                </p:cTn>
-                              </p:par>
-                            </p:childTnLst>
-                          </p:cTn>
-                        </p:par>
-                      </p:childTnLst>
-                    </p:cTn>
-                  </p:par>
-                  <p:par>
-                    <p:cTn id="19" fill="hold">
-                      <p:stCondLst>
-                        <p:cond delay="indefinite"/>
-                      </p:stCondLst>
-                      <p:childTnLst>
-                        <p:par>
-                          <p:cTn id="20" fill="hold">
-                            <p:stCondLst>
-                              <p:cond delay="0"/>
-                            </p:stCondLst>
-                            <p:childTnLst>
-                              <p:par>
-                                <p:cTn id="21" presetID="1" presetClass="entr" presetSubtype="0" fill="hold" nodeType="clickEffect">
-                                  <p:stCondLst>
-                                    <p:cond delay="0"/>
-                                  </p:stCondLst>
-                                  <p:childTnLst>
-                                    <p:set>
-                                      <p:cBhvr>
-                                        <p:cTn id="22" dur="1" fill="hold">
-                                          <p:stCondLst>
-                                            <p:cond delay="0"/>
-                                          </p:stCondLst>
-                                        </p:cTn>
-                                        <p:tgtEl>
-                                          <p:spTgt spid="3">
-                                            <p:txEl>
-                                              <p:pRg st="7" end="7"/>
-                                            </p:txEl>
-                                          </p:spTgt>
-                                        </p:tgtEl>
-                                        <p:attrNameLst>
-                                          <p:attrName>style.visibility</p:attrName>
-                                        </p:attrNameLst>
-                                      </p:cBhvr>
-                                      <p:to>
-                                        <p:strVal val="visible"/>
-                                      </p:to>
-                                    </p:set>
-                                  </p:childTnLst>
-                                </p:cTn>
-                              </p:par>
-                            </p:childTnLst>
-                          </p:cTn>
-                        </p:par>
-                      </p:childTnLst>
-                    </p:cTn>
-                  </p:par>
-                  <p:par>
-                    <p:cTn id="23" fill="hold">
-                      <p:stCondLst>
-                        <p:cond delay="indefinite"/>
-                      </p:stCondLst>
-                      <p:childTnLst>
-                        <p:par>
-                          <p:cTn id="24" fill="hold">
-                            <p:stCondLst>
-                              <p:cond delay="0"/>
-                            </p:stCondLst>
-                            <p:childTnLst>
-                              <p:par>
-                                <p:cTn id="25" presetID="1" presetClass="entr" presetSubtype="0" fill="hold" nodeType="clickEffect">
-                                  <p:stCondLst>
-                                    <p:cond delay="0"/>
-                                  </p:stCondLst>
-                                  <p:childTnLst>
-                                    <p:set>
-                                      <p:cBhvr>
-                                        <p:cTn id="26" dur="1" fill="hold">
-                                          <p:stCondLst>
-                                            <p:cond delay="0"/>
-                                          </p:stCondLst>
-                                        </p:cTn>
-                                        <p:tgtEl>
-                                          <p:spTgt spid="3">
-                                            <p:txEl>
-                                              <p:pRg st="8" end="8"/>
-                                            </p:txEl>
-                                          </p:spTgt>
-                                        </p:tgtEl>
-                                        <p:attrNameLst>
-                                          <p:attrName>style.visibility</p:attrName>
-                                        </p:attrNameLst>
-                                      </p:cBhvr>
-                                      <p:to>
-                                        <p:strVal val="visible"/>
-                                      </p:to>
-                                    </p:set>
-                                  </p:childTnLst>
-                                </p:cTn>
-                              </p:par>
-                            </p:childTnLst>
-                          </p:cTn>
-                        </p:par>
-                      </p:childTnLst>
-                    </p:cTn>
-                  </p:par>
-                  <p:par>
-                    <p:cTn id="27" fill="hold">
-                      <p:stCondLst>
-                        <p:cond delay="indefinite"/>
-                      </p:stCondLst>
-                      <p:childTnLst>
-                        <p:par>
-                          <p:cTn id="28" fill="hold">
-                            <p:stCondLst>
-                              <p:cond delay="0"/>
-                            </p:stCondLst>
-                            <p:childTnLst>
-                              <p:par>
-                                <p:cTn id="29" presetID="1" presetClass="entr" presetSubtype="0" fill="hold" nodeType="clickEffect">
-                                  <p:stCondLst>
-                                    <p:cond delay="0"/>
-                                  </p:stCondLst>
-                                  <p:childTnLst>
-                                    <p:set>
-                                      <p:cBhvr>
-                                        <p:cTn id="30" dur="1" fill="hold">
-                                          <p:stCondLst>
-                                            <p:cond delay="0"/>
-                                          </p:stCondLst>
-                                        </p:cTn>
-                                        <p:tgtEl>
-                                          <p:spTgt spid="3">
-                                            <p:txEl>
-                                              <p:pRg st="10" end="10"/>
-                                            </p:txEl>
-                                          </p:spTgt>
-                                        </p:tgtEl>
-                                        <p:attrNameLst>
-                                          <p:attrName>style.visibility</p:attrName>
-                                        </p:attrNameLst>
-                                      </p:cBhvr>
-                                      <p:to>
-                                        <p:strVal val="visible"/>
-                                      </p:to>
-                                    </p:set>
-                                  </p:childTnLst>
-                                </p:cTn>
-                              </p:par>
-                            </p:childTnLst>
-                          </p:cTn>
-                        </p:par>
-                      </p:childTnLst>
-                    </p:cTn>
-                  </p:par>
-                  <p:par>
-                    <p:cTn id="31" fill="hold">
-                      <p:stCondLst>
-                        <p:cond delay="indefinite"/>
-                      </p:stCondLst>
-                      <p:childTnLst>
-                        <p:par>
-                          <p:cTn id="32" fill="hold">
-                            <p:stCondLst>
-                              <p:cond delay="0"/>
-                            </p:stCondLst>
-                            <p:childTnLst>
-                              <p:par>
-                                <p:cTn id="33" presetID="1" presetClass="entr" presetSubtype="0" fill="hold" nodeType="clickEffect">
-                                  <p:stCondLst>
-                                    <p:cond delay="0"/>
-                                  </p:stCondLst>
-                                  <p:childTnLst>
-                                    <p:set>
-                                      <p:cBhvr>
-                                        <p:cTn id="34" dur="1" fill="hold">
-                                          <p:stCondLst>
-                                            <p:cond delay="0"/>
-                                          </p:stCondLst>
-                                        </p:cTn>
-                                        <p:tgtEl>
-                                          <p:spTgt spid="3">
-                                            <p:txEl>
-                                              <p:pRg st="11" end="11"/>
-                                            </p:txEl>
-                                          </p:spTgt>
-                                        </p:tgtEl>
-                                        <p:attrNameLst>
-                                          <p:attrName>style.visibility</p:attrName>
-                                        </p:attrNameLst>
-                                      </p:cBhvr>
-                                      <p:to>
-                                        <p:strVal val="visible"/>
-                                      </p:to>
-                                    </p:set>
-                                  </p:childTnLst>
-                                </p:cTn>
-                              </p:par>
-                            </p:childTnLst>
-                          </p:cTn>
-                        </p:par>
-                      </p:childTnLst>
-                    </p:cTn>
-                  </p:par>
-                </p:childTnLst>
-              </p:cTn>
-              <p:prevCondLst>
-                <p:cond evt="onPrev" delay="0">
-                  <p:tgtEl>
-                    <p:sldTgt/>
-                  </p:tgtEl>
-                </p:cond>
-              </p:prevCondLst>
-              <p:nextCondLst>
-                <p:cond evt="onNext" delay="0">
-                  <p:tgtEl>
-                    <p:sldTgt/>
-                  </p:tgtEl>
-                </p:cond>
-              </p:nextCondLst>
-            </p:seq>
-          </p:childTnLst>
-        </p:cTn>
-      </p:par>
-    </p:tnLst>
-  </p:timing>
 </p:sld>
 </file>
 
@@ -14442,6 +12395,12 @@
 </file>
 
 <file path=customXml/item1.xml><?xml version="1.0" encoding="utf-8"?>
+<p:properties xmlns:p="http://schemas.microsoft.com/office/2006/metadata/properties" xmlns:xsi="http://www.w3.org/2001/XMLSchema-instance" xmlns:pc="http://schemas.microsoft.com/office/infopath/2007/PartnerControls">
+  <documentManagement/>
+</p:properties>
+</file>
+
+<file path=customXml/item2.xml><?xml version="1.0" encoding="utf-8"?>
 <ct:contentTypeSchema xmlns:ct="http://schemas.microsoft.com/office/2006/metadata/contentType" xmlns:ma="http://schemas.microsoft.com/office/2006/metadata/properties/metaAttributes" ct:_="" ma:_="" ma:contentTypeName="Document" ma:contentTypeID="0x0101003ADD3040E3157B4E913BCA65F34844D7" ma:contentTypeVersion="10" ma:contentTypeDescription="Een nieuw document maken." ma:contentTypeScope="" ma:versionID="c1765059aa1475931adc12138fdcfd8c">
   <xsd:schema xmlns:xsd="http://www.w3.org/2001/XMLSchema" xmlns:xs="http://www.w3.org/2001/XMLSchema" xmlns:p="http://schemas.microsoft.com/office/2006/metadata/properties" xmlns:ns2="aafb19fa-82be-411d-a6df-c75e9235a4ea" xmlns:ns3="3dfebdfe-2b22-40ba-8672-9fbc9b4066c4" targetNamespace="http://schemas.microsoft.com/office/2006/metadata/properties" ma:root="true" ma:fieldsID="42d79c55539af1f9f274032ce6041302" ns2:_="" ns3:_="">
     <xsd:import namespace="aafb19fa-82be-411d-a6df-c75e9235a4ea"/>
@@ -14644,12 +12603,6 @@
 </ct:contentTypeSchema>
 </file>
 
-<file path=customXml/item2.xml><?xml version="1.0" encoding="utf-8"?>
-<p:properties xmlns:p="http://schemas.microsoft.com/office/2006/metadata/properties" xmlns:xsi="http://www.w3.org/2001/XMLSchema-instance" xmlns:pc="http://schemas.microsoft.com/office/infopath/2007/PartnerControls">
-  <documentManagement/>
-</p:properties>
-</file>
-
 <file path=customXml/item3.xml><?xml version="1.0" encoding="utf-8"?>
 <?mso-contentType ?>
 <FormTemplates xmlns="http://schemas.microsoft.com/sharepoint/v3/contenttype/forms">
@@ -14660,6 +12613,23 @@
 </file>
 
 <file path=customXml/itemProps1.xml><?xml version="1.0" encoding="utf-8"?>
+<ds:datastoreItem xmlns:ds="http://schemas.openxmlformats.org/officeDocument/2006/customXml" ds:itemID="{44F744C1-7216-4F24-AF2B-C028C1AC510B}">
+  <ds:schemaRefs>
+    <ds:schemaRef ds:uri="http://purl.org/dc/elements/1.1/"/>
+    <ds:schemaRef ds:uri="http://purl.org/dc/terms/"/>
+    <ds:schemaRef ds:uri="3dfebdfe-2b22-40ba-8672-9fbc9b4066c4"/>
+    <ds:schemaRef ds:uri="http://www.w3.org/XML/1998/namespace"/>
+    <ds:schemaRef ds:uri="http://schemas.microsoft.com/office/2006/documentManagement/types"/>
+    <ds:schemaRef ds:uri="http://schemas.microsoft.com/office/2006/metadata/properties"/>
+    <ds:schemaRef ds:uri="http://purl.org/dc/dcmitype/"/>
+    <ds:schemaRef ds:uri="http://schemas.microsoft.com/office/infopath/2007/PartnerControls"/>
+    <ds:schemaRef ds:uri="http://schemas.openxmlformats.org/package/2006/metadata/core-properties"/>
+    <ds:schemaRef ds:uri="aafb19fa-82be-411d-a6df-c75e9235a4ea"/>
+  </ds:schemaRefs>
+</ds:datastoreItem>
+</file>
+
+<file path=customXml/itemProps2.xml><?xml version="1.0" encoding="utf-8"?>
 <ds:datastoreItem xmlns:ds="http://schemas.openxmlformats.org/officeDocument/2006/customXml" ds:itemID="{86B9146A-7E8D-43BD-BCDA-EAF916D7BF88}">
   <ds:schemaRefs>
     <ds:schemaRef ds:uri="http://schemas.microsoft.com/office/2006/metadata/contentType"/>
@@ -14678,23 +12648,6 @@
 </ds:datastoreItem>
 </file>
 
-<file path=customXml/itemProps2.xml><?xml version="1.0" encoding="utf-8"?>
-<ds:datastoreItem xmlns:ds="http://schemas.openxmlformats.org/officeDocument/2006/customXml" ds:itemID="{44F744C1-7216-4F24-AF2B-C028C1AC510B}">
-  <ds:schemaRefs>
-    <ds:schemaRef ds:uri="http://purl.org/dc/elements/1.1/"/>
-    <ds:schemaRef ds:uri="http://purl.org/dc/terms/"/>
-    <ds:schemaRef ds:uri="3dfebdfe-2b22-40ba-8672-9fbc9b4066c4"/>
-    <ds:schemaRef ds:uri="http://www.w3.org/XML/1998/namespace"/>
-    <ds:schemaRef ds:uri="http://schemas.microsoft.com/office/2006/documentManagement/types"/>
-    <ds:schemaRef ds:uri="http://schemas.microsoft.com/office/2006/metadata/properties"/>
-    <ds:schemaRef ds:uri="http://purl.org/dc/dcmitype/"/>
-    <ds:schemaRef ds:uri="http://schemas.microsoft.com/office/infopath/2007/PartnerControls"/>
-    <ds:schemaRef ds:uri="http://schemas.openxmlformats.org/package/2006/metadata/core-properties"/>
-    <ds:schemaRef ds:uri="aafb19fa-82be-411d-a6df-c75e9235a4ea"/>
-  </ds:schemaRefs>
-</ds:datastoreItem>
-</file>
-
 <file path=customXml/itemProps3.xml><?xml version="1.0" encoding="utf-8"?>
 <ds:datastoreItem xmlns:ds="http://schemas.openxmlformats.org/officeDocument/2006/customXml" ds:itemID="{F8CFDD08-2AF3-45C0-9BFB-55C0CB45D846}">
   <ds:schemaRefs>
